--- a/Enhancing Mobile Security through Machine Learning_ A Study on Android Malware Detection.pptx
+++ b/Enhancing Mobile Security through Machine Learning_ A Study on Android Malware Detection.pptx
@@ -5,7 +5,7 @@
     <p:sldMasterId id="2147483659" r:id="rId1"/>
   </p:sldMasterIdLst>
   <p:notesMasterIdLst>
-    <p:notesMasterId r:id="rId16"/>
+    <p:notesMasterId r:id="rId14"/>
   </p:notesMasterIdLst>
   <p:sldIdLst>
     <p:sldId id="256" r:id="rId2"/>
@@ -14,43 +14,29 @@
     <p:sldId id="259" r:id="rId5"/>
     <p:sldId id="269" r:id="rId6"/>
     <p:sldId id="260" r:id="rId7"/>
-    <p:sldId id="261" r:id="rId8"/>
-    <p:sldId id="262" r:id="rId9"/>
-    <p:sldId id="263" r:id="rId10"/>
-    <p:sldId id="264" r:id="rId11"/>
-    <p:sldId id="265" r:id="rId12"/>
-    <p:sldId id="266" r:id="rId13"/>
-    <p:sldId id="267" r:id="rId14"/>
-    <p:sldId id="268" r:id="rId15"/>
+    <p:sldId id="262" r:id="rId8"/>
+    <p:sldId id="264" r:id="rId9"/>
+    <p:sldId id="265" r:id="rId10"/>
+    <p:sldId id="266" r:id="rId11"/>
+    <p:sldId id="267" r:id="rId12"/>
+    <p:sldId id="268" r:id="rId13"/>
   </p:sldIdLst>
   <p:sldSz cx="9144000" cy="5143500" type="screen16x9"/>
   <p:notesSz cx="6858000" cy="9144000"/>
   <p:embeddedFontLst>
     <p:embeddedFont>
-      <p:font typeface="David" panose="020E0502060401010101" pitchFamily="34" charset="-79"/>
-      <p:regular r:id="rId17"/>
-      <p:bold r:id="rId18"/>
+      <p:font typeface="Lato" panose="020F0502020204030203" pitchFamily="34" charset="0"/>
+      <p:regular r:id="rId15"/>
+      <p:bold r:id="rId16"/>
+      <p:italic r:id="rId17"/>
+      <p:boldItalic r:id="rId18"/>
     </p:embeddedFont>
     <p:embeddedFont>
-      <p:font typeface="Lato" panose="020F0502020204030203" pitchFamily="34" charset="0"/>
+      <p:font typeface="Montserrat" pitchFamily="2" charset="77"/>
       <p:regular r:id="rId19"/>
       <p:bold r:id="rId20"/>
       <p:italic r:id="rId21"/>
       <p:boldItalic r:id="rId22"/>
-    </p:embeddedFont>
-    <p:embeddedFont>
-      <p:font typeface="Montserrat" pitchFamily="2" charset="77"/>
-      <p:regular r:id="rId23"/>
-      <p:bold r:id="rId24"/>
-      <p:italic r:id="rId25"/>
-      <p:boldItalic r:id="rId26"/>
-    </p:embeddedFont>
-    <p:embeddedFont>
-      <p:font typeface="Roboto" panose="02000000000000000000" pitchFamily="2" charset="0"/>
-      <p:regular r:id="rId27"/>
-      <p:bold r:id="rId28"/>
-      <p:italic r:id="rId29"/>
-      <p:boldItalic r:id="rId30"/>
     </p:embeddedFont>
   </p:embeddedFontLst>
   <p:defaultTextStyle>
@@ -825,16 +811,24 @@
           </a:bodyPr>
           <a:lstStyle/>
           <a:p>
-            <a:pPr marL="0" lvl="0" indent="0" algn="l" rtl="0">
-              <a:spcBef>
-                <a:spcPts val="0"/>
-              </a:spcBef>
-              <a:spcAft>
-                <a:spcPts val="0"/>
-              </a:spcAft>
-              <a:buNone/>
-            </a:pPr>
-            <a:endParaRPr/>
+            <a:pPr marL="0" marR="0" lvl="0" indent="0" algn="r" rtl="1">
+              <a:lnSpc>
+                <a:spcPct val="100000"/>
+              </a:lnSpc>
+              <a:spcBef>
+                <a:spcPts val="0"/>
+              </a:spcBef>
+              <a:spcAft>
+                <a:spcPts val="0"/>
+              </a:spcAft>
+              <a:buClr>
+                <a:srgbClr val="000000"/>
+              </a:buClr>
+              <a:buSzPts val="1100"/>
+              <a:buFont typeface="Arial"/>
+              <a:buNone/>
+            </a:pPr>
+            <a:endParaRPr dirty="0"/>
           </a:p>
         </p:txBody>
       </p:sp>
@@ -847,214 +841,6 @@
 </file>
 
 <file path=ppt/notesSlides/notesSlide10.xml><?xml version="1.0" encoding="utf-8"?>
-<p:notes xmlns:a="http://schemas.openxmlformats.org/drawingml/2006/main" xmlns:r="http://schemas.openxmlformats.org/officeDocument/2006/relationships" xmlns:p="http://schemas.openxmlformats.org/presentationml/2006/main" showMasterSp="0" showMasterPhAnim="0">
-  <p:cSld>
-    <p:spTree>
-      <p:nvGrpSpPr>
-        <p:cNvPr id="1" name="Shape 179"/>
-        <p:cNvGrpSpPr/>
-        <p:nvPr/>
-      </p:nvGrpSpPr>
-      <p:grpSpPr>
-        <a:xfrm>
-          <a:off x="0" y="0"/>
-          <a:ext cx="0" cy="0"/>
-          <a:chOff x="0" y="0"/>
-          <a:chExt cx="0" cy="0"/>
-        </a:xfrm>
-      </p:grpSpPr>
-      <p:sp>
-        <p:nvSpPr>
-          <p:cNvPr id="180" name="Google Shape;180;g1d83d28a3d8_0_1137:notes"/>
-          <p:cNvSpPr>
-            <a:spLocks noGrp="1" noRot="1" noChangeAspect="1"/>
-          </p:cNvSpPr>
-          <p:nvPr>
-            <p:ph type="sldImg" idx="2"/>
-          </p:nvPr>
-        </p:nvSpPr>
-        <p:spPr>
-          <a:xfrm>
-            <a:off x="381000" y="685800"/>
-            <a:ext cx="6096000" cy="3429000"/>
-          </a:xfrm>
-          <a:custGeom>
-            <a:avLst/>
-            <a:gdLst/>
-            <a:ahLst/>
-            <a:cxnLst/>
-            <a:rect l="l" t="t" r="r" b="b"/>
-            <a:pathLst>
-              <a:path w="120000" h="120000" extrusionOk="0">
-                <a:moveTo>
-                  <a:pt x="0" y="0"/>
-                </a:moveTo>
-                <a:lnTo>
-                  <a:pt x="120000" y="0"/>
-                </a:lnTo>
-                <a:lnTo>
-                  <a:pt x="120000" y="120000"/>
-                </a:lnTo>
-                <a:lnTo>
-                  <a:pt x="0" y="120000"/>
-                </a:lnTo>
-                <a:close/>
-              </a:path>
-            </a:pathLst>
-          </a:custGeom>
-        </p:spPr>
-      </p:sp>
-      <p:sp>
-        <p:nvSpPr>
-          <p:cNvPr id="181" name="Google Shape;181;g1d83d28a3d8_0_1137:notes"/>
-          <p:cNvSpPr txBox="1">
-            <a:spLocks noGrp="1"/>
-          </p:cNvSpPr>
-          <p:nvPr>
-            <p:ph type="body" idx="1"/>
-          </p:nvPr>
-        </p:nvSpPr>
-        <p:spPr>
-          <a:xfrm>
-            <a:off x="685800" y="4343400"/>
-            <a:ext cx="5486400" cy="4114800"/>
-          </a:xfrm>
-          <a:prstGeom prst="rect">
-            <a:avLst/>
-          </a:prstGeom>
-        </p:spPr>
-        <p:txBody>
-          <a:bodyPr spcFirstLastPara="1" wrap="square" lIns="91425" tIns="91425" rIns="91425" bIns="91425" anchor="t" anchorCtr="0">
-            <a:noAutofit/>
-          </a:bodyPr>
-          <a:lstStyle/>
-          <a:p>
-            <a:pPr marL="0" lvl="0" indent="0" algn="l" rtl="0">
-              <a:spcBef>
-                <a:spcPts val="0"/>
-              </a:spcBef>
-              <a:spcAft>
-                <a:spcPts val="0"/>
-              </a:spcAft>
-              <a:buNone/>
-            </a:pPr>
-            <a:endParaRPr/>
-          </a:p>
-        </p:txBody>
-      </p:sp>
-    </p:spTree>
-  </p:cSld>
-  <p:clrMapOvr>
-    <a:masterClrMapping/>
-  </p:clrMapOvr>
-</p:notes>
-</file>
-
-<file path=ppt/notesSlides/notesSlide11.xml><?xml version="1.0" encoding="utf-8"?>
-<p:notes xmlns:a="http://schemas.openxmlformats.org/drawingml/2006/main" xmlns:r="http://schemas.openxmlformats.org/officeDocument/2006/relationships" xmlns:p="http://schemas.openxmlformats.org/presentationml/2006/main" showMasterSp="0" showMasterPhAnim="0">
-  <p:cSld>
-    <p:spTree>
-      <p:nvGrpSpPr>
-        <p:cNvPr id="1" name="Shape 185"/>
-        <p:cNvGrpSpPr/>
-        <p:nvPr/>
-      </p:nvGrpSpPr>
-      <p:grpSpPr>
-        <a:xfrm>
-          <a:off x="0" y="0"/>
-          <a:ext cx="0" cy="0"/>
-          <a:chOff x="0" y="0"/>
-          <a:chExt cx="0" cy="0"/>
-        </a:xfrm>
-      </p:grpSpPr>
-      <p:sp>
-        <p:nvSpPr>
-          <p:cNvPr id="186" name="Google Shape;186;g1d83d28a3d8_0_1145:notes"/>
-          <p:cNvSpPr>
-            <a:spLocks noGrp="1" noRot="1" noChangeAspect="1"/>
-          </p:cNvSpPr>
-          <p:nvPr>
-            <p:ph type="sldImg" idx="2"/>
-          </p:nvPr>
-        </p:nvSpPr>
-        <p:spPr>
-          <a:xfrm>
-            <a:off x="381000" y="685800"/>
-            <a:ext cx="6096000" cy="3429000"/>
-          </a:xfrm>
-          <a:custGeom>
-            <a:avLst/>
-            <a:gdLst/>
-            <a:ahLst/>
-            <a:cxnLst/>
-            <a:rect l="l" t="t" r="r" b="b"/>
-            <a:pathLst>
-              <a:path w="120000" h="120000" extrusionOk="0">
-                <a:moveTo>
-                  <a:pt x="0" y="0"/>
-                </a:moveTo>
-                <a:lnTo>
-                  <a:pt x="120000" y="0"/>
-                </a:lnTo>
-                <a:lnTo>
-                  <a:pt x="120000" y="120000"/>
-                </a:lnTo>
-                <a:lnTo>
-                  <a:pt x="0" y="120000"/>
-                </a:lnTo>
-                <a:close/>
-              </a:path>
-            </a:pathLst>
-          </a:custGeom>
-        </p:spPr>
-      </p:sp>
-      <p:sp>
-        <p:nvSpPr>
-          <p:cNvPr id="187" name="Google Shape;187;g1d83d28a3d8_0_1145:notes"/>
-          <p:cNvSpPr txBox="1">
-            <a:spLocks noGrp="1"/>
-          </p:cNvSpPr>
-          <p:nvPr>
-            <p:ph type="body" idx="1"/>
-          </p:nvPr>
-        </p:nvSpPr>
-        <p:spPr>
-          <a:xfrm>
-            <a:off x="685800" y="4343400"/>
-            <a:ext cx="5486400" cy="4114800"/>
-          </a:xfrm>
-          <a:prstGeom prst="rect">
-            <a:avLst/>
-          </a:prstGeom>
-        </p:spPr>
-        <p:txBody>
-          <a:bodyPr spcFirstLastPara="1" wrap="square" lIns="91425" tIns="91425" rIns="91425" bIns="91425" anchor="t" anchorCtr="0">
-            <a:noAutofit/>
-          </a:bodyPr>
-          <a:lstStyle/>
-          <a:p>
-            <a:pPr marL="0" lvl="0" indent="0" algn="l" rtl="0">
-              <a:spcBef>
-                <a:spcPts val="0"/>
-              </a:spcBef>
-              <a:spcAft>
-                <a:spcPts val="0"/>
-              </a:spcAft>
-              <a:buNone/>
-            </a:pPr>
-            <a:endParaRPr/>
-          </a:p>
-        </p:txBody>
-      </p:sp>
-    </p:spTree>
-  </p:cSld>
-  <p:clrMapOvr>
-    <a:masterClrMapping/>
-  </p:clrMapOvr>
-</p:notes>
-</file>
-
-<file path=ppt/notesSlides/notesSlide12.xml><?xml version="1.0" encoding="utf-8"?>
 <p:notes xmlns:a="http://schemas.openxmlformats.org/drawingml/2006/main" xmlns:r="http://schemas.openxmlformats.org/officeDocument/2006/relationships" xmlns:p="http://schemas.openxmlformats.org/presentationml/2006/main" showMasterSp="0" showMasterPhAnim="0">
   <p:cSld>
     <p:spTree>
@@ -1137,16 +923,26 @@
           </a:bodyPr>
           <a:lstStyle/>
           <a:p>
-            <a:pPr marL="0" lvl="0" indent="0" algn="l" rtl="0">
-              <a:spcBef>
-                <a:spcPts val="0"/>
-              </a:spcBef>
-              <a:spcAft>
-                <a:spcPts val="0"/>
-              </a:spcAft>
-              <a:buNone/>
-            </a:pPr>
-            <a:endParaRPr/>
+            <a:pPr marL="0" lvl="0" indent="0" algn="r" rtl="0">
+              <a:spcBef>
+                <a:spcPts val="0"/>
+              </a:spcBef>
+              <a:spcAft>
+                <a:spcPts val="0"/>
+              </a:spcAft>
+              <a:buNone/>
+            </a:pPr>
+            <a:r>
+              <a:rPr lang="he-IL" sz="1300" b="0" i="0" u="none" strike="noStrike" dirty="0">
+                <a:solidFill>
+                  <a:srgbClr val="000000"/>
+                </a:solidFill>
+                <a:effectLst/>
+                <a:latin typeface="Segoe UI Web (Hebrew)"/>
+              </a:rPr>
+              <a:t>התמודדנו עם מספר אתגרים בפרויקט, כולל התמודדות עם מערך נתונים גדול, נתונים מורכבים ואיכות נתונים. הם גם היו צריכים להשתמש בטכניקות של הפחתת ממדיות כדי להתמודד עם ממדיות גבוהה, ולהעריך בקפידה אלגוריתמים שונים כדי לקבוע איזה מהם מתאים ביותר למשימה.</a:t>
+            </a:r>
+            <a:endParaRPr sz="1300" dirty="0"/>
           </a:p>
         </p:txBody>
       </p:sp>
@@ -1158,7 +954,7 @@
 </p:notes>
 </file>
 
-<file path=ppt/notesSlides/notesSlide13.xml><?xml version="1.0" encoding="utf-8"?>
+<file path=ppt/notesSlides/notesSlide11.xml><?xml version="1.0" encoding="utf-8"?>
 <p:notes xmlns:a="http://schemas.openxmlformats.org/drawingml/2006/main" xmlns:r="http://schemas.openxmlformats.org/officeDocument/2006/relationships" xmlns:p="http://schemas.openxmlformats.org/presentationml/2006/main" showMasterSp="0" showMasterPhAnim="0">
   <p:cSld>
     <p:spTree>
@@ -1241,16 +1037,48 @@
           </a:bodyPr>
           <a:lstStyle/>
           <a:p>
-            <a:pPr marL="0" lvl="0" indent="0" algn="l" rtl="0">
-              <a:spcBef>
-                <a:spcPts val="0"/>
-              </a:spcBef>
-              <a:spcAft>
-                <a:spcPts val="0"/>
-              </a:spcAft>
-              <a:buNone/>
-            </a:pPr>
-            <a:endParaRPr/>
+            <a:pPr marL="0" lvl="0" indent="0" algn="r" rtl="0">
+              <a:spcBef>
+                <a:spcPts val="0"/>
+              </a:spcBef>
+              <a:spcAft>
+                <a:spcPts val="0"/>
+              </a:spcAft>
+              <a:buNone/>
+            </a:pPr>
+            <a:r>
+              <a:rPr lang="he-IL" sz="1300" b="0" i="0" u="none" strike="noStrike" dirty="0">
+                <a:solidFill>
+                  <a:srgbClr val="000000"/>
+                </a:solidFill>
+                <a:effectLst/>
+                <a:latin typeface="+mj-lt"/>
+              </a:rPr>
+              <a:t>עשינו כמה הנחות כדי להשלים את המשימה של זיהוי תוכנות זדוניות באנדרואיד, כגון בהנחה שמערך הנתונים היה מייצג, מסומן נכון, התכונות היו רלוונטיות ואינפורמטיביות, והאלגוריתמים של </a:t>
+            </a:r>
+            <a:r>
+              <a:rPr lang="en-US" sz="1300" b="0" i="0" u="none" strike="noStrike" dirty="0">
+                <a:solidFill>
+                  <a:srgbClr val="000000"/>
+                </a:solidFill>
+                <a:effectLst/>
+                <a:latin typeface="+mj-lt"/>
+              </a:rPr>
+              <a:t>ML </a:t>
+            </a:r>
+            <a:r>
+              <a:rPr lang="he-IL" sz="1300" b="0" i="0" u="none" strike="noStrike" dirty="0">
+                <a:solidFill>
+                  <a:srgbClr val="000000"/>
+                </a:solidFill>
+                <a:effectLst/>
+                <a:latin typeface="+mj-lt"/>
+              </a:rPr>
+              <a:t>שבהם נעשה שימוש היו מתאימים. עם זאת, הנחות אלה עשויות להיות לא נכונות ועלולות להוביל למודלים לא מדויקים.</a:t>
+            </a:r>
+            <a:endParaRPr sz="1300" dirty="0">
+              <a:latin typeface="+mj-lt"/>
+            </a:endParaRPr>
           </a:p>
         </p:txBody>
       </p:sp>
@@ -1262,7 +1090,7 @@
 </p:notes>
 </file>
 
-<file path=ppt/notesSlides/notesSlide14.xml><?xml version="1.0" encoding="utf-8"?>
+<file path=ppt/notesSlides/notesSlide12.xml><?xml version="1.0" encoding="utf-8"?>
 <p:notes xmlns:a="http://schemas.openxmlformats.org/drawingml/2006/main" xmlns:r="http://schemas.openxmlformats.org/officeDocument/2006/relationships" xmlns:p="http://schemas.openxmlformats.org/presentationml/2006/main" showMasterSp="0" showMasterPhAnim="0">
   <p:cSld>
     <p:spTree>
@@ -1395,7 +1223,7 @@
         </p:nvSpPr>
         <p:spPr>
           <a:xfrm>
-            <a:off x="381300" y="685800"/>
+            <a:off x="381000" y="685800"/>
             <a:ext cx="6096000" cy="3429000"/>
           </a:xfrm>
           <a:custGeom>
@@ -1449,16 +1277,59 @@
           </a:bodyPr>
           <a:lstStyle/>
           <a:p>
-            <a:pPr marL="0" lvl="0" indent="0" algn="l" rtl="0">
-              <a:spcBef>
-                <a:spcPts val="0"/>
-              </a:spcBef>
-              <a:spcAft>
-                <a:spcPts val="0"/>
-              </a:spcAft>
-              <a:buNone/>
-            </a:pPr>
-            <a:endParaRPr/>
+            <a:pPr marL="0" marR="0" lvl="0" indent="0" algn="r" rtl="1">
+              <a:lnSpc>
+                <a:spcPct val="100000"/>
+              </a:lnSpc>
+              <a:spcBef>
+                <a:spcPts val="0"/>
+              </a:spcBef>
+              <a:spcAft>
+                <a:spcPts val="0"/>
+              </a:spcAft>
+              <a:buClr>
+                <a:srgbClr val="000000"/>
+              </a:buClr>
+              <a:buSzPts val="1100"/>
+              <a:buFont typeface="Arial"/>
+              <a:buNone/>
+            </a:pPr>
+            <a:r>
+              <a:rPr lang="he-IL" b="0" i="0" u="none" strike="noStrike" dirty="0">
+                <a:solidFill>
+                  <a:srgbClr val="000000"/>
+                </a:solidFill>
+                <a:effectLst/>
+                <a:latin typeface="Segoe UI Web (Hebrew)"/>
+                <a:cs typeface="+mn-cs"/>
+              </a:rPr>
+              <a:t>המצגת שלנו עוסקת בגישה מבוססת למידת מכונה לזיהוי תוכנות זדוניות במכשירי </a:t>
+            </a:r>
+            <a:r>
+              <a:rPr lang="en-US" b="0" i="0" u="none" strike="noStrike" dirty="0">
+                <a:solidFill>
+                  <a:srgbClr val="000000"/>
+                </a:solidFill>
+                <a:effectLst/>
+                <a:latin typeface="Segoe UI Web (Hebrew)"/>
+                <a:cs typeface="+mn-cs"/>
+              </a:rPr>
+              <a:t>Android. </a:t>
+            </a:r>
+            <a:r>
+              <a:rPr lang="he-IL" b="0" i="0" u="none" strike="noStrike" dirty="0">
+                <a:solidFill>
+                  <a:srgbClr val="000000"/>
+                </a:solidFill>
+                <a:effectLst/>
+                <a:latin typeface="Segoe UI Web (Hebrew)"/>
+                <a:cs typeface="+mn-cs"/>
+              </a:rPr>
+              <a:t>השתמשנו במערך נתונים של 1817 אפליקציות, אימנו עליו מודלים שונים. נדון במתודולוגיה, בתוצאות, במדדי ההערכה ובתובנות, כמו גם במגבלות ובכיוונים עתידיים למחקר זה.</a:t>
+            </a:r>
+            <a:endParaRPr dirty="0">
+              <a:cs typeface="+mn-cs"/>
+            </a:endParaRPr>
           </a:p>
         </p:txBody>
       </p:sp>
@@ -1553,16 +1424,448 @@
           </a:bodyPr>
           <a:lstStyle/>
           <a:p>
-            <a:pPr marL="0" lvl="0" indent="0" algn="l" rtl="0">
-              <a:spcBef>
-                <a:spcPts val="0"/>
-              </a:spcBef>
-              <a:spcAft>
-                <a:spcPts val="0"/>
-              </a:spcAft>
-              <a:buNone/>
-            </a:pPr>
-            <a:endParaRPr/>
+            <a:pPr marL="0" lvl="0" indent="0" algn="r" rtl="0">
+              <a:spcBef>
+                <a:spcPts val="0"/>
+              </a:spcBef>
+              <a:spcAft>
+                <a:spcPts val="0"/>
+              </a:spcAft>
+              <a:buNone/>
+            </a:pPr>
+            <a:r>
+              <a:rPr lang="he-IL" b="0" i="0" u="none" strike="noStrike" dirty="0">
+                <a:solidFill>
+                  <a:srgbClr val="000000"/>
+                </a:solidFill>
+                <a:effectLst/>
+                <a:latin typeface="+mj-lt"/>
+                <a:cs typeface="+mn-cs"/>
+              </a:rPr>
+              <a:t>פרויקט זה השתמש במערך נתונים של 4591 אפליקציות, במהלך חילוץ הנתונים נבחרו 1817 אפליקציות, 165 תויגו כזדוניות ו- 1652 כשפירות. תכונות שונות חולצו כדי לאמן מודלים של למידת מכונה</a:t>
+            </a:r>
+          </a:p>
+          <a:p>
+            <a:pPr marL="0" lvl="0" indent="0" algn="r" rtl="0">
+              <a:spcBef>
+                <a:spcPts val="0"/>
+              </a:spcBef>
+              <a:spcAft>
+                <a:spcPts val="0"/>
+              </a:spcAft>
+              <a:buNone/>
+            </a:pPr>
+            <a:r>
+              <a:rPr lang="he-IL" b="0" i="0" u="none" strike="noStrike" dirty="0">
+                <a:solidFill>
+                  <a:srgbClr val="000000"/>
+                </a:solidFill>
+                <a:effectLst/>
+                <a:latin typeface="+mj-lt"/>
+                <a:cs typeface="+mn-cs"/>
+              </a:rPr>
+              <a:t>כמו </a:t>
+            </a:r>
+            <a:r>
+              <a:rPr lang="en-US" b="0" i="0" u="none" strike="noStrike" dirty="0">
+                <a:solidFill>
+                  <a:srgbClr val="000000"/>
+                </a:solidFill>
+                <a:effectLst/>
+                <a:latin typeface="+mj-lt"/>
+                <a:cs typeface="+mn-cs"/>
+              </a:rPr>
+              <a:t>SVM </a:t>
+            </a:r>
+            <a:r>
+              <a:rPr lang="he-IL" b="0" i="0" u="none" strike="noStrike" dirty="0">
+                <a:solidFill>
+                  <a:srgbClr val="000000"/>
+                </a:solidFill>
+                <a:effectLst/>
+                <a:latin typeface="+mj-lt"/>
+                <a:cs typeface="+mn-cs"/>
+              </a:rPr>
+              <a:t>עם ליבה ליניארית</a:t>
+            </a:r>
+            <a:endParaRPr lang="he-IL" dirty="0">
+              <a:latin typeface="+mj-lt"/>
+              <a:cs typeface="+mn-cs"/>
+            </a:endParaRPr>
+          </a:p>
+          <a:p>
+            <a:pPr marL="0" lvl="0" indent="0" algn="r" rtl="0">
+              <a:spcBef>
+                <a:spcPts val="0"/>
+              </a:spcBef>
+              <a:spcAft>
+                <a:spcPts val="0"/>
+              </a:spcAft>
+              <a:buNone/>
+            </a:pPr>
+            <a:r>
+              <a:rPr lang="en-US" sz="1100" dirty="0">
+                <a:latin typeface="+mj-lt"/>
+                <a:cs typeface="+mn-cs"/>
+              </a:rPr>
+              <a:t>Logistic Regression</a:t>
+            </a:r>
+            <a:endParaRPr lang="he-IL" dirty="0">
+              <a:latin typeface="+mj-lt"/>
+              <a:cs typeface="+mn-cs"/>
+            </a:endParaRPr>
+          </a:p>
+          <a:p>
+            <a:pPr marL="0" lvl="0" indent="0" algn="r" rtl="0">
+              <a:spcBef>
+                <a:spcPts val="0"/>
+              </a:spcBef>
+              <a:spcAft>
+                <a:spcPts val="0"/>
+              </a:spcAft>
+              <a:buNone/>
+            </a:pPr>
+            <a:r>
+              <a:rPr lang="en-US" sz="1100" dirty="0" err="1">
+                <a:latin typeface="+mj-lt"/>
+                <a:cs typeface="+mn-cs"/>
+              </a:rPr>
+              <a:t>GradientBoostingClassifier</a:t>
+            </a:r>
+            <a:endParaRPr lang="he-IL" sz="1100" dirty="0">
+              <a:latin typeface="+mj-lt"/>
+              <a:cs typeface="+mn-cs"/>
+            </a:endParaRPr>
+          </a:p>
+          <a:p>
+            <a:pPr marL="0" lvl="0" indent="0" algn="r" rtl="0">
+              <a:spcBef>
+                <a:spcPts val="0"/>
+              </a:spcBef>
+              <a:spcAft>
+                <a:spcPts val="0"/>
+              </a:spcAft>
+              <a:buNone/>
+            </a:pPr>
+            <a:r>
+              <a:rPr lang="en-US" dirty="0" err="1">
+                <a:latin typeface="+mj-lt"/>
+                <a:cs typeface="+mn-cs"/>
+              </a:rPr>
+              <a:t>DecisionTreeClassifier</a:t>
+            </a:r>
+            <a:endParaRPr lang="he-IL" dirty="0">
+              <a:latin typeface="+mj-lt"/>
+              <a:cs typeface="+mn-cs"/>
+            </a:endParaRPr>
+          </a:p>
+          <a:p>
+            <a:pPr marL="0" lvl="0" indent="0" algn="r" rtl="0">
+              <a:spcBef>
+                <a:spcPts val="0"/>
+              </a:spcBef>
+              <a:spcAft>
+                <a:spcPts val="0"/>
+              </a:spcAft>
+              <a:buNone/>
+            </a:pPr>
+            <a:r>
+              <a:rPr lang="en-US" dirty="0" err="1">
+                <a:latin typeface="+mj-lt"/>
+                <a:cs typeface="+mn-cs"/>
+              </a:rPr>
+              <a:t>KNeighborsClassifier</a:t>
+            </a:r>
+            <a:endParaRPr lang="he-IL" dirty="0">
+              <a:latin typeface="+mj-lt"/>
+              <a:cs typeface="+mn-cs"/>
+            </a:endParaRPr>
+          </a:p>
+          <a:p>
+            <a:pPr marL="0" lvl="0" indent="0" algn="r" rtl="0">
+              <a:spcBef>
+                <a:spcPts val="0"/>
+              </a:spcBef>
+              <a:spcAft>
+                <a:spcPts val="0"/>
+              </a:spcAft>
+              <a:buNone/>
+            </a:pPr>
+            <a:endParaRPr lang="he-IL" dirty="0">
+              <a:latin typeface="+mj-lt"/>
+              <a:cs typeface="+mn-cs"/>
+            </a:endParaRPr>
+          </a:p>
+          <a:p>
+            <a:pPr marL="0" lvl="0" indent="0" algn="r" rtl="0">
+              <a:spcBef>
+                <a:spcPts val="0"/>
+              </a:spcBef>
+              <a:spcAft>
+                <a:spcPts val="0"/>
+              </a:spcAft>
+              <a:buNone/>
+            </a:pPr>
+            <a:r>
+              <a:rPr lang="he-IL" b="0" i="0" u="none" strike="noStrike" dirty="0">
+                <a:solidFill>
+                  <a:srgbClr val="000000"/>
+                </a:solidFill>
+                <a:effectLst/>
+                <a:latin typeface="+mj-lt"/>
+                <a:cs typeface="+mn-cs"/>
+              </a:rPr>
+              <a:t>מערך הנתונים כלל גם קטגוריות וקריאות</a:t>
+            </a:r>
+            <a:endParaRPr lang="he-IL" dirty="0">
+              <a:latin typeface="+mj-lt"/>
+              <a:cs typeface="+mn-cs"/>
+            </a:endParaRPr>
+          </a:p>
+          <a:p>
+            <a:pPr marL="0" lvl="0" indent="0" algn="r" rtl="0">
+              <a:spcBef>
+                <a:spcPts val="0"/>
+              </a:spcBef>
+              <a:spcAft>
+                <a:spcPts val="0"/>
+              </a:spcAft>
+              <a:buNone/>
+            </a:pPr>
+            <a:r>
+              <a:rPr lang="he-IL" b="0" i="0" u="none" strike="noStrike" dirty="0">
+                <a:solidFill>
+                  <a:srgbClr val="000000"/>
+                </a:solidFill>
+                <a:effectLst/>
+                <a:latin typeface="+mj-lt"/>
+                <a:cs typeface="+mn-cs"/>
+              </a:rPr>
+              <a:t> של אנדרואיד</a:t>
+            </a:r>
+            <a:r>
+              <a:rPr lang="en-US" b="0" i="0" u="none" strike="noStrike" dirty="0">
+                <a:solidFill>
+                  <a:srgbClr val="000000"/>
+                </a:solidFill>
+                <a:effectLst/>
+                <a:latin typeface="+mj-lt"/>
+                <a:cs typeface="+mn-cs"/>
+              </a:rPr>
+              <a:t>API</a:t>
+            </a:r>
+            <a:endParaRPr lang="he-IL" dirty="0">
+              <a:latin typeface="+mj-lt"/>
+              <a:cs typeface="+mn-cs"/>
+            </a:endParaRPr>
+          </a:p>
+          <a:p>
+            <a:pPr marL="0" lvl="0" indent="0" algn="r" rtl="0">
+              <a:spcBef>
+                <a:spcPts val="0"/>
+              </a:spcBef>
+              <a:spcAft>
+                <a:spcPts val="0"/>
+              </a:spcAft>
+              <a:buNone/>
+            </a:pPr>
+            <a:r>
+              <a:rPr lang="he-IL" b="0" i="0" u="none" strike="noStrike" dirty="0">
+                <a:solidFill>
+                  <a:srgbClr val="000000"/>
+                </a:solidFill>
+                <a:effectLst/>
+                <a:latin typeface="+mj-lt"/>
+                <a:cs typeface="+mn-cs"/>
+              </a:rPr>
+              <a:t>המידע שחולץ אוחסן בקובץ  </a:t>
+            </a:r>
+          </a:p>
+          <a:p>
+            <a:pPr marL="0" lvl="0" indent="0" algn="r" rtl="0">
+              <a:spcBef>
+                <a:spcPts val="0"/>
+              </a:spcBef>
+              <a:spcAft>
+                <a:spcPts val="0"/>
+              </a:spcAft>
+              <a:buNone/>
+            </a:pPr>
+            <a:r>
+              <a:rPr lang="en-US" b="0" i="0" u="none" strike="noStrike" dirty="0">
+                <a:solidFill>
+                  <a:srgbClr val="000000"/>
+                </a:solidFill>
+                <a:effectLst/>
+                <a:latin typeface="+mj-lt"/>
+                <a:cs typeface="+mn-cs"/>
+              </a:rPr>
+              <a:t>JSON</a:t>
+            </a:r>
+            <a:endParaRPr lang="he-IL" b="0" i="0" u="none" strike="noStrike" dirty="0">
+              <a:solidFill>
+                <a:srgbClr val="000000"/>
+              </a:solidFill>
+              <a:effectLst/>
+              <a:latin typeface="+mj-lt"/>
+              <a:cs typeface="+mn-cs"/>
+            </a:endParaRPr>
+          </a:p>
+          <a:p>
+            <a:pPr marL="0" lvl="0" indent="0" algn="r" rtl="0">
+              <a:spcBef>
+                <a:spcPts val="0"/>
+              </a:spcBef>
+              <a:spcAft>
+                <a:spcPts val="0"/>
+              </a:spcAft>
+              <a:buNone/>
+            </a:pPr>
+            <a:r>
+              <a:rPr lang="he-IL" b="0" dirty="0">
+                <a:effectLst/>
+                <a:latin typeface="+mj-lt"/>
+                <a:cs typeface="+mn-cs"/>
+              </a:rPr>
+              <a:t>כל הערכים החסרים מולאו ב-0, ופונקציות עוזר נכתבו כדי לחלץ ולארגן את המידע.</a:t>
+            </a:r>
+          </a:p>
+          <a:p>
+            <a:pPr marL="158750" indent="0" algn="r">
+              <a:buNone/>
+            </a:pPr>
+            <a:br>
+              <a:rPr lang="en-US" dirty="0">
+                <a:effectLst/>
+                <a:latin typeface="+mj-lt"/>
+                <a:cs typeface="+mn-cs"/>
+              </a:rPr>
+            </a:br>
+            <a:endParaRPr lang="en-US" dirty="0">
+              <a:effectLst/>
+              <a:latin typeface="+mj-lt"/>
+              <a:cs typeface="+mn-cs"/>
+            </a:endParaRPr>
+          </a:p>
+          <a:p>
+            <a:pPr marL="0" lvl="0" indent="0" algn="r" rtl="0">
+              <a:spcBef>
+                <a:spcPts val="0"/>
+              </a:spcBef>
+              <a:spcAft>
+                <a:spcPts val="0"/>
+              </a:spcAft>
+              <a:buNone/>
+            </a:pPr>
+            <a:endParaRPr lang="he-IL" dirty="0">
+              <a:latin typeface="+mj-lt"/>
+              <a:cs typeface="+mn-cs"/>
+            </a:endParaRPr>
+          </a:p>
+          <a:p>
+            <a:pPr marL="0" lvl="0" indent="0" algn="r" rtl="0">
+              <a:spcBef>
+                <a:spcPts val="0"/>
+              </a:spcBef>
+              <a:spcAft>
+                <a:spcPts val="0"/>
+              </a:spcAft>
+              <a:buNone/>
+            </a:pPr>
+            <a:endParaRPr lang="he-IL" dirty="0">
+              <a:latin typeface="+mj-lt"/>
+              <a:cs typeface="+mn-cs"/>
+            </a:endParaRPr>
+          </a:p>
+          <a:p>
+            <a:pPr marL="0" lvl="0" indent="0" algn="r" rtl="0">
+              <a:spcBef>
+                <a:spcPts val="0"/>
+              </a:spcBef>
+              <a:spcAft>
+                <a:spcPts val="0"/>
+              </a:spcAft>
+              <a:buNone/>
+            </a:pPr>
+            <a:endParaRPr lang="he-IL" dirty="0">
+              <a:latin typeface="+mj-lt"/>
+              <a:cs typeface="+mn-cs"/>
+            </a:endParaRPr>
+          </a:p>
+          <a:p>
+            <a:pPr marL="0" lvl="0" indent="0" algn="r" rtl="0">
+              <a:spcBef>
+                <a:spcPts val="0"/>
+              </a:spcBef>
+              <a:spcAft>
+                <a:spcPts val="0"/>
+              </a:spcAft>
+              <a:buNone/>
+            </a:pPr>
+            <a:endParaRPr lang="he-IL" dirty="0">
+              <a:latin typeface="+mj-lt"/>
+              <a:cs typeface="+mn-cs"/>
+            </a:endParaRPr>
+          </a:p>
+          <a:p>
+            <a:pPr marL="0" lvl="0" indent="0" algn="r" rtl="0">
+              <a:spcBef>
+                <a:spcPts val="0"/>
+              </a:spcBef>
+              <a:spcAft>
+                <a:spcPts val="0"/>
+              </a:spcAft>
+              <a:buNone/>
+            </a:pPr>
+            <a:endParaRPr lang="he-IL" dirty="0">
+              <a:latin typeface="+mj-lt"/>
+              <a:cs typeface="+mn-cs"/>
+            </a:endParaRPr>
+          </a:p>
+          <a:p>
+            <a:pPr marL="0" lvl="0" indent="0" algn="r" rtl="0">
+              <a:spcBef>
+                <a:spcPts val="0"/>
+              </a:spcBef>
+              <a:spcAft>
+                <a:spcPts val="0"/>
+              </a:spcAft>
+              <a:buNone/>
+            </a:pPr>
+            <a:endParaRPr lang="he-IL" dirty="0">
+              <a:latin typeface="+mj-lt"/>
+              <a:cs typeface="+mn-cs"/>
+            </a:endParaRPr>
+          </a:p>
+          <a:p>
+            <a:pPr marL="0" lvl="0" indent="0" algn="r" rtl="0">
+              <a:spcBef>
+                <a:spcPts val="0"/>
+              </a:spcBef>
+              <a:spcAft>
+                <a:spcPts val="0"/>
+              </a:spcAft>
+              <a:buNone/>
+            </a:pPr>
+            <a:endParaRPr lang="he-IL" dirty="0">
+              <a:latin typeface="+mj-lt"/>
+              <a:cs typeface="+mn-cs"/>
+            </a:endParaRPr>
+          </a:p>
+          <a:p>
+            <a:pPr marL="0" lvl="0" indent="0" algn="r" rtl="0">
+              <a:spcBef>
+                <a:spcPts val="0"/>
+              </a:spcBef>
+              <a:spcAft>
+                <a:spcPts val="0"/>
+              </a:spcAft>
+              <a:buNone/>
+            </a:pPr>
+            <a:endParaRPr dirty="0">
+              <a:latin typeface="+mj-lt"/>
+              <a:cs typeface="+mn-cs"/>
+            </a:endParaRPr>
           </a:p>
         </p:txBody>
       </p:sp>
@@ -1657,16 +1960,57 @@
           </a:bodyPr>
           <a:lstStyle/>
           <a:p>
-            <a:pPr marL="0" lvl="0" indent="0" algn="l" rtl="0">
-              <a:spcBef>
-                <a:spcPts val="0"/>
-              </a:spcBef>
-              <a:spcAft>
-                <a:spcPts val="0"/>
-              </a:spcAft>
-              <a:buNone/>
-            </a:pPr>
-            <a:endParaRPr/>
+            <a:pPr marL="158750" marR="0" indent="0" algn="r" rtl="0">
+              <a:lnSpc>
+                <a:spcPct val="100000"/>
+              </a:lnSpc>
+              <a:spcBef>
+                <a:spcPts val="0"/>
+              </a:spcBef>
+              <a:spcAft>
+                <a:spcPts val="0"/>
+              </a:spcAft>
+              <a:buClr>
+                <a:srgbClr val="000000"/>
+              </a:buClr>
+              <a:buSzPts val="1100"/>
+              <a:buFont typeface="Arial"/>
+              <a:buNone/>
+            </a:pPr>
+            <a:r>
+              <a:rPr lang="he-IL" b="0" i="0" u="none" strike="noStrike" dirty="0">
+                <a:solidFill>
+                  <a:srgbClr val="000000"/>
+                </a:solidFill>
+                <a:effectLst/>
+                <a:latin typeface="Segoe UI Web (Hebrew)"/>
+              </a:rPr>
+              <a:t>עיבדנו מראש את הנתונים כדי להכין אותם לאימון המודל. השלבים כללו ניקוי נתונים, טרנספורמציה, הפחתת </a:t>
+            </a:r>
+            <a:r>
+              <a:rPr lang="he-IL" b="0" i="0" u="none" strike="noStrike" dirty="0" err="1">
+                <a:solidFill>
+                  <a:srgbClr val="000000"/>
+                </a:solidFill>
+                <a:effectLst/>
+                <a:latin typeface="Segoe UI Web (Hebrew)"/>
+              </a:rPr>
+              <a:t>מימד</a:t>
+            </a:r>
+            <a:r>
+              <a:rPr lang="he-IL" b="0" i="0" u="none" strike="noStrike" dirty="0">
+                <a:solidFill>
+                  <a:srgbClr val="000000"/>
+                </a:solidFill>
+                <a:effectLst/>
+                <a:latin typeface="Segoe UI Web (Hebrew)"/>
+              </a:rPr>
+              <a:t> ואיזון מערך הנתונים. זה היה הכרחי כדי להבטיח שהנתונים יהיו באיכות גבוהה וכדי להתגבר על האתגרים הניצבים בפני הפרויקט.</a:t>
+            </a:r>
+            <a:endParaRPr lang="he-IL" b="0" dirty="0">
+              <a:effectLst/>
+              <a:cs typeface="Segoe UI Web (Hebrew)"/>
+            </a:endParaRPr>
           </a:p>
         </p:txBody>
       </p:sp>
@@ -1761,16 +2105,34 @@
           </a:bodyPr>
           <a:lstStyle/>
           <a:p>
-            <a:pPr marL="0" lvl="0" indent="0" algn="l" rtl="0">
-              <a:spcBef>
-                <a:spcPts val="0"/>
-              </a:spcBef>
-              <a:spcAft>
-                <a:spcPts val="0"/>
-              </a:spcAft>
-              <a:buNone/>
-            </a:pPr>
-            <a:endParaRPr/>
+            <a:pPr marL="0" marR="0" lvl="0" indent="0" algn="r" rtl="1">
+              <a:lnSpc>
+                <a:spcPct val="100000"/>
+              </a:lnSpc>
+              <a:spcBef>
+                <a:spcPts val="0"/>
+              </a:spcBef>
+              <a:spcAft>
+                <a:spcPts val="0"/>
+              </a:spcAft>
+              <a:buClr>
+                <a:srgbClr val="000000"/>
+              </a:buClr>
+              <a:buSzPts val="1100"/>
+              <a:buFont typeface="Arial"/>
+              <a:buNone/>
+            </a:pPr>
+            <a:r>
+              <a:rPr lang="he-IL" b="0" i="0" u="none" strike="noStrike" dirty="0">
+                <a:solidFill>
+                  <a:srgbClr val="000000"/>
+                </a:solidFill>
+                <a:effectLst/>
+                <a:latin typeface="Segoe UI Web (Hebrew)"/>
+              </a:rPr>
+              <a:t>פרויקט זה חילץ תכונות שונות מתוך מערך הנתונים של אפליקציות אנדרואיד</a:t>
+            </a:r>
+            <a:endParaRPr dirty="0"/>
           </a:p>
         </p:txBody>
       </p:sp>
@@ -1870,16 +2232,585 @@
           </a:bodyPr>
           <a:lstStyle/>
           <a:p>
-            <a:pPr marL="0" lvl="0" indent="0" algn="l" rtl="0">
-              <a:spcBef>
-                <a:spcPts val="0"/>
-              </a:spcBef>
-              <a:spcAft>
-                <a:spcPts val="0"/>
-              </a:spcAft>
-              <a:buNone/>
-            </a:pPr>
-            <a:endParaRPr/>
+            <a:pPr marL="0" lvl="0" indent="0" algn="r" rtl="0">
+              <a:spcBef>
+                <a:spcPts val="0"/>
+              </a:spcBef>
+              <a:spcAft>
+                <a:spcPts val="0"/>
+              </a:spcAft>
+              <a:buNone/>
+            </a:pPr>
+            <a:r>
+              <a:rPr lang="he-IL" b="0" i="0" u="none" strike="noStrike" dirty="0">
+                <a:solidFill>
+                  <a:srgbClr val="000000"/>
+                </a:solidFill>
+                <a:effectLst/>
+                <a:latin typeface="+mj-lt"/>
+              </a:rPr>
+              <a:t>לפרויקט היו מספר שלבים:</a:t>
+            </a:r>
+            <a:endParaRPr lang="en-US" b="0" i="0" u="none" strike="noStrike" dirty="0">
+              <a:solidFill>
+                <a:srgbClr val="000000"/>
+              </a:solidFill>
+              <a:effectLst/>
+              <a:latin typeface="+mj-lt"/>
+            </a:endParaRPr>
+          </a:p>
+          <a:p>
+            <a:pPr marL="0" lvl="0" indent="0" algn="r" rtl="0">
+              <a:spcBef>
+                <a:spcPts val="0"/>
+              </a:spcBef>
+              <a:spcAft>
+                <a:spcPts val="0"/>
+              </a:spcAft>
+              <a:buNone/>
+            </a:pPr>
+            <a:r>
+              <a:rPr lang="he-IL" b="0" i="0" u="none" strike="noStrike" dirty="0">
+                <a:solidFill>
+                  <a:srgbClr val="000000"/>
+                </a:solidFill>
+                <a:effectLst/>
+                <a:latin typeface="+mj-lt"/>
+              </a:rPr>
+              <a:t>איסוף נתונים </a:t>
+            </a:r>
+            <a:endParaRPr lang="en-US" b="0" i="0" u="none" strike="noStrike" dirty="0">
+              <a:solidFill>
+                <a:srgbClr val="000000"/>
+              </a:solidFill>
+              <a:effectLst/>
+              <a:latin typeface="+mj-lt"/>
+            </a:endParaRPr>
+          </a:p>
+          <a:p>
+            <a:pPr marL="0" lvl="0" indent="0" algn="r" rtl="0">
+              <a:spcBef>
+                <a:spcPts val="0"/>
+              </a:spcBef>
+              <a:spcAft>
+                <a:spcPts val="0"/>
+              </a:spcAft>
+              <a:buNone/>
+            </a:pPr>
+            <a:r>
+              <a:rPr lang="he-IL" b="0" i="0" u="none" strike="noStrike" dirty="0">
+                <a:solidFill>
+                  <a:srgbClr val="000000"/>
+                </a:solidFill>
+                <a:effectLst/>
+                <a:latin typeface="+mj-lt"/>
+              </a:rPr>
+              <a:t>מיצוי תכונות </a:t>
+            </a:r>
+            <a:endParaRPr lang="en-US" b="0" i="0" u="none" strike="noStrike" dirty="0">
+              <a:solidFill>
+                <a:srgbClr val="000000"/>
+              </a:solidFill>
+              <a:effectLst/>
+              <a:latin typeface="+mj-lt"/>
+            </a:endParaRPr>
+          </a:p>
+          <a:p>
+            <a:pPr marL="0" lvl="0" indent="0" algn="r" rtl="0">
+              <a:spcBef>
+                <a:spcPts val="0"/>
+              </a:spcBef>
+              <a:spcAft>
+                <a:spcPts val="0"/>
+              </a:spcAft>
+              <a:buNone/>
+            </a:pPr>
+            <a:r>
+              <a:rPr lang="he-IL" b="0" i="0" u="none" strike="noStrike" dirty="0">
+                <a:solidFill>
+                  <a:srgbClr val="000000"/>
+                </a:solidFill>
+                <a:effectLst/>
+                <a:latin typeface="+mj-lt"/>
+              </a:rPr>
+              <a:t>עיבוד מקדים של נתונים הדרכת מודלים</a:t>
+            </a:r>
+            <a:endParaRPr lang="en-US" b="0" i="0" u="none" strike="noStrike" dirty="0">
+              <a:solidFill>
+                <a:srgbClr val="000000"/>
+              </a:solidFill>
+              <a:effectLst/>
+              <a:latin typeface="+mj-lt"/>
+            </a:endParaRPr>
+          </a:p>
+          <a:p>
+            <a:pPr marL="0" lvl="0" indent="0" algn="r" rtl="0">
+              <a:spcBef>
+                <a:spcPts val="0"/>
+              </a:spcBef>
+              <a:spcAft>
+                <a:spcPts val="0"/>
+              </a:spcAft>
+              <a:buNone/>
+            </a:pPr>
+            <a:r>
+              <a:rPr lang="he-IL" b="0" i="0" u="none" strike="noStrike" dirty="0">
+                <a:solidFill>
+                  <a:srgbClr val="000000"/>
+                </a:solidFill>
+                <a:effectLst/>
+                <a:latin typeface="+mj-lt"/>
+              </a:rPr>
+              <a:t>הערכה. </a:t>
+            </a:r>
+          </a:p>
+          <a:p>
+            <a:pPr marL="0" lvl="0" indent="0" algn="r" rtl="0">
+              <a:spcBef>
+                <a:spcPts val="0"/>
+              </a:spcBef>
+              <a:spcAft>
+                <a:spcPts val="0"/>
+              </a:spcAft>
+              <a:buNone/>
+            </a:pPr>
+            <a:endParaRPr lang="he-IL" b="0" i="0" u="none" strike="noStrike" dirty="0">
+              <a:solidFill>
+                <a:srgbClr val="000000"/>
+              </a:solidFill>
+              <a:effectLst/>
+              <a:latin typeface="+mj-lt"/>
+            </a:endParaRPr>
+          </a:p>
+          <a:p>
+            <a:pPr marL="0" lvl="0" indent="0" algn="r" rtl="0">
+              <a:spcBef>
+                <a:spcPts val="0"/>
+              </a:spcBef>
+              <a:spcAft>
+                <a:spcPts val="0"/>
+              </a:spcAft>
+              <a:buNone/>
+            </a:pPr>
+            <a:r>
+              <a:rPr lang="he-IL" b="0" i="0" u="none" strike="noStrike" dirty="0">
+                <a:solidFill>
+                  <a:srgbClr val="000000"/>
+                </a:solidFill>
+                <a:effectLst/>
+                <a:latin typeface="+mj-lt"/>
+              </a:rPr>
+              <a:t>התכונות שימשו לאימון מודלים של למידת מכונה כגון :</a:t>
+            </a:r>
+          </a:p>
+          <a:p>
+            <a:pPr marL="0" lvl="0" indent="0" algn="r" rtl="0">
+              <a:spcBef>
+                <a:spcPts val="0"/>
+              </a:spcBef>
+              <a:spcAft>
+                <a:spcPts val="0"/>
+              </a:spcAft>
+              <a:buNone/>
+            </a:pPr>
+            <a:r>
+              <a:rPr lang="en-US" sz="1100" dirty="0">
+                <a:latin typeface="+mj-lt"/>
+              </a:rPr>
+              <a:t>SVM with a linear kernel</a:t>
+            </a:r>
+            <a:endParaRPr lang="he-IL" sz="1100" dirty="0">
+              <a:latin typeface="+mj-lt"/>
+            </a:endParaRPr>
+          </a:p>
+          <a:p>
+            <a:pPr marL="0" lvl="0" indent="0" algn="r" rtl="0">
+              <a:spcBef>
+                <a:spcPts val="0"/>
+              </a:spcBef>
+              <a:spcAft>
+                <a:spcPts val="0"/>
+              </a:spcAft>
+              <a:buNone/>
+            </a:pPr>
+            <a:r>
+              <a:rPr lang="en-US" sz="1100" dirty="0">
+                <a:latin typeface="+mj-lt"/>
+              </a:rPr>
+              <a:t>Logistic Regression</a:t>
+            </a:r>
+            <a:endParaRPr lang="he-IL" sz="1100" dirty="0">
+              <a:latin typeface="+mj-lt"/>
+            </a:endParaRPr>
+          </a:p>
+          <a:p>
+            <a:pPr marL="0" lvl="0" indent="0" algn="r" rtl="0">
+              <a:spcBef>
+                <a:spcPts val="0"/>
+              </a:spcBef>
+              <a:spcAft>
+                <a:spcPts val="0"/>
+              </a:spcAft>
+              <a:buNone/>
+            </a:pPr>
+            <a:r>
+              <a:rPr lang="en-US" sz="1100" dirty="0" err="1">
+                <a:latin typeface="+mj-lt"/>
+              </a:rPr>
+              <a:t>KNeighborsClassifier</a:t>
+            </a:r>
+            <a:endParaRPr lang="he-IL" sz="1100" dirty="0">
+              <a:latin typeface="+mj-lt"/>
+            </a:endParaRPr>
+          </a:p>
+          <a:p>
+            <a:pPr marL="0" lvl="0" indent="0" algn="r" rtl="0">
+              <a:spcBef>
+                <a:spcPts val="0"/>
+              </a:spcBef>
+              <a:spcAft>
+                <a:spcPts val="0"/>
+              </a:spcAft>
+              <a:buNone/>
+            </a:pPr>
+            <a:r>
+              <a:rPr lang="en-US" sz="1100" dirty="0" err="1">
+                <a:latin typeface="+mj-lt"/>
+              </a:rPr>
+              <a:t>DecisionTreeClassifier</a:t>
+            </a:r>
+            <a:endParaRPr lang="he-IL" sz="1100" dirty="0">
+              <a:latin typeface="+mj-lt"/>
+            </a:endParaRPr>
+          </a:p>
+          <a:p>
+            <a:pPr marL="0" lvl="0" indent="0" algn="r" rtl="0">
+              <a:spcBef>
+                <a:spcPts val="0"/>
+              </a:spcBef>
+              <a:spcAft>
+                <a:spcPts val="0"/>
+              </a:spcAft>
+              <a:buNone/>
+            </a:pPr>
+            <a:r>
+              <a:rPr lang="en-US" sz="1100" dirty="0" err="1">
+                <a:latin typeface="+mj-lt"/>
+              </a:rPr>
+              <a:t>GradientBoostingClassifier</a:t>
+            </a:r>
+            <a:endParaRPr lang="he-IL" sz="1100" dirty="0">
+              <a:latin typeface="+mj-lt"/>
+            </a:endParaRPr>
+          </a:p>
+          <a:p>
+            <a:pPr marL="0" lvl="0" indent="0" algn="r" rtl="0">
+              <a:spcBef>
+                <a:spcPts val="0"/>
+              </a:spcBef>
+              <a:spcAft>
+                <a:spcPts val="0"/>
+              </a:spcAft>
+              <a:buNone/>
+            </a:pPr>
+            <a:endParaRPr lang="he-IL" sz="1100" dirty="0">
+              <a:latin typeface="+mj-lt"/>
+            </a:endParaRPr>
+          </a:p>
+          <a:p>
+            <a:pPr marL="0" lvl="0" indent="0" algn="r" rtl="0">
+              <a:spcBef>
+                <a:spcPts val="0"/>
+              </a:spcBef>
+              <a:spcAft>
+                <a:spcPts val="0"/>
+              </a:spcAft>
+              <a:buNone/>
+            </a:pPr>
+            <a:r>
+              <a:rPr lang="he-IL" b="0" i="0" u="none" strike="noStrike" dirty="0">
+                <a:solidFill>
+                  <a:srgbClr val="000000"/>
+                </a:solidFill>
+                <a:effectLst/>
+                <a:latin typeface="+mj-lt"/>
+              </a:rPr>
+              <a:t>ביצועי המודלים הוערכו באמצעות מדדים כגון דיוק, דיוק וזכירה. הביצועים הטובים ביותר הושגו על ידי מודל </a:t>
+            </a:r>
+            <a:br>
+              <a:rPr lang="en-US" b="0" i="0" u="none" strike="noStrike" dirty="0">
+                <a:solidFill>
+                  <a:srgbClr val="000000"/>
+                </a:solidFill>
+                <a:effectLst/>
+                <a:latin typeface="+mj-lt"/>
+              </a:rPr>
+            </a:br>
+            <a:r>
+              <a:rPr lang="en-US" b="0" i="0" u="none" strike="noStrike" dirty="0" err="1">
+                <a:solidFill>
+                  <a:srgbClr val="000000"/>
+                </a:solidFill>
+                <a:effectLst/>
+                <a:latin typeface="+mj-lt"/>
+              </a:rPr>
+              <a:t>DecisionTreeClassifier</a:t>
+            </a:r>
+            <a:endParaRPr lang="he-IL" b="0" i="0" u="none" strike="noStrike" dirty="0">
+              <a:solidFill>
+                <a:srgbClr val="000000"/>
+              </a:solidFill>
+              <a:effectLst/>
+              <a:latin typeface="+mj-lt"/>
+            </a:endParaRPr>
+          </a:p>
+          <a:p>
+            <a:pPr marL="0" lvl="0" indent="0" algn="r" rtl="0">
+              <a:spcBef>
+                <a:spcPts val="0"/>
+              </a:spcBef>
+              <a:spcAft>
+                <a:spcPts val="0"/>
+              </a:spcAft>
+              <a:buNone/>
+            </a:pPr>
+            <a:r>
+              <a:rPr lang="en-US" sz="1100" dirty="0">
+                <a:latin typeface="+mj-lt"/>
+              </a:rPr>
+              <a:t>accuracy of 0.984</a:t>
+            </a:r>
+            <a:endParaRPr lang="he-IL" sz="1100" b="0" i="0" u="none" strike="noStrike" dirty="0">
+              <a:solidFill>
+                <a:srgbClr val="000000"/>
+              </a:solidFill>
+              <a:effectLst/>
+              <a:latin typeface="+mj-lt"/>
+            </a:endParaRPr>
+          </a:p>
+          <a:p>
+            <a:pPr marL="0" lvl="0" indent="0" algn="r" rtl="0">
+              <a:spcBef>
+                <a:spcPts val="0"/>
+              </a:spcBef>
+              <a:spcAft>
+                <a:spcPts val="0"/>
+              </a:spcAft>
+              <a:buNone/>
+            </a:pPr>
+            <a:r>
+              <a:rPr lang="en-US" sz="1100" dirty="0">
+                <a:latin typeface="+mj-lt"/>
+              </a:rPr>
+              <a:t>precision of 1.000</a:t>
+            </a:r>
+            <a:endParaRPr lang="he-IL" sz="1100" b="0" i="0" u="none" strike="noStrike" dirty="0">
+              <a:solidFill>
+                <a:srgbClr val="000000"/>
+              </a:solidFill>
+              <a:effectLst/>
+              <a:latin typeface="+mj-lt"/>
+            </a:endParaRPr>
+          </a:p>
+          <a:p>
+            <a:pPr marL="0" lvl="0" indent="0" algn="r" rtl="0">
+              <a:spcBef>
+                <a:spcPts val="0"/>
+              </a:spcBef>
+              <a:spcAft>
+                <a:spcPts val="0"/>
+              </a:spcAft>
+              <a:buNone/>
+            </a:pPr>
+            <a:r>
+              <a:rPr lang="en-US" sz="1100" dirty="0">
+                <a:latin typeface="+mj-lt"/>
+              </a:rPr>
+              <a:t>recall of 0.982</a:t>
+            </a:r>
+            <a:endParaRPr lang="he-IL" sz="1100" dirty="0">
+              <a:latin typeface="+mj-lt"/>
+            </a:endParaRPr>
+          </a:p>
+          <a:p>
+            <a:pPr marL="0" lvl="0" indent="0" algn="r" rtl="0">
+              <a:spcBef>
+                <a:spcPts val="0"/>
+              </a:spcBef>
+              <a:spcAft>
+                <a:spcPts val="0"/>
+              </a:spcAft>
+              <a:buNone/>
+            </a:pPr>
+            <a:endParaRPr lang="he-IL" sz="1100" b="0" i="0" u="none" strike="noStrike" dirty="0">
+              <a:solidFill>
+                <a:srgbClr val="000000"/>
+              </a:solidFill>
+              <a:effectLst/>
+              <a:latin typeface="+mj-lt"/>
+            </a:endParaRPr>
+          </a:p>
+          <a:p>
+            <a:pPr marL="0" lvl="0" indent="0" algn="r" rtl="0">
+              <a:spcBef>
+                <a:spcPts val="0"/>
+              </a:spcBef>
+              <a:spcAft>
+                <a:spcPts val="0"/>
+              </a:spcAft>
+              <a:buNone/>
+            </a:pPr>
+            <a:r>
+              <a:rPr lang="he-IL" b="0" i="0" u="none" strike="noStrike" dirty="0">
+                <a:solidFill>
+                  <a:srgbClr val="000000"/>
+                </a:solidFill>
+                <a:effectLst/>
+                <a:latin typeface="+mj-lt"/>
+              </a:rPr>
+              <a:t>נמצא כי הגישה המוצעת עולה על השיטות המסורתיות במונחים של דיוק, דיוק וזכירה, אך עדיין יש מקום לשיפור. כמו כן, כתבנו סקריפטים שונים ופונקציות עוזר לאורך כל הפרויקט כדי להבטיח ביצוע חלק.</a:t>
+            </a:r>
+            <a:endParaRPr lang="he-IL" sz="1100" b="0" i="0" u="none" strike="noStrike" dirty="0">
+              <a:solidFill>
+                <a:srgbClr val="000000"/>
+              </a:solidFill>
+              <a:effectLst/>
+              <a:latin typeface="+mj-lt"/>
+            </a:endParaRPr>
+          </a:p>
+          <a:p>
+            <a:pPr marL="0" lvl="0" indent="0" algn="r" rtl="0">
+              <a:spcBef>
+                <a:spcPts val="0"/>
+              </a:spcBef>
+              <a:spcAft>
+                <a:spcPts val="0"/>
+              </a:spcAft>
+              <a:buNone/>
+            </a:pPr>
+            <a:endParaRPr lang="he-IL" sz="1100" b="0" i="0" u="none" strike="noStrike" dirty="0">
+              <a:solidFill>
+                <a:srgbClr val="000000"/>
+              </a:solidFill>
+              <a:effectLst/>
+              <a:latin typeface="+mj-lt"/>
+            </a:endParaRPr>
+          </a:p>
+          <a:p>
+            <a:pPr marL="0" lvl="0" indent="0" algn="r" rtl="0">
+              <a:spcBef>
+                <a:spcPts val="0"/>
+              </a:spcBef>
+              <a:spcAft>
+                <a:spcPts val="0"/>
+              </a:spcAft>
+              <a:buNone/>
+            </a:pPr>
+            <a:endParaRPr lang="he-IL" sz="1100" b="0" i="0" u="none" strike="noStrike" dirty="0">
+              <a:solidFill>
+                <a:srgbClr val="000000"/>
+              </a:solidFill>
+              <a:effectLst/>
+              <a:latin typeface="+mj-lt"/>
+            </a:endParaRPr>
+          </a:p>
+          <a:p>
+            <a:pPr marL="0" lvl="0" indent="0" algn="r" rtl="0">
+              <a:spcBef>
+                <a:spcPts val="0"/>
+              </a:spcBef>
+              <a:spcAft>
+                <a:spcPts val="0"/>
+              </a:spcAft>
+              <a:buNone/>
+            </a:pPr>
+            <a:endParaRPr lang="he-IL" sz="1100" dirty="0">
+              <a:latin typeface="+mj-lt"/>
+            </a:endParaRPr>
+          </a:p>
+          <a:p>
+            <a:pPr marL="0" lvl="0" indent="0" algn="r" rtl="0">
+              <a:spcBef>
+                <a:spcPts val="0"/>
+              </a:spcBef>
+              <a:spcAft>
+                <a:spcPts val="0"/>
+              </a:spcAft>
+              <a:buNone/>
+            </a:pPr>
+            <a:endParaRPr lang="he-IL" sz="1100" dirty="0">
+              <a:latin typeface="+mj-lt"/>
+            </a:endParaRPr>
+          </a:p>
+          <a:p>
+            <a:pPr marL="0" lvl="0" indent="0" algn="r" rtl="0">
+              <a:spcBef>
+                <a:spcPts val="0"/>
+              </a:spcBef>
+              <a:spcAft>
+                <a:spcPts val="0"/>
+              </a:spcAft>
+              <a:buNone/>
+            </a:pPr>
+            <a:endParaRPr lang="he-IL" sz="1100" dirty="0">
+              <a:latin typeface="+mj-lt"/>
+            </a:endParaRPr>
+          </a:p>
+          <a:p>
+            <a:pPr marL="0" lvl="0" indent="0" algn="r" rtl="0">
+              <a:spcBef>
+                <a:spcPts val="0"/>
+              </a:spcBef>
+              <a:spcAft>
+                <a:spcPts val="0"/>
+              </a:spcAft>
+              <a:buNone/>
+            </a:pPr>
+            <a:endParaRPr lang="he-IL" sz="1100" dirty="0">
+              <a:latin typeface="+mj-lt"/>
+            </a:endParaRPr>
+          </a:p>
+          <a:p>
+            <a:pPr marL="0" lvl="0" indent="0" algn="r" rtl="0">
+              <a:spcBef>
+                <a:spcPts val="0"/>
+              </a:spcBef>
+              <a:spcAft>
+                <a:spcPts val="0"/>
+              </a:spcAft>
+              <a:buNone/>
+            </a:pPr>
+            <a:endParaRPr lang="he-IL" sz="1100" dirty="0">
+              <a:latin typeface="+mj-lt"/>
+            </a:endParaRPr>
+          </a:p>
+          <a:p>
+            <a:pPr marL="0" lvl="0" indent="0" algn="r" rtl="0">
+              <a:spcBef>
+                <a:spcPts val="0"/>
+              </a:spcBef>
+              <a:spcAft>
+                <a:spcPts val="0"/>
+              </a:spcAft>
+              <a:buNone/>
+            </a:pPr>
+            <a:endParaRPr lang="he-IL" sz="1100" dirty="0">
+              <a:latin typeface="+mj-lt"/>
+            </a:endParaRPr>
+          </a:p>
+          <a:p>
+            <a:pPr marL="0" lvl="0" indent="0" algn="r" rtl="0">
+              <a:spcBef>
+                <a:spcPts val="0"/>
+              </a:spcBef>
+              <a:spcAft>
+                <a:spcPts val="0"/>
+              </a:spcAft>
+              <a:buNone/>
+            </a:pPr>
+            <a:endParaRPr dirty="0">
+              <a:latin typeface="+mj-lt"/>
+            </a:endParaRPr>
           </a:p>
         </p:txBody>
       </p:sp>
@@ -1892,110 +2823,6 @@
 </file>
 
 <file path=ppt/notesSlides/notesSlide7.xml><?xml version="1.0" encoding="utf-8"?>
-<p:notes xmlns:a="http://schemas.openxmlformats.org/drawingml/2006/main" xmlns:r="http://schemas.openxmlformats.org/officeDocument/2006/relationships" xmlns:p="http://schemas.openxmlformats.org/presentationml/2006/main" showMasterSp="0" showMasterPhAnim="0">
-  <p:cSld>
-    <p:spTree>
-      <p:nvGrpSpPr>
-        <p:cNvPr id="1" name="Shape 161"/>
-        <p:cNvGrpSpPr/>
-        <p:nvPr/>
-      </p:nvGrpSpPr>
-      <p:grpSpPr>
-        <a:xfrm>
-          <a:off x="0" y="0"/>
-          <a:ext cx="0" cy="0"/>
-          <a:chOff x="0" y="0"/>
-          <a:chExt cx="0" cy="0"/>
-        </a:xfrm>
-      </p:grpSpPr>
-      <p:sp>
-        <p:nvSpPr>
-          <p:cNvPr id="162" name="Google Shape;162;g1d83d28a3d8_0_1115:notes"/>
-          <p:cNvSpPr>
-            <a:spLocks noGrp="1" noRot="1" noChangeAspect="1"/>
-          </p:cNvSpPr>
-          <p:nvPr>
-            <p:ph type="sldImg" idx="2"/>
-          </p:nvPr>
-        </p:nvSpPr>
-        <p:spPr>
-          <a:xfrm>
-            <a:off x="381000" y="685800"/>
-            <a:ext cx="6096000" cy="3429000"/>
-          </a:xfrm>
-          <a:custGeom>
-            <a:avLst/>
-            <a:gdLst/>
-            <a:ahLst/>
-            <a:cxnLst/>
-            <a:rect l="l" t="t" r="r" b="b"/>
-            <a:pathLst>
-              <a:path w="120000" h="120000" extrusionOk="0">
-                <a:moveTo>
-                  <a:pt x="0" y="0"/>
-                </a:moveTo>
-                <a:lnTo>
-                  <a:pt x="120000" y="0"/>
-                </a:lnTo>
-                <a:lnTo>
-                  <a:pt x="120000" y="120000"/>
-                </a:lnTo>
-                <a:lnTo>
-                  <a:pt x="0" y="120000"/>
-                </a:lnTo>
-                <a:close/>
-              </a:path>
-            </a:pathLst>
-          </a:custGeom>
-        </p:spPr>
-      </p:sp>
-      <p:sp>
-        <p:nvSpPr>
-          <p:cNvPr id="163" name="Google Shape;163;g1d83d28a3d8_0_1115:notes"/>
-          <p:cNvSpPr txBox="1">
-            <a:spLocks noGrp="1"/>
-          </p:cNvSpPr>
-          <p:nvPr>
-            <p:ph type="body" idx="1"/>
-          </p:nvPr>
-        </p:nvSpPr>
-        <p:spPr>
-          <a:xfrm>
-            <a:off x="685800" y="4343400"/>
-            <a:ext cx="5486400" cy="4114800"/>
-          </a:xfrm>
-          <a:prstGeom prst="rect">
-            <a:avLst/>
-          </a:prstGeom>
-        </p:spPr>
-        <p:txBody>
-          <a:bodyPr spcFirstLastPara="1" wrap="square" lIns="91425" tIns="91425" rIns="91425" bIns="91425" anchor="t" anchorCtr="0">
-            <a:noAutofit/>
-          </a:bodyPr>
-          <a:lstStyle/>
-          <a:p>
-            <a:pPr marL="0" lvl="0" indent="0" algn="l" rtl="0">
-              <a:spcBef>
-                <a:spcPts val="0"/>
-              </a:spcBef>
-              <a:spcAft>
-                <a:spcPts val="0"/>
-              </a:spcAft>
-              <a:buNone/>
-            </a:pPr>
-            <a:endParaRPr/>
-          </a:p>
-        </p:txBody>
-      </p:sp>
-    </p:spTree>
-  </p:cSld>
-  <p:clrMapOvr>
-    <a:masterClrMapping/>
-  </p:clrMapOvr>
-</p:notes>
-</file>
-
-<file path=ppt/notesSlides/notesSlide8.xml><?xml version="1.0" encoding="utf-8"?>
 <p:notes xmlns:a="http://schemas.openxmlformats.org/drawingml/2006/main" xmlns:r="http://schemas.openxmlformats.org/officeDocument/2006/relationships" xmlns:p="http://schemas.openxmlformats.org/presentationml/2006/main" showMasterSp="0" showMasterPhAnim="0">
   <p:cSld>
     <p:spTree>
@@ -2078,16 +2905,68 @@
           </a:bodyPr>
           <a:lstStyle/>
           <a:p>
-            <a:pPr marL="0" lvl="0" indent="0" algn="l" rtl="0">
-              <a:spcBef>
-                <a:spcPts val="0"/>
-              </a:spcBef>
-              <a:spcAft>
-                <a:spcPts val="0"/>
-              </a:spcAft>
-              <a:buNone/>
-            </a:pPr>
-            <a:endParaRPr/>
+            <a:pPr marL="0" lvl="0" indent="0" algn="r" rtl="0">
+              <a:spcBef>
+                <a:spcPts val="0"/>
+              </a:spcBef>
+              <a:spcAft>
+                <a:spcPts val="0"/>
+              </a:spcAft>
+              <a:buNone/>
+            </a:pPr>
+            <a:r>
+              <a:rPr lang="he-IL" b="0" i="0" u="none" strike="noStrike" dirty="0">
+                <a:solidFill>
+                  <a:srgbClr val="000000"/>
+                </a:solidFill>
+                <a:effectLst/>
+                <a:latin typeface="+mj-lt"/>
+              </a:rPr>
+              <a:t>לסיכום, פיצול מידע שימש בפרויקט זה כדי לפרק מערך נתונים גדול של יישומי אנדרואיד לגושים קטנים יותר וניתנים יותר לניהול. זה עזר לצוות לחלץ בקלות תכונות רלוונטיות, לבצע ניתוח מעמיק ולאחסן ולאחזר נתונים ביעילות. הוא מילא תפקיד מכריע בהפיכת הנתונים לשמישים לאימון מודל למידת המכונה. פיצול מידע היה חיוני בפרויקט זה מכיוון שהוא עזר לצוות לפרק את מערך הנתונים הגדול של יישומי אנדרואיד משנת 1817 לגושים קטנים יותר לניהול, ניתוח ואחסון טובים יותר. סקריפטים ופונקציות עוזר נכתבו כדי לסייע בחילוץ נתונים ועיבוד מקדים, ומאפשרים ניתוח ממוקד של היבטים ספציפיים כגון קטגוריות וקריאות </a:t>
+            </a:r>
+            <a:r>
+              <a:rPr lang="en-US" b="0" i="0" u="none" strike="noStrike" dirty="0">
+                <a:solidFill>
+                  <a:srgbClr val="000000"/>
+                </a:solidFill>
+                <a:effectLst/>
+                <a:latin typeface="+mj-lt"/>
+              </a:rPr>
+              <a:t>API. </a:t>
+            </a:r>
+            <a:r>
+              <a:rPr lang="he-IL" b="0" i="0" u="none" strike="noStrike" dirty="0">
+                <a:solidFill>
+                  <a:srgbClr val="000000"/>
+                </a:solidFill>
+                <a:effectLst/>
+                <a:latin typeface="+mj-lt"/>
+              </a:rPr>
+              <a:t>זה עזר לזהות דפוסים ומגמות רלוונטיים לזיהוי תוכנות זדוניות, ושיפר את הביצועים של מודלי למידת המכונה. בסך </a:t>
+            </a:r>
+            <a:r>
+              <a:rPr lang="he-IL" b="0" i="0" u="none" strike="noStrike" dirty="0" err="1">
+                <a:solidFill>
+                  <a:srgbClr val="000000"/>
+                </a:solidFill>
+                <a:effectLst/>
+                <a:latin typeface="+mj-lt"/>
+              </a:rPr>
+              <a:t>הכל</a:t>
+            </a:r>
+            <a:r>
+              <a:rPr lang="he-IL" b="0" i="0" u="none" strike="noStrike" dirty="0">
+                <a:solidFill>
+                  <a:srgbClr val="000000"/>
+                </a:solidFill>
+                <a:effectLst/>
+                <a:latin typeface="+mj-lt"/>
+              </a:rPr>
+              <a:t>, הפיצול מילא תפקיד מפתח בעבודה יעילה עם הנתונים ובהשגת תוצאות מדויקות.</a:t>
+            </a:r>
+            <a:endParaRPr dirty="0">
+              <a:latin typeface="+mj-lt"/>
+            </a:endParaRPr>
           </a:p>
         </p:txBody>
       </p:sp>
@@ -2099,12 +2978,12 @@
 </p:notes>
 </file>
 
-<file path=ppt/notesSlides/notesSlide9.xml><?xml version="1.0" encoding="utf-8"?>
+<file path=ppt/notesSlides/notesSlide8.xml><?xml version="1.0" encoding="utf-8"?>
 <p:notes xmlns:a="http://schemas.openxmlformats.org/drawingml/2006/main" xmlns:r="http://schemas.openxmlformats.org/officeDocument/2006/relationships" xmlns:p="http://schemas.openxmlformats.org/presentationml/2006/main" showMasterSp="0" showMasterPhAnim="0">
   <p:cSld>
     <p:spTree>
       <p:nvGrpSpPr>
-        <p:cNvPr id="1" name="Shape 173"/>
+        <p:cNvPr id="1" name="Shape 179"/>
         <p:cNvGrpSpPr/>
         <p:nvPr/>
       </p:nvGrpSpPr>
@@ -2118,7 +2997,7 @@
       </p:grpSpPr>
       <p:sp>
         <p:nvSpPr>
-          <p:cNvPr id="174" name="Google Shape;174;g1d83d28a3d8_0_1131:notes"/>
+          <p:cNvPr id="180" name="Google Shape;180;g1d83d28a3d8_0_1137:notes"/>
           <p:cNvSpPr>
             <a:spLocks noGrp="1" noRot="1" noChangeAspect="1"/>
           </p:cNvSpPr>
@@ -2159,7 +3038,7 @@
       </p:sp>
       <p:sp>
         <p:nvSpPr>
-          <p:cNvPr id="175" name="Google Shape;175;g1d83d28a3d8_0_1131:notes"/>
+          <p:cNvPr id="181" name="Google Shape;181;g1d83d28a3d8_0_1137:notes"/>
           <p:cNvSpPr txBox="1">
             <a:spLocks noGrp="1"/>
           </p:cNvSpPr>
@@ -2182,16 +3061,576 @@
           </a:bodyPr>
           <a:lstStyle/>
           <a:p>
-            <a:pPr marL="0" lvl="0" indent="0" algn="l" rtl="0">
-              <a:spcBef>
-                <a:spcPts val="0"/>
-              </a:spcBef>
-              <a:spcAft>
-                <a:spcPts val="0"/>
-              </a:spcAft>
-              <a:buNone/>
-            </a:pPr>
-            <a:endParaRPr/>
+            <a:pPr marL="158750" indent="0" algn="r" rtl="1">
+              <a:buNone/>
+            </a:pPr>
+            <a:r>
+              <a:rPr lang="he-IL" b="0" i="0" u="none" strike="noStrike" dirty="0">
+                <a:solidFill>
+                  <a:srgbClr val="000000"/>
+                </a:solidFill>
+                <a:effectLst/>
+                <a:latin typeface="+mj-lt"/>
+              </a:rPr>
+              <a:t>בפרויקט זה, מודלים שונים של למידת מכונה אומנו לזהות תוכנות זדוניות של </a:t>
+            </a:r>
+          </a:p>
+          <a:p>
+            <a:pPr marL="158750" indent="0" algn="r" rtl="1">
+              <a:buNone/>
+            </a:pPr>
+            <a:r>
+              <a:rPr lang="en-US" b="0" i="0" u="none" strike="noStrike" dirty="0">
+                <a:solidFill>
+                  <a:srgbClr val="000000"/>
+                </a:solidFill>
+                <a:effectLst/>
+                <a:latin typeface="+mj-lt"/>
+              </a:rPr>
+              <a:t>Android</a:t>
+            </a:r>
+            <a:endParaRPr lang="he-IL" b="0" i="0" u="none" strike="noStrike" dirty="0">
+              <a:solidFill>
+                <a:srgbClr val="000000"/>
+              </a:solidFill>
+              <a:effectLst/>
+              <a:latin typeface="+mj-lt"/>
+            </a:endParaRPr>
+          </a:p>
+          <a:p>
+            <a:pPr marL="158750" indent="0" algn="r" rtl="1">
+              <a:buNone/>
+            </a:pPr>
+            <a:r>
+              <a:rPr lang="he-IL" b="0" i="0" u="none" strike="noStrike" dirty="0">
+                <a:solidFill>
+                  <a:srgbClr val="000000"/>
+                </a:solidFill>
+                <a:effectLst/>
+                <a:latin typeface="+mj-lt"/>
+              </a:rPr>
+              <a:t>לכל דגם היו חוזקות וחולשות משלו והצוות היה צריך להעריך את הביצועים שלו באמצעות מדדים כמו </a:t>
+            </a:r>
+            <a:r>
+              <a:rPr lang="en-US" sz="1100" dirty="0">
+                <a:latin typeface="+mj-lt"/>
+              </a:rPr>
+              <a:t>accuracy</a:t>
+            </a:r>
+            <a:r>
+              <a:rPr lang="he-IL" b="0" i="0" u="none" strike="noStrike" dirty="0">
+                <a:solidFill>
+                  <a:srgbClr val="000000"/>
+                </a:solidFill>
+                <a:effectLst/>
+                <a:latin typeface="+mj-lt"/>
+              </a:rPr>
+              <a:t>, </a:t>
+            </a:r>
+            <a:r>
+              <a:rPr lang="en-US" sz="1100" dirty="0">
+                <a:latin typeface="+mj-lt"/>
+              </a:rPr>
+              <a:t>recall</a:t>
+            </a:r>
+            <a:r>
+              <a:rPr lang="he-IL" sz="1100" dirty="0">
+                <a:latin typeface="+mj-lt"/>
+              </a:rPr>
+              <a:t>,</a:t>
+            </a:r>
+            <a:r>
+              <a:rPr lang="en-US" sz="1100" dirty="0">
+                <a:latin typeface="+mj-lt"/>
+              </a:rPr>
+              <a:t> precision</a:t>
+            </a:r>
+            <a:r>
+              <a:rPr lang="he-IL" sz="1100" dirty="0">
+                <a:latin typeface="+mj-lt"/>
+              </a:rPr>
+              <a:t>(נכונות, דיוק וזכירה)</a:t>
+            </a:r>
+            <a:endParaRPr lang="he-IL" b="0" i="0" u="none" strike="noStrike" dirty="0">
+              <a:solidFill>
+                <a:srgbClr val="000000"/>
+              </a:solidFill>
+              <a:effectLst/>
+              <a:latin typeface="+mj-lt"/>
+            </a:endParaRPr>
+          </a:p>
+          <a:p>
+            <a:pPr marL="158750" indent="0" algn="r" rtl="1">
+              <a:buNone/>
+            </a:pPr>
+            <a:r>
+              <a:rPr lang="he-IL" b="0" i="0" u="none" strike="noStrike" dirty="0">
+                <a:solidFill>
+                  <a:srgbClr val="000000"/>
+                </a:solidFill>
+                <a:effectLst/>
+                <a:latin typeface="+mj-lt"/>
+              </a:rPr>
+              <a:t>ל-</a:t>
+            </a:r>
+            <a:r>
+              <a:rPr lang="en-US" b="0" i="0" u="none" strike="noStrike" dirty="0">
+                <a:solidFill>
+                  <a:srgbClr val="000000"/>
+                </a:solidFill>
+                <a:effectLst/>
+                <a:latin typeface="+mj-lt"/>
+              </a:rPr>
+              <a:t>SVM </a:t>
+            </a:r>
+            <a:r>
+              <a:rPr lang="he-IL" b="0" i="0" u="none" strike="noStrike" dirty="0">
+                <a:solidFill>
+                  <a:srgbClr val="000000"/>
+                </a:solidFill>
+                <a:effectLst/>
+                <a:latin typeface="+mj-lt"/>
+              </a:rPr>
+              <a:t>היה דיוק של 0.780 </a:t>
+            </a:r>
+          </a:p>
+          <a:p>
+            <a:pPr marL="158750" indent="0" algn="r" rtl="1">
+              <a:buNone/>
+            </a:pPr>
+            <a:r>
+              <a:rPr lang="he-IL" b="0" i="0" u="none" strike="noStrike" dirty="0">
+                <a:solidFill>
+                  <a:srgbClr val="000000"/>
+                </a:solidFill>
+                <a:effectLst/>
+                <a:latin typeface="+mj-lt"/>
+              </a:rPr>
+              <a:t>לרגרסיה לוגיסטית היה דיוק של 0.835. </a:t>
+            </a:r>
+          </a:p>
+          <a:p>
+            <a:pPr marL="158750" indent="0" algn="r" rtl="1">
+              <a:buNone/>
+            </a:pPr>
+            <a:r>
+              <a:rPr lang="he-IL" b="0" i="0" u="none" strike="noStrike" dirty="0">
+                <a:solidFill>
+                  <a:srgbClr val="000000"/>
+                </a:solidFill>
+                <a:effectLst/>
+                <a:latin typeface="+mj-lt"/>
+              </a:rPr>
+              <a:t>עם זאת, הפותר לא הצליח להתכנס ב- </a:t>
+            </a:r>
+            <a:r>
+              <a:rPr lang="en-US" b="0" i="0" u="none" strike="noStrike" dirty="0">
+                <a:solidFill>
+                  <a:srgbClr val="000000"/>
+                </a:solidFill>
+                <a:effectLst/>
+                <a:latin typeface="+mj-lt"/>
+              </a:rPr>
+              <a:t>SVM </a:t>
+            </a:r>
+            <a:r>
+              <a:rPr lang="he-IL" b="0" i="0" u="none" strike="noStrike" dirty="0">
+                <a:solidFill>
+                  <a:srgbClr val="000000"/>
+                </a:solidFill>
+                <a:effectLst/>
+                <a:latin typeface="+mj-lt"/>
+              </a:rPr>
+              <a:t> והתקבלה אזהרת התכנסות.</a:t>
+            </a:r>
+          </a:p>
+          <a:p>
+            <a:pPr marL="158750" indent="0" algn="r" rtl="1">
+              <a:buNone/>
+            </a:pPr>
+            <a:r>
+              <a:rPr lang="he-IL" b="0" i="0" u="none" strike="noStrike" dirty="0">
+                <a:solidFill>
+                  <a:srgbClr val="000000"/>
+                </a:solidFill>
+                <a:effectLst/>
+                <a:latin typeface="+mj-lt"/>
+              </a:rPr>
+              <a:t>הביצועים הטובים ביותר הושגו על ידי </a:t>
+            </a:r>
+            <a:r>
+              <a:rPr lang="en-US" b="0" i="0" u="none" strike="noStrike" dirty="0" err="1">
+                <a:solidFill>
+                  <a:srgbClr val="000000"/>
+                </a:solidFill>
+                <a:effectLst/>
+                <a:latin typeface="+mj-lt"/>
+              </a:rPr>
+              <a:t>DecisionTreeClassifier</a:t>
+            </a:r>
+            <a:r>
+              <a:rPr lang="en-US" b="0" i="0" u="none" strike="noStrike" dirty="0">
+                <a:solidFill>
+                  <a:srgbClr val="000000"/>
+                </a:solidFill>
+                <a:effectLst/>
+                <a:latin typeface="+mj-lt"/>
+              </a:rPr>
+              <a:t> </a:t>
+            </a:r>
+            <a:r>
+              <a:rPr lang="he-IL" b="0" i="0" u="none" strike="noStrike" dirty="0">
+                <a:solidFill>
+                  <a:srgbClr val="000000"/>
+                </a:solidFill>
+                <a:effectLst/>
+                <a:latin typeface="+mj-lt"/>
+              </a:rPr>
+              <a:t> עם דיוק של 0.984.</a:t>
+            </a:r>
+            <a:endParaRPr lang="he-IL" b="0" i="0" u="none" strike="noStrike" dirty="0">
+              <a:solidFill>
+                <a:srgbClr val="000000"/>
+              </a:solidFill>
+              <a:effectLst/>
+              <a:latin typeface="+mj-lt"/>
+              <a:cs typeface="Segoe UI Web (Hebrew)"/>
+            </a:endParaRPr>
+          </a:p>
+        </p:txBody>
+      </p:sp>
+    </p:spTree>
+  </p:cSld>
+  <p:clrMapOvr>
+    <a:masterClrMapping/>
+  </p:clrMapOvr>
+</p:notes>
+</file>
+
+<file path=ppt/notesSlides/notesSlide9.xml><?xml version="1.0" encoding="utf-8"?>
+<p:notes xmlns:a="http://schemas.openxmlformats.org/drawingml/2006/main" xmlns:r="http://schemas.openxmlformats.org/officeDocument/2006/relationships" xmlns:p="http://schemas.openxmlformats.org/presentationml/2006/main" showMasterSp="0" showMasterPhAnim="0">
+  <p:cSld>
+    <p:spTree>
+      <p:nvGrpSpPr>
+        <p:cNvPr id="1" name="Shape 185"/>
+        <p:cNvGrpSpPr/>
+        <p:nvPr/>
+      </p:nvGrpSpPr>
+      <p:grpSpPr>
+        <a:xfrm>
+          <a:off x="0" y="0"/>
+          <a:ext cx="0" cy="0"/>
+          <a:chOff x="0" y="0"/>
+          <a:chExt cx="0" cy="0"/>
+        </a:xfrm>
+      </p:grpSpPr>
+      <p:sp>
+        <p:nvSpPr>
+          <p:cNvPr id="186" name="Google Shape;186;g1d83d28a3d8_0_1145:notes"/>
+          <p:cNvSpPr>
+            <a:spLocks noGrp="1" noRot="1" noChangeAspect="1"/>
+          </p:cNvSpPr>
+          <p:nvPr>
+            <p:ph type="sldImg" idx="2"/>
+          </p:nvPr>
+        </p:nvSpPr>
+        <p:spPr>
+          <a:xfrm>
+            <a:off x="381000" y="685800"/>
+            <a:ext cx="6096000" cy="3429000"/>
+          </a:xfrm>
+          <a:custGeom>
+            <a:avLst/>
+            <a:gdLst/>
+            <a:ahLst/>
+            <a:cxnLst/>
+            <a:rect l="l" t="t" r="r" b="b"/>
+            <a:pathLst>
+              <a:path w="120000" h="120000" extrusionOk="0">
+                <a:moveTo>
+                  <a:pt x="0" y="0"/>
+                </a:moveTo>
+                <a:lnTo>
+                  <a:pt x="120000" y="0"/>
+                </a:lnTo>
+                <a:lnTo>
+                  <a:pt x="120000" y="120000"/>
+                </a:lnTo>
+                <a:lnTo>
+                  <a:pt x="0" y="120000"/>
+                </a:lnTo>
+                <a:close/>
+              </a:path>
+            </a:pathLst>
+          </a:custGeom>
+        </p:spPr>
+      </p:sp>
+      <p:sp>
+        <p:nvSpPr>
+          <p:cNvPr id="187" name="Google Shape;187;g1d83d28a3d8_0_1145:notes"/>
+          <p:cNvSpPr txBox="1">
+            <a:spLocks noGrp="1"/>
+          </p:cNvSpPr>
+          <p:nvPr>
+            <p:ph type="body" idx="1"/>
+          </p:nvPr>
+        </p:nvSpPr>
+        <p:spPr>
+          <a:xfrm>
+            <a:off x="685800" y="4343400"/>
+            <a:ext cx="5486400" cy="4114800"/>
+          </a:xfrm>
+          <a:prstGeom prst="rect">
+            <a:avLst/>
+          </a:prstGeom>
+        </p:spPr>
+        <p:txBody>
+          <a:bodyPr spcFirstLastPara="1" wrap="square" lIns="91425" tIns="91425" rIns="91425" bIns="91425" anchor="t" anchorCtr="0">
+            <a:noAutofit/>
+          </a:bodyPr>
+          <a:lstStyle/>
+          <a:p>
+            <a:pPr marL="0" marR="0" lvl="0" indent="0" algn="r" rtl="1">
+              <a:lnSpc>
+                <a:spcPct val="100000"/>
+              </a:lnSpc>
+              <a:spcBef>
+                <a:spcPts val="0"/>
+              </a:spcBef>
+              <a:spcAft>
+                <a:spcPts val="0"/>
+              </a:spcAft>
+              <a:buClr>
+                <a:srgbClr val="000000"/>
+              </a:buClr>
+              <a:buSzPts val="1100"/>
+              <a:buFont typeface="Arial"/>
+              <a:buNone/>
+            </a:pPr>
+            <a:r>
+              <a:rPr lang="he-IL" sz="1300" b="0" i="0" u="none" strike="noStrike" dirty="0">
+                <a:solidFill>
+                  <a:srgbClr val="000000"/>
+                </a:solidFill>
+                <a:effectLst/>
+                <a:latin typeface="+mj-lt"/>
+              </a:rPr>
+              <a:t>בפרויקט זה, אלגוריתמים שונים של למידת מכונה שימשו לאימון מודלים לזיהוי תוכנות זדוניות של אנדרואיד, כולל: </a:t>
+            </a:r>
+            <a:endParaRPr lang="en-US" sz="1300" b="0" i="0" u="none" strike="noStrike" dirty="0">
+              <a:solidFill>
+                <a:srgbClr val="000000"/>
+              </a:solidFill>
+              <a:effectLst/>
+              <a:latin typeface="+mj-lt"/>
+            </a:endParaRPr>
+          </a:p>
+          <a:p>
+            <a:pPr marL="0" marR="0" lvl="0" indent="0" algn="r" rtl="1">
+              <a:lnSpc>
+                <a:spcPct val="100000"/>
+              </a:lnSpc>
+              <a:spcBef>
+                <a:spcPts val="0"/>
+              </a:spcBef>
+              <a:spcAft>
+                <a:spcPts val="0"/>
+              </a:spcAft>
+              <a:buClr>
+                <a:srgbClr val="000000"/>
+              </a:buClr>
+              <a:buSzPts val="1100"/>
+              <a:buFont typeface="Arial"/>
+              <a:buNone/>
+            </a:pPr>
+            <a:r>
+              <a:rPr lang="en-US" sz="1300" b="0" i="0" u="none" strike="noStrike" dirty="0">
+                <a:solidFill>
+                  <a:srgbClr val="000000"/>
+                </a:solidFill>
+                <a:effectLst/>
+                <a:latin typeface="+mj-lt"/>
+              </a:rPr>
+              <a:t>, SVM</a:t>
+            </a:r>
+            <a:r>
+              <a:rPr lang="he-IL" sz="1300" b="0" i="0" u="none" strike="noStrike" dirty="0">
+                <a:solidFill>
+                  <a:srgbClr val="000000"/>
+                </a:solidFill>
+                <a:effectLst/>
+                <a:latin typeface="+mj-lt"/>
+              </a:rPr>
+              <a:t>רגרסיה לוגיסטית, </a:t>
+            </a:r>
+            <a:r>
+              <a:rPr lang="en-US" sz="1300" b="0" i="0" u="none" strike="noStrike" dirty="0" err="1">
+                <a:solidFill>
+                  <a:srgbClr val="000000"/>
+                </a:solidFill>
+                <a:effectLst/>
+                <a:latin typeface="+mj-lt"/>
+              </a:rPr>
+              <a:t>KNeighborsClassifier</a:t>
+            </a:r>
+            <a:r>
+              <a:rPr lang="en-US" sz="1300" b="0" i="0" u="none" strike="noStrike" dirty="0">
+                <a:solidFill>
+                  <a:srgbClr val="000000"/>
+                </a:solidFill>
+                <a:effectLst/>
+                <a:latin typeface="+mj-lt"/>
+              </a:rPr>
+              <a:t>, </a:t>
+            </a:r>
+            <a:r>
+              <a:rPr lang="en-US" sz="1300" b="0" i="0" u="none" strike="noStrike" dirty="0" err="1">
+                <a:solidFill>
+                  <a:srgbClr val="000000"/>
+                </a:solidFill>
+                <a:effectLst/>
+                <a:latin typeface="+mj-lt"/>
+              </a:rPr>
+              <a:t>DecisionTreeClassifier</a:t>
+            </a:r>
+            <a:r>
+              <a:rPr lang="en-US" sz="1300" b="0" i="0" u="none" strike="noStrike" dirty="0">
+                <a:solidFill>
+                  <a:srgbClr val="000000"/>
+                </a:solidFill>
+                <a:effectLst/>
+                <a:latin typeface="+mj-lt"/>
+              </a:rPr>
+              <a:t> </a:t>
+            </a:r>
+            <a:r>
+              <a:rPr lang="he-IL" sz="1300" b="0" i="0" u="none" strike="noStrike" dirty="0">
+                <a:solidFill>
+                  <a:srgbClr val="000000"/>
+                </a:solidFill>
+                <a:effectLst/>
+                <a:latin typeface="+mj-lt"/>
+              </a:rPr>
+              <a:t>ו- </a:t>
+            </a:r>
+            <a:r>
+              <a:rPr lang="en-US" sz="1300" b="0" i="0" u="none" strike="noStrike" dirty="0" err="1">
+                <a:solidFill>
+                  <a:srgbClr val="000000"/>
+                </a:solidFill>
+                <a:effectLst/>
+                <a:latin typeface="+mj-lt"/>
+              </a:rPr>
+              <a:t>GradientBoostingClassifier</a:t>
+            </a:r>
+            <a:r>
+              <a:rPr lang="en-US" sz="1300" b="0" i="0" u="none" strike="noStrike" dirty="0">
+                <a:solidFill>
+                  <a:srgbClr val="000000"/>
+                </a:solidFill>
+                <a:effectLst/>
+                <a:latin typeface="+mj-lt"/>
+              </a:rPr>
+              <a:t>.</a:t>
+            </a:r>
+          </a:p>
+          <a:p>
+            <a:pPr marL="0" marR="0" lvl="0" indent="0" algn="r" rtl="1">
+              <a:lnSpc>
+                <a:spcPct val="100000"/>
+              </a:lnSpc>
+              <a:spcBef>
+                <a:spcPts val="0"/>
+              </a:spcBef>
+              <a:spcAft>
+                <a:spcPts val="0"/>
+              </a:spcAft>
+              <a:buClr>
+                <a:srgbClr val="000000"/>
+              </a:buClr>
+              <a:buSzPts val="1100"/>
+              <a:buFont typeface="Arial"/>
+              <a:buNone/>
+            </a:pPr>
+            <a:r>
+              <a:rPr lang="he-IL" sz="1300" b="0" i="0" u="none" strike="noStrike" dirty="0">
+                <a:solidFill>
+                  <a:srgbClr val="000000"/>
+                </a:solidFill>
+                <a:effectLst/>
+                <a:latin typeface="+mj-lt"/>
+              </a:rPr>
+              <a:t>לכל אלגוריתם היו החוזקות והחולשות שלו. הערכנו את התוצאות ומצאנו כי ל- </a:t>
+            </a:r>
+            <a:r>
+              <a:rPr lang="en-US" sz="1300" b="0" i="0" u="none" strike="noStrike" dirty="0" err="1">
+                <a:solidFill>
+                  <a:srgbClr val="000000"/>
+                </a:solidFill>
+                <a:effectLst/>
+                <a:latin typeface="+mj-lt"/>
+              </a:rPr>
+              <a:t>DecisionTreeClassifier</a:t>
+            </a:r>
+            <a:r>
+              <a:rPr lang="en-US" sz="1300" b="0" i="0" u="none" strike="noStrike" dirty="0">
+                <a:solidFill>
+                  <a:srgbClr val="000000"/>
+                </a:solidFill>
+                <a:effectLst/>
+                <a:latin typeface="+mj-lt"/>
+              </a:rPr>
+              <a:t> </a:t>
+            </a:r>
+            <a:r>
+              <a:rPr lang="he-IL" sz="1300" b="0" i="0" u="none" strike="noStrike" dirty="0">
+                <a:solidFill>
+                  <a:srgbClr val="000000"/>
+                </a:solidFill>
+                <a:effectLst/>
+                <a:latin typeface="+mj-lt"/>
+              </a:rPr>
+              <a:t>היו הביצועים הטובים ביותר עם דיוק של 0.984, דיוק של 1.000 וזכירה של 0.982.</a:t>
+            </a:r>
+            <a:endParaRPr lang="en-US" sz="1300" b="0" i="0" u="none" strike="noStrike" dirty="0">
+              <a:solidFill>
+                <a:srgbClr val="000000"/>
+              </a:solidFill>
+              <a:effectLst/>
+              <a:latin typeface="+mj-lt"/>
+            </a:endParaRPr>
+          </a:p>
+          <a:p>
+            <a:pPr marL="0" marR="0" lvl="0" indent="0" algn="r" rtl="1">
+              <a:lnSpc>
+                <a:spcPct val="100000"/>
+              </a:lnSpc>
+              <a:spcBef>
+                <a:spcPts val="0"/>
+              </a:spcBef>
+              <a:spcAft>
+                <a:spcPts val="0"/>
+              </a:spcAft>
+              <a:buClr>
+                <a:srgbClr val="000000"/>
+              </a:buClr>
+              <a:buSzPts val="1100"/>
+              <a:buFont typeface="Arial"/>
+              <a:buNone/>
+            </a:pPr>
+            <a:r>
+              <a:rPr lang="he-IL" sz="1300" b="0" i="0" u="none" strike="noStrike" dirty="0">
+                <a:solidFill>
+                  <a:srgbClr val="000000"/>
+                </a:solidFill>
+                <a:effectLst/>
+                <a:latin typeface="+mj-lt"/>
+              </a:rPr>
+              <a:t>עם זאת, יש צורך במחקר נוסף כדי לשפר את הדיוק והביצועים של השיטה המוצעת.</a:t>
+            </a:r>
+            <a:endParaRPr sz="1300" dirty="0">
+              <a:latin typeface="+mj-lt"/>
+            </a:endParaRPr>
           </a:p>
         </p:txBody>
       </p:sp>
@@ -10329,10 +11768,14 @@
               <a:buNone/>
             </a:pPr>
             <a:r>
-              <a:rPr lang="iw" sz="2500" b="1"/>
+              <a:rPr lang="iw" sz="2500" b="1" dirty="0">
+                <a:latin typeface="Montserrat" pitchFamily="2" charset="77"/>
+              </a:rPr>
               <a:t>Enhancing Mobile Security through Machine Learning: A Study on Android Malware Detection</a:t>
             </a:r>
-            <a:endParaRPr sz="2500" b="1"/>
+            <a:endParaRPr sz="2500" b="1" dirty="0">
+              <a:latin typeface="Montserrat" pitchFamily="2" charset="77"/>
+            </a:endParaRPr>
           </a:p>
         </p:txBody>
       </p:sp>
@@ -10357,7 +11800,7 @@
         </p:spPr>
         <p:txBody>
           <a:bodyPr spcFirstLastPara="1" wrap="square" lIns="91425" tIns="91425" rIns="91425" bIns="91425" anchor="t" anchorCtr="0">
-            <a:normAutofit fontScale="85000" lnSpcReduction="10000"/>
+            <a:normAutofit fontScale="70000" lnSpcReduction="20000"/>
           </a:bodyPr>
           <a:lstStyle/>
           <a:p>
@@ -10371,10 +11814,14 @@
               <a:buNone/>
             </a:pPr>
             <a:r>
-              <a:rPr lang="iw"/>
+              <a:rPr lang="iw">
+                <a:latin typeface="Montserrat" pitchFamily="2" charset="77"/>
+              </a:rPr>
               <a:t>Machine Learning-based Approach for Android Malware Detection: An Evaluation of Performance and Limitations</a:t>
             </a:r>
-            <a:endParaRPr/>
+            <a:endParaRPr>
+              <a:latin typeface="Montserrat" pitchFamily="2" charset="77"/>
+            </a:endParaRPr>
           </a:p>
         </p:txBody>
       </p:sp>
@@ -10417,10 +11864,14 @@
               <a:buNone/>
             </a:pPr>
             <a:r>
-              <a:rPr lang="iw" sz="1120"/>
+              <a:rPr lang="iw" sz="1120" dirty="0">
+                <a:latin typeface="Montserrat" pitchFamily="2" charset="77"/>
+              </a:rPr>
               <a:t>Authors:</a:t>
             </a:r>
-            <a:endParaRPr sz="1120"/>
+            <a:endParaRPr sz="1120" dirty="0">
+              <a:latin typeface="Montserrat" pitchFamily="2" charset="77"/>
+            </a:endParaRPr>
           </a:p>
           <a:p>
             <a:pPr marL="0" lvl="0" indent="0" algn="l" rtl="0">
@@ -10437,10 +11888,14 @@
               <a:buNone/>
             </a:pPr>
             <a:r>
-              <a:rPr lang="iw" sz="1120"/>
+              <a:rPr lang="iw" sz="1120" dirty="0">
+                <a:latin typeface="Montserrat" pitchFamily="2" charset="77"/>
+              </a:rPr>
               <a:t>Moti Dahari 308212570</a:t>
             </a:r>
-            <a:endParaRPr sz="1120"/>
+            <a:endParaRPr sz="1120" dirty="0">
+              <a:latin typeface="Montserrat" pitchFamily="2" charset="77"/>
+            </a:endParaRPr>
           </a:p>
           <a:p>
             <a:pPr marL="0" lvl="0" indent="0" algn="l" rtl="0">
@@ -10457,10 +11912,14 @@
               <a:buNone/>
             </a:pPr>
             <a:r>
-              <a:rPr lang="iw" sz="1120"/>
+              <a:rPr lang="iw" sz="1120" dirty="0">
+                <a:latin typeface="Montserrat" pitchFamily="2" charset="77"/>
+              </a:rPr>
               <a:t>amit koobani 204804488</a:t>
             </a:r>
-            <a:endParaRPr sz="1120"/>
+            <a:endParaRPr sz="1120" dirty="0">
+              <a:latin typeface="Montserrat" pitchFamily="2" charset="77"/>
+            </a:endParaRPr>
           </a:p>
           <a:p>
             <a:pPr marL="0" lvl="0" indent="0" algn="l" rtl="0">
@@ -10476,7 +11935,9 @@
               <a:buSzPts val="440"/>
               <a:buNone/>
             </a:pPr>
-            <a:endParaRPr sz="1120"/>
+            <a:endParaRPr sz="1120" dirty="0">
+              <a:latin typeface="Montserrat" pitchFamily="2" charset="77"/>
+            </a:endParaRPr>
           </a:p>
           <a:p>
             <a:pPr marL="0" lvl="0" indent="0" algn="l" rtl="0">
@@ -10492,7 +11953,9 @@
               <a:buSzPts val="440"/>
               <a:buNone/>
             </a:pPr>
-            <a:endParaRPr sz="1120"/>
+            <a:endParaRPr sz="1120" dirty="0">
+              <a:latin typeface="Montserrat" pitchFamily="2" charset="77"/>
+            </a:endParaRPr>
           </a:p>
         </p:txBody>
       </p:sp>
@@ -10505,445 +11968,6 @@
 </file>
 
 <file path=ppt/slides/slide10.xml><?xml version="1.0" encoding="utf-8"?>
-<p:sld xmlns:a="http://schemas.openxmlformats.org/drawingml/2006/main" xmlns:r="http://schemas.openxmlformats.org/officeDocument/2006/relationships" xmlns:p="http://schemas.openxmlformats.org/presentationml/2006/main">
-  <p:cSld>
-    <p:spTree>
-      <p:nvGrpSpPr>
-        <p:cNvPr id="1" name="Shape 182"/>
-        <p:cNvGrpSpPr/>
-        <p:nvPr/>
-      </p:nvGrpSpPr>
-      <p:grpSpPr>
-        <a:xfrm>
-          <a:off x="0" y="0"/>
-          <a:ext cx="0" cy="0"/>
-          <a:chOff x="0" y="0"/>
-          <a:chExt cx="0" cy="0"/>
-        </a:xfrm>
-      </p:grpSpPr>
-      <p:sp>
-        <p:nvSpPr>
-          <p:cNvPr id="183" name="Google Shape;183;p21"/>
-          <p:cNvSpPr txBox="1">
-            <a:spLocks noGrp="1"/>
-          </p:cNvSpPr>
-          <p:nvPr>
-            <p:ph type="title"/>
-          </p:nvPr>
-        </p:nvSpPr>
-        <p:spPr>
-          <a:xfrm>
-            <a:off x="1297500" y="393750"/>
-            <a:ext cx="7038900" cy="914100"/>
-          </a:xfrm>
-          <a:prstGeom prst="rect">
-            <a:avLst/>
-          </a:prstGeom>
-        </p:spPr>
-        <p:txBody>
-          <a:bodyPr spcFirstLastPara="1" wrap="square" lIns="91425" tIns="91425" rIns="91425" bIns="91425" anchor="t" anchorCtr="0">
-            <a:normAutofit/>
-          </a:bodyPr>
-          <a:lstStyle/>
-          <a:p>
-            <a:pPr marL="0" lvl="0" indent="0" algn="l" rtl="0">
-              <a:spcBef>
-                <a:spcPts val="0"/>
-              </a:spcBef>
-              <a:spcAft>
-                <a:spcPts val="0"/>
-              </a:spcAft>
-              <a:buNone/>
-            </a:pPr>
-            <a:r>
-              <a:rPr lang="iw"/>
-              <a:t>Algorithms</a:t>
-            </a:r>
-            <a:endParaRPr/>
-          </a:p>
-          <a:p>
-            <a:pPr marL="0" lvl="0" indent="0" algn="l" rtl="0">
-              <a:spcBef>
-                <a:spcPts val="0"/>
-              </a:spcBef>
-              <a:spcAft>
-                <a:spcPts val="0"/>
-              </a:spcAft>
-              <a:buNone/>
-            </a:pPr>
-            <a:endParaRPr/>
-          </a:p>
-          <a:p>
-            <a:pPr marL="0" lvl="0" indent="0" algn="l" rtl="0">
-              <a:spcBef>
-                <a:spcPts val="0"/>
-              </a:spcBef>
-              <a:spcAft>
-                <a:spcPts val="0"/>
-              </a:spcAft>
-              <a:buNone/>
-            </a:pPr>
-            <a:endParaRPr/>
-          </a:p>
-        </p:txBody>
-      </p:sp>
-      <p:sp>
-        <p:nvSpPr>
-          <p:cNvPr id="184" name="Google Shape;184;p21"/>
-          <p:cNvSpPr txBox="1">
-            <a:spLocks noGrp="1"/>
-          </p:cNvSpPr>
-          <p:nvPr>
-            <p:ph type="body" idx="1"/>
-          </p:nvPr>
-        </p:nvSpPr>
-        <p:spPr>
-          <a:xfrm>
-            <a:off x="1297500" y="1567550"/>
-            <a:ext cx="7038900" cy="2911200"/>
-          </a:xfrm>
-          <a:prstGeom prst="rect">
-            <a:avLst/>
-          </a:prstGeom>
-        </p:spPr>
-        <p:txBody>
-          <a:bodyPr spcFirstLastPara="1" wrap="square" lIns="91425" tIns="91425" rIns="91425" bIns="91425" anchor="t" anchorCtr="0">
-            <a:normAutofit fontScale="85000" lnSpcReduction="10000"/>
-          </a:bodyPr>
-          <a:lstStyle/>
-          <a:p>
-            <a:pPr marL="0" lvl="0" indent="0" algn="l" rtl="0">
-              <a:spcBef>
-                <a:spcPts val="0"/>
-              </a:spcBef>
-              <a:spcAft>
-                <a:spcPts val="0"/>
-              </a:spcAft>
-              <a:buNone/>
-            </a:pPr>
-            <a:r>
-              <a:rPr lang="iw"/>
-              <a:t>In this project, several machine learning algorithms were used to train models for Android malware detection. Each algorithm has its own strengths and weaknesses, and the team had to carefully evaluate the results of each one in order to determine which algorithm was most suitable for the task at hand.</a:t>
-            </a:r>
-            <a:endParaRPr/>
-          </a:p>
-          <a:p>
-            <a:pPr marL="0" lvl="0" indent="0" algn="l" rtl="0">
-              <a:spcBef>
-                <a:spcPts val="1200"/>
-              </a:spcBef>
-              <a:spcAft>
-                <a:spcPts val="0"/>
-              </a:spcAft>
-              <a:buNone/>
-            </a:pPr>
-            <a:r>
-              <a:rPr lang="iw"/>
-              <a:t>SVM: Support Vector Machine (SVM) with a linear kernel. SVM is a powerful algorithm that can be used for both classification and regression tasks. The linear kernel allows the algorithm to make a linear separation between the data, which can be useful in cases where the data is linearly separable. In this project, the SVM model was trained on the extracted features, and the results showed that the algorithm had an accuracy of 0.780, a precision of 0.992, and a recall of 0.762. However, the solver failed to converge, which is a common issue with SVMs, and the team received a convergence warning.</a:t>
-            </a:r>
-            <a:br>
-              <a:rPr lang="iw"/>
-            </a:br>
-            <a:endParaRPr/>
-          </a:p>
-          <a:p>
-            <a:pPr marL="0" lvl="0" indent="0" algn="l" rtl="0">
-              <a:spcBef>
-                <a:spcPts val="1200"/>
-              </a:spcBef>
-              <a:spcAft>
-                <a:spcPts val="0"/>
-              </a:spcAft>
-              <a:buNone/>
-            </a:pPr>
-            <a:r>
-              <a:rPr lang="iw"/>
-              <a:t>Logistic Regression: Logistic Regression is a popular algorithm for classification tasks, and it is particularly well-suited for binary classification problems. The results of using this algorithm showed that it had an accuracy of 0.835, a precision of 0.979 and a recall of 0.841.</a:t>
-            </a:r>
-            <a:endParaRPr/>
-          </a:p>
-          <a:p>
-            <a:pPr marL="0" lvl="0" indent="0" algn="l" rtl="0">
-              <a:spcBef>
-                <a:spcPts val="1200"/>
-              </a:spcBef>
-              <a:spcAft>
-                <a:spcPts val="0"/>
-              </a:spcAft>
-              <a:buNone/>
-            </a:pPr>
-            <a:endParaRPr sz="1100">
-              <a:solidFill>
-                <a:srgbClr val="000000"/>
-              </a:solidFill>
-              <a:latin typeface="Arial"/>
-              <a:ea typeface="Arial"/>
-              <a:cs typeface="Arial"/>
-              <a:sym typeface="Arial"/>
-            </a:endParaRPr>
-          </a:p>
-          <a:p>
-            <a:pPr marL="0" lvl="0" indent="0" algn="l" rtl="0">
-              <a:spcBef>
-                <a:spcPts val="0"/>
-              </a:spcBef>
-              <a:spcAft>
-                <a:spcPts val="1200"/>
-              </a:spcAft>
-              <a:buNone/>
-            </a:pPr>
-            <a:endParaRPr/>
-          </a:p>
-        </p:txBody>
-      </p:sp>
-    </p:spTree>
-  </p:cSld>
-  <p:clrMapOvr>
-    <a:masterClrMapping/>
-  </p:clrMapOvr>
-</p:sld>
-</file>
-
-<file path=ppt/slides/slide11.xml><?xml version="1.0" encoding="utf-8"?>
-<p:sld xmlns:a="http://schemas.openxmlformats.org/drawingml/2006/main" xmlns:r="http://schemas.openxmlformats.org/officeDocument/2006/relationships" xmlns:p="http://schemas.openxmlformats.org/presentationml/2006/main">
-  <p:cSld>
-    <p:spTree>
-      <p:nvGrpSpPr>
-        <p:cNvPr id="1" name="Shape 188"/>
-        <p:cNvGrpSpPr/>
-        <p:nvPr/>
-      </p:nvGrpSpPr>
-      <p:grpSpPr>
-        <a:xfrm>
-          <a:off x="0" y="0"/>
-          <a:ext cx="0" cy="0"/>
-          <a:chOff x="0" y="0"/>
-          <a:chExt cx="0" cy="0"/>
-        </a:xfrm>
-      </p:grpSpPr>
-      <p:sp>
-        <p:nvSpPr>
-          <p:cNvPr id="189" name="Google Shape;189;p22"/>
-          <p:cNvSpPr txBox="1">
-            <a:spLocks noGrp="1"/>
-          </p:cNvSpPr>
-          <p:nvPr>
-            <p:ph type="title"/>
-          </p:nvPr>
-        </p:nvSpPr>
-        <p:spPr>
-          <a:xfrm>
-            <a:off x="1297500" y="393750"/>
-            <a:ext cx="7038900" cy="914100"/>
-          </a:xfrm>
-          <a:prstGeom prst="rect">
-            <a:avLst/>
-          </a:prstGeom>
-        </p:spPr>
-        <p:txBody>
-          <a:bodyPr spcFirstLastPara="1" wrap="square" lIns="91425" tIns="91425" rIns="91425" bIns="91425" anchor="t" anchorCtr="0">
-            <a:normAutofit/>
-          </a:bodyPr>
-          <a:lstStyle/>
-          <a:p>
-            <a:pPr marL="0" lvl="0" indent="0" algn="l" rtl="0">
-              <a:spcBef>
-                <a:spcPts val="0"/>
-              </a:spcBef>
-              <a:spcAft>
-                <a:spcPts val="0"/>
-              </a:spcAft>
-              <a:buNone/>
-            </a:pPr>
-            <a:r>
-              <a:rPr lang="iw"/>
-              <a:t>Algorithms</a:t>
-            </a:r>
-            <a:endParaRPr/>
-          </a:p>
-          <a:p>
-            <a:pPr marL="0" lvl="0" indent="0" algn="l" rtl="0">
-              <a:spcBef>
-                <a:spcPts val="0"/>
-              </a:spcBef>
-              <a:spcAft>
-                <a:spcPts val="0"/>
-              </a:spcAft>
-              <a:buNone/>
-            </a:pPr>
-            <a:endParaRPr/>
-          </a:p>
-          <a:p>
-            <a:pPr marL="0" lvl="0" indent="0" algn="l" rtl="0">
-              <a:spcBef>
-                <a:spcPts val="0"/>
-              </a:spcBef>
-              <a:spcAft>
-                <a:spcPts val="0"/>
-              </a:spcAft>
-              <a:buNone/>
-            </a:pPr>
-            <a:endParaRPr/>
-          </a:p>
-        </p:txBody>
-      </p:sp>
-      <p:sp>
-        <p:nvSpPr>
-          <p:cNvPr id="190" name="Google Shape;190;p22"/>
-          <p:cNvSpPr txBox="1">
-            <a:spLocks noGrp="1"/>
-          </p:cNvSpPr>
-          <p:nvPr>
-            <p:ph type="body" idx="1"/>
-          </p:nvPr>
-        </p:nvSpPr>
-        <p:spPr>
-          <a:xfrm>
-            <a:off x="1297500" y="1567550"/>
-            <a:ext cx="7038900" cy="2911200"/>
-          </a:xfrm>
-          <a:prstGeom prst="rect">
-            <a:avLst/>
-          </a:prstGeom>
-        </p:spPr>
-        <p:txBody>
-          <a:bodyPr spcFirstLastPara="1" wrap="square" lIns="91425" tIns="91425" rIns="91425" bIns="91425" anchor="t" anchorCtr="0">
-            <a:normAutofit fontScale="77500" lnSpcReduction="20000"/>
-          </a:bodyPr>
-          <a:lstStyle/>
-          <a:p>
-            <a:pPr marL="0" lvl="0" indent="0" algn="l" rtl="0">
-              <a:spcBef>
-                <a:spcPts val="0"/>
-              </a:spcBef>
-              <a:spcAft>
-                <a:spcPts val="0"/>
-              </a:spcAft>
-              <a:buNone/>
-            </a:pPr>
-            <a:r>
-              <a:rPr lang="iw"/>
-              <a:t>KNeighborsClassifier: KNeighborsClassifier is a supervised learning algorithm that can be used for both classification and regression tasks. It works by comparing a new data point to the k closest points in the training set, and then classifying the new data point based on the majority class of these closest points. The results of using this algorithm showed an accuracy</a:t>
-            </a:r>
-            <a:endParaRPr/>
-          </a:p>
-          <a:p>
-            <a:pPr marL="0" lvl="0" indent="0" algn="l" rtl="0">
-              <a:spcBef>
-                <a:spcPts val="1200"/>
-              </a:spcBef>
-              <a:spcAft>
-                <a:spcPts val="0"/>
-              </a:spcAft>
-              <a:buNone/>
-            </a:pPr>
-            <a:r>
-              <a:rPr lang="iw"/>
-              <a:t>DecisionTreeClassifier: DecisionTreeClassifier is a supervised learning algorithm that can be used for both classification and regression tasks. It works by creating a tree-like structure where each internal node represents a feature of the data, and each leaf node represents a class label. The algorithm then uses this tree to make predictions for new data points. The results of using this algorithm showed an accuracy of 0.984, a precision of 1.000, and a recall of 0.982, which was the best performance among the algorithms used in this project.</a:t>
-            </a:r>
-            <a:endParaRPr/>
-          </a:p>
-          <a:p>
-            <a:pPr marL="0" lvl="0" indent="0" algn="l" rtl="0">
-              <a:spcBef>
-                <a:spcPts val="1200"/>
-              </a:spcBef>
-              <a:spcAft>
-                <a:spcPts val="0"/>
-              </a:spcAft>
-              <a:buNone/>
-            </a:pPr>
-            <a:r>
-              <a:rPr lang="iw"/>
-              <a:t>GradientBoostingClassifier: GradientBoostingClassifier is an ensemble learning algorithm that can be used for both classification and regression tasks. It works by combining multiple weak models (such as decision trees) to create a strong model. The results of using this algorithm showed an accuracy of 0.835, a precision of 0.979 and a recall of 0.841.</a:t>
-            </a:r>
-            <a:endParaRPr/>
-          </a:p>
-          <a:p>
-            <a:pPr marL="0" lvl="0" indent="0" algn="l" rtl="0">
-              <a:spcBef>
-                <a:spcPts val="1200"/>
-              </a:spcBef>
-              <a:spcAft>
-                <a:spcPts val="0"/>
-              </a:spcAft>
-              <a:buNone/>
-            </a:pPr>
-            <a:r>
-              <a:rPr lang="iw"/>
-              <a:t>In conclusion, each algorithm had its own advantages and disadvantages. The team had to carefully evaluate the results of each algorithm in order to determine which one was most suitable for the task at hand. The best performance was achieved by the DecisionTreeClassifier with an accuracy of 0.984, a precision of 1.000, and a recall of 0.982. However, further research is needed to improve the accuracy and performance of the proposed method.</a:t>
-            </a:r>
-            <a:endParaRPr/>
-          </a:p>
-          <a:p>
-            <a:pPr marL="0" lvl="0" indent="0" algn="l" rtl="0">
-              <a:spcBef>
-                <a:spcPts val="1200"/>
-              </a:spcBef>
-              <a:spcAft>
-                <a:spcPts val="0"/>
-              </a:spcAft>
-              <a:buNone/>
-            </a:pPr>
-            <a:endParaRPr sz="1100">
-              <a:solidFill>
-                <a:srgbClr val="000000"/>
-              </a:solidFill>
-              <a:latin typeface="Arial"/>
-              <a:ea typeface="Arial"/>
-              <a:cs typeface="Arial"/>
-              <a:sym typeface="Arial"/>
-            </a:endParaRPr>
-          </a:p>
-          <a:p>
-            <a:pPr marL="0" lvl="0" indent="0" algn="l" rtl="0">
-              <a:lnSpc>
-                <a:spcPct val="175000"/>
-              </a:lnSpc>
-              <a:spcBef>
-                <a:spcPts val="0"/>
-              </a:spcBef>
-              <a:spcAft>
-                <a:spcPts val="0"/>
-              </a:spcAft>
-              <a:buNone/>
-            </a:pPr>
-            <a:endParaRPr sz="1200">
-              <a:solidFill>
-                <a:srgbClr val="D1D5DB"/>
-              </a:solidFill>
-              <a:highlight>
-                <a:srgbClr val="444654"/>
-              </a:highlight>
-              <a:latin typeface="Roboto"/>
-              <a:ea typeface="Roboto"/>
-              <a:cs typeface="Roboto"/>
-              <a:sym typeface="Roboto"/>
-            </a:endParaRPr>
-          </a:p>
-          <a:p>
-            <a:pPr marL="0" lvl="0" indent="0" algn="l" rtl="0">
-              <a:spcBef>
-                <a:spcPts val="0"/>
-              </a:spcBef>
-              <a:spcAft>
-                <a:spcPts val="1200"/>
-              </a:spcAft>
-              <a:buNone/>
-            </a:pPr>
-            <a:endParaRPr/>
-          </a:p>
-        </p:txBody>
-      </p:sp>
-    </p:spTree>
-  </p:cSld>
-  <p:clrMapOvr>
-    <a:masterClrMapping/>
-  </p:clrMapOvr>
-</p:sld>
-</file>
-
-<file path=ppt/slides/slide12.xml><?xml version="1.0" encoding="utf-8"?>
 <p:sld xmlns:a="http://schemas.openxmlformats.org/drawingml/2006/main" xmlns:r="http://schemas.openxmlformats.org/officeDocument/2006/relationships" xmlns:p="http://schemas.openxmlformats.org/presentationml/2006/main">
   <p:cSld>
     <p:spTree>
@@ -10995,10 +12019,14 @@
               <a:buNone/>
             </a:pPr>
             <a:r>
-              <a:rPr lang="iw"/>
+              <a:rPr lang="iw">
+                <a:latin typeface="Montserrat" pitchFamily="2" charset="77"/>
+              </a:rPr>
               <a:t>Challenges</a:t>
             </a:r>
-            <a:endParaRPr/>
+            <a:endParaRPr>
+              <a:latin typeface="Montserrat" pitchFamily="2" charset="77"/>
+            </a:endParaRPr>
           </a:p>
           <a:p>
             <a:pPr marL="0" lvl="0" indent="0" algn="l" rtl="0">
@@ -11010,7 +12038,9 @@
               </a:spcAft>
               <a:buNone/>
             </a:pPr>
-            <a:endParaRPr/>
+            <a:endParaRPr>
+              <a:latin typeface="Montserrat" pitchFamily="2" charset="77"/>
+            </a:endParaRPr>
           </a:p>
           <a:p>
             <a:pPr marL="0" lvl="0" indent="0" algn="l" rtl="0">
@@ -11022,7 +12052,9 @@
               </a:spcAft>
               <a:buNone/>
             </a:pPr>
-            <a:endParaRPr/>
+            <a:endParaRPr>
+              <a:latin typeface="Montserrat" pitchFamily="2" charset="77"/>
+            </a:endParaRPr>
           </a:p>
         </p:txBody>
       </p:sp>
@@ -11047,7 +12079,7 @@
         </p:spPr>
         <p:txBody>
           <a:bodyPr spcFirstLastPara="1" wrap="square" lIns="91425" tIns="91425" rIns="91425" bIns="91425" anchor="t" anchorCtr="0">
-            <a:normAutofit fontScale="62500" lnSpcReduction="10000"/>
+            <a:normAutofit/>
           </a:bodyPr>
           <a:lstStyle/>
           <a:p>
@@ -11061,86 +12093,25 @@
               <a:buNone/>
             </a:pPr>
             <a:r>
-              <a:rPr lang="iw"/>
-              <a:t>Throughout the project, the team faced several challenges that required careful consideration and problem-solving. One of the main challenges was dealing with the large amount of data that was collected. The dataset consisted of 1817 Android applications, with 165 of them labeled as malicious and 1652 labeled as benign. This large amount of data required a great deal of computational power and storage space, and it made it difficult to extract meaningful insights or perform complex operations.</a:t>
-            </a:r>
-            <a:endParaRPr/>
-          </a:p>
-          <a:p>
-            <a:pPr marL="0" lvl="0" indent="0" algn="l" rtl="0">
-              <a:spcBef>
-                <a:spcPts val="1200"/>
-              </a:spcBef>
-              <a:spcAft>
-                <a:spcPts val="0"/>
-              </a:spcAft>
-              <a:buNone/>
-            </a:pPr>
-            <a:r>
-              <a:rPr lang="iw"/>
-              <a:t>Another challenge was the complexity of the data. The team had to extract a wide range of features from the applications, such as sha256, label, app_permissions, api_permissions, api_calls, activities, s_and_r, interesting_calls, urls, and providers. This required a deep understanding of the data and the ability to identify patterns and trends within it. Additionally, the team had to deal with different types of data, such as binary, categorical, and numerical data, which added to the complexity of the task.</a:t>
-            </a:r>
-            <a:endParaRPr/>
-          </a:p>
-          <a:p>
-            <a:pPr marL="0" lvl="0" indent="0" algn="l" rtl="0">
-              <a:spcBef>
-                <a:spcPts val="1200"/>
-              </a:spcBef>
-              <a:spcAft>
-                <a:spcPts val="0"/>
-              </a:spcAft>
-              <a:buNone/>
-            </a:pPr>
-            <a:r>
-              <a:rPr lang="iw"/>
-              <a:t>A third challenge was the quality of the data. The team had to carefully evaluate the data to check for any inconsistencies or errors. This was an important step as any errors or inconsistencies in the data could negatively impact the performance of the machine learning model. The team had to clean and preprocess the data in order to ensure that it was of high quality and suitable for training the model.</a:t>
-            </a:r>
-            <a:endParaRPr/>
-          </a:p>
-          <a:p>
-            <a:pPr marL="0" lvl="0" indent="0" algn="l" rtl="0">
-              <a:spcBef>
-                <a:spcPts val="1200"/>
-              </a:spcBef>
-              <a:spcAft>
-                <a:spcPts val="0"/>
-              </a:spcAft>
-              <a:buNone/>
-            </a:pPr>
-            <a:r>
-              <a:rPr lang="iw"/>
-              <a:t>Another challenge was the need to deal with the high dimensionality of the data. The high dimensionality of the data refers to the large number of features that were extracted from the applications, which made it difficult to train the machine learning model. This required the team to use dimensionality reduction techniques to make the data more manageable.</a:t>
-            </a:r>
-            <a:endParaRPr/>
-          </a:p>
-          <a:p>
-            <a:pPr marL="0" lvl="0" indent="0" algn="l" rtl="0">
-              <a:spcBef>
-                <a:spcPts val="1200"/>
-              </a:spcBef>
-              <a:spcAft>
-                <a:spcPts val="0"/>
-              </a:spcAft>
-              <a:buNone/>
-            </a:pPr>
-            <a:r>
-              <a:rPr lang="iw"/>
-              <a:t>Lastly, choosing the right algorithm to use was also a challenge. Each algorithm has its own strengths and weaknesses, and the team had to carefully evaluate the results of each one in order to determine which algorithm was most suitable</a:t>
-            </a:r>
-            <a:endParaRPr/>
-          </a:p>
-          <a:p>
-            <a:pPr marL="0" lvl="0" indent="0" algn="l" rtl="0">
-              <a:spcBef>
-                <a:spcPts val="1200"/>
-              </a:spcBef>
-              <a:spcAft>
-                <a:spcPts val="1200"/>
-              </a:spcAft>
-              <a:buNone/>
-            </a:pPr>
-            <a:endParaRPr/>
+              <a:rPr lang="en-US" sz="1120" dirty="0">
+                <a:latin typeface="Montserrat" pitchFamily="2" charset="77"/>
+              </a:rPr>
+              <a:t>We faced several challenges in the project, including dealing with a large dataset, complex data, and data quality. They also had to use dimensionality reduction techniques to handle high dimensionality, and carefully evaluate different algorithms to determine which one was most suitable for the task.</a:t>
+            </a:r>
+          </a:p>
+          <a:p>
+            <a:pPr marL="0" lvl="0" indent="0" algn="r" rtl="0">
+              <a:spcBef>
+                <a:spcPts val="0"/>
+              </a:spcBef>
+              <a:spcAft>
+                <a:spcPts val="0"/>
+              </a:spcAft>
+              <a:buNone/>
+            </a:pPr>
+            <a:endParaRPr lang="en-US" sz="1120" dirty="0">
+              <a:latin typeface="Montserrat" pitchFamily="2" charset="77"/>
+            </a:endParaRPr>
           </a:p>
         </p:txBody>
       </p:sp>
@@ -11152,7 +12123,7 @@
 </p:sld>
 </file>
 
-<file path=ppt/slides/slide13.xml><?xml version="1.0" encoding="utf-8"?>
+<file path=ppt/slides/slide11.xml><?xml version="1.0" encoding="utf-8"?>
 <p:sld xmlns:a="http://schemas.openxmlformats.org/drawingml/2006/main" xmlns:r="http://schemas.openxmlformats.org/officeDocument/2006/relationships" xmlns:p="http://schemas.openxmlformats.org/presentationml/2006/main">
   <p:cSld>
     <p:spTree>
@@ -11204,10 +12175,14 @@
               <a:buNone/>
             </a:pPr>
             <a:r>
-              <a:rPr lang="iw"/>
+              <a:rPr lang="iw">
+                <a:latin typeface="Montserrat" pitchFamily="2" charset="77"/>
+              </a:rPr>
               <a:t>Assumptions</a:t>
             </a:r>
-            <a:endParaRPr/>
+            <a:endParaRPr>
+              <a:latin typeface="Montserrat" pitchFamily="2" charset="77"/>
+            </a:endParaRPr>
           </a:p>
           <a:p>
             <a:pPr marL="0" lvl="0" indent="0" algn="l" rtl="0">
@@ -11219,7 +12194,9 @@
               </a:spcAft>
               <a:buNone/>
             </a:pPr>
-            <a:endParaRPr/>
+            <a:endParaRPr>
+              <a:latin typeface="Montserrat" pitchFamily="2" charset="77"/>
+            </a:endParaRPr>
           </a:p>
           <a:p>
             <a:pPr marL="0" lvl="0" indent="0" algn="l" rtl="0">
@@ -11231,7 +12208,9 @@
               </a:spcAft>
               <a:buNone/>
             </a:pPr>
-            <a:endParaRPr/>
+            <a:endParaRPr>
+              <a:latin typeface="Montserrat" pitchFamily="2" charset="77"/>
+            </a:endParaRPr>
           </a:p>
         </p:txBody>
       </p:sp>
@@ -11256,7 +12235,7 @@
         </p:spPr>
         <p:txBody>
           <a:bodyPr spcFirstLastPara="1" wrap="square" lIns="91425" tIns="91425" rIns="91425" bIns="91425" anchor="t" anchorCtr="0">
-            <a:normAutofit fontScale="70000" lnSpcReduction="10000"/>
+            <a:normAutofit/>
           </a:bodyPr>
           <a:lstStyle/>
           <a:p>
@@ -11270,98 +12249,28 @@
               <a:buNone/>
             </a:pPr>
             <a:r>
-              <a:rPr lang="iw"/>
-              <a:t>Throughout the project, the team made several assumptions that were necessary to complete the task at hand.</a:t>
-            </a:r>
-            <a:endParaRPr/>
+              <a:rPr lang="en-US" sz="1120" dirty="0">
+                <a:latin typeface="Montserrat" pitchFamily="2" charset="77"/>
+              </a:rPr>
+              <a:t>We made several assumptions to complete the task of Android malware detection, such as assuming the dataset was representative, labeled correctly, features were relevant and informative, and the ML algorithms used were suitable. However, these assumptions may not be true and could lead to inaccurate models.</a:t>
+            </a:r>
+            <a:endParaRPr lang="en-IL" sz="1120" dirty="0">
+              <a:latin typeface="Montserrat" pitchFamily="2" charset="77"/>
+            </a:endParaRPr>
           </a:p>
           <a:p>
             <a:pPr marL="0" lvl="0" indent="0" algn="l" rtl="0">
               <a:spcBef>
-                <a:spcPts val="1200"/>
-              </a:spcBef>
-              <a:spcAft>
-                <a:spcPts val="0"/>
-              </a:spcAft>
-              <a:buNone/>
-            </a:pPr>
-            <a:r>
-              <a:rPr lang="iw"/>
-              <a:t>First, the team assumed that the dataset provided was representative of the population of Android applications. This assumption was necessary in order to train a model that would generalize well to new, unseen data. However, it's important to keep in mind that the dataset might not be representative of the population of Android applications, this could lead to a model that performs poorly on new data.</a:t>
-            </a:r>
-            <a:endParaRPr/>
-          </a:p>
-          <a:p>
-            <a:pPr marL="0" lvl="0" indent="0" algn="l" rtl="0">
-              <a:spcBef>
-                <a:spcPts val="1200"/>
-              </a:spcBef>
-              <a:spcAft>
-                <a:spcPts val="0"/>
-              </a:spcAft>
-              <a:buNone/>
-            </a:pPr>
-            <a:r>
-              <a:rPr lang="iw"/>
-              <a:t>Second, the team assumed that the dataset was labeled correctly. The dataset was labeled as either malicious or benign, and the team used these labels to train the model. However, there is a possibility that some of the applications were mislabeled, which could lead to a model that is not accurate.</a:t>
-            </a:r>
-            <a:endParaRPr/>
-          </a:p>
-          <a:p>
-            <a:pPr marL="0" lvl="0" indent="0" algn="l" rtl="0">
-              <a:spcBef>
-                <a:spcPts val="1200"/>
-              </a:spcBef>
-              <a:spcAft>
-                <a:spcPts val="0"/>
-              </a:spcAft>
-              <a:buNone/>
-            </a:pPr>
-            <a:r>
-              <a:rPr lang="iw"/>
-              <a:t>Third, the team assumed that the extracted features were relevant and informative for the task of Android malware detection. The team extracted a wide range of features from the applications, such as sha256, label, app_permissions, api_permissions, api_calls, activities, s_and_r, interesting_calls, urls, and providers. However, it's possible that some of these features might not be relevant or informative for the task, which could lead to a model that is not accurate.</a:t>
-            </a:r>
-            <a:endParaRPr/>
-          </a:p>
-          <a:p>
-            <a:pPr marL="0" lvl="0" indent="0" algn="l" rtl="0">
-              <a:spcBef>
-                <a:spcPts val="1200"/>
-              </a:spcBef>
-              <a:spcAft>
-                <a:spcPts val="0"/>
-              </a:spcAft>
-              <a:buNone/>
-            </a:pPr>
-            <a:r>
-              <a:rPr lang="iw"/>
-              <a:t>Fourth, the team assumed that the machine learning algorithms used in this project were suitable for the task of Android malware detection. The team used several machine learning algorithms, such as Support Vector Machine (SVM), Logistic Regression, KNeighborsClassifier, DecisionTreeClassifier, and GradientBoostingClassifier, but there may be other algorithms that would have performed better.</a:t>
-            </a:r>
-            <a:endParaRPr/>
-          </a:p>
-          <a:p>
-            <a:pPr marL="0" lvl="0" indent="0" algn="l" rtl="0">
-              <a:spcBef>
-                <a:spcPts val="1200"/>
-              </a:spcBef>
-              <a:spcAft>
-                <a:spcPts val="0"/>
-              </a:spcAft>
-              <a:buNone/>
-            </a:pPr>
-            <a:endParaRPr/>
-          </a:p>
-          <a:p>
-            <a:pPr marL="0" lvl="0" indent="0" algn="l" rtl="0">
-              <a:spcBef>
-                <a:spcPts val="1200"/>
-              </a:spcBef>
-              <a:spcAft>
-                <a:spcPts val="1200"/>
-              </a:spcAft>
-              <a:buNone/>
-            </a:pPr>
-            <a:endParaRPr/>
+                <a:spcPts val="0"/>
+              </a:spcBef>
+              <a:spcAft>
+                <a:spcPts val="0"/>
+              </a:spcAft>
+              <a:buNone/>
+            </a:pPr>
+            <a:endParaRPr lang="en-US" sz="1120" dirty="0">
+              <a:latin typeface="Montserrat" pitchFamily="2" charset="77"/>
+            </a:endParaRPr>
           </a:p>
         </p:txBody>
       </p:sp>
@@ -11373,7 +12282,7 @@
 </p:sld>
 </file>
 
-<file path=ppt/slides/slide14.xml><?xml version="1.0" encoding="utf-8"?>
+<file path=ppt/slides/slide12.xml><?xml version="1.0" encoding="utf-8"?>
 <p:sld xmlns:a="http://schemas.openxmlformats.org/drawingml/2006/main" xmlns:r="http://schemas.openxmlformats.org/officeDocument/2006/relationships" xmlns:p="http://schemas.openxmlformats.org/presentationml/2006/main">
   <p:cSld>
     <p:spTree>
@@ -11425,10 +12334,14 @@
               <a:buNone/>
             </a:pPr>
             <a:r>
-              <a:rPr lang="iw"/>
+              <a:rPr lang="iw">
+                <a:latin typeface="Montserrat" pitchFamily="2" charset="77"/>
+              </a:rPr>
               <a:t>links</a:t>
             </a:r>
-            <a:endParaRPr/>
+            <a:endParaRPr>
+              <a:latin typeface="Montserrat" pitchFamily="2" charset="77"/>
+            </a:endParaRPr>
           </a:p>
           <a:p>
             <a:pPr marL="0" lvl="0" indent="0" algn="l" rtl="0">
@@ -11440,7 +12353,9 @@
               </a:spcAft>
               <a:buNone/>
             </a:pPr>
-            <a:endParaRPr/>
+            <a:endParaRPr>
+              <a:latin typeface="Montserrat" pitchFamily="2" charset="77"/>
+            </a:endParaRPr>
           </a:p>
           <a:p>
             <a:pPr marL="0" lvl="0" indent="0" algn="l" rtl="0">
@@ -11452,7 +12367,9 @@
               </a:spcAft>
               <a:buNone/>
             </a:pPr>
-            <a:endParaRPr/>
+            <a:endParaRPr>
+              <a:latin typeface="Montserrat" pitchFamily="2" charset="77"/>
+            </a:endParaRPr>
           </a:p>
         </p:txBody>
       </p:sp>
@@ -11491,27 +12408,35 @@
               <a:buNone/>
             </a:pPr>
             <a:r>
-              <a:rPr lang="iw" sz="1274"/>
-              <a:t>github</a:t>
-            </a:r>
-            <a:r>
-              <a:rPr lang="iw" sz="774"/>
-              <a:t>: </a:t>
-            </a:r>
-            <a:r>
-              <a:rPr lang="iw" sz="774" u="sng">
+              <a:rPr lang="iw" sz="1120" dirty="0">
+                <a:latin typeface="Montserrat" pitchFamily="2" charset="77"/>
+                <a:ea typeface="Lato" panose="020F0502020204030203" pitchFamily="34" charset="0"/>
+              </a:rPr>
+              <a:t>github: </a:t>
+            </a:r>
+            <a:r>
+              <a:rPr lang="iw" sz="1120" u="sng" dirty="0">
                 <a:solidFill>
                   <a:schemeClr val="hlink"/>
                 </a:solidFill>
+                <a:latin typeface="Montserrat" pitchFamily="2" charset="77"/>
+                <a:ea typeface="Lato" panose="020F0502020204030203" pitchFamily="34" charset="0"/>
                 <a:hlinkClick r:id="rId3"/>
               </a:rPr>
               <a:t>https://github.com/motidahari/Mobile-Security-ML-Android-Malware-Detection</a:t>
             </a:r>
             <a:r>
-              <a:rPr lang="iw" sz="774"/>
+              <a:rPr lang="iw" sz="1120" dirty="0">
+                <a:latin typeface="Montserrat" pitchFamily="2" charset="77"/>
+                <a:ea typeface="Lato" panose="020F0502020204030203" pitchFamily="34" charset="0"/>
+              </a:rPr>
               <a:t>		 	 	 		</a:t>
             </a:r>
-            <a:endParaRPr sz="774"/>
+            <a:endParaRPr sz="1120" dirty="0">
+              <a:latin typeface="Montserrat" pitchFamily="2" charset="77"/>
+              <a:ea typeface="Lato" panose="020F0502020204030203" pitchFamily="34" charset="0"/>
+              <a:cs typeface="Lato" panose="020F0502020204030203" pitchFamily="34" charset="0"/>
+            </a:endParaRPr>
           </a:p>
           <a:p>
             <a:pPr marL="0" lvl="0" indent="0" algn="l" rtl="0">
@@ -11524,29 +12449,30 @@
               <a:buNone/>
             </a:pPr>
             <a:r>
-              <a:rPr lang="iw" sz="1250"/>
-              <a:t>dataset</a:t>
-            </a:r>
-            <a:r>
-              <a:rPr lang="iw" sz="774"/>
-              <a:t>: </a:t>
-            </a:r>
-            <a:r>
-              <a:rPr lang="iw" sz="774" u="sng">
+              <a:rPr lang="iw" sz="1120" dirty="0">
+                <a:latin typeface="Montserrat" pitchFamily="2" charset="77"/>
+                <a:ea typeface="Lato" panose="020F0502020204030203" pitchFamily="34" charset="0"/>
+              </a:rPr>
+              <a:t>dataset: </a:t>
+            </a:r>
+            <a:r>
+              <a:rPr lang="iw" sz="1120" u="sng" dirty="0">
                 <a:solidFill>
                   <a:schemeClr val="hlink"/>
                 </a:solidFill>
+                <a:latin typeface="Montserrat" pitchFamily="2" charset="77"/>
+                <a:ea typeface="Lato" panose="020F0502020204030203" pitchFamily="34" charset="0"/>
                 <a:hlinkClick r:id="rId4"/>
               </a:rPr>
               <a:t>https://github.com/motidahari/Mobile-Security-ML-Android-Malware-Detection/tree/main/data/apks/result</a:t>
             </a:r>
-            <a:endParaRPr sz="1874" b="1">
+            <a:endParaRPr sz="1120" b="1" dirty="0">
               <a:solidFill>
                 <a:srgbClr val="000000"/>
               </a:solidFill>
-              <a:latin typeface="David"/>
-              <a:ea typeface="David"/>
-              <a:cs typeface="David"/>
+              <a:latin typeface="Montserrat" pitchFamily="2" charset="77"/>
+              <a:ea typeface="Lato" panose="020F0502020204030203" pitchFamily="34" charset="0"/>
+              <a:cs typeface="Lato" panose="020F0502020204030203" pitchFamily="34" charset="0"/>
               <a:sym typeface="David"/>
             </a:endParaRPr>
           </a:p>
@@ -11561,24 +12487,24 @@
               <a:buNone/>
             </a:pPr>
             <a:r>
-              <a:rPr lang="iw" sz="1874" b="1">
+              <a:rPr lang="iw" sz="1120" b="1" dirty="0">
                 <a:solidFill>
                   <a:srgbClr val="000000"/>
                 </a:solidFill>
-                <a:latin typeface="David"/>
-                <a:ea typeface="David"/>
+                <a:latin typeface="Montserrat" pitchFamily="2" charset="77"/>
+                <a:ea typeface="Lato" panose="020F0502020204030203" pitchFamily="34" charset="0"/>
                 <a:cs typeface="David"/>
                 <a:sym typeface="David"/>
               </a:rPr>
               <a:t> </a:t>
             </a:r>
-            <a:endParaRPr sz="1874" b="1">
+            <a:endParaRPr sz="1120" b="1" dirty="0">
               <a:solidFill>
                 <a:srgbClr val="000000"/>
               </a:solidFill>
-              <a:latin typeface="David"/>
-              <a:ea typeface="David"/>
-              <a:cs typeface="David"/>
+              <a:latin typeface="Montserrat" pitchFamily="2" charset="77"/>
+              <a:ea typeface="Lato" panose="020F0502020204030203" pitchFamily="34" charset="0"/>
+              <a:cs typeface="Lato" panose="020F0502020204030203" pitchFamily="34" charset="0"/>
               <a:sym typeface="David"/>
             </a:endParaRPr>
           </a:p>
@@ -11593,24 +12519,24 @@
               <a:buNone/>
             </a:pPr>
             <a:r>
-              <a:rPr lang="iw" sz="1100">
+              <a:rPr lang="iw" sz="1120" dirty="0">
                 <a:solidFill>
                   <a:srgbClr val="000000"/>
                 </a:solidFill>
-                <a:latin typeface="Arial"/>
-                <a:ea typeface="Arial"/>
+                <a:latin typeface="Montserrat" pitchFamily="2" charset="77"/>
+                <a:ea typeface="Lato" panose="020F0502020204030203" pitchFamily="34" charset="0"/>
                 <a:cs typeface="Arial"/>
                 <a:sym typeface="Arial"/>
               </a:rPr>
               <a:t>					</a:t>
             </a:r>
-            <a:endParaRPr sz="1100">
+            <a:endParaRPr sz="1120" dirty="0">
               <a:solidFill>
                 <a:srgbClr val="000000"/>
               </a:solidFill>
-              <a:latin typeface="Arial"/>
-              <a:ea typeface="Arial"/>
-              <a:cs typeface="Arial"/>
+              <a:latin typeface="Montserrat" pitchFamily="2" charset="77"/>
+              <a:ea typeface="Lato" panose="020F0502020204030203" pitchFamily="34" charset="0"/>
+              <a:cs typeface="Lato" panose="020F0502020204030203" pitchFamily="34" charset="0"/>
               <a:sym typeface="Arial"/>
             </a:endParaRPr>
           </a:p>
@@ -11625,24 +12551,24 @@
               <a:buNone/>
             </a:pPr>
             <a:r>
-              <a:rPr lang="iw" sz="1100">
+              <a:rPr lang="iw" sz="1120" dirty="0">
                 <a:solidFill>
                   <a:srgbClr val="000000"/>
                 </a:solidFill>
-                <a:latin typeface="Arial"/>
-                <a:ea typeface="Arial"/>
+                <a:latin typeface="Montserrat" pitchFamily="2" charset="77"/>
+                <a:ea typeface="Lato" panose="020F0502020204030203" pitchFamily="34" charset="0"/>
                 <a:cs typeface="Arial"/>
                 <a:sym typeface="Arial"/>
               </a:rPr>
               <a:t>				</a:t>
             </a:r>
-            <a:endParaRPr sz="1100">
+            <a:endParaRPr sz="1120" dirty="0">
               <a:solidFill>
                 <a:srgbClr val="000000"/>
               </a:solidFill>
-              <a:latin typeface="Arial"/>
-              <a:ea typeface="Arial"/>
-              <a:cs typeface="Arial"/>
+              <a:latin typeface="Montserrat" pitchFamily="2" charset="77"/>
+              <a:ea typeface="Lato" panose="020F0502020204030203" pitchFamily="34" charset="0"/>
+              <a:cs typeface="Lato" panose="020F0502020204030203" pitchFamily="34" charset="0"/>
               <a:sym typeface="Arial"/>
             </a:endParaRPr>
           </a:p>
@@ -11657,24 +12583,24 @@
               <a:buNone/>
             </a:pPr>
             <a:r>
-              <a:rPr lang="iw" sz="1100">
+              <a:rPr lang="iw" sz="1120" dirty="0">
                 <a:solidFill>
                   <a:srgbClr val="000000"/>
                 </a:solidFill>
-                <a:latin typeface="Arial"/>
-                <a:ea typeface="Arial"/>
+                <a:latin typeface="Montserrat" pitchFamily="2" charset="77"/>
+                <a:ea typeface="Lato" panose="020F0502020204030203" pitchFamily="34" charset="0"/>
                 <a:cs typeface="Arial"/>
                 <a:sym typeface="Arial"/>
               </a:rPr>
               <a:t>			</a:t>
             </a:r>
-            <a:endParaRPr sz="1100">
+            <a:endParaRPr sz="1120" dirty="0">
               <a:solidFill>
                 <a:srgbClr val="000000"/>
               </a:solidFill>
-              <a:latin typeface="Arial"/>
-              <a:ea typeface="Arial"/>
-              <a:cs typeface="Arial"/>
+              <a:latin typeface="Montserrat" pitchFamily="2" charset="77"/>
+              <a:ea typeface="Lato" panose="020F0502020204030203" pitchFamily="34" charset="0"/>
+              <a:cs typeface="Lato" panose="020F0502020204030203" pitchFamily="34" charset="0"/>
               <a:sym typeface="Arial"/>
             </a:endParaRPr>
           </a:p>
@@ -11689,24 +12615,24 @@
               <a:buNone/>
             </a:pPr>
             <a:r>
-              <a:rPr lang="iw" sz="1100">
+              <a:rPr lang="iw" sz="1120" dirty="0">
                 <a:solidFill>
                   <a:srgbClr val="000000"/>
                 </a:solidFill>
-                <a:latin typeface="Arial"/>
-                <a:ea typeface="Arial"/>
+                <a:latin typeface="Montserrat" pitchFamily="2" charset="77"/>
+                <a:ea typeface="Lato" panose="020F0502020204030203" pitchFamily="34" charset="0"/>
                 <a:cs typeface="Arial"/>
                 <a:sym typeface="Arial"/>
               </a:rPr>
               <a:t>		</a:t>
             </a:r>
-            <a:endParaRPr sz="1100">
+            <a:endParaRPr sz="1120" dirty="0">
               <a:solidFill>
                 <a:srgbClr val="000000"/>
               </a:solidFill>
-              <a:latin typeface="Arial"/>
-              <a:ea typeface="Arial"/>
-              <a:cs typeface="Arial"/>
+              <a:latin typeface="Montserrat" pitchFamily="2" charset="77"/>
+              <a:ea typeface="Lato" panose="020F0502020204030203" pitchFamily="34" charset="0"/>
+              <a:cs typeface="Lato" panose="020F0502020204030203" pitchFamily="34" charset="0"/>
               <a:sym typeface="Arial"/>
             </a:endParaRPr>
           </a:p>
@@ -11720,7 +12646,11 @@
               </a:spcAft>
               <a:buNone/>
             </a:pPr>
-            <a:endParaRPr/>
+            <a:endParaRPr sz="1120" dirty="0">
+              <a:latin typeface="Montserrat" pitchFamily="2" charset="77"/>
+              <a:ea typeface="Lato" panose="020F0502020204030203" pitchFamily="34" charset="0"/>
+              <a:cs typeface="Lato" panose="020F0502020204030203" pitchFamily="34" charset="0"/>
+            </a:endParaRPr>
           </a:p>
         </p:txBody>
       </p:sp>
@@ -11784,10 +12714,20 @@
               <a:buNone/>
             </a:pPr>
             <a:r>
-              <a:rPr lang="iw"/>
-              <a:t>introduction</a:t>
-            </a:r>
-            <a:endParaRPr/>
+              <a:rPr lang="en-US" dirty="0">
+                <a:latin typeface="Montserrat" pitchFamily="2" charset="77"/>
+              </a:rPr>
+              <a:t>I</a:t>
+            </a:r>
+            <a:r>
+              <a:rPr lang="iw" dirty="0">
+                <a:latin typeface="Montserrat" pitchFamily="2" charset="77"/>
+              </a:rPr>
+              <a:t>ntroduction</a:t>
+            </a:r>
+            <a:endParaRPr dirty="0">
+              <a:latin typeface="Montserrat" pitchFamily="2" charset="77"/>
+            </a:endParaRPr>
           </a:p>
         </p:txBody>
       </p:sp>
@@ -11812,11 +12752,11 @@
         </p:spPr>
         <p:txBody>
           <a:bodyPr spcFirstLastPara="1" wrap="square" lIns="91425" tIns="91425" rIns="91425" bIns="91425" anchor="t" anchorCtr="0">
-            <a:normAutofit fontScale="77500" lnSpcReduction="20000"/>
+            <a:normAutofit/>
           </a:bodyPr>
           <a:lstStyle/>
           <a:p>
-            <a:pPr marL="0" lvl="0" indent="0" algn="l" rtl="0">
+            <a:pPr marL="0" lvl="0" indent="0" rtl="0">
               <a:spcBef>
                 <a:spcPts val="0"/>
               </a:spcBef>
@@ -11826,52 +12766,29 @@
               <a:buNone/>
             </a:pPr>
             <a:r>
-              <a:rPr lang="iw"/>
-              <a:t>Welcome to our presentation on the machine learning-based approach for Android malware detection. In recent years, the increasing use of mobile devices and the growing number of mobile apps has led to a significant increase in malicious apps, also known as malware. </a:t>
-            </a:r>
-            <a:br>
-              <a:rPr lang="iw"/>
-            </a:br>
-            <a:r>
-              <a:rPr lang="iw"/>
-              <a:t>These malicious apps can cause serious damage to mobile devices and their users by stealing personal information, sending unwanted messages, and even causing financial losses. </a:t>
-            </a:r>
-            <a:br>
-              <a:rPr lang="iw"/>
-            </a:br>
-            <a:r>
-              <a:rPr lang="iw"/>
-              <a:t>Therefore, it is crucial to develop effective methods for detecting malware on mobile devices. Traditional methods for detecting malware include signature-based detection, which compares the app to a database of known malicious apps, and static analysis, which examines the app's code without executing it. </a:t>
-            </a:r>
-            <a:br>
-              <a:rPr lang="iw"/>
-            </a:br>
-            <a:r>
-              <a:rPr lang="iw"/>
-              <a:t>However, these methods have proven to be insufficient as attackers are finding new ways to evade detection. </a:t>
-            </a:r>
-            <a:br>
-              <a:rPr lang="iw"/>
-            </a:br>
-            <a:r>
-              <a:rPr lang="iw"/>
-              <a:t>This is where our project comes in, we propose a machine learning-based approach for Android malware detection. </a:t>
-            </a:r>
-            <a:br>
-              <a:rPr lang="iw"/>
-            </a:br>
-            <a:r>
-              <a:rPr lang="iw"/>
-              <a:t>We used a dataset of 1817 Android applications, of which 165 were labeled as malicious and 1652 were labeled as benign. By extracting features from the apps and using them to train a Support Vector Machine (SVM) with a linear kernel, our model was able to learn to distinguish between malicious and benign apps. </a:t>
-            </a:r>
-            <a:br>
-              <a:rPr lang="iw"/>
-            </a:br>
-            <a:r>
-              <a:rPr lang="iw"/>
-              <a:t>Additionally, we used other machine learning models such as Logistic Regression, KNeighborsClassifier, DecisionTreeClassifier and GradientBoostingClassifier. We will be sharing the details of our methodology, experimental results and evaluation metrics that we used to measure the performance of the model. We will also be discussing the insights we obtained from the results, the limitations of our approach and future directions for this research.</a:t>
-            </a:r>
-            <a:endParaRPr/>
+              <a:rPr lang="en-US" sz="1120" dirty="0">
+                <a:latin typeface="Montserrat" pitchFamily="2" charset="77"/>
+              </a:rPr>
+              <a:t>Our presentation covers a machine learning-based approach for detecting malware on Android devices. We used a dataset of 4591 apps </a:t>
+            </a:r>
+            <a:r>
+              <a:rPr lang="he-IL" sz="1120" dirty="0" err="1">
+                <a:latin typeface="Montserrat" pitchFamily="2" charset="77"/>
+              </a:rPr>
+              <a:t>and</a:t>
+            </a:r>
+            <a:r>
+              <a:rPr lang="he-IL" sz="1120" dirty="0">
+                <a:latin typeface="Montserrat" pitchFamily="2" charset="77"/>
+              </a:rPr>
+              <a:t> </a:t>
+            </a:r>
+            <a:r>
+              <a:rPr lang="en-US" sz="1120" dirty="0">
+                <a:latin typeface="Montserrat" pitchFamily="2" charset="77"/>
+              </a:rPr>
+              <a:t>trained various models on it. We will discuss the methodology, results, evaluation metrics, and insights, as well as limitations and future directions for this research.</a:t>
+            </a:r>
           </a:p>
         </p:txBody>
       </p:sp>
@@ -11935,10 +12852,14 @@
               <a:buNone/>
             </a:pPr>
             <a:r>
-              <a:rPr lang="iw"/>
+              <a:rPr lang="iw" dirty="0">
+                <a:latin typeface="Montserrat" pitchFamily="2" charset="77"/>
+              </a:rPr>
               <a:t>Description of the dataset</a:t>
             </a:r>
-            <a:endParaRPr/>
+            <a:endParaRPr dirty="0">
+              <a:latin typeface="Montserrat" pitchFamily="2" charset="77"/>
+            </a:endParaRPr>
           </a:p>
         </p:txBody>
       </p:sp>
@@ -11954,8 +12875,8 @@
         </p:nvSpPr>
         <p:spPr>
           <a:xfrm>
-            <a:off x="1297500" y="1567550"/>
-            <a:ext cx="7038900" cy="2911200"/>
+            <a:off x="1401410" y="978751"/>
+            <a:ext cx="5047620" cy="2513999"/>
           </a:xfrm>
           <a:prstGeom prst="rect">
             <a:avLst/>
@@ -11963,11 +12884,11 @@
         </p:spPr>
         <p:txBody>
           <a:bodyPr spcFirstLastPara="1" wrap="square" lIns="91425" tIns="91425" rIns="91425" bIns="91425" anchor="t" anchorCtr="0">
-            <a:normAutofit fontScale="92500" lnSpcReduction="10000"/>
+            <a:normAutofit/>
           </a:bodyPr>
           <a:lstStyle/>
           <a:p>
-            <a:pPr marL="0" lvl="0" indent="0" algn="l" rtl="0">
+            <a:pPr marL="0" lvl="0" indent="0" rtl="0">
               <a:spcBef>
                 <a:spcPts val="0"/>
               </a:spcBef>
@@ -11977,10 +12898,61 @@
               <a:buNone/>
             </a:pPr>
             <a:r>
-              <a:rPr lang="iw" dirty="0"/>
-              <a:t>The dataset used in this project consisted of 1817 Android applications, with 165 of them labeled as malicious and 1652 labeled as benign. Various features were extracted from the apps such as sha256, label, app_permissions, api_permissions, api_calls, activities, s_and_r, interesting_calls, urls, and providers. These features were used to train a machine learning model, specifically a Support Vector Machine (SVM) with a linear kernel, as well as other machine learning models such as Logistic Regression, KNeighborsClassifier, DecisionTreeClassifier, and GradientBoostingClassifier. Additionally, the dataset also included a list of different categories such as b'_TestPay2', b'DeviceListActivity', b'_Query', etc and Android API calls such as android/app/Activity;-&gt;startActivityForResult, android/media/AudioManager;-&gt;startBluetoothSco, etc. The extracted information was stored in a json file where each object represented the features of an application, with the features containing binary values of 1 or 0 indicating the presence or absence of a component. Any missing values were filled with 0 to ensure the model could work with the information. Helper functions were also written to aid in extracting and organizing the information for ease of use.</a:t>
-            </a:r>
-            <a:endParaRPr dirty="0"/>
+              <a:rPr lang="en-US" sz="1120" dirty="0">
+                <a:latin typeface="Montserrat" pitchFamily="2" charset="77"/>
+              </a:rPr>
+              <a:t>This project used a dataset of 4591 apps, during the data extraction 1817 apps were selected, 165 labeled as malicious and 1652 as benign. Various features were extracted to train machine learning models like SVM with a linear kernel, Logistic Regression, </a:t>
+            </a:r>
+            <a:r>
+              <a:rPr lang="en-US" sz="1120" dirty="0" err="1">
+                <a:latin typeface="Montserrat" pitchFamily="2" charset="77"/>
+              </a:rPr>
+              <a:t>KNeighborsClassifier</a:t>
+            </a:r>
+            <a:r>
+              <a:rPr lang="en-US" sz="1120" dirty="0">
+                <a:latin typeface="Montserrat" pitchFamily="2" charset="77"/>
+              </a:rPr>
+              <a:t>, </a:t>
+            </a:r>
+            <a:r>
+              <a:rPr lang="en-US" sz="1120" dirty="0" err="1">
+                <a:latin typeface="Montserrat" pitchFamily="2" charset="77"/>
+              </a:rPr>
+              <a:t>DecisionTreeClassifier</a:t>
+            </a:r>
+            <a:r>
+              <a:rPr lang="en-US" sz="1120" dirty="0">
+                <a:latin typeface="Montserrat" pitchFamily="2" charset="77"/>
+              </a:rPr>
+              <a:t>, and </a:t>
+            </a:r>
+            <a:r>
+              <a:rPr lang="en-US" sz="1120" dirty="0" err="1">
+                <a:latin typeface="Montserrat" pitchFamily="2" charset="77"/>
+              </a:rPr>
+              <a:t>GradientBoostingClassifier</a:t>
+            </a:r>
+            <a:r>
+              <a:rPr lang="en-US" sz="1120" dirty="0">
+                <a:latin typeface="Montserrat" pitchFamily="2" charset="77"/>
+              </a:rPr>
+              <a:t>. </a:t>
+            </a:r>
+            <a:br>
+              <a:rPr lang="en-US" sz="1120" dirty="0">
+                <a:latin typeface="Montserrat" pitchFamily="2" charset="77"/>
+              </a:rPr>
+            </a:br>
+            <a:r>
+              <a:rPr lang="en-US" sz="1120" dirty="0">
+                <a:latin typeface="Montserrat" pitchFamily="2" charset="77"/>
+              </a:rPr>
+              <a:t>The dataset also included categories and Android API calls. The extracted information was stored in a JSON file, any missing values were filled with 0, and helper functions were written to extract and organize the information.</a:t>
+            </a:r>
+            <a:endParaRPr lang="he-IL" sz="1120" dirty="0">
+              <a:latin typeface="Montserrat" pitchFamily="2" charset="77"/>
+            </a:endParaRPr>
           </a:p>
         </p:txBody>
       </p:sp>
@@ -11995,6 +12967,14 @@
 <file path=ppt/slides/slide4.xml><?xml version="1.0" encoding="utf-8"?>
 <p:sld xmlns:a="http://schemas.openxmlformats.org/drawingml/2006/main" xmlns:r="http://schemas.openxmlformats.org/officeDocument/2006/relationships" xmlns:p="http://schemas.openxmlformats.org/presentationml/2006/main">
   <p:cSld>
+    <p:bg>
+      <p:bgPr>
+        <a:solidFill>
+          <a:schemeClr val="dk1"/>
+        </a:solidFill>
+        <a:effectLst/>
+      </p:bgPr>
+    </p:bg>
     <p:spTree>
       <p:nvGrpSpPr>
         <p:cNvPr id="1" name="Shape 152"/>
@@ -12020,10 +13000,6 @@
           </p:nvPr>
         </p:nvSpPr>
         <p:spPr>
-          <a:xfrm>
-            <a:off x="1297500" y="393750"/>
-            <a:ext cx="7038900" cy="914100"/>
-          </a:xfrm>
           <a:prstGeom prst="rect">
             <a:avLst/>
           </a:prstGeom>
@@ -12044,10 +13020,14 @@
               <a:buNone/>
             </a:pPr>
             <a:r>
-              <a:rPr lang="iw"/>
+              <a:rPr lang="iw" dirty="0">
+                <a:latin typeface="Montserrat" pitchFamily="2" charset="77"/>
+              </a:rPr>
               <a:t>Pre-processing</a:t>
             </a:r>
-            <a:endParaRPr/>
+            <a:endParaRPr dirty="0">
+              <a:latin typeface="Montserrat" pitchFamily="2" charset="77"/>
+            </a:endParaRPr>
           </a:p>
         </p:txBody>
       </p:sp>
@@ -12062,157 +13042,38 @@
           </p:nvPr>
         </p:nvSpPr>
         <p:spPr>
-          <a:xfrm>
-            <a:off x="1297500" y="1567550"/>
-            <a:ext cx="7038900" cy="2911200"/>
-          </a:xfrm>
           <a:prstGeom prst="rect">
             <a:avLst/>
           </a:prstGeom>
         </p:spPr>
         <p:txBody>
           <a:bodyPr spcFirstLastPara="1" wrap="square" lIns="91425" tIns="91425" rIns="91425" bIns="91425" anchor="t" anchorCtr="0">
-            <a:normAutofit fontScale="62500" lnSpcReduction="10000"/>
+            <a:normAutofit/>
           </a:bodyPr>
           <a:lstStyle/>
           <a:p>
-            <a:pPr marL="0" lvl="0" indent="0" algn="l" rtl="0">
-              <a:spcBef>
-                <a:spcPts val="0"/>
-              </a:spcBef>
-              <a:spcAft>
-                <a:spcPts val="0"/>
-              </a:spcAft>
-              <a:buNone/>
-            </a:pPr>
-            <a:r>
-              <a:rPr lang="iw"/>
-              <a:t>Pre-processing is an important step in any machine learning project, and it was necessary in this project to prepare the data for training the model. The team carried out several pre-processing steps to ensure that the data was of high quality and suitable for training the model.</a:t>
-            </a:r>
-            <a:endParaRPr/>
-          </a:p>
-          <a:p>
-            <a:pPr marL="0" lvl="0" indent="0" algn="l" rtl="0">
-              <a:spcBef>
-                <a:spcPts val="1200"/>
-              </a:spcBef>
-              <a:spcAft>
-                <a:spcPts val="0"/>
-              </a:spcAft>
-              <a:buNone/>
-            </a:pPr>
-            <a:r>
-              <a:rPr lang="iw"/>
-              <a:t>First, the team performed data cleaning. This involved checking for any inconsistencies or errors in the data, and removing or correcting them. For example, the team checked for missing or duplicate values, and removed any duplicate values. Additionally, the team checked for any outliers and handled them accordingly.</a:t>
-            </a:r>
-            <a:endParaRPr/>
-          </a:p>
-          <a:p>
-            <a:pPr marL="0" lvl="0" indent="0" algn="l" rtl="0">
-              <a:spcBef>
-                <a:spcPts val="1200"/>
-              </a:spcBef>
-              <a:spcAft>
-                <a:spcPts val="0"/>
-              </a:spcAft>
-              <a:buNone/>
-            </a:pPr>
-            <a:r>
-              <a:rPr lang="iw"/>
-              <a:t>Second, the team performed data transformation. This involved converting the data into a format that was suitable for training the model. For example, the team encoded categorical variables, such as the labels of the applications, into numerical values. Additionally, the team scaled the numerical variables, such as the number of API calls, to ensure that they were on a similar scale.</a:t>
-            </a:r>
-            <a:endParaRPr/>
-          </a:p>
-          <a:p>
-            <a:pPr marL="0" lvl="0" indent="0" algn="l" rtl="0">
-              <a:spcBef>
-                <a:spcPts val="1200"/>
-              </a:spcBef>
-              <a:spcAft>
-                <a:spcPts val="0"/>
-              </a:spcAft>
-              <a:buNone/>
-            </a:pPr>
-            <a:r>
-              <a:rPr lang="iw"/>
-              <a:t>Third, the team performed dimensionality reduction. The high dimensionality of the data, i.e the large number of features that were extracted from the applications, made it difficult to train the model. The team used various dimensionality reduction techniques such as Principal Component Analysis (PCA) and Linear Discriminant Analysis (LDA) to reduce the number of features and make the data more manageable.</a:t>
-            </a:r>
-            <a:endParaRPr/>
-          </a:p>
-          <a:p>
-            <a:pPr marL="0" lvl="0" indent="0" algn="l" rtl="0">
-              <a:spcBef>
-                <a:spcPts val="1200"/>
-              </a:spcBef>
-              <a:spcAft>
-                <a:spcPts val="0"/>
-              </a:spcAft>
-              <a:buNone/>
-            </a:pPr>
-            <a:r>
-              <a:rPr lang="iw"/>
-              <a:t>Fourth, the team performed balancing the dataset. The dataset was imbalanced, where the number of malicious applications is much smaller than the number of benign applications. This can lead to a bias towards the majority class,making it difficult for the model to correctly identify the minority class. The team used various techniques such as oversampling, undersampling, and Synthetic Minority Over-sampling Technique (SMOTE) to balance the dataset and improve the performance of the model.</a:t>
-            </a:r>
-            <a:endParaRPr/>
-          </a:p>
-          <a:p>
-            <a:pPr marL="0" lvl="0" indent="0" algn="l" rtl="0">
-              <a:spcBef>
-                <a:spcPts val="1200"/>
-              </a:spcBef>
-              <a:spcAft>
-                <a:spcPts val="0"/>
-              </a:spcAft>
-              <a:buNone/>
-            </a:pPr>
-            <a:r>
-              <a:rPr lang="iw"/>
-              <a:t>In summary, the team carried out several pre-processing steps such as data cleaning, data transformation, dimensionality reduction, and balancing the dataset to prepare the data for training the model. These pre-processing steps were necessary to ensure that the data was of high quality and suitable for training the model, and to overcome the challenges that were faced in this project.</a:t>
-            </a:r>
-            <a:endParaRPr/>
-          </a:p>
-          <a:p>
-            <a:pPr marL="0" lvl="0" indent="0" algn="l" rtl="0">
-              <a:spcBef>
-                <a:spcPts val="1200"/>
-              </a:spcBef>
-              <a:spcAft>
-                <a:spcPts val="0"/>
-              </a:spcAft>
-              <a:buNone/>
-            </a:pPr>
-            <a:endParaRPr/>
-          </a:p>
-          <a:p>
-            <a:pPr marL="0" lvl="0" indent="0" algn="l" rtl="0">
-              <a:spcBef>
-                <a:spcPts val="1200"/>
-              </a:spcBef>
-              <a:spcAft>
-                <a:spcPts val="0"/>
-              </a:spcAft>
-              <a:buNone/>
-            </a:pPr>
-            <a:endParaRPr/>
-          </a:p>
-          <a:p>
-            <a:pPr marL="0" lvl="0" indent="0" algn="l" rtl="0">
-              <a:spcBef>
-                <a:spcPts val="1200"/>
-              </a:spcBef>
-              <a:spcAft>
-                <a:spcPts val="1200"/>
-              </a:spcAft>
-              <a:buNone/>
-            </a:pPr>
-            <a:endParaRPr/>
+            <a:pPr marL="0" lvl="0" indent="0" rtl="0">
+              <a:spcBef>
+                <a:spcPts val="0"/>
+              </a:spcBef>
+              <a:spcAft>
+                <a:spcPts val="0"/>
+              </a:spcAft>
+              <a:buNone/>
+            </a:pPr>
+            <a:r>
+              <a:rPr lang="en-US" sz="1120" dirty="0">
+                <a:latin typeface="Montserrat" pitchFamily="2" charset="77"/>
+              </a:rPr>
+              <a:t>We pre-processed the data to prepare it for training the model. The steps included data cleaning, transformation, dimensionality reduction, and balancing the dataset. This was necessary to ensure the data was of high quality and to overcome challenges faced in the project.</a:t>
+            </a:r>
           </a:p>
         </p:txBody>
       </p:sp>
     </p:spTree>
   </p:cSld>
   <p:clrMapOvr>
-    <a:masterClrMapping/>
+    <a:overrideClrMapping bg1="lt1" tx1="dk1" bg2="dk2" tx2="lt2" accent1="accent1" accent2="accent2" accent3="accent3" accent4="accent4" accent5="accent5" accent6="accent6" hlink="hlink" folHlink="folHlink"/>
   </p:clrMapOvr>
 </p:sld>
 </file>
@@ -12277,10 +13138,14 @@
               <a:buNone/>
             </a:pPr>
             <a:r>
-              <a:rPr lang="en-US" dirty="0"/>
+              <a:rPr lang="en-US" dirty="0">
+                <a:latin typeface="Montserrat" pitchFamily="2" charset="77"/>
+              </a:rPr>
               <a:t>Details of the features</a:t>
             </a:r>
-            <a:endParaRPr dirty="0"/>
+            <a:endParaRPr dirty="0">
+              <a:latin typeface="Montserrat" pitchFamily="2" charset="77"/>
+            </a:endParaRPr>
           </a:p>
         </p:txBody>
       </p:sp>
@@ -12319,16 +13184,16 @@
               <a:buNone/>
             </a:pPr>
             <a:r>
-              <a:rPr lang="en-US" sz="500" b="0" i="0" dirty="0">
+              <a:rPr lang="en-US" sz="1120" b="0" i="0" dirty="0">
                 <a:solidFill>
                   <a:srgbClr val="D1D5DB"/>
                 </a:solidFill>
                 <a:effectLst/>
-                <a:latin typeface="Lato" panose="020F0502020204030203" pitchFamily="34" charset="0"/>
+                <a:latin typeface="Montserrat" pitchFamily="2" charset="77"/>
                 <a:ea typeface="Lato" panose="020F0502020204030203" pitchFamily="34" charset="0"/>
                 <a:cs typeface="Lato" panose="020F0502020204030203" pitchFamily="34" charset="0"/>
               </a:rPr>
-              <a:t>The feature sha256 is the unique identifier of the application, it's the most common feature in the dataset, this feature is responsible for identifying the application.</a:t>
+              <a:t>This project extracted various features from the dataset of Android apps:</a:t>
             </a:r>
           </a:p>
           <a:p>
@@ -12341,1395 +13206,127 @@
               </a:spcAft>
               <a:buNone/>
             </a:pPr>
-            <a:endParaRPr lang="en-US" sz="500" b="0" i="0" dirty="0">
+            <a:endParaRPr lang="en-US" sz="1120" dirty="0">
+              <a:solidFill>
+                <a:srgbClr val="D1D5DB"/>
+              </a:solidFill>
+              <a:latin typeface="Montserrat" pitchFamily="2" charset="77"/>
+              <a:ea typeface="Lato" panose="020F0502020204030203" pitchFamily="34" charset="0"/>
+              <a:cs typeface="Lato" panose="020F0502020204030203" pitchFamily="34" charset="0"/>
+            </a:endParaRPr>
+          </a:p>
+          <a:p>
+            <a:pPr marL="0" lvl="0" indent="0" algn="l" rtl="0">
+              <a:spcBef>
+                <a:spcPts val="0"/>
+              </a:spcBef>
+              <a:spcAft>
+                <a:spcPts val="0"/>
+              </a:spcAft>
+              <a:buNone/>
+            </a:pPr>
+            <a:endParaRPr lang="en-US" sz="1120" b="0" i="0" dirty="0">
               <a:solidFill>
                 <a:srgbClr val="D1D5DB"/>
               </a:solidFill>
               <a:effectLst/>
-              <a:latin typeface="Lato" panose="020F0502020204030203" pitchFamily="34" charset="0"/>
+              <a:latin typeface="Montserrat" pitchFamily="2" charset="77"/>
               <a:ea typeface="Lato" panose="020F0502020204030203" pitchFamily="34" charset="0"/>
               <a:cs typeface="Lato" panose="020F0502020204030203" pitchFamily="34" charset="0"/>
             </a:endParaRPr>
           </a:p>
-          <a:p>
-            <a:pPr marL="0" lvl="0" indent="0" algn="l" rtl="0">
-              <a:spcBef>
-                <a:spcPts val="0"/>
-              </a:spcBef>
-              <a:spcAft>
-                <a:spcPts val="0"/>
-              </a:spcAft>
-              <a:buNone/>
-            </a:pPr>
-            <a:r>
-              <a:rPr lang="en-US" sz="500" b="0" i="0" dirty="0">
-                <a:solidFill>
-                  <a:srgbClr val="D1D5DB"/>
-                </a:solidFill>
-                <a:effectLst/>
-                <a:latin typeface="Lato" panose="020F0502020204030203" pitchFamily="34" charset="0"/>
-                <a:ea typeface="Lato" panose="020F0502020204030203" pitchFamily="34" charset="0"/>
-                <a:cs typeface="Lato" panose="020F0502020204030203" pitchFamily="34" charset="0"/>
-              </a:rPr>
-              <a:t>The feature </a:t>
-            </a:r>
-            <a:r>
-              <a:rPr lang="en-US" sz="500" b="0" i="0" dirty="0" err="1">
-                <a:solidFill>
-                  <a:srgbClr val="D1D5DB"/>
-                </a:solidFill>
-                <a:effectLst/>
-                <a:latin typeface="Lato" panose="020F0502020204030203" pitchFamily="34" charset="0"/>
-                <a:ea typeface="Lato" panose="020F0502020204030203" pitchFamily="34" charset="0"/>
-                <a:cs typeface="Lato" panose="020F0502020204030203" pitchFamily="34" charset="0"/>
-              </a:rPr>
-              <a:t>interesting_calls</a:t>
-            </a:r>
-            <a:r>
-              <a:rPr lang="en-US" sz="500" b="0" i="0" dirty="0">
-                <a:solidFill>
-                  <a:srgbClr val="D1D5DB"/>
-                </a:solidFill>
-                <a:effectLst/>
-                <a:latin typeface="Lato" panose="020F0502020204030203" pitchFamily="34" charset="0"/>
-                <a:ea typeface="Lato" panose="020F0502020204030203" pitchFamily="34" charset="0"/>
-                <a:cs typeface="Lato" panose="020F0502020204030203" pitchFamily="34" charset="0"/>
-              </a:rPr>
-              <a:t>::</a:t>
-            </a:r>
-            <a:r>
-              <a:rPr lang="en-US" sz="500" b="0" i="0" dirty="0" err="1">
-                <a:solidFill>
-                  <a:srgbClr val="D1D5DB"/>
-                </a:solidFill>
-                <a:effectLst/>
-                <a:latin typeface="Lato" panose="020F0502020204030203" pitchFamily="34" charset="0"/>
-                <a:ea typeface="Lato" panose="020F0502020204030203" pitchFamily="34" charset="0"/>
-                <a:cs typeface="Lato" panose="020F0502020204030203" pitchFamily="34" charset="0"/>
-              </a:rPr>
-              <a:t>getSystemService</a:t>
-            </a:r>
-            <a:r>
-              <a:rPr lang="en-US" sz="500" b="0" i="0" dirty="0">
-                <a:solidFill>
-                  <a:srgbClr val="D1D5DB"/>
-                </a:solidFill>
-                <a:effectLst/>
-                <a:latin typeface="Lato" panose="020F0502020204030203" pitchFamily="34" charset="0"/>
-                <a:ea typeface="Lato" panose="020F0502020204030203" pitchFamily="34" charset="0"/>
-                <a:cs typeface="Lato" panose="020F0502020204030203" pitchFamily="34" charset="0"/>
-              </a:rPr>
-              <a:t> is a method that is used to retrieve the system service, this method is commonly used in android programming and it's used for different purposes such as getting the device id, the telephony manager, etc.</a:t>
-            </a:r>
-          </a:p>
-          <a:p>
-            <a:pPr marL="0" lvl="0" indent="0" algn="l" rtl="0">
-              <a:spcBef>
-                <a:spcPts val="0"/>
-              </a:spcBef>
-              <a:spcAft>
-                <a:spcPts val="0"/>
-              </a:spcAft>
-              <a:buNone/>
-            </a:pPr>
-            <a:endParaRPr lang="en-US" sz="500" b="0" i="0" dirty="0">
-              <a:solidFill>
-                <a:srgbClr val="D1D5DB"/>
-              </a:solidFill>
-              <a:effectLst/>
-              <a:latin typeface="Lato" panose="020F0502020204030203" pitchFamily="34" charset="0"/>
-              <a:ea typeface="Lato" panose="020F0502020204030203" pitchFamily="34" charset="0"/>
-              <a:cs typeface="Lato" panose="020F0502020204030203" pitchFamily="34" charset="0"/>
-            </a:endParaRPr>
-          </a:p>
-          <a:p>
-            <a:pPr marL="0" lvl="0" indent="0" algn="l" rtl="0">
-              <a:spcBef>
-                <a:spcPts val="0"/>
-              </a:spcBef>
-              <a:spcAft>
-                <a:spcPts val="0"/>
-              </a:spcAft>
-              <a:buNone/>
-            </a:pPr>
-            <a:r>
-              <a:rPr lang="en-US" sz="500" b="0" i="0" dirty="0">
-                <a:solidFill>
-                  <a:srgbClr val="D1D5DB"/>
-                </a:solidFill>
-                <a:effectLst/>
-                <a:latin typeface="Lato" panose="020F0502020204030203" pitchFamily="34" charset="0"/>
-                <a:ea typeface="Lato" panose="020F0502020204030203" pitchFamily="34" charset="0"/>
-                <a:cs typeface="Lato" panose="020F0502020204030203" pitchFamily="34" charset="0"/>
-              </a:rPr>
-              <a:t>The feature </a:t>
-            </a:r>
-            <a:r>
-              <a:rPr lang="en-US" sz="500" b="0" i="0" dirty="0" err="1">
-                <a:solidFill>
-                  <a:srgbClr val="D1D5DB"/>
-                </a:solidFill>
-                <a:effectLst/>
-                <a:latin typeface="Lato" panose="020F0502020204030203" pitchFamily="34" charset="0"/>
-                <a:ea typeface="Lato" panose="020F0502020204030203" pitchFamily="34" charset="0"/>
-                <a:cs typeface="Lato" panose="020F0502020204030203" pitchFamily="34" charset="0"/>
-              </a:rPr>
-              <a:t>app_permissions</a:t>
-            </a:r>
-            <a:r>
-              <a:rPr lang="en-US" sz="500" b="0" i="0" dirty="0">
-                <a:solidFill>
-                  <a:srgbClr val="D1D5DB"/>
-                </a:solidFill>
-                <a:effectLst/>
-                <a:latin typeface="Lato" panose="020F0502020204030203" pitchFamily="34" charset="0"/>
-                <a:ea typeface="Lato" panose="020F0502020204030203" pitchFamily="34" charset="0"/>
-                <a:cs typeface="Lato" panose="020F0502020204030203" pitchFamily="34" charset="0"/>
-              </a:rPr>
-              <a:t>::</a:t>
-            </a:r>
-            <a:r>
-              <a:rPr lang="en-US" sz="500" b="0" i="0" dirty="0" err="1">
-                <a:solidFill>
-                  <a:srgbClr val="D1D5DB"/>
-                </a:solidFill>
-                <a:effectLst/>
-                <a:latin typeface="Lato" panose="020F0502020204030203" pitchFamily="34" charset="0"/>
-                <a:ea typeface="Lato" panose="020F0502020204030203" pitchFamily="34" charset="0"/>
-                <a:cs typeface="Lato" panose="020F0502020204030203" pitchFamily="34" charset="0"/>
-              </a:rPr>
-              <a:t>android_permission_INTERNET</a:t>
-            </a:r>
-            <a:r>
-              <a:rPr lang="en-US" sz="500" b="0" i="0" dirty="0">
-                <a:solidFill>
-                  <a:srgbClr val="D1D5DB"/>
-                </a:solidFill>
-                <a:effectLst/>
-                <a:latin typeface="Lato" panose="020F0502020204030203" pitchFamily="34" charset="0"/>
-                <a:ea typeface="Lato" panose="020F0502020204030203" pitchFamily="34" charset="0"/>
-                <a:cs typeface="Lato" panose="020F0502020204030203" pitchFamily="34" charset="0"/>
-              </a:rPr>
-              <a:t> is an android permission that allows the application to access the internet, this permission is commonly used in applications that are using the internet for different purposes such as sending data, receiving data, etc.</a:t>
-            </a:r>
-          </a:p>
-          <a:p>
-            <a:pPr marL="0" lvl="0" indent="0" algn="l" rtl="0">
-              <a:spcBef>
-                <a:spcPts val="0"/>
-              </a:spcBef>
-              <a:spcAft>
-                <a:spcPts val="0"/>
-              </a:spcAft>
-              <a:buNone/>
-            </a:pPr>
-            <a:endParaRPr lang="en-US" sz="500" b="0" i="0" dirty="0">
-              <a:solidFill>
-                <a:srgbClr val="D1D5DB"/>
-              </a:solidFill>
-              <a:effectLst/>
-              <a:latin typeface="Lato" panose="020F0502020204030203" pitchFamily="34" charset="0"/>
-              <a:ea typeface="Lato" panose="020F0502020204030203" pitchFamily="34" charset="0"/>
-              <a:cs typeface="Lato" panose="020F0502020204030203" pitchFamily="34" charset="0"/>
-            </a:endParaRPr>
-          </a:p>
-          <a:p>
-            <a:pPr marL="0" lvl="0" indent="0" algn="l" rtl="0">
-              <a:spcBef>
-                <a:spcPts val="0"/>
-              </a:spcBef>
-              <a:spcAft>
-                <a:spcPts val="0"/>
-              </a:spcAft>
-              <a:buNone/>
-            </a:pPr>
-            <a:r>
-              <a:rPr lang="en-US" sz="500" b="0" i="0" dirty="0">
-                <a:solidFill>
-                  <a:srgbClr val="D1D5DB"/>
-                </a:solidFill>
-                <a:effectLst/>
-                <a:latin typeface="Lato" panose="020F0502020204030203" pitchFamily="34" charset="0"/>
-                <a:ea typeface="Lato" panose="020F0502020204030203" pitchFamily="34" charset="0"/>
-                <a:cs typeface="Lato" panose="020F0502020204030203" pitchFamily="34" charset="0"/>
-              </a:rPr>
-              <a:t>The feature </a:t>
-            </a:r>
-            <a:r>
-              <a:rPr lang="en-US" sz="500" b="0" i="0" dirty="0" err="1">
-                <a:solidFill>
-                  <a:srgbClr val="D1D5DB"/>
-                </a:solidFill>
-                <a:effectLst/>
-                <a:latin typeface="Lato" panose="020F0502020204030203" pitchFamily="34" charset="0"/>
-                <a:ea typeface="Lato" panose="020F0502020204030203" pitchFamily="34" charset="0"/>
-                <a:cs typeface="Lato" panose="020F0502020204030203" pitchFamily="34" charset="0"/>
-              </a:rPr>
-              <a:t>api_permissions</a:t>
-            </a:r>
-            <a:r>
-              <a:rPr lang="en-US" sz="500" b="0" i="0" dirty="0">
-                <a:solidFill>
-                  <a:srgbClr val="D1D5DB"/>
-                </a:solidFill>
-                <a:effectLst/>
-                <a:latin typeface="Lato" panose="020F0502020204030203" pitchFamily="34" charset="0"/>
-                <a:ea typeface="Lato" panose="020F0502020204030203" pitchFamily="34" charset="0"/>
-                <a:cs typeface="Lato" panose="020F0502020204030203" pitchFamily="34" charset="0"/>
-              </a:rPr>
-              <a:t>::</a:t>
-            </a:r>
-            <a:r>
-              <a:rPr lang="en-US" sz="500" b="0" i="0" dirty="0" err="1">
-                <a:solidFill>
-                  <a:srgbClr val="D1D5DB"/>
-                </a:solidFill>
-                <a:effectLst/>
-                <a:latin typeface="Lato" panose="020F0502020204030203" pitchFamily="34" charset="0"/>
-                <a:ea typeface="Lato" panose="020F0502020204030203" pitchFamily="34" charset="0"/>
-                <a:cs typeface="Lato" panose="020F0502020204030203" pitchFamily="34" charset="0"/>
-              </a:rPr>
-              <a:t>android_permission_INTERNET</a:t>
-            </a:r>
-            <a:r>
-              <a:rPr lang="en-US" sz="500" b="0" i="0" dirty="0">
-                <a:solidFill>
-                  <a:srgbClr val="D1D5DB"/>
-                </a:solidFill>
-                <a:effectLst/>
-                <a:latin typeface="Lato" panose="020F0502020204030203" pitchFamily="34" charset="0"/>
-                <a:ea typeface="Lato" panose="020F0502020204030203" pitchFamily="34" charset="0"/>
-                <a:cs typeface="Lato" panose="020F0502020204030203" pitchFamily="34" charset="0"/>
-              </a:rPr>
-              <a:t> is similar to the previous feature, but it's a permission that is used by the application's APIs.</a:t>
-            </a:r>
-          </a:p>
-          <a:p>
-            <a:pPr marL="0" lvl="0" indent="0" algn="l" rtl="0">
-              <a:spcBef>
-                <a:spcPts val="0"/>
-              </a:spcBef>
-              <a:spcAft>
-                <a:spcPts val="0"/>
-              </a:spcAft>
-              <a:buNone/>
-            </a:pPr>
-            <a:endParaRPr lang="en-US" sz="500" b="0" i="0" dirty="0">
-              <a:solidFill>
-                <a:srgbClr val="D1D5DB"/>
-              </a:solidFill>
-              <a:effectLst/>
-              <a:latin typeface="Lato" panose="020F0502020204030203" pitchFamily="34" charset="0"/>
-              <a:ea typeface="Lato" panose="020F0502020204030203" pitchFamily="34" charset="0"/>
-              <a:cs typeface="Lato" panose="020F0502020204030203" pitchFamily="34" charset="0"/>
-            </a:endParaRPr>
-          </a:p>
-          <a:p>
-            <a:pPr marL="0" lvl="0" indent="0" algn="l" rtl="0">
-              <a:spcBef>
-                <a:spcPts val="0"/>
-              </a:spcBef>
-              <a:spcAft>
-                <a:spcPts val="0"/>
-              </a:spcAft>
-              <a:buNone/>
-            </a:pPr>
-            <a:r>
-              <a:rPr lang="en-US" sz="500" b="0" i="0" dirty="0">
-                <a:solidFill>
-                  <a:srgbClr val="D1D5DB"/>
-                </a:solidFill>
-                <a:effectLst/>
-                <a:latin typeface="Lato" panose="020F0502020204030203" pitchFamily="34" charset="0"/>
-                <a:ea typeface="Lato" panose="020F0502020204030203" pitchFamily="34" charset="0"/>
-                <a:cs typeface="Lato" panose="020F0502020204030203" pitchFamily="34" charset="0"/>
-              </a:rPr>
-              <a:t>The feature </a:t>
-            </a:r>
-            <a:r>
-              <a:rPr lang="en-US" sz="500" b="0" i="0" dirty="0" err="1">
-                <a:solidFill>
-                  <a:srgbClr val="D1D5DB"/>
-                </a:solidFill>
-                <a:effectLst/>
-                <a:latin typeface="Lato" panose="020F0502020204030203" pitchFamily="34" charset="0"/>
-                <a:ea typeface="Lato" panose="020F0502020204030203" pitchFamily="34" charset="0"/>
-                <a:cs typeface="Lato" panose="020F0502020204030203" pitchFamily="34" charset="0"/>
-              </a:rPr>
-              <a:t>app_permissions</a:t>
-            </a:r>
-            <a:r>
-              <a:rPr lang="en-US" sz="500" b="0" i="0" dirty="0">
-                <a:solidFill>
-                  <a:srgbClr val="D1D5DB"/>
-                </a:solidFill>
-                <a:effectLst/>
-                <a:latin typeface="Lato" panose="020F0502020204030203" pitchFamily="34" charset="0"/>
-                <a:ea typeface="Lato" panose="020F0502020204030203" pitchFamily="34" charset="0"/>
-                <a:cs typeface="Lato" panose="020F0502020204030203" pitchFamily="34" charset="0"/>
-              </a:rPr>
-              <a:t>::</a:t>
-            </a:r>
-            <a:r>
-              <a:rPr lang="en-US" sz="500" b="0" i="0" dirty="0" err="1">
-                <a:solidFill>
-                  <a:srgbClr val="D1D5DB"/>
-                </a:solidFill>
-                <a:effectLst/>
-                <a:latin typeface="Lato" panose="020F0502020204030203" pitchFamily="34" charset="0"/>
-                <a:ea typeface="Lato" panose="020F0502020204030203" pitchFamily="34" charset="0"/>
-                <a:cs typeface="Lato" panose="020F0502020204030203" pitchFamily="34" charset="0"/>
-              </a:rPr>
-              <a:t>android_permission_READ_PHONE_STATE</a:t>
-            </a:r>
-            <a:r>
-              <a:rPr lang="en-US" sz="500" b="0" i="0" dirty="0">
-                <a:solidFill>
-                  <a:srgbClr val="D1D5DB"/>
-                </a:solidFill>
-                <a:effectLst/>
-                <a:latin typeface="Lato" panose="020F0502020204030203" pitchFamily="34" charset="0"/>
-                <a:ea typeface="Lato" panose="020F0502020204030203" pitchFamily="34" charset="0"/>
-                <a:cs typeface="Lato" panose="020F0502020204030203" pitchFamily="34" charset="0"/>
-              </a:rPr>
-              <a:t> is an android permission that allows the application to access the phone state, this feature is commonly used in applications that are using the phone state for different purposes such as sending SMS, making phone calls, etc.</a:t>
-            </a:r>
-          </a:p>
-          <a:p>
-            <a:pPr marL="0" lvl="0" indent="0" algn="l" rtl="0">
-              <a:spcBef>
-                <a:spcPts val="0"/>
-              </a:spcBef>
-              <a:spcAft>
-                <a:spcPts val="0"/>
-              </a:spcAft>
-              <a:buNone/>
-            </a:pPr>
-            <a:endParaRPr lang="en-US" sz="500" b="0" i="0" dirty="0">
-              <a:solidFill>
-                <a:srgbClr val="D1D5DB"/>
-              </a:solidFill>
-              <a:effectLst/>
-              <a:latin typeface="Lato" panose="020F0502020204030203" pitchFamily="34" charset="0"/>
-              <a:ea typeface="Lato" panose="020F0502020204030203" pitchFamily="34" charset="0"/>
-              <a:cs typeface="Lato" panose="020F0502020204030203" pitchFamily="34" charset="0"/>
-            </a:endParaRPr>
-          </a:p>
-          <a:p>
-            <a:pPr marL="0" lvl="0" indent="0" algn="l" rtl="0">
-              <a:spcBef>
-                <a:spcPts val="0"/>
-              </a:spcBef>
-              <a:spcAft>
-                <a:spcPts val="0"/>
-              </a:spcAft>
-              <a:buNone/>
-            </a:pPr>
-            <a:r>
-              <a:rPr lang="en-US" sz="500" b="0" i="0" dirty="0">
-                <a:solidFill>
-                  <a:srgbClr val="D1D5DB"/>
-                </a:solidFill>
-                <a:effectLst/>
-                <a:latin typeface="Lato" panose="020F0502020204030203" pitchFamily="34" charset="0"/>
-                <a:ea typeface="Lato" panose="020F0502020204030203" pitchFamily="34" charset="0"/>
-                <a:cs typeface="Lato" panose="020F0502020204030203" pitchFamily="34" charset="0"/>
-              </a:rPr>
-              <a:t>The feature </a:t>
-            </a:r>
-            <a:r>
-              <a:rPr lang="en-US" sz="500" b="0" i="0" dirty="0" err="1">
-                <a:solidFill>
-                  <a:srgbClr val="D1D5DB"/>
-                </a:solidFill>
-                <a:effectLst/>
-                <a:latin typeface="Lato" panose="020F0502020204030203" pitchFamily="34" charset="0"/>
-                <a:ea typeface="Lato" panose="020F0502020204030203" pitchFamily="34" charset="0"/>
-                <a:cs typeface="Lato" panose="020F0502020204030203" pitchFamily="34" charset="0"/>
-              </a:rPr>
-              <a:t>api_permissions</a:t>
-            </a:r>
-            <a:r>
-              <a:rPr lang="en-US" sz="500" b="0" i="0" dirty="0">
-                <a:solidFill>
-                  <a:srgbClr val="D1D5DB"/>
-                </a:solidFill>
-                <a:effectLst/>
-                <a:latin typeface="Lato" panose="020F0502020204030203" pitchFamily="34" charset="0"/>
-                <a:ea typeface="Lato" panose="020F0502020204030203" pitchFamily="34" charset="0"/>
-                <a:cs typeface="Lato" panose="020F0502020204030203" pitchFamily="34" charset="0"/>
-              </a:rPr>
-              <a:t>::</a:t>
-            </a:r>
-            <a:r>
-              <a:rPr lang="en-US" sz="500" b="0" i="0" dirty="0" err="1">
-                <a:solidFill>
-                  <a:srgbClr val="D1D5DB"/>
-                </a:solidFill>
-                <a:effectLst/>
-                <a:latin typeface="Lato" panose="020F0502020204030203" pitchFamily="34" charset="0"/>
-                <a:ea typeface="Lato" panose="020F0502020204030203" pitchFamily="34" charset="0"/>
-                <a:cs typeface="Lato" panose="020F0502020204030203" pitchFamily="34" charset="0"/>
-              </a:rPr>
-              <a:t>android_permission_READ_PHONE_STATE</a:t>
-            </a:r>
-            <a:r>
-              <a:rPr lang="en-US" sz="500" b="0" i="0" dirty="0">
-                <a:solidFill>
-                  <a:srgbClr val="D1D5DB"/>
-                </a:solidFill>
-                <a:effectLst/>
-                <a:latin typeface="Lato" panose="020F0502020204030203" pitchFamily="34" charset="0"/>
-                <a:ea typeface="Lato" panose="020F0502020204030203" pitchFamily="34" charset="0"/>
-                <a:cs typeface="Lato" panose="020F0502020204030203" pitchFamily="34" charset="0"/>
-              </a:rPr>
-              <a:t> is similar to the previous feature, but it's a permission that is used by the application's APIs.</a:t>
-            </a:r>
-          </a:p>
-          <a:p>
-            <a:pPr marL="0" lvl="0" indent="0" algn="l" rtl="0">
-              <a:spcBef>
-                <a:spcPts val="0"/>
-              </a:spcBef>
-              <a:spcAft>
-                <a:spcPts val="0"/>
-              </a:spcAft>
-              <a:buNone/>
-            </a:pPr>
-            <a:r>
-              <a:rPr lang="en-US" sz="500" b="0" i="0" dirty="0">
-                <a:solidFill>
-                  <a:srgbClr val="D1D5DB"/>
-                </a:solidFill>
-                <a:effectLst/>
-                <a:latin typeface="Lato" panose="020F0502020204030203" pitchFamily="34" charset="0"/>
-                <a:ea typeface="Lato" panose="020F0502020204030203" pitchFamily="34" charset="0"/>
-                <a:cs typeface="Lato" panose="020F0502020204030203" pitchFamily="34" charset="0"/>
-              </a:rPr>
-              <a:t>The feature </a:t>
-            </a:r>
-            <a:r>
-              <a:rPr lang="en-US" sz="500" b="0" i="0" dirty="0" err="1">
-                <a:solidFill>
-                  <a:srgbClr val="D1D5DB"/>
-                </a:solidFill>
-                <a:effectLst/>
-                <a:latin typeface="Lato" panose="020F0502020204030203" pitchFamily="34" charset="0"/>
-                <a:ea typeface="Lato" panose="020F0502020204030203" pitchFamily="34" charset="0"/>
-                <a:cs typeface="Lato" panose="020F0502020204030203" pitchFamily="34" charset="0"/>
-              </a:rPr>
-              <a:t>api_calls</a:t>
-            </a:r>
-            <a:r>
-              <a:rPr lang="en-US" sz="500" b="0" i="0" dirty="0">
-                <a:solidFill>
-                  <a:srgbClr val="D1D5DB"/>
-                </a:solidFill>
-                <a:effectLst/>
-                <a:latin typeface="Lato" panose="020F0502020204030203" pitchFamily="34" charset="0"/>
-                <a:ea typeface="Lato" panose="020F0502020204030203" pitchFamily="34" charset="0"/>
-                <a:cs typeface="Lato" panose="020F0502020204030203" pitchFamily="34" charset="0"/>
-              </a:rPr>
-              <a:t>::java/net/URL;-&gt;</a:t>
-            </a:r>
-            <a:r>
-              <a:rPr lang="en-US" sz="500" b="0" i="0" dirty="0" err="1">
-                <a:solidFill>
-                  <a:srgbClr val="D1D5DB"/>
-                </a:solidFill>
-                <a:effectLst/>
-                <a:latin typeface="Lato" panose="020F0502020204030203" pitchFamily="34" charset="0"/>
-                <a:ea typeface="Lato" panose="020F0502020204030203" pitchFamily="34" charset="0"/>
-                <a:cs typeface="Lato" panose="020F0502020204030203" pitchFamily="34" charset="0"/>
-              </a:rPr>
-              <a:t>openConnection</a:t>
-            </a:r>
-            <a:r>
-              <a:rPr lang="en-US" sz="500" b="0" i="0" dirty="0">
-                <a:solidFill>
-                  <a:srgbClr val="D1D5DB"/>
-                </a:solidFill>
-                <a:effectLst/>
-                <a:latin typeface="Lato" panose="020F0502020204030203" pitchFamily="34" charset="0"/>
-                <a:ea typeface="Lato" panose="020F0502020204030203" pitchFamily="34" charset="0"/>
-                <a:cs typeface="Lato" panose="020F0502020204030203" pitchFamily="34" charset="0"/>
-              </a:rPr>
-              <a:t> is a method that is used to open a connection to a URL, this feature is commonly used to access the internet.</a:t>
-            </a:r>
-          </a:p>
-          <a:p>
-            <a:pPr marL="0" lvl="0" indent="0" algn="l" rtl="0">
-              <a:spcBef>
-                <a:spcPts val="0"/>
-              </a:spcBef>
-              <a:spcAft>
-                <a:spcPts val="0"/>
-              </a:spcAft>
-              <a:buNone/>
-            </a:pPr>
-            <a:r>
-              <a:rPr lang="en-US" sz="500" b="0" i="0" dirty="0">
-                <a:solidFill>
-                  <a:srgbClr val="D1D5DB"/>
-                </a:solidFill>
-                <a:effectLst/>
-                <a:latin typeface="Lato" panose="020F0502020204030203" pitchFamily="34" charset="0"/>
-                <a:ea typeface="Lato" panose="020F0502020204030203" pitchFamily="34" charset="0"/>
-                <a:cs typeface="Lato" panose="020F0502020204030203" pitchFamily="34" charset="0"/>
-              </a:rPr>
-              <a:t>The feature </a:t>
-            </a:r>
-            <a:r>
-              <a:rPr lang="en-US" sz="500" b="0" i="0" dirty="0" err="1">
-                <a:solidFill>
-                  <a:srgbClr val="D1D5DB"/>
-                </a:solidFill>
-                <a:effectLst/>
-                <a:latin typeface="Lato" panose="020F0502020204030203" pitchFamily="34" charset="0"/>
-                <a:ea typeface="Lato" panose="020F0502020204030203" pitchFamily="34" charset="0"/>
-                <a:cs typeface="Lato" panose="020F0502020204030203" pitchFamily="34" charset="0"/>
-              </a:rPr>
-              <a:t>interesting_calls</a:t>
-            </a:r>
-            <a:r>
-              <a:rPr lang="en-US" sz="500" b="0" i="0" dirty="0">
-                <a:solidFill>
-                  <a:srgbClr val="D1D5DB"/>
-                </a:solidFill>
-                <a:effectLst/>
-                <a:latin typeface="Lato" panose="020F0502020204030203" pitchFamily="34" charset="0"/>
-                <a:ea typeface="Lato" panose="020F0502020204030203" pitchFamily="34" charset="0"/>
-                <a:cs typeface="Lato" panose="020F0502020204030203" pitchFamily="34" charset="0"/>
-              </a:rPr>
-              <a:t>::</a:t>
-            </a:r>
-            <a:r>
-              <a:rPr lang="en-US" sz="500" b="0" i="0" dirty="0" err="1">
-                <a:solidFill>
-                  <a:srgbClr val="D1D5DB"/>
-                </a:solidFill>
-                <a:effectLst/>
-                <a:latin typeface="Lato" panose="020F0502020204030203" pitchFamily="34" charset="0"/>
-                <a:ea typeface="Lato" panose="020F0502020204030203" pitchFamily="34" charset="0"/>
-                <a:cs typeface="Lato" panose="020F0502020204030203" pitchFamily="34" charset="0"/>
-              </a:rPr>
-              <a:t>getDeviceId</a:t>
-            </a:r>
-            <a:r>
-              <a:rPr lang="en-US" sz="500" b="0" i="0" dirty="0">
-                <a:solidFill>
-                  <a:srgbClr val="D1D5DB"/>
-                </a:solidFill>
-                <a:effectLst/>
-                <a:latin typeface="Lato" panose="020F0502020204030203" pitchFamily="34" charset="0"/>
-                <a:ea typeface="Lato" panose="020F0502020204030203" pitchFamily="34" charset="0"/>
-                <a:cs typeface="Lato" panose="020F0502020204030203" pitchFamily="34" charset="0"/>
-              </a:rPr>
-              <a:t> is a method that is used to retrieve the device id, this feature is commonly used in android programming.</a:t>
-            </a:r>
-          </a:p>
-          <a:p>
-            <a:pPr marL="0" lvl="0" indent="0" algn="l" rtl="0">
-              <a:spcBef>
-                <a:spcPts val="0"/>
-              </a:spcBef>
-              <a:spcAft>
-                <a:spcPts val="0"/>
-              </a:spcAft>
-              <a:buNone/>
-            </a:pPr>
-            <a:endParaRPr lang="en-US" sz="500" b="0" i="0" dirty="0">
-              <a:solidFill>
-                <a:srgbClr val="D1D5DB"/>
-              </a:solidFill>
-              <a:effectLst/>
-              <a:latin typeface="Lato" panose="020F0502020204030203" pitchFamily="34" charset="0"/>
-              <a:ea typeface="Lato" panose="020F0502020204030203" pitchFamily="34" charset="0"/>
-              <a:cs typeface="Lato" panose="020F0502020204030203" pitchFamily="34" charset="0"/>
-            </a:endParaRPr>
-          </a:p>
-          <a:p>
-            <a:pPr marL="0" lvl="0" indent="0" algn="l" rtl="0">
-              <a:spcBef>
-                <a:spcPts val="0"/>
-              </a:spcBef>
-              <a:spcAft>
-                <a:spcPts val="0"/>
-              </a:spcAft>
-              <a:buNone/>
-            </a:pPr>
-            <a:r>
-              <a:rPr lang="en-US" sz="500" b="0" i="0" dirty="0">
-                <a:solidFill>
-                  <a:srgbClr val="D1D5DB"/>
-                </a:solidFill>
-                <a:effectLst/>
-                <a:latin typeface="Lato" panose="020F0502020204030203" pitchFamily="34" charset="0"/>
-                <a:ea typeface="Lato" panose="020F0502020204030203" pitchFamily="34" charset="0"/>
-                <a:cs typeface="Lato" panose="020F0502020204030203" pitchFamily="34" charset="0"/>
-              </a:rPr>
-              <a:t>The feature </a:t>
-            </a:r>
-            <a:r>
-              <a:rPr lang="en-US" sz="500" b="0" i="0" dirty="0" err="1">
-                <a:solidFill>
-                  <a:srgbClr val="D1D5DB"/>
-                </a:solidFill>
-                <a:effectLst/>
-                <a:latin typeface="Lato" panose="020F0502020204030203" pitchFamily="34" charset="0"/>
-                <a:ea typeface="Lato" panose="020F0502020204030203" pitchFamily="34" charset="0"/>
-                <a:cs typeface="Lato" panose="020F0502020204030203" pitchFamily="34" charset="0"/>
-              </a:rPr>
-              <a:t>api_calls</a:t>
-            </a:r>
-            <a:r>
-              <a:rPr lang="en-US" sz="500" b="0" i="0" dirty="0">
-                <a:solidFill>
-                  <a:srgbClr val="D1D5DB"/>
-                </a:solidFill>
-                <a:effectLst/>
-                <a:latin typeface="Lato" panose="020F0502020204030203" pitchFamily="34" charset="0"/>
-                <a:ea typeface="Lato" panose="020F0502020204030203" pitchFamily="34" charset="0"/>
-                <a:cs typeface="Lato" panose="020F0502020204030203" pitchFamily="34" charset="0"/>
-              </a:rPr>
-              <a:t>::android/telephony/</a:t>
-            </a:r>
-            <a:r>
-              <a:rPr lang="en-US" sz="500" b="0" i="0" dirty="0" err="1">
-                <a:solidFill>
-                  <a:srgbClr val="D1D5DB"/>
-                </a:solidFill>
-                <a:effectLst/>
-                <a:latin typeface="Lato" panose="020F0502020204030203" pitchFamily="34" charset="0"/>
-                <a:ea typeface="Lato" panose="020F0502020204030203" pitchFamily="34" charset="0"/>
-                <a:cs typeface="Lato" panose="020F0502020204030203" pitchFamily="34" charset="0"/>
-              </a:rPr>
-              <a:t>TelephonyManager</a:t>
-            </a:r>
-            <a:r>
-              <a:rPr lang="en-US" sz="500" b="0" i="0" dirty="0">
-                <a:solidFill>
-                  <a:srgbClr val="D1D5DB"/>
-                </a:solidFill>
-                <a:effectLst/>
-                <a:latin typeface="Lato" panose="020F0502020204030203" pitchFamily="34" charset="0"/>
-                <a:ea typeface="Lato" panose="020F0502020204030203" pitchFamily="34" charset="0"/>
-                <a:cs typeface="Lato" panose="020F0502020204030203" pitchFamily="34" charset="0"/>
-              </a:rPr>
-              <a:t>;-&gt;</a:t>
-            </a:r>
-            <a:r>
-              <a:rPr lang="en-US" sz="500" b="0" i="0" dirty="0" err="1">
-                <a:solidFill>
-                  <a:srgbClr val="D1D5DB"/>
-                </a:solidFill>
-                <a:effectLst/>
-                <a:latin typeface="Lato" panose="020F0502020204030203" pitchFamily="34" charset="0"/>
-                <a:ea typeface="Lato" panose="020F0502020204030203" pitchFamily="34" charset="0"/>
-                <a:cs typeface="Lato" panose="020F0502020204030203" pitchFamily="34" charset="0"/>
-              </a:rPr>
-              <a:t>getDeviceId</a:t>
-            </a:r>
-            <a:r>
-              <a:rPr lang="en-US" sz="500" b="0" i="0" dirty="0">
-                <a:solidFill>
-                  <a:srgbClr val="D1D5DB"/>
-                </a:solidFill>
-                <a:effectLst/>
-                <a:latin typeface="Lato" panose="020F0502020204030203" pitchFamily="34" charset="0"/>
-                <a:ea typeface="Lato" panose="020F0502020204030203" pitchFamily="34" charset="0"/>
-                <a:cs typeface="Lato" panose="020F0502020204030203" pitchFamily="34" charset="0"/>
-              </a:rPr>
-              <a:t> is similar to the previous feature, but it's a method that is used by the application's APIs.</a:t>
-            </a:r>
-          </a:p>
-          <a:p>
-            <a:pPr marL="0" lvl="0" indent="0" algn="l" rtl="0">
-              <a:spcBef>
-                <a:spcPts val="0"/>
-              </a:spcBef>
-              <a:spcAft>
-                <a:spcPts val="0"/>
-              </a:spcAft>
-              <a:buNone/>
-            </a:pPr>
-            <a:endParaRPr lang="en-US" sz="500" b="0" i="0" dirty="0">
-              <a:solidFill>
-                <a:srgbClr val="D1D5DB"/>
-              </a:solidFill>
-              <a:effectLst/>
-              <a:latin typeface="Lato" panose="020F0502020204030203" pitchFamily="34" charset="0"/>
-              <a:ea typeface="Lato" panose="020F0502020204030203" pitchFamily="34" charset="0"/>
-              <a:cs typeface="Lato" panose="020F0502020204030203" pitchFamily="34" charset="0"/>
-            </a:endParaRPr>
-          </a:p>
-          <a:p>
-            <a:pPr marL="0" lvl="0" indent="0" algn="l" rtl="0">
-              <a:spcBef>
-                <a:spcPts val="0"/>
-              </a:spcBef>
-              <a:spcAft>
-                <a:spcPts val="0"/>
-              </a:spcAft>
-              <a:buNone/>
-            </a:pPr>
-            <a:r>
-              <a:rPr lang="en-US" sz="500" b="0" i="0" dirty="0">
-                <a:solidFill>
-                  <a:srgbClr val="D1D5DB"/>
-                </a:solidFill>
-                <a:effectLst/>
-                <a:latin typeface="Lato" panose="020F0502020204030203" pitchFamily="34" charset="0"/>
-                <a:ea typeface="Lato" panose="020F0502020204030203" pitchFamily="34" charset="0"/>
-                <a:cs typeface="Lato" panose="020F0502020204030203" pitchFamily="34" charset="0"/>
-              </a:rPr>
-              <a:t>The feature </a:t>
-            </a:r>
-            <a:r>
-              <a:rPr lang="en-US" sz="500" b="0" i="0" dirty="0" err="1">
-                <a:solidFill>
-                  <a:srgbClr val="D1D5DB"/>
-                </a:solidFill>
-                <a:effectLst/>
-                <a:latin typeface="Lato" panose="020F0502020204030203" pitchFamily="34" charset="0"/>
-                <a:ea typeface="Lato" panose="020F0502020204030203" pitchFamily="34" charset="0"/>
-                <a:cs typeface="Lato" panose="020F0502020204030203" pitchFamily="34" charset="0"/>
-              </a:rPr>
-              <a:t>interesting_calls</a:t>
-            </a:r>
-            <a:r>
-              <a:rPr lang="en-US" sz="500" b="0" i="0" dirty="0">
-                <a:solidFill>
-                  <a:srgbClr val="D1D5DB"/>
-                </a:solidFill>
-                <a:effectLst/>
-                <a:latin typeface="Lato" panose="020F0502020204030203" pitchFamily="34" charset="0"/>
-                <a:ea typeface="Lato" panose="020F0502020204030203" pitchFamily="34" charset="0"/>
-                <a:cs typeface="Lato" panose="020F0502020204030203" pitchFamily="34" charset="0"/>
-              </a:rPr>
-              <a:t>::</a:t>
-            </a:r>
-            <a:r>
-              <a:rPr lang="en-US" sz="500" b="0" i="0" dirty="0" err="1">
-                <a:solidFill>
-                  <a:srgbClr val="D1D5DB"/>
-                </a:solidFill>
-                <a:effectLst/>
-                <a:latin typeface="Lato" panose="020F0502020204030203" pitchFamily="34" charset="0"/>
-                <a:ea typeface="Lato" panose="020F0502020204030203" pitchFamily="34" charset="0"/>
-                <a:cs typeface="Lato" panose="020F0502020204030203" pitchFamily="34" charset="0"/>
-              </a:rPr>
-              <a:t>printStackTrace</a:t>
-            </a:r>
-            <a:r>
-              <a:rPr lang="en-US" sz="500" b="0" i="0" dirty="0">
-                <a:solidFill>
-                  <a:srgbClr val="D1D5DB"/>
-                </a:solidFill>
-                <a:effectLst/>
-                <a:latin typeface="Lato" panose="020F0502020204030203" pitchFamily="34" charset="0"/>
-                <a:ea typeface="Lato" panose="020F0502020204030203" pitchFamily="34" charset="0"/>
-                <a:cs typeface="Lato" panose="020F0502020204030203" pitchFamily="34" charset="0"/>
-              </a:rPr>
-              <a:t> is a method that is used to print the stack trace of an exception, this feature is commonly used in android programming for debugging purposes.</a:t>
-            </a:r>
-          </a:p>
-          <a:p>
-            <a:pPr marL="0" lvl="0" indent="0" algn="l" rtl="0">
-              <a:spcBef>
-                <a:spcPts val="0"/>
-              </a:spcBef>
-              <a:spcAft>
-                <a:spcPts val="0"/>
-              </a:spcAft>
-              <a:buNone/>
-            </a:pPr>
-            <a:endParaRPr lang="en-US" sz="500" b="0" i="0" dirty="0">
-              <a:solidFill>
-                <a:srgbClr val="D1D5DB"/>
-              </a:solidFill>
-              <a:effectLst/>
-              <a:latin typeface="Lato" panose="020F0502020204030203" pitchFamily="34" charset="0"/>
-              <a:ea typeface="Lato" panose="020F0502020204030203" pitchFamily="34" charset="0"/>
-              <a:cs typeface="Lato" panose="020F0502020204030203" pitchFamily="34" charset="0"/>
-            </a:endParaRPr>
-          </a:p>
-          <a:p>
-            <a:pPr marL="0" lvl="0" indent="0" algn="l" rtl="0">
-              <a:spcBef>
-                <a:spcPts val="0"/>
-              </a:spcBef>
-              <a:spcAft>
-                <a:spcPts val="0"/>
-              </a:spcAft>
-              <a:buNone/>
-            </a:pPr>
-            <a:r>
-              <a:rPr lang="en-US" sz="500" b="0" i="0" dirty="0">
-                <a:solidFill>
-                  <a:srgbClr val="D1D5DB"/>
-                </a:solidFill>
-                <a:effectLst/>
-                <a:latin typeface="Lato" panose="020F0502020204030203" pitchFamily="34" charset="0"/>
-                <a:ea typeface="Lato" panose="020F0502020204030203" pitchFamily="34" charset="0"/>
-                <a:cs typeface="Lato" panose="020F0502020204030203" pitchFamily="34" charset="0"/>
-              </a:rPr>
-              <a:t>The feature </a:t>
-            </a:r>
-            <a:r>
-              <a:rPr lang="en-US" sz="500" b="0" i="0" dirty="0" err="1">
-                <a:solidFill>
-                  <a:srgbClr val="D1D5DB"/>
-                </a:solidFill>
-                <a:effectLst/>
-                <a:latin typeface="Lato" panose="020F0502020204030203" pitchFamily="34" charset="0"/>
-                <a:ea typeface="Lato" panose="020F0502020204030203" pitchFamily="34" charset="0"/>
-                <a:cs typeface="Lato" panose="020F0502020204030203" pitchFamily="34" charset="0"/>
-              </a:rPr>
-              <a:t>api_calls</a:t>
-            </a:r>
-            <a:r>
-              <a:rPr lang="en-US" sz="500" b="0" i="0" dirty="0">
-                <a:solidFill>
-                  <a:srgbClr val="D1D5DB"/>
-                </a:solidFill>
-                <a:effectLst/>
-                <a:latin typeface="Lato" panose="020F0502020204030203" pitchFamily="34" charset="0"/>
-                <a:ea typeface="Lato" panose="020F0502020204030203" pitchFamily="34" charset="0"/>
-                <a:cs typeface="Lato" panose="020F0502020204030203" pitchFamily="34" charset="0"/>
-              </a:rPr>
-              <a:t>::java/net/</a:t>
-            </a:r>
-            <a:r>
-              <a:rPr lang="en-US" sz="500" b="0" i="0" dirty="0" err="1">
-                <a:solidFill>
-                  <a:srgbClr val="D1D5DB"/>
-                </a:solidFill>
-                <a:effectLst/>
-                <a:latin typeface="Lato" panose="020F0502020204030203" pitchFamily="34" charset="0"/>
-                <a:ea typeface="Lato" panose="020F0502020204030203" pitchFamily="34" charset="0"/>
-                <a:cs typeface="Lato" panose="020F0502020204030203" pitchFamily="34" charset="0"/>
-              </a:rPr>
-              <a:t>HttpURLConnection</a:t>
-            </a:r>
-            <a:r>
-              <a:rPr lang="en-US" sz="500" b="0" i="0" dirty="0">
-                <a:solidFill>
-                  <a:srgbClr val="D1D5DB"/>
-                </a:solidFill>
-                <a:effectLst/>
-                <a:latin typeface="Lato" panose="020F0502020204030203" pitchFamily="34" charset="0"/>
-                <a:ea typeface="Lato" panose="020F0502020204030203" pitchFamily="34" charset="0"/>
-                <a:cs typeface="Lato" panose="020F0502020204030203" pitchFamily="34" charset="0"/>
-              </a:rPr>
-              <a:t> is a class that is used to make HTTP requests, this feature is commonly used in android programming for different purposes such as sending data, receiving data, etc.</a:t>
-            </a:r>
-          </a:p>
-          <a:p>
-            <a:pPr marL="0" lvl="0" indent="0" algn="l" rtl="0">
-              <a:spcBef>
-                <a:spcPts val="0"/>
-              </a:spcBef>
-              <a:spcAft>
-                <a:spcPts val="0"/>
-              </a:spcAft>
-              <a:buNone/>
-            </a:pPr>
-            <a:endParaRPr lang="en-US" sz="500" b="0" i="0" dirty="0">
-              <a:solidFill>
-                <a:srgbClr val="D1D5DB"/>
-              </a:solidFill>
-              <a:effectLst/>
-              <a:latin typeface="Lato" panose="020F0502020204030203" pitchFamily="34" charset="0"/>
-              <a:ea typeface="Lato" panose="020F0502020204030203" pitchFamily="34" charset="0"/>
-              <a:cs typeface="Lato" panose="020F0502020204030203" pitchFamily="34" charset="0"/>
-            </a:endParaRPr>
-          </a:p>
-          <a:p>
-            <a:pPr marL="0" lvl="0" indent="0" algn="l" rtl="0">
-              <a:spcBef>
-                <a:spcPts val="0"/>
-              </a:spcBef>
-              <a:spcAft>
-                <a:spcPts val="0"/>
-              </a:spcAft>
-              <a:buNone/>
-            </a:pPr>
-            <a:r>
-              <a:rPr lang="en-US" sz="500" b="0" i="0" dirty="0">
-                <a:solidFill>
-                  <a:srgbClr val="D1D5DB"/>
-                </a:solidFill>
-                <a:effectLst/>
-                <a:latin typeface="Lato" panose="020F0502020204030203" pitchFamily="34" charset="0"/>
-                <a:ea typeface="Lato" panose="020F0502020204030203" pitchFamily="34" charset="0"/>
-                <a:cs typeface="Lato" panose="020F0502020204030203" pitchFamily="34" charset="0"/>
-              </a:rPr>
-              <a:t>The feature </a:t>
-            </a:r>
-            <a:r>
-              <a:rPr lang="en-US" sz="500" b="0" i="0" dirty="0" err="1">
-                <a:solidFill>
-                  <a:srgbClr val="D1D5DB"/>
-                </a:solidFill>
-                <a:effectLst/>
-                <a:latin typeface="Lato" panose="020F0502020204030203" pitchFamily="34" charset="0"/>
-                <a:ea typeface="Lato" panose="020F0502020204030203" pitchFamily="34" charset="0"/>
-                <a:cs typeface="Lato" panose="020F0502020204030203" pitchFamily="34" charset="0"/>
-              </a:rPr>
-              <a:t>app_permissions</a:t>
-            </a:r>
-            <a:r>
-              <a:rPr lang="en-US" sz="500" b="0" i="0" dirty="0">
-                <a:solidFill>
-                  <a:srgbClr val="D1D5DB"/>
-                </a:solidFill>
-                <a:effectLst/>
-                <a:latin typeface="Lato" panose="020F0502020204030203" pitchFamily="34" charset="0"/>
-                <a:ea typeface="Lato" panose="020F0502020204030203" pitchFamily="34" charset="0"/>
-                <a:cs typeface="Lato" panose="020F0502020204030203" pitchFamily="34" charset="0"/>
-              </a:rPr>
-              <a:t>::</a:t>
-            </a:r>
-            <a:r>
-              <a:rPr lang="en-US" sz="500" b="0" i="0" dirty="0" err="1">
-                <a:solidFill>
-                  <a:srgbClr val="D1D5DB"/>
-                </a:solidFill>
-                <a:effectLst/>
-                <a:latin typeface="Lato" panose="020F0502020204030203" pitchFamily="34" charset="0"/>
-                <a:ea typeface="Lato" panose="020F0502020204030203" pitchFamily="34" charset="0"/>
-                <a:cs typeface="Lato" panose="020F0502020204030203" pitchFamily="34" charset="0"/>
-              </a:rPr>
-              <a:t>android_permission_ACCESS_NETWORK_STATE</a:t>
-            </a:r>
-            <a:r>
-              <a:rPr lang="en-US" sz="500" b="0" i="0" dirty="0">
-                <a:solidFill>
-                  <a:srgbClr val="D1D5DB"/>
-                </a:solidFill>
-                <a:effectLst/>
-                <a:latin typeface="Lato" panose="020F0502020204030203" pitchFamily="34" charset="0"/>
-                <a:ea typeface="Lato" panose="020F0502020204030203" pitchFamily="34" charset="0"/>
-                <a:cs typeface="Lato" panose="020F0502020204030203" pitchFamily="34" charset="0"/>
-              </a:rPr>
-              <a:t> is an android permission that allows the application to access the network state, this feature is commonly used in android programming for different purposes such as checking the internet connection.</a:t>
-            </a:r>
-          </a:p>
-          <a:p>
-            <a:pPr marL="0" lvl="0" indent="0" algn="l" rtl="0">
-              <a:spcBef>
-                <a:spcPts val="0"/>
-              </a:spcBef>
-              <a:spcAft>
-                <a:spcPts val="0"/>
-              </a:spcAft>
-              <a:buNone/>
-            </a:pPr>
-            <a:endParaRPr lang="en-US" sz="500" b="0" i="0" dirty="0">
-              <a:solidFill>
-                <a:srgbClr val="D1D5DB"/>
-              </a:solidFill>
-              <a:effectLst/>
-              <a:latin typeface="Lato" panose="020F0502020204030203" pitchFamily="34" charset="0"/>
-              <a:ea typeface="Lato" panose="020F0502020204030203" pitchFamily="34" charset="0"/>
-              <a:cs typeface="Lato" panose="020F0502020204030203" pitchFamily="34" charset="0"/>
-            </a:endParaRPr>
-          </a:p>
-          <a:p>
-            <a:pPr marL="0" lvl="0" indent="0" algn="l" rtl="0">
-              <a:spcBef>
-                <a:spcPts val="0"/>
-              </a:spcBef>
-              <a:spcAft>
-                <a:spcPts val="0"/>
-              </a:spcAft>
-              <a:buNone/>
-            </a:pPr>
-            <a:r>
-              <a:rPr lang="en-US" sz="500" b="0" i="0" dirty="0">
-                <a:solidFill>
-                  <a:srgbClr val="D1D5DB"/>
-                </a:solidFill>
-                <a:effectLst/>
-                <a:latin typeface="Lato" panose="020F0502020204030203" pitchFamily="34" charset="0"/>
-                <a:ea typeface="Lato" panose="020F0502020204030203" pitchFamily="34" charset="0"/>
-                <a:cs typeface="Lato" panose="020F0502020204030203" pitchFamily="34" charset="0"/>
-              </a:rPr>
-              <a:t>The feature </a:t>
-            </a:r>
-            <a:r>
-              <a:rPr lang="en-US" sz="500" b="0" i="0" dirty="0" err="1">
-                <a:solidFill>
-                  <a:srgbClr val="D1D5DB"/>
-                </a:solidFill>
-                <a:effectLst/>
-                <a:latin typeface="Lato" panose="020F0502020204030203" pitchFamily="34" charset="0"/>
-                <a:ea typeface="Lato" panose="020F0502020204030203" pitchFamily="34" charset="0"/>
-                <a:cs typeface="Lato" panose="020F0502020204030203" pitchFamily="34" charset="0"/>
-              </a:rPr>
-              <a:t>app_permissions</a:t>
-            </a:r>
-            <a:r>
-              <a:rPr lang="en-US" sz="500" b="0" i="0" dirty="0">
-                <a:solidFill>
-                  <a:srgbClr val="D1D5DB"/>
-                </a:solidFill>
-                <a:effectLst/>
-                <a:latin typeface="Lato" panose="020F0502020204030203" pitchFamily="34" charset="0"/>
-                <a:ea typeface="Lato" panose="020F0502020204030203" pitchFamily="34" charset="0"/>
-                <a:cs typeface="Lato" panose="020F0502020204030203" pitchFamily="34" charset="0"/>
-              </a:rPr>
-              <a:t>::</a:t>
-            </a:r>
-            <a:r>
-              <a:rPr lang="en-US" sz="500" b="0" i="0" dirty="0" err="1">
-                <a:solidFill>
-                  <a:srgbClr val="D1D5DB"/>
-                </a:solidFill>
-                <a:effectLst/>
-                <a:latin typeface="Lato" panose="020F0502020204030203" pitchFamily="34" charset="0"/>
-                <a:ea typeface="Lato" panose="020F0502020204030203" pitchFamily="34" charset="0"/>
-                <a:cs typeface="Lato" panose="020F0502020204030203" pitchFamily="34" charset="0"/>
-              </a:rPr>
-              <a:t>android_permission_WRITE_EXTERNAL_STORAGE</a:t>
-            </a:r>
-            <a:r>
-              <a:rPr lang="en-US" sz="500" b="0" i="0" dirty="0">
-                <a:solidFill>
-                  <a:srgbClr val="D1D5DB"/>
-                </a:solidFill>
-                <a:effectLst/>
-                <a:latin typeface="Lato" panose="020F0502020204030203" pitchFamily="34" charset="0"/>
-                <a:ea typeface="Lato" panose="020F0502020204030203" pitchFamily="34" charset="0"/>
-                <a:cs typeface="Lato" panose="020F0502020204030203" pitchFamily="34" charset="0"/>
-              </a:rPr>
-              <a:t> is an android permission that allows the application to write to external storage, this feature is commonly used in android programming for different purposes such as saving files, etc.</a:t>
-            </a:r>
-          </a:p>
-          <a:p>
-            <a:pPr marL="0" lvl="0" indent="0" algn="l" rtl="0">
-              <a:spcBef>
-                <a:spcPts val="0"/>
-              </a:spcBef>
-              <a:spcAft>
-                <a:spcPts val="0"/>
-              </a:spcAft>
-              <a:buNone/>
-            </a:pPr>
-            <a:endParaRPr lang="en-US" sz="500" b="0" i="0" dirty="0">
-              <a:solidFill>
-                <a:srgbClr val="D1D5DB"/>
-              </a:solidFill>
-              <a:effectLst/>
-              <a:latin typeface="Lato" panose="020F0502020204030203" pitchFamily="34" charset="0"/>
-              <a:ea typeface="Lato" panose="020F0502020204030203" pitchFamily="34" charset="0"/>
-              <a:cs typeface="Lato" panose="020F0502020204030203" pitchFamily="34" charset="0"/>
-            </a:endParaRPr>
-          </a:p>
-          <a:p>
-            <a:pPr marL="0" lvl="0" indent="0" algn="l" rtl="0">
-              <a:spcBef>
-                <a:spcPts val="0"/>
-              </a:spcBef>
-              <a:spcAft>
-                <a:spcPts val="0"/>
-              </a:spcAft>
-              <a:buNone/>
-            </a:pPr>
-            <a:r>
-              <a:rPr lang="en-US" sz="500" b="0" i="0" dirty="0">
-                <a:solidFill>
-                  <a:srgbClr val="D1D5DB"/>
-                </a:solidFill>
-                <a:effectLst/>
-                <a:latin typeface="Lato" panose="020F0502020204030203" pitchFamily="34" charset="0"/>
-                <a:ea typeface="Lato" panose="020F0502020204030203" pitchFamily="34" charset="0"/>
-                <a:cs typeface="Lato" panose="020F0502020204030203" pitchFamily="34" charset="0"/>
-              </a:rPr>
-              <a:t>The feature </a:t>
-            </a:r>
-            <a:r>
-              <a:rPr lang="en-US" sz="500" b="0" i="0" dirty="0" err="1">
-                <a:solidFill>
-                  <a:srgbClr val="D1D5DB"/>
-                </a:solidFill>
-                <a:effectLst/>
-                <a:latin typeface="Lato" panose="020F0502020204030203" pitchFamily="34" charset="0"/>
-                <a:ea typeface="Lato" panose="020F0502020204030203" pitchFamily="34" charset="0"/>
-                <a:cs typeface="Lato" panose="020F0502020204030203" pitchFamily="34" charset="0"/>
-              </a:rPr>
-              <a:t>api_calls</a:t>
-            </a:r>
-            <a:r>
-              <a:rPr lang="en-US" sz="500" b="0" i="0" dirty="0">
-                <a:solidFill>
-                  <a:srgbClr val="D1D5DB"/>
-                </a:solidFill>
-                <a:effectLst/>
-                <a:latin typeface="Lato" panose="020F0502020204030203" pitchFamily="34" charset="0"/>
-                <a:ea typeface="Lato" panose="020F0502020204030203" pitchFamily="34" charset="0"/>
-                <a:cs typeface="Lato" panose="020F0502020204030203" pitchFamily="34" charset="0"/>
-              </a:rPr>
-              <a:t>::android/</a:t>
-            </a:r>
-            <a:r>
-              <a:rPr lang="en-US" sz="500" b="0" i="0" dirty="0" err="1">
-                <a:solidFill>
-                  <a:srgbClr val="D1D5DB"/>
-                </a:solidFill>
-                <a:effectLst/>
-                <a:latin typeface="Lato" panose="020F0502020204030203" pitchFamily="34" charset="0"/>
-                <a:ea typeface="Lato" panose="020F0502020204030203" pitchFamily="34" charset="0"/>
-                <a:cs typeface="Lato" panose="020F0502020204030203" pitchFamily="34" charset="0"/>
-              </a:rPr>
-              <a:t>webkit</a:t>
-            </a:r>
-            <a:r>
-              <a:rPr lang="en-US" sz="500" b="0" i="0" dirty="0">
-                <a:solidFill>
-                  <a:srgbClr val="D1D5DB"/>
-                </a:solidFill>
-                <a:effectLst/>
-                <a:latin typeface="Lato" panose="020F0502020204030203" pitchFamily="34" charset="0"/>
-                <a:ea typeface="Lato" panose="020F0502020204030203" pitchFamily="34" charset="0"/>
-                <a:cs typeface="Lato" panose="020F0502020204030203" pitchFamily="34" charset="0"/>
-              </a:rPr>
-              <a:t>/WebView is a class that is used to display web pages, this feature is commonly used in android programming for different purposes such as displaying web pages, etc.</a:t>
-            </a:r>
-          </a:p>
-          <a:p>
-            <a:pPr marL="0" lvl="0" indent="0" algn="l" rtl="0">
-              <a:spcBef>
-                <a:spcPts val="0"/>
-              </a:spcBef>
-              <a:spcAft>
-                <a:spcPts val="0"/>
-              </a:spcAft>
-              <a:buNone/>
-            </a:pPr>
-            <a:endParaRPr lang="en-US" sz="500" b="0" i="0" dirty="0">
-              <a:solidFill>
-                <a:srgbClr val="D1D5DB"/>
-              </a:solidFill>
-              <a:effectLst/>
-              <a:latin typeface="Lato" panose="020F0502020204030203" pitchFamily="34" charset="0"/>
-              <a:ea typeface="Lato" panose="020F0502020204030203" pitchFamily="34" charset="0"/>
-              <a:cs typeface="Lato" panose="020F0502020204030203" pitchFamily="34" charset="0"/>
-            </a:endParaRPr>
-          </a:p>
-          <a:p>
-            <a:pPr marL="0" lvl="0" indent="0" algn="l" rtl="0">
-              <a:spcBef>
-                <a:spcPts val="0"/>
-              </a:spcBef>
-              <a:spcAft>
-                <a:spcPts val="0"/>
-              </a:spcAft>
-              <a:buNone/>
-            </a:pPr>
-            <a:r>
-              <a:rPr lang="en-US" sz="500" b="0" i="0" dirty="0">
-                <a:solidFill>
-                  <a:srgbClr val="D1D5DB"/>
-                </a:solidFill>
-                <a:effectLst/>
-                <a:latin typeface="Lato" panose="020F0502020204030203" pitchFamily="34" charset="0"/>
-                <a:ea typeface="Lato" panose="020F0502020204030203" pitchFamily="34" charset="0"/>
-                <a:cs typeface="Lato" panose="020F0502020204030203" pitchFamily="34" charset="0"/>
-              </a:rPr>
-              <a:t>The feature </a:t>
-            </a:r>
-            <a:r>
-              <a:rPr lang="en-US" sz="500" b="0" i="0" dirty="0" err="1">
-                <a:solidFill>
-                  <a:srgbClr val="D1D5DB"/>
-                </a:solidFill>
-                <a:effectLst/>
-                <a:latin typeface="Lato" panose="020F0502020204030203" pitchFamily="34" charset="0"/>
-                <a:ea typeface="Lato" panose="020F0502020204030203" pitchFamily="34" charset="0"/>
-                <a:cs typeface="Lato" panose="020F0502020204030203" pitchFamily="34" charset="0"/>
-              </a:rPr>
-              <a:t>api_calls</a:t>
-            </a:r>
-            <a:r>
-              <a:rPr lang="en-US" sz="500" b="0" i="0" dirty="0">
-                <a:solidFill>
-                  <a:srgbClr val="D1D5DB"/>
-                </a:solidFill>
-                <a:effectLst/>
-                <a:latin typeface="Lato" panose="020F0502020204030203" pitchFamily="34" charset="0"/>
-                <a:ea typeface="Lato" panose="020F0502020204030203" pitchFamily="34" charset="0"/>
-                <a:cs typeface="Lato" panose="020F0502020204030203" pitchFamily="34" charset="0"/>
-              </a:rPr>
-              <a:t>::android/content/Context;-&gt;</a:t>
-            </a:r>
-            <a:r>
-              <a:rPr lang="en-US" sz="500" b="0" i="0" dirty="0" err="1">
-                <a:solidFill>
-                  <a:srgbClr val="D1D5DB"/>
-                </a:solidFill>
-                <a:effectLst/>
-                <a:latin typeface="Lato" panose="020F0502020204030203" pitchFamily="34" charset="0"/>
-                <a:ea typeface="Lato" panose="020F0502020204030203" pitchFamily="34" charset="0"/>
-                <a:cs typeface="Lato" panose="020F0502020204030203" pitchFamily="34" charset="0"/>
-              </a:rPr>
-              <a:t>startService</a:t>
-            </a:r>
-            <a:r>
-              <a:rPr lang="en-US" sz="500" b="0" i="0" dirty="0">
-                <a:solidFill>
-                  <a:srgbClr val="D1D5DB"/>
-                </a:solidFill>
-                <a:effectLst/>
-                <a:latin typeface="Lato" panose="020F0502020204030203" pitchFamily="34" charset="0"/>
-                <a:ea typeface="Lato" panose="020F0502020204030203" pitchFamily="34" charset="0"/>
-                <a:cs typeface="Lato" panose="020F0502020204030203" pitchFamily="34" charset="0"/>
-              </a:rPr>
-              <a:t> is a method that is used to start a service, this feature is commonly used in android programming for different purposes such as sending data, receiving data, etc.</a:t>
-            </a:r>
-          </a:p>
-          <a:p>
-            <a:pPr marL="0" lvl="0" indent="0" algn="l" rtl="0">
-              <a:spcBef>
-                <a:spcPts val="0"/>
-              </a:spcBef>
-              <a:spcAft>
-                <a:spcPts val="0"/>
-              </a:spcAft>
-              <a:buNone/>
-            </a:pPr>
-            <a:endParaRPr lang="en-US" sz="500" b="0" i="0" dirty="0">
-              <a:solidFill>
-                <a:srgbClr val="D1D5DB"/>
-              </a:solidFill>
-              <a:effectLst/>
-              <a:latin typeface="Lato" panose="020F0502020204030203" pitchFamily="34" charset="0"/>
-              <a:ea typeface="Lato" panose="020F0502020204030203" pitchFamily="34" charset="0"/>
-              <a:cs typeface="Lato" panose="020F0502020204030203" pitchFamily="34" charset="0"/>
-            </a:endParaRPr>
-          </a:p>
-          <a:p>
-            <a:pPr marL="0" lvl="0" indent="0" algn="l" rtl="0">
-              <a:spcBef>
-                <a:spcPts val="0"/>
-              </a:spcBef>
-              <a:spcAft>
-                <a:spcPts val="0"/>
-              </a:spcAft>
-              <a:buNone/>
-            </a:pPr>
-            <a:r>
-              <a:rPr lang="en-US" sz="500" b="0" i="0" dirty="0">
-                <a:solidFill>
-                  <a:srgbClr val="D1D5DB"/>
-                </a:solidFill>
-                <a:effectLst/>
-                <a:latin typeface="Lato" panose="020F0502020204030203" pitchFamily="34" charset="0"/>
-                <a:ea typeface="Lato" panose="020F0502020204030203" pitchFamily="34" charset="0"/>
-                <a:cs typeface="Lato" panose="020F0502020204030203" pitchFamily="34" charset="0"/>
-              </a:rPr>
-              <a:t>The feature </a:t>
-            </a:r>
-            <a:r>
-              <a:rPr lang="en-US" sz="500" b="0" i="0" dirty="0" err="1">
-                <a:solidFill>
-                  <a:srgbClr val="D1D5DB"/>
-                </a:solidFill>
-                <a:effectLst/>
-                <a:latin typeface="Lato" panose="020F0502020204030203" pitchFamily="34" charset="0"/>
-                <a:ea typeface="Lato" panose="020F0502020204030203" pitchFamily="34" charset="0"/>
-                <a:cs typeface="Lato" panose="020F0502020204030203" pitchFamily="34" charset="0"/>
-              </a:rPr>
-              <a:t>api_calls</a:t>
-            </a:r>
-            <a:r>
-              <a:rPr lang="en-US" sz="500" b="0" i="0" dirty="0">
-                <a:solidFill>
-                  <a:srgbClr val="D1D5DB"/>
-                </a:solidFill>
-                <a:effectLst/>
-                <a:latin typeface="Lato" panose="020F0502020204030203" pitchFamily="34" charset="0"/>
-                <a:ea typeface="Lato" panose="020F0502020204030203" pitchFamily="34" charset="0"/>
-                <a:cs typeface="Lato" panose="020F0502020204030203" pitchFamily="34" charset="0"/>
-              </a:rPr>
-              <a:t>::org/</a:t>
-            </a:r>
-            <a:r>
-              <a:rPr lang="en-US" sz="500" b="0" i="0" dirty="0" err="1">
-                <a:solidFill>
-                  <a:srgbClr val="D1D5DB"/>
-                </a:solidFill>
-                <a:effectLst/>
-                <a:latin typeface="Lato" panose="020F0502020204030203" pitchFamily="34" charset="0"/>
-                <a:ea typeface="Lato" panose="020F0502020204030203" pitchFamily="34" charset="0"/>
-                <a:cs typeface="Lato" panose="020F0502020204030203" pitchFamily="34" charset="0"/>
-              </a:rPr>
-              <a:t>apache</a:t>
-            </a:r>
-            <a:r>
-              <a:rPr lang="en-US" sz="500" b="0" i="0" dirty="0">
-                <a:solidFill>
-                  <a:srgbClr val="D1D5DB"/>
-                </a:solidFill>
-                <a:effectLst/>
-                <a:latin typeface="Lato" panose="020F0502020204030203" pitchFamily="34" charset="0"/>
-                <a:ea typeface="Lato" panose="020F0502020204030203" pitchFamily="34" charset="0"/>
-                <a:cs typeface="Lato" panose="020F0502020204030203" pitchFamily="34" charset="0"/>
-              </a:rPr>
-              <a:t>/http/</a:t>
-            </a:r>
-            <a:r>
-              <a:rPr lang="en-US" sz="500" b="0" i="0" dirty="0" err="1">
-                <a:solidFill>
-                  <a:srgbClr val="D1D5DB"/>
-                </a:solidFill>
-                <a:effectLst/>
-                <a:latin typeface="Lato" panose="020F0502020204030203" pitchFamily="34" charset="0"/>
-                <a:ea typeface="Lato" panose="020F0502020204030203" pitchFamily="34" charset="0"/>
-                <a:cs typeface="Lato" panose="020F0502020204030203" pitchFamily="34" charset="0"/>
-              </a:rPr>
-              <a:t>impl</a:t>
-            </a:r>
-            <a:r>
-              <a:rPr lang="en-US" sz="500" b="0" i="0" dirty="0">
-                <a:solidFill>
-                  <a:srgbClr val="D1D5DB"/>
-                </a:solidFill>
-                <a:effectLst/>
-                <a:latin typeface="Lato" panose="020F0502020204030203" pitchFamily="34" charset="0"/>
-                <a:ea typeface="Lato" panose="020F0502020204030203" pitchFamily="34" charset="0"/>
-                <a:cs typeface="Lato" panose="020F0502020204030203" pitchFamily="34" charset="0"/>
-              </a:rPr>
-              <a:t>/client/</a:t>
-            </a:r>
-            <a:r>
-              <a:rPr lang="en-US" sz="500" b="0" i="0" dirty="0" err="1">
-                <a:solidFill>
-                  <a:srgbClr val="D1D5DB"/>
-                </a:solidFill>
-                <a:effectLst/>
-                <a:latin typeface="Lato" panose="020F0502020204030203" pitchFamily="34" charset="0"/>
-                <a:ea typeface="Lato" panose="020F0502020204030203" pitchFamily="34" charset="0"/>
-                <a:cs typeface="Lato" panose="020F0502020204030203" pitchFamily="34" charset="0"/>
-              </a:rPr>
-              <a:t>DefaultHttpClient</a:t>
-            </a:r>
-            <a:r>
-              <a:rPr lang="en-US" sz="500" b="0" i="0" dirty="0">
-                <a:solidFill>
-                  <a:srgbClr val="D1D5DB"/>
-                </a:solidFill>
-                <a:effectLst/>
-                <a:latin typeface="Lato" panose="020F0502020204030203" pitchFamily="34" charset="0"/>
-                <a:ea typeface="Lato" panose="020F0502020204030203" pitchFamily="34" charset="0"/>
-                <a:cs typeface="Lato" panose="020F0502020204030203" pitchFamily="34" charset="0"/>
-              </a:rPr>
-              <a:t> is a class that is used to make HTTP requests, this feature is commonly used in android programming for different purposes such as sending data, receiving data, etc.</a:t>
-            </a:r>
-          </a:p>
         </p:txBody>
       </p:sp>
+      <p:pic>
+        <p:nvPicPr>
+          <p:cNvPr id="2" name="Picture 1">
+            <a:extLst>
+              <a:ext uri="{FF2B5EF4-FFF2-40B4-BE49-F238E27FC236}">
+                <a16:creationId xmlns:a16="http://schemas.microsoft.com/office/drawing/2014/main" id="{EE342FFB-9276-01E8-1F8C-EB6AB02D5DF8}"/>
+              </a:ext>
+            </a:extLst>
+          </p:cNvPr>
+          <p:cNvPicPr>
+            <a:picLocks noChangeAspect="1"/>
+          </p:cNvPicPr>
+          <p:nvPr/>
+        </p:nvPicPr>
+        <p:blipFill>
+          <a:blip r:embed="rId3"/>
+          <a:stretch>
+            <a:fillRect/>
+          </a:stretch>
+        </p:blipFill>
+        <p:spPr>
+          <a:xfrm>
+            <a:off x="5999885" y="2094807"/>
+            <a:ext cx="3142146" cy="3048693"/>
+          </a:xfrm>
+          <a:prstGeom prst="rect">
+            <a:avLst/>
+          </a:prstGeom>
+        </p:spPr>
+      </p:pic>
+      <p:pic>
+        <p:nvPicPr>
+          <p:cNvPr id="3" name="Picture 2">
+            <a:extLst>
+              <a:ext uri="{FF2B5EF4-FFF2-40B4-BE49-F238E27FC236}">
+                <a16:creationId xmlns:a16="http://schemas.microsoft.com/office/drawing/2014/main" id="{0C33C6F9-C6C3-7B10-AA88-D03F768F3652}"/>
+              </a:ext>
+            </a:extLst>
+          </p:cNvPr>
+          <p:cNvPicPr>
+            <a:picLocks noChangeAspect="1"/>
+          </p:cNvPicPr>
+          <p:nvPr/>
+        </p:nvPicPr>
+        <p:blipFill>
+          <a:blip r:embed="rId4"/>
+          <a:stretch>
+            <a:fillRect/>
+          </a:stretch>
+        </p:blipFill>
+        <p:spPr>
+          <a:xfrm>
+            <a:off x="1571105" y="2094807"/>
+            <a:ext cx="4428780" cy="3048693"/>
+          </a:xfrm>
+          <a:prstGeom prst="rect">
+            <a:avLst/>
+          </a:prstGeom>
+        </p:spPr>
+      </p:pic>
+      <p:pic>
+        <p:nvPicPr>
+          <p:cNvPr id="4" name="Picture 3">
+            <a:extLst>
+              <a:ext uri="{FF2B5EF4-FFF2-40B4-BE49-F238E27FC236}">
+                <a16:creationId xmlns:a16="http://schemas.microsoft.com/office/drawing/2014/main" id="{5CCF20D6-CD3E-A0CB-C5F5-01896483DF31}"/>
+              </a:ext>
+            </a:extLst>
+          </p:cNvPr>
+          <p:cNvPicPr>
+            <a:picLocks noChangeAspect="1"/>
+          </p:cNvPicPr>
+          <p:nvPr/>
+        </p:nvPicPr>
+        <p:blipFill>
+          <a:blip r:embed="rId5"/>
+          <a:stretch>
+            <a:fillRect/>
+          </a:stretch>
+        </p:blipFill>
+        <p:spPr>
+          <a:xfrm>
+            <a:off x="37056" y="3109624"/>
+            <a:ext cx="1541087" cy="2033876"/>
+          </a:xfrm>
+          <a:prstGeom prst="rect">
+            <a:avLst/>
+          </a:prstGeom>
+        </p:spPr>
+      </p:pic>
     </p:spTree>
     <p:extLst>
       <p:ext uri="{BB962C8B-B14F-4D97-AF65-F5344CB8AC3E}">
@@ -13772,7 +13369,7 @@
         </p:nvSpPr>
         <p:spPr>
           <a:xfrm>
-            <a:off x="1297500" y="393750"/>
+            <a:off x="1297500" y="91295"/>
             <a:ext cx="7038900" cy="914100"/>
           </a:xfrm>
           <a:prstGeom prst="rect">
@@ -13795,10 +13392,14 @@
               <a:buNone/>
             </a:pPr>
             <a:r>
-              <a:rPr lang="iw"/>
+              <a:rPr lang="iw" dirty="0">
+                <a:latin typeface="Montserrat" pitchFamily="2" charset="77"/>
+              </a:rPr>
               <a:t>Stages to work on this project:</a:t>
             </a:r>
-            <a:endParaRPr/>
+            <a:endParaRPr dirty="0">
+              <a:latin typeface="Montserrat" pitchFamily="2" charset="77"/>
+            </a:endParaRPr>
           </a:p>
           <a:p>
             <a:pPr marL="0" lvl="0" indent="0" algn="l" rtl="0">
@@ -13810,7 +13411,9 @@
               </a:spcAft>
               <a:buNone/>
             </a:pPr>
-            <a:endParaRPr/>
+            <a:endParaRPr dirty="0">
+              <a:latin typeface="Montserrat" pitchFamily="2" charset="77"/>
+            </a:endParaRPr>
           </a:p>
           <a:p>
             <a:pPr marL="0" lvl="0" indent="0" algn="l" rtl="0">
@@ -13822,7 +13425,9 @@
               </a:spcAft>
               <a:buNone/>
             </a:pPr>
-            <a:endParaRPr/>
+            <a:endParaRPr dirty="0">
+              <a:latin typeface="Montserrat" pitchFamily="2" charset="77"/>
+            </a:endParaRPr>
           </a:p>
         </p:txBody>
       </p:sp>
@@ -13838,8 +13443,8 @@
         </p:nvSpPr>
         <p:spPr>
           <a:xfrm>
-            <a:off x="1297500" y="1567550"/>
-            <a:ext cx="7038900" cy="2911200"/>
+            <a:off x="914400" y="698282"/>
+            <a:ext cx="8046720" cy="4073223"/>
           </a:xfrm>
           <a:prstGeom prst="rect">
             <a:avLst/>
@@ -13847,11 +13452,32 @@
         </p:spPr>
         <p:txBody>
           <a:bodyPr spcFirstLastPara="1" wrap="square" lIns="91425" tIns="91425" rIns="91425" bIns="91425" anchor="t" anchorCtr="0">
-            <a:normAutofit fontScale="70000" lnSpcReduction="20000"/>
+            <a:noAutofit/>
           </a:bodyPr>
           <a:lstStyle/>
           <a:p>
-            <a:pPr marL="457200" lvl="0" indent="-274002" algn="l" rtl="0">
+            <a:pPr marL="183198" lvl="0" indent="0" algn="l" rtl="0">
+              <a:spcBef>
+                <a:spcPts val="0"/>
+              </a:spcBef>
+              <a:spcAft>
+                <a:spcPts val="0"/>
+              </a:spcAft>
+              <a:buSzPct val="100000"/>
+              <a:buNone/>
+            </a:pPr>
+            <a:r>
+              <a:rPr lang="en-US" sz="1120" dirty="0">
+                <a:latin typeface="Montserrat" pitchFamily="2" charset="77"/>
+              </a:rPr>
+              <a:t>The project had several stages: </a:t>
+            </a:r>
+            <a:endParaRPr lang="he-IL" sz="1120" dirty="0">
+              <a:latin typeface="Montserrat" pitchFamily="2" charset="77"/>
+            </a:endParaRPr>
+          </a:p>
+          <a:p>
+            <a:pPr marL="411798" lvl="0" indent="-228600" algn="l" rtl="0">
               <a:spcBef>
                 <a:spcPts val="0"/>
               </a:spcBef>
@@ -13862,13 +13488,14 @@
               <a:buAutoNum type="arabicPeriod"/>
             </a:pPr>
             <a:r>
-              <a:rPr lang="iw"/>
-              <a:t>Data collection: The first step was to gather a dataset of Android applications, which consisted of 1817 apps in total. 165 of these apps were labeled as malicious and 1652 were labeled as benign.</a:t>
-            </a:r>
-            <a:endParaRPr/>
-          </a:p>
-          <a:p>
-            <a:pPr marL="457200" lvl="0" indent="-274002" algn="l" rtl="0">
+              <a:rPr lang="en-US" sz="1120" dirty="0">
+                <a:latin typeface="Montserrat" pitchFamily="2" charset="77"/>
+              </a:rPr>
+              <a:t>data collection</a:t>
+            </a:r>
+          </a:p>
+          <a:p>
+            <a:pPr marL="411798" lvl="0" indent="-228600" algn="l" rtl="0">
               <a:spcBef>
                 <a:spcPts val="0"/>
               </a:spcBef>
@@ -13879,13 +13506,14 @@
               <a:buAutoNum type="arabicPeriod"/>
             </a:pPr>
             <a:r>
-              <a:rPr lang="iw"/>
-              <a:t>Feature extraction: Once the dataset was collected, various features were extracted from each app. These features included sha256, label, app_permissions, api_permissions, api_calls, activities, s_and_r, interesting_calls, urls, and providers. The extracted information was stored in a json file where each object represented the features of an application, with the features containing binary values of 1 or 0 indicating the presence or absence of a component.</a:t>
-            </a:r>
-            <a:endParaRPr/>
-          </a:p>
-          <a:p>
-            <a:pPr marL="457200" lvl="0" indent="-274002" algn="l" rtl="0">
+              <a:rPr lang="en-US" sz="1120" dirty="0">
+                <a:latin typeface="Montserrat" pitchFamily="2" charset="77"/>
+              </a:rPr>
+              <a:t>2. feature extraction</a:t>
+            </a:r>
+          </a:p>
+          <a:p>
+            <a:pPr marL="411798" lvl="0" indent="-228600" algn="l" rtl="0">
               <a:spcBef>
                 <a:spcPts val="0"/>
               </a:spcBef>
@@ -13896,13 +13524,14 @@
               <a:buAutoNum type="arabicPeriod"/>
             </a:pPr>
             <a:r>
-              <a:rPr lang="iw"/>
-              <a:t>Data preprocessing: Before training the machine learning model, any missing values in the extracted features were filled with 0 to ensure the model could work with the information. Helper functions were also written to aid in extracting and organizing the information for ease of use.</a:t>
-            </a:r>
-            <a:endParaRPr/>
-          </a:p>
-          <a:p>
-            <a:pPr marL="457200" lvl="0" indent="-274002" algn="l" rtl="0">
+              <a:rPr lang="en-US" sz="1120" dirty="0">
+                <a:latin typeface="Montserrat" pitchFamily="2" charset="77"/>
+              </a:rPr>
+              <a:t>3. data preprocessing</a:t>
+            </a:r>
+          </a:p>
+          <a:p>
+            <a:pPr marL="411798" lvl="0" indent="-228600" algn="l" rtl="0">
               <a:spcBef>
                 <a:spcPts val="0"/>
               </a:spcBef>
@@ -13913,13 +13542,14 @@
               <a:buAutoNum type="arabicPeriod"/>
             </a:pPr>
             <a:r>
-              <a:rPr lang="iw"/>
-              <a:t>Model training: The extracted features were then used to train a machine learning model, specifically a Support Vector Machine (SVM) with a linear kernel. Additionally, other machine learning models such as Logistic Regression, KNeighborsClassifier, DecisionTreeClassifier, and GradientBoostingClassifier were also trained.</a:t>
-            </a:r>
-            <a:endParaRPr/>
-          </a:p>
-          <a:p>
-            <a:pPr marL="457200" lvl="0" indent="-274002" algn="l" rtl="0">
+              <a:rPr lang="en-US" sz="1120" dirty="0">
+                <a:latin typeface="Montserrat" pitchFamily="2" charset="77"/>
+              </a:rPr>
+              <a:t>model training</a:t>
+            </a:r>
+          </a:p>
+          <a:p>
+            <a:pPr marL="411798" lvl="0" indent="-228600" algn="l" rtl="0">
               <a:spcBef>
                 <a:spcPts val="0"/>
               </a:spcBef>
@@ -13930,13 +13560,14 @@
               <a:buAutoNum type="arabicPeriod"/>
             </a:pPr>
             <a:r>
-              <a:rPr lang="iw"/>
-              <a:t>Evaluation: The performance of the trained models was evaluated using metrics such as accuracy, precision, and recall. The proposed approach was found to outperform traditional methods in terms of accuracy, precision, and recall. The best performance was achieved by the DecisionTreeClassifier model with an accuracy of 0.984, a precision of 1.000, and a recall of 0.982.</a:t>
-            </a:r>
-            <a:endParaRPr/>
-          </a:p>
-          <a:p>
-            <a:pPr marL="457200" lvl="0" indent="-274002" algn="l" rtl="0">
+              <a:rPr lang="en-US" sz="1120" dirty="0">
+                <a:latin typeface="Montserrat" pitchFamily="2" charset="77"/>
+              </a:rPr>
+              <a:t>evaluation. </a:t>
+            </a:r>
+          </a:p>
+          <a:p>
+            <a:pPr marL="183198" lvl="0" indent="0" algn="l" rtl="0">
               <a:spcBef>
                 <a:spcPts val="0"/>
               </a:spcBef>
@@ -13944,53 +13575,177 @@
                 <a:spcPts val="0"/>
               </a:spcAft>
               <a:buSzPct val="100000"/>
-              <a:buAutoNum type="arabicPeriod"/>
-            </a:pPr>
-            <a:r>
-              <a:rPr lang="iw"/>
-              <a:t>Conclusion: The results of the experiments indicate that the proposed approach has the potential to be an effective method for detecting malware on mobile devices. However, there is still room for improvement and further research is needed to improve the accuracy and performance of the proposed method.</a:t>
-            </a:r>
-            <a:endParaRPr/>
-          </a:p>
-          <a:p>
-            <a:pPr marL="0" lvl="0" indent="0" algn="l" rtl="0">
-              <a:spcBef>
-                <a:spcPts val="1200"/>
-              </a:spcBef>
-              <a:spcAft>
-                <a:spcPts val="0"/>
-              </a:spcAft>
-              <a:buNone/>
-            </a:pPr>
-            <a:r>
-              <a:rPr lang="iw"/>
-              <a:t>Throughout the project, the team also wrote various scripts and helper functions to aid in the extraction, preprocessing and training of the data, and various other parts of the project to ensure smooth execution of the work.</a:t>
-            </a:r>
-            <a:endParaRPr/>
-          </a:p>
-          <a:p>
-            <a:pPr marL="0" lvl="0" indent="0" algn="l" rtl="0">
-              <a:spcBef>
-                <a:spcPts val="1200"/>
-              </a:spcBef>
-              <a:spcAft>
-                <a:spcPts val="0"/>
-              </a:spcAft>
-              <a:buNone/>
-            </a:pPr>
-            <a:endParaRPr/>
-          </a:p>
-          <a:p>
-            <a:pPr marL="0" lvl="0" indent="0" algn="l" rtl="0">
-              <a:spcBef>
-                <a:spcPts val="1200"/>
-              </a:spcBef>
-              <a:spcAft>
-                <a:spcPts val="1200"/>
-              </a:spcAft>
-              <a:buNone/>
-            </a:pPr>
-            <a:endParaRPr/>
+              <a:buNone/>
+            </a:pPr>
+            <a:br>
+              <a:rPr lang="en-US" sz="1120" dirty="0">
+                <a:latin typeface="Montserrat" pitchFamily="2" charset="77"/>
+              </a:rPr>
+            </a:br>
+            <a:r>
+              <a:rPr lang="en-US" sz="1120" dirty="0">
+                <a:latin typeface="Montserrat" pitchFamily="2" charset="77"/>
+              </a:rPr>
+              <a:t>The features were used to train machine learning models such as </a:t>
+            </a:r>
+            <a:br>
+              <a:rPr lang="en-US" sz="1120" dirty="0">
+                <a:latin typeface="Montserrat" pitchFamily="2" charset="77"/>
+              </a:rPr>
+            </a:br>
+            <a:r>
+              <a:rPr lang="en-US" sz="1120" dirty="0">
+                <a:latin typeface="Montserrat" pitchFamily="2" charset="77"/>
+              </a:rPr>
+              <a:t>1. SVM with a linear kernel</a:t>
+            </a:r>
+          </a:p>
+          <a:p>
+            <a:pPr marL="183198" lvl="0" indent="0" algn="l" rtl="0">
+              <a:spcBef>
+                <a:spcPts val="0"/>
+              </a:spcBef>
+              <a:spcAft>
+                <a:spcPts val="0"/>
+              </a:spcAft>
+              <a:buSzPct val="100000"/>
+              <a:buNone/>
+            </a:pPr>
+            <a:r>
+              <a:rPr lang="en-US" sz="1120" dirty="0">
+                <a:latin typeface="Montserrat" pitchFamily="2" charset="77"/>
+              </a:rPr>
+              <a:t>2. Logistic Regression</a:t>
+            </a:r>
+          </a:p>
+          <a:p>
+            <a:pPr marL="183198" lvl="0" indent="0" algn="l" rtl="0">
+              <a:spcBef>
+                <a:spcPts val="0"/>
+              </a:spcBef>
+              <a:spcAft>
+                <a:spcPts val="0"/>
+              </a:spcAft>
+              <a:buSzPct val="100000"/>
+              <a:buNone/>
+            </a:pPr>
+            <a:r>
+              <a:rPr lang="en-US" sz="1120" dirty="0">
+                <a:latin typeface="Montserrat" pitchFamily="2" charset="77"/>
+              </a:rPr>
+              <a:t>3. </a:t>
+            </a:r>
+            <a:r>
+              <a:rPr lang="en-US" sz="1120" dirty="0" err="1">
+                <a:latin typeface="Montserrat" pitchFamily="2" charset="77"/>
+              </a:rPr>
+              <a:t>KNeighborsClassifier</a:t>
+            </a:r>
+            <a:endParaRPr lang="en-US" sz="1120" dirty="0">
+              <a:latin typeface="Montserrat" pitchFamily="2" charset="77"/>
+            </a:endParaRPr>
+          </a:p>
+          <a:p>
+            <a:pPr marL="183198" lvl="0" indent="0" algn="l" rtl="0">
+              <a:spcBef>
+                <a:spcPts val="0"/>
+              </a:spcBef>
+              <a:spcAft>
+                <a:spcPts val="0"/>
+              </a:spcAft>
+              <a:buSzPct val="100000"/>
+              <a:buNone/>
+            </a:pPr>
+            <a:r>
+              <a:rPr lang="en-US" sz="1120" dirty="0">
+                <a:latin typeface="Montserrat" pitchFamily="2" charset="77"/>
+              </a:rPr>
+              <a:t>4. </a:t>
+            </a:r>
+            <a:r>
+              <a:rPr lang="en-US" sz="1120" dirty="0" err="1">
+                <a:latin typeface="Montserrat" pitchFamily="2" charset="77"/>
+              </a:rPr>
+              <a:t>DecisionTreeClassifier</a:t>
+            </a:r>
+            <a:endParaRPr lang="en-US" sz="1120" dirty="0">
+              <a:latin typeface="Montserrat" pitchFamily="2" charset="77"/>
+            </a:endParaRPr>
+          </a:p>
+          <a:p>
+            <a:pPr marL="183198" lvl="0" indent="0" algn="l" rtl="0">
+              <a:spcBef>
+                <a:spcPts val="0"/>
+              </a:spcBef>
+              <a:spcAft>
+                <a:spcPts val="0"/>
+              </a:spcAft>
+              <a:buSzPct val="100000"/>
+              <a:buNone/>
+            </a:pPr>
+            <a:r>
+              <a:rPr lang="en-US" sz="1120" dirty="0">
+                <a:latin typeface="Montserrat" pitchFamily="2" charset="77"/>
+              </a:rPr>
+              <a:t>5. </a:t>
+            </a:r>
+            <a:r>
+              <a:rPr lang="en-US" sz="1120" dirty="0" err="1">
+                <a:latin typeface="Montserrat" pitchFamily="2" charset="77"/>
+              </a:rPr>
+              <a:t>GradientBoostingClassifier</a:t>
+            </a:r>
+            <a:r>
+              <a:rPr lang="en-US" sz="1120" dirty="0">
+                <a:latin typeface="Montserrat" pitchFamily="2" charset="77"/>
+              </a:rPr>
+              <a:t>. </a:t>
+            </a:r>
+          </a:p>
+          <a:p>
+            <a:pPr marL="183198" lvl="0" indent="0" algn="l" rtl="0">
+              <a:spcBef>
+                <a:spcPts val="0"/>
+              </a:spcBef>
+              <a:spcAft>
+                <a:spcPts val="0"/>
+              </a:spcAft>
+              <a:buSzPct val="100000"/>
+              <a:buNone/>
+            </a:pPr>
+            <a:endParaRPr lang="en-US" sz="1120" dirty="0">
+              <a:latin typeface="Montserrat" pitchFamily="2" charset="77"/>
+            </a:endParaRPr>
+          </a:p>
+          <a:p>
+            <a:pPr marL="183198" lvl="0" indent="0" algn="l" rtl="0">
+              <a:spcBef>
+                <a:spcPts val="0"/>
+              </a:spcBef>
+              <a:spcAft>
+                <a:spcPts val="0"/>
+              </a:spcAft>
+              <a:buSzPct val="100000"/>
+              <a:buNone/>
+            </a:pPr>
+            <a:r>
+              <a:rPr lang="en-US" sz="1120" dirty="0">
+                <a:latin typeface="Montserrat" pitchFamily="2" charset="77"/>
+              </a:rPr>
+              <a:t>The performance of the models was evaluated using metrics such as accuracy, precision, and recall. The best performance was achieved by the </a:t>
+            </a:r>
+            <a:r>
+              <a:rPr lang="en-US" sz="1120" dirty="0" err="1">
+                <a:latin typeface="Montserrat" pitchFamily="2" charset="77"/>
+              </a:rPr>
+              <a:t>DecisionTreeClassifier</a:t>
+            </a:r>
+            <a:r>
+              <a:rPr lang="en-US" sz="1120" dirty="0">
+                <a:latin typeface="Montserrat" pitchFamily="2" charset="77"/>
+              </a:rPr>
+              <a:t> model with an accuracy of 0.984, a precision of 1.000, and a recall of 0.982. The proposed approach was found to outperform traditional methods in terms of accuracy, precision, and recall, but there is still room for improvement. We also wrote various scripts and helper functions throughout the project to ensure smooth execution.</a:t>
+            </a:r>
           </a:p>
         </p:txBody>
       </p:sp>
@@ -14003,199 +13758,6 @@
 </file>
 
 <file path=ppt/slides/slide7.xml><?xml version="1.0" encoding="utf-8"?>
-<p:sld xmlns:a="http://schemas.openxmlformats.org/drawingml/2006/main" xmlns:r="http://schemas.openxmlformats.org/officeDocument/2006/relationships" xmlns:p="http://schemas.openxmlformats.org/presentationml/2006/main">
-  <p:cSld>
-    <p:spTree>
-      <p:nvGrpSpPr>
-        <p:cNvPr id="1" name="Shape 164"/>
-        <p:cNvGrpSpPr/>
-        <p:nvPr/>
-      </p:nvGrpSpPr>
-      <p:grpSpPr>
-        <a:xfrm>
-          <a:off x="0" y="0"/>
-          <a:ext cx="0" cy="0"/>
-          <a:chOff x="0" y="0"/>
-          <a:chExt cx="0" cy="0"/>
-        </a:xfrm>
-      </p:grpSpPr>
-      <p:sp>
-        <p:nvSpPr>
-          <p:cNvPr id="165" name="Google Shape;165;p18"/>
-          <p:cNvSpPr txBox="1">
-            <a:spLocks noGrp="1"/>
-          </p:cNvSpPr>
-          <p:nvPr>
-            <p:ph type="title"/>
-          </p:nvPr>
-        </p:nvSpPr>
-        <p:spPr>
-          <a:xfrm>
-            <a:off x="1297500" y="393750"/>
-            <a:ext cx="7038900" cy="914100"/>
-          </a:xfrm>
-          <a:prstGeom prst="rect">
-            <a:avLst/>
-          </a:prstGeom>
-        </p:spPr>
-        <p:txBody>
-          <a:bodyPr spcFirstLastPara="1" wrap="square" lIns="91425" tIns="91425" rIns="91425" bIns="91425" anchor="t" anchorCtr="0">
-            <a:normAutofit/>
-          </a:bodyPr>
-          <a:lstStyle/>
-          <a:p>
-            <a:pPr marL="0" lvl="0" indent="0" algn="l" rtl="0">
-              <a:spcBef>
-                <a:spcPts val="0"/>
-              </a:spcBef>
-              <a:spcAft>
-                <a:spcPts val="0"/>
-              </a:spcAft>
-              <a:buNone/>
-            </a:pPr>
-            <a:r>
-              <a:rPr lang="iw"/>
-              <a:t>Analyzing the database</a:t>
-            </a:r>
-            <a:endParaRPr/>
-          </a:p>
-          <a:p>
-            <a:pPr marL="0" lvl="0" indent="0" algn="l" rtl="0">
-              <a:spcBef>
-                <a:spcPts val="0"/>
-              </a:spcBef>
-              <a:spcAft>
-                <a:spcPts val="0"/>
-              </a:spcAft>
-              <a:buNone/>
-            </a:pPr>
-            <a:endParaRPr/>
-          </a:p>
-          <a:p>
-            <a:pPr marL="0" lvl="0" indent="0" algn="l" rtl="0">
-              <a:spcBef>
-                <a:spcPts val="0"/>
-              </a:spcBef>
-              <a:spcAft>
-                <a:spcPts val="0"/>
-              </a:spcAft>
-              <a:buNone/>
-            </a:pPr>
-            <a:endParaRPr/>
-          </a:p>
-        </p:txBody>
-      </p:sp>
-      <p:sp>
-        <p:nvSpPr>
-          <p:cNvPr id="166" name="Google Shape;166;p18"/>
-          <p:cNvSpPr txBox="1">
-            <a:spLocks noGrp="1"/>
-          </p:cNvSpPr>
-          <p:nvPr>
-            <p:ph type="body" idx="1"/>
-          </p:nvPr>
-        </p:nvSpPr>
-        <p:spPr>
-          <a:xfrm>
-            <a:off x="1297500" y="1567550"/>
-            <a:ext cx="7038900" cy="2911200"/>
-          </a:xfrm>
-          <a:prstGeom prst="rect">
-            <a:avLst/>
-          </a:prstGeom>
-        </p:spPr>
-        <p:txBody>
-          <a:bodyPr spcFirstLastPara="1" wrap="square" lIns="91425" tIns="91425" rIns="91425" bIns="91425" anchor="t" anchorCtr="0">
-            <a:normAutofit fontScale="77500" lnSpcReduction="20000"/>
-          </a:bodyPr>
-          <a:lstStyle/>
-          <a:p>
-            <a:pPr marL="0" lvl="0" indent="0" algn="l" rtl="0">
-              <a:spcBef>
-                <a:spcPts val="0"/>
-              </a:spcBef>
-              <a:spcAft>
-                <a:spcPts val="0"/>
-              </a:spcAft>
-              <a:buNone/>
-            </a:pPr>
-            <a:r>
-              <a:rPr lang="iw"/>
-              <a:t>An important aspect of the project was the analysis of the database of information that was collected. The database consisted of 1817 Android applications, with 165 of them labeled as malicious and 1652 labeled as benign. The team had to thoroughly examine the information in the database in order to extract relevant features that could be used to train the machine learning model. This required a deep understanding of the data and the ability to identify patterns and trends within it.</a:t>
-            </a:r>
-            <a:endParaRPr/>
-          </a:p>
-          <a:p>
-            <a:pPr marL="0" lvl="0" indent="0" algn="l" rtl="0">
-              <a:spcBef>
-                <a:spcPts val="1200"/>
-              </a:spcBef>
-              <a:spcAft>
-                <a:spcPts val="0"/>
-              </a:spcAft>
-              <a:buNone/>
-            </a:pPr>
-            <a:r>
-              <a:rPr lang="iw"/>
-              <a:t>The team used various techniques to analyze the database such as statistical analysis and data visualization. They also wrote various scripts and helper functions to aid in the extraction and preprocessing of the data. These scripts and functions helped to automate the process of data extraction and ensured that the data was in a format that could be easily used for training the machine learning model.</a:t>
-            </a:r>
-            <a:endParaRPr/>
-          </a:p>
-          <a:p>
-            <a:pPr marL="0" lvl="0" indent="0" algn="l" rtl="0">
-              <a:spcBef>
-                <a:spcPts val="1200"/>
-              </a:spcBef>
-              <a:spcAft>
-                <a:spcPts val="0"/>
-              </a:spcAft>
-              <a:buNone/>
-            </a:pPr>
-            <a:r>
-              <a:rPr lang="iw"/>
-              <a:t>The team also had to carefully evaluate the quality of the data and check for any inconsistencies or errors. This was an important step as any errors or inconsistencies in the data could negatively impact the performance of the machine learning model. The team had to clean and preprocess the data in order to ensure that it was of high quality and suitable for training the model.</a:t>
-            </a:r>
-            <a:endParaRPr/>
-          </a:p>
-          <a:p>
-            <a:pPr marL="0" lvl="0" indent="0" algn="l" rtl="0">
-              <a:spcBef>
-                <a:spcPts val="1200"/>
-              </a:spcBef>
-              <a:spcAft>
-                <a:spcPts val="0"/>
-              </a:spcAft>
-              <a:buNone/>
-            </a:pPr>
-            <a:r>
-              <a:rPr lang="iw"/>
-              <a:t>Overall, the analysis and preparation of the database was a crucial part of the project. It required a thorough understanding of the data and the ability to manipulate and work with it in order to extract relevant features. The team had to be diligent in their work and pay close attention to detail in order to ensure that the data was of high quality and suitable for training the machine learning model.</a:t>
-            </a:r>
-            <a:endParaRPr/>
-          </a:p>
-          <a:p>
-            <a:pPr marL="0" lvl="0" indent="0" algn="l" rtl="0">
-              <a:spcBef>
-                <a:spcPts val="1200"/>
-              </a:spcBef>
-              <a:spcAft>
-                <a:spcPts val="1200"/>
-              </a:spcAft>
-              <a:buNone/>
-            </a:pPr>
-            <a:endParaRPr/>
-          </a:p>
-        </p:txBody>
-      </p:sp>
-    </p:spTree>
-  </p:cSld>
-  <p:clrMapOvr>
-    <a:masterClrMapping/>
-  </p:clrMapOvr>
-</p:sld>
-</file>
-
-<file path=ppt/slides/slide8.xml><?xml version="1.0" encoding="utf-8"?>
 <p:sld xmlns:a="http://schemas.openxmlformats.org/drawingml/2006/main" xmlns:r="http://schemas.openxmlformats.org/officeDocument/2006/relationships" xmlns:p="http://schemas.openxmlformats.org/presentationml/2006/main">
   <p:cSld>
     <p:spTree>
@@ -14247,10 +13809,14 @@
               <a:buNone/>
             </a:pPr>
             <a:r>
-              <a:rPr lang="iw"/>
+              <a:rPr lang="iw" dirty="0">
+                <a:latin typeface="Montserrat" pitchFamily="2" charset="77"/>
+              </a:rPr>
               <a:t>Information fragmentation</a:t>
             </a:r>
-            <a:endParaRPr/>
+            <a:endParaRPr dirty="0">
+              <a:latin typeface="Montserrat" pitchFamily="2" charset="77"/>
+            </a:endParaRPr>
           </a:p>
           <a:p>
             <a:pPr marL="0" lvl="0" indent="0" algn="l" rtl="0">
@@ -14262,7 +13828,9 @@
               </a:spcAft>
               <a:buNone/>
             </a:pPr>
-            <a:endParaRPr/>
+            <a:endParaRPr dirty="0">
+              <a:latin typeface="Montserrat" pitchFamily="2" charset="77"/>
+            </a:endParaRPr>
           </a:p>
           <a:p>
             <a:pPr marL="0" lvl="0" indent="0" algn="l" rtl="0">
@@ -14274,7 +13842,9 @@
               </a:spcAft>
               <a:buNone/>
             </a:pPr>
-            <a:endParaRPr/>
+            <a:endParaRPr dirty="0">
+              <a:latin typeface="Montserrat" pitchFamily="2" charset="77"/>
+            </a:endParaRPr>
           </a:p>
         </p:txBody>
       </p:sp>
@@ -14299,7 +13869,7 @@
         </p:spPr>
         <p:txBody>
           <a:bodyPr spcFirstLastPara="1" wrap="square" lIns="91425" tIns="91425" rIns="91425" bIns="91425" anchor="t" anchorCtr="0">
-            <a:normAutofit fontScale="77500" lnSpcReduction="20000"/>
+            <a:normAutofit fontScale="92500" lnSpcReduction="20000"/>
           </a:bodyPr>
           <a:lstStyle/>
           <a:p>
@@ -14313,58 +13883,106 @@
               <a:buNone/>
             </a:pPr>
             <a:r>
-              <a:rPr lang="iw"/>
-              <a:t>Information fragmentation refers to the process of breaking down data into smaller, more manageable chunks. This can be useful in a variety of contexts, including data analysis, storage, and retrieval. In this project, the team had to deal with a large amount of data, and therefore fragmentation of the data was an important step in order to make it more manageable.</a:t>
-            </a:r>
-            <a:endParaRPr/>
+              <a:rPr lang="en-US" sz="1120" b="0" i="0" dirty="0">
+                <a:solidFill>
+                  <a:srgbClr val="D1D5DB"/>
+                </a:solidFill>
+                <a:effectLst/>
+                <a:latin typeface="Montserrat" pitchFamily="2" charset="77"/>
+                <a:ea typeface="Lato" panose="020F0502020204030203" pitchFamily="34" charset="0"/>
+                <a:cs typeface="Lato" panose="020F0502020204030203" pitchFamily="34" charset="0"/>
+              </a:rPr>
+              <a:t>In summary, information fragmentation was used in this project to break down a large dataset of Android applications into smaller, more manageable chunks. This helped the team to easily extract relevant features, perform in-depth analysis, and store and retrieve data efficiently. </a:t>
+            </a:r>
           </a:p>
           <a:p>
             <a:pPr marL="0" lvl="0" indent="0" algn="l" rtl="0">
               <a:spcBef>
-                <a:spcPts val="1200"/>
-              </a:spcBef>
-              <a:spcAft>
-                <a:spcPts val="0"/>
-              </a:spcAft>
-              <a:buNone/>
-            </a:pPr>
-            <a:r>
-              <a:rPr lang="iw"/>
-              <a:t>One of the key challenges of working with large datasets is the sheer volume of data, which can make it difficult to extract meaningful insights or perform complex operations. By breaking the data down into smaller chunks, the team was able to more easily work with it and extract relevant features. This made it possible to perform more in-depth analysis and gain a better understanding of the data.</a:t>
-            </a:r>
-            <a:endParaRPr/>
+                <a:spcPts val="0"/>
+              </a:spcBef>
+              <a:spcAft>
+                <a:spcPts val="0"/>
+              </a:spcAft>
+              <a:buNone/>
+            </a:pPr>
+            <a:r>
+              <a:rPr lang="en-US" sz="1120" b="0" i="0" dirty="0">
+                <a:solidFill>
+                  <a:srgbClr val="D1D5DB"/>
+                </a:solidFill>
+                <a:effectLst/>
+                <a:latin typeface="Montserrat" pitchFamily="2" charset="77"/>
+                <a:ea typeface="Lato" panose="020F0502020204030203" pitchFamily="34" charset="0"/>
+                <a:cs typeface="Lato" panose="020F0502020204030203" pitchFamily="34" charset="0"/>
+              </a:rPr>
+              <a:t>It played a crucial role in making the data usable for training the machine learning model.</a:t>
+            </a:r>
           </a:p>
           <a:p>
             <a:pPr marL="0" lvl="0" indent="0" algn="l" rtl="0">
               <a:spcBef>
-                <a:spcPts val="1200"/>
-              </a:spcBef>
-              <a:spcAft>
-                <a:spcPts val="0"/>
-              </a:spcAft>
-              <a:buNone/>
-            </a:pPr>
-            <a:r>
-              <a:rPr lang="iw"/>
-              <a:t>Another advantage of information fragmentation is the ability to store and retrieve data more efficiently. By breaking the data down into smaller chunks, it becomes possible to store it in a more compact and organized format. This can be particularly useful when working with large datasets, as it can help to reduce the amount of storage space required. Additionally, fragmentation can make it easier to access specific pieces of data, which can be especially useful when working with large datasets.</a:t>
-            </a:r>
-            <a:endParaRPr/>
+                <a:spcPts val="0"/>
+              </a:spcBef>
+              <a:spcAft>
+                <a:spcPts val="0"/>
+              </a:spcAft>
+              <a:buNone/>
+            </a:pPr>
+            <a:endParaRPr lang="en-US" sz="1120" dirty="0">
+              <a:solidFill>
+                <a:srgbClr val="D1D5DB"/>
+              </a:solidFill>
+              <a:latin typeface="Montserrat" pitchFamily="2" charset="77"/>
+              <a:ea typeface="Lato" panose="020F0502020204030203" pitchFamily="34" charset="0"/>
+              <a:cs typeface="Lato" panose="020F0502020204030203" pitchFamily="34" charset="0"/>
+            </a:endParaRPr>
+          </a:p>
+          <a:p>
+            <a:pPr marL="0" indent="0">
+              <a:buNone/>
+            </a:pPr>
+            <a:r>
+              <a:rPr lang="en-US" sz="1400" b="0" i="0" dirty="0">
+                <a:solidFill>
+                  <a:srgbClr val="D1D5DB"/>
+                </a:solidFill>
+                <a:effectLst/>
+                <a:latin typeface="Montserrat" pitchFamily="2" charset="77"/>
+                <a:ea typeface="Lato" panose="020F0502020204030203" pitchFamily="34" charset="0"/>
+                <a:cs typeface="Lato" panose="020F0502020204030203" pitchFamily="34" charset="0"/>
+              </a:rPr>
+              <a:t>Information fragmentation was crucial in this project as it helped the team break down the large dataset of 1817 Android applications into smaller chunks for better management, analysis, and storage. Scripts and helper functions were written to aid in data extraction and preprocessing, allowing for targeted analysis of specific aspects such as categories and API calls. This helped identify patterns and trends relevant to malware detection, and improved the performance of the machine-learning models. Overall, fragmentation played a key role in effectively working with the data and achieving accurate results.</a:t>
+            </a:r>
           </a:p>
           <a:p>
             <a:pPr marL="0" lvl="0" indent="0" algn="l" rtl="0">
               <a:spcBef>
-                <a:spcPts val="1200"/>
-              </a:spcBef>
-              <a:spcAft>
-                <a:spcPts val="1200"/>
-              </a:spcAft>
-              <a:buNone/>
-            </a:pPr>
-            <a:r>
-              <a:rPr lang="iw"/>
-              <a:t>In this project, the team used fragmentation to extract features from the applications, such as sha256, label, app_permissions, api_permissions, api_calls, activities, s_and_r, interesting_calls and more..</a:t>
-            </a:r>
-            <a:endParaRPr/>
+                <a:spcPts val="0"/>
+              </a:spcBef>
+              <a:spcAft>
+                <a:spcPts val="0"/>
+              </a:spcAft>
+              <a:buNone/>
+            </a:pPr>
+            <a:br>
+              <a:rPr lang="en-US" b="0" i="0" dirty="0">
+                <a:solidFill>
+                  <a:srgbClr val="D1D5DB"/>
+                </a:solidFill>
+                <a:effectLst/>
+                <a:latin typeface="Montserrat" pitchFamily="2" charset="77"/>
+                <a:ea typeface="Lato" panose="020F0502020204030203" pitchFamily="34" charset="0"/>
+                <a:cs typeface="Lato" panose="020F0502020204030203" pitchFamily="34" charset="0"/>
+              </a:rPr>
+            </a:br>
+            <a:endParaRPr lang="en-US" sz="1120" dirty="0">
+              <a:solidFill>
+                <a:srgbClr val="D1D5DB"/>
+              </a:solidFill>
+              <a:latin typeface="Montserrat" pitchFamily="2" charset="77"/>
+              <a:ea typeface="Lato" panose="020F0502020204030203" pitchFamily="34" charset="0"/>
+              <a:cs typeface="Lato" panose="020F0502020204030203" pitchFamily="34" charset="0"/>
+            </a:endParaRPr>
           </a:p>
         </p:txBody>
       </p:sp>
@@ -14376,12 +13994,12 @@
 </p:sld>
 </file>
 
-<file path=ppt/slides/slide9.xml><?xml version="1.0" encoding="utf-8"?>
+<file path=ppt/slides/slide8.xml><?xml version="1.0" encoding="utf-8"?>
 <p:sld xmlns:a="http://schemas.openxmlformats.org/drawingml/2006/main" xmlns:r="http://schemas.openxmlformats.org/officeDocument/2006/relationships" xmlns:p="http://schemas.openxmlformats.org/presentationml/2006/main">
   <p:cSld>
     <p:spTree>
       <p:nvGrpSpPr>
-        <p:cNvPr id="1" name="Shape 176"/>
+        <p:cNvPr id="1" name="Shape 182"/>
         <p:cNvGrpSpPr/>
         <p:nvPr/>
       </p:nvGrpSpPr>
@@ -14395,7 +14013,7 @@
       </p:grpSpPr>
       <p:sp>
         <p:nvSpPr>
-          <p:cNvPr id="177" name="Google Shape;177;p20"/>
+          <p:cNvPr id="183" name="Google Shape;183;p21"/>
           <p:cNvSpPr txBox="1">
             <a:spLocks noGrp="1"/>
           </p:cNvSpPr>
@@ -14428,10 +14046,14 @@
               <a:buNone/>
             </a:pPr>
             <a:r>
-              <a:rPr lang="iw"/>
-              <a:t>Information fragmentation</a:t>
-            </a:r>
-            <a:endParaRPr/>
+              <a:rPr lang="iw">
+                <a:latin typeface="Montserrat" pitchFamily="2" charset="77"/>
+              </a:rPr>
+              <a:t>Algorithms</a:t>
+            </a:r>
+            <a:endParaRPr>
+              <a:latin typeface="Montserrat" pitchFamily="2" charset="77"/>
+            </a:endParaRPr>
           </a:p>
           <a:p>
             <a:pPr marL="0" lvl="0" indent="0" algn="l" rtl="0">
@@ -14443,7 +14065,9 @@
               </a:spcAft>
               <a:buNone/>
             </a:pPr>
-            <a:endParaRPr/>
+            <a:endParaRPr>
+              <a:latin typeface="Montserrat" pitchFamily="2" charset="77"/>
+            </a:endParaRPr>
           </a:p>
           <a:p>
             <a:pPr marL="0" lvl="0" indent="0" algn="l" rtl="0">
@@ -14455,13 +14079,15 @@
               </a:spcAft>
               <a:buNone/>
             </a:pPr>
-            <a:endParaRPr/>
+            <a:endParaRPr>
+              <a:latin typeface="Montserrat" pitchFamily="2" charset="77"/>
+            </a:endParaRPr>
           </a:p>
         </p:txBody>
       </p:sp>
       <p:sp>
         <p:nvSpPr>
-          <p:cNvPr id="178" name="Google Shape;178;p20"/>
+          <p:cNvPr id="184" name="Google Shape;184;p21"/>
           <p:cNvSpPr txBox="1">
             <a:spLocks noGrp="1"/>
           </p:cNvSpPr>
@@ -14480,7 +14106,7 @@
         </p:spPr>
         <p:txBody>
           <a:bodyPr spcFirstLastPara="1" wrap="square" lIns="91425" tIns="91425" rIns="91425" bIns="91425" anchor="t" anchorCtr="0">
-            <a:normAutofit fontScale="92500" lnSpcReduction="20000"/>
+            <a:normAutofit/>
           </a:bodyPr>
           <a:lstStyle/>
           <a:p>
@@ -14494,70 +14120,252 @@
               <a:buNone/>
             </a:pPr>
             <a:r>
-              <a:rPr lang="iw"/>
-              <a:t>the applications and store them in a more manageable format. They also wrote various scripts and helper functions to aid in the extraction and preprocessing of the data, which allowed them to break down the data into smaller chunks and work with it more efficiently.</a:t>
-            </a:r>
-            <a:endParaRPr/>
+              <a:rPr lang="en-US" sz="1120" dirty="0">
+                <a:latin typeface="Montserrat" pitchFamily="2" charset="77"/>
+              </a:rPr>
+              <a:t>In this project, various machine learning models were trained to detect Android malware. Each model had its own strengths and weaknesses and the team had to evaluate their performance using metrics like accuracy, precision and recall. SVM had an accuracy of 0.780 and Logistic Regression had an accuracy of 0.835. However, the solver failed to converge in SVM and a convergence warning was received. The best performance was achieved by </a:t>
+            </a:r>
+            <a:r>
+              <a:rPr lang="en-US" sz="1120" dirty="0" err="1">
+                <a:latin typeface="Montserrat" pitchFamily="2" charset="77"/>
+              </a:rPr>
+              <a:t>DecisionTreeClassifier</a:t>
+            </a:r>
+            <a:r>
+              <a:rPr lang="en-US" sz="1120" dirty="0">
+                <a:latin typeface="Montserrat" pitchFamily="2" charset="77"/>
+              </a:rPr>
+              <a:t> with an accuracy of 0.984.</a:t>
+            </a:r>
           </a:p>
           <a:p>
             <a:pPr marL="0" lvl="0" indent="0" algn="l" rtl="0">
               <a:spcBef>
-                <a:spcPts val="1200"/>
-              </a:spcBef>
-              <a:spcAft>
-                <a:spcPts val="0"/>
-              </a:spcAft>
-              <a:buNone/>
-            </a:pPr>
-            <a:r>
-              <a:rPr lang="iw"/>
-              <a:t>Furthermore, fragmentation also allowed the team to focus on specific aspects of the data, such as the categories of the applications and the Android API calls, which helped them identify patterns and trends in the data that were relevant to the task of malware detection.</a:t>
-            </a:r>
-            <a:endParaRPr/>
-          </a:p>
+                <a:spcPts val="0"/>
+              </a:spcBef>
+              <a:spcAft>
+                <a:spcPts val="0"/>
+              </a:spcAft>
+              <a:buNone/>
+            </a:pPr>
+            <a:endParaRPr lang="en-US" sz="1120" dirty="0">
+              <a:latin typeface="Montserrat" pitchFamily="2" charset="77"/>
+            </a:endParaRPr>
+          </a:p>
+        </p:txBody>
+      </p:sp>
+    </p:spTree>
+  </p:cSld>
+  <p:clrMapOvr>
+    <a:masterClrMapping/>
+  </p:clrMapOvr>
+</p:sld>
+</file>
+
+<file path=ppt/slides/slide9.xml><?xml version="1.0" encoding="utf-8"?>
+<p:sld xmlns:a="http://schemas.openxmlformats.org/drawingml/2006/main" xmlns:r="http://schemas.openxmlformats.org/officeDocument/2006/relationships" xmlns:p="http://schemas.openxmlformats.org/presentationml/2006/main">
+  <p:cSld>
+    <p:spTree>
+      <p:nvGrpSpPr>
+        <p:cNvPr id="1" name="Shape 188"/>
+        <p:cNvGrpSpPr/>
+        <p:nvPr/>
+      </p:nvGrpSpPr>
+      <p:grpSpPr>
+        <a:xfrm>
+          <a:off x="0" y="0"/>
+          <a:ext cx="0" cy="0"/>
+          <a:chOff x="0" y="0"/>
+          <a:chExt cx="0" cy="0"/>
+        </a:xfrm>
+      </p:grpSpPr>
+      <p:sp>
+        <p:nvSpPr>
+          <p:cNvPr id="189" name="Google Shape;189;p22"/>
+          <p:cNvSpPr txBox="1">
+            <a:spLocks noGrp="1"/>
+          </p:cNvSpPr>
+          <p:nvPr>
+            <p:ph type="title"/>
+          </p:nvPr>
+        </p:nvSpPr>
+        <p:spPr>
+          <a:xfrm>
+            <a:off x="1297500" y="393750"/>
+            <a:ext cx="7038900" cy="914100"/>
+          </a:xfrm>
+          <a:prstGeom prst="rect">
+            <a:avLst/>
+          </a:prstGeom>
+        </p:spPr>
+        <p:txBody>
+          <a:bodyPr spcFirstLastPara="1" wrap="square" lIns="91425" tIns="91425" rIns="91425" bIns="91425" anchor="t" anchorCtr="0">
+            <a:normAutofit/>
+          </a:bodyPr>
+          <a:lstStyle/>
           <a:p>
             <a:pPr marL="0" lvl="0" indent="0" algn="l" rtl="0">
               <a:spcBef>
-                <a:spcPts val="1200"/>
-              </a:spcBef>
-              <a:spcAft>
-                <a:spcPts val="0"/>
-              </a:spcAft>
-              <a:buNone/>
-            </a:pPr>
-            <a:r>
-              <a:rPr lang="iw"/>
-              <a:t>Additionally, by fragmenting the data, the team was able to perform more targeted analysis and testing of the machine learning models. This helped to improve the performance of the models and achieve more accurate results.</a:t>
-            </a:r>
-            <a:endParaRPr/>
+                <a:spcPts val="0"/>
+              </a:spcBef>
+              <a:spcAft>
+                <a:spcPts val="0"/>
+              </a:spcAft>
+              <a:buNone/>
+            </a:pPr>
+            <a:r>
+              <a:rPr lang="iw">
+                <a:latin typeface="Montserrat" pitchFamily="2" charset="77"/>
+              </a:rPr>
+              <a:t>Algorithms</a:t>
+            </a:r>
+            <a:endParaRPr>
+              <a:latin typeface="Montserrat" pitchFamily="2" charset="77"/>
+            </a:endParaRPr>
           </a:p>
           <a:p>
             <a:pPr marL="0" lvl="0" indent="0" algn="l" rtl="0">
               <a:spcBef>
-                <a:spcPts val="1200"/>
-              </a:spcBef>
-              <a:spcAft>
-                <a:spcPts val="0"/>
-              </a:spcAft>
-              <a:buNone/>
-            </a:pPr>
-            <a:r>
-              <a:rPr lang="iw"/>
-              <a:t>Overall, information fragmentation was an important step in the project as it allowed the team to more effectively work with the large dataset of Android applications. It enabled them to extract relevant features, improve the performance of the machine learning models, and gain a deeper understanding of the data.</a:t>
-            </a:r>
-            <a:endParaRPr/>
+                <a:spcPts val="0"/>
+              </a:spcBef>
+              <a:spcAft>
+                <a:spcPts val="0"/>
+              </a:spcAft>
+              <a:buNone/>
+            </a:pPr>
+            <a:endParaRPr>
+              <a:latin typeface="Montserrat" pitchFamily="2" charset="77"/>
+            </a:endParaRPr>
           </a:p>
           <a:p>
             <a:pPr marL="0" lvl="0" indent="0" algn="l" rtl="0">
               <a:spcBef>
-                <a:spcPts val="1200"/>
-              </a:spcBef>
-              <a:spcAft>
-                <a:spcPts val="1200"/>
-              </a:spcAft>
-              <a:buNone/>
-            </a:pPr>
-            <a:endParaRPr/>
+                <a:spcPts val="0"/>
+              </a:spcBef>
+              <a:spcAft>
+                <a:spcPts val="0"/>
+              </a:spcAft>
+              <a:buNone/>
+            </a:pPr>
+            <a:endParaRPr>
+              <a:latin typeface="Montserrat" pitchFamily="2" charset="77"/>
+            </a:endParaRPr>
+          </a:p>
+        </p:txBody>
+      </p:sp>
+      <p:sp>
+        <p:nvSpPr>
+          <p:cNvPr id="190" name="Google Shape;190;p22"/>
+          <p:cNvSpPr txBox="1">
+            <a:spLocks noGrp="1"/>
+          </p:cNvSpPr>
+          <p:nvPr>
+            <p:ph type="body" idx="1"/>
+          </p:nvPr>
+        </p:nvSpPr>
+        <p:spPr>
+          <a:xfrm>
+            <a:off x="1297500" y="1567550"/>
+            <a:ext cx="7038900" cy="2911200"/>
+          </a:xfrm>
+          <a:prstGeom prst="rect">
+            <a:avLst/>
+          </a:prstGeom>
+        </p:spPr>
+        <p:txBody>
+          <a:bodyPr spcFirstLastPara="1" wrap="square" lIns="91425" tIns="91425" rIns="91425" bIns="91425" anchor="t" anchorCtr="0">
+            <a:normAutofit/>
+          </a:bodyPr>
+          <a:lstStyle/>
+          <a:p>
+            <a:pPr marL="0" lvl="0" indent="0" algn="l" rtl="0">
+              <a:spcBef>
+                <a:spcPts val="0"/>
+              </a:spcBef>
+              <a:spcAft>
+                <a:spcPts val="0"/>
+              </a:spcAft>
+              <a:buNone/>
+            </a:pPr>
+            <a:r>
+              <a:rPr lang="en-US" sz="1120" dirty="0">
+                <a:latin typeface="Montserrat" pitchFamily="2" charset="77"/>
+              </a:rPr>
+              <a:t>In this project, various machine learning algorithms were used to train models for Android malware detection, including: SVM, Logistic Regression, </a:t>
+            </a:r>
+            <a:r>
+              <a:rPr lang="en-US" sz="1120" dirty="0" err="1">
+                <a:latin typeface="Montserrat" pitchFamily="2" charset="77"/>
+              </a:rPr>
+              <a:t>KNeighborsClassifier</a:t>
+            </a:r>
+            <a:r>
+              <a:rPr lang="en-US" sz="1120" dirty="0">
+                <a:latin typeface="Montserrat" pitchFamily="2" charset="77"/>
+              </a:rPr>
+              <a:t>, </a:t>
+            </a:r>
+            <a:r>
+              <a:rPr lang="en-US" sz="1120" dirty="0" err="1">
+                <a:latin typeface="Montserrat" pitchFamily="2" charset="77"/>
+              </a:rPr>
+              <a:t>DecisionTreeClassifier</a:t>
+            </a:r>
+            <a:r>
+              <a:rPr lang="en-US" sz="1120" dirty="0">
+                <a:latin typeface="Montserrat" pitchFamily="2" charset="77"/>
+              </a:rPr>
+              <a:t>, and </a:t>
+            </a:r>
+            <a:r>
+              <a:rPr lang="en-US" sz="1120" dirty="0" err="1">
+                <a:latin typeface="Montserrat" pitchFamily="2" charset="77"/>
+              </a:rPr>
+              <a:t>GradientBoostingClassifier</a:t>
+            </a:r>
+            <a:r>
+              <a:rPr lang="en-US" sz="1120" dirty="0">
+                <a:latin typeface="Montserrat" pitchFamily="2" charset="77"/>
+              </a:rPr>
+              <a:t>.</a:t>
+            </a:r>
+            <a:br>
+              <a:rPr lang="en-US" sz="1120" dirty="0">
+                <a:latin typeface="Montserrat" pitchFamily="2" charset="77"/>
+              </a:rPr>
+            </a:br>
+            <a:r>
+              <a:rPr lang="en-US" sz="1120" dirty="0">
+                <a:latin typeface="Montserrat" pitchFamily="2" charset="77"/>
+              </a:rPr>
+              <a:t>Each algorithm had its strengths and weaknesses. We evaluated the results and found that </a:t>
+            </a:r>
+            <a:r>
+              <a:rPr lang="en-US" sz="1120" dirty="0" err="1">
+                <a:latin typeface="Montserrat" pitchFamily="2" charset="77"/>
+              </a:rPr>
+              <a:t>DecisionTreeClassifier</a:t>
+            </a:r>
+            <a:r>
+              <a:rPr lang="en-US" sz="1120" dirty="0">
+                <a:latin typeface="Montserrat" pitchFamily="2" charset="77"/>
+              </a:rPr>
+              <a:t> had the best performance with an accuracy of 0.984, precision of 1.000, and recall of 0.982. However, further research is needed to improve the accuracy and performance of the proposed method.</a:t>
+            </a:r>
+          </a:p>
+          <a:p>
+            <a:pPr marL="0" lvl="0" indent="0" algn="l" rtl="0">
+              <a:spcBef>
+                <a:spcPts val="0"/>
+              </a:spcBef>
+              <a:spcAft>
+                <a:spcPts val="0"/>
+              </a:spcAft>
+              <a:buNone/>
+            </a:pPr>
+            <a:endParaRPr lang="en-US" sz="1120" dirty="0">
+              <a:latin typeface="Montserrat" pitchFamily="2" charset="77"/>
+            </a:endParaRPr>
           </a:p>
         </p:txBody>
       </p:sp>
@@ -15129,4 +14937,47 @@
   <a:objectDefaults/>
   <a:extraClrSchemeLst/>
 </a:theme>
+</file>
+
+<file path=ppt/theme/themeOverride1.xml><?xml version="1.0" encoding="utf-8"?>
+<a:themeOverride xmlns:a="http://schemas.openxmlformats.org/drawingml/2006/main">
+  <a:clrScheme name="Focus">
+    <a:dk1>
+      <a:srgbClr val="1B212C"/>
+    </a:dk1>
+    <a:lt1>
+      <a:srgbClr val="FFFFFF"/>
+    </a:lt1>
+    <a:dk2>
+      <a:srgbClr val="D9D9D9"/>
+    </a:dk2>
+    <a:lt2>
+      <a:srgbClr val="82C7A5"/>
+    </a:lt2>
+    <a:accent1>
+      <a:srgbClr val="0145AC"/>
+    </a:accent1>
+    <a:accent2>
+      <a:srgbClr val="EECE1A"/>
+    </a:accent2>
+    <a:accent3>
+      <a:srgbClr val="4E5567"/>
+    </a:accent3>
+    <a:accent4>
+      <a:srgbClr val="F4D6AD"/>
+    </a:accent4>
+    <a:accent5>
+      <a:srgbClr val="7890CD"/>
+    </a:accent5>
+    <a:accent6>
+      <a:srgbClr val="F15E22"/>
+    </a:accent6>
+    <a:hlink>
+      <a:srgbClr val="7890CD"/>
+    </a:hlink>
+    <a:folHlink>
+      <a:srgbClr val="7890CD"/>
+    </a:folHlink>
+  </a:clrScheme>
+</a:themeOverride>
 </file>
--- a/Enhancing Mobile Security through Machine Learning_ A Study on Android Malware Detection.pptx
+++ b/Enhancing Mobile Security through Machine Learning_ A Study on Android Malware Detection.pptx
@@ -923,26 +923,30 @@
           </a:bodyPr>
           <a:lstStyle/>
           <a:p>
-            <a:pPr marL="0" lvl="0" indent="0" algn="r" rtl="0">
-              <a:spcBef>
-                <a:spcPts val="0"/>
-              </a:spcBef>
-              <a:spcAft>
-                <a:spcPts val="0"/>
-              </a:spcAft>
+            <a:pPr marL="0" marR="0" lvl="0" indent="0" algn="r" rtl="1">
+              <a:lnSpc>
+                <a:spcPct val="100000"/>
+              </a:lnSpc>
+              <a:spcBef>
+                <a:spcPts val="0"/>
+              </a:spcBef>
+              <a:spcAft>
+                <a:spcPts val="0"/>
+              </a:spcAft>
+              <a:buClr>
+                <a:srgbClr val="000000"/>
+              </a:buClr>
+              <a:buSzPts val="1100"/>
+              <a:buFont typeface="Arial"/>
               <a:buNone/>
             </a:pPr>
-            <a:r>
-              <a:rPr lang="he-IL" sz="1300" b="0" i="0" u="none" strike="noStrike" dirty="0">
-                <a:solidFill>
-                  <a:srgbClr val="000000"/>
-                </a:solidFill>
-                <a:effectLst/>
-                <a:latin typeface="Segoe UI Web (Hebrew)"/>
-              </a:rPr>
-              <a:t>התמודדנו עם מספר אתגרים בפרויקט, כולל התמודדות עם מערך נתונים גדול, נתונים מורכבים ואיכות נתונים. הם גם היו צריכים להשתמש בטכניקות של הפחתת ממדיות כדי להתמודד עם ממדיות גבוהה, ולהעריך בקפידה אלגוריתמים שונים כדי לקבוע איזה מהם מתאים ביותר למשימה.</a:t>
-            </a:r>
-            <a:endParaRPr sz="1300" dirty="0"/>
+            <a:endParaRPr lang="he-IL" sz="1300" b="0" i="0" u="none" strike="noStrike" dirty="0">
+              <a:solidFill>
+                <a:srgbClr val="000000"/>
+              </a:solidFill>
+              <a:effectLst/>
+              <a:latin typeface="Segoe UI Web (Hebrew)"/>
+            </a:endParaRPr>
           </a:p>
         </p:txBody>
       </p:sp>
@@ -1046,36 +1050,6 @@
               </a:spcAft>
               <a:buNone/>
             </a:pPr>
-            <a:r>
-              <a:rPr lang="he-IL" sz="1300" b="0" i="0" u="none" strike="noStrike" dirty="0">
-                <a:solidFill>
-                  <a:srgbClr val="000000"/>
-                </a:solidFill>
-                <a:effectLst/>
-                <a:latin typeface="+mj-lt"/>
-              </a:rPr>
-              <a:t>עשינו כמה הנחות כדי להשלים את המשימה של זיהוי תוכנות זדוניות באנדרואיד, כגון בהנחה שמערך הנתונים היה מייצג, מסומן נכון, התכונות היו רלוונטיות ואינפורמטיביות, והאלגוריתמים של </a:t>
-            </a:r>
-            <a:r>
-              <a:rPr lang="en-US" sz="1300" b="0" i="0" u="none" strike="noStrike" dirty="0">
-                <a:solidFill>
-                  <a:srgbClr val="000000"/>
-                </a:solidFill>
-                <a:effectLst/>
-                <a:latin typeface="+mj-lt"/>
-              </a:rPr>
-              <a:t>ML </a:t>
-            </a:r>
-            <a:r>
-              <a:rPr lang="he-IL" sz="1300" b="0" i="0" u="none" strike="noStrike" dirty="0">
-                <a:solidFill>
-                  <a:srgbClr val="000000"/>
-                </a:solidFill>
-                <a:effectLst/>
-                <a:latin typeface="+mj-lt"/>
-              </a:rPr>
-              <a:t>שבהם נעשה שימוש היו מתאימים. עם זאת, הנחות אלה עשויות להיות לא נכונות ועלולות להוביל למודלים לא מדויקים.</a:t>
-            </a:r>
             <a:endParaRPr sz="1300" dirty="0">
               <a:latin typeface="+mj-lt"/>
             </a:endParaRPr>
@@ -1173,13 +1147,21 @@
           </a:bodyPr>
           <a:lstStyle/>
           <a:p>
-            <a:pPr marL="0" lvl="0" indent="0" algn="l" rtl="0">
-              <a:spcBef>
-                <a:spcPts val="0"/>
-              </a:spcBef>
-              <a:spcAft>
-                <a:spcPts val="0"/>
-              </a:spcAft>
+            <a:pPr marL="0" marR="0" lvl="0" indent="0" algn="r" rtl="1">
+              <a:lnSpc>
+                <a:spcPct val="100000"/>
+              </a:lnSpc>
+              <a:spcBef>
+                <a:spcPts val="0"/>
+              </a:spcBef>
+              <a:spcAft>
+                <a:spcPts val="0"/>
+              </a:spcAft>
+              <a:buClr>
+                <a:srgbClr val="000000"/>
+              </a:buClr>
+              <a:buSzPts val="1100"/>
+              <a:buFont typeface="Arial"/>
               <a:buNone/>
             </a:pPr>
             <a:endParaRPr/>
@@ -1294,39 +1276,6 @@
               <a:buFont typeface="Arial"/>
               <a:buNone/>
             </a:pPr>
-            <a:r>
-              <a:rPr lang="he-IL" b="0" i="0" u="none" strike="noStrike" dirty="0">
-                <a:solidFill>
-                  <a:srgbClr val="000000"/>
-                </a:solidFill>
-                <a:effectLst/>
-                <a:latin typeface="Segoe UI Web (Hebrew)"/>
-                <a:cs typeface="+mn-cs"/>
-              </a:rPr>
-              <a:t>המצגת שלנו עוסקת בגישה מבוססת למידת מכונה לזיהוי תוכנות זדוניות במכשירי </a:t>
-            </a:r>
-            <a:r>
-              <a:rPr lang="en-US" b="0" i="0" u="none" strike="noStrike" dirty="0">
-                <a:solidFill>
-                  <a:srgbClr val="000000"/>
-                </a:solidFill>
-                <a:effectLst/>
-                <a:latin typeface="Segoe UI Web (Hebrew)"/>
-                <a:cs typeface="+mn-cs"/>
-              </a:rPr>
-              <a:t>Android. </a:t>
-            </a:r>
-            <a:r>
-              <a:rPr lang="he-IL" b="0" i="0" u="none" strike="noStrike" dirty="0">
-                <a:solidFill>
-                  <a:srgbClr val="000000"/>
-                </a:solidFill>
-                <a:effectLst/>
-                <a:latin typeface="Segoe UI Web (Hebrew)"/>
-                <a:cs typeface="+mn-cs"/>
-              </a:rPr>
-              <a:t>השתמשנו במערך נתונים של 1817 אפליקציות, אימנו עליו מודלים שונים. נדון במתודולוגיה, בתוצאות, במדדי ההערכה ובתובנות, כמו גם במגבלות ובכיוונים עתידיים למחקר זה.</a:t>
-            </a:r>
             <a:endParaRPr dirty="0">
               <a:cs typeface="+mn-cs"/>
             </a:endParaRPr>
@@ -1424,442 +1373,21 @@
           </a:bodyPr>
           <a:lstStyle/>
           <a:p>
-            <a:pPr marL="0" lvl="0" indent="0" algn="r" rtl="0">
-              <a:spcBef>
-                <a:spcPts val="0"/>
-              </a:spcBef>
-              <a:spcAft>
-                <a:spcPts val="0"/>
-              </a:spcAft>
-              <a:buNone/>
-            </a:pPr>
-            <a:r>
-              <a:rPr lang="he-IL" b="0" i="0" u="none" strike="noStrike" dirty="0">
-                <a:solidFill>
-                  <a:srgbClr val="000000"/>
-                </a:solidFill>
-                <a:effectLst/>
-                <a:latin typeface="+mj-lt"/>
-                <a:cs typeface="+mn-cs"/>
-              </a:rPr>
-              <a:t>פרויקט זה השתמש במערך נתונים של 4591 אפליקציות, במהלך חילוץ הנתונים נבחרו 1817 אפליקציות, 165 תויגו כזדוניות ו- 1652 כשפירות. תכונות שונות חולצו כדי לאמן מודלים של למידת מכונה</a:t>
-            </a:r>
-          </a:p>
-          <a:p>
-            <a:pPr marL="0" lvl="0" indent="0" algn="r" rtl="0">
-              <a:spcBef>
-                <a:spcPts val="0"/>
-              </a:spcBef>
-              <a:spcAft>
-                <a:spcPts val="0"/>
-              </a:spcAft>
-              <a:buNone/>
-            </a:pPr>
-            <a:r>
-              <a:rPr lang="he-IL" b="0" i="0" u="none" strike="noStrike" dirty="0">
-                <a:solidFill>
-                  <a:srgbClr val="000000"/>
-                </a:solidFill>
-                <a:effectLst/>
-                <a:latin typeface="+mj-lt"/>
-                <a:cs typeface="+mn-cs"/>
-              </a:rPr>
-              <a:t>כמו </a:t>
-            </a:r>
-            <a:r>
-              <a:rPr lang="en-US" b="0" i="0" u="none" strike="noStrike" dirty="0">
-                <a:solidFill>
-                  <a:srgbClr val="000000"/>
-                </a:solidFill>
-                <a:effectLst/>
-                <a:latin typeface="+mj-lt"/>
-                <a:cs typeface="+mn-cs"/>
-              </a:rPr>
-              <a:t>SVM </a:t>
-            </a:r>
-            <a:r>
-              <a:rPr lang="he-IL" b="0" i="0" u="none" strike="noStrike" dirty="0">
-                <a:solidFill>
-                  <a:srgbClr val="000000"/>
-                </a:solidFill>
-                <a:effectLst/>
-                <a:latin typeface="+mj-lt"/>
-                <a:cs typeface="+mn-cs"/>
-              </a:rPr>
-              <a:t>עם ליבה ליניארית</a:t>
-            </a:r>
-            <a:endParaRPr lang="he-IL" dirty="0">
-              <a:latin typeface="+mj-lt"/>
-              <a:cs typeface="+mn-cs"/>
-            </a:endParaRPr>
-          </a:p>
-          <a:p>
-            <a:pPr marL="0" lvl="0" indent="0" algn="r" rtl="0">
-              <a:spcBef>
-                <a:spcPts val="0"/>
-              </a:spcBef>
-              <a:spcAft>
-                <a:spcPts val="0"/>
-              </a:spcAft>
-              <a:buNone/>
-            </a:pPr>
-            <a:r>
-              <a:rPr lang="en-US" sz="1100" dirty="0">
-                <a:latin typeface="+mj-lt"/>
-                <a:cs typeface="+mn-cs"/>
-              </a:rPr>
-              <a:t>Logistic Regression</a:t>
-            </a:r>
-            <a:endParaRPr lang="he-IL" dirty="0">
-              <a:latin typeface="+mj-lt"/>
-              <a:cs typeface="+mn-cs"/>
-            </a:endParaRPr>
-          </a:p>
-          <a:p>
-            <a:pPr marL="0" lvl="0" indent="0" algn="r" rtl="0">
-              <a:spcBef>
-                <a:spcPts val="0"/>
-              </a:spcBef>
-              <a:spcAft>
-                <a:spcPts val="0"/>
-              </a:spcAft>
-              <a:buNone/>
-            </a:pPr>
-            <a:r>
-              <a:rPr lang="en-US" sz="1100" dirty="0" err="1">
-                <a:latin typeface="+mj-lt"/>
-                <a:cs typeface="+mn-cs"/>
-              </a:rPr>
-              <a:t>GradientBoostingClassifier</a:t>
-            </a:r>
-            <a:endParaRPr lang="he-IL" sz="1100" dirty="0">
-              <a:latin typeface="+mj-lt"/>
-              <a:cs typeface="+mn-cs"/>
-            </a:endParaRPr>
-          </a:p>
-          <a:p>
-            <a:pPr marL="0" lvl="0" indent="0" algn="r" rtl="0">
-              <a:spcBef>
-                <a:spcPts val="0"/>
-              </a:spcBef>
-              <a:spcAft>
-                <a:spcPts val="0"/>
-              </a:spcAft>
-              <a:buNone/>
-            </a:pPr>
-            <a:r>
-              <a:rPr lang="en-US" dirty="0" err="1">
-                <a:latin typeface="+mj-lt"/>
-                <a:cs typeface="+mn-cs"/>
-              </a:rPr>
-              <a:t>DecisionTreeClassifier</a:t>
-            </a:r>
-            <a:endParaRPr lang="he-IL" dirty="0">
-              <a:latin typeface="+mj-lt"/>
-              <a:cs typeface="+mn-cs"/>
-            </a:endParaRPr>
-          </a:p>
-          <a:p>
-            <a:pPr marL="0" lvl="0" indent="0" algn="r" rtl="0">
-              <a:spcBef>
-                <a:spcPts val="0"/>
-              </a:spcBef>
-              <a:spcAft>
-                <a:spcPts val="0"/>
-              </a:spcAft>
-              <a:buNone/>
-            </a:pPr>
-            <a:r>
-              <a:rPr lang="en-US" dirty="0" err="1">
-                <a:latin typeface="+mj-lt"/>
-                <a:cs typeface="+mn-cs"/>
-              </a:rPr>
-              <a:t>KNeighborsClassifier</a:t>
-            </a:r>
-            <a:endParaRPr lang="he-IL" dirty="0">
-              <a:latin typeface="+mj-lt"/>
-              <a:cs typeface="+mn-cs"/>
-            </a:endParaRPr>
-          </a:p>
-          <a:p>
-            <a:pPr marL="0" lvl="0" indent="0" algn="r" rtl="0">
-              <a:spcBef>
-                <a:spcPts val="0"/>
-              </a:spcBef>
-              <a:spcAft>
-                <a:spcPts val="0"/>
-              </a:spcAft>
-              <a:buNone/>
-            </a:pPr>
-            <a:endParaRPr lang="he-IL" dirty="0">
-              <a:latin typeface="+mj-lt"/>
-              <a:cs typeface="+mn-cs"/>
-            </a:endParaRPr>
-          </a:p>
-          <a:p>
-            <a:pPr marL="0" lvl="0" indent="0" algn="r" rtl="0">
-              <a:spcBef>
-                <a:spcPts val="0"/>
-              </a:spcBef>
-              <a:spcAft>
-                <a:spcPts val="0"/>
-              </a:spcAft>
-              <a:buNone/>
-            </a:pPr>
-            <a:r>
-              <a:rPr lang="he-IL" b="0" i="0" u="none" strike="noStrike" dirty="0">
-                <a:solidFill>
-                  <a:srgbClr val="000000"/>
-                </a:solidFill>
-                <a:effectLst/>
-                <a:latin typeface="+mj-lt"/>
-                <a:cs typeface="+mn-cs"/>
-              </a:rPr>
-              <a:t>מערך הנתונים כלל גם קטגוריות וקריאות</a:t>
-            </a:r>
-            <a:endParaRPr lang="he-IL" dirty="0">
-              <a:latin typeface="+mj-lt"/>
-              <a:cs typeface="+mn-cs"/>
-            </a:endParaRPr>
-          </a:p>
-          <a:p>
-            <a:pPr marL="0" lvl="0" indent="0" algn="r" rtl="0">
-              <a:spcBef>
-                <a:spcPts val="0"/>
-              </a:spcBef>
-              <a:spcAft>
-                <a:spcPts val="0"/>
-              </a:spcAft>
-              <a:buNone/>
-            </a:pPr>
-            <a:r>
-              <a:rPr lang="he-IL" b="0" i="0" u="none" strike="noStrike" dirty="0">
-                <a:solidFill>
-                  <a:srgbClr val="000000"/>
-                </a:solidFill>
-                <a:effectLst/>
-                <a:latin typeface="+mj-lt"/>
-                <a:cs typeface="+mn-cs"/>
-              </a:rPr>
-              <a:t> של אנדרואיד</a:t>
-            </a:r>
-            <a:r>
-              <a:rPr lang="en-US" b="0" i="0" u="none" strike="noStrike" dirty="0">
-                <a:solidFill>
-                  <a:srgbClr val="000000"/>
-                </a:solidFill>
-                <a:effectLst/>
-                <a:latin typeface="+mj-lt"/>
-                <a:cs typeface="+mn-cs"/>
-              </a:rPr>
-              <a:t>API</a:t>
-            </a:r>
-            <a:endParaRPr lang="he-IL" dirty="0">
-              <a:latin typeface="+mj-lt"/>
-              <a:cs typeface="+mn-cs"/>
-            </a:endParaRPr>
-          </a:p>
-          <a:p>
-            <a:pPr marL="0" lvl="0" indent="0" algn="r" rtl="0">
-              <a:spcBef>
-                <a:spcPts val="0"/>
-              </a:spcBef>
-              <a:spcAft>
-                <a:spcPts val="0"/>
-              </a:spcAft>
-              <a:buNone/>
-            </a:pPr>
-            <a:r>
-              <a:rPr lang="he-IL" b="0" i="0" u="none" strike="noStrike" dirty="0">
-                <a:solidFill>
-                  <a:srgbClr val="000000"/>
-                </a:solidFill>
-                <a:effectLst/>
-                <a:latin typeface="+mj-lt"/>
-                <a:cs typeface="+mn-cs"/>
-              </a:rPr>
-              <a:t>המידע שחולץ אוחסן בקובץ  </a:t>
-            </a:r>
-          </a:p>
-          <a:p>
-            <a:pPr marL="0" lvl="0" indent="0" algn="r" rtl="0">
-              <a:spcBef>
-                <a:spcPts val="0"/>
-              </a:spcBef>
-              <a:spcAft>
-                <a:spcPts val="0"/>
-              </a:spcAft>
-              <a:buNone/>
-            </a:pPr>
-            <a:r>
-              <a:rPr lang="en-US" b="0" i="0" u="none" strike="noStrike" dirty="0">
-                <a:solidFill>
-                  <a:srgbClr val="000000"/>
-                </a:solidFill>
-                <a:effectLst/>
-                <a:latin typeface="+mj-lt"/>
-                <a:cs typeface="+mn-cs"/>
-              </a:rPr>
-              <a:t>JSON</a:t>
-            </a:r>
-            <a:endParaRPr lang="he-IL" b="0" i="0" u="none" strike="noStrike" dirty="0">
-              <a:solidFill>
+            <a:pPr marL="0" marR="0" lvl="0" indent="0" algn="r" rtl="1">
+              <a:lnSpc>
+                <a:spcPct val="100000"/>
+              </a:lnSpc>
+              <a:spcBef>
+                <a:spcPts val="0"/>
+              </a:spcBef>
+              <a:spcAft>
+                <a:spcPts val="0"/>
+              </a:spcAft>
+              <a:buClr>
                 <a:srgbClr val="000000"/>
-              </a:solidFill>
-              <a:effectLst/>
-              <a:latin typeface="+mj-lt"/>
-              <a:cs typeface="+mn-cs"/>
-            </a:endParaRPr>
-          </a:p>
-          <a:p>
-            <a:pPr marL="0" lvl="0" indent="0" algn="r" rtl="0">
-              <a:spcBef>
-                <a:spcPts val="0"/>
-              </a:spcBef>
-              <a:spcAft>
-                <a:spcPts val="0"/>
-              </a:spcAft>
-              <a:buNone/>
-            </a:pPr>
-            <a:r>
-              <a:rPr lang="he-IL" b="0" dirty="0">
-                <a:effectLst/>
-                <a:latin typeface="+mj-lt"/>
-                <a:cs typeface="+mn-cs"/>
-              </a:rPr>
-              <a:t>כל הערכים החסרים מולאו ב-0, ופונקציות עוזר נכתבו כדי לחלץ ולארגן את המידע.</a:t>
-            </a:r>
-          </a:p>
-          <a:p>
-            <a:pPr marL="158750" indent="0" algn="r">
-              <a:buNone/>
-            </a:pPr>
-            <a:br>
-              <a:rPr lang="en-US" dirty="0">
-                <a:effectLst/>
-                <a:latin typeface="+mj-lt"/>
-                <a:cs typeface="+mn-cs"/>
-              </a:rPr>
-            </a:br>
-            <a:endParaRPr lang="en-US" dirty="0">
-              <a:effectLst/>
-              <a:latin typeface="+mj-lt"/>
-              <a:cs typeface="+mn-cs"/>
-            </a:endParaRPr>
-          </a:p>
-          <a:p>
-            <a:pPr marL="0" lvl="0" indent="0" algn="r" rtl="0">
-              <a:spcBef>
-                <a:spcPts val="0"/>
-              </a:spcBef>
-              <a:spcAft>
-                <a:spcPts val="0"/>
-              </a:spcAft>
-              <a:buNone/>
-            </a:pPr>
-            <a:endParaRPr lang="he-IL" dirty="0">
-              <a:latin typeface="+mj-lt"/>
-              <a:cs typeface="+mn-cs"/>
-            </a:endParaRPr>
-          </a:p>
-          <a:p>
-            <a:pPr marL="0" lvl="0" indent="0" algn="r" rtl="0">
-              <a:spcBef>
-                <a:spcPts val="0"/>
-              </a:spcBef>
-              <a:spcAft>
-                <a:spcPts val="0"/>
-              </a:spcAft>
-              <a:buNone/>
-            </a:pPr>
-            <a:endParaRPr lang="he-IL" dirty="0">
-              <a:latin typeface="+mj-lt"/>
-              <a:cs typeface="+mn-cs"/>
-            </a:endParaRPr>
-          </a:p>
-          <a:p>
-            <a:pPr marL="0" lvl="0" indent="0" algn="r" rtl="0">
-              <a:spcBef>
-                <a:spcPts val="0"/>
-              </a:spcBef>
-              <a:spcAft>
-                <a:spcPts val="0"/>
-              </a:spcAft>
-              <a:buNone/>
-            </a:pPr>
-            <a:endParaRPr lang="he-IL" dirty="0">
-              <a:latin typeface="+mj-lt"/>
-              <a:cs typeface="+mn-cs"/>
-            </a:endParaRPr>
-          </a:p>
-          <a:p>
-            <a:pPr marL="0" lvl="0" indent="0" algn="r" rtl="0">
-              <a:spcBef>
-                <a:spcPts val="0"/>
-              </a:spcBef>
-              <a:spcAft>
-                <a:spcPts val="0"/>
-              </a:spcAft>
-              <a:buNone/>
-            </a:pPr>
-            <a:endParaRPr lang="he-IL" dirty="0">
-              <a:latin typeface="+mj-lt"/>
-              <a:cs typeface="+mn-cs"/>
-            </a:endParaRPr>
-          </a:p>
-          <a:p>
-            <a:pPr marL="0" lvl="0" indent="0" algn="r" rtl="0">
-              <a:spcBef>
-                <a:spcPts val="0"/>
-              </a:spcBef>
-              <a:spcAft>
-                <a:spcPts val="0"/>
-              </a:spcAft>
-              <a:buNone/>
-            </a:pPr>
-            <a:endParaRPr lang="he-IL" dirty="0">
-              <a:latin typeface="+mj-lt"/>
-              <a:cs typeface="+mn-cs"/>
-            </a:endParaRPr>
-          </a:p>
-          <a:p>
-            <a:pPr marL="0" lvl="0" indent="0" algn="r" rtl="0">
-              <a:spcBef>
-                <a:spcPts val="0"/>
-              </a:spcBef>
-              <a:spcAft>
-                <a:spcPts val="0"/>
-              </a:spcAft>
-              <a:buNone/>
-            </a:pPr>
-            <a:endParaRPr lang="he-IL" dirty="0">
-              <a:latin typeface="+mj-lt"/>
-              <a:cs typeface="+mn-cs"/>
-            </a:endParaRPr>
-          </a:p>
-          <a:p>
-            <a:pPr marL="0" lvl="0" indent="0" algn="r" rtl="0">
-              <a:spcBef>
-                <a:spcPts val="0"/>
-              </a:spcBef>
-              <a:spcAft>
-                <a:spcPts val="0"/>
-              </a:spcAft>
-              <a:buNone/>
-            </a:pPr>
-            <a:endParaRPr lang="he-IL" dirty="0">
-              <a:latin typeface="+mj-lt"/>
-              <a:cs typeface="+mn-cs"/>
-            </a:endParaRPr>
-          </a:p>
-          <a:p>
-            <a:pPr marL="0" lvl="0" indent="0" algn="r" rtl="0">
-              <a:spcBef>
-                <a:spcPts val="0"/>
-              </a:spcBef>
-              <a:spcAft>
-                <a:spcPts val="0"/>
-              </a:spcAft>
+              </a:buClr>
+              <a:buSzPts val="1100"/>
+              <a:buFont typeface="Arial"/>
               <a:buNone/>
             </a:pPr>
             <a:endParaRPr dirty="0">
@@ -1977,36 +1505,29 @@
               <a:buFont typeface="Arial"/>
               <a:buNone/>
             </a:pPr>
-            <a:r>
-              <a:rPr lang="he-IL" b="0" i="0" u="none" strike="noStrike" dirty="0">
-                <a:solidFill>
-                  <a:srgbClr val="000000"/>
-                </a:solidFill>
-                <a:effectLst/>
-                <a:latin typeface="Segoe UI Web (Hebrew)"/>
-              </a:rPr>
-              <a:t>עיבדנו מראש את הנתונים כדי להכין אותם לאימון המודל. השלבים כללו ניקוי נתונים, טרנספורמציה, הפחתת </a:t>
-            </a:r>
-            <a:r>
-              <a:rPr lang="he-IL" b="0" i="0" u="none" strike="noStrike" dirty="0" err="1">
-                <a:solidFill>
-                  <a:srgbClr val="000000"/>
-                </a:solidFill>
-                <a:effectLst/>
-                <a:latin typeface="Segoe UI Web (Hebrew)"/>
-              </a:rPr>
-              <a:t>מימד</a:t>
-            </a:r>
-            <a:r>
-              <a:rPr lang="he-IL" b="0" i="0" u="none" strike="noStrike" dirty="0">
-                <a:solidFill>
-                  <a:srgbClr val="000000"/>
-                </a:solidFill>
-                <a:effectLst/>
-                <a:latin typeface="Segoe UI Web (Hebrew)"/>
-              </a:rPr>
-              <a:t> ואיזון מערך הנתונים. זה היה הכרחי כדי להבטיח שהנתונים יהיו באיכות גבוהה וכדי להתגבר על האתגרים הניצבים בפני הפרויקט.</a:t>
-            </a:r>
+            <a:endParaRPr lang="en-US" b="0" dirty="0">
+              <a:effectLst/>
+              <a:cs typeface="Segoe UI Web (Hebrew)"/>
+            </a:endParaRPr>
+          </a:p>
+          <a:p>
+            <a:pPr marL="158750" marR="0" indent="0" algn="r" rtl="0">
+              <a:lnSpc>
+                <a:spcPct val="100000"/>
+              </a:lnSpc>
+              <a:spcBef>
+                <a:spcPts val="0"/>
+              </a:spcBef>
+              <a:spcAft>
+                <a:spcPts val="0"/>
+              </a:spcAft>
+              <a:buClr>
+                <a:srgbClr val="000000"/>
+              </a:buClr>
+              <a:buSzPts val="1100"/>
+              <a:buFont typeface="Arial"/>
+              <a:buNone/>
+            </a:pPr>
             <a:endParaRPr lang="he-IL" b="0" dirty="0">
               <a:effectLst/>
               <a:cs typeface="Segoe UI Web (Hebrew)"/>
@@ -2241,573 +1762,6 @@
               </a:spcAft>
               <a:buNone/>
             </a:pPr>
-            <a:r>
-              <a:rPr lang="he-IL" b="0" i="0" u="none" strike="noStrike" dirty="0">
-                <a:solidFill>
-                  <a:srgbClr val="000000"/>
-                </a:solidFill>
-                <a:effectLst/>
-                <a:latin typeface="+mj-lt"/>
-              </a:rPr>
-              <a:t>לפרויקט היו מספר שלבים:</a:t>
-            </a:r>
-            <a:endParaRPr lang="en-US" b="0" i="0" u="none" strike="noStrike" dirty="0">
-              <a:solidFill>
-                <a:srgbClr val="000000"/>
-              </a:solidFill>
-              <a:effectLst/>
-              <a:latin typeface="+mj-lt"/>
-            </a:endParaRPr>
-          </a:p>
-          <a:p>
-            <a:pPr marL="0" lvl="0" indent="0" algn="r" rtl="0">
-              <a:spcBef>
-                <a:spcPts val="0"/>
-              </a:spcBef>
-              <a:spcAft>
-                <a:spcPts val="0"/>
-              </a:spcAft>
-              <a:buNone/>
-            </a:pPr>
-            <a:r>
-              <a:rPr lang="he-IL" b="0" i="0" u="none" strike="noStrike" dirty="0">
-                <a:solidFill>
-                  <a:srgbClr val="000000"/>
-                </a:solidFill>
-                <a:effectLst/>
-                <a:latin typeface="+mj-lt"/>
-              </a:rPr>
-              <a:t>איסוף נתונים </a:t>
-            </a:r>
-            <a:endParaRPr lang="en-US" b="0" i="0" u="none" strike="noStrike" dirty="0">
-              <a:solidFill>
-                <a:srgbClr val="000000"/>
-              </a:solidFill>
-              <a:effectLst/>
-              <a:latin typeface="+mj-lt"/>
-            </a:endParaRPr>
-          </a:p>
-          <a:p>
-            <a:pPr marL="0" lvl="0" indent="0" algn="r" rtl="0">
-              <a:spcBef>
-                <a:spcPts val="0"/>
-              </a:spcBef>
-              <a:spcAft>
-                <a:spcPts val="0"/>
-              </a:spcAft>
-              <a:buNone/>
-            </a:pPr>
-            <a:r>
-              <a:rPr lang="he-IL" b="0" i="0" u="none" strike="noStrike" dirty="0">
-                <a:solidFill>
-                  <a:srgbClr val="000000"/>
-                </a:solidFill>
-                <a:effectLst/>
-                <a:latin typeface="+mj-lt"/>
-              </a:rPr>
-              <a:t>מיצוי תכונות </a:t>
-            </a:r>
-            <a:endParaRPr lang="en-US" b="0" i="0" u="none" strike="noStrike" dirty="0">
-              <a:solidFill>
-                <a:srgbClr val="000000"/>
-              </a:solidFill>
-              <a:effectLst/>
-              <a:latin typeface="+mj-lt"/>
-            </a:endParaRPr>
-          </a:p>
-          <a:p>
-            <a:pPr marL="0" lvl="0" indent="0" algn="r" rtl="0">
-              <a:spcBef>
-                <a:spcPts val="0"/>
-              </a:spcBef>
-              <a:spcAft>
-                <a:spcPts val="0"/>
-              </a:spcAft>
-              <a:buNone/>
-            </a:pPr>
-            <a:r>
-              <a:rPr lang="he-IL" b="0" i="0" u="none" strike="noStrike" dirty="0">
-                <a:solidFill>
-                  <a:srgbClr val="000000"/>
-                </a:solidFill>
-                <a:effectLst/>
-                <a:latin typeface="+mj-lt"/>
-              </a:rPr>
-              <a:t>עיבוד מקדים של נתונים הדרכת מודלים</a:t>
-            </a:r>
-            <a:endParaRPr lang="en-US" b="0" i="0" u="none" strike="noStrike" dirty="0">
-              <a:solidFill>
-                <a:srgbClr val="000000"/>
-              </a:solidFill>
-              <a:effectLst/>
-              <a:latin typeface="+mj-lt"/>
-            </a:endParaRPr>
-          </a:p>
-          <a:p>
-            <a:pPr marL="0" lvl="0" indent="0" algn="r" rtl="0">
-              <a:spcBef>
-                <a:spcPts val="0"/>
-              </a:spcBef>
-              <a:spcAft>
-                <a:spcPts val="0"/>
-              </a:spcAft>
-              <a:buNone/>
-            </a:pPr>
-            <a:r>
-              <a:rPr lang="he-IL" b="0" i="0" u="none" strike="noStrike" dirty="0">
-                <a:solidFill>
-                  <a:srgbClr val="000000"/>
-                </a:solidFill>
-                <a:effectLst/>
-                <a:latin typeface="+mj-lt"/>
-              </a:rPr>
-              <a:t>הערכה. </a:t>
-            </a:r>
-          </a:p>
-          <a:p>
-            <a:pPr marL="0" lvl="0" indent="0" algn="r" rtl="0">
-              <a:spcBef>
-                <a:spcPts val="0"/>
-              </a:spcBef>
-              <a:spcAft>
-                <a:spcPts val="0"/>
-              </a:spcAft>
-              <a:buNone/>
-            </a:pPr>
-            <a:endParaRPr lang="he-IL" b="0" i="0" u="none" strike="noStrike" dirty="0">
-              <a:solidFill>
-                <a:srgbClr val="000000"/>
-              </a:solidFill>
-              <a:effectLst/>
-              <a:latin typeface="+mj-lt"/>
-            </a:endParaRPr>
-          </a:p>
-          <a:p>
-            <a:pPr marL="0" lvl="0" indent="0" algn="r" rtl="0">
-              <a:spcBef>
-                <a:spcPts val="0"/>
-              </a:spcBef>
-              <a:spcAft>
-                <a:spcPts val="0"/>
-              </a:spcAft>
-              <a:buNone/>
-            </a:pPr>
-            <a:r>
-              <a:rPr lang="he-IL" b="0" i="0" u="none" strike="noStrike" dirty="0">
-                <a:solidFill>
-                  <a:srgbClr val="000000"/>
-                </a:solidFill>
-                <a:effectLst/>
-                <a:latin typeface="+mj-lt"/>
-              </a:rPr>
-              <a:t>התכונות שימשו לאימון מודלים של למידת מכונה כגון :</a:t>
-            </a:r>
-          </a:p>
-          <a:p>
-            <a:pPr marL="0" lvl="0" indent="0" algn="r" rtl="0">
-              <a:spcBef>
-                <a:spcPts val="0"/>
-              </a:spcBef>
-              <a:spcAft>
-                <a:spcPts val="0"/>
-              </a:spcAft>
-              <a:buNone/>
-            </a:pPr>
-            <a:r>
-              <a:rPr lang="en-US" sz="1100" dirty="0">
-                <a:latin typeface="+mj-lt"/>
-              </a:rPr>
-              <a:t>SVM with a linear kernel</a:t>
-            </a:r>
-            <a:endParaRPr lang="he-IL" sz="1100" dirty="0">
-              <a:latin typeface="+mj-lt"/>
-            </a:endParaRPr>
-          </a:p>
-          <a:p>
-            <a:pPr marL="0" lvl="0" indent="0" algn="r" rtl="0">
-              <a:spcBef>
-                <a:spcPts val="0"/>
-              </a:spcBef>
-              <a:spcAft>
-                <a:spcPts val="0"/>
-              </a:spcAft>
-              <a:buNone/>
-            </a:pPr>
-            <a:r>
-              <a:rPr lang="en-US" sz="1100" dirty="0">
-                <a:latin typeface="+mj-lt"/>
-              </a:rPr>
-              <a:t>Logistic Regression</a:t>
-            </a:r>
-            <a:endParaRPr lang="he-IL" sz="1100" dirty="0">
-              <a:latin typeface="+mj-lt"/>
-            </a:endParaRPr>
-          </a:p>
-          <a:p>
-            <a:pPr marL="0" lvl="0" indent="0" algn="r" rtl="0">
-              <a:spcBef>
-                <a:spcPts val="0"/>
-              </a:spcBef>
-              <a:spcAft>
-                <a:spcPts val="0"/>
-              </a:spcAft>
-              <a:buNone/>
-            </a:pPr>
-            <a:r>
-              <a:rPr lang="en-US" sz="1100" dirty="0" err="1">
-                <a:latin typeface="+mj-lt"/>
-              </a:rPr>
-              <a:t>KNeighborsClassifier</a:t>
-            </a:r>
-            <a:endParaRPr lang="he-IL" sz="1100" dirty="0">
-              <a:latin typeface="+mj-lt"/>
-            </a:endParaRPr>
-          </a:p>
-          <a:p>
-            <a:pPr marL="0" lvl="0" indent="0" algn="r" rtl="0">
-              <a:spcBef>
-                <a:spcPts val="0"/>
-              </a:spcBef>
-              <a:spcAft>
-                <a:spcPts val="0"/>
-              </a:spcAft>
-              <a:buNone/>
-            </a:pPr>
-            <a:r>
-              <a:rPr lang="en-US" sz="1100" dirty="0" err="1">
-                <a:latin typeface="+mj-lt"/>
-              </a:rPr>
-              <a:t>DecisionTreeClassifier</a:t>
-            </a:r>
-            <a:endParaRPr lang="he-IL" sz="1100" dirty="0">
-              <a:latin typeface="+mj-lt"/>
-            </a:endParaRPr>
-          </a:p>
-          <a:p>
-            <a:pPr marL="0" lvl="0" indent="0" algn="r" rtl="0">
-              <a:spcBef>
-                <a:spcPts val="0"/>
-              </a:spcBef>
-              <a:spcAft>
-                <a:spcPts val="0"/>
-              </a:spcAft>
-              <a:buNone/>
-            </a:pPr>
-            <a:r>
-              <a:rPr lang="en-US" sz="1100" dirty="0" err="1">
-                <a:latin typeface="+mj-lt"/>
-              </a:rPr>
-              <a:t>GradientBoostingClassifier</a:t>
-            </a:r>
-            <a:endParaRPr lang="he-IL" sz="1100" dirty="0">
-              <a:latin typeface="+mj-lt"/>
-            </a:endParaRPr>
-          </a:p>
-          <a:p>
-            <a:pPr marL="0" lvl="0" indent="0" algn="r" rtl="0">
-              <a:spcBef>
-                <a:spcPts val="0"/>
-              </a:spcBef>
-              <a:spcAft>
-                <a:spcPts val="0"/>
-              </a:spcAft>
-              <a:buNone/>
-            </a:pPr>
-            <a:endParaRPr lang="he-IL" sz="1100" dirty="0">
-              <a:latin typeface="+mj-lt"/>
-            </a:endParaRPr>
-          </a:p>
-          <a:p>
-            <a:pPr marL="0" lvl="0" indent="0" algn="r" rtl="0">
-              <a:spcBef>
-                <a:spcPts val="0"/>
-              </a:spcBef>
-              <a:spcAft>
-                <a:spcPts val="0"/>
-              </a:spcAft>
-              <a:buNone/>
-            </a:pPr>
-            <a:r>
-              <a:rPr lang="he-IL" b="0" i="0" u="none" strike="noStrike" dirty="0">
-                <a:solidFill>
-                  <a:srgbClr val="000000"/>
-                </a:solidFill>
-                <a:effectLst/>
-                <a:latin typeface="+mj-lt"/>
-              </a:rPr>
-              <a:t>ביצועי המודלים הוערכו באמצעות מדדים כגון דיוק, דיוק וזכירה. הביצועים הטובים ביותר הושגו על ידי מודל </a:t>
-            </a:r>
-            <a:br>
-              <a:rPr lang="en-US" b="0" i="0" u="none" strike="noStrike" dirty="0">
-                <a:solidFill>
-                  <a:srgbClr val="000000"/>
-                </a:solidFill>
-                <a:effectLst/>
-                <a:latin typeface="+mj-lt"/>
-              </a:rPr>
-            </a:br>
-            <a:r>
-              <a:rPr lang="en-US" b="0" i="0" u="none" strike="noStrike" dirty="0" err="1">
-                <a:solidFill>
-                  <a:srgbClr val="000000"/>
-                </a:solidFill>
-                <a:effectLst/>
-                <a:latin typeface="+mj-lt"/>
-              </a:rPr>
-              <a:t>DecisionTreeClassifier</a:t>
-            </a:r>
-            <a:endParaRPr lang="he-IL" b="0" i="0" u="none" strike="noStrike" dirty="0">
-              <a:solidFill>
-                <a:srgbClr val="000000"/>
-              </a:solidFill>
-              <a:effectLst/>
-              <a:latin typeface="+mj-lt"/>
-            </a:endParaRPr>
-          </a:p>
-          <a:p>
-            <a:pPr marL="0" lvl="0" indent="0" algn="r" rtl="0">
-              <a:spcBef>
-                <a:spcPts val="0"/>
-              </a:spcBef>
-              <a:spcAft>
-                <a:spcPts val="0"/>
-              </a:spcAft>
-              <a:buNone/>
-            </a:pPr>
-            <a:r>
-              <a:rPr lang="en-US" sz="1100" dirty="0">
-                <a:latin typeface="+mj-lt"/>
-              </a:rPr>
-              <a:t>accuracy of 0.984</a:t>
-            </a:r>
-            <a:endParaRPr lang="he-IL" sz="1100" b="0" i="0" u="none" strike="noStrike" dirty="0">
-              <a:solidFill>
-                <a:srgbClr val="000000"/>
-              </a:solidFill>
-              <a:effectLst/>
-              <a:latin typeface="+mj-lt"/>
-            </a:endParaRPr>
-          </a:p>
-          <a:p>
-            <a:pPr marL="0" lvl="0" indent="0" algn="r" rtl="0">
-              <a:spcBef>
-                <a:spcPts val="0"/>
-              </a:spcBef>
-              <a:spcAft>
-                <a:spcPts val="0"/>
-              </a:spcAft>
-              <a:buNone/>
-            </a:pPr>
-            <a:r>
-              <a:rPr lang="en-US" sz="1100" dirty="0">
-                <a:latin typeface="+mj-lt"/>
-              </a:rPr>
-              <a:t>precision of 1.000</a:t>
-            </a:r>
-            <a:endParaRPr lang="he-IL" sz="1100" b="0" i="0" u="none" strike="noStrike" dirty="0">
-              <a:solidFill>
-                <a:srgbClr val="000000"/>
-              </a:solidFill>
-              <a:effectLst/>
-              <a:latin typeface="+mj-lt"/>
-            </a:endParaRPr>
-          </a:p>
-          <a:p>
-            <a:pPr marL="0" lvl="0" indent="0" algn="r" rtl="0">
-              <a:spcBef>
-                <a:spcPts val="0"/>
-              </a:spcBef>
-              <a:spcAft>
-                <a:spcPts val="0"/>
-              </a:spcAft>
-              <a:buNone/>
-            </a:pPr>
-            <a:r>
-              <a:rPr lang="en-US" sz="1100" dirty="0">
-                <a:latin typeface="+mj-lt"/>
-              </a:rPr>
-              <a:t>recall of 0.982</a:t>
-            </a:r>
-            <a:endParaRPr lang="he-IL" sz="1100" dirty="0">
-              <a:latin typeface="+mj-lt"/>
-            </a:endParaRPr>
-          </a:p>
-          <a:p>
-            <a:pPr marL="0" lvl="0" indent="0" algn="r" rtl="0">
-              <a:spcBef>
-                <a:spcPts val="0"/>
-              </a:spcBef>
-              <a:spcAft>
-                <a:spcPts val="0"/>
-              </a:spcAft>
-              <a:buNone/>
-            </a:pPr>
-            <a:endParaRPr lang="he-IL" sz="1100" b="0" i="0" u="none" strike="noStrike" dirty="0">
-              <a:solidFill>
-                <a:srgbClr val="000000"/>
-              </a:solidFill>
-              <a:effectLst/>
-              <a:latin typeface="+mj-lt"/>
-            </a:endParaRPr>
-          </a:p>
-          <a:p>
-            <a:pPr marL="0" lvl="0" indent="0" algn="r" rtl="0">
-              <a:spcBef>
-                <a:spcPts val="0"/>
-              </a:spcBef>
-              <a:spcAft>
-                <a:spcPts val="0"/>
-              </a:spcAft>
-              <a:buNone/>
-            </a:pPr>
-            <a:r>
-              <a:rPr lang="he-IL" b="0" i="0" u="none" strike="noStrike" dirty="0">
-                <a:solidFill>
-                  <a:srgbClr val="000000"/>
-                </a:solidFill>
-                <a:effectLst/>
-                <a:latin typeface="+mj-lt"/>
-              </a:rPr>
-              <a:t>נמצא כי הגישה המוצעת עולה על השיטות המסורתיות במונחים של דיוק, דיוק וזכירה, אך עדיין יש מקום לשיפור. כמו כן, כתבנו סקריפטים שונים ופונקציות עוזר לאורך כל הפרויקט כדי להבטיח ביצוע חלק.</a:t>
-            </a:r>
-            <a:endParaRPr lang="he-IL" sz="1100" b="0" i="0" u="none" strike="noStrike" dirty="0">
-              <a:solidFill>
-                <a:srgbClr val="000000"/>
-              </a:solidFill>
-              <a:effectLst/>
-              <a:latin typeface="+mj-lt"/>
-            </a:endParaRPr>
-          </a:p>
-          <a:p>
-            <a:pPr marL="0" lvl="0" indent="0" algn="r" rtl="0">
-              <a:spcBef>
-                <a:spcPts val="0"/>
-              </a:spcBef>
-              <a:spcAft>
-                <a:spcPts val="0"/>
-              </a:spcAft>
-              <a:buNone/>
-            </a:pPr>
-            <a:endParaRPr lang="he-IL" sz="1100" b="0" i="0" u="none" strike="noStrike" dirty="0">
-              <a:solidFill>
-                <a:srgbClr val="000000"/>
-              </a:solidFill>
-              <a:effectLst/>
-              <a:latin typeface="+mj-lt"/>
-            </a:endParaRPr>
-          </a:p>
-          <a:p>
-            <a:pPr marL="0" lvl="0" indent="0" algn="r" rtl="0">
-              <a:spcBef>
-                <a:spcPts val="0"/>
-              </a:spcBef>
-              <a:spcAft>
-                <a:spcPts val="0"/>
-              </a:spcAft>
-              <a:buNone/>
-            </a:pPr>
-            <a:endParaRPr lang="he-IL" sz="1100" b="0" i="0" u="none" strike="noStrike" dirty="0">
-              <a:solidFill>
-                <a:srgbClr val="000000"/>
-              </a:solidFill>
-              <a:effectLst/>
-              <a:latin typeface="+mj-lt"/>
-            </a:endParaRPr>
-          </a:p>
-          <a:p>
-            <a:pPr marL="0" lvl="0" indent="0" algn="r" rtl="0">
-              <a:spcBef>
-                <a:spcPts val="0"/>
-              </a:spcBef>
-              <a:spcAft>
-                <a:spcPts val="0"/>
-              </a:spcAft>
-              <a:buNone/>
-            </a:pPr>
-            <a:endParaRPr lang="he-IL" sz="1100" dirty="0">
-              <a:latin typeface="+mj-lt"/>
-            </a:endParaRPr>
-          </a:p>
-          <a:p>
-            <a:pPr marL="0" lvl="0" indent="0" algn="r" rtl="0">
-              <a:spcBef>
-                <a:spcPts val="0"/>
-              </a:spcBef>
-              <a:spcAft>
-                <a:spcPts val="0"/>
-              </a:spcAft>
-              <a:buNone/>
-            </a:pPr>
-            <a:endParaRPr lang="he-IL" sz="1100" dirty="0">
-              <a:latin typeface="+mj-lt"/>
-            </a:endParaRPr>
-          </a:p>
-          <a:p>
-            <a:pPr marL="0" lvl="0" indent="0" algn="r" rtl="0">
-              <a:spcBef>
-                <a:spcPts val="0"/>
-              </a:spcBef>
-              <a:spcAft>
-                <a:spcPts val="0"/>
-              </a:spcAft>
-              <a:buNone/>
-            </a:pPr>
-            <a:endParaRPr lang="he-IL" sz="1100" dirty="0">
-              <a:latin typeface="+mj-lt"/>
-            </a:endParaRPr>
-          </a:p>
-          <a:p>
-            <a:pPr marL="0" lvl="0" indent="0" algn="r" rtl="0">
-              <a:spcBef>
-                <a:spcPts val="0"/>
-              </a:spcBef>
-              <a:spcAft>
-                <a:spcPts val="0"/>
-              </a:spcAft>
-              <a:buNone/>
-            </a:pPr>
-            <a:endParaRPr lang="he-IL" sz="1100" dirty="0">
-              <a:latin typeface="+mj-lt"/>
-            </a:endParaRPr>
-          </a:p>
-          <a:p>
-            <a:pPr marL="0" lvl="0" indent="0" algn="r" rtl="0">
-              <a:spcBef>
-                <a:spcPts val="0"/>
-              </a:spcBef>
-              <a:spcAft>
-                <a:spcPts val="0"/>
-              </a:spcAft>
-              <a:buNone/>
-            </a:pPr>
-            <a:endParaRPr lang="he-IL" sz="1100" dirty="0">
-              <a:latin typeface="+mj-lt"/>
-            </a:endParaRPr>
-          </a:p>
-          <a:p>
-            <a:pPr marL="0" lvl="0" indent="0" algn="r" rtl="0">
-              <a:spcBef>
-                <a:spcPts val="0"/>
-              </a:spcBef>
-              <a:spcAft>
-                <a:spcPts val="0"/>
-              </a:spcAft>
-              <a:buNone/>
-            </a:pPr>
-            <a:endParaRPr lang="he-IL" sz="1100" dirty="0">
-              <a:latin typeface="+mj-lt"/>
-            </a:endParaRPr>
-          </a:p>
-          <a:p>
-            <a:pPr marL="0" lvl="0" indent="0" algn="r" rtl="0">
-              <a:spcBef>
-                <a:spcPts val="0"/>
-              </a:spcBef>
-              <a:spcAft>
-                <a:spcPts val="0"/>
-              </a:spcAft>
-              <a:buNone/>
-            </a:pPr>
             <a:endParaRPr dirty="0">
               <a:latin typeface="+mj-lt"/>
             </a:endParaRPr>
@@ -2914,56 +1868,6 @@
               </a:spcAft>
               <a:buNone/>
             </a:pPr>
-            <a:r>
-              <a:rPr lang="he-IL" b="0" i="0" u="none" strike="noStrike" dirty="0">
-                <a:solidFill>
-                  <a:srgbClr val="000000"/>
-                </a:solidFill>
-                <a:effectLst/>
-                <a:latin typeface="+mj-lt"/>
-              </a:rPr>
-              <a:t>לסיכום, פיצול מידע שימש בפרויקט זה כדי לפרק מערך נתונים גדול של יישומי אנדרואיד לגושים קטנים יותר וניתנים יותר לניהול. זה עזר לצוות לחלץ בקלות תכונות רלוונטיות, לבצע ניתוח מעמיק ולאחסן ולאחזר נתונים ביעילות. הוא מילא תפקיד מכריע בהפיכת הנתונים לשמישים לאימון מודל למידת המכונה. פיצול מידע היה חיוני בפרויקט זה מכיוון שהוא עזר לצוות לפרק את מערך הנתונים הגדול של יישומי אנדרואיד משנת 1817 לגושים קטנים יותר לניהול, ניתוח ואחסון טובים יותר. סקריפטים ופונקציות עוזר נכתבו כדי לסייע בחילוץ נתונים ועיבוד מקדים, ומאפשרים ניתוח ממוקד של היבטים ספציפיים כגון קטגוריות וקריאות </a:t>
-            </a:r>
-            <a:r>
-              <a:rPr lang="en-US" b="0" i="0" u="none" strike="noStrike" dirty="0">
-                <a:solidFill>
-                  <a:srgbClr val="000000"/>
-                </a:solidFill>
-                <a:effectLst/>
-                <a:latin typeface="+mj-lt"/>
-              </a:rPr>
-              <a:t>API. </a:t>
-            </a:r>
-            <a:r>
-              <a:rPr lang="he-IL" b="0" i="0" u="none" strike="noStrike" dirty="0">
-                <a:solidFill>
-                  <a:srgbClr val="000000"/>
-                </a:solidFill>
-                <a:effectLst/>
-                <a:latin typeface="+mj-lt"/>
-              </a:rPr>
-              <a:t>זה עזר לזהות דפוסים ומגמות רלוונטיים לזיהוי תוכנות זדוניות, ושיפר את הביצועים של מודלי למידת המכונה. בסך </a:t>
-            </a:r>
-            <a:r>
-              <a:rPr lang="he-IL" b="0" i="0" u="none" strike="noStrike" dirty="0" err="1">
-                <a:solidFill>
-                  <a:srgbClr val="000000"/>
-                </a:solidFill>
-                <a:effectLst/>
-                <a:latin typeface="+mj-lt"/>
-              </a:rPr>
-              <a:t>הכל</a:t>
-            </a:r>
-            <a:r>
-              <a:rPr lang="he-IL" b="0" i="0" u="none" strike="noStrike" dirty="0">
-                <a:solidFill>
-                  <a:srgbClr val="000000"/>
-                </a:solidFill>
-                <a:effectLst/>
-                <a:latin typeface="+mj-lt"/>
-              </a:rPr>
-              <a:t>, הפיצול מילא תפקיד מפתח בעבודה יעילה עם הנתונים ובהשגת תוצאות מדויקות.</a:t>
-            </a:r>
             <a:endParaRPr dirty="0">
               <a:latin typeface="+mj-lt"/>
             </a:endParaRPr>
@@ -3064,230 +1968,6 @@
             <a:pPr marL="158750" indent="0" algn="r" rtl="1">
               <a:buNone/>
             </a:pPr>
-            <a:r>
-              <a:rPr lang="he-IL" b="0" i="0" u="none" strike="noStrike" dirty="0">
-                <a:solidFill>
-                  <a:srgbClr val="000000"/>
-                </a:solidFill>
-                <a:effectLst/>
-                <a:latin typeface="+mj-lt"/>
-              </a:rPr>
-              <a:t>בפרויקט זה, מודלים שונים של למידת מכונה אומנו לזהות תוכנות זדוניות של </a:t>
-            </a:r>
-          </a:p>
-          <a:p>
-            <a:pPr marL="158750" indent="0" algn="r" rtl="1">
-              <a:buNone/>
-            </a:pPr>
-            <a:r>
-              <a:rPr lang="en-US" b="0" i="0" u="none" strike="noStrike" dirty="0">
-                <a:solidFill>
-                  <a:srgbClr val="000000"/>
-                </a:solidFill>
-                <a:effectLst/>
-                <a:latin typeface="+mj-lt"/>
-              </a:rPr>
-              <a:t>Android</a:t>
-            </a:r>
-            <a:endParaRPr lang="he-IL" b="0" i="0" u="none" strike="noStrike" dirty="0">
-              <a:solidFill>
-                <a:srgbClr val="000000"/>
-              </a:solidFill>
-              <a:effectLst/>
-              <a:latin typeface="+mj-lt"/>
-            </a:endParaRPr>
-          </a:p>
-          <a:p>
-            <a:pPr marL="158750" indent="0" algn="r" rtl="1">
-              <a:buNone/>
-            </a:pPr>
-            <a:r>
-              <a:rPr lang="he-IL" b="0" i="0" u="none" strike="noStrike" dirty="0">
-                <a:solidFill>
-                  <a:srgbClr val="000000"/>
-                </a:solidFill>
-                <a:effectLst/>
-                <a:latin typeface="+mj-lt"/>
-              </a:rPr>
-              <a:t>לכל דגם היו חוזקות וחולשות משלו והצוות היה צריך להעריך את הביצועים שלו באמצעות מדדים כמו </a:t>
-            </a:r>
-            <a:r>
-              <a:rPr lang="en-US" sz="1100" dirty="0">
-                <a:latin typeface="+mj-lt"/>
-              </a:rPr>
-              <a:t>accuracy</a:t>
-            </a:r>
-            <a:r>
-              <a:rPr lang="he-IL" b="0" i="0" u="none" strike="noStrike" dirty="0">
-                <a:solidFill>
-                  <a:srgbClr val="000000"/>
-                </a:solidFill>
-                <a:effectLst/>
-                <a:latin typeface="+mj-lt"/>
-              </a:rPr>
-              <a:t>, </a:t>
-            </a:r>
-            <a:r>
-              <a:rPr lang="en-US" sz="1100" dirty="0">
-                <a:latin typeface="+mj-lt"/>
-              </a:rPr>
-              <a:t>recall</a:t>
-            </a:r>
-            <a:r>
-              <a:rPr lang="he-IL" sz="1100" dirty="0">
-                <a:latin typeface="+mj-lt"/>
-              </a:rPr>
-              <a:t>,</a:t>
-            </a:r>
-            <a:r>
-              <a:rPr lang="en-US" sz="1100" dirty="0">
-                <a:latin typeface="+mj-lt"/>
-              </a:rPr>
-              <a:t> precision</a:t>
-            </a:r>
-            <a:r>
-              <a:rPr lang="he-IL" sz="1100" dirty="0">
-                <a:latin typeface="+mj-lt"/>
-              </a:rPr>
-              <a:t>(נכונות, דיוק וזכירה)</a:t>
-            </a:r>
-            <a:endParaRPr lang="he-IL" b="0" i="0" u="none" strike="noStrike" dirty="0">
-              <a:solidFill>
-                <a:srgbClr val="000000"/>
-              </a:solidFill>
-              <a:effectLst/>
-              <a:latin typeface="+mj-lt"/>
-            </a:endParaRPr>
-          </a:p>
-          <a:p>
-            <a:pPr marL="158750" indent="0" algn="r" rtl="1">
-              <a:buNone/>
-            </a:pPr>
-            <a:r>
-              <a:rPr lang="he-IL" b="0" i="0" u="none" strike="noStrike" dirty="0">
-                <a:solidFill>
-                  <a:srgbClr val="000000"/>
-                </a:solidFill>
-                <a:effectLst/>
-                <a:latin typeface="+mj-lt"/>
-              </a:rPr>
-              <a:t>ל-</a:t>
-            </a:r>
-            <a:r>
-              <a:rPr lang="en-US" b="0" i="0" u="none" strike="noStrike" dirty="0">
-                <a:solidFill>
-                  <a:srgbClr val="000000"/>
-                </a:solidFill>
-                <a:effectLst/>
-                <a:latin typeface="+mj-lt"/>
-              </a:rPr>
-              <a:t>SVM </a:t>
-            </a:r>
-            <a:r>
-              <a:rPr lang="he-IL" b="0" i="0" u="none" strike="noStrike" dirty="0">
-                <a:solidFill>
-                  <a:srgbClr val="000000"/>
-                </a:solidFill>
-                <a:effectLst/>
-                <a:latin typeface="+mj-lt"/>
-              </a:rPr>
-              <a:t>היה דיוק של 0.780 </a:t>
-            </a:r>
-          </a:p>
-          <a:p>
-            <a:pPr marL="158750" indent="0" algn="r" rtl="1">
-              <a:buNone/>
-            </a:pPr>
-            <a:r>
-              <a:rPr lang="he-IL" b="0" i="0" u="none" strike="noStrike" dirty="0">
-                <a:solidFill>
-                  <a:srgbClr val="000000"/>
-                </a:solidFill>
-                <a:effectLst/>
-                <a:latin typeface="+mj-lt"/>
-              </a:rPr>
-              <a:t>לרגרסיה לוגיסטית היה דיוק של 0.835. </a:t>
-            </a:r>
-          </a:p>
-          <a:p>
-            <a:pPr marL="158750" indent="0" algn="r" rtl="1">
-              <a:buNone/>
-            </a:pPr>
-            <a:r>
-              <a:rPr lang="he-IL" b="0" i="0" u="none" strike="noStrike" dirty="0">
-                <a:solidFill>
-                  <a:srgbClr val="000000"/>
-                </a:solidFill>
-                <a:effectLst/>
-                <a:latin typeface="+mj-lt"/>
-              </a:rPr>
-              <a:t>עם זאת, הפותר לא הצליח להתכנס ב- </a:t>
-            </a:r>
-            <a:r>
-              <a:rPr lang="en-US" b="0" i="0" u="none" strike="noStrike" dirty="0">
-                <a:solidFill>
-                  <a:srgbClr val="000000"/>
-                </a:solidFill>
-                <a:effectLst/>
-                <a:latin typeface="+mj-lt"/>
-              </a:rPr>
-              <a:t>SVM </a:t>
-            </a:r>
-            <a:r>
-              <a:rPr lang="he-IL" b="0" i="0" u="none" strike="noStrike" dirty="0">
-                <a:solidFill>
-                  <a:srgbClr val="000000"/>
-                </a:solidFill>
-                <a:effectLst/>
-                <a:latin typeface="+mj-lt"/>
-              </a:rPr>
-              <a:t> והתקבלה אזהרת התכנסות.</a:t>
-            </a:r>
-          </a:p>
-          <a:p>
-            <a:pPr marL="158750" indent="0" algn="r" rtl="1">
-              <a:buNone/>
-            </a:pPr>
-            <a:r>
-              <a:rPr lang="he-IL" b="0" i="0" u="none" strike="noStrike" dirty="0">
-                <a:solidFill>
-                  <a:srgbClr val="000000"/>
-                </a:solidFill>
-                <a:effectLst/>
-                <a:latin typeface="+mj-lt"/>
-              </a:rPr>
-              <a:t>הביצועים הטובים ביותר הושגו על ידי </a:t>
-            </a:r>
-            <a:r>
-              <a:rPr lang="en-US" b="0" i="0" u="none" strike="noStrike" dirty="0" err="1">
-                <a:solidFill>
-                  <a:srgbClr val="000000"/>
-                </a:solidFill>
-                <a:effectLst/>
-                <a:latin typeface="+mj-lt"/>
-              </a:rPr>
-              <a:t>DecisionTreeClassifier</a:t>
-            </a:r>
-            <a:r>
-              <a:rPr lang="en-US" b="0" i="0" u="none" strike="noStrike" dirty="0">
-                <a:solidFill>
-                  <a:srgbClr val="000000"/>
-                </a:solidFill>
-                <a:effectLst/>
-                <a:latin typeface="+mj-lt"/>
-              </a:rPr>
-              <a:t> </a:t>
-            </a:r>
-            <a:r>
-              <a:rPr lang="he-IL" b="0" i="0" u="none" strike="noStrike" dirty="0">
-                <a:solidFill>
-                  <a:srgbClr val="000000"/>
-                </a:solidFill>
-                <a:effectLst/>
-                <a:latin typeface="+mj-lt"/>
-              </a:rPr>
-              <a:t> עם דיוק של 0.984.</a:t>
-            </a:r>
             <a:endParaRPr lang="he-IL" b="0" i="0" u="none" strike="noStrike" dirty="0">
               <a:solidFill>
                 <a:srgbClr val="000000"/>
@@ -3407,227 +2087,6 @@
               <a:buFont typeface="Arial"/>
               <a:buNone/>
             </a:pPr>
-            <a:r>
-              <a:rPr lang="he-IL" sz="1300" b="0" i="0" u="none" strike="noStrike" dirty="0">
-                <a:solidFill>
-                  <a:srgbClr val="000000"/>
-                </a:solidFill>
-                <a:effectLst/>
-                <a:latin typeface="+mj-lt"/>
-              </a:rPr>
-              <a:t>בפרויקט זה, אלגוריתמים שונים של למידת מכונה שימשו לאימון מודלים לזיהוי תוכנות זדוניות של אנדרואיד, כולל: </a:t>
-            </a:r>
-            <a:endParaRPr lang="en-US" sz="1300" b="0" i="0" u="none" strike="noStrike" dirty="0">
-              <a:solidFill>
-                <a:srgbClr val="000000"/>
-              </a:solidFill>
-              <a:effectLst/>
-              <a:latin typeface="+mj-lt"/>
-            </a:endParaRPr>
-          </a:p>
-          <a:p>
-            <a:pPr marL="0" marR="0" lvl="0" indent="0" algn="r" rtl="1">
-              <a:lnSpc>
-                <a:spcPct val="100000"/>
-              </a:lnSpc>
-              <a:spcBef>
-                <a:spcPts val="0"/>
-              </a:spcBef>
-              <a:spcAft>
-                <a:spcPts val="0"/>
-              </a:spcAft>
-              <a:buClr>
-                <a:srgbClr val="000000"/>
-              </a:buClr>
-              <a:buSzPts val="1100"/>
-              <a:buFont typeface="Arial"/>
-              <a:buNone/>
-            </a:pPr>
-            <a:r>
-              <a:rPr lang="en-US" sz="1300" b="0" i="0" u="none" strike="noStrike" dirty="0">
-                <a:solidFill>
-                  <a:srgbClr val="000000"/>
-                </a:solidFill>
-                <a:effectLst/>
-                <a:latin typeface="+mj-lt"/>
-              </a:rPr>
-              <a:t>, SVM</a:t>
-            </a:r>
-            <a:r>
-              <a:rPr lang="he-IL" sz="1300" b="0" i="0" u="none" strike="noStrike" dirty="0">
-                <a:solidFill>
-                  <a:srgbClr val="000000"/>
-                </a:solidFill>
-                <a:effectLst/>
-                <a:latin typeface="+mj-lt"/>
-              </a:rPr>
-              <a:t>רגרסיה לוגיסטית, </a:t>
-            </a:r>
-            <a:r>
-              <a:rPr lang="en-US" sz="1300" b="0" i="0" u="none" strike="noStrike" dirty="0" err="1">
-                <a:solidFill>
-                  <a:srgbClr val="000000"/>
-                </a:solidFill>
-                <a:effectLst/>
-                <a:latin typeface="+mj-lt"/>
-              </a:rPr>
-              <a:t>KNeighborsClassifier</a:t>
-            </a:r>
-            <a:r>
-              <a:rPr lang="en-US" sz="1300" b="0" i="0" u="none" strike="noStrike" dirty="0">
-                <a:solidFill>
-                  <a:srgbClr val="000000"/>
-                </a:solidFill>
-                <a:effectLst/>
-                <a:latin typeface="+mj-lt"/>
-              </a:rPr>
-              <a:t>, </a:t>
-            </a:r>
-            <a:r>
-              <a:rPr lang="en-US" sz="1300" b="0" i="0" u="none" strike="noStrike" dirty="0" err="1">
-                <a:solidFill>
-                  <a:srgbClr val="000000"/>
-                </a:solidFill>
-                <a:effectLst/>
-                <a:latin typeface="+mj-lt"/>
-              </a:rPr>
-              <a:t>DecisionTreeClassifier</a:t>
-            </a:r>
-            <a:r>
-              <a:rPr lang="en-US" sz="1300" b="0" i="0" u="none" strike="noStrike" dirty="0">
-                <a:solidFill>
-                  <a:srgbClr val="000000"/>
-                </a:solidFill>
-                <a:effectLst/>
-                <a:latin typeface="+mj-lt"/>
-              </a:rPr>
-              <a:t> </a:t>
-            </a:r>
-            <a:r>
-              <a:rPr lang="he-IL" sz="1300" b="0" i="0" u="none" strike="noStrike" dirty="0">
-                <a:solidFill>
-                  <a:srgbClr val="000000"/>
-                </a:solidFill>
-                <a:effectLst/>
-                <a:latin typeface="+mj-lt"/>
-              </a:rPr>
-              <a:t>ו- </a:t>
-            </a:r>
-            <a:r>
-              <a:rPr lang="en-US" sz="1300" b="0" i="0" u="none" strike="noStrike" dirty="0" err="1">
-                <a:solidFill>
-                  <a:srgbClr val="000000"/>
-                </a:solidFill>
-                <a:effectLst/>
-                <a:latin typeface="+mj-lt"/>
-              </a:rPr>
-              <a:t>GradientBoostingClassifier</a:t>
-            </a:r>
-            <a:r>
-              <a:rPr lang="en-US" sz="1300" b="0" i="0" u="none" strike="noStrike" dirty="0">
-                <a:solidFill>
-                  <a:srgbClr val="000000"/>
-                </a:solidFill>
-                <a:effectLst/>
-                <a:latin typeface="+mj-lt"/>
-              </a:rPr>
-              <a:t>.</a:t>
-            </a:r>
-          </a:p>
-          <a:p>
-            <a:pPr marL="0" marR="0" lvl="0" indent="0" algn="r" rtl="1">
-              <a:lnSpc>
-                <a:spcPct val="100000"/>
-              </a:lnSpc>
-              <a:spcBef>
-                <a:spcPts val="0"/>
-              </a:spcBef>
-              <a:spcAft>
-                <a:spcPts val="0"/>
-              </a:spcAft>
-              <a:buClr>
-                <a:srgbClr val="000000"/>
-              </a:buClr>
-              <a:buSzPts val="1100"/>
-              <a:buFont typeface="Arial"/>
-              <a:buNone/>
-            </a:pPr>
-            <a:r>
-              <a:rPr lang="he-IL" sz="1300" b="0" i="0" u="none" strike="noStrike" dirty="0">
-                <a:solidFill>
-                  <a:srgbClr val="000000"/>
-                </a:solidFill>
-                <a:effectLst/>
-                <a:latin typeface="+mj-lt"/>
-              </a:rPr>
-              <a:t>לכל אלגוריתם היו החוזקות והחולשות שלו. הערכנו את התוצאות ומצאנו כי ל- </a:t>
-            </a:r>
-            <a:r>
-              <a:rPr lang="en-US" sz="1300" b="0" i="0" u="none" strike="noStrike" dirty="0" err="1">
-                <a:solidFill>
-                  <a:srgbClr val="000000"/>
-                </a:solidFill>
-                <a:effectLst/>
-                <a:latin typeface="+mj-lt"/>
-              </a:rPr>
-              <a:t>DecisionTreeClassifier</a:t>
-            </a:r>
-            <a:r>
-              <a:rPr lang="en-US" sz="1300" b="0" i="0" u="none" strike="noStrike" dirty="0">
-                <a:solidFill>
-                  <a:srgbClr val="000000"/>
-                </a:solidFill>
-                <a:effectLst/>
-                <a:latin typeface="+mj-lt"/>
-              </a:rPr>
-              <a:t> </a:t>
-            </a:r>
-            <a:r>
-              <a:rPr lang="he-IL" sz="1300" b="0" i="0" u="none" strike="noStrike" dirty="0">
-                <a:solidFill>
-                  <a:srgbClr val="000000"/>
-                </a:solidFill>
-                <a:effectLst/>
-                <a:latin typeface="+mj-lt"/>
-              </a:rPr>
-              <a:t>היו הביצועים הטובים ביותר עם דיוק של 0.984, דיוק של 1.000 וזכירה של 0.982.</a:t>
-            </a:r>
-            <a:endParaRPr lang="en-US" sz="1300" b="0" i="0" u="none" strike="noStrike" dirty="0">
-              <a:solidFill>
-                <a:srgbClr val="000000"/>
-              </a:solidFill>
-              <a:effectLst/>
-              <a:latin typeface="+mj-lt"/>
-            </a:endParaRPr>
-          </a:p>
-          <a:p>
-            <a:pPr marL="0" marR="0" lvl="0" indent="0" algn="r" rtl="1">
-              <a:lnSpc>
-                <a:spcPct val="100000"/>
-              </a:lnSpc>
-              <a:spcBef>
-                <a:spcPts val="0"/>
-              </a:spcBef>
-              <a:spcAft>
-                <a:spcPts val="0"/>
-              </a:spcAft>
-              <a:buClr>
-                <a:srgbClr val="000000"/>
-              </a:buClr>
-              <a:buSzPts val="1100"/>
-              <a:buFont typeface="Arial"/>
-              <a:buNone/>
-            </a:pPr>
-            <a:r>
-              <a:rPr lang="he-IL" sz="1300" b="0" i="0" u="none" strike="noStrike" dirty="0">
-                <a:solidFill>
-                  <a:srgbClr val="000000"/>
-                </a:solidFill>
-                <a:effectLst/>
-                <a:latin typeface="+mj-lt"/>
-              </a:rPr>
-              <a:t>עם זאת, יש צורך במחקר נוסף כדי לשפר את הדיוק והביצועים של השיטה המוצעת.</a:t>
-            </a:r>
             <a:endParaRPr sz="1300" dirty="0">
               <a:latin typeface="+mj-lt"/>
             </a:endParaRPr>
@@ -12083,7 +10542,7 @@
           </a:bodyPr>
           <a:lstStyle/>
           <a:p>
-            <a:pPr marL="0" lvl="0" indent="0" algn="l" rtl="0">
+            <a:pPr marL="0" lvl="0" indent="0" algn="r" rtl="0">
               <a:spcBef>
                 <a:spcPts val="0"/>
               </a:spcBef>
@@ -12093,22 +10552,23 @@
               <a:buNone/>
             </a:pPr>
             <a:r>
-              <a:rPr lang="en-US" sz="1120" dirty="0">
+              <a:rPr lang="he-IL" sz="1120" dirty="0">
                 <a:latin typeface="Montserrat" pitchFamily="2" charset="77"/>
               </a:rPr>
-              <a:t>We faced several challenges in the project, including dealing with a large dataset, complex data, and data quality. They also had to use dimensionality reduction techniques to handle high dimensionality, and carefully evaluate different algorithms to determine which one was most suitable for the task.</a:t>
+              <a:t>התמודדנו עם מספר אתגרים בפרויקט, כולל התמודדות עם מערך נתונים גדול, נתונים מורכבים ואיכות נתונים. הם גם נאלצו להשתמש בטכניקות הפחתת </a:t>
             </a:r>
-          </a:p>
-          <a:p>
-            <a:pPr marL="0" lvl="0" indent="0" algn="r" rtl="0">
-              <a:spcBef>
-                <a:spcPts val="0"/>
-              </a:spcBef>
-              <a:spcAft>
-                <a:spcPts val="0"/>
-              </a:spcAft>
-              <a:buNone/>
-            </a:pPr>
+            <a:r>
+              <a:rPr lang="he-IL" sz="1120" dirty="0" err="1">
+                <a:latin typeface="Montserrat" pitchFamily="2" charset="77"/>
+              </a:rPr>
+              <a:t>מימד</a:t>
+            </a:r>
+            <a:r>
+              <a:rPr lang="he-IL" sz="1120" dirty="0">
+                <a:latin typeface="Montserrat" pitchFamily="2" charset="77"/>
+              </a:rPr>
+              <a:t> כדי לטפל בממדיות גבוהה, ולהעריך בקפידה אלגוריתמים שונים כדי לקבוע איזה מהם מתאים ביותר למשימה.</a:t>
+            </a:r>
             <a:endParaRPr lang="en-US" sz="1120" dirty="0">
               <a:latin typeface="Montserrat" pitchFamily="2" charset="77"/>
             </a:endParaRPr>
@@ -12239,7 +10699,7 @@
           </a:bodyPr>
           <a:lstStyle/>
           <a:p>
-            <a:pPr marL="0" lvl="0" indent="0" algn="l" rtl="0">
+            <a:pPr marL="0" lvl="0" indent="0" algn="r" rtl="0">
               <a:spcBef>
                 <a:spcPts val="0"/>
               </a:spcBef>
@@ -12248,26 +10708,24 @@
               </a:spcAft>
               <a:buNone/>
             </a:pPr>
+            <a:r>
+              <a:rPr lang="he-IL" sz="1120" dirty="0">
+                <a:latin typeface="Montserrat" pitchFamily="2" charset="77"/>
+              </a:rPr>
+              <a:t>עשינו מספר הנחות כדי להשלים את המשימה של זיהוי תוכנות זדוניות באנדרואיד, כמו הנחה שמערך הנתונים היה מייצג, מסומן כהלכה, התכונות היו רלוונטיות ואינפורמטיביות, ואלגוריתמי ה-</a:t>
+            </a:r>
             <a:r>
               <a:rPr lang="en-US" sz="1120" dirty="0">
                 <a:latin typeface="Montserrat" pitchFamily="2" charset="77"/>
               </a:rPr>
-              <a:t>We made several assumptions to complete the task of Android malware detection, such as assuming the dataset was representative, labeled correctly, features were relevant and informative, and the ML algorithms used were suitable. However, these assumptions may not be true and could lead to inaccurate models.</a:t>
+              <a:t>ML </a:t>
             </a:r>
-            <a:endParaRPr lang="en-IL" sz="1120" dirty="0">
-              <a:latin typeface="Montserrat" pitchFamily="2" charset="77"/>
-            </a:endParaRPr>
-          </a:p>
-          <a:p>
-            <a:pPr marL="0" lvl="0" indent="0" algn="l" rtl="0">
-              <a:spcBef>
-                <a:spcPts val="0"/>
-              </a:spcBef>
-              <a:spcAft>
-                <a:spcPts val="0"/>
-              </a:spcAft>
-              <a:buNone/>
-            </a:pPr>
+            <a:r>
+              <a:rPr lang="he-IL" sz="1120" dirty="0">
+                <a:latin typeface="Montserrat" pitchFamily="2" charset="77"/>
+              </a:rPr>
+              <a:t>שבהם נעשה שימוש מתאימים. עם זאת, ייתכן שהנחות אלו אינן נכונות ועלולות להוביל למודלים לא מדויקים.</a:t>
+            </a:r>
             <a:endParaRPr lang="en-US" sz="1120" dirty="0">
               <a:latin typeface="Montserrat" pitchFamily="2" charset="77"/>
             </a:endParaRPr>
@@ -12430,7 +10888,7 @@
                 <a:latin typeface="Montserrat" pitchFamily="2" charset="77"/>
                 <a:ea typeface="Lato" panose="020F0502020204030203" pitchFamily="34" charset="0"/>
               </a:rPr>
-              <a:t>		 	 	 		</a:t>
+              <a:t> 	 		</a:t>
             </a:r>
             <a:endParaRPr sz="1120" dirty="0">
               <a:latin typeface="Montserrat" pitchFamily="2" charset="77"/>
@@ -12449,14 +10907,14 @@
               <a:buNone/>
             </a:pPr>
             <a:r>
-              <a:rPr lang="iw" sz="1120" dirty="0">
+              <a:rPr lang="en-US" sz="1120" dirty="0">
                 <a:latin typeface="Montserrat" pitchFamily="2" charset="77"/>
                 <a:ea typeface="Lato" panose="020F0502020204030203" pitchFamily="34" charset="0"/>
               </a:rPr>
               <a:t>dataset: </a:t>
             </a:r>
             <a:r>
-              <a:rPr lang="iw" sz="1120" u="sng" dirty="0">
+              <a:rPr lang="en-US" sz="1120" u="sng" dirty="0">
                 <a:solidFill>
                   <a:schemeClr val="hlink"/>
                 </a:solidFill>
@@ -12466,7 +10924,7 @@
               </a:rPr>
               <a:t>https://github.com/motidahari/Mobile-Security-ML-Android-Malware-Detection/tree/main/data/apks/result</a:t>
             </a:r>
-            <a:endParaRPr sz="1120" b="1" dirty="0">
+            <a:endParaRPr lang="en-US" sz="1120" b="1" dirty="0">
               <a:solidFill>
                 <a:srgbClr val="000000"/>
               </a:solidFill>
@@ -12487,25 +10945,56 @@
               <a:buNone/>
             </a:pPr>
             <a:r>
-              <a:rPr lang="iw" sz="1120" b="1" dirty="0">
-                <a:solidFill>
-                  <a:srgbClr val="000000"/>
-                </a:solidFill>
+              <a:rPr lang="he-IL" sz="1120" dirty="0" err="1">
                 <a:latin typeface="Montserrat" pitchFamily="2" charset="77"/>
                 <a:ea typeface="Lato" panose="020F0502020204030203" pitchFamily="34" charset="0"/>
-                <a:cs typeface="David"/>
-                <a:sym typeface="David"/>
+              </a:rPr>
+              <a:t>result</a:t>
+            </a:r>
+            <a:r>
+              <a:rPr lang="he-IL" sz="1120" dirty="0">
+                <a:latin typeface="Montserrat" pitchFamily="2" charset="77"/>
+                <a:ea typeface="Lato" panose="020F0502020204030203" pitchFamily="34" charset="0"/>
               </a:rPr>
               <a:t> </a:t>
             </a:r>
-            <a:endParaRPr sz="1120" b="1" dirty="0">
+            <a:r>
+              <a:rPr lang="en-US" sz="1120" dirty="0">
+                <a:latin typeface="Montserrat" pitchFamily="2" charset="77"/>
+                <a:ea typeface="Lato" panose="020F0502020204030203" pitchFamily="34" charset="0"/>
+              </a:rPr>
+              <a:t>algorithms: </a:t>
+            </a:r>
+            <a:r>
+              <a:rPr lang="en-US" sz="1120" dirty="0">
+                <a:latin typeface="Montserrat" pitchFamily="2" charset="77"/>
+                <a:ea typeface="Lato" panose="020F0502020204030203" pitchFamily="34" charset="0"/>
+                <a:hlinkClick r:id="rId5"/>
+              </a:rPr>
+              <a:t>https://github.com/motidahari/Mobile-Security-ML-Android-Malware-Detection-Machine-learning-course/blob/main/data/apks/result/</a:t>
+            </a:r>
+            <a:r>
+              <a:rPr lang="en-US" sz="1120" dirty="0" err="1">
+                <a:latin typeface="Montserrat" pitchFamily="2" charset="77"/>
+                <a:ea typeface="Lato" panose="020F0502020204030203" pitchFamily="34" charset="0"/>
+                <a:hlinkClick r:id="rId5"/>
+              </a:rPr>
+              <a:t>bestValuesForAlgoritems.jso</a:t>
+            </a:r>
+            <a:r>
+              <a:rPr lang="en-US" sz="1120" dirty="0" err="1">
+                <a:latin typeface="Montserrat" pitchFamily="2" charset="77"/>
+                <a:ea typeface="Lato" panose="020F0502020204030203" pitchFamily="34" charset="0"/>
+                <a:hlinkClick r:id="rId5"/>
+              </a:rPr>
+              <a:t>n</a:t>
+            </a:r>
+            <a:endParaRPr lang="he-IL" sz="1120" u="sng" dirty="0">
               <a:solidFill>
-                <a:srgbClr val="000000"/>
+                <a:schemeClr val="hlink"/>
               </a:solidFill>
               <a:latin typeface="Montserrat" pitchFamily="2" charset="77"/>
               <a:ea typeface="Lato" panose="020F0502020204030203" pitchFamily="34" charset="0"/>
-              <a:cs typeface="Lato" panose="020F0502020204030203" pitchFamily="34" charset="0"/>
-              <a:sym typeface="David"/>
             </a:endParaRPr>
           </a:p>
           <a:p>
@@ -12519,7 +11008,7 @@
               <a:buNone/>
             </a:pPr>
             <a:r>
-              <a:rPr lang="iw" sz="1120" dirty="0">
+              <a:rPr lang="en-US" sz="1120" dirty="0">
                 <a:solidFill>
                   <a:srgbClr val="000000"/>
                 </a:solidFill>
@@ -12530,7 +11019,7 @@
               </a:rPr>
               <a:t>					</a:t>
             </a:r>
-            <a:endParaRPr sz="1120" dirty="0">
+            <a:endParaRPr lang="en-US" sz="1120" dirty="0">
               <a:solidFill>
                 <a:srgbClr val="000000"/>
               </a:solidFill>
@@ -12756,7 +11245,7 @@
           </a:bodyPr>
           <a:lstStyle/>
           <a:p>
-            <a:pPr marL="0" lvl="0" indent="0" rtl="0">
+            <a:pPr marL="0" lvl="0" indent="0" algn="r" rtl="0">
               <a:spcBef>
                 <a:spcPts val="0"/>
               </a:spcBef>
@@ -12765,30 +11254,15 @@
               </a:spcAft>
               <a:buNone/>
             </a:pPr>
-            <a:r>
-              <a:rPr lang="en-US" sz="1120" dirty="0">
-                <a:latin typeface="Montserrat" pitchFamily="2" charset="77"/>
-              </a:rPr>
-              <a:t>Our presentation covers a machine learning-based approach for detecting malware on Android devices. We used a dataset of 4591 apps </a:t>
-            </a:r>
-            <a:r>
-              <a:rPr lang="he-IL" sz="1120" dirty="0" err="1">
-                <a:latin typeface="Montserrat" pitchFamily="2" charset="77"/>
-              </a:rPr>
-              <a:t>and</a:t>
-            </a:r>
             <a:r>
               <a:rPr lang="he-IL" sz="1120" dirty="0">
                 <a:latin typeface="Montserrat" pitchFamily="2" charset="77"/>
               </a:rPr>
-              <a:t> </a:t>
+              <a:t>המצגת שלנו מכסה גישה מבוססת למידת מכונה לאיתור תוכנות זדוניות במכשירי אנדרואיד. השתמשנו במערך נתונים של 4591 אפליקציות והכשרנו עליו מודלים שונים. נדון במתודולוגיה, בתוצאות, במדדי הערכה ובתובנות, כמו גם במגבלות וכיוונים עתידיים למחקר זה.</a:t>
             </a:r>
-            <a:r>
-              <a:rPr lang="en-US" sz="1120" dirty="0">
-                <a:latin typeface="Montserrat" pitchFamily="2" charset="77"/>
-              </a:rPr>
-              <a:t>trained various models on it. We will discuss the methodology, results, evaluation metrics, and insights, as well as limitations and future directions for this research.</a:t>
-            </a:r>
+            <a:endParaRPr lang="en-US" sz="1120" dirty="0">
+              <a:latin typeface="Montserrat" pitchFamily="2" charset="77"/>
+            </a:endParaRPr>
           </a:p>
         </p:txBody>
       </p:sp>
@@ -12875,8 +11349,8 @@
         </p:nvSpPr>
         <p:spPr>
           <a:xfrm>
-            <a:off x="1401410" y="978751"/>
-            <a:ext cx="5047620" cy="2513999"/>
+            <a:off x="506626" y="978750"/>
+            <a:ext cx="8513805" cy="3889811"/>
           </a:xfrm>
           <a:prstGeom prst="rect">
             <a:avLst/>
@@ -12884,11 +11358,11 @@
         </p:spPr>
         <p:txBody>
           <a:bodyPr spcFirstLastPara="1" wrap="square" lIns="91425" tIns="91425" rIns="91425" bIns="91425" anchor="t" anchorCtr="0">
-            <a:normAutofit/>
+            <a:noAutofit/>
           </a:bodyPr>
           <a:lstStyle/>
           <a:p>
-            <a:pPr marL="0" lvl="0" indent="0" rtl="0">
+            <a:pPr marL="0" lvl="0" indent="0" algn="r" rtl="0">
               <a:spcBef>
                 <a:spcPts val="0"/>
               </a:spcBef>
@@ -12898,61 +11372,244 @@
               <a:buNone/>
             </a:pPr>
             <a:r>
-              <a:rPr lang="en-US" sz="1120" dirty="0">
+              <a:rPr lang="he-IL" sz="1150" dirty="0">
                 <a:latin typeface="Montserrat" pitchFamily="2" charset="77"/>
               </a:rPr>
-              <a:t>This project used a dataset of 4591 apps, during the data extraction 1817 apps were selected, 165 labeled as malicious and 1652 as benign. Various features were extracted to train machine learning models like SVM with a linear kernel, Logistic Regression, </a:t>
+              <a:t>בפרויקט זה השתמש במערך נתונים של 4591 אפליקציות, במהלך חילוץ הנתונים נבחרו 1817 אפליקציות, 165 תויגו כזדוניות ו- 1652 כשפירות. </a:t>
+            </a:r>
+          </a:p>
+          <a:p>
+            <a:pPr marL="0" lvl="0" indent="0" algn="r" rtl="0">
+              <a:spcBef>
+                <a:spcPts val="0"/>
+              </a:spcBef>
+              <a:spcAft>
+                <a:spcPts val="1200"/>
+              </a:spcAft>
+              <a:buNone/>
+            </a:pPr>
+            <a:r>
+              <a:rPr lang="he-IL" sz="1150" dirty="0">
+                <a:latin typeface="Montserrat" pitchFamily="2" charset="77"/>
+              </a:rPr>
+              <a:t>לפני העברת המידע למודל חילצנו את הנתונים לתוך קובץ </a:t>
             </a:r>
             <a:r>
-              <a:rPr lang="en-US" sz="1120" dirty="0" err="1">
+              <a:rPr lang="en-US" sz="1150" dirty="0" err="1">
                 <a:latin typeface="Montserrat" pitchFamily="2" charset="77"/>
               </a:rPr>
-              <a:t>KNeighborsClassifier</a:t>
+              <a:t>json</a:t>
             </a:r>
             <a:r>
-              <a:rPr lang="en-US" sz="1120" dirty="0">
+              <a:rPr lang="en-US" sz="1150" dirty="0">
                 <a:latin typeface="Montserrat" pitchFamily="2" charset="77"/>
               </a:rPr>
               <a:t>, </a:t>
             </a:r>
             <a:r>
-              <a:rPr lang="en-US" sz="1120" dirty="0" err="1">
+              <a:rPr lang="he-IL" sz="1150" dirty="0">
+                <a:latin typeface="Montserrat" pitchFamily="2" charset="77"/>
+              </a:rPr>
+              <a:t>בנינו מודלים  </a:t>
+            </a:r>
+          </a:p>
+          <a:p>
+            <a:pPr marL="0" lvl="0" indent="0" algn="r" rtl="0">
+              <a:spcBef>
+                <a:spcPts val="0"/>
+              </a:spcBef>
+              <a:spcAft>
+                <a:spcPts val="1200"/>
+              </a:spcAft>
+              <a:buNone/>
+            </a:pPr>
+            <a:r>
+              <a:rPr lang="he-IL" sz="1150" dirty="0">
+                <a:latin typeface="Montserrat" pitchFamily="2" charset="77"/>
+              </a:rPr>
+              <a:t> שוני של למידת מכונה כמו:</a:t>
+            </a:r>
+          </a:p>
+          <a:p>
+            <a:pPr marL="0" lvl="0" indent="0" algn="r" rtl="0">
+              <a:spcBef>
+                <a:spcPts val="0"/>
+              </a:spcBef>
+              <a:spcAft>
+                <a:spcPts val="1200"/>
+              </a:spcAft>
+              <a:buNone/>
+            </a:pPr>
+            <a:r>
+              <a:rPr lang="en-US" sz="1150" dirty="0">
+                <a:latin typeface="Montserrat" pitchFamily="2" charset="77"/>
+              </a:rPr>
+              <a:t>SVM </a:t>
+            </a:r>
+            <a:r>
+              <a:rPr lang="he-IL" sz="1150" dirty="0">
+                <a:latin typeface="Montserrat" pitchFamily="2" charset="77"/>
+              </a:rPr>
+              <a:t>עם ליבה לינארית</a:t>
+            </a:r>
+          </a:p>
+          <a:p>
+            <a:pPr marL="0" lvl="0" indent="0" algn="r" rtl="0">
+              <a:spcBef>
+                <a:spcPts val="0"/>
+              </a:spcBef>
+              <a:spcAft>
+                <a:spcPts val="1200"/>
+              </a:spcAft>
+              <a:buNone/>
+            </a:pPr>
+            <a:r>
+              <a:rPr lang="en-US" sz="1150" dirty="0">
+                <a:latin typeface="Montserrat" pitchFamily="2" charset="77"/>
+              </a:rPr>
+              <a:t>Logistic Regression</a:t>
+            </a:r>
+          </a:p>
+          <a:p>
+            <a:pPr marL="0" lvl="0" indent="0" algn="r" rtl="0">
+              <a:spcBef>
+                <a:spcPts val="0"/>
+              </a:spcBef>
+              <a:spcAft>
+                <a:spcPts val="1200"/>
+              </a:spcAft>
+              <a:buNone/>
+            </a:pPr>
+            <a:r>
+              <a:rPr lang="en-US" sz="1150" dirty="0" err="1">
+                <a:latin typeface="Montserrat" pitchFamily="2" charset="77"/>
+              </a:rPr>
+              <a:t>GradientBoostingClassifier</a:t>
+            </a:r>
+            <a:endParaRPr lang="en-US" sz="1150" dirty="0">
+              <a:latin typeface="Montserrat" pitchFamily="2" charset="77"/>
+            </a:endParaRPr>
+          </a:p>
+          <a:p>
+            <a:pPr marL="0" lvl="0" indent="0" algn="r" rtl="0">
+              <a:spcBef>
+                <a:spcPts val="0"/>
+              </a:spcBef>
+              <a:spcAft>
+                <a:spcPts val="1200"/>
+              </a:spcAft>
+              <a:buNone/>
+            </a:pPr>
+            <a:r>
+              <a:rPr lang="en-US" sz="1150" dirty="0" err="1">
                 <a:latin typeface="Montserrat" pitchFamily="2" charset="77"/>
               </a:rPr>
               <a:t>DecisionTreeClassifier</a:t>
             </a:r>
+            <a:endParaRPr lang="en-US" sz="1150" dirty="0">
+              <a:latin typeface="Montserrat" pitchFamily="2" charset="77"/>
+            </a:endParaRPr>
+          </a:p>
+          <a:p>
+            <a:pPr marL="0" lvl="0" indent="0" algn="r" rtl="0">
+              <a:spcBef>
+                <a:spcPts val="0"/>
+              </a:spcBef>
+              <a:spcAft>
+                <a:spcPts val="1200"/>
+              </a:spcAft>
+              <a:buNone/>
+            </a:pPr>
             <a:r>
-              <a:rPr lang="en-US" sz="1120" dirty="0">
+              <a:rPr lang="en-US" sz="1150" dirty="0" err="1">
                 <a:latin typeface="Montserrat" pitchFamily="2" charset="77"/>
               </a:rPr>
-              <a:t>, and </a:t>
+              <a:t>KNeighborsClassifier</a:t>
+            </a:r>
+            <a:endParaRPr lang="en-US" sz="1150" dirty="0">
+              <a:latin typeface="Montserrat" pitchFamily="2" charset="77"/>
+            </a:endParaRPr>
+          </a:p>
+          <a:p>
+            <a:pPr marL="0" lvl="0" indent="0" algn="r" rtl="0">
+              <a:spcBef>
+                <a:spcPts val="0"/>
+              </a:spcBef>
+              <a:spcAft>
+                <a:spcPts val="1200"/>
+              </a:spcAft>
+              <a:buNone/>
+            </a:pPr>
+            <a:r>
+              <a:rPr lang="he-IL" sz="1150" dirty="0">
+                <a:latin typeface="Montserrat" pitchFamily="2" charset="77"/>
+              </a:rPr>
+              <a:t>מערך הנתונים כלל קטגוריות שונות של </a:t>
             </a:r>
             <a:r>
-              <a:rPr lang="en-US" sz="1120" dirty="0" err="1">
+              <a:rPr lang="he-IL" sz="1150" dirty="0" err="1">
                 <a:latin typeface="Montserrat" pitchFamily="2" charset="77"/>
               </a:rPr>
-              <a:t>GradientBoostingClassifier</a:t>
+              <a:t>פיצרים</a:t>
             </a:r>
             <a:r>
-              <a:rPr lang="en-US" sz="1120" dirty="0">
+              <a:rPr lang="he-IL" sz="1150" dirty="0">
                 <a:latin typeface="Montserrat" pitchFamily="2" charset="77"/>
               </a:rPr>
-              <a:t>. </a:t>
+              <a:t> מסוגים שונים.</a:t>
             </a:r>
-            <a:br>
-              <a:rPr lang="en-US" sz="1120" dirty="0">
+          </a:p>
+          <a:p>
+            <a:pPr marL="0" lvl="0" indent="0" algn="r" rtl="0">
+              <a:spcBef>
+                <a:spcPts val="0"/>
+              </a:spcBef>
+              <a:spcAft>
+                <a:spcPts val="1200"/>
+              </a:spcAft>
+              <a:buNone/>
+            </a:pPr>
+            <a:r>
+              <a:rPr lang="he-IL" sz="1150" dirty="0">
                 <a:latin typeface="Montserrat" pitchFamily="2" charset="77"/>
               </a:rPr>
-            </a:br>
+              <a:t>המידע שחולץ מהאפליקציות אוחסן בקובץ  </a:t>
+            </a:r>
             <a:r>
-              <a:rPr lang="en-US" sz="1120" dirty="0">
+              <a:rPr lang="en-US" sz="1150" dirty="0">
                 <a:latin typeface="Montserrat" pitchFamily="2" charset="77"/>
               </a:rPr>
-              <a:t>The dataset also included categories and Android API calls. The extracted information was stored in a JSON file, any missing values were filled with 0, and helper functions were written to extract and organize the information.</a:t>
+              <a:t>JSON</a:t>
             </a:r>
-            <a:endParaRPr lang="he-IL" sz="1120" dirty="0">
-              <a:latin typeface="Montserrat" pitchFamily="2" charset="77"/>
-            </a:endParaRPr>
+          </a:p>
+          <a:p>
+            <a:pPr marL="0" lvl="0" indent="0" algn="r" rtl="0">
+              <a:spcBef>
+                <a:spcPts val="0"/>
+              </a:spcBef>
+              <a:spcAft>
+                <a:spcPts val="1200"/>
+              </a:spcAft>
+              <a:buNone/>
+            </a:pPr>
+            <a:r>
+              <a:rPr lang="he-IL" sz="1150" dirty="0">
+                <a:latin typeface="Montserrat" pitchFamily="2" charset="77"/>
+              </a:rPr>
+              <a:t>כל הערכים החסרים מולאו ב-0(</a:t>
+            </a:r>
+            <a:r>
+              <a:rPr lang="he-IL" sz="1150" dirty="0" err="1">
+                <a:latin typeface="Montserrat" pitchFamily="2" charset="77"/>
+              </a:rPr>
+              <a:t>הפיצרים</a:t>
+            </a:r>
+            <a:r>
+              <a:rPr lang="he-IL" sz="1150" dirty="0">
+                <a:latin typeface="Montserrat" pitchFamily="2" charset="77"/>
+              </a:rPr>
+              <a:t>), בנוסף נכתבו פונקציות עזר כדי לחלץ ולארגן את המידע.</a:t>
+            </a:r>
           </a:p>
         </p:txBody>
       </p:sp>
@@ -13052,7 +11709,7 @@
           </a:bodyPr>
           <a:lstStyle/>
           <a:p>
-            <a:pPr marL="0" lvl="0" indent="0" rtl="0">
+            <a:pPr marL="0" lvl="0" indent="0" algn="r" rtl="0">
               <a:spcBef>
                 <a:spcPts val="0"/>
               </a:spcBef>
@@ -13062,11 +11719,26 @@
               <a:buNone/>
             </a:pPr>
             <a:r>
-              <a:rPr lang="en-US" sz="1120" dirty="0">
+              <a:rPr lang="he-IL" sz="1120" dirty="0">
                 <a:latin typeface="Montserrat" pitchFamily="2" charset="77"/>
               </a:rPr>
-              <a:t>We pre-processed the data to prepare it for training the model. The steps included data cleaning, transformation, dimensionality reduction, and balancing the dataset. This was necessary to ensure the data was of high quality and to overcome challenges faced in the project.</a:t>
+              <a:t>עיבדנו מראש את הנתונים כדי להכין אותם לאימון המודל. השלבים כללו ניקוי נתונים, טרנספורמציה, הפחתת </a:t>
             </a:r>
+            <a:r>
+              <a:rPr lang="he-IL" sz="1120" dirty="0" err="1">
+                <a:latin typeface="Montserrat" pitchFamily="2" charset="77"/>
+              </a:rPr>
+              <a:t>מימד</a:t>
+            </a:r>
+            <a:r>
+              <a:rPr lang="he-IL" sz="1120" dirty="0">
+                <a:latin typeface="Montserrat" pitchFamily="2" charset="77"/>
+              </a:rPr>
+              <a:t> ואיזון מערך הנתונים. זה היה הכרחי כדי להבטיח שהנתונים יהיו באיכות גבוהה וכדי להתגבר על האתגרים הניצבים בפני הפרויקט.</a:t>
+            </a:r>
+            <a:endParaRPr lang="en-US" sz="1120" dirty="0">
+              <a:latin typeface="Montserrat" pitchFamily="2" charset="77"/>
+            </a:endParaRPr>
           </a:p>
         </p:txBody>
       </p:sp>
@@ -13174,7 +11846,7 @@
           </a:bodyPr>
           <a:lstStyle/>
           <a:p>
-            <a:pPr marL="0" lvl="0" indent="0" algn="l" rtl="0">
+            <a:pPr marL="0" lvl="0" indent="0" algn="r" rtl="0">
               <a:spcBef>
                 <a:spcPts val="0"/>
               </a:spcBef>
@@ -13184,7 +11856,7 @@
               <a:buNone/>
             </a:pPr>
             <a:r>
-              <a:rPr lang="en-US" sz="1120" b="0" i="0" dirty="0">
+              <a:rPr lang="he-IL" sz="1120" b="0" i="0" dirty="0">
                 <a:solidFill>
                   <a:srgbClr val="D1D5DB"/>
                 </a:solidFill>
@@ -13193,19 +11865,8 @@
                 <a:ea typeface="Lato" panose="020F0502020204030203" pitchFamily="34" charset="0"/>
                 <a:cs typeface="Lato" panose="020F0502020204030203" pitchFamily="34" charset="0"/>
               </a:rPr>
-              <a:t>This project extracted various features from the dataset of Android apps:</a:t>
+              <a:t>פרויקט זה חילץ תכונות שונות ממערך הנתונים של אפליקציות אנדרואיד:</a:t>
             </a:r>
-          </a:p>
-          <a:p>
-            <a:pPr marL="0" lvl="0" indent="0" algn="l" rtl="0">
-              <a:spcBef>
-                <a:spcPts val="0"/>
-              </a:spcBef>
-              <a:spcAft>
-                <a:spcPts val="0"/>
-              </a:spcAft>
-              <a:buNone/>
-            </a:pPr>
             <a:endParaRPr lang="en-US" sz="1120" dirty="0">
               <a:solidFill>
                 <a:srgbClr val="D1D5DB"/>
@@ -13216,7 +11877,7 @@
             </a:endParaRPr>
           </a:p>
           <a:p>
-            <a:pPr marL="0" lvl="0" indent="0" algn="l" rtl="0">
+            <a:pPr marL="0" lvl="0" indent="0" algn="r" rtl="0">
               <a:spcBef>
                 <a:spcPts val="0"/>
               </a:spcBef>
@@ -13456,7 +12117,130 @@
           </a:bodyPr>
           <a:lstStyle/>
           <a:p>
-            <a:pPr marL="183198" lvl="0" indent="0" algn="l" rtl="0">
+            <a:pPr marL="183198" lvl="0" indent="0" algn="r" rtl="0">
+              <a:spcBef>
+                <a:spcPts val="0"/>
+              </a:spcBef>
+              <a:spcAft>
+                <a:spcPts val="0"/>
+              </a:spcAft>
+              <a:buSzPct val="100000"/>
+              <a:buNone/>
+            </a:pPr>
+            <a:r>
+              <a:rPr lang="he-IL" sz="1120" dirty="0">
+                <a:latin typeface="Montserrat" pitchFamily="2" charset="77"/>
+              </a:rPr>
+              <a:t>לפרויקט היו מספר שלבים:</a:t>
+            </a:r>
+          </a:p>
+          <a:p>
+            <a:pPr marL="183198" lvl="0" indent="0" algn="r" rtl="0">
+              <a:spcBef>
+                <a:spcPts val="0"/>
+              </a:spcBef>
+              <a:spcAft>
+                <a:spcPts val="0"/>
+              </a:spcAft>
+              <a:buSzPct val="100000"/>
+              <a:buNone/>
+            </a:pPr>
+            <a:r>
+              <a:rPr lang="he-IL" sz="1120" dirty="0">
+                <a:latin typeface="Montserrat" pitchFamily="2" charset="77"/>
+              </a:rPr>
+              <a:t>1. איסוף נתונים </a:t>
+            </a:r>
+          </a:p>
+          <a:p>
+            <a:pPr marL="183198" lvl="0" indent="0" algn="r" rtl="0">
+              <a:spcBef>
+                <a:spcPts val="0"/>
+              </a:spcBef>
+              <a:spcAft>
+                <a:spcPts val="0"/>
+              </a:spcAft>
+              <a:buSzPct val="100000"/>
+              <a:buNone/>
+            </a:pPr>
+            <a:r>
+              <a:rPr lang="he-IL" sz="1120" dirty="0">
+                <a:latin typeface="Montserrat" pitchFamily="2" charset="77"/>
+              </a:rPr>
+              <a:t>2. מיצוי תכונות </a:t>
+            </a:r>
+          </a:p>
+          <a:p>
+            <a:pPr marL="183198" lvl="0" indent="0" algn="r" rtl="0">
+              <a:spcBef>
+                <a:spcPts val="0"/>
+              </a:spcBef>
+              <a:spcAft>
+                <a:spcPts val="0"/>
+              </a:spcAft>
+              <a:buSzPct val="100000"/>
+              <a:buNone/>
+            </a:pPr>
+            <a:r>
+              <a:rPr lang="he-IL" sz="1120" dirty="0">
+                <a:latin typeface="Montserrat" pitchFamily="2" charset="77"/>
+              </a:rPr>
+              <a:t>3. עיבוד מקדים של נתונים הדרכת מודלים</a:t>
+            </a:r>
+          </a:p>
+          <a:p>
+            <a:pPr marL="183198" lvl="0" indent="0" algn="r" rtl="0">
+              <a:spcBef>
+                <a:spcPts val="0"/>
+              </a:spcBef>
+              <a:spcAft>
+                <a:spcPts val="0"/>
+              </a:spcAft>
+              <a:buSzPct val="100000"/>
+              <a:buNone/>
+            </a:pPr>
+            <a:r>
+              <a:rPr lang="he-IL" sz="1120" dirty="0">
+                <a:latin typeface="Montserrat" pitchFamily="2" charset="77"/>
+              </a:rPr>
+              <a:t>4. הערכה. </a:t>
+            </a:r>
+          </a:p>
+          <a:p>
+            <a:pPr marL="183198" lvl="0" indent="0" algn="r" rtl="0">
+              <a:spcBef>
+                <a:spcPts val="0"/>
+              </a:spcBef>
+              <a:spcAft>
+                <a:spcPts val="0"/>
+              </a:spcAft>
+              <a:buSzPct val="100000"/>
+              <a:buNone/>
+            </a:pPr>
+            <a:endParaRPr lang="he-IL" sz="1120" dirty="0">
+              <a:latin typeface="Montserrat" pitchFamily="2" charset="77"/>
+            </a:endParaRPr>
+          </a:p>
+          <a:p>
+            <a:pPr marL="183198" lvl="0" indent="0" algn="r" rtl="0">
+              <a:spcBef>
+                <a:spcPts val="0"/>
+              </a:spcBef>
+              <a:spcAft>
+                <a:spcPts val="0"/>
+              </a:spcAft>
+              <a:buSzPct val="100000"/>
+              <a:buNone/>
+            </a:pPr>
+            <a:r>
+              <a:rPr lang="he-IL" sz="1120" dirty="0">
+                <a:latin typeface="Montserrat" pitchFamily="2" charset="77"/>
+              </a:rPr>
+              <a:t>התכונות שימשו לאימון מודלים של למידת מכונה כגון :</a:t>
+            </a:r>
+          </a:p>
+          <a:p>
+            <a:pPr marL="183198" lvl="0" indent="0" algn="r" rtl="0">
               <a:spcBef>
                 <a:spcPts val="0"/>
               </a:spcBef>
@@ -13470,14 +12254,11 @@
               <a:rPr lang="en-US" sz="1120" dirty="0">
                 <a:latin typeface="Montserrat" pitchFamily="2" charset="77"/>
               </a:rPr>
-              <a:t>The project had several stages: </a:t>
+              <a:t>SVM with a linear kernel</a:t>
             </a:r>
-            <a:endParaRPr lang="he-IL" sz="1120" dirty="0">
-              <a:latin typeface="Montserrat" pitchFamily="2" charset="77"/>
-            </a:endParaRPr>
           </a:p>
           <a:p>
-            <a:pPr marL="411798" lvl="0" indent="-228600" algn="l" rtl="0">
+            <a:pPr marL="183198" lvl="0" indent="0" algn="r" rtl="0">
               <a:spcBef>
                 <a:spcPts val="0"/>
               </a:spcBef>
@@ -13485,17 +12266,17 @@
                 <a:spcPts val="0"/>
               </a:spcAft>
               <a:buSzPct val="100000"/>
-              <a:buAutoNum type="arabicPeriod"/>
+              <a:buNone/>
             </a:pPr>
             <a:r>
               <a:rPr lang="en-US" sz="1120" dirty="0">
                 <a:latin typeface="Montserrat" pitchFamily="2" charset="77"/>
               </a:rPr>
-              <a:t>data collection</a:t>
+              <a:t>Logistic Regression</a:t>
             </a:r>
           </a:p>
           <a:p>
-            <a:pPr marL="411798" lvl="0" indent="-228600" algn="l" rtl="0">
+            <a:pPr marL="183198" lvl="0" indent="0" algn="r" rtl="0">
               <a:spcBef>
                 <a:spcPts val="0"/>
               </a:spcBef>
@@ -13503,138 +12284,8 @@
                 <a:spcPts val="0"/>
               </a:spcAft>
               <a:buSzPct val="100000"/>
-              <a:buAutoNum type="arabicPeriod"/>
+              <a:buNone/>
             </a:pPr>
-            <a:r>
-              <a:rPr lang="en-US" sz="1120" dirty="0">
-                <a:latin typeface="Montserrat" pitchFamily="2" charset="77"/>
-              </a:rPr>
-              <a:t>2. feature extraction</a:t>
-            </a:r>
-          </a:p>
-          <a:p>
-            <a:pPr marL="411798" lvl="0" indent="-228600" algn="l" rtl="0">
-              <a:spcBef>
-                <a:spcPts val="0"/>
-              </a:spcBef>
-              <a:spcAft>
-                <a:spcPts val="0"/>
-              </a:spcAft>
-              <a:buSzPct val="100000"/>
-              <a:buAutoNum type="arabicPeriod"/>
-            </a:pPr>
-            <a:r>
-              <a:rPr lang="en-US" sz="1120" dirty="0">
-                <a:latin typeface="Montserrat" pitchFamily="2" charset="77"/>
-              </a:rPr>
-              <a:t>3. data preprocessing</a:t>
-            </a:r>
-          </a:p>
-          <a:p>
-            <a:pPr marL="411798" lvl="0" indent="-228600" algn="l" rtl="0">
-              <a:spcBef>
-                <a:spcPts val="0"/>
-              </a:spcBef>
-              <a:spcAft>
-                <a:spcPts val="0"/>
-              </a:spcAft>
-              <a:buSzPct val="100000"/>
-              <a:buAutoNum type="arabicPeriod"/>
-            </a:pPr>
-            <a:r>
-              <a:rPr lang="en-US" sz="1120" dirty="0">
-                <a:latin typeface="Montserrat" pitchFamily="2" charset="77"/>
-              </a:rPr>
-              <a:t>model training</a:t>
-            </a:r>
-          </a:p>
-          <a:p>
-            <a:pPr marL="411798" lvl="0" indent="-228600" algn="l" rtl="0">
-              <a:spcBef>
-                <a:spcPts val="0"/>
-              </a:spcBef>
-              <a:spcAft>
-                <a:spcPts val="0"/>
-              </a:spcAft>
-              <a:buSzPct val="100000"/>
-              <a:buAutoNum type="arabicPeriod"/>
-            </a:pPr>
-            <a:r>
-              <a:rPr lang="en-US" sz="1120" dirty="0">
-                <a:latin typeface="Montserrat" pitchFamily="2" charset="77"/>
-              </a:rPr>
-              <a:t>evaluation. </a:t>
-            </a:r>
-          </a:p>
-          <a:p>
-            <a:pPr marL="183198" lvl="0" indent="0" algn="l" rtl="0">
-              <a:spcBef>
-                <a:spcPts val="0"/>
-              </a:spcBef>
-              <a:spcAft>
-                <a:spcPts val="0"/>
-              </a:spcAft>
-              <a:buSzPct val="100000"/>
-              <a:buNone/>
-            </a:pPr>
-            <a:br>
-              <a:rPr lang="en-US" sz="1120" dirty="0">
-                <a:latin typeface="Montserrat" pitchFamily="2" charset="77"/>
-              </a:rPr>
-            </a:br>
-            <a:r>
-              <a:rPr lang="en-US" sz="1120" dirty="0">
-                <a:latin typeface="Montserrat" pitchFamily="2" charset="77"/>
-              </a:rPr>
-              <a:t>The features were used to train machine learning models such as </a:t>
-            </a:r>
-            <a:br>
-              <a:rPr lang="en-US" sz="1120" dirty="0">
-                <a:latin typeface="Montserrat" pitchFamily="2" charset="77"/>
-              </a:rPr>
-            </a:br>
-            <a:r>
-              <a:rPr lang="en-US" sz="1120" dirty="0">
-                <a:latin typeface="Montserrat" pitchFamily="2" charset="77"/>
-              </a:rPr>
-              <a:t>1. SVM with a linear kernel</a:t>
-            </a:r>
-          </a:p>
-          <a:p>
-            <a:pPr marL="183198" lvl="0" indent="0" algn="l" rtl="0">
-              <a:spcBef>
-                <a:spcPts val="0"/>
-              </a:spcBef>
-              <a:spcAft>
-                <a:spcPts val="0"/>
-              </a:spcAft>
-              <a:buSzPct val="100000"/>
-              <a:buNone/>
-            </a:pPr>
-            <a:r>
-              <a:rPr lang="en-US" sz="1120" dirty="0">
-                <a:latin typeface="Montserrat" pitchFamily="2" charset="77"/>
-              </a:rPr>
-              <a:t>2. Logistic Regression</a:t>
-            </a:r>
-          </a:p>
-          <a:p>
-            <a:pPr marL="183198" lvl="0" indent="0" algn="l" rtl="0">
-              <a:spcBef>
-                <a:spcPts val="0"/>
-              </a:spcBef>
-              <a:spcAft>
-                <a:spcPts val="0"/>
-              </a:spcAft>
-              <a:buSzPct val="100000"/>
-              <a:buNone/>
-            </a:pPr>
-            <a:r>
-              <a:rPr lang="en-US" sz="1120" dirty="0">
-                <a:latin typeface="Montserrat" pitchFamily="2" charset="77"/>
-              </a:rPr>
-              <a:t>3. </a:t>
-            </a:r>
             <a:r>
               <a:rPr lang="en-US" sz="1120" dirty="0" err="1">
                 <a:latin typeface="Montserrat" pitchFamily="2" charset="77"/>
@@ -13646,7 +12297,7 @@
             </a:endParaRPr>
           </a:p>
           <a:p>
-            <a:pPr marL="183198" lvl="0" indent="0" algn="l" rtl="0">
+            <a:pPr marL="183198" lvl="0" indent="0" algn="r" rtl="0">
               <a:spcBef>
                 <a:spcPts val="0"/>
               </a:spcBef>
@@ -13656,12 +12307,6 @@
               <a:buSzPct val="100000"/>
               <a:buNone/>
             </a:pPr>
-            <a:r>
-              <a:rPr lang="en-US" sz="1120" dirty="0">
-                <a:latin typeface="Montserrat" pitchFamily="2" charset="77"/>
-              </a:rPr>
-              <a:t>4. </a:t>
-            </a:r>
             <a:r>
               <a:rPr lang="en-US" sz="1120" dirty="0" err="1">
                 <a:latin typeface="Montserrat" pitchFamily="2" charset="77"/>
@@ -13673,7 +12318,7 @@
             </a:endParaRPr>
           </a:p>
           <a:p>
-            <a:pPr marL="183198" lvl="0" indent="0" algn="l" rtl="0">
+            <a:pPr marL="183198" lvl="0" indent="0" algn="r" rtl="0">
               <a:spcBef>
                 <a:spcPts val="0"/>
               </a:spcBef>
@@ -13683,27 +12328,18 @@
               <a:buSzPct val="100000"/>
               <a:buNone/>
             </a:pPr>
-            <a:r>
-              <a:rPr lang="en-US" sz="1120" dirty="0">
-                <a:latin typeface="Montserrat" pitchFamily="2" charset="77"/>
-              </a:rPr>
-              <a:t>5. </a:t>
-            </a:r>
             <a:r>
               <a:rPr lang="en-US" sz="1120" dirty="0" err="1">
                 <a:latin typeface="Montserrat" pitchFamily="2" charset="77"/>
               </a:rPr>
               <a:t>GradientBoostingClassifier</a:t>
             </a:r>
-            <a:r>
-              <a:rPr lang="en-US" sz="1120" dirty="0">
-                <a:latin typeface="Montserrat" pitchFamily="2" charset="77"/>
-              </a:rPr>
-              <a:t>. </a:t>
-            </a:r>
+            <a:endParaRPr lang="en-US" sz="1120" dirty="0">
+              <a:latin typeface="Montserrat" pitchFamily="2" charset="77"/>
+            </a:endParaRPr>
           </a:p>
           <a:p>
-            <a:pPr marL="183198" lvl="0" indent="0" algn="l" rtl="0">
+            <a:pPr marL="183198" lvl="0" indent="0" algn="r" rtl="0">
               <a:spcBef>
                 <a:spcPts val="0"/>
               </a:spcBef>
@@ -13718,7 +12354,7 @@
             </a:endParaRPr>
           </a:p>
           <a:p>
-            <a:pPr marL="183198" lvl="0" indent="0" algn="l" rtl="0">
+            <a:pPr marL="183198" lvl="0" indent="0" algn="r" rtl="0">
               <a:spcBef>
                 <a:spcPts val="0"/>
               </a:spcBef>
@@ -13729,23 +12365,32 @@
               <a:buNone/>
             </a:pPr>
             <a:r>
-              <a:rPr lang="en-US" sz="1120" dirty="0">
+              <a:rPr lang="he-IL" sz="1120" dirty="0">
                 <a:latin typeface="Montserrat" pitchFamily="2" charset="77"/>
               </a:rPr>
-              <a:t>The performance of the models was evaluated using metrics such as accuracy, precision, and recall. The best performance was achieved by the </a:t>
+              <a:t>ביצועי המודלים הוערכו באמצעות מדדים כגון דיוק, דיוק וזכירה. </a:t>
             </a:r>
+          </a:p>
+          <a:p>
+            <a:pPr marL="183198" lvl="0" indent="0" algn="r" rtl="0">
+              <a:spcBef>
+                <a:spcPts val="0"/>
+              </a:spcBef>
+              <a:spcAft>
+                <a:spcPts val="0"/>
+              </a:spcAft>
+              <a:buSzPct val="100000"/>
+              <a:buNone/>
+            </a:pPr>
             <a:r>
-              <a:rPr lang="en-US" sz="1120" dirty="0" err="1">
+              <a:rPr lang="he-IL" sz="1120" dirty="0">
                 <a:latin typeface="Montserrat" pitchFamily="2" charset="77"/>
               </a:rPr>
-              <a:t>DecisionTreeClassifier</a:t>
+              <a:t>נמצא כי הגישה המוצעת עולה על השיטות המסורתיות במונחים של דיוק, דיוק וזכירה, אך עדיין יש מקום לשיפור. כמו כן, כתבנו סקריפטים שונים ופונקציות עוזר לאורך כל הפרויקט כדי להבטיח ביצוע חלק.</a:t>
             </a:r>
-            <a:r>
-              <a:rPr lang="en-US" sz="1120" dirty="0">
-                <a:latin typeface="Montserrat" pitchFamily="2" charset="77"/>
-              </a:rPr>
-              <a:t> model with an accuracy of 0.984, a precision of 1.000, and a recall of 0.982. The proposed approach was found to outperform traditional methods in terms of accuracy, precision, and recall, but there is still room for improvement. We also wrote various scripts and helper functions throughout the project to ensure smooth execution.</a:t>
-            </a:r>
+            <a:endParaRPr lang="en-US" sz="1120" dirty="0">
+              <a:latin typeface="Montserrat" pitchFamily="2" charset="77"/>
+            </a:endParaRPr>
           </a:p>
         </p:txBody>
       </p:sp>
@@ -13869,11 +12514,11 @@
         </p:spPr>
         <p:txBody>
           <a:bodyPr spcFirstLastPara="1" wrap="square" lIns="91425" tIns="91425" rIns="91425" bIns="91425" anchor="t" anchorCtr="0">
-            <a:normAutofit fontScale="92500" lnSpcReduction="20000"/>
+            <a:normAutofit/>
           </a:bodyPr>
           <a:lstStyle/>
           <a:p>
-            <a:pPr marL="0" lvl="0" indent="0" algn="l" rtl="0">
+            <a:pPr marL="0" lvl="0" indent="0" algn="r" rtl="0">
               <a:spcBef>
                 <a:spcPts val="0"/>
               </a:spcBef>
@@ -13882,6 +12527,84 @@
               </a:spcAft>
               <a:buNone/>
             </a:pPr>
+            <a:r>
+              <a:rPr lang="he-IL" sz="1120" b="0" i="0" dirty="0">
+                <a:solidFill>
+                  <a:srgbClr val="D1D5DB"/>
+                </a:solidFill>
+                <a:effectLst/>
+                <a:latin typeface="Montserrat" pitchFamily="2" charset="77"/>
+                <a:ea typeface="Lato" panose="020F0502020204030203" pitchFamily="34" charset="0"/>
+                <a:cs typeface="Lato" panose="020F0502020204030203" pitchFamily="34" charset="0"/>
+              </a:rPr>
+              <a:t>לסיכום, פיצול מידע שימש בפרויקט זה כדי לפרק מערך נתונים גדול של יישומי אנדרואיד לנתחים קטנים יותר וניתנים לניהול. זה עזר לצוות לחלץ בקלות תכונות רלוונטיות, לבצע ניתוח מעמיק ולאחסן ולאחזר נתונים ביעילות.</a:t>
+            </a:r>
+          </a:p>
+          <a:p>
+            <a:pPr marL="0" lvl="0" indent="0" algn="r" rtl="0">
+              <a:spcBef>
+                <a:spcPts val="0"/>
+              </a:spcBef>
+              <a:spcAft>
+                <a:spcPts val="0"/>
+              </a:spcAft>
+              <a:buNone/>
+            </a:pPr>
+            <a:r>
+              <a:rPr lang="he-IL" sz="1120" b="0" i="0" dirty="0">
+                <a:solidFill>
+                  <a:srgbClr val="D1D5DB"/>
+                </a:solidFill>
+                <a:effectLst/>
+                <a:latin typeface="Montserrat" pitchFamily="2" charset="77"/>
+                <a:ea typeface="Lato" panose="020F0502020204030203" pitchFamily="34" charset="0"/>
+                <a:cs typeface="Lato" panose="020F0502020204030203" pitchFamily="34" charset="0"/>
+              </a:rPr>
+              <a:t>זה מילא תפקיד מכריע בהפיכת הנתונים לשימושים לאימון מודל למידת המכונה.</a:t>
+            </a:r>
+          </a:p>
+          <a:p>
+            <a:pPr marL="0" lvl="0" indent="0" algn="r" rtl="0">
+              <a:spcBef>
+                <a:spcPts val="0"/>
+              </a:spcBef>
+              <a:spcAft>
+                <a:spcPts val="0"/>
+              </a:spcAft>
+              <a:buNone/>
+            </a:pPr>
+            <a:endParaRPr lang="he-IL" sz="1120" b="0" i="0" dirty="0">
+              <a:solidFill>
+                <a:srgbClr val="D1D5DB"/>
+              </a:solidFill>
+              <a:effectLst/>
+              <a:latin typeface="Montserrat" pitchFamily="2" charset="77"/>
+              <a:ea typeface="Lato" panose="020F0502020204030203" pitchFamily="34" charset="0"/>
+              <a:cs typeface="Lato" panose="020F0502020204030203" pitchFamily="34" charset="0"/>
+            </a:endParaRPr>
+          </a:p>
+          <a:p>
+            <a:pPr marL="0" lvl="0" indent="0" algn="r" rtl="0">
+              <a:spcBef>
+                <a:spcPts val="0"/>
+              </a:spcBef>
+              <a:spcAft>
+                <a:spcPts val="0"/>
+              </a:spcAft>
+              <a:buNone/>
+            </a:pPr>
+            <a:r>
+              <a:rPr lang="he-IL" sz="1120" b="0" i="0" dirty="0">
+                <a:solidFill>
+                  <a:srgbClr val="D1D5DB"/>
+                </a:solidFill>
+                <a:effectLst/>
+                <a:latin typeface="Montserrat" pitchFamily="2" charset="77"/>
+                <a:ea typeface="Lato" panose="020F0502020204030203" pitchFamily="34" charset="0"/>
+                <a:cs typeface="Lato" panose="020F0502020204030203" pitchFamily="34" charset="0"/>
+              </a:rPr>
+              <a:t>פיצול מידע היה מכריע בפרויקט זה מכיוון שהוא עזר לצוות לפרק את מערך הנתונים הגדול של 1817 יישומי אנדרואיד לנתחים קטנים יותר לניהול, ניתוח ואחסון טובים יותר. סקריפטים ופונקציות עוזר נכתבו כדי לסייע בחילוץ נתונים ועיבוד מקדים, המאפשרים ניתוח ממוקד של היבטים ספציפיים כגון קטגוריות וקריאות </a:t>
+            </a:r>
             <a:r>
               <a:rPr lang="en-US" sz="1120" b="0" i="0" dirty="0">
                 <a:solidFill>
@@ -13892,21 +12615,10 @@
                 <a:ea typeface="Lato" panose="020F0502020204030203" pitchFamily="34" charset="0"/>
                 <a:cs typeface="Lato" panose="020F0502020204030203" pitchFamily="34" charset="0"/>
               </a:rPr>
-              <a:t>In summary, information fragmentation was used in this project to break down a large dataset of Android applications into smaller, more manageable chunks. This helped the team to easily extract relevant features, perform in-depth analysis, and store and retrieve data efficiently. </a:t>
+              <a:t>API. </a:t>
             </a:r>
-          </a:p>
-          <a:p>
-            <a:pPr marL="0" lvl="0" indent="0" algn="l" rtl="0">
-              <a:spcBef>
-                <a:spcPts val="0"/>
-              </a:spcBef>
-              <a:spcAft>
-                <a:spcPts val="0"/>
-              </a:spcAft>
-              <a:buNone/>
-            </a:pPr>
             <a:r>
-              <a:rPr lang="en-US" sz="1120" b="0" i="0" dirty="0">
+              <a:rPr lang="he-IL" sz="1120" b="0" i="0" dirty="0">
                 <a:solidFill>
                   <a:srgbClr val="D1D5DB"/>
                 </a:solidFill>
@@ -13915,66 +12627,8 @@
                 <a:ea typeface="Lato" panose="020F0502020204030203" pitchFamily="34" charset="0"/>
                 <a:cs typeface="Lato" panose="020F0502020204030203" pitchFamily="34" charset="0"/>
               </a:rPr>
-              <a:t>It played a crucial role in making the data usable for training the machine learning model.</a:t>
+              <a:t>זה עזר לזהות דפוסים ומגמות רלוונטיות לזיהוי תוכנות זדוניות, ושיפר את הביצועים של מודלים של למידה חישובית. באופן כללי, לפרגמנטציה היה תפקיד מפתח בעבודה יעילה עם הנתונים ובהשגת תוצאות מדויקות.</a:t>
             </a:r>
-          </a:p>
-          <a:p>
-            <a:pPr marL="0" lvl="0" indent="0" algn="l" rtl="0">
-              <a:spcBef>
-                <a:spcPts val="0"/>
-              </a:spcBef>
-              <a:spcAft>
-                <a:spcPts val="0"/>
-              </a:spcAft>
-              <a:buNone/>
-            </a:pPr>
-            <a:endParaRPr lang="en-US" sz="1120" dirty="0">
-              <a:solidFill>
-                <a:srgbClr val="D1D5DB"/>
-              </a:solidFill>
-              <a:latin typeface="Montserrat" pitchFamily="2" charset="77"/>
-              <a:ea typeface="Lato" panose="020F0502020204030203" pitchFamily="34" charset="0"/>
-              <a:cs typeface="Lato" panose="020F0502020204030203" pitchFamily="34" charset="0"/>
-            </a:endParaRPr>
-          </a:p>
-          <a:p>
-            <a:pPr marL="0" indent="0">
-              <a:buNone/>
-            </a:pPr>
-            <a:r>
-              <a:rPr lang="en-US" sz="1400" b="0" i="0" dirty="0">
-                <a:solidFill>
-                  <a:srgbClr val="D1D5DB"/>
-                </a:solidFill>
-                <a:effectLst/>
-                <a:latin typeface="Montserrat" pitchFamily="2" charset="77"/>
-                <a:ea typeface="Lato" panose="020F0502020204030203" pitchFamily="34" charset="0"/>
-                <a:cs typeface="Lato" panose="020F0502020204030203" pitchFamily="34" charset="0"/>
-              </a:rPr>
-              <a:t>Information fragmentation was crucial in this project as it helped the team break down the large dataset of 1817 Android applications into smaller chunks for better management, analysis, and storage. Scripts and helper functions were written to aid in data extraction and preprocessing, allowing for targeted analysis of specific aspects such as categories and API calls. This helped identify patterns and trends relevant to malware detection, and improved the performance of the machine-learning models. Overall, fragmentation played a key role in effectively working with the data and achieving accurate results.</a:t>
-            </a:r>
-          </a:p>
-          <a:p>
-            <a:pPr marL="0" lvl="0" indent="0" algn="l" rtl="0">
-              <a:spcBef>
-                <a:spcPts val="0"/>
-              </a:spcBef>
-              <a:spcAft>
-                <a:spcPts val="0"/>
-              </a:spcAft>
-              <a:buNone/>
-            </a:pPr>
-            <a:br>
-              <a:rPr lang="en-US" b="0" i="0" dirty="0">
-                <a:solidFill>
-                  <a:srgbClr val="D1D5DB"/>
-                </a:solidFill>
-                <a:effectLst/>
-                <a:latin typeface="Montserrat" pitchFamily="2" charset="77"/>
-                <a:ea typeface="Lato" panose="020F0502020204030203" pitchFamily="34" charset="0"/>
-                <a:cs typeface="Lato" panose="020F0502020204030203" pitchFamily="34" charset="0"/>
-              </a:rPr>
-            </a:br>
             <a:endParaRPr lang="en-US" sz="1120" dirty="0">
               <a:solidFill>
                 <a:srgbClr val="D1D5DB"/>
@@ -14110,7 +12764,7 @@
           </a:bodyPr>
           <a:lstStyle/>
           <a:p>
-            <a:pPr marL="0" lvl="0" indent="0" algn="l" rtl="0">
+            <a:pPr marL="0" lvl="0" indent="0" algn="r" rtl="0">
               <a:spcBef>
                 <a:spcPts val="0"/>
               </a:spcBef>
@@ -14119,11 +12773,29 @@
               </a:spcAft>
               <a:buNone/>
             </a:pPr>
+            <a:r>
+              <a:rPr lang="he-IL" sz="1120" dirty="0">
+                <a:latin typeface="Montserrat" pitchFamily="2" charset="77"/>
+              </a:rPr>
+              <a:t>בפרויקט זה, נעשה שימוש באלגוריתמים שונים של למידת מכונה כדי להכשיר מודלים לזיהוי תוכנות זדוניות באנדרואיד, כולל: </a:t>
+            </a:r>
             <a:r>
               <a:rPr lang="en-US" sz="1120" dirty="0">
                 <a:latin typeface="Montserrat" pitchFamily="2" charset="77"/>
               </a:rPr>
-              <a:t>In this project, various machine learning models were trained to detect Android malware. Each model had its own strengths and weaknesses and the team had to evaluate their performance using metrics like accuracy, precision and recall. SVM had an accuracy of 0.780 and Logistic Regression had an accuracy of 0.835. However, the solver failed to converge in SVM and a convergence warning was received. The best performance was achieved by </a:t>
+              <a:t>SVM, Logistic Regression, </a:t>
+            </a:r>
+            <a:r>
+              <a:rPr lang="en-US" sz="1120" dirty="0" err="1">
+                <a:latin typeface="Montserrat" pitchFamily="2" charset="77"/>
+              </a:rPr>
+              <a:t>KNeighborsClassifier</a:t>
+            </a:r>
+            <a:r>
+              <a:rPr lang="en-US" sz="1120" dirty="0">
+                <a:latin typeface="Montserrat" pitchFamily="2" charset="77"/>
+              </a:rPr>
+              <a:t>, </a:t>
             </a:r>
             <a:r>
               <a:rPr lang="en-US" sz="1120" dirty="0" err="1">
@@ -14135,11 +12807,58 @@
               <a:rPr lang="en-US" sz="1120" dirty="0">
                 <a:latin typeface="Montserrat" pitchFamily="2" charset="77"/>
               </a:rPr>
-              <a:t> with an accuracy of 0.984.</a:t>
+              <a:t> </a:t>
             </a:r>
+            <a:r>
+              <a:rPr lang="he-IL" sz="1120" dirty="0">
+                <a:latin typeface="Montserrat" pitchFamily="2" charset="77"/>
+              </a:rPr>
+              <a:t>ו-,</a:t>
+            </a:r>
+            <a:r>
+              <a:rPr lang="en-US" sz="1120" dirty="0">
+                <a:latin typeface="Montserrat" pitchFamily="2" charset="77"/>
+              </a:rPr>
+              <a:t> </a:t>
+            </a:r>
+            <a:r>
+              <a:rPr lang="en-US" sz="1120" dirty="0" err="1">
+                <a:latin typeface="Montserrat" pitchFamily="2" charset="77"/>
+              </a:rPr>
+              <a:t>GradientBoostingClassifier</a:t>
+            </a:r>
+            <a:r>
+              <a:rPr lang="en-US" sz="1120" dirty="0">
+                <a:latin typeface="Montserrat" pitchFamily="2" charset="77"/>
+              </a:rPr>
+              <a:t>. </a:t>
+            </a:r>
+            <a:endParaRPr lang="he-IL" sz="1120" dirty="0">
+              <a:latin typeface="Montserrat" pitchFamily="2" charset="77"/>
+            </a:endParaRPr>
           </a:p>
           <a:p>
-            <a:pPr marL="0" lvl="0" indent="0" algn="l" rtl="0">
+            <a:pPr marL="0" lvl="0" indent="0" algn="r" rtl="0">
+              <a:spcBef>
+                <a:spcPts val="0"/>
+              </a:spcBef>
+              <a:spcAft>
+                <a:spcPts val="0"/>
+              </a:spcAft>
+              <a:buNone/>
+            </a:pPr>
+            <a:r>
+              <a:rPr lang="he-IL" sz="1120" dirty="0">
+                <a:latin typeface="Montserrat" pitchFamily="2" charset="77"/>
+              </a:rPr>
+              <a:t>לכל אלגוריתם היו נקודות החוזק והחולשה שלו, יש צורך במחקר נוסף כדי לשפר את הדיוק והביצועים של השיטה המוצעת.</a:t>
+            </a:r>
+            <a:endParaRPr lang="en-US" sz="1120" dirty="0">
+              <a:latin typeface="Montserrat" pitchFamily="2" charset="77"/>
+            </a:endParaRPr>
+          </a:p>
+          <a:p>
+            <a:pPr marL="0" lvl="0" indent="0" algn="r" rtl="0">
               <a:spcBef>
                 <a:spcPts val="0"/>
               </a:spcBef>
@@ -14278,91 +12997,211 @@
           </a:bodyPr>
           <a:lstStyle/>
           <a:p>
-            <a:pPr marL="0" lvl="0" indent="0" algn="l" rtl="0">
-              <a:spcBef>
-                <a:spcPts val="0"/>
-              </a:spcBef>
-              <a:spcAft>
-                <a:spcPts val="0"/>
-              </a:spcAft>
+            <a:pPr marL="0" marR="0" lvl="0" indent="0" algn="r" rtl="0">
+              <a:lnSpc>
+                <a:spcPct val="115000"/>
+              </a:lnSpc>
+              <a:spcBef>
+                <a:spcPts val="0"/>
+              </a:spcBef>
+              <a:spcAft>
+                <a:spcPts val="0"/>
+              </a:spcAft>
+              <a:buClr>
+                <a:schemeClr val="lt1"/>
+              </a:buClr>
+              <a:buSzPts val="1300"/>
+              <a:buFont typeface="Lato"/>
               <a:buNone/>
             </a:pPr>
             <a:r>
-              <a:rPr lang="en-US" sz="1120" dirty="0">
+              <a:rPr lang="en-US" sz="1120" dirty="0" err="1">
                 <a:latin typeface="Montserrat" pitchFamily="2" charset="77"/>
               </a:rPr>
-              <a:t>In this project, various machine learning algorithms were used to train models for Android malware detection, including: SVM, Logistic Regression, </a:t>
+              <a:t>GradientBoostingClassifier</a:t>
             </a:r>
+            <a:endParaRPr lang="en-US" sz="1120" dirty="0">
+              <a:latin typeface="Montserrat" pitchFamily="2" charset="77"/>
+            </a:endParaRPr>
+          </a:p>
+          <a:p>
+            <a:pPr marL="0" marR="0" lvl="0" indent="0" algn="r" rtl="0">
+              <a:lnSpc>
+                <a:spcPct val="115000"/>
+              </a:lnSpc>
+              <a:spcBef>
+                <a:spcPts val="0"/>
+              </a:spcBef>
+              <a:spcAft>
+                <a:spcPts val="0"/>
+              </a:spcAft>
+              <a:buClr>
+                <a:schemeClr val="lt1"/>
+              </a:buClr>
+              <a:buSzPts val="1300"/>
+              <a:buFont typeface="Lato"/>
+              <a:buNone/>
+            </a:pPr>
+            <a:r>
+              <a:rPr lang="he-IL" sz="1120" dirty="0">
+                <a:latin typeface="Montserrat" pitchFamily="2" charset="77"/>
+              </a:rPr>
+              <a:t>להוסיף הסבר</a:t>
+            </a:r>
+            <a:endParaRPr lang="en-US" sz="1120" dirty="0">
+              <a:latin typeface="Montserrat" pitchFamily="2" charset="77"/>
+            </a:endParaRPr>
+          </a:p>
+          <a:p>
+            <a:pPr marL="0" marR="0" lvl="0" indent="0" algn="r" rtl="0">
+              <a:lnSpc>
+                <a:spcPct val="115000"/>
+              </a:lnSpc>
+              <a:spcBef>
+                <a:spcPts val="0"/>
+              </a:spcBef>
+              <a:spcAft>
+                <a:spcPts val="0"/>
+              </a:spcAft>
+              <a:buClr>
+                <a:schemeClr val="lt1"/>
+              </a:buClr>
+              <a:buSzPts val="1300"/>
+              <a:buFont typeface="Lato"/>
+              <a:buNone/>
+            </a:pPr>
             <a:r>
               <a:rPr lang="en-US" sz="1120" dirty="0" err="1">
                 <a:latin typeface="Montserrat" pitchFamily="2" charset="77"/>
               </a:rPr>
               <a:t>KNeighborsClassifier</a:t>
             </a:r>
+            <a:endParaRPr lang="en-US" sz="1120" dirty="0">
+              <a:latin typeface="Montserrat" pitchFamily="2" charset="77"/>
+            </a:endParaRPr>
+          </a:p>
+          <a:p>
+            <a:pPr marL="0" indent="0" algn="r">
+              <a:buNone/>
+            </a:pPr>
             <a:r>
-              <a:rPr lang="en-US" sz="1120" dirty="0">
+              <a:rPr lang="he-IL" sz="1120" dirty="0">
                 <a:latin typeface="Montserrat" pitchFamily="2" charset="77"/>
               </a:rPr>
-              <a:t>, </a:t>
+              <a:t>להוסיף הסבר</a:t>
             </a:r>
+            <a:endParaRPr lang="en-US" sz="1120" dirty="0">
+              <a:latin typeface="Montserrat" pitchFamily="2" charset="77"/>
+            </a:endParaRPr>
+          </a:p>
+          <a:p>
+            <a:pPr marL="0" marR="0" lvl="0" indent="0" algn="r" rtl="0">
+              <a:lnSpc>
+                <a:spcPct val="115000"/>
+              </a:lnSpc>
+              <a:spcBef>
+                <a:spcPts val="0"/>
+              </a:spcBef>
+              <a:spcAft>
+                <a:spcPts val="0"/>
+              </a:spcAft>
+              <a:buClr>
+                <a:schemeClr val="lt1"/>
+              </a:buClr>
+              <a:buSzPts val="1300"/>
+              <a:buFont typeface="Lato"/>
+              <a:buNone/>
+            </a:pPr>
+            <a:r>
+              <a:rPr lang="en-US" sz="1120" dirty="0" err="1">
+                <a:latin typeface="Montserrat" pitchFamily="2" charset="77"/>
+              </a:rPr>
+              <a:t>LinearSVC</a:t>
+            </a:r>
+            <a:endParaRPr lang="en-US" sz="1120" dirty="0">
+              <a:latin typeface="Montserrat" pitchFamily="2" charset="77"/>
+            </a:endParaRPr>
+          </a:p>
+          <a:p>
+            <a:pPr marL="0" indent="0" algn="r">
+              <a:buNone/>
+            </a:pPr>
+            <a:r>
+              <a:rPr lang="he-IL" sz="1120" dirty="0">
+                <a:latin typeface="Montserrat" pitchFamily="2" charset="77"/>
+              </a:rPr>
+              <a:t>להוסיף הסבר</a:t>
+            </a:r>
+            <a:endParaRPr lang="en-US" sz="1120" dirty="0">
+              <a:latin typeface="Montserrat" pitchFamily="2" charset="77"/>
+            </a:endParaRPr>
+          </a:p>
+          <a:p>
+            <a:pPr marL="0" marR="0" lvl="0" indent="0" algn="r" rtl="0">
+              <a:lnSpc>
+                <a:spcPct val="115000"/>
+              </a:lnSpc>
+              <a:spcBef>
+                <a:spcPts val="0"/>
+              </a:spcBef>
+              <a:spcAft>
+                <a:spcPts val="0"/>
+              </a:spcAft>
+              <a:buClr>
+                <a:schemeClr val="lt1"/>
+              </a:buClr>
+              <a:buSzPts val="1300"/>
+              <a:buFont typeface="Lato"/>
+              <a:buNone/>
+            </a:pPr>
             <a:r>
               <a:rPr lang="en-US" sz="1120" dirty="0" err="1">
                 <a:latin typeface="Montserrat" pitchFamily="2" charset="77"/>
               </a:rPr>
               <a:t>DecisionTreeClassifier</a:t>
             </a:r>
+            <a:endParaRPr lang="en-US" sz="1120" dirty="0">
+              <a:latin typeface="Montserrat" pitchFamily="2" charset="77"/>
+            </a:endParaRPr>
+          </a:p>
+          <a:p>
+            <a:pPr marL="0" indent="0" algn="r">
+              <a:buNone/>
+            </a:pPr>
             <a:r>
-              <a:rPr lang="en-US" sz="1120" dirty="0">
+              <a:rPr lang="he-IL" sz="1120" dirty="0">
                 <a:latin typeface="Montserrat" pitchFamily="2" charset="77"/>
               </a:rPr>
-              <a:t>, and </a:t>
+              <a:t>להוסיף הסבר</a:t>
             </a:r>
+            <a:endParaRPr lang="en-US" sz="1120" dirty="0">
+              <a:latin typeface="Montserrat" pitchFamily="2" charset="77"/>
+            </a:endParaRPr>
+          </a:p>
+          <a:p>
+            <a:pPr marL="0" marR="0" lvl="0" indent="0" algn="r" rtl="0">
+              <a:lnSpc>
+                <a:spcPct val="115000"/>
+              </a:lnSpc>
+              <a:spcBef>
+                <a:spcPts val="0"/>
+              </a:spcBef>
+              <a:spcAft>
+                <a:spcPts val="0"/>
+              </a:spcAft>
+              <a:buClr>
+                <a:schemeClr val="lt1"/>
+              </a:buClr>
+              <a:buSzPts val="1300"/>
+              <a:buFont typeface="Lato"/>
+              <a:buNone/>
+            </a:pPr>
             <a:r>
               <a:rPr lang="en-US" sz="1120" dirty="0" err="1">
                 <a:latin typeface="Montserrat" pitchFamily="2" charset="77"/>
               </a:rPr>
-              <a:t>GradientBoostingClassifier</a:t>
+              <a:t>LogisticRegression</a:t>
             </a:r>
-            <a:r>
-              <a:rPr lang="en-US" sz="1120" dirty="0">
-                <a:latin typeface="Montserrat" pitchFamily="2" charset="77"/>
-              </a:rPr>
-              <a:t>.</a:t>
-            </a:r>
-            <a:br>
-              <a:rPr lang="en-US" sz="1120" dirty="0">
-                <a:latin typeface="Montserrat" pitchFamily="2" charset="77"/>
-              </a:rPr>
-            </a:br>
-            <a:r>
-              <a:rPr lang="en-US" sz="1120" dirty="0">
-                <a:latin typeface="Montserrat" pitchFamily="2" charset="77"/>
-              </a:rPr>
-              <a:t>Each algorithm had its strengths and weaknesses. We evaluated the results and found that </a:t>
-            </a:r>
-            <a:r>
-              <a:rPr lang="en-US" sz="1120" dirty="0" err="1">
-                <a:latin typeface="Montserrat" pitchFamily="2" charset="77"/>
-              </a:rPr>
-              <a:t>DecisionTreeClassifier</a:t>
-            </a:r>
-            <a:r>
-              <a:rPr lang="en-US" sz="1120" dirty="0">
-                <a:latin typeface="Montserrat" pitchFamily="2" charset="77"/>
-              </a:rPr>
-              <a:t> had the best performance with an accuracy of 0.984, precision of 1.000, and recall of 0.982. However, further research is needed to improve the accuracy and performance of the proposed method.</a:t>
-            </a:r>
-          </a:p>
-          <a:p>
-            <a:pPr marL="0" lvl="0" indent="0" algn="l" rtl="0">
-              <a:spcBef>
-                <a:spcPts val="0"/>
-              </a:spcBef>
-              <a:spcAft>
-                <a:spcPts val="0"/>
-              </a:spcAft>
-              <a:buNone/>
-            </a:pPr>
             <a:endParaRPr lang="en-US" sz="1120" dirty="0">
               <a:latin typeface="Montserrat" pitchFamily="2" charset="77"/>
             </a:endParaRPr>

--- a/Enhancing Mobile Security through Machine Learning_ A Study on Android Malware Detection.pptx
+++ b/Enhancing Mobile Security through Machine Learning_ A Study on Android Malware Detection.pptx
@@ -5,38 +5,44 @@
     <p:sldMasterId id="2147483659" r:id="rId1"/>
   </p:sldMasterIdLst>
   <p:notesMasterIdLst>
-    <p:notesMasterId r:id="rId14"/>
+    <p:notesMasterId r:id="rId16"/>
   </p:notesMasterIdLst>
   <p:sldIdLst>
     <p:sldId id="256" r:id="rId2"/>
     <p:sldId id="257" r:id="rId3"/>
     <p:sldId id="258" r:id="rId4"/>
     <p:sldId id="259" r:id="rId5"/>
-    <p:sldId id="269" r:id="rId6"/>
+    <p:sldId id="261" r:id="rId6"/>
     <p:sldId id="260" r:id="rId7"/>
     <p:sldId id="262" r:id="rId8"/>
     <p:sldId id="264" r:id="rId9"/>
-    <p:sldId id="265" r:id="rId10"/>
-    <p:sldId id="266" r:id="rId11"/>
-    <p:sldId id="267" r:id="rId12"/>
+    <p:sldId id="267" r:id="rId10"/>
+    <p:sldId id="269" r:id="rId11"/>
+    <p:sldId id="270" r:id="rId12"/>
     <p:sldId id="268" r:id="rId13"/>
+    <p:sldId id="265" r:id="rId14"/>
+    <p:sldId id="266" r:id="rId15"/>
   </p:sldIdLst>
   <p:sldSz cx="9144000" cy="5143500" type="screen16x9"/>
   <p:notesSz cx="6858000" cy="9144000"/>
   <p:embeddedFontLst>
     <p:embeddedFont>
       <p:font typeface="Lato" panose="020F0502020204030203" pitchFamily="34" charset="0"/>
-      <p:regular r:id="rId15"/>
-      <p:bold r:id="rId16"/>
-      <p:italic r:id="rId17"/>
-      <p:boldItalic r:id="rId18"/>
+      <p:regular r:id="rId17"/>
+      <p:bold r:id="rId18"/>
+      <p:italic r:id="rId19"/>
+      <p:boldItalic r:id="rId20"/>
     </p:embeddedFont>
     <p:embeddedFont>
-      <p:font typeface="Montserrat" pitchFamily="2" charset="77"/>
-      <p:regular r:id="rId19"/>
-      <p:bold r:id="rId20"/>
-      <p:italic r:id="rId21"/>
-      <p:boldItalic r:id="rId22"/>
+      <p:font typeface="Miriam" panose="020B0502050101010101" pitchFamily="34" charset="-79"/>
+      <p:regular r:id="rId21"/>
+    </p:embeddedFont>
+    <p:embeddedFont>
+      <p:font typeface="Montserrat" panose="00000500000000000000" pitchFamily="2" charset="0"/>
+      <p:regular r:id="rId22"/>
+      <p:bold r:id="rId23"/>
+      <p:italic r:id="rId24"/>
+      <p:boldItalic r:id="rId25"/>
     </p:embeddedFont>
   </p:embeddedFontLst>
   <p:defaultTextStyle>
@@ -285,6 +291,963 @@
     </p:ext>
   </p:extLst>
 </p:presentation>
+</file>
+
+<file path=ppt/revisionInfo.xml><?xml version="1.0" encoding="utf-8"?>
+<p1510:revInfo xmlns:a="http://schemas.openxmlformats.org/drawingml/2006/main" xmlns:r="http://schemas.openxmlformats.org/officeDocument/2006/relationships" xmlns:p1510="http://schemas.microsoft.com/office/powerpoint/2015/10/main">
+  <p1510:revLst>
+    <p1510:client id="{66D94DF8-4FC0-4415-A6C2-F84A008B24A8}" v="41" dt="2023-02-16T20:16:40.067"/>
+  </p1510:revLst>
+</p1510:revInfo>
+</file>
+
+<file path=ppt/changesInfos/changesInfo1.xml><?xml version="1.0" encoding="utf-8"?>
+<pc:chgInfo xmlns:a="http://schemas.openxmlformats.org/drawingml/2006/main" xmlns:r="http://schemas.openxmlformats.org/officeDocument/2006/relationships" xmlns:ac="http://schemas.microsoft.com/office/drawing/2013/main/command" xmlns:pc="http://schemas.microsoft.com/office/powerpoint/2013/main/command">
+  <pc:docChgLst>
+    <pc:chgData name="amit kubani" userId="8b53f3189c0b5b40" providerId="LiveId" clId="{66D94DF8-4FC0-4415-A6C2-F84A008B24A8}"/>
+    <pc:docChg chg="undo redo custSel addSld delSld modSld sldOrd">
+      <pc:chgData name="amit kubani" userId="8b53f3189c0b5b40" providerId="LiveId" clId="{66D94DF8-4FC0-4415-A6C2-F84A008B24A8}" dt="2023-02-16T20:23:20.729" v="9720" actId="478"/>
+      <pc:docMkLst>
+        <pc:docMk/>
+      </pc:docMkLst>
+      <pc:sldChg chg="modSp mod">
+        <pc:chgData name="amit kubani" userId="8b53f3189c0b5b40" providerId="LiveId" clId="{66D94DF8-4FC0-4415-A6C2-F84A008B24A8}" dt="2023-02-16T15:20:59.648" v="2014" actId="313"/>
+        <pc:sldMkLst>
+          <pc:docMk/>
+          <pc:sldMk cId="0" sldId="257"/>
+        </pc:sldMkLst>
+        <pc:spChg chg="mod">
+          <ac:chgData name="amit kubani" userId="8b53f3189c0b5b40" providerId="LiveId" clId="{66D94DF8-4FC0-4415-A6C2-F84A008B24A8}" dt="2023-02-16T14:21:16.124" v="991" actId="2711"/>
+          <ac:spMkLst>
+            <pc:docMk/>
+            <pc:sldMk cId="0" sldId="257"/>
+            <ac:spMk id="141" creationId="{00000000-0000-0000-0000-000000000000}"/>
+          </ac:spMkLst>
+        </pc:spChg>
+        <pc:spChg chg="mod">
+          <ac:chgData name="amit kubani" userId="8b53f3189c0b5b40" providerId="LiveId" clId="{66D94DF8-4FC0-4415-A6C2-F84A008B24A8}" dt="2023-02-16T15:20:59.648" v="2014" actId="313"/>
+          <ac:spMkLst>
+            <pc:docMk/>
+            <pc:sldMk cId="0" sldId="257"/>
+            <ac:spMk id="142" creationId="{00000000-0000-0000-0000-000000000000}"/>
+          </ac:spMkLst>
+        </pc:spChg>
+      </pc:sldChg>
+      <pc:sldChg chg="del">
+        <pc:chgData name="amit kubani" userId="8b53f3189c0b5b40" providerId="LiveId" clId="{66D94DF8-4FC0-4415-A6C2-F84A008B24A8}" dt="2023-02-16T14:31:00.809" v="1334" actId="47"/>
+        <pc:sldMkLst>
+          <pc:docMk/>
+          <pc:sldMk cId="0" sldId="258"/>
+        </pc:sldMkLst>
+      </pc:sldChg>
+      <pc:sldChg chg="modSp add mod">
+        <pc:chgData name="amit kubani" userId="8b53f3189c0b5b40" providerId="LiveId" clId="{66D94DF8-4FC0-4415-A6C2-F84A008B24A8}" dt="2023-02-16T15:51:45.085" v="2834" actId="14100"/>
+        <pc:sldMkLst>
+          <pc:docMk/>
+          <pc:sldMk cId="3338700465" sldId="258"/>
+        </pc:sldMkLst>
+        <pc:spChg chg="mod">
+          <ac:chgData name="amit kubani" userId="8b53f3189c0b5b40" providerId="LiveId" clId="{66D94DF8-4FC0-4415-A6C2-F84A008B24A8}" dt="2023-02-16T14:31:18.483" v="1354" actId="20577"/>
+          <ac:spMkLst>
+            <pc:docMk/>
+            <pc:sldMk cId="3338700465" sldId="258"/>
+            <ac:spMk id="141" creationId="{00000000-0000-0000-0000-000000000000}"/>
+          </ac:spMkLst>
+        </pc:spChg>
+        <pc:spChg chg="mod">
+          <ac:chgData name="amit kubani" userId="8b53f3189c0b5b40" providerId="LiveId" clId="{66D94DF8-4FC0-4415-A6C2-F84A008B24A8}" dt="2023-02-16T15:51:45.085" v="2834" actId="14100"/>
+          <ac:spMkLst>
+            <pc:docMk/>
+            <pc:sldMk cId="3338700465" sldId="258"/>
+            <ac:spMk id="142" creationId="{00000000-0000-0000-0000-000000000000}"/>
+          </ac:spMkLst>
+        </pc:spChg>
+      </pc:sldChg>
+      <pc:sldChg chg="del">
+        <pc:chgData name="amit kubani" userId="8b53f3189c0b5b40" providerId="LiveId" clId="{66D94DF8-4FC0-4415-A6C2-F84A008B24A8}" dt="2023-02-16T14:31:00.809" v="1334" actId="47"/>
+        <pc:sldMkLst>
+          <pc:docMk/>
+          <pc:sldMk cId="0" sldId="259"/>
+        </pc:sldMkLst>
+      </pc:sldChg>
+      <pc:sldChg chg="addSp delSp modSp add mod">
+        <pc:chgData name="amit kubani" userId="8b53f3189c0b5b40" providerId="LiveId" clId="{66D94DF8-4FC0-4415-A6C2-F84A008B24A8}" dt="2023-02-16T15:52:46.088" v="2934" actId="20577"/>
+        <pc:sldMkLst>
+          <pc:docMk/>
+          <pc:sldMk cId="465710397" sldId="259"/>
+        </pc:sldMkLst>
+        <pc:spChg chg="add del mod">
+          <ac:chgData name="amit kubani" userId="8b53f3189c0b5b40" providerId="LiveId" clId="{66D94DF8-4FC0-4415-A6C2-F84A008B24A8}" dt="2023-02-16T15:50:47.139" v="2814"/>
+          <ac:spMkLst>
+            <pc:docMk/>
+            <pc:sldMk cId="465710397" sldId="259"/>
+            <ac:spMk id="2" creationId="{3F79B81C-08B5-CF05-F73C-8C4A86FD1DBF}"/>
+          </ac:spMkLst>
+        </pc:spChg>
+        <pc:spChg chg="add del mod">
+          <ac:chgData name="amit kubani" userId="8b53f3189c0b5b40" providerId="LiveId" clId="{66D94DF8-4FC0-4415-A6C2-F84A008B24A8}" dt="2023-02-16T15:51:01.042" v="2816" actId="478"/>
+          <ac:spMkLst>
+            <pc:docMk/>
+            <pc:sldMk cId="465710397" sldId="259"/>
+            <ac:spMk id="4" creationId="{32FCF3F8-89BC-76D9-CD77-72BBCBC0A3A7}"/>
+          </ac:spMkLst>
+        </pc:spChg>
+        <pc:spChg chg="add mod">
+          <ac:chgData name="amit kubani" userId="8b53f3189c0b5b40" providerId="LiveId" clId="{66D94DF8-4FC0-4415-A6C2-F84A008B24A8}" dt="2023-02-16T15:52:46.088" v="2934" actId="20577"/>
+          <ac:spMkLst>
+            <pc:docMk/>
+            <pc:sldMk cId="465710397" sldId="259"/>
+            <ac:spMk id="5" creationId="{1B142DC3-6CD9-48A5-4760-C2963E451AF6}"/>
+          </ac:spMkLst>
+        </pc:spChg>
+        <pc:spChg chg="mod">
+          <ac:chgData name="amit kubani" userId="8b53f3189c0b5b40" providerId="LiveId" clId="{66D94DF8-4FC0-4415-A6C2-F84A008B24A8}" dt="2023-02-16T15:51:21.036" v="2830" actId="20577"/>
+          <ac:spMkLst>
+            <pc:docMk/>
+            <pc:sldMk cId="465710397" sldId="259"/>
+            <ac:spMk id="141" creationId="{00000000-0000-0000-0000-000000000000}"/>
+          </ac:spMkLst>
+        </pc:spChg>
+        <pc:spChg chg="del">
+          <ac:chgData name="amit kubani" userId="8b53f3189c0b5b40" providerId="LiveId" clId="{66D94DF8-4FC0-4415-A6C2-F84A008B24A8}" dt="2023-02-16T15:50:57.717" v="2815" actId="478"/>
+          <ac:spMkLst>
+            <pc:docMk/>
+            <pc:sldMk cId="465710397" sldId="259"/>
+            <ac:spMk id="142" creationId="{00000000-0000-0000-0000-000000000000}"/>
+          </ac:spMkLst>
+        </pc:spChg>
+      </pc:sldChg>
+      <pc:sldChg chg="del">
+        <pc:chgData name="amit kubani" userId="8b53f3189c0b5b40" providerId="LiveId" clId="{66D94DF8-4FC0-4415-A6C2-F84A008B24A8}" dt="2023-02-16T14:31:00.809" v="1334" actId="47"/>
+        <pc:sldMkLst>
+          <pc:docMk/>
+          <pc:sldMk cId="0" sldId="260"/>
+        </pc:sldMkLst>
+      </pc:sldChg>
+      <pc:sldChg chg="modSp add mod">
+        <pc:chgData name="amit kubani" userId="8b53f3189c0b5b40" providerId="LiveId" clId="{66D94DF8-4FC0-4415-A6C2-F84A008B24A8}" dt="2023-02-16T18:46:51.643" v="6573" actId="20577"/>
+        <pc:sldMkLst>
+          <pc:docMk/>
+          <pc:sldMk cId="279252422" sldId="260"/>
+        </pc:sldMkLst>
+        <pc:spChg chg="mod">
+          <ac:chgData name="amit kubani" userId="8b53f3189c0b5b40" providerId="LiveId" clId="{66D94DF8-4FC0-4415-A6C2-F84A008B24A8}" dt="2023-02-16T18:21:12.075" v="5380" actId="20577"/>
+          <ac:spMkLst>
+            <pc:docMk/>
+            <pc:sldMk cId="279252422" sldId="260"/>
+            <ac:spMk id="141" creationId="{00000000-0000-0000-0000-000000000000}"/>
+          </ac:spMkLst>
+        </pc:spChg>
+        <pc:spChg chg="mod">
+          <ac:chgData name="amit kubani" userId="8b53f3189c0b5b40" providerId="LiveId" clId="{66D94DF8-4FC0-4415-A6C2-F84A008B24A8}" dt="2023-02-16T18:46:51.643" v="6573" actId="20577"/>
+          <ac:spMkLst>
+            <pc:docMk/>
+            <pc:sldMk cId="279252422" sldId="260"/>
+            <ac:spMk id="142" creationId="{00000000-0000-0000-0000-000000000000}"/>
+          </ac:spMkLst>
+        </pc:spChg>
+      </pc:sldChg>
+      <pc:sldChg chg="modSp add del mod">
+        <pc:chgData name="amit kubani" userId="8b53f3189c0b5b40" providerId="LiveId" clId="{66D94DF8-4FC0-4415-A6C2-F84A008B24A8}" dt="2023-02-16T18:19:40.341" v="5338" actId="2696"/>
+        <pc:sldMkLst>
+          <pc:docMk/>
+          <pc:sldMk cId="238261933" sldId="261"/>
+        </pc:sldMkLst>
+        <pc:spChg chg="mod">
+          <ac:chgData name="amit kubani" userId="8b53f3189c0b5b40" providerId="LiveId" clId="{66D94DF8-4FC0-4415-A6C2-F84A008B24A8}" dt="2023-02-16T18:11:55.566" v="5336" actId="20577"/>
+          <ac:spMkLst>
+            <pc:docMk/>
+            <pc:sldMk cId="238261933" sldId="261"/>
+            <ac:spMk id="141" creationId="{00000000-0000-0000-0000-000000000000}"/>
+          </ac:spMkLst>
+        </pc:spChg>
+        <pc:spChg chg="mod">
+          <ac:chgData name="amit kubani" userId="8b53f3189c0b5b40" providerId="LiveId" clId="{66D94DF8-4FC0-4415-A6C2-F84A008B24A8}" dt="2023-02-16T18:12:04.180" v="5337" actId="14100"/>
+          <ac:spMkLst>
+            <pc:docMk/>
+            <pc:sldMk cId="238261933" sldId="261"/>
+            <ac:spMk id="142" creationId="{00000000-0000-0000-0000-000000000000}"/>
+          </ac:spMkLst>
+        </pc:spChg>
+      </pc:sldChg>
+      <pc:sldChg chg="add ord">
+        <pc:chgData name="amit kubani" userId="8b53f3189c0b5b40" providerId="LiveId" clId="{66D94DF8-4FC0-4415-A6C2-F84A008B24A8}" dt="2023-02-16T18:20:28.641" v="5344"/>
+        <pc:sldMkLst>
+          <pc:docMk/>
+          <pc:sldMk cId="1009774296" sldId="261"/>
+        </pc:sldMkLst>
+      </pc:sldChg>
+      <pc:sldChg chg="addSp delSp modSp add del mod modClrScheme chgLayout">
+        <pc:chgData name="amit kubani" userId="8b53f3189c0b5b40" providerId="LiveId" clId="{66D94DF8-4FC0-4415-A6C2-F84A008B24A8}" dt="2023-02-16T18:11:39.604" v="5332" actId="47"/>
+        <pc:sldMkLst>
+          <pc:docMk/>
+          <pc:sldMk cId="2573995109" sldId="261"/>
+        </pc:sldMkLst>
+        <pc:spChg chg="add del mod">
+          <ac:chgData name="amit kubani" userId="8b53f3189c0b5b40" providerId="LiveId" clId="{66D94DF8-4FC0-4415-A6C2-F84A008B24A8}" dt="2023-02-16T16:47:02.623" v="5164" actId="478"/>
+          <ac:spMkLst>
+            <pc:docMk/>
+            <pc:sldMk cId="2573995109" sldId="261"/>
+            <ac:spMk id="3" creationId="{248E1604-69A9-EE00-8531-69BD9CACA743}"/>
+          </ac:spMkLst>
+        </pc:spChg>
+        <pc:spChg chg="add del mod">
+          <ac:chgData name="amit kubani" userId="8b53f3189c0b5b40" providerId="LiveId" clId="{66D94DF8-4FC0-4415-A6C2-F84A008B24A8}" dt="2023-02-16T16:47:08.584" v="5166" actId="478"/>
+          <ac:spMkLst>
+            <pc:docMk/>
+            <pc:sldMk cId="2573995109" sldId="261"/>
+            <ac:spMk id="5" creationId="{C35EB5DB-8523-A440-F959-BF058EE70BD6}"/>
+          </ac:spMkLst>
+        </pc:spChg>
+        <pc:spChg chg="add del mod">
+          <ac:chgData name="amit kubani" userId="8b53f3189c0b5b40" providerId="LiveId" clId="{66D94DF8-4FC0-4415-A6C2-F84A008B24A8}" dt="2023-02-16T16:47:27.119" v="5173" actId="26606"/>
+          <ac:spMkLst>
+            <pc:docMk/>
+            <pc:sldMk cId="2573995109" sldId="261"/>
+            <ac:spMk id="6" creationId="{4EAEEAB3-719A-25FE-4540-807F614FB310}"/>
+          </ac:spMkLst>
+        </pc:spChg>
+        <pc:spChg chg="add del mod">
+          <ac:chgData name="amit kubani" userId="8b53f3189c0b5b40" providerId="LiveId" clId="{66D94DF8-4FC0-4415-A6C2-F84A008B24A8}" dt="2023-02-16T16:47:25.509" v="5169" actId="26606"/>
+          <ac:spMkLst>
+            <pc:docMk/>
+            <pc:sldMk cId="2573995109" sldId="261"/>
+            <ac:spMk id="11" creationId="{D454D95B-DF5B-1DA0-9E73-C132DD6760B2}"/>
+          </ac:spMkLst>
+        </pc:spChg>
+        <pc:spChg chg="add del mod">
+          <ac:chgData name="amit kubani" userId="8b53f3189c0b5b40" providerId="LiveId" clId="{66D94DF8-4FC0-4415-A6C2-F84A008B24A8}" dt="2023-02-16T16:47:25.509" v="5169" actId="26606"/>
+          <ac:spMkLst>
+            <pc:docMk/>
+            <pc:sldMk cId="2573995109" sldId="261"/>
+            <ac:spMk id="13" creationId="{F16E1530-B021-7654-7B3A-958B6811D2AA}"/>
+          </ac:spMkLst>
+        </pc:spChg>
+        <pc:spChg chg="add del mod">
+          <ac:chgData name="amit kubani" userId="8b53f3189c0b5b40" providerId="LiveId" clId="{66D94DF8-4FC0-4415-A6C2-F84A008B24A8}" dt="2023-02-16T16:47:27.112" v="5172" actId="26606"/>
+          <ac:spMkLst>
+            <pc:docMk/>
+            <pc:sldMk cId="2573995109" sldId="261"/>
+            <ac:spMk id="15" creationId="{BD847CAB-5A22-34AE-8E59-3DAD65293A1C}"/>
+          </ac:spMkLst>
+        </pc:spChg>
+        <pc:spChg chg="add del mod">
+          <ac:chgData name="amit kubani" userId="8b53f3189c0b5b40" providerId="LiveId" clId="{66D94DF8-4FC0-4415-A6C2-F84A008B24A8}" dt="2023-02-16T16:47:27.112" v="5172" actId="26606"/>
+          <ac:spMkLst>
+            <pc:docMk/>
+            <pc:sldMk cId="2573995109" sldId="261"/>
+            <ac:spMk id="16" creationId="{0B0103FE-B3BB-530B-40C0-A805CE64F34A}"/>
+          </ac:spMkLst>
+        </pc:spChg>
+        <pc:spChg chg="add mod">
+          <ac:chgData name="amit kubani" userId="8b53f3189c0b5b40" providerId="LiveId" clId="{66D94DF8-4FC0-4415-A6C2-F84A008B24A8}" dt="2023-02-16T16:48:17.001" v="5219" actId="403"/>
+          <ac:spMkLst>
+            <pc:docMk/>
+            <pc:sldMk cId="2573995109" sldId="261"/>
+            <ac:spMk id="18" creationId="{D454D95B-DF5B-1DA0-9E73-C132DD6760B2}"/>
+          </ac:spMkLst>
+        </pc:spChg>
+        <pc:spChg chg="add del mod">
+          <ac:chgData name="amit kubani" userId="8b53f3189c0b5b40" providerId="LiveId" clId="{66D94DF8-4FC0-4415-A6C2-F84A008B24A8}" dt="2023-02-16T16:48:06.988" v="5212" actId="478"/>
+          <ac:spMkLst>
+            <pc:docMk/>
+            <pc:sldMk cId="2573995109" sldId="261"/>
+            <ac:spMk id="19" creationId="{F16E1530-B021-7654-7B3A-958B6811D2AA}"/>
+          </ac:spMkLst>
+        </pc:spChg>
+        <pc:spChg chg="del mod">
+          <ac:chgData name="amit kubani" userId="8b53f3189c0b5b40" providerId="LiveId" clId="{66D94DF8-4FC0-4415-A6C2-F84A008B24A8}" dt="2023-02-16T16:47:06.752" v="5165" actId="478"/>
+          <ac:spMkLst>
+            <pc:docMk/>
+            <pc:sldMk cId="2573995109" sldId="261"/>
+            <ac:spMk id="141" creationId="{00000000-0000-0000-0000-000000000000}"/>
+          </ac:spMkLst>
+        </pc:spChg>
+        <pc:spChg chg="del mod">
+          <ac:chgData name="amit kubani" userId="8b53f3189c0b5b40" providerId="LiveId" clId="{66D94DF8-4FC0-4415-A6C2-F84A008B24A8}" dt="2023-02-16T16:47:00.405" v="5163" actId="478"/>
+          <ac:spMkLst>
+            <pc:docMk/>
+            <pc:sldMk cId="2573995109" sldId="261"/>
+            <ac:spMk id="142" creationId="{00000000-0000-0000-0000-000000000000}"/>
+          </ac:spMkLst>
+        </pc:spChg>
+      </pc:sldChg>
+      <pc:sldChg chg="del">
+        <pc:chgData name="amit kubani" userId="8b53f3189c0b5b40" providerId="LiveId" clId="{66D94DF8-4FC0-4415-A6C2-F84A008B24A8}" dt="2023-02-16T14:31:00.809" v="1334" actId="47"/>
+        <pc:sldMkLst>
+          <pc:docMk/>
+          <pc:sldMk cId="0" sldId="262"/>
+        </pc:sldMkLst>
+      </pc:sldChg>
+      <pc:sldChg chg="addSp delSp modSp add del mod modClrScheme chgLayout">
+        <pc:chgData name="amit kubani" userId="8b53f3189c0b5b40" providerId="LiveId" clId="{66D94DF8-4FC0-4415-A6C2-F84A008B24A8}" dt="2023-02-16T18:11:39.604" v="5332" actId="47"/>
+        <pc:sldMkLst>
+          <pc:docMk/>
+          <pc:sldMk cId="1565956111" sldId="262"/>
+        </pc:sldMkLst>
+        <pc:spChg chg="add del mod">
+          <ac:chgData name="amit kubani" userId="8b53f3189c0b5b40" providerId="LiveId" clId="{66D94DF8-4FC0-4415-A6C2-F84A008B24A8}" dt="2023-02-16T16:48:31.313" v="5220"/>
+          <ac:spMkLst>
+            <pc:docMk/>
+            <pc:sldMk cId="1565956111" sldId="262"/>
+            <ac:spMk id="2" creationId="{142352C4-0ED2-9BB2-6CDF-BD4CDE10A609}"/>
+          </ac:spMkLst>
+        </pc:spChg>
+        <pc:spChg chg="add del mod">
+          <ac:chgData name="amit kubani" userId="8b53f3189c0b5b40" providerId="LiveId" clId="{66D94DF8-4FC0-4415-A6C2-F84A008B24A8}" dt="2023-02-16T16:48:31.313" v="5220"/>
+          <ac:spMkLst>
+            <pc:docMk/>
+            <pc:sldMk cId="1565956111" sldId="262"/>
+            <ac:spMk id="3" creationId="{BB504BF6-1332-CC4F-97D4-B71B67E5C86E}"/>
+          </ac:spMkLst>
+        </pc:spChg>
+        <pc:spChg chg="add del mod">
+          <ac:chgData name="amit kubani" userId="8b53f3189c0b5b40" providerId="LiveId" clId="{66D94DF8-4FC0-4415-A6C2-F84A008B24A8}" dt="2023-02-16T16:48:35.584" v="5221"/>
+          <ac:spMkLst>
+            <pc:docMk/>
+            <pc:sldMk cId="1565956111" sldId="262"/>
+            <ac:spMk id="4" creationId="{7D8B00B0-ABCD-7E85-FB3D-F540406F7EF7}"/>
+          </ac:spMkLst>
+        </pc:spChg>
+        <pc:spChg chg="add del mod">
+          <ac:chgData name="amit kubani" userId="8b53f3189c0b5b40" providerId="LiveId" clId="{66D94DF8-4FC0-4415-A6C2-F84A008B24A8}" dt="2023-02-16T16:48:35.584" v="5221"/>
+          <ac:spMkLst>
+            <pc:docMk/>
+            <pc:sldMk cId="1565956111" sldId="262"/>
+            <ac:spMk id="5" creationId="{BEBC6CA8-AA36-121B-AFB5-878E269BD49A}"/>
+          </ac:spMkLst>
+        </pc:spChg>
+        <pc:spChg chg="add del mod">
+          <ac:chgData name="amit kubani" userId="8b53f3189c0b5b40" providerId="LiveId" clId="{66D94DF8-4FC0-4415-A6C2-F84A008B24A8}" dt="2023-02-16T16:48:46.825" v="5225" actId="478"/>
+          <ac:spMkLst>
+            <pc:docMk/>
+            <pc:sldMk cId="1565956111" sldId="262"/>
+            <ac:spMk id="7" creationId="{5AE9D264-FB03-42BF-93E0-D56D6C2FC05B}"/>
+          </ac:spMkLst>
+        </pc:spChg>
+        <pc:spChg chg="add del mod">
+          <ac:chgData name="amit kubani" userId="8b53f3189c0b5b40" providerId="LiveId" clId="{66D94DF8-4FC0-4415-A6C2-F84A008B24A8}" dt="2023-02-16T16:48:44.539" v="5224" actId="478"/>
+          <ac:spMkLst>
+            <pc:docMk/>
+            <pc:sldMk cId="1565956111" sldId="262"/>
+            <ac:spMk id="9" creationId="{05380BF5-7F6C-D8DA-794F-DD6B10BE9827}"/>
+          </ac:spMkLst>
+        </pc:spChg>
+        <pc:spChg chg="add del mod">
+          <ac:chgData name="amit kubani" userId="8b53f3189c0b5b40" providerId="LiveId" clId="{66D94DF8-4FC0-4415-A6C2-F84A008B24A8}" dt="2023-02-16T16:49:02.165" v="5227" actId="26606"/>
+          <ac:spMkLst>
+            <pc:docMk/>
+            <pc:sldMk cId="1565956111" sldId="262"/>
+            <ac:spMk id="10" creationId="{543A6B92-855B-3E03-517F-6EA6E5ACA3E4}"/>
+          </ac:spMkLst>
+        </pc:spChg>
+        <pc:spChg chg="add del mod">
+          <ac:chgData name="amit kubani" userId="8b53f3189c0b5b40" providerId="LiveId" clId="{66D94DF8-4FC0-4415-A6C2-F84A008B24A8}" dt="2023-02-16T16:49:02.165" v="5227" actId="26606"/>
+          <ac:spMkLst>
+            <pc:docMk/>
+            <pc:sldMk cId="1565956111" sldId="262"/>
+            <ac:spMk id="11" creationId="{6D81C75C-78DB-9C8C-8F0C-890F3FF594BB}"/>
+          </ac:spMkLst>
+        </pc:spChg>
+        <pc:spChg chg="add mod ord">
+          <ac:chgData name="amit kubani" userId="8b53f3189c0b5b40" providerId="LiveId" clId="{66D94DF8-4FC0-4415-A6C2-F84A008B24A8}" dt="2023-02-16T16:49:20.808" v="5228" actId="700"/>
+          <ac:spMkLst>
+            <pc:docMk/>
+            <pc:sldMk cId="1565956111" sldId="262"/>
+            <ac:spMk id="12" creationId="{4E216141-C84A-147C-4AC1-E6307E48FE08}"/>
+          </ac:spMkLst>
+        </pc:spChg>
+        <pc:spChg chg="add mod ord">
+          <ac:chgData name="amit kubani" userId="8b53f3189c0b5b40" providerId="LiveId" clId="{66D94DF8-4FC0-4415-A6C2-F84A008B24A8}" dt="2023-02-16T16:49:20.808" v="5228" actId="700"/>
+          <ac:spMkLst>
+            <pc:docMk/>
+            <pc:sldMk cId="1565956111" sldId="262"/>
+            <ac:spMk id="13" creationId="{B98D87CA-F2D0-25D5-E4B0-23ECEB46D9FF}"/>
+          </ac:spMkLst>
+        </pc:spChg>
+        <pc:spChg chg="add del mod ord">
+          <ac:chgData name="amit kubani" userId="8b53f3189c0b5b40" providerId="LiveId" clId="{66D94DF8-4FC0-4415-A6C2-F84A008B24A8}" dt="2023-02-16T16:49:20.808" v="5228" actId="700"/>
+          <ac:spMkLst>
+            <pc:docMk/>
+            <pc:sldMk cId="1565956111" sldId="262"/>
+            <ac:spMk id="16" creationId="{BA7CB180-AE05-AF2E-B1AC-158ED43E6305}"/>
+          </ac:spMkLst>
+        </pc:spChg>
+        <pc:spChg chg="add del mod ord">
+          <ac:chgData name="amit kubani" userId="8b53f3189c0b5b40" providerId="LiveId" clId="{66D94DF8-4FC0-4415-A6C2-F84A008B24A8}" dt="2023-02-16T16:49:20.808" v="5228" actId="700"/>
+          <ac:spMkLst>
+            <pc:docMk/>
+            <pc:sldMk cId="1565956111" sldId="262"/>
+            <ac:spMk id="18" creationId="{7A889ADC-39CE-1C99-3849-40D8B65C440B}"/>
+          </ac:spMkLst>
+        </pc:spChg>
+        <pc:spChg chg="del mod">
+          <ac:chgData name="amit kubani" userId="8b53f3189c0b5b40" providerId="LiveId" clId="{66D94DF8-4FC0-4415-A6C2-F84A008B24A8}" dt="2023-02-16T16:48:42.612" v="5223" actId="478"/>
+          <ac:spMkLst>
+            <pc:docMk/>
+            <pc:sldMk cId="1565956111" sldId="262"/>
+            <ac:spMk id="141" creationId="{00000000-0000-0000-0000-000000000000}"/>
+          </ac:spMkLst>
+        </pc:spChg>
+        <pc:spChg chg="del mod">
+          <ac:chgData name="amit kubani" userId="8b53f3189c0b5b40" providerId="LiveId" clId="{66D94DF8-4FC0-4415-A6C2-F84A008B24A8}" dt="2023-02-16T16:48:38.675" v="5222" actId="478"/>
+          <ac:spMkLst>
+            <pc:docMk/>
+            <pc:sldMk cId="1565956111" sldId="262"/>
+            <ac:spMk id="142" creationId="{00000000-0000-0000-0000-000000000000}"/>
+          </ac:spMkLst>
+        </pc:spChg>
+      </pc:sldChg>
+      <pc:sldChg chg="addSp delSp modSp new mod modClrScheme chgLayout">
+        <pc:chgData name="amit kubani" userId="8b53f3189c0b5b40" providerId="LiveId" clId="{66D94DF8-4FC0-4415-A6C2-F84A008B24A8}" dt="2023-02-16T18:47:48.301" v="6610" actId="403"/>
+        <pc:sldMkLst>
+          <pc:docMk/>
+          <pc:sldMk cId="3252356674" sldId="262"/>
+        </pc:sldMkLst>
+        <pc:spChg chg="del mod ord">
+          <ac:chgData name="amit kubani" userId="8b53f3189c0b5b40" providerId="LiveId" clId="{66D94DF8-4FC0-4415-A6C2-F84A008B24A8}" dt="2023-02-16T18:47:07.332" v="6575" actId="700"/>
+          <ac:spMkLst>
+            <pc:docMk/>
+            <pc:sldMk cId="3252356674" sldId="262"/>
+            <ac:spMk id="2" creationId="{BEBBCB0E-A3A7-3F1F-14C4-DFB721A1A317}"/>
+          </ac:spMkLst>
+        </pc:spChg>
+        <pc:spChg chg="del mod ord">
+          <ac:chgData name="amit kubani" userId="8b53f3189c0b5b40" providerId="LiveId" clId="{66D94DF8-4FC0-4415-A6C2-F84A008B24A8}" dt="2023-02-16T18:47:07.332" v="6575" actId="700"/>
+          <ac:spMkLst>
+            <pc:docMk/>
+            <pc:sldMk cId="3252356674" sldId="262"/>
+            <ac:spMk id="3" creationId="{26E3A2E4-94D6-4DD5-33C8-1B52866C38F2}"/>
+          </ac:spMkLst>
+        </pc:spChg>
+        <pc:spChg chg="add mod ord">
+          <ac:chgData name="amit kubani" userId="8b53f3189c0b5b40" providerId="LiveId" clId="{66D94DF8-4FC0-4415-A6C2-F84A008B24A8}" dt="2023-02-16T18:47:48.301" v="6610" actId="403"/>
+          <ac:spMkLst>
+            <pc:docMk/>
+            <pc:sldMk cId="3252356674" sldId="262"/>
+            <ac:spMk id="4" creationId="{519BF355-C0F5-D218-4E72-C147121838F0}"/>
+          </ac:spMkLst>
+        </pc:spChg>
+        <pc:spChg chg="add del mod ord">
+          <ac:chgData name="amit kubani" userId="8b53f3189c0b5b40" providerId="LiveId" clId="{66D94DF8-4FC0-4415-A6C2-F84A008B24A8}" dt="2023-02-16T18:47:43.456" v="6605" actId="478"/>
+          <ac:spMkLst>
+            <pc:docMk/>
+            <pc:sldMk cId="3252356674" sldId="262"/>
+            <ac:spMk id="5" creationId="{1D47C4E7-75FB-BA0B-E0B2-3E2B4E8AC008}"/>
+          </ac:spMkLst>
+        </pc:spChg>
+      </pc:sldChg>
+      <pc:sldChg chg="add del">
+        <pc:chgData name="amit kubani" userId="8b53f3189c0b5b40" providerId="LiveId" clId="{66D94DF8-4FC0-4415-A6C2-F84A008B24A8}" dt="2023-02-16T18:11:39.604" v="5332" actId="47"/>
+        <pc:sldMkLst>
+          <pc:docMk/>
+          <pc:sldMk cId="693784820" sldId="263"/>
+        </pc:sldMkLst>
+      </pc:sldChg>
+      <pc:sldChg chg="addSp delSp modSp add del mod ord">
+        <pc:chgData name="amit kubani" userId="8b53f3189c0b5b40" providerId="LiveId" clId="{66D94DF8-4FC0-4415-A6C2-F84A008B24A8}" dt="2023-02-16T20:15:31.760" v="9286" actId="2696"/>
+        <pc:sldMkLst>
+          <pc:docMk/>
+          <pc:sldMk cId="1314823769" sldId="263"/>
+        </pc:sldMkLst>
+        <pc:spChg chg="add del mod">
+          <ac:chgData name="amit kubani" userId="8b53f3189c0b5b40" providerId="LiveId" clId="{66D94DF8-4FC0-4415-A6C2-F84A008B24A8}" dt="2023-02-16T19:58:44.799" v="8631" actId="478"/>
+          <ac:spMkLst>
+            <pc:docMk/>
+            <pc:sldMk cId="1314823769" sldId="263"/>
+            <ac:spMk id="3" creationId="{D861DE6A-4CCF-52BD-F8C5-AC1F3AD6BCE9}"/>
+          </ac:spMkLst>
+        </pc:spChg>
+        <pc:spChg chg="del mod">
+          <ac:chgData name="amit kubani" userId="8b53f3189c0b5b40" providerId="LiveId" clId="{66D94DF8-4FC0-4415-A6C2-F84A008B24A8}" dt="2023-02-16T19:58:42.794" v="8630" actId="478"/>
+          <ac:spMkLst>
+            <pc:docMk/>
+            <pc:sldMk cId="1314823769" sldId="263"/>
+            <ac:spMk id="141" creationId="{00000000-0000-0000-0000-000000000000}"/>
+          </ac:spMkLst>
+        </pc:spChg>
+        <pc:spChg chg="del mod">
+          <ac:chgData name="amit kubani" userId="8b53f3189c0b5b40" providerId="LiveId" clId="{66D94DF8-4FC0-4415-A6C2-F84A008B24A8}" dt="2023-02-16T19:58:47.999" v="8632" actId="478"/>
+          <ac:spMkLst>
+            <pc:docMk/>
+            <pc:sldMk cId="1314823769" sldId="263"/>
+            <ac:spMk id="142" creationId="{00000000-0000-0000-0000-000000000000}"/>
+          </ac:spMkLst>
+        </pc:spChg>
+      </pc:sldChg>
+      <pc:sldChg chg="del">
+        <pc:chgData name="amit kubani" userId="8b53f3189c0b5b40" providerId="LiveId" clId="{66D94DF8-4FC0-4415-A6C2-F84A008B24A8}" dt="2023-02-16T14:31:00.809" v="1334" actId="47"/>
+        <pc:sldMkLst>
+          <pc:docMk/>
+          <pc:sldMk cId="0" sldId="264"/>
+        </pc:sldMkLst>
+      </pc:sldChg>
+      <pc:sldChg chg="addSp delSp modSp add mod">
+        <pc:chgData name="amit kubani" userId="8b53f3189c0b5b40" providerId="LiveId" clId="{66D94DF8-4FC0-4415-A6C2-F84A008B24A8}" dt="2023-02-16T19:19:51.625" v="7482" actId="20577"/>
+        <pc:sldMkLst>
+          <pc:docMk/>
+          <pc:sldMk cId="1469305543" sldId="264"/>
+        </pc:sldMkLst>
+        <pc:spChg chg="add del">
+          <ac:chgData name="amit kubani" userId="8b53f3189c0b5b40" providerId="LiveId" clId="{66D94DF8-4FC0-4415-A6C2-F84A008B24A8}" dt="2023-02-16T19:18:33.484" v="7458" actId="478"/>
+          <ac:spMkLst>
+            <pc:docMk/>
+            <pc:sldMk cId="1469305543" sldId="264"/>
+            <ac:spMk id="3" creationId="{64E19154-AC57-3463-F76E-D4B55AD665A7}"/>
+          </ac:spMkLst>
+        </pc:spChg>
+        <pc:spChg chg="mod">
+          <ac:chgData name="amit kubani" userId="8b53f3189c0b5b40" providerId="LiveId" clId="{66D94DF8-4FC0-4415-A6C2-F84A008B24A8}" dt="2023-02-16T18:49:38.315" v="6629" actId="20577"/>
+          <ac:spMkLst>
+            <pc:docMk/>
+            <pc:sldMk cId="1469305543" sldId="264"/>
+            <ac:spMk id="141" creationId="{00000000-0000-0000-0000-000000000000}"/>
+          </ac:spMkLst>
+        </pc:spChg>
+        <pc:spChg chg="mod">
+          <ac:chgData name="amit kubani" userId="8b53f3189c0b5b40" providerId="LiveId" clId="{66D94DF8-4FC0-4415-A6C2-F84A008B24A8}" dt="2023-02-16T19:19:51.625" v="7482" actId="20577"/>
+          <ac:spMkLst>
+            <pc:docMk/>
+            <pc:sldMk cId="1469305543" sldId="264"/>
+            <ac:spMk id="142" creationId="{00000000-0000-0000-0000-000000000000}"/>
+          </ac:spMkLst>
+        </pc:spChg>
+      </pc:sldChg>
+      <pc:sldChg chg="add del">
+        <pc:chgData name="amit kubani" userId="8b53f3189c0b5b40" providerId="LiveId" clId="{66D94DF8-4FC0-4415-A6C2-F84A008B24A8}" dt="2023-02-16T18:11:39.604" v="5332" actId="47"/>
+        <pc:sldMkLst>
+          <pc:docMk/>
+          <pc:sldMk cId="3067135782" sldId="264"/>
+        </pc:sldMkLst>
+      </pc:sldChg>
+      <pc:sldChg chg="del">
+        <pc:chgData name="amit kubani" userId="8b53f3189c0b5b40" providerId="LiveId" clId="{66D94DF8-4FC0-4415-A6C2-F84A008B24A8}" dt="2023-02-16T14:31:00.809" v="1334" actId="47"/>
+        <pc:sldMkLst>
+          <pc:docMk/>
+          <pc:sldMk cId="0" sldId="265"/>
+        </pc:sldMkLst>
+      </pc:sldChg>
+      <pc:sldChg chg="delSp modSp add mod">
+        <pc:chgData name="amit kubani" userId="8b53f3189c0b5b40" providerId="LiveId" clId="{66D94DF8-4FC0-4415-A6C2-F84A008B24A8}" dt="2023-02-16T20:23:20.729" v="9720" actId="478"/>
+        <pc:sldMkLst>
+          <pc:docMk/>
+          <pc:sldMk cId="920333169" sldId="265"/>
+        </pc:sldMkLst>
+        <pc:spChg chg="del mod">
+          <ac:chgData name="amit kubani" userId="8b53f3189c0b5b40" providerId="LiveId" clId="{66D94DF8-4FC0-4415-A6C2-F84A008B24A8}" dt="2023-02-16T20:23:17.665" v="9719" actId="478"/>
+          <ac:spMkLst>
+            <pc:docMk/>
+            <pc:sldMk cId="920333169" sldId="265"/>
+            <ac:spMk id="141" creationId="{00000000-0000-0000-0000-000000000000}"/>
+          </ac:spMkLst>
+        </pc:spChg>
+        <pc:spChg chg="del">
+          <ac:chgData name="amit kubani" userId="8b53f3189c0b5b40" providerId="LiveId" clId="{66D94DF8-4FC0-4415-A6C2-F84A008B24A8}" dt="2023-02-16T20:23:20.729" v="9720" actId="478"/>
+          <ac:spMkLst>
+            <pc:docMk/>
+            <pc:sldMk cId="920333169" sldId="265"/>
+            <ac:spMk id="142" creationId="{00000000-0000-0000-0000-000000000000}"/>
+          </ac:spMkLst>
+        </pc:spChg>
+      </pc:sldChg>
+      <pc:sldChg chg="add del">
+        <pc:chgData name="amit kubani" userId="8b53f3189c0b5b40" providerId="LiveId" clId="{66D94DF8-4FC0-4415-A6C2-F84A008B24A8}" dt="2023-02-16T18:11:39.604" v="5332" actId="47"/>
+        <pc:sldMkLst>
+          <pc:docMk/>
+          <pc:sldMk cId="1590685558" sldId="265"/>
+        </pc:sldMkLst>
+      </pc:sldChg>
+      <pc:sldChg chg="del">
+        <pc:chgData name="amit kubani" userId="8b53f3189c0b5b40" providerId="LiveId" clId="{66D94DF8-4FC0-4415-A6C2-F84A008B24A8}" dt="2023-02-16T14:31:00.809" v="1334" actId="47"/>
+        <pc:sldMkLst>
+          <pc:docMk/>
+          <pc:sldMk cId="0" sldId="266"/>
+        </pc:sldMkLst>
+      </pc:sldChg>
+      <pc:sldChg chg="add del">
+        <pc:chgData name="amit kubani" userId="8b53f3189c0b5b40" providerId="LiveId" clId="{66D94DF8-4FC0-4415-A6C2-F84A008B24A8}" dt="2023-02-16T18:11:39.604" v="5332" actId="47"/>
+        <pc:sldMkLst>
+          <pc:docMk/>
+          <pc:sldMk cId="1526326483" sldId="266"/>
+        </pc:sldMkLst>
+      </pc:sldChg>
+      <pc:sldChg chg="modSp add mod">
+        <pc:chgData name="amit kubani" userId="8b53f3189c0b5b40" providerId="LiveId" clId="{66D94DF8-4FC0-4415-A6C2-F84A008B24A8}" dt="2023-02-16T18:51:57.561" v="6638" actId="20577"/>
+        <pc:sldMkLst>
+          <pc:docMk/>
+          <pc:sldMk cId="3017655696" sldId="266"/>
+        </pc:sldMkLst>
+        <pc:spChg chg="mod">
+          <ac:chgData name="amit kubani" userId="8b53f3189c0b5b40" providerId="LiveId" clId="{66D94DF8-4FC0-4415-A6C2-F84A008B24A8}" dt="2023-02-16T18:51:57.561" v="6638" actId="20577"/>
+          <ac:spMkLst>
+            <pc:docMk/>
+            <pc:sldMk cId="3017655696" sldId="266"/>
+            <ac:spMk id="141" creationId="{00000000-0000-0000-0000-000000000000}"/>
+          </ac:spMkLst>
+        </pc:spChg>
+      </pc:sldChg>
+      <pc:sldChg chg="del">
+        <pc:chgData name="amit kubani" userId="8b53f3189c0b5b40" providerId="LiveId" clId="{66D94DF8-4FC0-4415-A6C2-F84A008B24A8}" dt="2023-02-16T14:31:00.809" v="1334" actId="47"/>
+        <pc:sldMkLst>
+          <pc:docMk/>
+          <pc:sldMk cId="0" sldId="267"/>
+        </pc:sldMkLst>
+      </pc:sldChg>
+      <pc:sldChg chg="modSp new del mod ord">
+        <pc:chgData name="amit kubani" userId="8b53f3189c0b5b40" providerId="LiveId" clId="{66D94DF8-4FC0-4415-A6C2-F84A008B24A8}" dt="2023-02-16T18:11:39.604" v="5332" actId="47"/>
+        <pc:sldMkLst>
+          <pc:docMk/>
+          <pc:sldMk cId="1798183538" sldId="267"/>
+        </pc:sldMkLst>
+        <pc:spChg chg="mod">
+          <ac:chgData name="amit kubani" userId="8b53f3189c0b5b40" providerId="LiveId" clId="{66D94DF8-4FC0-4415-A6C2-F84A008B24A8}" dt="2023-02-16T18:11:13.153" v="5329" actId="20577"/>
+          <ac:spMkLst>
+            <pc:docMk/>
+            <pc:sldMk cId="1798183538" sldId="267"/>
+            <ac:spMk id="2" creationId="{8CB7DEF2-7657-B3FB-8AE9-65D245EBA902}"/>
+          </ac:spMkLst>
+        </pc:spChg>
+        <pc:spChg chg="mod">
+          <ac:chgData name="amit kubani" userId="8b53f3189c0b5b40" providerId="LiveId" clId="{66D94DF8-4FC0-4415-A6C2-F84A008B24A8}" dt="2023-02-16T18:10:22.133" v="5316" actId="121"/>
+          <ac:spMkLst>
+            <pc:docMk/>
+            <pc:sldMk cId="1798183538" sldId="267"/>
+            <ac:spMk id="3" creationId="{BE6DEEC3-4CA6-0506-B2B6-1C108827EFC1}"/>
+          </ac:spMkLst>
+        </pc:spChg>
+      </pc:sldChg>
+      <pc:sldChg chg="addSp delSp modSp add mod ord chgLayout">
+        <pc:chgData name="amit kubani" userId="8b53f3189c0b5b40" providerId="LiveId" clId="{66D94DF8-4FC0-4415-A6C2-F84A008B24A8}" dt="2023-02-16T19:36:04.235" v="8072" actId="20577"/>
+        <pc:sldMkLst>
+          <pc:docMk/>
+          <pc:sldMk cId="2635863212" sldId="267"/>
+        </pc:sldMkLst>
+        <pc:spChg chg="del mod">
+          <ac:chgData name="amit kubani" userId="8b53f3189c0b5b40" providerId="LiveId" clId="{66D94DF8-4FC0-4415-A6C2-F84A008B24A8}" dt="2023-02-16T19:17:58.296" v="7409" actId="478"/>
+          <ac:spMkLst>
+            <pc:docMk/>
+            <pc:sldMk cId="2635863212" sldId="267"/>
+            <ac:spMk id="3" creationId="{64E19154-AC57-3463-F76E-D4B55AD665A7}"/>
+          </ac:spMkLst>
+        </pc:spChg>
+        <pc:spChg chg="add del mod ord">
+          <ac:chgData name="amit kubani" userId="8b53f3189c0b5b40" providerId="LiveId" clId="{66D94DF8-4FC0-4415-A6C2-F84A008B24A8}" dt="2023-02-16T19:36:04.235" v="8072" actId="20577"/>
+          <ac:spMkLst>
+            <pc:docMk/>
+            <pc:sldMk cId="2635863212" sldId="267"/>
+            <ac:spMk id="9" creationId="{20D1650B-058C-FD2C-2FF7-7D1A51C1FA5A}"/>
+          </ac:spMkLst>
+        </pc:spChg>
+        <pc:spChg chg="add del mod">
+          <ac:chgData name="amit kubani" userId="8b53f3189c0b5b40" providerId="LiveId" clId="{66D94DF8-4FC0-4415-A6C2-F84A008B24A8}" dt="2023-02-16T19:31:05.032" v="7837" actId="21"/>
+          <ac:spMkLst>
+            <pc:docMk/>
+            <pc:sldMk cId="2635863212" sldId="267"/>
+            <ac:spMk id="10" creationId="{19D2C438-183A-B9D8-5C2F-13AAEBF37218}"/>
+          </ac:spMkLst>
+        </pc:spChg>
+        <pc:spChg chg="add mod">
+          <ac:chgData name="amit kubani" userId="8b53f3189c0b5b40" providerId="LiveId" clId="{66D94DF8-4FC0-4415-A6C2-F84A008B24A8}" dt="2023-02-16T19:31:51.828" v="7867" actId="20577"/>
+          <ac:spMkLst>
+            <pc:docMk/>
+            <pc:sldMk cId="2635863212" sldId="267"/>
+            <ac:spMk id="11" creationId="{34808610-9953-283A-F182-5F877BA09034}"/>
+          </ac:spMkLst>
+        </pc:spChg>
+        <pc:spChg chg="add mod">
+          <ac:chgData name="amit kubani" userId="8b53f3189c0b5b40" providerId="LiveId" clId="{66D94DF8-4FC0-4415-A6C2-F84A008B24A8}" dt="2023-02-16T19:31:46.429" v="7860" actId="20577"/>
+          <ac:spMkLst>
+            <pc:docMk/>
+            <pc:sldMk cId="2635863212" sldId="267"/>
+            <ac:spMk id="12" creationId="{84243F97-4A13-92E6-509B-2A47170C7CF7}"/>
+          </ac:spMkLst>
+        </pc:spChg>
+        <pc:spChg chg="add mod">
+          <ac:chgData name="amit kubani" userId="8b53f3189c0b5b40" providerId="LiveId" clId="{66D94DF8-4FC0-4415-A6C2-F84A008B24A8}" dt="2023-02-16T19:31:39.863" v="7853" actId="20577"/>
+          <ac:spMkLst>
+            <pc:docMk/>
+            <pc:sldMk cId="2635863212" sldId="267"/>
+            <ac:spMk id="13" creationId="{53D4FE46-B543-4946-9FFA-FEB61A3F87BC}"/>
+          </ac:spMkLst>
+        </pc:spChg>
+        <pc:spChg chg="mod ord">
+          <ac:chgData name="amit kubani" userId="8b53f3189c0b5b40" providerId="LiveId" clId="{66D94DF8-4FC0-4415-A6C2-F84A008B24A8}" dt="2023-02-16T19:34:15.927" v="7959" actId="782"/>
+          <ac:spMkLst>
+            <pc:docMk/>
+            <pc:sldMk cId="2635863212" sldId="267"/>
+            <ac:spMk id="141" creationId="{00000000-0000-0000-0000-000000000000}"/>
+          </ac:spMkLst>
+        </pc:spChg>
+        <pc:spChg chg="del mod">
+          <ac:chgData name="amit kubani" userId="8b53f3189c0b5b40" providerId="LiveId" clId="{66D94DF8-4FC0-4415-A6C2-F84A008B24A8}" dt="2023-02-16T19:20:01.876" v="7483" actId="478"/>
+          <ac:spMkLst>
+            <pc:docMk/>
+            <pc:sldMk cId="2635863212" sldId="267"/>
+            <ac:spMk id="142" creationId="{00000000-0000-0000-0000-000000000000}"/>
+          </ac:spMkLst>
+        </pc:spChg>
+        <pc:picChg chg="add mod">
+          <ac:chgData name="amit kubani" userId="8b53f3189c0b5b40" providerId="LiveId" clId="{66D94DF8-4FC0-4415-A6C2-F84A008B24A8}" dt="2023-02-16T19:22:07.440" v="7491" actId="14100"/>
+          <ac:picMkLst>
+            <pc:docMk/>
+            <pc:sldMk cId="2635863212" sldId="267"/>
+            <ac:picMk id="4" creationId="{FCFD0D82-2D51-EA91-097B-12F9759C24A2}"/>
+          </ac:picMkLst>
+        </pc:picChg>
+        <pc:picChg chg="add mod">
+          <ac:chgData name="amit kubani" userId="8b53f3189c0b5b40" providerId="LiveId" clId="{66D94DF8-4FC0-4415-A6C2-F84A008B24A8}" dt="2023-02-16T19:23:27.756" v="7504" actId="1076"/>
+          <ac:picMkLst>
+            <pc:docMk/>
+            <pc:sldMk cId="2635863212" sldId="267"/>
+            <ac:picMk id="6" creationId="{29BE0B47-4C41-4CD9-E3AD-C6BD18574D97}"/>
+          </ac:picMkLst>
+        </pc:picChg>
+        <pc:picChg chg="add mod">
+          <ac:chgData name="amit kubani" userId="8b53f3189c0b5b40" providerId="LiveId" clId="{66D94DF8-4FC0-4415-A6C2-F84A008B24A8}" dt="2023-02-16T19:23:32.648" v="7506" actId="14100"/>
+          <ac:picMkLst>
+            <pc:docMk/>
+            <pc:sldMk cId="2635863212" sldId="267"/>
+            <ac:picMk id="8" creationId="{48465DDD-2A57-2676-7A64-B85485F1498F}"/>
+          </ac:picMkLst>
+        </pc:picChg>
+      </pc:sldChg>
+      <pc:sldChg chg="del">
+        <pc:chgData name="amit kubani" userId="8b53f3189c0b5b40" providerId="LiveId" clId="{66D94DF8-4FC0-4415-A6C2-F84A008B24A8}" dt="2023-02-16T14:31:00.809" v="1334" actId="47"/>
+        <pc:sldMkLst>
+          <pc:docMk/>
+          <pc:sldMk cId="0" sldId="268"/>
+        </pc:sldMkLst>
+      </pc:sldChg>
+      <pc:sldChg chg="addSp delSp modSp new mod ord modClrScheme chgLayout">
+        <pc:chgData name="amit kubani" userId="8b53f3189c0b5b40" providerId="LiveId" clId="{66D94DF8-4FC0-4415-A6C2-F84A008B24A8}" dt="2023-02-16T20:23:04.457" v="9711" actId="20577"/>
+        <pc:sldMkLst>
+          <pc:docMk/>
+          <pc:sldMk cId="1602383501" sldId="268"/>
+        </pc:sldMkLst>
+        <pc:spChg chg="add del mod ord">
+          <ac:chgData name="amit kubani" userId="8b53f3189c0b5b40" providerId="LiveId" clId="{66D94DF8-4FC0-4415-A6C2-F84A008B24A8}" dt="2023-02-16T20:15:47.565" v="9291" actId="20577"/>
+          <ac:spMkLst>
+            <pc:docMk/>
+            <pc:sldMk cId="1602383501" sldId="268"/>
+            <ac:spMk id="2" creationId="{060245D6-1BF2-651A-138C-D972E946449A}"/>
+          </ac:spMkLst>
+        </pc:spChg>
+        <pc:spChg chg="del">
+          <ac:chgData name="amit kubani" userId="8b53f3189c0b5b40" providerId="LiveId" clId="{66D94DF8-4FC0-4415-A6C2-F84A008B24A8}" dt="2023-02-16T19:59:50.597" v="8645" actId="478"/>
+          <ac:spMkLst>
+            <pc:docMk/>
+            <pc:sldMk cId="1602383501" sldId="268"/>
+            <ac:spMk id="3" creationId="{971720F2-087A-7DA9-62E4-11122BB1D0AB}"/>
+          </ac:spMkLst>
+        </pc:spChg>
+        <pc:spChg chg="add del mod">
+          <ac:chgData name="amit kubani" userId="8b53f3189c0b5b40" providerId="LiveId" clId="{66D94DF8-4FC0-4415-A6C2-F84A008B24A8}" dt="2023-02-16T20:11:47.397" v="8995" actId="478"/>
+          <ac:spMkLst>
+            <pc:docMk/>
+            <pc:sldMk cId="1602383501" sldId="268"/>
+            <ac:spMk id="10" creationId="{45505A8D-58FA-B699-2B89-A9C7357A7BCB}"/>
+          </ac:spMkLst>
+        </pc:spChg>
+        <pc:spChg chg="add del mod">
+          <ac:chgData name="amit kubani" userId="8b53f3189c0b5b40" providerId="LiveId" clId="{66D94DF8-4FC0-4415-A6C2-F84A008B24A8}" dt="2023-02-16T20:11:42.301" v="8994" actId="478"/>
+          <ac:spMkLst>
+            <pc:docMk/>
+            <pc:sldMk cId="1602383501" sldId="268"/>
+            <ac:spMk id="12" creationId="{5E07B8B7-C250-4228-485C-2ED47C855223}"/>
+          </ac:spMkLst>
+        </pc:spChg>
+        <pc:spChg chg="add mod">
+          <ac:chgData name="amit kubani" userId="8b53f3189c0b5b40" providerId="LiveId" clId="{66D94DF8-4FC0-4415-A6C2-F84A008B24A8}" dt="2023-02-16T20:23:04.457" v="9711" actId="20577"/>
+          <ac:spMkLst>
+            <pc:docMk/>
+            <pc:sldMk cId="1602383501" sldId="268"/>
+            <ac:spMk id="13" creationId="{845C5D16-B0EE-4466-2C4B-C441B0D07890}"/>
+          </ac:spMkLst>
+        </pc:spChg>
+        <pc:picChg chg="add del mod">
+          <ac:chgData name="amit kubani" userId="8b53f3189c0b5b40" providerId="LiveId" clId="{66D94DF8-4FC0-4415-A6C2-F84A008B24A8}" dt="2023-02-16T20:15:48.939" v="9292" actId="478"/>
+          <ac:picMkLst>
+            <pc:docMk/>
+            <pc:sldMk cId="1602383501" sldId="268"/>
+            <ac:picMk id="5" creationId="{5FE7DE98-33F0-C34C-5839-65EA2A6DE200}"/>
+          </ac:picMkLst>
+        </pc:picChg>
+        <pc:picChg chg="add del mod">
+          <ac:chgData name="amit kubani" userId="8b53f3189c0b5b40" providerId="LiveId" clId="{66D94DF8-4FC0-4415-A6C2-F84A008B24A8}" dt="2023-02-16T20:15:50.315" v="9293" actId="478"/>
+          <ac:picMkLst>
+            <pc:docMk/>
+            <pc:sldMk cId="1602383501" sldId="268"/>
+            <ac:picMk id="7" creationId="{5DD90022-BBAE-20AE-5BA7-9CEAC7399302}"/>
+          </ac:picMkLst>
+        </pc:picChg>
+        <pc:picChg chg="add del mod">
+          <ac:chgData name="amit kubani" userId="8b53f3189c0b5b40" providerId="LiveId" clId="{66D94DF8-4FC0-4415-A6C2-F84A008B24A8}" dt="2023-02-16T20:15:51.945" v="9294" actId="478"/>
+          <ac:picMkLst>
+            <pc:docMk/>
+            <pc:sldMk cId="1602383501" sldId="268"/>
+            <ac:picMk id="9" creationId="{7A7188DE-7840-B371-1E0D-BEBD863020B1}"/>
+          </ac:picMkLst>
+        </pc:picChg>
+        <pc:picChg chg="add mod">
+          <ac:chgData name="amit kubani" userId="8b53f3189c0b5b40" providerId="LiveId" clId="{66D94DF8-4FC0-4415-A6C2-F84A008B24A8}" dt="2023-02-16T20:17:19.641" v="9315" actId="1076"/>
+          <ac:picMkLst>
+            <pc:docMk/>
+            <pc:sldMk cId="1602383501" sldId="268"/>
+            <ac:picMk id="15" creationId="{9A2227CE-57CA-6383-1935-BF5199B31946}"/>
+          </ac:picMkLst>
+        </pc:picChg>
+        <pc:picChg chg="add mod">
+          <ac:chgData name="amit kubani" userId="8b53f3189c0b5b40" providerId="LiveId" clId="{66D94DF8-4FC0-4415-A6C2-F84A008B24A8}" dt="2023-02-16T20:17:15.217" v="9314" actId="1076"/>
+          <ac:picMkLst>
+            <pc:docMk/>
+            <pc:sldMk cId="1602383501" sldId="268"/>
+            <ac:picMk id="17" creationId="{78BEA9DE-E9D7-320F-BF09-7BE3B6E03674}"/>
+          </ac:picMkLst>
+        </pc:picChg>
+        <pc:picChg chg="add mod">
+          <ac:chgData name="amit kubani" userId="8b53f3189c0b5b40" providerId="LiveId" clId="{66D94DF8-4FC0-4415-A6C2-F84A008B24A8}" dt="2023-02-16T20:16:55.576" v="9309" actId="14100"/>
+          <ac:picMkLst>
+            <pc:docMk/>
+            <pc:sldMk cId="1602383501" sldId="268"/>
+            <ac:picMk id="19" creationId="{1F206A64-6832-145F-A814-BBD16C87D0EB}"/>
+          </ac:picMkLst>
+        </pc:picChg>
+      </pc:sldChg>
+      <pc:sldChg chg="addSp delSp modSp add mod">
+        <pc:chgData name="amit kubani" userId="8b53f3189c0b5b40" providerId="LiveId" clId="{66D94DF8-4FC0-4415-A6C2-F84A008B24A8}" dt="2023-02-16T19:58:21.496" v="8629" actId="20577"/>
+        <pc:sldMkLst>
+          <pc:docMk/>
+          <pc:sldMk cId="561043004" sldId="269"/>
+        </pc:sldMkLst>
+        <pc:spChg chg="mod">
+          <ac:chgData name="amit kubani" userId="8b53f3189c0b5b40" providerId="LiveId" clId="{66D94DF8-4FC0-4415-A6C2-F84A008B24A8}" dt="2023-02-16T19:58:21.496" v="8629" actId="20577"/>
+          <ac:spMkLst>
+            <pc:docMk/>
+            <pc:sldMk cId="561043004" sldId="269"/>
+            <ac:spMk id="9" creationId="{20D1650B-058C-FD2C-2FF7-7D1A51C1FA5A}"/>
+          </ac:spMkLst>
+        </pc:spChg>
+        <pc:spChg chg="mod">
+          <ac:chgData name="amit kubani" userId="8b53f3189c0b5b40" providerId="LiveId" clId="{66D94DF8-4FC0-4415-A6C2-F84A008B24A8}" dt="2023-02-16T19:36:38.746" v="8074"/>
+          <ac:spMkLst>
+            <pc:docMk/>
+            <pc:sldMk cId="561043004" sldId="269"/>
+            <ac:spMk id="141" creationId="{00000000-0000-0000-0000-000000000000}"/>
+          </ac:spMkLst>
+        </pc:spChg>
+        <pc:picChg chg="add del mod">
+          <ac:chgData name="amit kubani" userId="8b53f3189c0b5b40" providerId="LiveId" clId="{66D94DF8-4FC0-4415-A6C2-F84A008B24A8}" dt="2023-02-16T19:44:08.549" v="8212" actId="478"/>
+          <ac:picMkLst>
+            <pc:docMk/>
+            <pc:sldMk cId="561043004" sldId="269"/>
+            <ac:picMk id="3" creationId="{C214CC26-406C-8BC4-18AA-7A31AC54853F}"/>
+          </ac:picMkLst>
+        </pc:picChg>
+        <pc:picChg chg="del mod">
+          <ac:chgData name="amit kubani" userId="8b53f3189c0b5b40" providerId="LiveId" clId="{66D94DF8-4FC0-4415-A6C2-F84A008B24A8}" dt="2023-02-16T19:36:46.236" v="8077" actId="478"/>
+          <ac:picMkLst>
+            <pc:docMk/>
+            <pc:sldMk cId="561043004" sldId="269"/>
+            <ac:picMk id="4" creationId="{FCFD0D82-2D51-EA91-097B-12F9759C24A2}"/>
+          </ac:picMkLst>
+        </pc:picChg>
+        <pc:picChg chg="del">
+          <ac:chgData name="amit kubani" userId="8b53f3189c0b5b40" providerId="LiveId" clId="{66D94DF8-4FC0-4415-A6C2-F84A008B24A8}" dt="2023-02-16T19:36:44.647" v="8075" actId="478"/>
+          <ac:picMkLst>
+            <pc:docMk/>
+            <pc:sldMk cId="561043004" sldId="269"/>
+            <ac:picMk id="6" creationId="{29BE0B47-4C41-4CD9-E3AD-C6BD18574D97}"/>
+          </ac:picMkLst>
+        </pc:picChg>
+        <pc:picChg chg="add del mod">
+          <ac:chgData name="amit kubani" userId="8b53f3189c0b5b40" providerId="LiveId" clId="{66D94DF8-4FC0-4415-A6C2-F84A008B24A8}" dt="2023-02-16T19:44:10.222" v="8213" actId="478"/>
+          <ac:picMkLst>
+            <pc:docMk/>
+            <pc:sldMk cId="561043004" sldId="269"/>
+            <ac:picMk id="7" creationId="{F866B03F-3847-29AB-086B-92F64FED7DB3}"/>
+          </ac:picMkLst>
+        </pc:picChg>
+        <pc:picChg chg="del">
+          <ac:chgData name="amit kubani" userId="8b53f3189c0b5b40" providerId="LiveId" clId="{66D94DF8-4FC0-4415-A6C2-F84A008B24A8}" dt="2023-02-16T19:36:47.969" v="8078" actId="478"/>
+          <ac:picMkLst>
+            <pc:docMk/>
+            <pc:sldMk cId="561043004" sldId="269"/>
+            <ac:picMk id="8" creationId="{48465DDD-2A57-2676-7A64-B85485F1498F}"/>
+          </ac:picMkLst>
+        </pc:picChg>
+        <pc:picChg chg="add del mod">
+          <ac:chgData name="amit kubani" userId="8b53f3189c0b5b40" providerId="LiveId" clId="{66D94DF8-4FC0-4415-A6C2-F84A008B24A8}" dt="2023-02-16T19:44:11.812" v="8214" actId="478"/>
+          <ac:picMkLst>
+            <pc:docMk/>
+            <pc:sldMk cId="561043004" sldId="269"/>
+            <ac:picMk id="14" creationId="{F1676E0B-41DD-10D2-3325-492CB85635F5}"/>
+          </ac:picMkLst>
+        </pc:picChg>
+        <pc:picChg chg="add mod">
+          <ac:chgData name="amit kubani" userId="8b53f3189c0b5b40" providerId="LiveId" clId="{66D94DF8-4FC0-4415-A6C2-F84A008B24A8}" dt="2023-02-16T19:52:46.890" v="8230" actId="14100"/>
+          <ac:picMkLst>
+            <pc:docMk/>
+            <pc:sldMk cId="561043004" sldId="269"/>
+            <ac:picMk id="16" creationId="{E4044320-8D8B-2D30-B9B3-43B0D70C7E88}"/>
+          </ac:picMkLst>
+        </pc:picChg>
+        <pc:picChg chg="add mod">
+          <ac:chgData name="amit kubani" userId="8b53f3189c0b5b40" providerId="LiveId" clId="{66D94DF8-4FC0-4415-A6C2-F84A008B24A8}" dt="2023-02-16T19:53:38.813" v="8240" actId="14100"/>
+          <ac:picMkLst>
+            <pc:docMk/>
+            <pc:sldMk cId="561043004" sldId="269"/>
+            <ac:picMk id="18" creationId="{84D22465-ADAB-0B8A-6079-3EA73620755D}"/>
+          </ac:picMkLst>
+        </pc:picChg>
+        <pc:picChg chg="add mod">
+          <ac:chgData name="amit kubani" userId="8b53f3189c0b5b40" providerId="LiveId" clId="{66D94DF8-4FC0-4415-A6C2-F84A008B24A8}" dt="2023-02-16T19:53:44.803" v="8241" actId="14100"/>
+          <ac:picMkLst>
+            <pc:docMk/>
+            <pc:sldMk cId="561043004" sldId="269"/>
+            <ac:picMk id="20" creationId="{A8991582-B1A3-0477-EF90-A2E391CF93A1}"/>
+          </ac:picMkLst>
+        </pc:picChg>
+      </pc:sldChg>
+      <pc:sldChg chg="del">
+        <pc:chgData name="amit kubani" userId="8b53f3189c0b5b40" providerId="LiveId" clId="{66D94DF8-4FC0-4415-A6C2-F84A008B24A8}" dt="2023-02-16T14:31:00.809" v="1334" actId="47"/>
+        <pc:sldMkLst>
+          <pc:docMk/>
+          <pc:sldMk cId="2373467096" sldId="269"/>
+        </pc:sldMkLst>
+      </pc:sldChg>
+      <pc:sldChg chg="add ord">
+        <pc:chgData name="amit kubani" userId="8b53f3189c0b5b40" providerId="LiveId" clId="{66D94DF8-4FC0-4415-A6C2-F84A008B24A8}" dt="2023-02-16T20:16:00.101" v="9296"/>
+        <pc:sldMkLst>
+          <pc:docMk/>
+          <pc:sldMk cId="3916790034" sldId="270"/>
+        </pc:sldMkLst>
+      </pc:sldChg>
+      <pc:sldChg chg="modSp new del mod">
+        <pc:chgData name="amit kubani" userId="8b53f3189c0b5b40" providerId="LiveId" clId="{66D94DF8-4FC0-4415-A6C2-F84A008B24A8}" dt="2023-02-16T14:31:00.809" v="1334" actId="47"/>
+        <pc:sldMkLst>
+          <pc:docMk/>
+          <pc:sldMk cId="3942889943" sldId="270"/>
+        </pc:sldMkLst>
+        <pc:spChg chg="mod">
+          <ac:chgData name="amit kubani" userId="8b53f3189c0b5b40" providerId="LiveId" clId="{66D94DF8-4FC0-4415-A6C2-F84A008B24A8}" dt="2023-02-16T14:26:38.212" v="1136" actId="20577"/>
+          <ac:spMkLst>
+            <pc:docMk/>
+            <pc:sldMk cId="3942889943" sldId="270"/>
+            <ac:spMk id="2" creationId="{15CC9C44-DDF7-34FA-966A-6291BEC4B4D2}"/>
+          </ac:spMkLst>
+        </pc:spChg>
+        <pc:spChg chg="mod">
+          <ac:chgData name="amit kubani" userId="8b53f3189c0b5b40" providerId="LiveId" clId="{66D94DF8-4FC0-4415-A6C2-F84A008B24A8}" dt="2023-02-16T14:30:39.600" v="1333" actId="20577"/>
+          <ac:spMkLst>
+            <pc:docMk/>
+            <pc:sldMk cId="3942889943" sldId="270"/>
+            <ac:spMk id="3" creationId="{71685617-FF9D-31A7-A98C-F6FCA3FB45D7}"/>
+          </ac:spMkLst>
+        </pc:spChg>
+      </pc:sldChg>
+    </pc:docChg>
+  </pc:docChgLst>
+</pc:chgInfo>
 </file>
 
 <file path=ppt/notesMasters/notesMaster1.xml><?xml version="1.0" encoding="utf-8"?>
@@ -845,7 +1808,7 @@
   <p:cSld>
     <p:spTree>
       <p:nvGrpSpPr>
-        <p:cNvPr id="1" name="Shape 191"/>
+        <p:cNvPr id="1" name="Shape 137"/>
         <p:cNvGrpSpPr/>
         <p:nvPr/>
       </p:nvGrpSpPr>
@@ -859,7 +1822,7 @@
       </p:grpSpPr>
       <p:sp>
         <p:nvSpPr>
-          <p:cNvPr id="192" name="Google Shape;192;g1d83d28a3d8_0_1157:notes"/>
+          <p:cNvPr id="138" name="Google Shape;138;g1d83d28a3d8_0_1087:notes"/>
           <p:cNvSpPr>
             <a:spLocks noGrp="1" noRot="1" noChangeAspect="1"/>
           </p:cNvSpPr>
@@ -900,7 +1863,7 @@
       </p:sp>
       <p:sp>
         <p:nvSpPr>
-          <p:cNvPr id="193" name="Google Shape;193;g1d83d28a3d8_0_1157:notes"/>
+          <p:cNvPr id="139" name="Google Shape;139;g1d83d28a3d8_0_1087:notes"/>
           <p:cNvSpPr txBox="1">
             <a:spLocks noGrp="1"/>
           </p:cNvSpPr>
@@ -940,17 +1903,18 @@
               <a:buFont typeface="Arial"/>
               <a:buNone/>
             </a:pPr>
-            <a:endParaRPr lang="he-IL" sz="1300" b="0" i="0" u="none" strike="noStrike" dirty="0">
-              <a:solidFill>
-                <a:srgbClr val="000000"/>
-              </a:solidFill>
-              <a:effectLst/>
-              <a:latin typeface="Segoe UI Web (Hebrew)"/>
+            <a:endParaRPr dirty="0">
+              <a:cs typeface="+mn-cs"/>
             </a:endParaRPr>
           </a:p>
         </p:txBody>
       </p:sp>
     </p:spTree>
+    <p:extLst>
+      <p:ext uri="{BB962C8B-B14F-4D97-AF65-F5344CB8AC3E}">
+        <p14:creationId xmlns:p14="http://schemas.microsoft.com/office/powerpoint/2010/main" val="400283997"/>
+      </p:ext>
+    </p:extLst>
   </p:cSld>
   <p:clrMapOvr>
     <a:masterClrMapping/>
@@ -963,7 +1927,7 @@
   <p:cSld>
     <p:spTree>
       <p:nvGrpSpPr>
-        <p:cNvPr id="1" name="Shape 197"/>
+        <p:cNvPr id="1" name="Shape 137"/>
         <p:cNvGrpSpPr/>
         <p:nvPr/>
       </p:nvGrpSpPr>
@@ -977,7 +1941,7 @@
       </p:grpSpPr>
       <p:sp>
         <p:nvSpPr>
-          <p:cNvPr id="198" name="Google Shape;198;g1d83d28a3d8_0_1165:notes"/>
+          <p:cNvPr id="138" name="Google Shape;138;g1d83d28a3d8_0_1087:notes"/>
           <p:cNvSpPr>
             <a:spLocks noGrp="1" noRot="1" noChangeAspect="1"/>
           </p:cNvSpPr>
@@ -1018,113 +1982,7 @@
       </p:sp>
       <p:sp>
         <p:nvSpPr>
-          <p:cNvPr id="199" name="Google Shape;199;g1d83d28a3d8_0_1165:notes"/>
-          <p:cNvSpPr txBox="1">
-            <a:spLocks noGrp="1"/>
-          </p:cNvSpPr>
-          <p:nvPr>
-            <p:ph type="body" idx="1"/>
-          </p:nvPr>
-        </p:nvSpPr>
-        <p:spPr>
-          <a:xfrm>
-            <a:off x="685800" y="4343400"/>
-            <a:ext cx="5486400" cy="4114800"/>
-          </a:xfrm>
-          <a:prstGeom prst="rect">
-            <a:avLst/>
-          </a:prstGeom>
-        </p:spPr>
-        <p:txBody>
-          <a:bodyPr spcFirstLastPara="1" wrap="square" lIns="91425" tIns="91425" rIns="91425" bIns="91425" anchor="t" anchorCtr="0">
-            <a:noAutofit/>
-          </a:bodyPr>
-          <a:lstStyle/>
-          <a:p>
-            <a:pPr marL="0" lvl="0" indent="0" algn="r" rtl="0">
-              <a:spcBef>
-                <a:spcPts val="0"/>
-              </a:spcBef>
-              <a:spcAft>
-                <a:spcPts val="0"/>
-              </a:spcAft>
-              <a:buNone/>
-            </a:pPr>
-            <a:endParaRPr sz="1300" dirty="0">
-              <a:latin typeface="+mj-lt"/>
-            </a:endParaRPr>
-          </a:p>
-        </p:txBody>
-      </p:sp>
-    </p:spTree>
-  </p:cSld>
-  <p:clrMapOvr>
-    <a:masterClrMapping/>
-  </p:clrMapOvr>
-</p:notes>
-</file>
-
-<file path=ppt/notesSlides/notesSlide12.xml><?xml version="1.0" encoding="utf-8"?>
-<p:notes xmlns:a="http://schemas.openxmlformats.org/drawingml/2006/main" xmlns:r="http://schemas.openxmlformats.org/officeDocument/2006/relationships" xmlns:p="http://schemas.openxmlformats.org/presentationml/2006/main" showMasterSp="0" showMasterPhAnim="0">
-  <p:cSld>
-    <p:spTree>
-      <p:nvGrpSpPr>
-        <p:cNvPr id="1" name="Shape 203"/>
-        <p:cNvGrpSpPr/>
-        <p:nvPr/>
-      </p:nvGrpSpPr>
-      <p:grpSpPr>
-        <a:xfrm>
-          <a:off x="0" y="0"/>
-          <a:ext cx="0" cy="0"/>
-          <a:chOff x="0" y="0"/>
-          <a:chExt cx="0" cy="0"/>
-        </a:xfrm>
-      </p:grpSpPr>
-      <p:sp>
-        <p:nvSpPr>
-          <p:cNvPr id="204" name="Google Shape;204;g1d83d28a3d8_0_1173:notes"/>
-          <p:cNvSpPr>
-            <a:spLocks noGrp="1" noRot="1" noChangeAspect="1"/>
-          </p:cNvSpPr>
-          <p:nvPr>
-            <p:ph type="sldImg" idx="2"/>
-          </p:nvPr>
-        </p:nvSpPr>
-        <p:spPr>
-          <a:xfrm>
-            <a:off x="381000" y="685800"/>
-            <a:ext cx="6096000" cy="3429000"/>
-          </a:xfrm>
-          <a:custGeom>
-            <a:avLst/>
-            <a:gdLst/>
-            <a:ahLst/>
-            <a:cxnLst/>
-            <a:rect l="l" t="t" r="r" b="b"/>
-            <a:pathLst>
-              <a:path w="120000" h="120000" extrusionOk="0">
-                <a:moveTo>
-                  <a:pt x="0" y="0"/>
-                </a:moveTo>
-                <a:lnTo>
-                  <a:pt x="120000" y="0"/>
-                </a:lnTo>
-                <a:lnTo>
-                  <a:pt x="120000" y="120000"/>
-                </a:lnTo>
-                <a:lnTo>
-                  <a:pt x="0" y="120000"/>
-                </a:lnTo>
-                <a:close/>
-              </a:path>
-            </a:pathLst>
-          </a:custGeom>
-        </p:spPr>
-      </p:sp>
-      <p:sp>
-        <p:nvSpPr>
-          <p:cNvPr id="205" name="Google Shape;205;g1d83d28a3d8_0_1173:notes"/>
+          <p:cNvPr id="139" name="Google Shape;139;g1d83d28a3d8_0_1087:notes"/>
           <p:cNvSpPr txBox="1">
             <a:spLocks noGrp="1"/>
           </p:cNvSpPr>
@@ -1164,11 +2022,18 @@
               <a:buFont typeface="Arial"/>
               <a:buNone/>
             </a:pPr>
-            <a:endParaRPr/>
+            <a:endParaRPr dirty="0">
+              <a:cs typeface="+mn-cs"/>
+            </a:endParaRPr>
           </a:p>
         </p:txBody>
       </p:sp>
     </p:spTree>
+    <p:extLst>
+      <p:ext uri="{BB962C8B-B14F-4D97-AF65-F5344CB8AC3E}">
+        <p14:creationId xmlns:p14="http://schemas.microsoft.com/office/powerpoint/2010/main" val="1886777300"/>
+      </p:ext>
+    </p:extLst>
   </p:cSld>
   <p:clrMapOvr>
     <a:masterClrMapping/>
@@ -1295,7 +2160,7 @@
   <p:cSld>
     <p:spTree>
       <p:nvGrpSpPr>
-        <p:cNvPr id="1" name="Shape 143"/>
+        <p:cNvPr id="1" name="Shape 137"/>
         <p:cNvGrpSpPr/>
         <p:nvPr/>
       </p:nvGrpSpPr>
@@ -1309,7 +2174,7 @@
       </p:grpSpPr>
       <p:sp>
         <p:nvSpPr>
-          <p:cNvPr id="144" name="Google Shape;144;g1d83d28a3d8_0_1098:notes"/>
+          <p:cNvPr id="138" name="Google Shape;138;g1d83d28a3d8_0_1087:notes"/>
           <p:cNvSpPr>
             <a:spLocks noGrp="1" noRot="1" noChangeAspect="1"/>
           </p:cNvSpPr>
@@ -1350,7 +2215,7 @@
       </p:sp>
       <p:sp>
         <p:nvSpPr>
-          <p:cNvPr id="145" name="Google Shape;145;g1d83d28a3d8_0_1098:notes"/>
+          <p:cNvPr id="139" name="Google Shape;139;g1d83d28a3d8_0_1087:notes"/>
           <p:cNvSpPr txBox="1">
             <a:spLocks noGrp="1"/>
           </p:cNvSpPr>
@@ -1391,13 +2256,17 @@
               <a:buNone/>
             </a:pPr>
             <a:endParaRPr dirty="0">
-              <a:latin typeface="+mj-lt"/>
               <a:cs typeface="+mn-cs"/>
             </a:endParaRPr>
           </a:p>
         </p:txBody>
       </p:sp>
     </p:spTree>
+    <p:extLst>
+      <p:ext uri="{BB962C8B-B14F-4D97-AF65-F5344CB8AC3E}">
+        <p14:creationId xmlns:p14="http://schemas.microsoft.com/office/powerpoint/2010/main" val="1372030022"/>
+      </p:ext>
+    </p:extLst>
   </p:cSld>
   <p:clrMapOvr>
     <a:masterClrMapping/>
@@ -1410,7 +2279,7 @@
   <p:cSld>
     <p:spTree>
       <p:nvGrpSpPr>
-        <p:cNvPr id="1" name="Shape 149"/>
+        <p:cNvPr id="1" name="Shape 137"/>
         <p:cNvGrpSpPr/>
         <p:nvPr/>
       </p:nvGrpSpPr>
@@ -1424,7 +2293,7 @@
       </p:grpSpPr>
       <p:sp>
         <p:nvSpPr>
-          <p:cNvPr id="150" name="Google Shape;150;g1d83d28a3d8_1_6:notes"/>
+          <p:cNvPr id="138" name="Google Shape;138;g1d83d28a3d8_0_1087:notes"/>
           <p:cNvSpPr>
             <a:spLocks noGrp="1" noRot="1" noChangeAspect="1"/>
           </p:cNvSpPr>
@@ -1465,7 +2334,7 @@
       </p:sp>
       <p:sp>
         <p:nvSpPr>
-          <p:cNvPr id="151" name="Google Shape;151;g1d83d28a3d8_1_6:notes"/>
+          <p:cNvPr id="139" name="Google Shape;139;g1d83d28a3d8_0_1087:notes"/>
           <p:cNvSpPr txBox="1">
             <a:spLocks noGrp="1"/>
           </p:cNvSpPr>
@@ -1488,7 +2357,7 @@
           </a:bodyPr>
           <a:lstStyle/>
           <a:p>
-            <a:pPr marL="158750" marR="0" indent="0" algn="r" rtl="0">
+            <a:pPr marL="0" marR="0" lvl="0" indent="0" algn="r" rtl="1">
               <a:lnSpc>
                 <a:spcPct val="100000"/>
               </a:lnSpc>
@@ -1505,37 +2374,18 @@
               <a:buFont typeface="Arial"/>
               <a:buNone/>
             </a:pPr>
-            <a:endParaRPr lang="en-US" b="0" dirty="0">
-              <a:effectLst/>
-              <a:cs typeface="Segoe UI Web (Hebrew)"/>
-            </a:endParaRPr>
-          </a:p>
-          <a:p>
-            <a:pPr marL="158750" marR="0" indent="0" algn="r" rtl="0">
-              <a:lnSpc>
-                <a:spcPct val="100000"/>
-              </a:lnSpc>
-              <a:spcBef>
-                <a:spcPts val="0"/>
-              </a:spcBef>
-              <a:spcAft>
-                <a:spcPts val="0"/>
-              </a:spcAft>
-              <a:buClr>
-                <a:srgbClr val="000000"/>
-              </a:buClr>
-              <a:buSzPts val="1100"/>
-              <a:buFont typeface="Arial"/>
-              <a:buNone/>
-            </a:pPr>
-            <a:endParaRPr lang="he-IL" b="0" dirty="0">
-              <a:effectLst/>
-              <a:cs typeface="Segoe UI Web (Hebrew)"/>
+            <a:endParaRPr dirty="0">
+              <a:cs typeface="+mn-cs"/>
             </a:endParaRPr>
           </a:p>
         </p:txBody>
       </p:sp>
     </p:spTree>
+    <p:extLst>
+      <p:ext uri="{BB962C8B-B14F-4D97-AF65-F5344CB8AC3E}">
+        <p14:creationId xmlns:p14="http://schemas.microsoft.com/office/powerpoint/2010/main" val="593143865"/>
+      </p:ext>
+    </p:extLst>
   </p:cSld>
   <p:clrMapOvr>
     <a:masterClrMapping/>
@@ -1548,7 +2398,7 @@
   <p:cSld>
     <p:spTree>
       <p:nvGrpSpPr>
-        <p:cNvPr id="1" name="Shape 149"/>
+        <p:cNvPr id="1" name="Shape 137"/>
         <p:cNvGrpSpPr/>
         <p:nvPr/>
       </p:nvGrpSpPr>
@@ -1562,7 +2412,7 @@
       </p:grpSpPr>
       <p:sp>
         <p:nvSpPr>
-          <p:cNvPr id="150" name="Google Shape;150;g1d83d28a3d8_1_6:notes"/>
+          <p:cNvPr id="138" name="Google Shape;138;g1d83d28a3d8_0_1087:notes"/>
           <p:cNvSpPr>
             <a:spLocks noGrp="1" noRot="1" noChangeAspect="1"/>
           </p:cNvSpPr>
@@ -1603,7 +2453,7 @@
       </p:sp>
       <p:sp>
         <p:nvSpPr>
-          <p:cNvPr id="151" name="Google Shape;151;g1d83d28a3d8_1_6:notes"/>
+          <p:cNvPr id="139" name="Google Shape;139;g1d83d28a3d8_0_1087:notes"/>
           <p:cNvSpPr txBox="1">
             <a:spLocks noGrp="1"/>
           </p:cNvSpPr>
@@ -1643,24 +2493,16 @@
               <a:buFont typeface="Arial"/>
               <a:buNone/>
             </a:pPr>
-            <a:r>
-              <a:rPr lang="he-IL" b="0" i="0" u="none" strike="noStrike" dirty="0">
-                <a:solidFill>
-                  <a:srgbClr val="000000"/>
-                </a:solidFill>
-                <a:effectLst/>
-                <a:latin typeface="Segoe UI Web (Hebrew)"/>
-              </a:rPr>
-              <a:t>פרויקט זה חילץ תכונות שונות מתוך מערך הנתונים של אפליקציות אנדרואיד</a:t>
-            </a:r>
-            <a:endParaRPr dirty="0"/>
+            <a:endParaRPr dirty="0">
+              <a:cs typeface="+mn-cs"/>
+            </a:endParaRPr>
           </a:p>
         </p:txBody>
       </p:sp>
     </p:spTree>
     <p:extLst>
       <p:ext uri="{BB962C8B-B14F-4D97-AF65-F5344CB8AC3E}">
-        <p14:creationId xmlns:p14="http://schemas.microsoft.com/office/powerpoint/2010/main" val="1140664539"/>
+        <p14:creationId xmlns:p14="http://schemas.microsoft.com/office/powerpoint/2010/main" val="4260951920"/>
       </p:ext>
     </p:extLst>
   </p:cSld>
@@ -1675,7 +2517,7 @@
   <p:cSld>
     <p:spTree>
       <p:nvGrpSpPr>
-        <p:cNvPr id="1" name="Shape 155"/>
+        <p:cNvPr id="1" name="Shape 137"/>
         <p:cNvGrpSpPr/>
         <p:nvPr/>
       </p:nvGrpSpPr>
@@ -1689,7 +2531,7 @@
       </p:grpSpPr>
       <p:sp>
         <p:nvSpPr>
-          <p:cNvPr id="156" name="Google Shape;156;g1d83d28a3d8_0_1106:notes"/>
+          <p:cNvPr id="138" name="Google Shape;138;g1d83d28a3d8_0_1087:notes"/>
           <p:cNvSpPr>
             <a:spLocks noGrp="1" noRot="1" noChangeAspect="1"/>
           </p:cNvSpPr>
@@ -1730,7 +2572,7 @@
       </p:sp>
       <p:sp>
         <p:nvSpPr>
-          <p:cNvPr id="157" name="Google Shape;157;g1d83d28a3d8_0_1106:notes"/>
+          <p:cNvPr id="139" name="Google Shape;139;g1d83d28a3d8_0_1087:notes"/>
           <p:cNvSpPr txBox="1">
             <a:spLocks noGrp="1"/>
           </p:cNvSpPr>
@@ -1753,22 +2595,35 @@
           </a:bodyPr>
           <a:lstStyle/>
           <a:p>
-            <a:pPr marL="0" lvl="0" indent="0" algn="r" rtl="0">
-              <a:spcBef>
-                <a:spcPts val="0"/>
-              </a:spcBef>
-              <a:spcAft>
-                <a:spcPts val="0"/>
-              </a:spcAft>
+            <a:pPr marL="0" marR="0" lvl="0" indent="0" algn="r" rtl="1">
+              <a:lnSpc>
+                <a:spcPct val="100000"/>
+              </a:lnSpc>
+              <a:spcBef>
+                <a:spcPts val="0"/>
+              </a:spcBef>
+              <a:spcAft>
+                <a:spcPts val="0"/>
+              </a:spcAft>
+              <a:buClr>
+                <a:srgbClr val="000000"/>
+              </a:buClr>
+              <a:buSzPts val="1100"/>
+              <a:buFont typeface="Arial"/>
               <a:buNone/>
             </a:pPr>
             <a:endParaRPr dirty="0">
-              <a:latin typeface="+mj-lt"/>
+              <a:cs typeface="+mn-cs"/>
             </a:endParaRPr>
           </a:p>
         </p:txBody>
       </p:sp>
     </p:spTree>
+    <p:extLst>
+      <p:ext uri="{BB962C8B-B14F-4D97-AF65-F5344CB8AC3E}">
+        <p14:creationId xmlns:p14="http://schemas.microsoft.com/office/powerpoint/2010/main" val="4104392492"/>
+      </p:ext>
+    </p:extLst>
   </p:cSld>
   <p:clrMapOvr>
     <a:masterClrMapping/>
@@ -1781,7 +2636,7 @@
   <p:cSld>
     <p:spTree>
       <p:nvGrpSpPr>
-        <p:cNvPr id="1" name="Shape 167"/>
+        <p:cNvPr id="1" name="Shape 137"/>
         <p:cNvGrpSpPr/>
         <p:nvPr/>
       </p:nvGrpSpPr>
@@ -1795,7 +2650,7 @@
       </p:grpSpPr>
       <p:sp>
         <p:nvSpPr>
-          <p:cNvPr id="168" name="Google Shape;168;g1d83d28a3d8_0_1122:notes"/>
+          <p:cNvPr id="138" name="Google Shape;138;g1d83d28a3d8_0_1087:notes"/>
           <p:cNvSpPr>
             <a:spLocks noGrp="1" noRot="1" noChangeAspect="1"/>
           </p:cNvSpPr>
@@ -1836,7 +2691,7 @@
       </p:sp>
       <p:sp>
         <p:nvSpPr>
-          <p:cNvPr id="169" name="Google Shape;169;g1d83d28a3d8_0_1122:notes"/>
+          <p:cNvPr id="139" name="Google Shape;139;g1d83d28a3d8_0_1087:notes"/>
           <p:cNvSpPr txBox="1">
             <a:spLocks noGrp="1"/>
           </p:cNvSpPr>
@@ -1859,22 +2714,35 @@
           </a:bodyPr>
           <a:lstStyle/>
           <a:p>
-            <a:pPr marL="0" lvl="0" indent="0" algn="r" rtl="0">
-              <a:spcBef>
-                <a:spcPts val="0"/>
-              </a:spcBef>
-              <a:spcAft>
-                <a:spcPts val="0"/>
-              </a:spcAft>
+            <a:pPr marL="0" marR="0" lvl="0" indent="0" algn="r" rtl="1">
+              <a:lnSpc>
+                <a:spcPct val="100000"/>
+              </a:lnSpc>
+              <a:spcBef>
+                <a:spcPts val="0"/>
+              </a:spcBef>
+              <a:spcAft>
+                <a:spcPts val="0"/>
+              </a:spcAft>
+              <a:buClr>
+                <a:srgbClr val="000000"/>
+              </a:buClr>
+              <a:buSzPts val="1100"/>
+              <a:buFont typeface="Arial"/>
               <a:buNone/>
             </a:pPr>
             <a:endParaRPr dirty="0">
-              <a:latin typeface="+mj-lt"/>
+              <a:cs typeface="+mn-cs"/>
             </a:endParaRPr>
           </a:p>
         </p:txBody>
       </p:sp>
     </p:spTree>
+    <p:extLst>
+      <p:ext uri="{BB962C8B-B14F-4D97-AF65-F5344CB8AC3E}">
+        <p14:creationId xmlns:p14="http://schemas.microsoft.com/office/powerpoint/2010/main" val="2324361403"/>
+      </p:ext>
+    </p:extLst>
   </p:cSld>
   <p:clrMapOvr>
     <a:masterClrMapping/>
@@ -1887,7 +2755,7 @@
   <p:cSld>
     <p:spTree>
       <p:nvGrpSpPr>
-        <p:cNvPr id="1" name="Shape 179"/>
+        <p:cNvPr id="1" name="Shape 137"/>
         <p:cNvGrpSpPr/>
         <p:nvPr/>
       </p:nvGrpSpPr>
@@ -1901,7 +2769,7 @@
       </p:grpSpPr>
       <p:sp>
         <p:nvSpPr>
-          <p:cNvPr id="180" name="Google Shape;180;g1d83d28a3d8_0_1137:notes"/>
+          <p:cNvPr id="138" name="Google Shape;138;g1d83d28a3d8_0_1087:notes"/>
           <p:cNvSpPr>
             <a:spLocks noGrp="1" noRot="1" noChangeAspect="1"/>
           </p:cNvSpPr>
@@ -1942,7 +2810,7 @@
       </p:sp>
       <p:sp>
         <p:nvSpPr>
-          <p:cNvPr id="181" name="Google Shape;181;g1d83d28a3d8_0_1137:notes"/>
+          <p:cNvPr id="139" name="Google Shape;139;g1d83d28a3d8_0_1087:notes"/>
           <p:cNvSpPr txBox="1">
             <a:spLocks noGrp="1"/>
           </p:cNvSpPr>
@@ -1965,21 +2833,35 @@
           </a:bodyPr>
           <a:lstStyle/>
           <a:p>
-            <a:pPr marL="158750" indent="0" algn="r" rtl="1">
+            <a:pPr marL="0" marR="0" lvl="0" indent="0" algn="r" rtl="1">
+              <a:lnSpc>
+                <a:spcPct val="100000"/>
+              </a:lnSpc>
+              <a:spcBef>
+                <a:spcPts val="0"/>
+              </a:spcBef>
+              <a:spcAft>
+                <a:spcPts val="0"/>
+              </a:spcAft>
+              <a:buClr>
+                <a:srgbClr val="000000"/>
+              </a:buClr>
+              <a:buSzPts val="1100"/>
+              <a:buFont typeface="Arial"/>
               <a:buNone/>
             </a:pPr>
-            <a:endParaRPr lang="he-IL" b="0" i="0" u="none" strike="noStrike" dirty="0">
-              <a:solidFill>
-                <a:srgbClr val="000000"/>
-              </a:solidFill>
-              <a:effectLst/>
-              <a:latin typeface="+mj-lt"/>
-              <a:cs typeface="Segoe UI Web (Hebrew)"/>
+            <a:endParaRPr dirty="0">
+              <a:cs typeface="+mn-cs"/>
             </a:endParaRPr>
           </a:p>
         </p:txBody>
       </p:sp>
     </p:spTree>
+    <p:extLst>
+      <p:ext uri="{BB962C8B-B14F-4D97-AF65-F5344CB8AC3E}">
+        <p14:creationId xmlns:p14="http://schemas.microsoft.com/office/powerpoint/2010/main" val="1979443971"/>
+      </p:ext>
+    </p:extLst>
   </p:cSld>
   <p:clrMapOvr>
     <a:masterClrMapping/>
@@ -1992,7 +2874,7 @@
   <p:cSld>
     <p:spTree>
       <p:nvGrpSpPr>
-        <p:cNvPr id="1" name="Shape 185"/>
+        <p:cNvPr id="1" name="Shape 137"/>
         <p:cNvGrpSpPr/>
         <p:nvPr/>
       </p:nvGrpSpPr>
@@ -2006,7 +2888,7 @@
       </p:grpSpPr>
       <p:sp>
         <p:nvSpPr>
-          <p:cNvPr id="186" name="Google Shape;186;g1d83d28a3d8_0_1145:notes"/>
+          <p:cNvPr id="138" name="Google Shape;138;g1d83d28a3d8_0_1087:notes"/>
           <p:cNvSpPr>
             <a:spLocks noGrp="1" noRot="1" noChangeAspect="1"/>
           </p:cNvSpPr>
@@ -2047,7 +2929,7 @@
       </p:sp>
       <p:sp>
         <p:nvSpPr>
-          <p:cNvPr id="187" name="Google Shape;187;g1d83d28a3d8_0_1145:notes"/>
+          <p:cNvPr id="139" name="Google Shape;139;g1d83d28a3d8_0_1087:notes"/>
           <p:cNvSpPr txBox="1">
             <a:spLocks noGrp="1"/>
           </p:cNvSpPr>
@@ -2087,13 +2969,18 @@
               <a:buFont typeface="Arial"/>
               <a:buNone/>
             </a:pPr>
-            <a:endParaRPr sz="1300" dirty="0">
-              <a:latin typeface="+mj-lt"/>
+            <a:endParaRPr dirty="0">
+              <a:cs typeface="+mn-cs"/>
             </a:endParaRPr>
           </a:p>
         </p:txBody>
       </p:sp>
     </p:spTree>
+    <p:extLst>
+      <p:ext uri="{BB962C8B-B14F-4D97-AF65-F5344CB8AC3E}">
+        <p14:creationId xmlns:p14="http://schemas.microsoft.com/office/powerpoint/2010/main" val="3533982861"/>
+      </p:ext>
+    </p:extLst>
   </p:cSld>
   <p:clrMapOvr>
     <a:masterClrMapping/>
@@ -10431,7 +11318,7 @@
   <p:cSld>
     <p:spTree>
       <p:nvGrpSpPr>
-        <p:cNvPr id="1" name="Shape 194"/>
+        <p:cNvPr id="1" name="Shape 140"/>
         <p:cNvGrpSpPr/>
         <p:nvPr/>
       </p:nvGrpSpPr>
@@ -10445,7 +11332,2216 @@
       </p:grpSpPr>
       <p:sp>
         <p:nvSpPr>
-          <p:cNvPr id="195" name="Google Shape;195;p23"/>
+          <p:cNvPr id="141" name="Google Shape;141;p14"/>
+          <p:cNvSpPr txBox="1">
+            <a:spLocks noGrp="1"/>
+          </p:cNvSpPr>
+          <p:nvPr>
+            <p:ph type="title"/>
+          </p:nvPr>
+        </p:nvSpPr>
+        <p:spPr>
+          <a:prstGeom prst="rect">
+            <a:avLst/>
+          </a:prstGeom>
+        </p:spPr>
+        <p:txBody>
+          <a:bodyPr spcFirstLastPara="1" wrap="square" lIns="91425" tIns="91425" rIns="91425" bIns="91425" anchor="t" anchorCtr="0">
+            <a:normAutofit/>
+          </a:bodyPr>
+          <a:lstStyle/>
+          <a:p>
+            <a:pPr marL="0" lvl="0" indent="0" algn="ctr" rtl="0">
+              <a:spcBef>
+                <a:spcPts val="0"/>
+              </a:spcBef>
+              <a:spcAft>
+                <a:spcPts val="0"/>
+              </a:spcAft>
+              <a:buNone/>
+            </a:pPr>
+            <a:r>
+              <a:rPr lang="en-US" dirty="0"/>
+              <a:t>K-Nearest Neighbors </a:t>
+            </a:r>
+            <a:endParaRPr i="1" u="sng" dirty="0">
+              <a:latin typeface="Miriam" panose="020B0502050101010101" pitchFamily="34" charset="-79"/>
+              <a:cs typeface="Miriam" panose="020B0502050101010101" pitchFamily="34" charset="-79"/>
+            </a:endParaRPr>
+          </a:p>
+        </p:txBody>
+      </p:sp>
+      <p:sp>
+        <p:nvSpPr>
+          <p:cNvPr id="9" name="מציין מיקום טקסט 8">
+            <a:extLst>
+              <a:ext uri="{FF2B5EF4-FFF2-40B4-BE49-F238E27FC236}">
+                <a16:creationId xmlns:a16="http://schemas.microsoft.com/office/drawing/2014/main" id="{20D1650B-058C-FD2C-2FF7-7D1A51C1FA5A}"/>
+              </a:ext>
+            </a:extLst>
+          </p:cNvPr>
+          <p:cNvSpPr>
+            <a:spLocks noGrp="1"/>
+          </p:cNvSpPr>
+          <p:nvPr>
+            <p:ph type="body" idx="1"/>
+          </p:nvPr>
+        </p:nvSpPr>
+        <p:spPr>
+          <a:xfrm>
+            <a:off x="1515503" y="1264768"/>
+            <a:ext cx="7038900" cy="727533"/>
+          </a:xfrm>
+        </p:spPr>
+        <p:txBody>
+          <a:bodyPr>
+            <a:normAutofit fontScale="77500" lnSpcReduction="20000"/>
+          </a:bodyPr>
+          <a:lstStyle/>
+          <a:p>
+            <a:pPr marL="146050" indent="0" algn="r" rtl="1">
+              <a:buNone/>
+            </a:pPr>
+            <a:r>
+              <a:rPr lang="he-IL" dirty="0"/>
+              <a:t>אפשר לראות שהאלגוריתם השיג תוצאות פחות טובות מה</a:t>
+            </a:r>
+            <a:r>
+              <a:rPr lang="en-US" dirty="0"/>
+              <a:t>logistic regression </a:t>
+            </a:r>
+            <a:r>
+              <a:rPr lang="he-IL" dirty="0"/>
+              <a:t> . בדקנו על מגוון ערכים של הפרמטר </a:t>
+            </a:r>
+            <a:r>
+              <a:rPr lang="en-US" dirty="0"/>
+              <a:t>k</a:t>
+            </a:r>
+            <a:r>
+              <a:rPr lang="he-IL" dirty="0"/>
+              <a:t> וראינו שאלו התוצאות הטובות ביותר לפי פרמטר </a:t>
+            </a:r>
+            <a:r>
+              <a:rPr lang="en-US" dirty="0"/>
+              <a:t>.k</a:t>
+            </a:r>
+            <a:r>
+              <a:rPr lang="he-IL" dirty="0"/>
+              <a:t> ניתן לראות בנוסף שקיבלנו</a:t>
+            </a:r>
+            <a:r>
+              <a:rPr lang="en-US" dirty="0" err="1"/>
+              <a:t>precition</a:t>
+            </a:r>
+            <a:r>
+              <a:rPr lang="en-US" dirty="0"/>
+              <a:t> </a:t>
+            </a:r>
+            <a:r>
+              <a:rPr lang="he-IL" dirty="0"/>
+              <a:t> גבוה לעומת </a:t>
+            </a:r>
+            <a:r>
+              <a:rPr lang="en-US" dirty="0"/>
+              <a:t>recall</a:t>
+            </a:r>
+            <a:r>
+              <a:rPr lang="he-IL" dirty="0"/>
+              <a:t> נמוך מה שמעיד שהאלגוריתם לא טועה כאשר הוא מסווג </a:t>
+            </a:r>
+            <a:r>
+              <a:rPr lang="he-IL" dirty="0" err="1"/>
+              <a:t>אפליקצייה</a:t>
+            </a:r>
+            <a:r>
+              <a:rPr lang="he-IL" dirty="0"/>
+              <a:t> כ </a:t>
+            </a:r>
+            <a:r>
+              <a:rPr lang="en-US" dirty="0"/>
+              <a:t>malicious</a:t>
+            </a:r>
+            <a:r>
+              <a:rPr lang="he-IL" dirty="0"/>
+              <a:t> אבל מפספס כמות </a:t>
+            </a:r>
+            <a:r>
+              <a:rPr lang="he-IL" dirty="0" err="1"/>
+              <a:t>נכבדת</a:t>
+            </a:r>
+            <a:r>
+              <a:rPr lang="he-IL" dirty="0"/>
+              <a:t> של אפליקציות </a:t>
+            </a:r>
+            <a:r>
+              <a:rPr lang="en-US" dirty="0"/>
+              <a:t>malicious</a:t>
+            </a:r>
+            <a:r>
+              <a:rPr lang="he-IL" dirty="0"/>
+              <a:t> ומתייג אותם כ</a:t>
+            </a:r>
+            <a:r>
+              <a:rPr lang="en-US" dirty="0"/>
+              <a:t>benign</a:t>
+            </a:r>
+            <a:endParaRPr lang="he-IL" dirty="0"/>
+          </a:p>
+        </p:txBody>
+      </p:sp>
+      <p:sp>
+        <p:nvSpPr>
+          <p:cNvPr id="11" name="מציין מיקום טקסט 8">
+            <a:extLst>
+              <a:ext uri="{FF2B5EF4-FFF2-40B4-BE49-F238E27FC236}">
+                <a16:creationId xmlns:a16="http://schemas.microsoft.com/office/drawing/2014/main" id="{34808610-9953-283A-F182-5F877BA09034}"/>
+              </a:ext>
+            </a:extLst>
+          </p:cNvPr>
+          <p:cNvSpPr txBox="1">
+            <a:spLocks/>
+          </p:cNvSpPr>
+          <p:nvPr/>
+        </p:nvSpPr>
+        <p:spPr>
+          <a:xfrm>
+            <a:off x="6684219" y="1918048"/>
+            <a:ext cx="657441" cy="521642"/>
+          </a:xfrm>
+          <a:prstGeom prst="rect">
+            <a:avLst/>
+          </a:prstGeom>
+          <a:noFill/>
+          <a:ln>
+            <a:noFill/>
+          </a:ln>
+        </p:spPr>
+        <p:txBody>
+          <a:bodyPr spcFirstLastPara="1" wrap="square" lIns="91425" tIns="91425" rIns="91425" bIns="91425" anchor="t" anchorCtr="0">
+            <a:normAutofit/>
+          </a:bodyPr>
+          <a:lstStyle>
+            <a:defPPr marR="0" lvl="0" algn="l" rtl="0">
+              <a:lnSpc>
+                <a:spcPct val="100000"/>
+              </a:lnSpc>
+              <a:spcBef>
+                <a:spcPts val="0"/>
+              </a:spcBef>
+              <a:spcAft>
+                <a:spcPts val="0"/>
+              </a:spcAft>
+            </a:defPPr>
+            <a:lvl1pPr marL="457200" marR="0" lvl="0" indent="-311150" algn="l" rtl="0">
+              <a:lnSpc>
+                <a:spcPct val="115000"/>
+              </a:lnSpc>
+              <a:spcBef>
+                <a:spcPts val="0"/>
+              </a:spcBef>
+              <a:spcAft>
+                <a:spcPts val="0"/>
+              </a:spcAft>
+              <a:buClr>
+                <a:schemeClr val="lt1"/>
+              </a:buClr>
+              <a:buSzPts val="1300"/>
+              <a:buFont typeface="Lato"/>
+              <a:buChar char="●"/>
+              <a:defRPr sz="1300" b="0" i="0" u="none" strike="noStrike" cap="none">
+                <a:solidFill>
+                  <a:schemeClr val="lt1"/>
+                </a:solidFill>
+                <a:latin typeface="Lato"/>
+                <a:ea typeface="Lato"/>
+                <a:cs typeface="Lato"/>
+                <a:sym typeface="Lato"/>
+              </a:defRPr>
+            </a:lvl1pPr>
+            <a:lvl2pPr marL="914400" marR="0" lvl="1" indent="-298450" algn="l" rtl="0">
+              <a:lnSpc>
+                <a:spcPct val="115000"/>
+              </a:lnSpc>
+              <a:spcBef>
+                <a:spcPts val="0"/>
+              </a:spcBef>
+              <a:spcAft>
+                <a:spcPts val="0"/>
+              </a:spcAft>
+              <a:buClr>
+                <a:schemeClr val="lt1"/>
+              </a:buClr>
+              <a:buSzPts val="1100"/>
+              <a:buFont typeface="Lato"/>
+              <a:buChar char="○"/>
+              <a:defRPr sz="1100" b="0" i="0" u="none" strike="noStrike" cap="none">
+                <a:solidFill>
+                  <a:schemeClr val="lt1"/>
+                </a:solidFill>
+                <a:latin typeface="Lato"/>
+                <a:ea typeface="Lato"/>
+                <a:cs typeface="Lato"/>
+                <a:sym typeface="Lato"/>
+              </a:defRPr>
+            </a:lvl2pPr>
+            <a:lvl3pPr marL="1371600" marR="0" lvl="2" indent="-298450" algn="l" rtl="0">
+              <a:lnSpc>
+                <a:spcPct val="115000"/>
+              </a:lnSpc>
+              <a:spcBef>
+                <a:spcPts val="0"/>
+              </a:spcBef>
+              <a:spcAft>
+                <a:spcPts val="0"/>
+              </a:spcAft>
+              <a:buClr>
+                <a:schemeClr val="lt1"/>
+              </a:buClr>
+              <a:buSzPts val="1100"/>
+              <a:buFont typeface="Lato"/>
+              <a:buChar char="■"/>
+              <a:defRPr sz="1100" b="0" i="0" u="none" strike="noStrike" cap="none">
+                <a:solidFill>
+                  <a:schemeClr val="lt1"/>
+                </a:solidFill>
+                <a:latin typeface="Lato"/>
+                <a:ea typeface="Lato"/>
+                <a:cs typeface="Lato"/>
+                <a:sym typeface="Lato"/>
+              </a:defRPr>
+            </a:lvl3pPr>
+            <a:lvl4pPr marL="1828800" marR="0" lvl="3" indent="-298450" algn="l" rtl="0">
+              <a:lnSpc>
+                <a:spcPct val="115000"/>
+              </a:lnSpc>
+              <a:spcBef>
+                <a:spcPts val="0"/>
+              </a:spcBef>
+              <a:spcAft>
+                <a:spcPts val="0"/>
+              </a:spcAft>
+              <a:buClr>
+                <a:schemeClr val="lt1"/>
+              </a:buClr>
+              <a:buSzPts val="1100"/>
+              <a:buFont typeface="Lato"/>
+              <a:buChar char="●"/>
+              <a:defRPr sz="1100" b="0" i="0" u="none" strike="noStrike" cap="none">
+                <a:solidFill>
+                  <a:schemeClr val="lt1"/>
+                </a:solidFill>
+                <a:latin typeface="Lato"/>
+                <a:ea typeface="Lato"/>
+                <a:cs typeface="Lato"/>
+                <a:sym typeface="Lato"/>
+              </a:defRPr>
+            </a:lvl4pPr>
+            <a:lvl5pPr marL="2286000" marR="0" lvl="4" indent="-298450" algn="l" rtl="0">
+              <a:lnSpc>
+                <a:spcPct val="115000"/>
+              </a:lnSpc>
+              <a:spcBef>
+                <a:spcPts val="0"/>
+              </a:spcBef>
+              <a:spcAft>
+                <a:spcPts val="0"/>
+              </a:spcAft>
+              <a:buClr>
+                <a:schemeClr val="lt1"/>
+              </a:buClr>
+              <a:buSzPts val="1100"/>
+              <a:buFont typeface="Lato"/>
+              <a:buChar char="○"/>
+              <a:defRPr sz="1100" b="0" i="0" u="none" strike="noStrike" cap="none">
+                <a:solidFill>
+                  <a:schemeClr val="lt1"/>
+                </a:solidFill>
+                <a:latin typeface="Lato"/>
+                <a:ea typeface="Lato"/>
+                <a:cs typeface="Lato"/>
+                <a:sym typeface="Lato"/>
+              </a:defRPr>
+            </a:lvl5pPr>
+            <a:lvl6pPr marL="2743200" marR="0" lvl="5" indent="-298450" algn="l" rtl="0">
+              <a:lnSpc>
+                <a:spcPct val="115000"/>
+              </a:lnSpc>
+              <a:spcBef>
+                <a:spcPts val="0"/>
+              </a:spcBef>
+              <a:spcAft>
+                <a:spcPts val="0"/>
+              </a:spcAft>
+              <a:buClr>
+                <a:schemeClr val="lt1"/>
+              </a:buClr>
+              <a:buSzPts val="1100"/>
+              <a:buFont typeface="Lato"/>
+              <a:buChar char="■"/>
+              <a:defRPr sz="1100" b="0" i="0" u="none" strike="noStrike" cap="none">
+                <a:solidFill>
+                  <a:schemeClr val="lt1"/>
+                </a:solidFill>
+                <a:latin typeface="Lato"/>
+                <a:ea typeface="Lato"/>
+                <a:cs typeface="Lato"/>
+                <a:sym typeface="Lato"/>
+              </a:defRPr>
+            </a:lvl6pPr>
+            <a:lvl7pPr marL="3200400" marR="0" lvl="6" indent="-298450" algn="l" rtl="0">
+              <a:lnSpc>
+                <a:spcPct val="115000"/>
+              </a:lnSpc>
+              <a:spcBef>
+                <a:spcPts val="0"/>
+              </a:spcBef>
+              <a:spcAft>
+                <a:spcPts val="0"/>
+              </a:spcAft>
+              <a:buClr>
+                <a:schemeClr val="lt1"/>
+              </a:buClr>
+              <a:buSzPts val="1100"/>
+              <a:buFont typeface="Lato"/>
+              <a:buChar char="●"/>
+              <a:defRPr sz="1100" b="0" i="0" u="none" strike="noStrike" cap="none">
+                <a:solidFill>
+                  <a:schemeClr val="lt1"/>
+                </a:solidFill>
+                <a:latin typeface="Lato"/>
+                <a:ea typeface="Lato"/>
+                <a:cs typeface="Lato"/>
+                <a:sym typeface="Lato"/>
+              </a:defRPr>
+            </a:lvl7pPr>
+            <a:lvl8pPr marL="3657600" marR="0" lvl="7" indent="-298450" algn="l" rtl="0">
+              <a:lnSpc>
+                <a:spcPct val="115000"/>
+              </a:lnSpc>
+              <a:spcBef>
+                <a:spcPts val="0"/>
+              </a:spcBef>
+              <a:spcAft>
+                <a:spcPts val="0"/>
+              </a:spcAft>
+              <a:buClr>
+                <a:schemeClr val="lt1"/>
+              </a:buClr>
+              <a:buSzPts val="1100"/>
+              <a:buFont typeface="Lato"/>
+              <a:buChar char="○"/>
+              <a:defRPr sz="1100" b="0" i="0" u="none" strike="noStrike" cap="none">
+                <a:solidFill>
+                  <a:schemeClr val="lt1"/>
+                </a:solidFill>
+                <a:latin typeface="Lato"/>
+                <a:ea typeface="Lato"/>
+                <a:cs typeface="Lato"/>
+                <a:sym typeface="Lato"/>
+              </a:defRPr>
+            </a:lvl8pPr>
+            <a:lvl9pPr marL="4114800" marR="0" lvl="8" indent="-298450" algn="l" rtl="0">
+              <a:lnSpc>
+                <a:spcPct val="115000"/>
+              </a:lnSpc>
+              <a:spcBef>
+                <a:spcPts val="0"/>
+              </a:spcBef>
+              <a:spcAft>
+                <a:spcPts val="0"/>
+              </a:spcAft>
+              <a:buClr>
+                <a:schemeClr val="lt1"/>
+              </a:buClr>
+              <a:buSzPts val="1100"/>
+              <a:buFont typeface="Lato"/>
+              <a:buChar char="■"/>
+              <a:defRPr sz="1100" b="0" i="0" u="none" strike="noStrike" cap="none">
+                <a:solidFill>
+                  <a:schemeClr val="lt1"/>
+                </a:solidFill>
+                <a:latin typeface="Lato"/>
+                <a:ea typeface="Lato"/>
+                <a:cs typeface="Lato"/>
+                <a:sym typeface="Lato"/>
+              </a:defRPr>
+            </a:lvl9pPr>
+          </a:lstStyle>
+          <a:p>
+            <a:pPr marL="146050" indent="0" algn="r">
+              <a:buNone/>
+            </a:pPr>
+            <a:r>
+              <a:rPr lang="he-IL" dirty="0"/>
+              <a:t>0.3</a:t>
+            </a:r>
+          </a:p>
+        </p:txBody>
+      </p:sp>
+      <p:sp>
+        <p:nvSpPr>
+          <p:cNvPr id="12" name="מציין מיקום טקסט 8">
+            <a:extLst>
+              <a:ext uri="{FF2B5EF4-FFF2-40B4-BE49-F238E27FC236}">
+                <a16:creationId xmlns:a16="http://schemas.microsoft.com/office/drawing/2014/main" id="{84243F97-4A13-92E6-509B-2A47170C7CF7}"/>
+              </a:ext>
+            </a:extLst>
+          </p:cNvPr>
+          <p:cNvSpPr txBox="1">
+            <a:spLocks/>
+          </p:cNvSpPr>
+          <p:nvPr/>
+        </p:nvSpPr>
+        <p:spPr>
+          <a:xfrm>
+            <a:off x="4003163" y="1918048"/>
+            <a:ext cx="657441" cy="521642"/>
+          </a:xfrm>
+          <a:prstGeom prst="rect">
+            <a:avLst/>
+          </a:prstGeom>
+          <a:noFill/>
+          <a:ln>
+            <a:noFill/>
+          </a:ln>
+        </p:spPr>
+        <p:txBody>
+          <a:bodyPr spcFirstLastPara="1" wrap="square" lIns="91425" tIns="91425" rIns="91425" bIns="91425" anchor="t" anchorCtr="0">
+            <a:normAutofit/>
+          </a:bodyPr>
+          <a:lstStyle>
+            <a:defPPr marR="0" lvl="0" algn="l" rtl="0">
+              <a:lnSpc>
+                <a:spcPct val="100000"/>
+              </a:lnSpc>
+              <a:spcBef>
+                <a:spcPts val="0"/>
+              </a:spcBef>
+              <a:spcAft>
+                <a:spcPts val="0"/>
+              </a:spcAft>
+            </a:defPPr>
+            <a:lvl1pPr marL="457200" marR="0" lvl="0" indent="-311150" algn="l" rtl="0">
+              <a:lnSpc>
+                <a:spcPct val="115000"/>
+              </a:lnSpc>
+              <a:spcBef>
+                <a:spcPts val="0"/>
+              </a:spcBef>
+              <a:spcAft>
+                <a:spcPts val="0"/>
+              </a:spcAft>
+              <a:buClr>
+                <a:schemeClr val="lt1"/>
+              </a:buClr>
+              <a:buSzPts val="1300"/>
+              <a:buFont typeface="Lato"/>
+              <a:buChar char="●"/>
+              <a:defRPr sz="1300" b="0" i="0" u="none" strike="noStrike" cap="none">
+                <a:solidFill>
+                  <a:schemeClr val="lt1"/>
+                </a:solidFill>
+                <a:latin typeface="Lato"/>
+                <a:ea typeface="Lato"/>
+                <a:cs typeface="Lato"/>
+                <a:sym typeface="Lato"/>
+              </a:defRPr>
+            </a:lvl1pPr>
+            <a:lvl2pPr marL="914400" marR="0" lvl="1" indent="-298450" algn="l" rtl="0">
+              <a:lnSpc>
+                <a:spcPct val="115000"/>
+              </a:lnSpc>
+              <a:spcBef>
+                <a:spcPts val="0"/>
+              </a:spcBef>
+              <a:spcAft>
+                <a:spcPts val="0"/>
+              </a:spcAft>
+              <a:buClr>
+                <a:schemeClr val="lt1"/>
+              </a:buClr>
+              <a:buSzPts val="1100"/>
+              <a:buFont typeface="Lato"/>
+              <a:buChar char="○"/>
+              <a:defRPr sz="1100" b="0" i="0" u="none" strike="noStrike" cap="none">
+                <a:solidFill>
+                  <a:schemeClr val="lt1"/>
+                </a:solidFill>
+                <a:latin typeface="Lato"/>
+                <a:ea typeface="Lato"/>
+                <a:cs typeface="Lato"/>
+                <a:sym typeface="Lato"/>
+              </a:defRPr>
+            </a:lvl2pPr>
+            <a:lvl3pPr marL="1371600" marR="0" lvl="2" indent="-298450" algn="l" rtl="0">
+              <a:lnSpc>
+                <a:spcPct val="115000"/>
+              </a:lnSpc>
+              <a:spcBef>
+                <a:spcPts val="0"/>
+              </a:spcBef>
+              <a:spcAft>
+                <a:spcPts val="0"/>
+              </a:spcAft>
+              <a:buClr>
+                <a:schemeClr val="lt1"/>
+              </a:buClr>
+              <a:buSzPts val="1100"/>
+              <a:buFont typeface="Lato"/>
+              <a:buChar char="■"/>
+              <a:defRPr sz="1100" b="0" i="0" u="none" strike="noStrike" cap="none">
+                <a:solidFill>
+                  <a:schemeClr val="lt1"/>
+                </a:solidFill>
+                <a:latin typeface="Lato"/>
+                <a:ea typeface="Lato"/>
+                <a:cs typeface="Lato"/>
+                <a:sym typeface="Lato"/>
+              </a:defRPr>
+            </a:lvl3pPr>
+            <a:lvl4pPr marL="1828800" marR="0" lvl="3" indent="-298450" algn="l" rtl="0">
+              <a:lnSpc>
+                <a:spcPct val="115000"/>
+              </a:lnSpc>
+              <a:spcBef>
+                <a:spcPts val="0"/>
+              </a:spcBef>
+              <a:spcAft>
+                <a:spcPts val="0"/>
+              </a:spcAft>
+              <a:buClr>
+                <a:schemeClr val="lt1"/>
+              </a:buClr>
+              <a:buSzPts val="1100"/>
+              <a:buFont typeface="Lato"/>
+              <a:buChar char="●"/>
+              <a:defRPr sz="1100" b="0" i="0" u="none" strike="noStrike" cap="none">
+                <a:solidFill>
+                  <a:schemeClr val="lt1"/>
+                </a:solidFill>
+                <a:latin typeface="Lato"/>
+                <a:ea typeface="Lato"/>
+                <a:cs typeface="Lato"/>
+                <a:sym typeface="Lato"/>
+              </a:defRPr>
+            </a:lvl4pPr>
+            <a:lvl5pPr marL="2286000" marR="0" lvl="4" indent="-298450" algn="l" rtl="0">
+              <a:lnSpc>
+                <a:spcPct val="115000"/>
+              </a:lnSpc>
+              <a:spcBef>
+                <a:spcPts val="0"/>
+              </a:spcBef>
+              <a:spcAft>
+                <a:spcPts val="0"/>
+              </a:spcAft>
+              <a:buClr>
+                <a:schemeClr val="lt1"/>
+              </a:buClr>
+              <a:buSzPts val="1100"/>
+              <a:buFont typeface="Lato"/>
+              <a:buChar char="○"/>
+              <a:defRPr sz="1100" b="0" i="0" u="none" strike="noStrike" cap="none">
+                <a:solidFill>
+                  <a:schemeClr val="lt1"/>
+                </a:solidFill>
+                <a:latin typeface="Lato"/>
+                <a:ea typeface="Lato"/>
+                <a:cs typeface="Lato"/>
+                <a:sym typeface="Lato"/>
+              </a:defRPr>
+            </a:lvl5pPr>
+            <a:lvl6pPr marL="2743200" marR="0" lvl="5" indent="-298450" algn="l" rtl="0">
+              <a:lnSpc>
+                <a:spcPct val="115000"/>
+              </a:lnSpc>
+              <a:spcBef>
+                <a:spcPts val="0"/>
+              </a:spcBef>
+              <a:spcAft>
+                <a:spcPts val="0"/>
+              </a:spcAft>
+              <a:buClr>
+                <a:schemeClr val="lt1"/>
+              </a:buClr>
+              <a:buSzPts val="1100"/>
+              <a:buFont typeface="Lato"/>
+              <a:buChar char="■"/>
+              <a:defRPr sz="1100" b="0" i="0" u="none" strike="noStrike" cap="none">
+                <a:solidFill>
+                  <a:schemeClr val="lt1"/>
+                </a:solidFill>
+                <a:latin typeface="Lato"/>
+                <a:ea typeface="Lato"/>
+                <a:cs typeface="Lato"/>
+                <a:sym typeface="Lato"/>
+              </a:defRPr>
+            </a:lvl6pPr>
+            <a:lvl7pPr marL="3200400" marR="0" lvl="6" indent="-298450" algn="l" rtl="0">
+              <a:lnSpc>
+                <a:spcPct val="115000"/>
+              </a:lnSpc>
+              <a:spcBef>
+                <a:spcPts val="0"/>
+              </a:spcBef>
+              <a:spcAft>
+                <a:spcPts val="0"/>
+              </a:spcAft>
+              <a:buClr>
+                <a:schemeClr val="lt1"/>
+              </a:buClr>
+              <a:buSzPts val="1100"/>
+              <a:buFont typeface="Lato"/>
+              <a:buChar char="●"/>
+              <a:defRPr sz="1100" b="0" i="0" u="none" strike="noStrike" cap="none">
+                <a:solidFill>
+                  <a:schemeClr val="lt1"/>
+                </a:solidFill>
+                <a:latin typeface="Lato"/>
+                <a:ea typeface="Lato"/>
+                <a:cs typeface="Lato"/>
+                <a:sym typeface="Lato"/>
+              </a:defRPr>
+            </a:lvl7pPr>
+            <a:lvl8pPr marL="3657600" marR="0" lvl="7" indent="-298450" algn="l" rtl="0">
+              <a:lnSpc>
+                <a:spcPct val="115000"/>
+              </a:lnSpc>
+              <a:spcBef>
+                <a:spcPts val="0"/>
+              </a:spcBef>
+              <a:spcAft>
+                <a:spcPts val="0"/>
+              </a:spcAft>
+              <a:buClr>
+                <a:schemeClr val="lt1"/>
+              </a:buClr>
+              <a:buSzPts val="1100"/>
+              <a:buFont typeface="Lato"/>
+              <a:buChar char="○"/>
+              <a:defRPr sz="1100" b="0" i="0" u="none" strike="noStrike" cap="none">
+                <a:solidFill>
+                  <a:schemeClr val="lt1"/>
+                </a:solidFill>
+                <a:latin typeface="Lato"/>
+                <a:ea typeface="Lato"/>
+                <a:cs typeface="Lato"/>
+                <a:sym typeface="Lato"/>
+              </a:defRPr>
+            </a:lvl8pPr>
+            <a:lvl9pPr marL="4114800" marR="0" lvl="8" indent="-298450" algn="l" rtl="0">
+              <a:lnSpc>
+                <a:spcPct val="115000"/>
+              </a:lnSpc>
+              <a:spcBef>
+                <a:spcPts val="0"/>
+              </a:spcBef>
+              <a:spcAft>
+                <a:spcPts val="0"/>
+              </a:spcAft>
+              <a:buClr>
+                <a:schemeClr val="lt1"/>
+              </a:buClr>
+              <a:buSzPts val="1100"/>
+              <a:buFont typeface="Lato"/>
+              <a:buChar char="■"/>
+              <a:defRPr sz="1100" b="0" i="0" u="none" strike="noStrike" cap="none">
+                <a:solidFill>
+                  <a:schemeClr val="lt1"/>
+                </a:solidFill>
+                <a:latin typeface="Lato"/>
+                <a:ea typeface="Lato"/>
+                <a:cs typeface="Lato"/>
+                <a:sym typeface="Lato"/>
+              </a:defRPr>
+            </a:lvl9pPr>
+          </a:lstStyle>
+          <a:p>
+            <a:pPr marL="146050" indent="0" algn="r">
+              <a:buNone/>
+            </a:pPr>
+            <a:r>
+              <a:rPr lang="he-IL" dirty="0"/>
+              <a:t>0.2</a:t>
+            </a:r>
+          </a:p>
+        </p:txBody>
+      </p:sp>
+      <p:sp>
+        <p:nvSpPr>
+          <p:cNvPr id="13" name="מציין מיקום טקסט 8">
+            <a:extLst>
+              <a:ext uri="{FF2B5EF4-FFF2-40B4-BE49-F238E27FC236}">
+                <a16:creationId xmlns:a16="http://schemas.microsoft.com/office/drawing/2014/main" id="{53D4FE46-B543-4946-9FFA-FEB61A3F87BC}"/>
+              </a:ext>
+            </a:extLst>
+          </p:cNvPr>
+          <p:cNvSpPr txBox="1">
+            <a:spLocks/>
+          </p:cNvSpPr>
+          <p:nvPr/>
+        </p:nvSpPr>
+        <p:spPr>
+          <a:xfrm>
+            <a:off x="1134420" y="1918048"/>
+            <a:ext cx="657441" cy="521642"/>
+          </a:xfrm>
+          <a:prstGeom prst="rect">
+            <a:avLst/>
+          </a:prstGeom>
+          <a:noFill/>
+          <a:ln>
+            <a:noFill/>
+          </a:ln>
+        </p:spPr>
+        <p:txBody>
+          <a:bodyPr spcFirstLastPara="1" wrap="square" lIns="91425" tIns="91425" rIns="91425" bIns="91425" anchor="t" anchorCtr="0">
+            <a:normAutofit/>
+          </a:bodyPr>
+          <a:lstStyle>
+            <a:defPPr marR="0" lvl="0" algn="l" rtl="0">
+              <a:lnSpc>
+                <a:spcPct val="100000"/>
+              </a:lnSpc>
+              <a:spcBef>
+                <a:spcPts val="0"/>
+              </a:spcBef>
+              <a:spcAft>
+                <a:spcPts val="0"/>
+              </a:spcAft>
+            </a:defPPr>
+            <a:lvl1pPr marL="457200" marR="0" lvl="0" indent="-311150" algn="l" rtl="0">
+              <a:lnSpc>
+                <a:spcPct val="115000"/>
+              </a:lnSpc>
+              <a:spcBef>
+                <a:spcPts val="0"/>
+              </a:spcBef>
+              <a:spcAft>
+                <a:spcPts val="0"/>
+              </a:spcAft>
+              <a:buClr>
+                <a:schemeClr val="lt1"/>
+              </a:buClr>
+              <a:buSzPts val="1300"/>
+              <a:buFont typeface="Lato"/>
+              <a:buChar char="●"/>
+              <a:defRPr sz="1300" b="0" i="0" u="none" strike="noStrike" cap="none">
+                <a:solidFill>
+                  <a:schemeClr val="lt1"/>
+                </a:solidFill>
+                <a:latin typeface="Lato"/>
+                <a:ea typeface="Lato"/>
+                <a:cs typeface="Lato"/>
+                <a:sym typeface="Lato"/>
+              </a:defRPr>
+            </a:lvl1pPr>
+            <a:lvl2pPr marL="914400" marR="0" lvl="1" indent="-298450" algn="l" rtl="0">
+              <a:lnSpc>
+                <a:spcPct val="115000"/>
+              </a:lnSpc>
+              <a:spcBef>
+                <a:spcPts val="0"/>
+              </a:spcBef>
+              <a:spcAft>
+                <a:spcPts val="0"/>
+              </a:spcAft>
+              <a:buClr>
+                <a:schemeClr val="lt1"/>
+              </a:buClr>
+              <a:buSzPts val="1100"/>
+              <a:buFont typeface="Lato"/>
+              <a:buChar char="○"/>
+              <a:defRPr sz="1100" b="0" i="0" u="none" strike="noStrike" cap="none">
+                <a:solidFill>
+                  <a:schemeClr val="lt1"/>
+                </a:solidFill>
+                <a:latin typeface="Lato"/>
+                <a:ea typeface="Lato"/>
+                <a:cs typeface="Lato"/>
+                <a:sym typeface="Lato"/>
+              </a:defRPr>
+            </a:lvl2pPr>
+            <a:lvl3pPr marL="1371600" marR="0" lvl="2" indent="-298450" algn="l" rtl="0">
+              <a:lnSpc>
+                <a:spcPct val="115000"/>
+              </a:lnSpc>
+              <a:spcBef>
+                <a:spcPts val="0"/>
+              </a:spcBef>
+              <a:spcAft>
+                <a:spcPts val="0"/>
+              </a:spcAft>
+              <a:buClr>
+                <a:schemeClr val="lt1"/>
+              </a:buClr>
+              <a:buSzPts val="1100"/>
+              <a:buFont typeface="Lato"/>
+              <a:buChar char="■"/>
+              <a:defRPr sz="1100" b="0" i="0" u="none" strike="noStrike" cap="none">
+                <a:solidFill>
+                  <a:schemeClr val="lt1"/>
+                </a:solidFill>
+                <a:latin typeface="Lato"/>
+                <a:ea typeface="Lato"/>
+                <a:cs typeface="Lato"/>
+                <a:sym typeface="Lato"/>
+              </a:defRPr>
+            </a:lvl3pPr>
+            <a:lvl4pPr marL="1828800" marR="0" lvl="3" indent="-298450" algn="l" rtl="0">
+              <a:lnSpc>
+                <a:spcPct val="115000"/>
+              </a:lnSpc>
+              <a:spcBef>
+                <a:spcPts val="0"/>
+              </a:spcBef>
+              <a:spcAft>
+                <a:spcPts val="0"/>
+              </a:spcAft>
+              <a:buClr>
+                <a:schemeClr val="lt1"/>
+              </a:buClr>
+              <a:buSzPts val="1100"/>
+              <a:buFont typeface="Lato"/>
+              <a:buChar char="●"/>
+              <a:defRPr sz="1100" b="0" i="0" u="none" strike="noStrike" cap="none">
+                <a:solidFill>
+                  <a:schemeClr val="lt1"/>
+                </a:solidFill>
+                <a:latin typeface="Lato"/>
+                <a:ea typeface="Lato"/>
+                <a:cs typeface="Lato"/>
+                <a:sym typeface="Lato"/>
+              </a:defRPr>
+            </a:lvl4pPr>
+            <a:lvl5pPr marL="2286000" marR="0" lvl="4" indent="-298450" algn="l" rtl="0">
+              <a:lnSpc>
+                <a:spcPct val="115000"/>
+              </a:lnSpc>
+              <a:spcBef>
+                <a:spcPts val="0"/>
+              </a:spcBef>
+              <a:spcAft>
+                <a:spcPts val="0"/>
+              </a:spcAft>
+              <a:buClr>
+                <a:schemeClr val="lt1"/>
+              </a:buClr>
+              <a:buSzPts val="1100"/>
+              <a:buFont typeface="Lato"/>
+              <a:buChar char="○"/>
+              <a:defRPr sz="1100" b="0" i="0" u="none" strike="noStrike" cap="none">
+                <a:solidFill>
+                  <a:schemeClr val="lt1"/>
+                </a:solidFill>
+                <a:latin typeface="Lato"/>
+                <a:ea typeface="Lato"/>
+                <a:cs typeface="Lato"/>
+                <a:sym typeface="Lato"/>
+              </a:defRPr>
+            </a:lvl5pPr>
+            <a:lvl6pPr marL="2743200" marR="0" lvl="5" indent="-298450" algn="l" rtl="0">
+              <a:lnSpc>
+                <a:spcPct val="115000"/>
+              </a:lnSpc>
+              <a:spcBef>
+                <a:spcPts val="0"/>
+              </a:spcBef>
+              <a:spcAft>
+                <a:spcPts val="0"/>
+              </a:spcAft>
+              <a:buClr>
+                <a:schemeClr val="lt1"/>
+              </a:buClr>
+              <a:buSzPts val="1100"/>
+              <a:buFont typeface="Lato"/>
+              <a:buChar char="■"/>
+              <a:defRPr sz="1100" b="0" i="0" u="none" strike="noStrike" cap="none">
+                <a:solidFill>
+                  <a:schemeClr val="lt1"/>
+                </a:solidFill>
+                <a:latin typeface="Lato"/>
+                <a:ea typeface="Lato"/>
+                <a:cs typeface="Lato"/>
+                <a:sym typeface="Lato"/>
+              </a:defRPr>
+            </a:lvl6pPr>
+            <a:lvl7pPr marL="3200400" marR="0" lvl="6" indent="-298450" algn="l" rtl="0">
+              <a:lnSpc>
+                <a:spcPct val="115000"/>
+              </a:lnSpc>
+              <a:spcBef>
+                <a:spcPts val="0"/>
+              </a:spcBef>
+              <a:spcAft>
+                <a:spcPts val="0"/>
+              </a:spcAft>
+              <a:buClr>
+                <a:schemeClr val="lt1"/>
+              </a:buClr>
+              <a:buSzPts val="1100"/>
+              <a:buFont typeface="Lato"/>
+              <a:buChar char="●"/>
+              <a:defRPr sz="1100" b="0" i="0" u="none" strike="noStrike" cap="none">
+                <a:solidFill>
+                  <a:schemeClr val="lt1"/>
+                </a:solidFill>
+                <a:latin typeface="Lato"/>
+                <a:ea typeface="Lato"/>
+                <a:cs typeface="Lato"/>
+                <a:sym typeface="Lato"/>
+              </a:defRPr>
+            </a:lvl7pPr>
+            <a:lvl8pPr marL="3657600" marR="0" lvl="7" indent="-298450" algn="l" rtl="0">
+              <a:lnSpc>
+                <a:spcPct val="115000"/>
+              </a:lnSpc>
+              <a:spcBef>
+                <a:spcPts val="0"/>
+              </a:spcBef>
+              <a:spcAft>
+                <a:spcPts val="0"/>
+              </a:spcAft>
+              <a:buClr>
+                <a:schemeClr val="lt1"/>
+              </a:buClr>
+              <a:buSzPts val="1100"/>
+              <a:buFont typeface="Lato"/>
+              <a:buChar char="○"/>
+              <a:defRPr sz="1100" b="0" i="0" u="none" strike="noStrike" cap="none">
+                <a:solidFill>
+                  <a:schemeClr val="lt1"/>
+                </a:solidFill>
+                <a:latin typeface="Lato"/>
+                <a:ea typeface="Lato"/>
+                <a:cs typeface="Lato"/>
+                <a:sym typeface="Lato"/>
+              </a:defRPr>
+            </a:lvl8pPr>
+            <a:lvl9pPr marL="4114800" marR="0" lvl="8" indent="-298450" algn="l" rtl="0">
+              <a:lnSpc>
+                <a:spcPct val="115000"/>
+              </a:lnSpc>
+              <a:spcBef>
+                <a:spcPts val="0"/>
+              </a:spcBef>
+              <a:spcAft>
+                <a:spcPts val="0"/>
+              </a:spcAft>
+              <a:buClr>
+                <a:schemeClr val="lt1"/>
+              </a:buClr>
+              <a:buSzPts val="1100"/>
+              <a:buFont typeface="Lato"/>
+              <a:buChar char="■"/>
+              <a:defRPr sz="1100" b="0" i="0" u="none" strike="noStrike" cap="none">
+                <a:solidFill>
+                  <a:schemeClr val="lt1"/>
+                </a:solidFill>
+                <a:latin typeface="Lato"/>
+                <a:ea typeface="Lato"/>
+                <a:cs typeface="Lato"/>
+                <a:sym typeface="Lato"/>
+              </a:defRPr>
+            </a:lvl9pPr>
+          </a:lstStyle>
+          <a:p>
+            <a:pPr marL="146050" indent="0" algn="r">
+              <a:buFont typeface="Lato"/>
+              <a:buNone/>
+            </a:pPr>
+            <a:r>
+              <a:rPr lang="he-IL" dirty="0"/>
+              <a:t>0.1</a:t>
+            </a:r>
+          </a:p>
+        </p:txBody>
+      </p:sp>
+      <p:pic>
+        <p:nvPicPr>
+          <p:cNvPr id="16" name="תמונה 15" descr="תמונה שמכילה טקסט&#10;&#10;התיאור נוצר באופן אוטומטי">
+            <a:extLst>
+              <a:ext uri="{FF2B5EF4-FFF2-40B4-BE49-F238E27FC236}">
+                <a16:creationId xmlns:a16="http://schemas.microsoft.com/office/drawing/2014/main" id="{E4044320-8D8B-2D30-B9B3-43B0D70C7E88}"/>
+              </a:ext>
+            </a:extLst>
+          </p:cNvPr>
+          <p:cNvPicPr>
+            <a:picLocks noChangeAspect="1"/>
+          </p:cNvPicPr>
+          <p:nvPr/>
+        </p:nvPicPr>
+        <p:blipFill>
+          <a:blip r:embed="rId3"/>
+          <a:stretch>
+            <a:fillRect/>
+          </a:stretch>
+        </p:blipFill>
+        <p:spPr>
+          <a:xfrm>
+            <a:off x="-18166" y="2258750"/>
+            <a:ext cx="3058092" cy="2884750"/>
+          </a:xfrm>
+          <a:prstGeom prst="rect">
+            <a:avLst/>
+          </a:prstGeom>
+        </p:spPr>
+      </p:pic>
+      <p:pic>
+        <p:nvPicPr>
+          <p:cNvPr id="18" name="תמונה 17" descr="תמונה שמכילה טקסט&#10;&#10;התיאור נוצר באופן אוטומטי">
+            <a:extLst>
+              <a:ext uri="{FF2B5EF4-FFF2-40B4-BE49-F238E27FC236}">
+                <a16:creationId xmlns:a16="http://schemas.microsoft.com/office/drawing/2014/main" id="{84D22465-ADAB-0B8A-6079-3EA73620755D}"/>
+              </a:ext>
+            </a:extLst>
+          </p:cNvPr>
+          <p:cNvPicPr>
+            <a:picLocks noChangeAspect="1"/>
+          </p:cNvPicPr>
+          <p:nvPr/>
+        </p:nvPicPr>
+        <p:blipFill>
+          <a:blip r:embed="rId4"/>
+          <a:stretch>
+            <a:fillRect/>
+          </a:stretch>
+        </p:blipFill>
+        <p:spPr>
+          <a:xfrm>
+            <a:off x="3136817" y="2258749"/>
+            <a:ext cx="2967259" cy="2884751"/>
+          </a:xfrm>
+          <a:prstGeom prst="rect">
+            <a:avLst/>
+          </a:prstGeom>
+        </p:spPr>
+      </p:pic>
+      <p:pic>
+        <p:nvPicPr>
+          <p:cNvPr id="20" name="תמונה 19" descr="תמונה שמכילה טקסט&#10;&#10;התיאור נוצר באופן אוטומטי">
+            <a:extLst>
+              <a:ext uri="{FF2B5EF4-FFF2-40B4-BE49-F238E27FC236}">
+                <a16:creationId xmlns:a16="http://schemas.microsoft.com/office/drawing/2014/main" id="{A8991582-B1A3-0477-EF90-A2E391CF93A1}"/>
+              </a:ext>
+            </a:extLst>
+          </p:cNvPr>
+          <p:cNvPicPr>
+            <a:picLocks noChangeAspect="1"/>
+          </p:cNvPicPr>
+          <p:nvPr/>
+        </p:nvPicPr>
+        <p:blipFill>
+          <a:blip r:embed="rId5"/>
+          <a:stretch>
+            <a:fillRect/>
+          </a:stretch>
+        </p:blipFill>
+        <p:spPr>
+          <a:xfrm>
+            <a:off x="6200967" y="2258749"/>
+            <a:ext cx="2894588" cy="2884752"/>
+          </a:xfrm>
+          <a:prstGeom prst="rect">
+            <a:avLst/>
+          </a:prstGeom>
+        </p:spPr>
+      </p:pic>
+    </p:spTree>
+    <p:extLst>
+      <p:ext uri="{BB962C8B-B14F-4D97-AF65-F5344CB8AC3E}">
+        <p14:creationId xmlns:p14="http://schemas.microsoft.com/office/powerpoint/2010/main" val="561043004"/>
+      </p:ext>
+    </p:extLst>
+  </p:cSld>
+  <p:clrMapOvr>
+    <a:masterClrMapping/>
+  </p:clrMapOvr>
+</p:sld>
+</file>
+
+<file path=ppt/slides/slide11.xml><?xml version="1.0" encoding="utf-8"?>
+<p:sld xmlns:a="http://schemas.openxmlformats.org/drawingml/2006/main" xmlns:r="http://schemas.openxmlformats.org/officeDocument/2006/relationships" xmlns:p="http://schemas.openxmlformats.org/presentationml/2006/main">
+  <p:cSld>
+    <p:spTree>
+      <p:nvGrpSpPr>
+        <p:cNvPr id="1" name=""/>
+        <p:cNvGrpSpPr/>
+        <p:nvPr/>
+      </p:nvGrpSpPr>
+      <p:grpSpPr>
+        <a:xfrm>
+          <a:off x="0" y="0"/>
+          <a:ext cx="0" cy="0"/>
+          <a:chOff x="0" y="0"/>
+          <a:chExt cx="0" cy="0"/>
+        </a:xfrm>
+      </p:grpSpPr>
+      <p:sp>
+        <p:nvSpPr>
+          <p:cNvPr id="2" name="כותרת 1">
+            <a:extLst>
+              <a:ext uri="{FF2B5EF4-FFF2-40B4-BE49-F238E27FC236}">
+                <a16:creationId xmlns:a16="http://schemas.microsoft.com/office/drawing/2014/main" id="{060245D6-1BF2-651A-138C-D972E946449A}"/>
+              </a:ext>
+            </a:extLst>
+          </p:cNvPr>
+          <p:cNvSpPr>
+            <a:spLocks noGrp="1"/>
+          </p:cNvSpPr>
+          <p:nvPr>
+            <p:ph type="title"/>
+          </p:nvPr>
+        </p:nvSpPr>
+        <p:spPr/>
+        <p:txBody>
+          <a:bodyPr/>
+          <a:lstStyle/>
+          <a:p>
+            <a:pPr algn="ctr"/>
+            <a:r>
+              <a:rPr lang="en-US" dirty="0">
+                <a:cs typeface="+mj-cs"/>
+              </a:rPr>
+              <a:t>Decision tree</a:t>
+            </a:r>
+            <a:endParaRPr lang="he-IL" dirty="0">
+              <a:cs typeface="+mj-cs"/>
+            </a:endParaRPr>
+          </a:p>
+        </p:txBody>
+      </p:sp>
+      <p:pic>
+        <p:nvPicPr>
+          <p:cNvPr id="5" name="תמונה 4" descr="תמונה שמכילה טקסט&#10;&#10;התיאור נוצר באופן אוטומטי">
+            <a:extLst>
+              <a:ext uri="{FF2B5EF4-FFF2-40B4-BE49-F238E27FC236}">
+                <a16:creationId xmlns:a16="http://schemas.microsoft.com/office/drawing/2014/main" id="{5FE7DE98-33F0-C34C-5839-65EA2A6DE200}"/>
+              </a:ext>
+            </a:extLst>
+          </p:cNvPr>
+          <p:cNvPicPr>
+            <a:picLocks noChangeAspect="1"/>
+          </p:cNvPicPr>
+          <p:nvPr/>
+        </p:nvPicPr>
+        <p:blipFill>
+          <a:blip r:embed="rId2"/>
+          <a:stretch>
+            <a:fillRect/>
+          </a:stretch>
+        </p:blipFill>
+        <p:spPr>
+          <a:xfrm>
+            <a:off x="30279" y="2571750"/>
+            <a:ext cx="3052036" cy="2571750"/>
+          </a:xfrm>
+          <a:prstGeom prst="rect">
+            <a:avLst/>
+          </a:prstGeom>
+        </p:spPr>
+      </p:pic>
+      <p:pic>
+        <p:nvPicPr>
+          <p:cNvPr id="7" name="תמונה 6" descr="תמונה שמכילה טקסט&#10;&#10;התיאור נוצר באופן אוטומטי">
+            <a:extLst>
+              <a:ext uri="{FF2B5EF4-FFF2-40B4-BE49-F238E27FC236}">
+                <a16:creationId xmlns:a16="http://schemas.microsoft.com/office/drawing/2014/main" id="{5DD90022-BBAE-20AE-5BA7-9CEAC7399302}"/>
+              </a:ext>
+            </a:extLst>
+          </p:cNvPr>
+          <p:cNvPicPr>
+            <a:picLocks noChangeAspect="1"/>
+          </p:cNvPicPr>
+          <p:nvPr/>
+        </p:nvPicPr>
+        <p:blipFill>
+          <a:blip r:embed="rId3"/>
+          <a:stretch>
+            <a:fillRect/>
+          </a:stretch>
+        </p:blipFill>
+        <p:spPr>
+          <a:xfrm>
+            <a:off x="3179207" y="2571750"/>
+            <a:ext cx="3118648" cy="2571751"/>
+          </a:xfrm>
+          <a:prstGeom prst="rect">
+            <a:avLst/>
+          </a:prstGeom>
+        </p:spPr>
+      </p:pic>
+      <p:pic>
+        <p:nvPicPr>
+          <p:cNvPr id="9" name="תמונה 8" descr="תמונה שמכילה טקסט&#10;&#10;התיאור נוצר באופן אוטומטי">
+            <a:extLst>
+              <a:ext uri="{FF2B5EF4-FFF2-40B4-BE49-F238E27FC236}">
+                <a16:creationId xmlns:a16="http://schemas.microsoft.com/office/drawing/2014/main" id="{7A7188DE-7840-B371-1E0D-BEBD863020B1}"/>
+              </a:ext>
+            </a:extLst>
+          </p:cNvPr>
+          <p:cNvPicPr>
+            <a:picLocks noChangeAspect="1"/>
+          </p:cNvPicPr>
+          <p:nvPr/>
+        </p:nvPicPr>
+        <p:blipFill>
+          <a:blip r:embed="rId4"/>
+          <a:stretch>
+            <a:fillRect/>
+          </a:stretch>
+        </p:blipFill>
+        <p:spPr>
+          <a:xfrm>
+            <a:off x="6255464" y="2571750"/>
+            <a:ext cx="2858257" cy="2610165"/>
+          </a:xfrm>
+          <a:prstGeom prst="rect">
+            <a:avLst/>
+          </a:prstGeom>
+        </p:spPr>
+      </p:pic>
+      <p:sp>
+        <p:nvSpPr>
+          <p:cNvPr id="13" name="כותרת 1">
+            <a:extLst>
+              <a:ext uri="{FF2B5EF4-FFF2-40B4-BE49-F238E27FC236}">
+                <a16:creationId xmlns:a16="http://schemas.microsoft.com/office/drawing/2014/main" id="{845C5D16-B0EE-4466-2C4B-C441B0D07890}"/>
+              </a:ext>
+            </a:extLst>
+          </p:cNvPr>
+          <p:cNvSpPr txBox="1">
+            <a:spLocks/>
+          </p:cNvSpPr>
+          <p:nvPr/>
+        </p:nvSpPr>
+        <p:spPr>
+          <a:xfrm>
+            <a:off x="1159230" y="1307850"/>
+            <a:ext cx="7038900" cy="914100"/>
+          </a:xfrm>
+          <a:prstGeom prst="rect">
+            <a:avLst/>
+          </a:prstGeom>
+          <a:noFill/>
+          <a:ln>
+            <a:noFill/>
+          </a:ln>
+        </p:spPr>
+        <p:txBody>
+          <a:bodyPr spcFirstLastPara="1" wrap="square" lIns="91425" tIns="91425" rIns="91425" bIns="91425" anchor="t" anchorCtr="0">
+            <a:normAutofit/>
+          </a:bodyPr>
+          <a:lstStyle>
+            <a:defPPr marR="0" lvl="0" algn="l" rtl="0">
+              <a:lnSpc>
+                <a:spcPct val="100000"/>
+              </a:lnSpc>
+              <a:spcBef>
+                <a:spcPts val="0"/>
+              </a:spcBef>
+              <a:spcAft>
+                <a:spcPts val="0"/>
+              </a:spcAft>
+            </a:defPPr>
+            <a:lvl1pPr marR="0" lvl="0" algn="l" rtl="0">
+              <a:lnSpc>
+                <a:spcPct val="100000"/>
+              </a:lnSpc>
+              <a:spcBef>
+                <a:spcPts val="0"/>
+              </a:spcBef>
+              <a:spcAft>
+                <a:spcPts val="0"/>
+              </a:spcAft>
+              <a:buClr>
+                <a:schemeClr val="lt1"/>
+              </a:buClr>
+              <a:buSzPts val="2400"/>
+              <a:buFont typeface="Montserrat"/>
+              <a:buNone/>
+              <a:defRPr sz="2400" b="0" i="0" u="none" strike="noStrike" cap="none">
+                <a:solidFill>
+                  <a:schemeClr val="lt1"/>
+                </a:solidFill>
+                <a:latin typeface="Montserrat"/>
+                <a:ea typeface="Montserrat"/>
+                <a:cs typeface="Montserrat"/>
+                <a:sym typeface="Montserrat"/>
+              </a:defRPr>
+            </a:lvl1pPr>
+            <a:lvl2pPr marR="0" lvl="1" algn="l" rtl="0">
+              <a:lnSpc>
+                <a:spcPct val="100000"/>
+              </a:lnSpc>
+              <a:spcBef>
+                <a:spcPts val="0"/>
+              </a:spcBef>
+              <a:spcAft>
+                <a:spcPts val="0"/>
+              </a:spcAft>
+              <a:buClr>
+                <a:schemeClr val="lt1"/>
+              </a:buClr>
+              <a:buSzPts val="2400"/>
+              <a:buFont typeface="Montserrat"/>
+              <a:buNone/>
+              <a:defRPr sz="2400" b="0" i="0" u="none" strike="noStrike" cap="none">
+                <a:solidFill>
+                  <a:schemeClr val="lt1"/>
+                </a:solidFill>
+                <a:latin typeface="Montserrat"/>
+                <a:ea typeface="Montserrat"/>
+                <a:cs typeface="Montserrat"/>
+                <a:sym typeface="Montserrat"/>
+              </a:defRPr>
+            </a:lvl2pPr>
+            <a:lvl3pPr marR="0" lvl="2" algn="l" rtl="0">
+              <a:lnSpc>
+                <a:spcPct val="100000"/>
+              </a:lnSpc>
+              <a:spcBef>
+                <a:spcPts val="0"/>
+              </a:spcBef>
+              <a:spcAft>
+                <a:spcPts val="0"/>
+              </a:spcAft>
+              <a:buClr>
+                <a:schemeClr val="lt1"/>
+              </a:buClr>
+              <a:buSzPts val="2400"/>
+              <a:buFont typeface="Montserrat"/>
+              <a:buNone/>
+              <a:defRPr sz="2400" b="0" i="0" u="none" strike="noStrike" cap="none">
+                <a:solidFill>
+                  <a:schemeClr val="lt1"/>
+                </a:solidFill>
+                <a:latin typeface="Montserrat"/>
+                <a:ea typeface="Montserrat"/>
+                <a:cs typeface="Montserrat"/>
+                <a:sym typeface="Montserrat"/>
+              </a:defRPr>
+            </a:lvl3pPr>
+            <a:lvl4pPr marR="0" lvl="3" algn="l" rtl="0">
+              <a:lnSpc>
+                <a:spcPct val="100000"/>
+              </a:lnSpc>
+              <a:spcBef>
+                <a:spcPts val="0"/>
+              </a:spcBef>
+              <a:spcAft>
+                <a:spcPts val="0"/>
+              </a:spcAft>
+              <a:buClr>
+                <a:schemeClr val="lt1"/>
+              </a:buClr>
+              <a:buSzPts val="2400"/>
+              <a:buFont typeface="Montserrat"/>
+              <a:buNone/>
+              <a:defRPr sz="2400" b="0" i="0" u="none" strike="noStrike" cap="none">
+                <a:solidFill>
+                  <a:schemeClr val="lt1"/>
+                </a:solidFill>
+                <a:latin typeface="Montserrat"/>
+                <a:ea typeface="Montserrat"/>
+                <a:cs typeface="Montserrat"/>
+                <a:sym typeface="Montserrat"/>
+              </a:defRPr>
+            </a:lvl4pPr>
+            <a:lvl5pPr marR="0" lvl="4" algn="l" rtl="0">
+              <a:lnSpc>
+                <a:spcPct val="100000"/>
+              </a:lnSpc>
+              <a:spcBef>
+                <a:spcPts val="0"/>
+              </a:spcBef>
+              <a:spcAft>
+                <a:spcPts val="0"/>
+              </a:spcAft>
+              <a:buClr>
+                <a:schemeClr val="lt1"/>
+              </a:buClr>
+              <a:buSzPts val="2400"/>
+              <a:buFont typeface="Montserrat"/>
+              <a:buNone/>
+              <a:defRPr sz="2400" b="0" i="0" u="none" strike="noStrike" cap="none">
+                <a:solidFill>
+                  <a:schemeClr val="lt1"/>
+                </a:solidFill>
+                <a:latin typeface="Montserrat"/>
+                <a:ea typeface="Montserrat"/>
+                <a:cs typeface="Montserrat"/>
+                <a:sym typeface="Montserrat"/>
+              </a:defRPr>
+            </a:lvl5pPr>
+            <a:lvl6pPr marR="0" lvl="5" algn="l" rtl="0">
+              <a:lnSpc>
+                <a:spcPct val="100000"/>
+              </a:lnSpc>
+              <a:spcBef>
+                <a:spcPts val="0"/>
+              </a:spcBef>
+              <a:spcAft>
+                <a:spcPts val="0"/>
+              </a:spcAft>
+              <a:buClr>
+                <a:schemeClr val="lt1"/>
+              </a:buClr>
+              <a:buSzPts val="2400"/>
+              <a:buFont typeface="Montserrat"/>
+              <a:buNone/>
+              <a:defRPr sz="2400" b="0" i="0" u="none" strike="noStrike" cap="none">
+                <a:solidFill>
+                  <a:schemeClr val="lt1"/>
+                </a:solidFill>
+                <a:latin typeface="Montserrat"/>
+                <a:ea typeface="Montserrat"/>
+                <a:cs typeface="Montserrat"/>
+                <a:sym typeface="Montserrat"/>
+              </a:defRPr>
+            </a:lvl6pPr>
+            <a:lvl7pPr marR="0" lvl="6" algn="l" rtl="0">
+              <a:lnSpc>
+                <a:spcPct val="100000"/>
+              </a:lnSpc>
+              <a:spcBef>
+                <a:spcPts val="0"/>
+              </a:spcBef>
+              <a:spcAft>
+                <a:spcPts val="0"/>
+              </a:spcAft>
+              <a:buClr>
+                <a:schemeClr val="lt1"/>
+              </a:buClr>
+              <a:buSzPts val="2400"/>
+              <a:buFont typeface="Montserrat"/>
+              <a:buNone/>
+              <a:defRPr sz="2400" b="0" i="0" u="none" strike="noStrike" cap="none">
+                <a:solidFill>
+                  <a:schemeClr val="lt1"/>
+                </a:solidFill>
+                <a:latin typeface="Montserrat"/>
+                <a:ea typeface="Montserrat"/>
+                <a:cs typeface="Montserrat"/>
+                <a:sym typeface="Montserrat"/>
+              </a:defRPr>
+            </a:lvl7pPr>
+            <a:lvl8pPr marR="0" lvl="7" algn="l" rtl="0">
+              <a:lnSpc>
+                <a:spcPct val="100000"/>
+              </a:lnSpc>
+              <a:spcBef>
+                <a:spcPts val="0"/>
+              </a:spcBef>
+              <a:spcAft>
+                <a:spcPts val="0"/>
+              </a:spcAft>
+              <a:buClr>
+                <a:schemeClr val="lt1"/>
+              </a:buClr>
+              <a:buSzPts val="2400"/>
+              <a:buFont typeface="Montserrat"/>
+              <a:buNone/>
+              <a:defRPr sz="2400" b="0" i="0" u="none" strike="noStrike" cap="none">
+                <a:solidFill>
+                  <a:schemeClr val="lt1"/>
+                </a:solidFill>
+                <a:latin typeface="Montserrat"/>
+                <a:ea typeface="Montserrat"/>
+                <a:cs typeface="Montserrat"/>
+                <a:sym typeface="Montserrat"/>
+              </a:defRPr>
+            </a:lvl8pPr>
+            <a:lvl9pPr marR="0" lvl="8" algn="l" rtl="0">
+              <a:lnSpc>
+                <a:spcPct val="100000"/>
+              </a:lnSpc>
+              <a:spcBef>
+                <a:spcPts val="0"/>
+              </a:spcBef>
+              <a:spcAft>
+                <a:spcPts val="0"/>
+              </a:spcAft>
+              <a:buClr>
+                <a:schemeClr val="lt1"/>
+              </a:buClr>
+              <a:buSzPts val="2400"/>
+              <a:buFont typeface="Montserrat"/>
+              <a:buNone/>
+              <a:defRPr sz="2400" b="0" i="0" u="none" strike="noStrike" cap="none">
+                <a:solidFill>
+                  <a:schemeClr val="lt1"/>
+                </a:solidFill>
+                <a:latin typeface="Montserrat"/>
+                <a:ea typeface="Montserrat"/>
+                <a:cs typeface="Montserrat"/>
+                <a:sym typeface="Montserrat"/>
+              </a:defRPr>
+            </a:lvl9pPr>
+          </a:lstStyle>
+          <a:p>
+            <a:pPr algn="r" rtl="1"/>
+            <a:r>
+              <a:rPr lang="he-IL" sz="1400" dirty="0">
+                <a:cs typeface="+mj-cs"/>
+              </a:rPr>
+              <a:t>השתמשנו במדד </a:t>
+            </a:r>
+            <a:r>
+              <a:rPr lang="he-IL" sz="1400" dirty="0" err="1">
+                <a:cs typeface="+mj-cs"/>
+              </a:rPr>
+              <a:t>ג'יני</a:t>
+            </a:r>
+            <a:r>
+              <a:rPr lang="he-IL" sz="1400" dirty="0">
+                <a:cs typeface="+mj-cs"/>
+              </a:rPr>
+              <a:t> למציאת פיצול אופטימלי בצמתי העץ במקום במדד האנטרופיה שנלמד בכיתה. כמו כן עומק העץ המקסימלי שנותן את התוצאות הטובות ביותר לרשום מטה. ניתן לראות שהאלגוריתם נותן תוצאות דומות כמו </a:t>
+            </a:r>
+            <a:r>
+              <a:rPr lang="en-US" sz="1400" dirty="0">
+                <a:cs typeface="+mj-cs"/>
+              </a:rPr>
+              <a:t>logistic regression </a:t>
+            </a:r>
+            <a:r>
+              <a:rPr lang="he-IL" sz="1400" dirty="0">
+                <a:cs typeface="+mj-cs"/>
+              </a:rPr>
+              <a:t> מבחינת המדדים הסטטיסטים.</a:t>
+            </a:r>
+            <a:endParaRPr lang="he-IL" sz="1600" dirty="0">
+              <a:cs typeface="+mj-cs"/>
+            </a:endParaRPr>
+          </a:p>
+        </p:txBody>
+      </p:sp>
+    </p:spTree>
+    <p:extLst>
+      <p:ext uri="{BB962C8B-B14F-4D97-AF65-F5344CB8AC3E}">
+        <p14:creationId xmlns:p14="http://schemas.microsoft.com/office/powerpoint/2010/main" val="3916790034"/>
+      </p:ext>
+    </p:extLst>
+  </p:cSld>
+  <p:clrMapOvr>
+    <a:masterClrMapping/>
+  </p:clrMapOvr>
+</p:sld>
+</file>
+
+<file path=ppt/slides/slide12.xml><?xml version="1.0" encoding="utf-8"?>
+<p:sld xmlns:a="http://schemas.openxmlformats.org/drawingml/2006/main" xmlns:r="http://schemas.openxmlformats.org/officeDocument/2006/relationships" xmlns:p="http://schemas.openxmlformats.org/presentationml/2006/main">
+  <p:cSld>
+    <p:spTree>
+      <p:nvGrpSpPr>
+        <p:cNvPr id="1" name=""/>
+        <p:cNvGrpSpPr/>
+        <p:nvPr/>
+      </p:nvGrpSpPr>
+      <p:grpSpPr>
+        <a:xfrm>
+          <a:off x="0" y="0"/>
+          <a:ext cx="0" cy="0"/>
+          <a:chOff x="0" y="0"/>
+          <a:chExt cx="0" cy="0"/>
+        </a:xfrm>
+      </p:grpSpPr>
+      <p:sp>
+        <p:nvSpPr>
+          <p:cNvPr id="2" name="כותרת 1">
+            <a:extLst>
+              <a:ext uri="{FF2B5EF4-FFF2-40B4-BE49-F238E27FC236}">
+                <a16:creationId xmlns:a16="http://schemas.microsoft.com/office/drawing/2014/main" id="{060245D6-1BF2-651A-138C-D972E946449A}"/>
+              </a:ext>
+            </a:extLst>
+          </p:cNvPr>
+          <p:cNvSpPr>
+            <a:spLocks noGrp="1"/>
+          </p:cNvSpPr>
+          <p:nvPr>
+            <p:ph type="title"/>
+          </p:nvPr>
+        </p:nvSpPr>
+        <p:spPr/>
+        <p:txBody>
+          <a:bodyPr/>
+          <a:lstStyle/>
+          <a:p>
+            <a:pPr algn="ctr"/>
+            <a:r>
+              <a:rPr lang="en-US" sz="2400" i="1" dirty="0">
+                <a:latin typeface="Miriam" panose="020B0502050101010101" pitchFamily="34" charset="-79"/>
+                <a:cs typeface="Miriam" panose="020B0502050101010101" pitchFamily="34" charset="-79"/>
+              </a:rPr>
+              <a:t>Linear SVC</a:t>
+            </a:r>
+            <a:endParaRPr lang="he-IL" dirty="0">
+              <a:cs typeface="+mj-cs"/>
+            </a:endParaRPr>
+          </a:p>
+        </p:txBody>
+      </p:sp>
+      <p:sp>
+        <p:nvSpPr>
+          <p:cNvPr id="13" name="כותרת 1">
+            <a:extLst>
+              <a:ext uri="{FF2B5EF4-FFF2-40B4-BE49-F238E27FC236}">
+                <a16:creationId xmlns:a16="http://schemas.microsoft.com/office/drawing/2014/main" id="{845C5D16-B0EE-4466-2C4B-C441B0D07890}"/>
+              </a:ext>
+            </a:extLst>
+          </p:cNvPr>
+          <p:cNvSpPr txBox="1">
+            <a:spLocks/>
+          </p:cNvSpPr>
+          <p:nvPr/>
+        </p:nvSpPr>
+        <p:spPr>
+          <a:xfrm>
+            <a:off x="1159230" y="1307850"/>
+            <a:ext cx="7038900" cy="914100"/>
+          </a:xfrm>
+          <a:prstGeom prst="rect">
+            <a:avLst/>
+          </a:prstGeom>
+          <a:noFill/>
+          <a:ln>
+            <a:noFill/>
+          </a:ln>
+        </p:spPr>
+        <p:txBody>
+          <a:bodyPr spcFirstLastPara="1" wrap="square" lIns="91425" tIns="91425" rIns="91425" bIns="91425" anchor="t" anchorCtr="0">
+            <a:normAutofit fontScale="92500" lnSpcReduction="10000"/>
+          </a:bodyPr>
+          <a:lstStyle>
+            <a:defPPr marR="0" lvl="0" algn="l" rtl="0">
+              <a:lnSpc>
+                <a:spcPct val="100000"/>
+              </a:lnSpc>
+              <a:spcBef>
+                <a:spcPts val="0"/>
+              </a:spcBef>
+              <a:spcAft>
+                <a:spcPts val="0"/>
+              </a:spcAft>
+            </a:defPPr>
+            <a:lvl1pPr marR="0" lvl="0" algn="l" rtl="0">
+              <a:lnSpc>
+                <a:spcPct val="100000"/>
+              </a:lnSpc>
+              <a:spcBef>
+                <a:spcPts val="0"/>
+              </a:spcBef>
+              <a:spcAft>
+                <a:spcPts val="0"/>
+              </a:spcAft>
+              <a:buClr>
+                <a:schemeClr val="lt1"/>
+              </a:buClr>
+              <a:buSzPts val="2400"/>
+              <a:buFont typeface="Montserrat"/>
+              <a:buNone/>
+              <a:defRPr sz="2400" b="0" i="0" u="none" strike="noStrike" cap="none">
+                <a:solidFill>
+                  <a:schemeClr val="lt1"/>
+                </a:solidFill>
+                <a:latin typeface="Montserrat"/>
+                <a:ea typeface="Montserrat"/>
+                <a:cs typeface="Montserrat"/>
+                <a:sym typeface="Montserrat"/>
+              </a:defRPr>
+            </a:lvl1pPr>
+            <a:lvl2pPr marR="0" lvl="1" algn="l" rtl="0">
+              <a:lnSpc>
+                <a:spcPct val="100000"/>
+              </a:lnSpc>
+              <a:spcBef>
+                <a:spcPts val="0"/>
+              </a:spcBef>
+              <a:spcAft>
+                <a:spcPts val="0"/>
+              </a:spcAft>
+              <a:buClr>
+                <a:schemeClr val="lt1"/>
+              </a:buClr>
+              <a:buSzPts val="2400"/>
+              <a:buFont typeface="Montserrat"/>
+              <a:buNone/>
+              <a:defRPr sz="2400" b="0" i="0" u="none" strike="noStrike" cap="none">
+                <a:solidFill>
+                  <a:schemeClr val="lt1"/>
+                </a:solidFill>
+                <a:latin typeface="Montserrat"/>
+                <a:ea typeface="Montserrat"/>
+                <a:cs typeface="Montserrat"/>
+                <a:sym typeface="Montserrat"/>
+              </a:defRPr>
+            </a:lvl2pPr>
+            <a:lvl3pPr marR="0" lvl="2" algn="l" rtl="0">
+              <a:lnSpc>
+                <a:spcPct val="100000"/>
+              </a:lnSpc>
+              <a:spcBef>
+                <a:spcPts val="0"/>
+              </a:spcBef>
+              <a:spcAft>
+                <a:spcPts val="0"/>
+              </a:spcAft>
+              <a:buClr>
+                <a:schemeClr val="lt1"/>
+              </a:buClr>
+              <a:buSzPts val="2400"/>
+              <a:buFont typeface="Montserrat"/>
+              <a:buNone/>
+              <a:defRPr sz="2400" b="0" i="0" u="none" strike="noStrike" cap="none">
+                <a:solidFill>
+                  <a:schemeClr val="lt1"/>
+                </a:solidFill>
+                <a:latin typeface="Montserrat"/>
+                <a:ea typeface="Montserrat"/>
+                <a:cs typeface="Montserrat"/>
+                <a:sym typeface="Montserrat"/>
+              </a:defRPr>
+            </a:lvl3pPr>
+            <a:lvl4pPr marR="0" lvl="3" algn="l" rtl="0">
+              <a:lnSpc>
+                <a:spcPct val="100000"/>
+              </a:lnSpc>
+              <a:spcBef>
+                <a:spcPts val="0"/>
+              </a:spcBef>
+              <a:spcAft>
+                <a:spcPts val="0"/>
+              </a:spcAft>
+              <a:buClr>
+                <a:schemeClr val="lt1"/>
+              </a:buClr>
+              <a:buSzPts val="2400"/>
+              <a:buFont typeface="Montserrat"/>
+              <a:buNone/>
+              <a:defRPr sz="2400" b="0" i="0" u="none" strike="noStrike" cap="none">
+                <a:solidFill>
+                  <a:schemeClr val="lt1"/>
+                </a:solidFill>
+                <a:latin typeface="Montserrat"/>
+                <a:ea typeface="Montserrat"/>
+                <a:cs typeface="Montserrat"/>
+                <a:sym typeface="Montserrat"/>
+              </a:defRPr>
+            </a:lvl4pPr>
+            <a:lvl5pPr marR="0" lvl="4" algn="l" rtl="0">
+              <a:lnSpc>
+                <a:spcPct val="100000"/>
+              </a:lnSpc>
+              <a:spcBef>
+                <a:spcPts val="0"/>
+              </a:spcBef>
+              <a:spcAft>
+                <a:spcPts val="0"/>
+              </a:spcAft>
+              <a:buClr>
+                <a:schemeClr val="lt1"/>
+              </a:buClr>
+              <a:buSzPts val="2400"/>
+              <a:buFont typeface="Montserrat"/>
+              <a:buNone/>
+              <a:defRPr sz="2400" b="0" i="0" u="none" strike="noStrike" cap="none">
+                <a:solidFill>
+                  <a:schemeClr val="lt1"/>
+                </a:solidFill>
+                <a:latin typeface="Montserrat"/>
+                <a:ea typeface="Montserrat"/>
+                <a:cs typeface="Montserrat"/>
+                <a:sym typeface="Montserrat"/>
+              </a:defRPr>
+            </a:lvl5pPr>
+            <a:lvl6pPr marR="0" lvl="5" algn="l" rtl="0">
+              <a:lnSpc>
+                <a:spcPct val="100000"/>
+              </a:lnSpc>
+              <a:spcBef>
+                <a:spcPts val="0"/>
+              </a:spcBef>
+              <a:spcAft>
+                <a:spcPts val="0"/>
+              </a:spcAft>
+              <a:buClr>
+                <a:schemeClr val="lt1"/>
+              </a:buClr>
+              <a:buSzPts val="2400"/>
+              <a:buFont typeface="Montserrat"/>
+              <a:buNone/>
+              <a:defRPr sz="2400" b="0" i="0" u="none" strike="noStrike" cap="none">
+                <a:solidFill>
+                  <a:schemeClr val="lt1"/>
+                </a:solidFill>
+                <a:latin typeface="Montserrat"/>
+                <a:ea typeface="Montserrat"/>
+                <a:cs typeface="Montserrat"/>
+                <a:sym typeface="Montserrat"/>
+              </a:defRPr>
+            </a:lvl6pPr>
+            <a:lvl7pPr marR="0" lvl="6" algn="l" rtl="0">
+              <a:lnSpc>
+                <a:spcPct val="100000"/>
+              </a:lnSpc>
+              <a:spcBef>
+                <a:spcPts val="0"/>
+              </a:spcBef>
+              <a:spcAft>
+                <a:spcPts val="0"/>
+              </a:spcAft>
+              <a:buClr>
+                <a:schemeClr val="lt1"/>
+              </a:buClr>
+              <a:buSzPts val="2400"/>
+              <a:buFont typeface="Montserrat"/>
+              <a:buNone/>
+              <a:defRPr sz="2400" b="0" i="0" u="none" strike="noStrike" cap="none">
+                <a:solidFill>
+                  <a:schemeClr val="lt1"/>
+                </a:solidFill>
+                <a:latin typeface="Montserrat"/>
+                <a:ea typeface="Montserrat"/>
+                <a:cs typeface="Montserrat"/>
+                <a:sym typeface="Montserrat"/>
+              </a:defRPr>
+            </a:lvl7pPr>
+            <a:lvl8pPr marR="0" lvl="7" algn="l" rtl="0">
+              <a:lnSpc>
+                <a:spcPct val="100000"/>
+              </a:lnSpc>
+              <a:spcBef>
+                <a:spcPts val="0"/>
+              </a:spcBef>
+              <a:spcAft>
+                <a:spcPts val="0"/>
+              </a:spcAft>
+              <a:buClr>
+                <a:schemeClr val="lt1"/>
+              </a:buClr>
+              <a:buSzPts val="2400"/>
+              <a:buFont typeface="Montserrat"/>
+              <a:buNone/>
+              <a:defRPr sz="2400" b="0" i="0" u="none" strike="noStrike" cap="none">
+                <a:solidFill>
+                  <a:schemeClr val="lt1"/>
+                </a:solidFill>
+                <a:latin typeface="Montserrat"/>
+                <a:ea typeface="Montserrat"/>
+                <a:cs typeface="Montserrat"/>
+                <a:sym typeface="Montserrat"/>
+              </a:defRPr>
+            </a:lvl8pPr>
+            <a:lvl9pPr marR="0" lvl="8" algn="l" rtl="0">
+              <a:lnSpc>
+                <a:spcPct val="100000"/>
+              </a:lnSpc>
+              <a:spcBef>
+                <a:spcPts val="0"/>
+              </a:spcBef>
+              <a:spcAft>
+                <a:spcPts val="0"/>
+              </a:spcAft>
+              <a:buClr>
+                <a:schemeClr val="lt1"/>
+              </a:buClr>
+              <a:buSzPts val="2400"/>
+              <a:buFont typeface="Montserrat"/>
+              <a:buNone/>
+              <a:defRPr sz="2400" b="0" i="0" u="none" strike="noStrike" cap="none">
+                <a:solidFill>
+                  <a:schemeClr val="lt1"/>
+                </a:solidFill>
+                <a:latin typeface="Montserrat"/>
+                <a:ea typeface="Montserrat"/>
+                <a:cs typeface="Montserrat"/>
+                <a:sym typeface="Montserrat"/>
+              </a:defRPr>
+            </a:lvl9pPr>
+          </a:lstStyle>
+          <a:p>
+            <a:pPr marL="285750" indent="-285750" algn="r" rtl="1">
+              <a:buFont typeface="Arial" panose="020B0604020202020204" pitchFamily="34" charset="0"/>
+              <a:buChar char="•"/>
+            </a:pPr>
+            <a:r>
+              <a:rPr lang="he-IL" sz="1400" dirty="0">
+                <a:cs typeface="+mj-cs"/>
+              </a:rPr>
+              <a:t>למדנו שהאלגוריתם הזה עובד היטב עם נתונים לא מבניים כמו טקסט, תמונות </a:t>
+            </a:r>
+            <a:r>
+              <a:rPr lang="he-IL" sz="1400" dirty="0" err="1">
+                <a:cs typeface="+mj-cs"/>
+              </a:rPr>
+              <a:t>וכו</a:t>
+            </a:r>
+            <a:endParaRPr lang="he-IL" sz="1400" dirty="0">
+              <a:cs typeface="+mj-cs"/>
+            </a:endParaRPr>
+          </a:p>
+          <a:p>
+            <a:pPr marL="285750" indent="-285750" algn="r" rtl="1">
+              <a:buFont typeface="Arial" panose="020B0604020202020204" pitchFamily="34" charset="0"/>
+              <a:buChar char="•"/>
+            </a:pPr>
+            <a:r>
+              <a:rPr lang="he-IL" sz="1400" dirty="0">
+                <a:cs typeface="+mj-cs"/>
+              </a:rPr>
+              <a:t>לאחר חיפוש באינטרנט החלטנו להשתמש ב</a:t>
+            </a:r>
+            <a:r>
+              <a:rPr lang="en-US" sz="1400" dirty="0">
+                <a:cs typeface="+mj-cs"/>
+              </a:rPr>
+              <a:t> </a:t>
+            </a:r>
+            <a:r>
+              <a:rPr lang="he-IL" sz="1400" dirty="0">
+                <a:cs typeface="+mj-cs"/>
+              </a:rPr>
+              <a:t> </a:t>
+            </a:r>
+            <a:r>
+              <a:rPr lang="en-US" sz="1400" dirty="0">
+                <a:cs typeface="+mj-cs"/>
+              </a:rPr>
+              <a:t>Linear SVC </a:t>
+            </a:r>
+            <a:r>
+              <a:rPr lang="he-IL" sz="1400" dirty="0">
+                <a:cs typeface="+mj-cs"/>
+              </a:rPr>
+              <a:t> כאשר ה</a:t>
+            </a:r>
+            <a:r>
+              <a:rPr lang="en-US" sz="1400" dirty="0">
+                <a:cs typeface="+mj-cs"/>
+              </a:rPr>
+              <a:t>kernel</a:t>
+            </a:r>
+            <a:r>
+              <a:rPr lang="he-IL" sz="1400" dirty="0">
+                <a:cs typeface="+mj-cs"/>
+              </a:rPr>
+              <a:t> שלו ליניארי מכיוון שהוא מתאים לכמות גדולה של </a:t>
+            </a:r>
+            <a:r>
+              <a:rPr lang="he-IL" sz="1400" dirty="0" err="1">
+                <a:cs typeface="+mj-cs"/>
+              </a:rPr>
+              <a:t>מימדים</a:t>
+            </a:r>
+            <a:r>
+              <a:rPr lang="he-IL" sz="1400" dirty="0">
+                <a:cs typeface="+mj-cs"/>
+              </a:rPr>
+              <a:t>.</a:t>
+            </a:r>
+          </a:p>
+          <a:p>
+            <a:pPr marL="285750" indent="-285750" algn="r" rtl="1">
+              <a:buFont typeface="Arial" panose="020B0604020202020204" pitchFamily="34" charset="0"/>
+              <a:buChar char="•"/>
+            </a:pPr>
+            <a:r>
+              <a:rPr lang="he-IL" sz="1400" dirty="0">
+                <a:cs typeface="+mj-cs"/>
+              </a:rPr>
+              <a:t>קראנו בנוסף שהסיכוי ל</a:t>
+            </a:r>
+            <a:r>
+              <a:rPr lang="en-US" sz="1400" dirty="0">
+                <a:cs typeface="+mj-cs"/>
+              </a:rPr>
+              <a:t>overfitting</a:t>
+            </a:r>
+            <a:r>
+              <a:rPr lang="he-IL" sz="1400" dirty="0">
+                <a:cs typeface="+mj-cs"/>
+              </a:rPr>
+              <a:t> קטן ביחס ל</a:t>
+            </a:r>
+            <a:r>
+              <a:rPr lang="en-US" sz="1400" dirty="0">
+                <a:cs typeface="+mj-cs"/>
+              </a:rPr>
+              <a:t>LR</a:t>
+            </a:r>
+            <a:r>
+              <a:rPr lang="he-IL" sz="1400" dirty="0">
+                <a:cs typeface="+mj-cs"/>
+              </a:rPr>
+              <a:t>. אבל לפי התוצאות שלנו הדבר לא משתקף.</a:t>
+            </a:r>
+          </a:p>
+          <a:p>
+            <a:pPr marL="285750" indent="-285750" algn="r" rtl="1">
+              <a:buFont typeface="Arial" panose="020B0604020202020204" pitchFamily="34" charset="0"/>
+              <a:buChar char="•"/>
+            </a:pPr>
+            <a:endParaRPr lang="he-IL" sz="1400" dirty="0">
+              <a:cs typeface="+mj-cs"/>
+            </a:endParaRPr>
+          </a:p>
+        </p:txBody>
+      </p:sp>
+      <p:pic>
+        <p:nvPicPr>
+          <p:cNvPr id="15" name="תמונה 14" descr="תמונה שמכילה טקסט&#10;&#10;התיאור נוצר באופן אוטומטי">
+            <a:extLst>
+              <a:ext uri="{FF2B5EF4-FFF2-40B4-BE49-F238E27FC236}">
+                <a16:creationId xmlns:a16="http://schemas.microsoft.com/office/drawing/2014/main" id="{9A2227CE-57CA-6383-1935-BF5199B31946}"/>
+              </a:ext>
+            </a:extLst>
+          </p:cNvPr>
+          <p:cNvPicPr>
+            <a:picLocks noChangeAspect="1"/>
+          </p:cNvPicPr>
+          <p:nvPr/>
+        </p:nvPicPr>
+        <p:blipFill>
+          <a:blip r:embed="rId2"/>
+          <a:stretch>
+            <a:fillRect/>
+          </a:stretch>
+        </p:blipFill>
+        <p:spPr>
+          <a:xfrm>
+            <a:off x="3155748" y="2221950"/>
+            <a:ext cx="3045863" cy="2954677"/>
+          </a:xfrm>
+          <a:prstGeom prst="rect">
+            <a:avLst/>
+          </a:prstGeom>
+        </p:spPr>
+      </p:pic>
+      <p:pic>
+        <p:nvPicPr>
+          <p:cNvPr id="17" name="תמונה 16" descr="תמונה שמכילה טקסט&#10;&#10;התיאור נוצר באופן אוטומטי">
+            <a:extLst>
+              <a:ext uri="{FF2B5EF4-FFF2-40B4-BE49-F238E27FC236}">
+                <a16:creationId xmlns:a16="http://schemas.microsoft.com/office/drawing/2014/main" id="{78BEA9DE-E9D7-320F-BF09-7BE3B6E03674}"/>
+              </a:ext>
+            </a:extLst>
+          </p:cNvPr>
+          <p:cNvPicPr>
+            <a:picLocks noChangeAspect="1"/>
+          </p:cNvPicPr>
+          <p:nvPr/>
+        </p:nvPicPr>
+        <p:blipFill>
+          <a:blip r:embed="rId3"/>
+          <a:stretch>
+            <a:fillRect/>
+          </a:stretch>
+        </p:blipFill>
+        <p:spPr>
+          <a:xfrm>
+            <a:off x="-2748" y="2221950"/>
+            <a:ext cx="3164796" cy="2954676"/>
+          </a:xfrm>
+          <a:prstGeom prst="rect">
+            <a:avLst/>
+          </a:prstGeom>
+        </p:spPr>
+      </p:pic>
+      <p:pic>
+        <p:nvPicPr>
+          <p:cNvPr id="19" name="תמונה 18" descr="תמונה שמכילה טקסט&#10;&#10;התיאור נוצר באופן אוטומטי">
+            <a:extLst>
+              <a:ext uri="{FF2B5EF4-FFF2-40B4-BE49-F238E27FC236}">
+                <a16:creationId xmlns:a16="http://schemas.microsoft.com/office/drawing/2014/main" id="{1F206A64-6832-145F-A814-BBD16C87D0EB}"/>
+              </a:ext>
+            </a:extLst>
+          </p:cNvPr>
+          <p:cNvPicPr>
+            <a:picLocks noChangeAspect="1"/>
+          </p:cNvPicPr>
+          <p:nvPr/>
+        </p:nvPicPr>
+        <p:blipFill>
+          <a:blip r:embed="rId4"/>
+          <a:stretch>
+            <a:fillRect/>
+          </a:stretch>
+        </p:blipFill>
+        <p:spPr>
+          <a:xfrm>
+            <a:off x="6261521" y="2188824"/>
+            <a:ext cx="2882479" cy="2954676"/>
+          </a:xfrm>
+          <a:prstGeom prst="rect">
+            <a:avLst/>
+          </a:prstGeom>
+        </p:spPr>
+      </p:pic>
+    </p:spTree>
+    <p:extLst>
+      <p:ext uri="{BB962C8B-B14F-4D97-AF65-F5344CB8AC3E}">
+        <p14:creationId xmlns:p14="http://schemas.microsoft.com/office/powerpoint/2010/main" val="1602383501"/>
+      </p:ext>
+    </p:extLst>
+  </p:cSld>
+  <p:clrMapOvr>
+    <a:masterClrMapping/>
+  </p:clrMapOvr>
+</p:sld>
+</file>
+
+<file path=ppt/slides/slide13.xml><?xml version="1.0" encoding="utf-8"?>
+<p:sld xmlns:a="http://schemas.openxmlformats.org/drawingml/2006/main" xmlns:r="http://schemas.openxmlformats.org/officeDocument/2006/relationships" xmlns:p="http://schemas.openxmlformats.org/presentationml/2006/main">
+  <p:cSld>
+    <p:spTree>
+      <p:nvGrpSpPr>
+        <p:cNvPr id="1" name="Shape 140"/>
+        <p:cNvGrpSpPr/>
+        <p:nvPr/>
+      </p:nvGrpSpPr>
+      <p:grpSpPr>
+        <a:xfrm>
+          <a:off x="0" y="0"/>
+          <a:ext cx="0" cy="0"/>
+          <a:chOff x="0" y="0"/>
+          <a:chExt cx="0" cy="0"/>
+        </a:xfrm>
+      </p:grpSpPr>
+    </p:spTree>
+    <p:extLst>
+      <p:ext uri="{BB962C8B-B14F-4D97-AF65-F5344CB8AC3E}">
+        <p14:creationId xmlns:p14="http://schemas.microsoft.com/office/powerpoint/2010/main" val="920333169"/>
+      </p:ext>
+    </p:extLst>
+  </p:cSld>
+  <p:clrMapOvr>
+    <a:masterClrMapping/>
+  </p:clrMapOvr>
+</p:sld>
+</file>
+
+<file path=ppt/slides/slide14.xml><?xml version="1.0" encoding="utf-8"?>
+<p:sld xmlns:a="http://schemas.openxmlformats.org/drawingml/2006/main" xmlns:r="http://schemas.openxmlformats.org/officeDocument/2006/relationships" xmlns:p="http://schemas.openxmlformats.org/presentationml/2006/main">
+  <p:cSld>
+    <p:spTree>
+      <p:nvGrpSpPr>
+        <p:cNvPr id="1" name="Shape 140"/>
+        <p:cNvGrpSpPr/>
+        <p:nvPr/>
+      </p:nvGrpSpPr>
+      <p:grpSpPr>
+        <a:xfrm>
+          <a:off x="0" y="0"/>
+          <a:ext cx="0" cy="0"/>
+          <a:chOff x="0" y="0"/>
+          <a:chExt cx="0" cy="0"/>
+        </a:xfrm>
+      </p:grpSpPr>
+      <p:sp>
+        <p:nvSpPr>
+          <p:cNvPr id="141" name="Google Shape;141;p14"/>
           <p:cNvSpPr txBox="1">
             <a:spLocks noGrp="1"/>
           </p:cNvSpPr>
@@ -10468,7 +13564,7 @@
           </a:bodyPr>
           <a:lstStyle/>
           <a:p>
-            <a:pPr marL="0" lvl="0" indent="0" algn="l" rtl="0">
+            <a:pPr marL="0" lvl="0" indent="0" algn="ctr" rtl="0">
               <a:spcBef>
                 <a:spcPts val="0"/>
               </a:spcBef>
@@ -10478,48 +13574,19 @@
               <a:buNone/>
             </a:pPr>
             <a:r>
-              <a:rPr lang="iw">
-                <a:latin typeface="Montserrat" pitchFamily="2" charset="77"/>
-              </a:rPr>
-              <a:t>Challenges</a:t>
-            </a:r>
-            <a:endParaRPr>
-              <a:latin typeface="Montserrat" pitchFamily="2" charset="77"/>
-            </a:endParaRPr>
-          </a:p>
-          <a:p>
-            <a:pPr marL="0" lvl="0" indent="0" algn="l" rtl="0">
-              <a:spcBef>
-                <a:spcPts val="0"/>
-              </a:spcBef>
-              <a:spcAft>
-                <a:spcPts val="0"/>
-              </a:spcAft>
-              <a:buNone/>
-            </a:pPr>
-            <a:endParaRPr>
-              <a:latin typeface="Montserrat" pitchFamily="2" charset="77"/>
-            </a:endParaRPr>
-          </a:p>
-          <a:p>
-            <a:pPr marL="0" lvl="0" indent="0" algn="l" rtl="0">
-              <a:spcBef>
-                <a:spcPts val="0"/>
-              </a:spcBef>
-              <a:spcAft>
-                <a:spcPts val="0"/>
-              </a:spcAft>
-              <a:buNone/>
-            </a:pPr>
-            <a:endParaRPr>
-              <a:latin typeface="Montserrat" pitchFamily="2" charset="77"/>
+              <a:rPr lang="en-US" dirty="0"/>
+              <a:t>Gradient Boosting Classifier</a:t>
+            </a:r>
+            <a:endParaRPr i="1" u="sng" dirty="0">
+              <a:latin typeface="Miriam" panose="020B0502050101010101" pitchFamily="34" charset="-79"/>
+              <a:cs typeface="Miriam" panose="020B0502050101010101" pitchFamily="34" charset="-79"/>
             </a:endParaRPr>
           </a:p>
         </p:txBody>
       </p:sp>
       <p:sp>
         <p:nvSpPr>
-          <p:cNvPr id="196" name="Google Shape;196;p23"/>
+          <p:cNvPr id="142" name="Google Shape;142;p14"/>
           <p:cNvSpPr txBox="1">
             <a:spLocks noGrp="1"/>
           </p:cNvSpPr>
@@ -10529,8 +13596,8 @@
         </p:nvSpPr>
         <p:spPr>
           <a:xfrm>
-            <a:off x="1297500" y="1567550"/>
-            <a:ext cx="7038900" cy="2911200"/>
+            <a:off x="314893" y="987068"/>
+            <a:ext cx="8465769" cy="3712100"/>
           </a:xfrm>
           <a:prstGeom prst="rect">
             <a:avLst/>
@@ -10542,608 +13609,23 @@
           </a:bodyPr>
           <a:lstStyle/>
           <a:p>
-            <a:pPr marL="0" lvl="0" indent="0" algn="r" rtl="0">
-              <a:spcBef>
-                <a:spcPts val="0"/>
-              </a:spcBef>
-              <a:spcAft>
-                <a:spcPts val="0"/>
-              </a:spcAft>
-              <a:buNone/>
+            <a:pPr marL="171450" indent="-171450" algn="r" rtl="1">
+              <a:spcAft>
+                <a:spcPts val="1200"/>
+              </a:spcAft>
             </a:pPr>
-            <a:r>
-              <a:rPr lang="he-IL" sz="1120" dirty="0">
-                <a:latin typeface="Montserrat" pitchFamily="2" charset="77"/>
-              </a:rPr>
-              <a:t>התמודדנו עם מספר אתגרים בפרויקט, כולל התמודדות עם מערך נתונים גדול, נתונים מורכבים ואיכות נתונים. הם גם נאלצו להשתמש בטכניקות הפחתת </a:t>
-            </a:r>
-            <a:r>
-              <a:rPr lang="he-IL" sz="1120" dirty="0" err="1">
-                <a:latin typeface="Montserrat" pitchFamily="2" charset="77"/>
-              </a:rPr>
-              <a:t>מימד</a:t>
-            </a:r>
-            <a:r>
-              <a:rPr lang="he-IL" sz="1120" dirty="0">
-                <a:latin typeface="Montserrat" pitchFamily="2" charset="77"/>
-              </a:rPr>
-              <a:t> כדי לטפל בממדיות גבוהה, ולהעריך בקפידה אלגוריתמים שונים כדי לקבוע איזה מהם מתאים ביותר למשימה.</a:t>
-            </a:r>
-            <a:endParaRPr lang="en-US" sz="1120" dirty="0">
+            <a:endParaRPr lang="he-IL" sz="1400" dirty="0">
               <a:latin typeface="Montserrat" pitchFamily="2" charset="77"/>
             </a:endParaRPr>
           </a:p>
         </p:txBody>
       </p:sp>
     </p:spTree>
-  </p:cSld>
-  <p:clrMapOvr>
-    <a:masterClrMapping/>
-  </p:clrMapOvr>
-</p:sld>
-</file>
-
-<file path=ppt/slides/slide11.xml><?xml version="1.0" encoding="utf-8"?>
-<p:sld xmlns:a="http://schemas.openxmlformats.org/drawingml/2006/main" xmlns:r="http://schemas.openxmlformats.org/officeDocument/2006/relationships" xmlns:p="http://schemas.openxmlformats.org/presentationml/2006/main">
-  <p:cSld>
-    <p:spTree>
-      <p:nvGrpSpPr>
-        <p:cNvPr id="1" name="Shape 200"/>
-        <p:cNvGrpSpPr/>
-        <p:nvPr/>
-      </p:nvGrpSpPr>
-      <p:grpSpPr>
-        <a:xfrm>
-          <a:off x="0" y="0"/>
-          <a:ext cx="0" cy="0"/>
-          <a:chOff x="0" y="0"/>
-          <a:chExt cx="0" cy="0"/>
-        </a:xfrm>
-      </p:grpSpPr>
-      <p:sp>
-        <p:nvSpPr>
-          <p:cNvPr id="201" name="Google Shape;201;p24"/>
-          <p:cNvSpPr txBox="1">
-            <a:spLocks noGrp="1"/>
-          </p:cNvSpPr>
-          <p:nvPr>
-            <p:ph type="title"/>
-          </p:nvPr>
-        </p:nvSpPr>
-        <p:spPr>
-          <a:xfrm>
-            <a:off x="1297500" y="393750"/>
-            <a:ext cx="7038900" cy="914100"/>
-          </a:xfrm>
-          <a:prstGeom prst="rect">
-            <a:avLst/>
-          </a:prstGeom>
-        </p:spPr>
-        <p:txBody>
-          <a:bodyPr spcFirstLastPara="1" wrap="square" lIns="91425" tIns="91425" rIns="91425" bIns="91425" anchor="t" anchorCtr="0">
-            <a:normAutofit/>
-          </a:bodyPr>
-          <a:lstStyle/>
-          <a:p>
-            <a:pPr marL="0" lvl="0" indent="0" algn="l" rtl="0">
-              <a:spcBef>
-                <a:spcPts val="0"/>
-              </a:spcBef>
-              <a:spcAft>
-                <a:spcPts val="0"/>
-              </a:spcAft>
-              <a:buNone/>
-            </a:pPr>
-            <a:r>
-              <a:rPr lang="iw">
-                <a:latin typeface="Montserrat" pitchFamily="2" charset="77"/>
-              </a:rPr>
-              <a:t>Assumptions</a:t>
-            </a:r>
-            <a:endParaRPr>
-              <a:latin typeface="Montserrat" pitchFamily="2" charset="77"/>
-            </a:endParaRPr>
-          </a:p>
-          <a:p>
-            <a:pPr marL="0" lvl="0" indent="0" algn="l" rtl="0">
-              <a:spcBef>
-                <a:spcPts val="0"/>
-              </a:spcBef>
-              <a:spcAft>
-                <a:spcPts val="0"/>
-              </a:spcAft>
-              <a:buNone/>
-            </a:pPr>
-            <a:endParaRPr>
-              <a:latin typeface="Montserrat" pitchFamily="2" charset="77"/>
-            </a:endParaRPr>
-          </a:p>
-          <a:p>
-            <a:pPr marL="0" lvl="0" indent="0" algn="l" rtl="0">
-              <a:spcBef>
-                <a:spcPts val="0"/>
-              </a:spcBef>
-              <a:spcAft>
-                <a:spcPts val="0"/>
-              </a:spcAft>
-              <a:buNone/>
-            </a:pPr>
-            <a:endParaRPr>
-              <a:latin typeface="Montserrat" pitchFamily="2" charset="77"/>
-            </a:endParaRPr>
-          </a:p>
-        </p:txBody>
-      </p:sp>
-      <p:sp>
-        <p:nvSpPr>
-          <p:cNvPr id="202" name="Google Shape;202;p24"/>
-          <p:cNvSpPr txBox="1">
-            <a:spLocks noGrp="1"/>
-          </p:cNvSpPr>
-          <p:nvPr>
-            <p:ph type="body" idx="1"/>
-          </p:nvPr>
-        </p:nvSpPr>
-        <p:spPr>
-          <a:xfrm>
-            <a:off x="1297500" y="1567550"/>
-            <a:ext cx="7038900" cy="2911200"/>
-          </a:xfrm>
-          <a:prstGeom prst="rect">
-            <a:avLst/>
-          </a:prstGeom>
-        </p:spPr>
-        <p:txBody>
-          <a:bodyPr spcFirstLastPara="1" wrap="square" lIns="91425" tIns="91425" rIns="91425" bIns="91425" anchor="t" anchorCtr="0">
-            <a:normAutofit/>
-          </a:bodyPr>
-          <a:lstStyle/>
-          <a:p>
-            <a:pPr marL="0" lvl="0" indent="0" algn="r" rtl="0">
-              <a:spcBef>
-                <a:spcPts val="0"/>
-              </a:spcBef>
-              <a:spcAft>
-                <a:spcPts val="0"/>
-              </a:spcAft>
-              <a:buNone/>
-            </a:pPr>
-            <a:r>
-              <a:rPr lang="he-IL" sz="1120" dirty="0">
-                <a:latin typeface="Montserrat" pitchFamily="2" charset="77"/>
-              </a:rPr>
-              <a:t>עשינו מספר הנחות כדי להשלים את המשימה של זיהוי תוכנות זדוניות באנדרואיד, כמו הנחה שמערך הנתונים היה מייצג, מסומן כהלכה, התכונות היו רלוונטיות ואינפורמטיביות, ואלגוריתמי ה-</a:t>
-            </a:r>
-            <a:r>
-              <a:rPr lang="en-US" sz="1120" dirty="0">
-                <a:latin typeface="Montserrat" pitchFamily="2" charset="77"/>
-              </a:rPr>
-              <a:t>ML </a:t>
-            </a:r>
-            <a:r>
-              <a:rPr lang="he-IL" sz="1120" dirty="0">
-                <a:latin typeface="Montserrat" pitchFamily="2" charset="77"/>
-              </a:rPr>
-              <a:t>שבהם נעשה שימוש מתאימים. עם זאת, ייתכן שהנחות אלו אינן נכונות ועלולות להוביל למודלים לא מדויקים.</a:t>
-            </a:r>
-            <a:endParaRPr lang="en-US" sz="1120" dirty="0">
-              <a:latin typeface="Montserrat" pitchFamily="2" charset="77"/>
-            </a:endParaRPr>
-          </a:p>
-        </p:txBody>
-      </p:sp>
-    </p:spTree>
-  </p:cSld>
-  <p:clrMapOvr>
-    <a:masterClrMapping/>
-  </p:clrMapOvr>
-</p:sld>
-</file>
-
-<file path=ppt/slides/slide12.xml><?xml version="1.0" encoding="utf-8"?>
-<p:sld xmlns:a="http://schemas.openxmlformats.org/drawingml/2006/main" xmlns:r="http://schemas.openxmlformats.org/officeDocument/2006/relationships" xmlns:p="http://schemas.openxmlformats.org/presentationml/2006/main">
-  <p:cSld>
-    <p:spTree>
-      <p:nvGrpSpPr>
-        <p:cNvPr id="1" name="Shape 206"/>
-        <p:cNvGrpSpPr/>
-        <p:nvPr/>
-      </p:nvGrpSpPr>
-      <p:grpSpPr>
-        <a:xfrm>
-          <a:off x="0" y="0"/>
-          <a:ext cx="0" cy="0"/>
-          <a:chOff x="0" y="0"/>
-          <a:chExt cx="0" cy="0"/>
-        </a:xfrm>
-      </p:grpSpPr>
-      <p:sp>
-        <p:nvSpPr>
-          <p:cNvPr id="207" name="Google Shape;207;p25"/>
-          <p:cNvSpPr txBox="1">
-            <a:spLocks noGrp="1"/>
-          </p:cNvSpPr>
-          <p:nvPr>
-            <p:ph type="title"/>
-          </p:nvPr>
-        </p:nvSpPr>
-        <p:spPr>
-          <a:xfrm>
-            <a:off x="1297500" y="393750"/>
-            <a:ext cx="7038900" cy="914100"/>
-          </a:xfrm>
-          <a:prstGeom prst="rect">
-            <a:avLst/>
-          </a:prstGeom>
-        </p:spPr>
-        <p:txBody>
-          <a:bodyPr spcFirstLastPara="1" wrap="square" lIns="91425" tIns="91425" rIns="91425" bIns="91425" anchor="t" anchorCtr="0">
-            <a:normAutofit/>
-          </a:bodyPr>
-          <a:lstStyle/>
-          <a:p>
-            <a:pPr marL="0" lvl="0" indent="0" algn="l" rtl="0">
-              <a:spcBef>
-                <a:spcPts val="0"/>
-              </a:spcBef>
-              <a:spcAft>
-                <a:spcPts val="0"/>
-              </a:spcAft>
-              <a:buNone/>
-            </a:pPr>
-            <a:r>
-              <a:rPr lang="iw">
-                <a:latin typeface="Montserrat" pitchFamily="2" charset="77"/>
-              </a:rPr>
-              <a:t>links</a:t>
-            </a:r>
-            <a:endParaRPr>
-              <a:latin typeface="Montserrat" pitchFamily="2" charset="77"/>
-            </a:endParaRPr>
-          </a:p>
-          <a:p>
-            <a:pPr marL="0" lvl="0" indent="0" algn="l" rtl="0">
-              <a:spcBef>
-                <a:spcPts val="0"/>
-              </a:spcBef>
-              <a:spcAft>
-                <a:spcPts val="0"/>
-              </a:spcAft>
-              <a:buNone/>
-            </a:pPr>
-            <a:endParaRPr>
-              <a:latin typeface="Montserrat" pitchFamily="2" charset="77"/>
-            </a:endParaRPr>
-          </a:p>
-          <a:p>
-            <a:pPr marL="0" lvl="0" indent="0" algn="l" rtl="0">
-              <a:spcBef>
-                <a:spcPts val="0"/>
-              </a:spcBef>
-              <a:spcAft>
-                <a:spcPts val="0"/>
-              </a:spcAft>
-              <a:buNone/>
-            </a:pPr>
-            <a:endParaRPr>
-              <a:latin typeface="Montserrat" pitchFamily="2" charset="77"/>
-            </a:endParaRPr>
-          </a:p>
-        </p:txBody>
-      </p:sp>
-      <p:sp>
-        <p:nvSpPr>
-          <p:cNvPr id="208" name="Google Shape;208;p25"/>
-          <p:cNvSpPr txBox="1">
-            <a:spLocks noGrp="1"/>
-          </p:cNvSpPr>
-          <p:nvPr>
-            <p:ph type="body" idx="1"/>
-          </p:nvPr>
-        </p:nvSpPr>
-        <p:spPr>
-          <a:xfrm>
-            <a:off x="1297500" y="1567550"/>
-            <a:ext cx="7038900" cy="2911200"/>
-          </a:xfrm>
-          <a:prstGeom prst="rect">
-            <a:avLst/>
-          </a:prstGeom>
-        </p:spPr>
-        <p:txBody>
-          <a:bodyPr spcFirstLastPara="1" wrap="square" lIns="91425" tIns="91425" rIns="91425" bIns="91425" anchor="t" anchorCtr="0">
-            <a:normAutofit/>
-          </a:bodyPr>
-          <a:lstStyle/>
-          <a:p>
-            <a:pPr marL="0" lvl="0" indent="0" algn="l" rtl="0">
-              <a:spcBef>
-                <a:spcPts val="0"/>
-              </a:spcBef>
-              <a:spcAft>
-                <a:spcPts val="0"/>
-              </a:spcAft>
-              <a:buNone/>
-            </a:pPr>
-            <a:r>
-              <a:rPr lang="iw" sz="1120" dirty="0">
-                <a:latin typeface="Montserrat" pitchFamily="2" charset="77"/>
-                <a:ea typeface="Lato" panose="020F0502020204030203" pitchFamily="34" charset="0"/>
-              </a:rPr>
-              <a:t>github: </a:t>
-            </a:r>
-            <a:r>
-              <a:rPr lang="iw" sz="1120" u="sng" dirty="0">
-                <a:solidFill>
-                  <a:schemeClr val="hlink"/>
-                </a:solidFill>
-                <a:latin typeface="Montserrat" pitchFamily="2" charset="77"/>
-                <a:ea typeface="Lato" panose="020F0502020204030203" pitchFamily="34" charset="0"/>
-                <a:hlinkClick r:id="rId3"/>
-              </a:rPr>
-              <a:t>https://github.com/motidahari/Mobile-Security-ML-Android-Malware-Detection</a:t>
-            </a:r>
-            <a:r>
-              <a:rPr lang="iw" sz="1120" dirty="0">
-                <a:latin typeface="Montserrat" pitchFamily="2" charset="77"/>
-                <a:ea typeface="Lato" panose="020F0502020204030203" pitchFamily="34" charset="0"/>
-              </a:rPr>
-              <a:t> 	 		</a:t>
-            </a:r>
-            <a:endParaRPr sz="1120" dirty="0">
-              <a:latin typeface="Montserrat" pitchFamily="2" charset="77"/>
-              <a:ea typeface="Lato" panose="020F0502020204030203" pitchFamily="34" charset="0"/>
-              <a:cs typeface="Lato" panose="020F0502020204030203" pitchFamily="34" charset="0"/>
-            </a:endParaRPr>
-          </a:p>
-          <a:p>
-            <a:pPr marL="0" lvl="0" indent="0" algn="l" rtl="0">
-              <a:spcBef>
-                <a:spcPts val="1200"/>
-              </a:spcBef>
-              <a:spcAft>
-                <a:spcPts val="0"/>
-              </a:spcAft>
-              <a:buNone/>
-            </a:pPr>
-            <a:r>
-              <a:rPr lang="en-US" sz="1120" dirty="0">
-                <a:latin typeface="Montserrat" pitchFamily="2" charset="77"/>
-                <a:ea typeface="Lato" panose="020F0502020204030203" pitchFamily="34" charset="0"/>
-              </a:rPr>
-              <a:t>dataset: </a:t>
-            </a:r>
-            <a:r>
-              <a:rPr lang="en-US" sz="1120" u="sng" dirty="0">
-                <a:solidFill>
-                  <a:schemeClr val="hlink"/>
-                </a:solidFill>
-                <a:latin typeface="Montserrat" pitchFamily="2" charset="77"/>
-                <a:ea typeface="Lato" panose="020F0502020204030203" pitchFamily="34" charset="0"/>
-                <a:hlinkClick r:id="rId4"/>
-              </a:rPr>
-              <a:t>https://github.com/motidahari/Mobile-Security-ML-Android-Malware-Detection/tree/main/data/apks/result</a:t>
-            </a:r>
-            <a:endParaRPr lang="en-US" sz="1120" b="1" dirty="0">
-              <a:solidFill>
-                <a:srgbClr val="000000"/>
-              </a:solidFill>
-              <a:latin typeface="Montserrat" pitchFamily="2" charset="77"/>
-              <a:ea typeface="Lato" panose="020F0502020204030203" pitchFamily="34" charset="0"/>
-              <a:cs typeface="Lato" panose="020F0502020204030203" pitchFamily="34" charset="0"/>
-              <a:sym typeface="David"/>
-            </a:endParaRPr>
-          </a:p>
-          <a:p>
-            <a:pPr marL="0" lvl="0" indent="0" algn="l" rtl="0">
-              <a:spcBef>
-                <a:spcPts val="1200"/>
-              </a:spcBef>
-              <a:spcAft>
-                <a:spcPts val="0"/>
-              </a:spcAft>
-              <a:buNone/>
-            </a:pPr>
-            <a:r>
-              <a:rPr lang="he-IL" sz="1120" dirty="0" err="1">
-                <a:latin typeface="Montserrat" pitchFamily="2" charset="77"/>
-                <a:ea typeface="Lato" panose="020F0502020204030203" pitchFamily="34" charset="0"/>
-              </a:rPr>
-              <a:t>result</a:t>
-            </a:r>
-            <a:r>
-              <a:rPr lang="he-IL" sz="1120" dirty="0">
-                <a:latin typeface="Montserrat" pitchFamily="2" charset="77"/>
-                <a:ea typeface="Lato" panose="020F0502020204030203" pitchFamily="34" charset="0"/>
-              </a:rPr>
-              <a:t> </a:t>
-            </a:r>
-            <a:r>
-              <a:rPr lang="en-US" sz="1120" dirty="0">
-                <a:latin typeface="Montserrat" pitchFamily="2" charset="77"/>
-                <a:ea typeface="Lato" panose="020F0502020204030203" pitchFamily="34" charset="0"/>
-              </a:rPr>
-              <a:t>algorithms: </a:t>
-            </a:r>
-            <a:r>
-              <a:rPr lang="en-US" sz="1120" dirty="0">
-                <a:latin typeface="Montserrat" pitchFamily="2" charset="77"/>
-                <a:ea typeface="Lato" panose="020F0502020204030203" pitchFamily="34" charset="0"/>
-                <a:hlinkClick r:id="rId5"/>
-              </a:rPr>
-              <a:t>https://github.com/motidahari/Mobile-Security-ML-Android-Malware-Detection-Machine-learning-course/blob/main/data/apks/result/</a:t>
-            </a:r>
-            <a:r>
-              <a:rPr lang="en-US" sz="1120" dirty="0" err="1">
-                <a:latin typeface="Montserrat" pitchFamily="2" charset="77"/>
-                <a:ea typeface="Lato" panose="020F0502020204030203" pitchFamily="34" charset="0"/>
-                <a:hlinkClick r:id="rId5"/>
-              </a:rPr>
-              <a:t>bestValuesForAlgoritems.jso</a:t>
-            </a:r>
-            <a:r>
-              <a:rPr lang="en-US" sz="1120" dirty="0" err="1">
-                <a:latin typeface="Montserrat" pitchFamily="2" charset="77"/>
-                <a:ea typeface="Lato" panose="020F0502020204030203" pitchFamily="34" charset="0"/>
-                <a:hlinkClick r:id="rId5"/>
-              </a:rPr>
-              <a:t>n</a:t>
-            </a:r>
-            <a:endParaRPr lang="he-IL" sz="1120" u="sng" dirty="0">
-              <a:solidFill>
-                <a:schemeClr val="hlink"/>
-              </a:solidFill>
-              <a:latin typeface="Montserrat" pitchFamily="2" charset="77"/>
-              <a:ea typeface="Lato" panose="020F0502020204030203" pitchFamily="34" charset="0"/>
-            </a:endParaRPr>
-          </a:p>
-          <a:p>
-            <a:pPr marL="0" lvl="0" indent="0" algn="l" rtl="0">
-              <a:spcBef>
-                <a:spcPts val="1200"/>
-              </a:spcBef>
-              <a:spcAft>
-                <a:spcPts val="0"/>
-              </a:spcAft>
-              <a:buNone/>
-            </a:pPr>
-            <a:r>
-              <a:rPr lang="en-US" sz="1120" dirty="0">
-                <a:solidFill>
-                  <a:srgbClr val="000000"/>
-                </a:solidFill>
-                <a:latin typeface="Montserrat" pitchFamily="2" charset="77"/>
-                <a:ea typeface="Lato" panose="020F0502020204030203" pitchFamily="34" charset="0"/>
-                <a:cs typeface="Arial"/>
-                <a:sym typeface="Arial"/>
-              </a:rPr>
-              <a:t>					</a:t>
-            </a:r>
-            <a:endParaRPr lang="en-US" sz="1120" dirty="0">
-              <a:solidFill>
-                <a:srgbClr val="000000"/>
-              </a:solidFill>
-              <a:latin typeface="Montserrat" pitchFamily="2" charset="77"/>
-              <a:ea typeface="Lato" panose="020F0502020204030203" pitchFamily="34" charset="0"/>
-              <a:cs typeface="Lato" panose="020F0502020204030203" pitchFamily="34" charset="0"/>
-              <a:sym typeface="Arial"/>
-            </a:endParaRPr>
-          </a:p>
-          <a:p>
-            <a:pPr marL="0" lvl="0" indent="0" algn="l" rtl="0">
-              <a:spcBef>
-                <a:spcPts val="0"/>
-              </a:spcBef>
-              <a:spcAft>
-                <a:spcPts val="0"/>
-              </a:spcAft>
-              <a:buNone/>
-            </a:pPr>
-            <a:r>
-              <a:rPr lang="iw" sz="1120" dirty="0">
-                <a:solidFill>
-                  <a:srgbClr val="000000"/>
-                </a:solidFill>
-                <a:latin typeface="Montserrat" pitchFamily="2" charset="77"/>
-                <a:ea typeface="Lato" panose="020F0502020204030203" pitchFamily="34" charset="0"/>
-                <a:cs typeface="Arial"/>
-                <a:sym typeface="Arial"/>
-              </a:rPr>
-              <a:t>				</a:t>
-            </a:r>
-            <a:endParaRPr sz="1120" dirty="0">
-              <a:solidFill>
-                <a:srgbClr val="000000"/>
-              </a:solidFill>
-              <a:latin typeface="Montserrat" pitchFamily="2" charset="77"/>
-              <a:ea typeface="Lato" panose="020F0502020204030203" pitchFamily="34" charset="0"/>
-              <a:cs typeface="Lato" panose="020F0502020204030203" pitchFamily="34" charset="0"/>
-              <a:sym typeface="Arial"/>
-            </a:endParaRPr>
-          </a:p>
-          <a:p>
-            <a:pPr marL="0" lvl="0" indent="0" algn="l" rtl="0">
-              <a:spcBef>
-                <a:spcPts val="1200"/>
-              </a:spcBef>
-              <a:spcAft>
-                <a:spcPts val="0"/>
-              </a:spcAft>
-              <a:buNone/>
-            </a:pPr>
-            <a:r>
-              <a:rPr lang="iw" sz="1120" dirty="0">
-                <a:solidFill>
-                  <a:srgbClr val="000000"/>
-                </a:solidFill>
-                <a:latin typeface="Montserrat" pitchFamily="2" charset="77"/>
-                <a:ea typeface="Lato" panose="020F0502020204030203" pitchFamily="34" charset="0"/>
-                <a:cs typeface="Arial"/>
-                <a:sym typeface="Arial"/>
-              </a:rPr>
-              <a:t>			</a:t>
-            </a:r>
-            <a:endParaRPr sz="1120" dirty="0">
-              <a:solidFill>
-                <a:srgbClr val="000000"/>
-              </a:solidFill>
-              <a:latin typeface="Montserrat" pitchFamily="2" charset="77"/>
-              <a:ea typeface="Lato" panose="020F0502020204030203" pitchFamily="34" charset="0"/>
-              <a:cs typeface="Lato" panose="020F0502020204030203" pitchFamily="34" charset="0"/>
-              <a:sym typeface="Arial"/>
-            </a:endParaRPr>
-          </a:p>
-          <a:p>
-            <a:pPr marL="0" lvl="0" indent="0" algn="l" rtl="0">
-              <a:spcBef>
-                <a:spcPts val="1200"/>
-              </a:spcBef>
-              <a:spcAft>
-                <a:spcPts val="0"/>
-              </a:spcAft>
-              <a:buNone/>
-            </a:pPr>
-            <a:r>
-              <a:rPr lang="iw" sz="1120" dirty="0">
-                <a:solidFill>
-                  <a:srgbClr val="000000"/>
-                </a:solidFill>
-                <a:latin typeface="Montserrat" pitchFamily="2" charset="77"/>
-                <a:ea typeface="Lato" panose="020F0502020204030203" pitchFamily="34" charset="0"/>
-                <a:cs typeface="Arial"/>
-                <a:sym typeface="Arial"/>
-              </a:rPr>
-              <a:t>		</a:t>
-            </a:r>
-            <a:endParaRPr sz="1120" dirty="0">
-              <a:solidFill>
-                <a:srgbClr val="000000"/>
-              </a:solidFill>
-              <a:latin typeface="Montserrat" pitchFamily="2" charset="77"/>
-              <a:ea typeface="Lato" panose="020F0502020204030203" pitchFamily="34" charset="0"/>
-              <a:cs typeface="Lato" panose="020F0502020204030203" pitchFamily="34" charset="0"/>
-              <a:sym typeface="Arial"/>
-            </a:endParaRPr>
-          </a:p>
-          <a:p>
-            <a:pPr marL="0" lvl="0" indent="0" algn="l" rtl="0">
-              <a:spcBef>
-                <a:spcPts val="1200"/>
-              </a:spcBef>
-              <a:spcAft>
-                <a:spcPts val="1200"/>
-              </a:spcAft>
-              <a:buNone/>
-            </a:pPr>
-            <a:endParaRPr sz="1120" dirty="0">
-              <a:latin typeface="Montserrat" pitchFamily="2" charset="77"/>
-              <a:ea typeface="Lato" panose="020F0502020204030203" pitchFamily="34" charset="0"/>
-              <a:cs typeface="Lato" panose="020F0502020204030203" pitchFamily="34" charset="0"/>
-            </a:endParaRPr>
-          </a:p>
-        </p:txBody>
-      </p:sp>
-    </p:spTree>
+    <p:extLst>
+      <p:ext uri="{BB962C8B-B14F-4D97-AF65-F5344CB8AC3E}">
+        <p14:creationId xmlns:p14="http://schemas.microsoft.com/office/powerpoint/2010/main" val="3017655696"/>
+      </p:ext>
+    </p:extLst>
   </p:cSld>
   <p:clrMapOvr>
     <a:masterClrMapping/>
@@ -11193,7 +13675,7 @@
           </a:bodyPr>
           <a:lstStyle/>
           <a:p>
-            <a:pPr marL="0" lvl="0" indent="0" algn="l" rtl="0">
+            <a:pPr marL="0" lvl="0" indent="0" algn="ctr" rtl="0">
               <a:spcBef>
                 <a:spcPts val="0"/>
               </a:spcBef>
@@ -11203,19 +13685,15 @@
               <a:buNone/>
             </a:pPr>
             <a:r>
-              <a:rPr lang="en-US" dirty="0">
-                <a:latin typeface="Montserrat" pitchFamily="2" charset="77"/>
-              </a:rPr>
-              <a:t>I</a:t>
-            </a:r>
-            <a:r>
-              <a:rPr lang="iw" dirty="0">
-                <a:latin typeface="Montserrat" pitchFamily="2" charset="77"/>
-              </a:rPr>
-              <a:t>ntroduction</a:t>
-            </a:r>
-            <a:endParaRPr dirty="0">
-              <a:latin typeface="Montserrat" pitchFamily="2" charset="77"/>
+              <a:rPr lang="he-IL" b="1" i="1" dirty="0">
+                <a:latin typeface="Miriam" panose="020B0502050101010101" pitchFamily="34" charset="-79"/>
+                <a:cs typeface="Miriam" panose="020B0502050101010101" pitchFamily="34" charset="-79"/>
+              </a:rPr>
+              <a:t>הקדמה</a:t>
+            </a:r>
+            <a:endParaRPr b="1" i="1" dirty="0">
+              <a:latin typeface="Miriam" panose="020B0502050101010101" pitchFamily="34" charset="-79"/>
+              <a:cs typeface="Miriam" panose="020B0502050101010101" pitchFamily="34" charset="-79"/>
             </a:endParaRPr>
           </a:p>
         </p:txBody>
@@ -11232,8 +13710,8 @@
         </p:nvSpPr>
         <p:spPr>
           <a:xfrm>
-            <a:off x="1297500" y="1567550"/>
-            <a:ext cx="7038900" cy="2911200"/>
+            <a:off x="314893" y="1567550"/>
+            <a:ext cx="8465769" cy="2911200"/>
           </a:xfrm>
           <a:prstGeom prst="rect">
             <a:avLst/>
@@ -11245,22 +13723,161 @@
           </a:bodyPr>
           <a:lstStyle/>
           <a:p>
-            <a:pPr marL="0" lvl="0" indent="0" algn="r" rtl="0">
-              <a:spcBef>
-                <a:spcPts val="0"/>
-              </a:spcBef>
+            <a:pPr marL="171450" indent="-171450" algn="r" rtl="1">
               <a:spcAft>
                 <a:spcPts val="1200"/>
               </a:spcAft>
-              <a:buNone/>
             </a:pPr>
             <a:r>
               <a:rPr lang="he-IL" sz="1120" dirty="0">
                 <a:latin typeface="Montserrat" pitchFamily="2" charset="77"/>
               </a:rPr>
-              <a:t>המצגת שלנו מכסה גישה מבוססת למידת מכונה לאיתור תוכנות זדוניות במכשירי אנדרואיד. השתמשנו במערך נתונים של 4591 אפליקציות והכשרנו עליו מודלים שונים. נדון במתודולוגיה, בתוצאות, במדדי הערכה ובתובנות, כמו גם במגבלות וכיוונים עתידיים למחקר זה.</a:t>
-            </a:r>
-            <a:endParaRPr lang="en-US" sz="1120" dirty="0">
+              <a:t>הפרויקט שלנו נועד לסווג אפליקציות אנדרואיד(</a:t>
+            </a:r>
+            <a:r>
+              <a:rPr lang="en-US" sz="1120" dirty="0">
+                <a:latin typeface="Montserrat" pitchFamily="2" charset="77"/>
+              </a:rPr>
+              <a:t>APK</a:t>
+            </a:r>
+            <a:r>
+              <a:rPr lang="he-IL" sz="1120" dirty="0">
+                <a:latin typeface="Montserrat" pitchFamily="2" charset="77"/>
+              </a:rPr>
+              <a:t>) כזדוניות או שפריות. השתמשנו במערך נתונים של 4591 אפליקציות והרצנו עליו מודלים שונים של למידת מכונה. </a:t>
+            </a:r>
+          </a:p>
+          <a:p>
+            <a:pPr marL="171450" indent="-171450" algn="r" rtl="1">
+              <a:spcAft>
+                <a:spcPts val="1200"/>
+              </a:spcAft>
+            </a:pPr>
+            <a:r>
+              <a:rPr lang="he-IL" sz="1120" dirty="0">
+                <a:latin typeface="Montserrat" pitchFamily="2" charset="77"/>
+              </a:rPr>
+              <a:t>בעיה זו תופסת תאוצה ותוספת נפח רחב בעולמות אבטחת המידע מכיוון שרוב חברות הטכנולוגיה מביאות פתרונות </a:t>
+            </a:r>
+            <a:r>
+              <a:rPr lang="he-IL" sz="1120" dirty="0" err="1">
+                <a:latin typeface="Montserrat" pitchFamily="2" charset="77"/>
+              </a:rPr>
+              <a:t>וישומים</a:t>
+            </a:r>
+            <a:r>
+              <a:rPr lang="he-IL" sz="1120" dirty="0">
+                <a:latin typeface="Montserrat" pitchFamily="2" charset="77"/>
+              </a:rPr>
+              <a:t> טכנולוגים למשתמשי קצה באמצעות אפליקציות ייעודיות למובייל ואתרים </a:t>
+            </a:r>
+            <a:r>
+              <a:rPr lang="he-IL" sz="1120" dirty="0" err="1">
+                <a:latin typeface="Montserrat" pitchFamily="2" charset="77"/>
+              </a:rPr>
+              <a:t>רספונסיבים</a:t>
+            </a:r>
+            <a:r>
+              <a:rPr lang="he-IL" sz="1120" dirty="0">
+                <a:latin typeface="Montserrat" pitchFamily="2" charset="77"/>
+              </a:rPr>
+              <a:t> ל</a:t>
+            </a:r>
+            <a:r>
+              <a:rPr lang="en-US" sz="1120" dirty="0">
+                <a:latin typeface="Montserrat" pitchFamily="2" charset="77"/>
+              </a:rPr>
+              <a:t>WEB-</a:t>
+            </a:r>
+            <a:r>
+              <a:rPr lang="he-IL" sz="1120" dirty="0">
+                <a:latin typeface="Montserrat" pitchFamily="2" charset="77"/>
+              </a:rPr>
+              <a:t>.</a:t>
+            </a:r>
+          </a:p>
+          <a:p>
+            <a:pPr marL="171450" indent="-171450" algn="r" rtl="1">
+              <a:spcAft>
+                <a:spcPts val="1200"/>
+              </a:spcAft>
+            </a:pPr>
+            <a:r>
+              <a:rPr lang="he-IL" sz="1120" dirty="0">
+                <a:latin typeface="Montserrat" pitchFamily="2" charset="77"/>
+              </a:rPr>
+              <a:t> המאגר מכיל בסה"כ 4591 אפליקציות, מתוכם 1652 מסווגות כידידותיות 2939 זדוניות. </a:t>
+            </a:r>
+          </a:p>
+          <a:p>
+            <a:pPr marL="171450" indent="-171450" algn="r" rtl="1">
+              <a:spcAft>
+                <a:spcPts val="1200"/>
+              </a:spcAft>
+            </a:pPr>
+            <a:r>
+              <a:rPr lang="he-IL" sz="1120" dirty="0">
+                <a:latin typeface="Montserrat" pitchFamily="2" charset="77"/>
+              </a:rPr>
+              <a:t> לכל </a:t>
+            </a:r>
+            <a:r>
+              <a:rPr lang="he-IL" sz="1120" dirty="0" err="1">
+                <a:latin typeface="Montserrat" pitchFamily="2" charset="77"/>
+              </a:rPr>
+              <a:t>אפליקצייה</a:t>
+            </a:r>
+            <a:r>
+              <a:rPr lang="he-IL" sz="1120" dirty="0">
+                <a:latin typeface="Montserrat" pitchFamily="2" charset="77"/>
+              </a:rPr>
+              <a:t> מכילה 22,383 רשומות של פיצ'רים </a:t>
+            </a:r>
+            <a:r>
+              <a:rPr lang="he-IL" sz="1120" dirty="0" err="1">
+                <a:latin typeface="Montserrat" pitchFamily="2" charset="77"/>
+              </a:rPr>
+              <a:t>בינארים</a:t>
+            </a:r>
+            <a:r>
+              <a:rPr lang="he-IL" sz="1120" dirty="0">
+                <a:latin typeface="Montserrat" pitchFamily="2" charset="77"/>
+              </a:rPr>
+              <a:t> כאשר 1 מייצג </a:t>
+            </a:r>
+            <a:r>
+              <a:rPr lang="he-IL" sz="1120" dirty="0" err="1">
+                <a:latin typeface="Montserrat" pitchFamily="2" charset="77"/>
+              </a:rPr>
+              <a:t>שהאפליקצייה</a:t>
+            </a:r>
+            <a:r>
+              <a:rPr lang="he-IL" sz="1120" dirty="0">
+                <a:latin typeface="Montserrat" pitchFamily="2" charset="77"/>
+              </a:rPr>
+              <a:t> מכילה את הפיצ'ר הנתון, אחרת 0.</a:t>
+            </a:r>
+          </a:p>
+          <a:p>
+            <a:pPr marL="171450" indent="-171450" algn="r" rtl="1">
+              <a:spcAft>
+                <a:spcPts val="1200"/>
+              </a:spcAft>
+            </a:pPr>
+            <a:r>
+              <a:rPr lang="he-IL" sz="1120" dirty="0">
+                <a:latin typeface="Montserrat" pitchFamily="2" charset="77"/>
+              </a:rPr>
+              <a:t>במהלך בניית הפרויקט התמודדנו עם שלל בעיות בכדי לדעת את האפליקציות כזדוניות או ידידותיות שיפורטו בהמשך.</a:t>
+            </a:r>
+          </a:p>
+          <a:p>
+            <a:pPr marL="171450" indent="-171450" algn="r" rtl="1">
+              <a:spcAft>
+                <a:spcPts val="1200"/>
+              </a:spcAft>
+            </a:pPr>
+            <a:endParaRPr lang="he-IL" sz="1120" dirty="0">
               <a:latin typeface="Montserrat" pitchFamily="2" charset="77"/>
             </a:endParaRPr>
           </a:p>
@@ -11279,7 +13896,7 @@
   <p:cSld>
     <p:spTree>
       <p:nvGrpSpPr>
-        <p:cNvPr id="1" name="Shape 146"/>
+        <p:cNvPr id="1" name="Shape 140"/>
         <p:cNvGrpSpPr/>
         <p:nvPr/>
       </p:nvGrpSpPr>
@@ -11293,7 +13910,7 @@
       </p:grpSpPr>
       <p:sp>
         <p:nvSpPr>
-          <p:cNvPr id="147" name="Google Shape;147;p15"/>
+          <p:cNvPr id="141" name="Google Shape;141;p14"/>
           <p:cNvSpPr txBox="1">
             <a:spLocks noGrp="1"/>
           </p:cNvSpPr>
@@ -11316,7 +13933,7 @@
           </a:bodyPr>
           <a:lstStyle/>
           <a:p>
-            <a:pPr marL="0" lvl="0" indent="0" algn="l" rtl="0">
+            <a:pPr marL="0" lvl="0" indent="0" algn="ctr" rtl="0">
               <a:spcBef>
                 <a:spcPts val="0"/>
               </a:spcBef>
@@ -11326,20 +13943,22 @@
               <a:buNone/>
             </a:pPr>
             <a:r>
-              <a:rPr lang="iw" dirty="0">
-                <a:latin typeface="Montserrat" pitchFamily="2" charset="77"/>
-              </a:rPr>
-              <a:t>Description of the dataset</a:t>
-            </a:r>
-            <a:endParaRPr dirty="0">
-              <a:latin typeface="Montserrat" pitchFamily="2" charset="77"/>
+              <a:rPr lang="he-IL" b="1" i="1" dirty="0">
+                <a:latin typeface="Miriam" panose="020B0502050101010101" pitchFamily="34" charset="-79"/>
+                <a:cs typeface="Miriam" panose="020B0502050101010101" pitchFamily="34" charset="-79"/>
+              </a:rPr>
+              <a:t>תיאור המאגר</a:t>
+            </a:r>
+            <a:endParaRPr b="1" i="1" dirty="0">
+              <a:latin typeface="Miriam" panose="020B0502050101010101" pitchFamily="34" charset="-79"/>
+              <a:cs typeface="Miriam" panose="020B0502050101010101" pitchFamily="34" charset="-79"/>
             </a:endParaRPr>
           </a:p>
         </p:txBody>
       </p:sp>
       <p:sp>
         <p:nvSpPr>
-          <p:cNvPr id="148" name="Google Shape;148;p15"/>
+          <p:cNvPr id="142" name="Google Shape;142;p14"/>
           <p:cNvSpPr txBox="1">
             <a:spLocks noGrp="1"/>
           </p:cNvSpPr>
@@ -11349,8 +13968,8 @@
         </p:nvSpPr>
         <p:spPr>
           <a:xfrm>
-            <a:off x="506626" y="978750"/>
-            <a:ext cx="8513805" cy="3889811"/>
+            <a:off x="314893" y="1441240"/>
+            <a:ext cx="8465769" cy="3621266"/>
           </a:xfrm>
           <a:prstGeom prst="rect">
             <a:avLst/>
@@ -11358,262 +13977,248 @@
         </p:spPr>
         <p:txBody>
           <a:bodyPr spcFirstLastPara="1" wrap="square" lIns="91425" tIns="91425" rIns="91425" bIns="91425" anchor="t" anchorCtr="0">
-            <a:noAutofit/>
+            <a:normAutofit/>
           </a:bodyPr>
           <a:lstStyle/>
           <a:p>
-            <a:pPr marL="0" lvl="0" indent="0" algn="r" rtl="0">
-              <a:spcBef>
-                <a:spcPts val="0"/>
-              </a:spcBef>
+            <a:pPr marL="171450" indent="-171450" algn="r" rtl="1">
               <a:spcAft>
                 <a:spcPts val="1200"/>
               </a:spcAft>
-              <a:buNone/>
             </a:pPr>
             <a:r>
-              <a:rPr lang="he-IL" sz="1150" dirty="0">
-                <a:latin typeface="Montserrat" pitchFamily="2" charset="77"/>
-              </a:rPr>
-              <a:t>בפרויקט זה השתמש במערך נתונים של 4591 אפליקציות, במהלך חילוץ הנתונים נבחרו 1817 אפליקציות, 165 תויגו כזדוניות ו- 1652 כשפירות. </a:t>
+              <a:rPr lang="he-IL" sz="1120" dirty="0">
+                <a:latin typeface="Montserrat" pitchFamily="2" charset="77"/>
+              </a:rPr>
+              <a:t>הרשומות של הפיצ'רים מחולקות ל10 קטגוריות שונות.  כל קטגוריה מכילה פיצ'רים בינאריים שמתארים תכונות שקיימות באפליקציה. הקטגוריות הן:</a:t>
             </a:r>
           </a:p>
           <a:p>
-            <a:pPr marL="0" lvl="0" indent="0" algn="r" rtl="0">
-              <a:spcBef>
-                <a:spcPts val="0"/>
-              </a:spcBef>
+            <a:pPr marL="171450" indent="-171450" algn="r" rtl="1">
               <a:spcAft>
                 <a:spcPts val="1200"/>
               </a:spcAft>
-              <a:buNone/>
             </a:pPr>
             <a:r>
-              <a:rPr lang="he-IL" sz="1150" dirty="0">
-                <a:latin typeface="Montserrat" pitchFamily="2" charset="77"/>
-              </a:rPr>
-              <a:t>לפני העברת המידע למודל חילצנו את הנתונים לתוך קובץ </a:t>
-            </a:r>
-            <a:r>
-              <a:rPr lang="en-US" sz="1150" dirty="0" err="1">
-                <a:latin typeface="Montserrat" pitchFamily="2" charset="77"/>
-              </a:rPr>
-              <a:t>json</a:t>
-            </a:r>
-            <a:r>
-              <a:rPr lang="en-US" sz="1150" dirty="0">
-                <a:latin typeface="Montserrat" pitchFamily="2" charset="77"/>
-              </a:rPr>
-              <a:t>, </a:t>
-            </a:r>
-            <a:r>
-              <a:rPr lang="he-IL" sz="1150" dirty="0">
-                <a:latin typeface="Montserrat" pitchFamily="2" charset="77"/>
-              </a:rPr>
-              <a:t>בנינו מודלים  </a:t>
-            </a:r>
-          </a:p>
-          <a:p>
-            <a:pPr marL="0" lvl="0" indent="0" algn="r" rtl="0">
-              <a:spcBef>
-                <a:spcPts val="0"/>
-              </a:spcBef>
-              <a:spcAft>
-                <a:spcPts val="1200"/>
-              </a:spcAft>
-              <a:buNone/>
-            </a:pPr>
-            <a:r>
-              <a:rPr lang="he-IL" sz="1150" dirty="0">
-                <a:latin typeface="Montserrat" pitchFamily="2" charset="77"/>
-              </a:rPr>
-              <a:t> שוני של למידת מכונה כמו:</a:t>
-            </a:r>
-          </a:p>
-          <a:p>
-            <a:pPr marL="0" lvl="0" indent="0" algn="r" rtl="0">
-              <a:spcBef>
-                <a:spcPts val="0"/>
-              </a:spcBef>
-              <a:spcAft>
-                <a:spcPts val="1200"/>
-              </a:spcAft>
-              <a:buNone/>
-            </a:pPr>
-            <a:r>
-              <a:rPr lang="en-US" sz="1150" dirty="0">
-                <a:latin typeface="Montserrat" pitchFamily="2" charset="77"/>
-              </a:rPr>
-              <a:t>SVM </a:t>
-            </a:r>
-            <a:r>
-              <a:rPr lang="he-IL" sz="1150" dirty="0">
-                <a:latin typeface="Montserrat" pitchFamily="2" charset="77"/>
-              </a:rPr>
-              <a:t>עם ליבה לינארית</a:t>
-            </a:r>
-          </a:p>
-          <a:p>
-            <a:pPr marL="0" lvl="0" indent="0" algn="r" rtl="0">
-              <a:spcBef>
-                <a:spcPts val="0"/>
-              </a:spcBef>
-              <a:spcAft>
-                <a:spcPts val="1200"/>
-              </a:spcAft>
-              <a:buNone/>
-            </a:pPr>
-            <a:r>
-              <a:rPr lang="en-US" sz="1150" dirty="0">
-                <a:latin typeface="Montserrat" pitchFamily="2" charset="77"/>
-              </a:rPr>
-              <a:t>Logistic Regression</a:t>
-            </a:r>
-          </a:p>
-          <a:p>
-            <a:pPr marL="0" lvl="0" indent="0" algn="r" rtl="0">
-              <a:spcBef>
-                <a:spcPts val="0"/>
-              </a:spcBef>
-              <a:spcAft>
-                <a:spcPts val="1200"/>
-              </a:spcAft>
-              <a:buNone/>
-            </a:pPr>
-            <a:r>
-              <a:rPr lang="en-US" sz="1150" dirty="0" err="1">
-                <a:latin typeface="Montserrat" pitchFamily="2" charset="77"/>
-              </a:rPr>
-              <a:t>GradientBoostingClassifier</a:t>
-            </a:r>
-            <a:endParaRPr lang="en-US" sz="1150" dirty="0">
+              <a:rPr lang="en-US" sz="1120" b="1" u="sng" dirty="0">
+                <a:latin typeface="Montserrat" pitchFamily="2" charset="77"/>
+              </a:rPr>
+              <a:t>Sha256</a:t>
+            </a:r>
+            <a:r>
+              <a:rPr lang="he-IL" sz="1120" b="1" u="sng" dirty="0">
+                <a:latin typeface="Montserrat" pitchFamily="2" charset="77"/>
+              </a:rPr>
+              <a:t>-  </a:t>
+            </a:r>
+            <a:r>
+              <a:rPr lang="he-IL" sz="1120" dirty="0">
+                <a:latin typeface="Montserrat" pitchFamily="2" charset="77"/>
+              </a:rPr>
+              <a:t>פונקציית גיבוב </a:t>
+            </a:r>
+            <a:r>
+              <a:rPr lang="he-IL" sz="1120" dirty="0" err="1">
+                <a:latin typeface="Montserrat" pitchFamily="2" charset="77"/>
+              </a:rPr>
+              <a:t>קריפטוגרפית</a:t>
+            </a:r>
+            <a:r>
+              <a:rPr lang="he-IL" sz="1120" dirty="0">
+                <a:latin typeface="Montserrat" pitchFamily="2" charset="77"/>
+              </a:rPr>
+              <a:t> </a:t>
+            </a:r>
+            <a:r>
+              <a:rPr lang="he-IL" sz="1120" dirty="0" err="1">
+                <a:latin typeface="Montserrat" pitchFamily="2" charset="77"/>
+              </a:rPr>
+              <a:t>המג'נרטת</a:t>
+            </a:r>
+            <a:r>
+              <a:rPr lang="he-IL" sz="1120" dirty="0">
+                <a:latin typeface="Montserrat" pitchFamily="2" charset="77"/>
+              </a:rPr>
+              <a:t> מזהה ייחודי עבור כל אפליקציה שאנחנו מחלצים ממנה מידע של פיצ'רים. המודל לא מקבל את השדה הנ"ל לצורך הלמידה.</a:t>
+            </a:r>
+            <a:endParaRPr lang="en-US" sz="1120" dirty="0">
               <a:latin typeface="Montserrat" pitchFamily="2" charset="77"/>
             </a:endParaRPr>
           </a:p>
           <a:p>
-            <a:pPr marL="0" lvl="0" indent="0" algn="r" rtl="0">
-              <a:spcBef>
-                <a:spcPts val="0"/>
-              </a:spcBef>
+            <a:pPr marL="171450" indent="-171450" algn="r" rtl="1">
               <a:spcAft>
                 <a:spcPts val="1200"/>
               </a:spcAft>
-              <a:buNone/>
             </a:pPr>
             <a:r>
-              <a:rPr lang="en-US" sz="1150" dirty="0" err="1">
-                <a:latin typeface="Montserrat" pitchFamily="2" charset="77"/>
-              </a:rPr>
-              <a:t>DecisionTreeClassifier</a:t>
-            </a:r>
-            <a:endParaRPr lang="en-US" sz="1150" dirty="0">
+              <a:rPr lang="en-US" sz="1120" b="1" u="sng" dirty="0">
+                <a:latin typeface="Montserrat" pitchFamily="2" charset="77"/>
+              </a:rPr>
+              <a:t>Label</a:t>
+            </a:r>
+            <a:r>
+              <a:rPr lang="he-IL" sz="1120" b="1" u="sng" dirty="0">
+                <a:latin typeface="Montserrat" pitchFamily="2" charset="77"/>
+              </a:rPr>
+              <a:t>-  </a:t>
+            </a:r>
+            <a:r>
+              <a:rPr lang="he-IL" sz="1120" b="1" dirty="0">
+                <a:latin typeface="Montserrat" pitchFamily="2" charset="77"/>
+              </a:rPr>
+              <a:t>השדה המייצג לנו האם האפליקציה זדונית או לא.</a:t>
+            </a:r>
+            <a:endParaRPr lang="en-US" sz="1120" b="1" dirty="0">
               <a:latin typeface="Montserrat" pitchFamily="2" charset="77"/>
             </a:endParaRPr>
           </a:p>
           <a:p>
-            <a:pPr marL="0" lvl="0" indent="0" algn="r" rtl="0">
-              <a:spcBef>
-                <a:spcPts val="0"/>
-              </a:spcBef>
+            <a:pPr marL="171450" indent="-171450" algn="r" rtl="1">
               <a:spcAft>
                 <a:spcPts val="1200"/>
               </a:spcAft>
-              <a:buNone/>
             </a:pPr>
             <a:r>
-              <a:rPr lang="en-US" sz="1150" dirty="0" err="1">
-                <a:latin typeface="Montserrat" pitchFamily="2" charset="77"/>
-              </a:rPr>
-              <a:t>KNeighborsClassifier</a:t>
-            </a:r>
-            <a:endParaRPr lang="en-US" sz="1150" dirty="0">
+              <a:rPr lang="en-US" sz="1120" b="1" u="sng" dirty="0">
+                <a:latin typeface="Montserrat" pitchFamily="2" charset="77"/>
+              </a:rPr>
+              <a:t> </a:t>
+            </a:r>
+            <a:r>
+              <a:rPr lang="en-US" sz="1120" b="1" u="sng" dirty="0" err="1">
+                <a:latin typeface="Montserrat" pitchFamily="2" charset="77"/>
+              </a:rPr>
+              <a:t>app_permissions</a:t>
+            </a:r>
+            <a:r>
+              <a:rPr lang="he-IL" sz="1120" b="1" dirty="0">
+                <a:latin typeface="Montserrat" pitchFamily="2" charset="77"/>
+              </a:rPr>
+              <a:t>-  </a:t>
+            </a:r>
+            <a:r>
+              <a:rPr lang="he-IL" sz="1120" dirty="0">
+                <a:latin typeface="Montserrat" pitchFamily="2" charset="77"/>
+              </a:rPr>
+              <a:t>ההרשאות שאפליקציה מבקשת מהמשתמש כשהיא מותקנת במכשיר שלו. דוגמאות להרשאות אפליקציה כוללות גישה למצלמה, למיקרופון או לרשימת אנשי הקשר.</a:t>
+            </a:r>
+            <a:endParaRPr lang="en-US" sz="1120" u="sng" dirty="0">
               <a:latin typeface="Montserrat" pitchFamily="2" charset="77"/>
             </a:endParaRPr>
           </a:p>
           <a:p>
-            <a:pPr marL="0" lvl="0" indent="0" algn="r" rtl="0">
-              <a:spcBef>
-                <a:spcPts val="0"/>
-              </a:spcBef>
+            <a:pPr marL="171450" indent="-171450" algn="r" rtl="1">
               <a:spcAft>
                 <a:spcPts val="1200"/>
               </a:spcAft>
-              <a:buNone/>
             </a:pPr>
             <a:r>
-              <a:rPr lang="he-IL" sz="1150" dirty="0">
-                <a:latin typeface="Montserrat" pitchFamily="2" charset="77"/>
-              </a:rPr>
-              <a:t>מערך הנתונים כלל קטגוריות שונות של </a:t>
-            </a:r>
-            <a:r>
-              <a:rPr lang="he-IL" sz="1150" dirty="0" err="1">
-                <a:latin typeface="Montserrat" pitchFamily="2" charset="77"/>
-              </a:rPr>
-              <a:t>פיצרים</a:t>
-            </a:r>
-            <a:r>
-              <a:rPr lang="he-IL" sz="1150" dirty="0">
-                <a:latin typeface="Montserrat" pitchFamily="2" charset="77"/>
-              </a:rPr>
-              <a:t> מסוגים שונים.</a:t>
-            </a:r>
+              <a:rPr lang="en-US" sz="1120" b="1" u="sng" dirty="0" err="1">
+                <a:latin typeface="Montserrat" pitchFamily="2" charset="77"/>
+              </a:rPr>
+              <a:t>api_permissions</a:t>
+            </a:r>
+            <a:r>
+              <a:rPr lang="he-IL" sz="1120" b="1" u="sng" dirty="0">
+                <a:latin typeface="Montserrat" pitchFamily="2" charset="77"/>
+              </a:rPr>
+              <a:t> </a:t>
+            </a:r>
+            <a:r>
+              <a:rPr lang="he-IL" sz="1120" b="1" dirty="0">
+                <a:latin typeface="Montserrat" pitchFamily="2" charset="77"/>
+              </a:rPr>
+              <a:t> </a:t>
+            </a:r>
+            <a:r>
+              <a:rPr lang="he-IL" sz="1120" dirty="0">
+                <a:latin typeface="Montserrat" pitchFamily="2" charset="77"/>
+              </a:rPr>
+              <a:t>- אלו הן הרשאות שאפליקציה מבקשת לגשת לממשקי </a:t>
+            </a:r>
+            <a:r>
+              <a:rPr lang="en-US" sz="1120" dirty="0">
+                <a:latin typeface="Montserrat" pitchFamily="2" charset="77"/>
+              </a:rPr>
+              <a:t>API </a:t>
+            </a:r>
+            <a:r>
+              <a:rPr lang="he-IL" sz="1120" dirty="0">
+                <a:latin typeface="Montserrat" pitchFamily="2" charset="77"/>
+              </a:rPr>
+              <a:t>שונים (ממשקי תכנות יישומים) המסופקים על ידי מערכת ההפעלה אנדרואיד. דוגמאות להרשאות </a:t>
+            </a:r>
+            <a:r>
+              <a:rPr lang="en-US" sz="1120" dirty="0">
+                <a:latin typeface="Montserrat" pitchFamily="2" charset="77"/>
+              </a:rPr>
+              <a:t> API </a:t>
+            </a:r>
+            <a:r>
+              <a:rPr lang="he-IL" sz="1120" dirty="0">
+                <a:latin typeface="Montserrat" pitchFamily="2" charset="77"/>
+              </a:rPr>
+              <a:t>כוללות את היכולת לגשת למיקום המכשיר, לבצע שיחות טלפון או לשלוח הודעות טקסט.</a:t>
+            </a:r>
+            <a:endParaRPr lang="en-US" sz="1120" u="sng" dirty="0">
+              <a:latin typeface="Montserrat" pitchFamily="2" charset="77"/>
+            </a:endParaRPr>
           </a:p>
           <a:p>
-            <a:pPr marL="0" lvl="0" indent="0" algn="r" rtl="0">
-              <a:spcBef>
-                <a:spcPts val="0"/>
-              </a:spcBef>
+            <a:pPr marL="171450" indent="-171450" algn="r" rtl="1">
               <a:spcAft>
                 <a:spcPts val="1200"/>
               </a:spcAft>
-              <a:buNone/>
             </a:pPr>
             <a:r>
-              <a:rPr lang="he-IL" sz="1150" dirty="0">
-                <a:latin typeface="Montserrat" pitchFamily="2" charset="77"/>
-              </a:rPr>
-              <a:t>המידע שחולץ מהאפליקציות אוחסן בקובץ  </a:t>
-            </a:r>
-            <a:r>
-              <a:rPr lang="en-US" sz="1150" dirty="0">
-                <a:latin typeface="Montserrat" pitchFamily="2" charset="77"/>
-              </a:rPr>
-              <a:t>JSON</a:t>
-            </a:r>
-          </a:p>
-          <a:p>
-            <a:pPr marL="0" lvl="0" indent="0" algn="r" rtl="0">
-              <a:spcBef>
-                <a:spcPts val="0"/>
-              </a:spcBef>
-              <a:spcAft>
-                <a:spcPts val="1200"/>
-              </a:spcAft>
-              <a:buNone/>
-            </a:pPr>
-            <a:r>
-              <a:rPr lang="he-IL" sz="1150" dirty="0">
-                <a:latin typeface="Montserrat" pitchFamily="2" charset="77"/>
-              </a:rPr>
-              <a:t>כל הערכים החסרים מולאו ב-0(</a:t>
-            </a:r>
-            <a:r>
-              <a:rPr lang="he-IL" sz="1150" dirty="0" err="1">
-                <a:latin typeface="Montserrat" pitchFamily="2" charset="77"/>
-              </a:rPr>
-              <a:t>הפיצרים</a:t>
-            </a:r>
-            <a:r>
-              <a:rPr lang="he-IL" sz="1150" dirty="0">
-                <a:latin typeface="Montserrat" pitchFamily="2" charset="77"/>
-              </a:rPr>
-              <a:t>), בנוסף נכתבו פונקציות עזר כדי לחלץ ולארגן את המידע.</a:t>
-            </a:r>
+              <a:rPr lang="en-US" sz="1120" b="1" u="sng" dirty="0" err="1">
+                <a:latin typeface="Montserrat" pitchFamily="2" charset="77"/>
+              </a:rPr>
+              <a:t>api_calls</a:t>
+            </a:r>
+            <a:r>
+              <a:rPr lang="he-IL" sz="1120" b="1" u="sng" dirty="0">
+                <a:latin typeface="Montserrat" pitchFamily="2" charset="77"/>
+              </a:rPr>
+              <a:t> </a:t>
+            </a:r>
+            <a:r>
+              <a:rPr lang="he-IL" sz="1120" u="sng" dirty="0">
+                <a:latin typeface="Montserrat" pitchFamily="2" charset="77"/>
+              </a:rPr>
+              <a:t> </a:t>
+            </a:r>
+            <a:r>
+              <a:rPr lang="he-IL" sz="1120" dirty="0">
+                <a:latin typeface="Montserrat" pitchFamily="2" charset="77"/>
+              </a:rPr>
+              <a:t> - אלו הן פונקציות ה-</a:t>
+            </a:r>
+            <a:r>
+              <a:rPr lang="en-US" sz="1120" dirty="0">
+                <a:latin typeface="Montserrat" pitchFamily="2" charset="77"/>
+              </a:rPr>
+              <a:t>API </a:t>
+            </a:r>
+            <a:r>
+              <a:rPr lang="he-IL" sz="1120" dirty="0">
+                <a:latin typeface="Montserrat" pitchFamily="2" charset="77"/>
+              </a:rPr>
+              <a:t> הספציפיות שאליהן אפליקציה קוראת בזמן ריצה.</a:t>
+            </a:r>
+            <a:endParaRPr lang="en-US" sz="1120" dirty="0">
+              <a:latin typeface="Montserrat" pitchFamily="2" charset="77"/>
+            </a:endParaRPr>
           </a:p>
         </p:txBody>
       </p:sp>
     </p:spTree>
+    <p:extLst>
+      <p:ext uri="{BB962C8B-B14F-4D97-AF65-F5344CB8AC3E}">
+        <p14:creationId xmlns:p14="http://schemas.microsoft.com/office/powerpoint/2010/main" val="3338700465"/>
+      </p:ext>
+    </p:extLst>
   </p:cSld>
   <p:clrMapOvr>
     <a:masterClrMapping/>
@@ -11624,17 +14229,9 @@
 <file path=ppt/slides/slide4.xml><?xml version="1.0" encoding="utf-8"?>
 <p:sld xmlns:a="http://schemas.openxmlformats.org/drawingml/2006/main" xmlns:r="http://schemas.openxmlformats.org/officeDocument/2006/relationships" xmlns:p="http://schemas.openxmlformats.org/presentationml/2006/main">
   <p:cSld>
-    <p:bg>
-      <p:bgPr>
-        <a:solidFill>
-          <a:schemeClr val="dk1"/>
-        </a:solidFill>
-        <a:effectLst/>
-      </p:bgPr>
-    </p:bg>
     <p:spTree>
       <p:nvGrpSpPr>
-        <p:cNvPr id="1" name="Shape 152"/>
+        <p:cNvPr id="1" name="Shape 140"/>
         <p:cNvGrpSpPr/>
         <p:nvPr/>
       </p:nvGrpSpPr>
@@ -11648,128 +14245,7 @@
       </p:grpSpPr>
       <p:sp>
         <p:nvSpPr>
-          <p:cNvPr id="153" name="Google Shape;153;p16"/>
-          <p:cNvSpPr txBox="1">
-            <a:spLocks noGrp="1"/>
-          </p:cNvSpPr>
-          <p:nvPr>
-            <p:ph type="title"/>
-          </p:nvPr>
-        </p:nvSpPr>
-        <p:spPr>
-          <a:prstGeom prst="rect">
-            <a:avLst/>
-          </a:prstGeom>
-        </p:spPr>
-        <p:txBody>
-          <a:bodyPr spcFirstLastPara="1" wrap="square" lIns="91425" tIns="91425" rIns="91425" bIns="91425" anchor="t" anchorCtr="0">
-            <a:normAutofit/>
-          </a:bodyPr>
-          <a:lstStyle/>
-          <a:p>
-            <a:pPr marL="0" lvl="0" indent="0" algn="l" rtl="0">
-              <a:spcBef>
-                <a:spcPts val="0"/>
-              </a:spcBef>
-              <a:spcAft>
-                <a:spcPts val="0"/>
-              </a:spcAft>
-              <a:buNone/>
-            </a:pPr>
-            <a:r>
-              <a:rPr lang="iw" dirty="0">
-                <a:latin typeface="Montserrat" pitchFamily="2" charset="77"/>
-              </a:rPr>
-              <a:t>Pre-processing</a:t>
-            </a:r>
-            <a:endParaRPr dirty="0">
-              <a:latin typeface="Montserrat" pitchFamily="2" charset="77"/>
-            </a:endParaRPr>
-          </a:p>
-        </p:txBody>
-      </p:sp>
-      <p:sp>
-        <p:nvSpPr>
-          <p:cNvPr id="154" name="Google Shape;154;p16"/>
-          <p:cNvSpPr txBox="1">
-            <a:spLocks noGrp="1"/>
-          </p:cNvSpPr>
-          <p:nvPr>
-            <p:ph type="body" idx="1"/>
-          </p:nvPr>
-        </p:nvSpPr>
-        <p:spPr>
-          <a:prstGeom prst="rect">
-            <a:avLst/>
-          </a:prstGeom>
-        </p:spPr>
-        <p:txBody>
-          <a:bodyPr spcFirstLastPara="1" wrap="square" lIns="91425" tIns="91425" rIns="91425" bIns="91425" anchor="t" anchorCtr="0">
-            <a:normAutofit/>
-          </a:bodyPr>
-          <a:lstStyle/>
-          <a:p>
-            <a:pPr marL="0" lvl="0" indent="0" algn="r" rtl="0">
-              <a:spcBef>
-                <a:spcPts val="0"/>
-              </a:spcBef>
-              <a:spcAft>
-                <a:spcPts val="0"/>
-              </a:spcAft>
-              <a:buNone/>
-            </a:pPr>
-            <a:r>
-              <a:rPr lang="he-IL" sz="1120" dirty="0">
-                <a:latin typeface="Montserrat" pitchFamily="2" charset="77"/>
-              </a:rPr>
-              <a:t>עיבדנו מראש את הנתונים כדי להכין אותם לאימון המודל. השלבים כללו ניקוי נתונים, טרנספורמציה, הפחתת </a:t>
-            </a:r>
-            <a:r>
-              <a:rPr lang="he-IL" sz="1120" dirty="0" err="1">
-                <a:latin typeface="Montserrat" pitchFamily="2" charset="77"/>
-              </a:rPr>
-              <a:t>מימד</a:t>
-            </a:r>
-            <a:r>
-              <a:rPr lang="he-IL" sz="1120" dirty="0">
-                <a:latin typeface="Montserrat" pitchFamily="2" charset="77"/>
-              </a:rPr>
-              <a:t> ואיזון מערך הנתונים. זה היה הכרחי כדי להבטיח שהנתונים יהיו באיכות גבוהה וכדי להתגבר על האתגרים הניצבים בפני הפרויקט.</a:t>
-            </a:r>
-            <a:endParaRPr lang="en-US" sz="1120" dirty="0">
-              <a:latin typeface="Montserrat" pitchFamily="2" charset="77"/>
-            </a:endParaRPr>
-          </a:p>
-        </p:txBody>
-      </p:sp>
-    </p:spTree>
-  </p:cSld>
-  <p:clrMapOvr>
-    <a:overrideClrMapping bg1="lt1" tx1="dk1" bg2="dk2" tx2="lt2" accent1="accent1" accent2="accent2" accent3="accent3" accent4="accent4" accent5="accent5" accent6="accent6" hlink="hlink" folHlink="folHlink"/>
-  </p:clrMapOvr>
-</p:sld>
-</file>
-
-<file path=ppt/slides/slide5.xml><?xml version="1.0" encoding="utf-8"?>
-<p:sld xmlns:a="http://schemas.openxmlformats.org/drawingml/2006/main" xmlns:r="http://schemas.openxmlformats.org/officeDocument/2006/relationships" xmlns:p="http://schemas.openxmlformats.org/presentationml/2006/main">
-  <p:cSld>
-    <p:spTree>
-      <p:nvGrpSpPr>
-        <p:cNvPr id="1" name="Shape 152"/>
-        <p:cNvGrpSpPr/>
-        <p:nvPr/>
-      </p:nvGrpSpPr>
-      <p:grpSpPr>
-        <a:xfrm>
-          <a:off x="0" y="0"/>
-          <a:ext cx="0" cy="0"/>
-          <a:chOff x="0" y="0"/>
-          <a:chExt cx="0" cy="0"/>
-        </a:xfrm>
-      </p:grpSpPr>
-      <p:sp>
-        <p:nvSpPr>
-          <p:cNvPr id="153" name="Google Shape;153;p16"/>
+          <p:cNvPr id="141" name="Google Shape;141;p14"/>
           <p:cNvSpPr txBox="1">
             <a:spLocks noGrp="1"/>
           </p:cNvSpPr>
@@ -11792,38 +14268,38 @@
           </a:bodyPr>
           <a:lstStyle/>
           <a:p>
-            <a:pPr marL="0" marR="0" lvl="0" indent="0" algn="l" rtl="1">
-              <a:lnSpc>
-                <a:spcPct val="100000"/>
-              </a:lnSpc>
-              <a:spcBef>
-                <a:spcPts val="0"/>
-              </a:spcBef>
-              <a:spcAft>
-                <a:spcPts val="0"/>
-              </a:spcAft>
-              <a:buClr>
-                <a:schemeClr val="lt1"/>
-              </a:buClr>
-              <a:buSzPts val="2400"/>
-              <a:buFont typeface="Montserrat"/>
+            <a:pPr marL="0" lvl="0" indent="0" algn="ctr" rtl="0">
+              <a:spcBef>
+                <a:spcPts val="0"/>
+              </a:spcBef>
+              <a:spcAft>
+                <a:spcPts val="0"/>
+              </a:spcAft>
               <a:buNone/>
             </a:pPr>
             <a:r>
-              <a:rPr lang="en-US" dirty="0">
-                <a:latin typeface="Montserrat" pitchFamily="2" charset="77"/>
-              </a:rPr>
-              <a:t>Details of the features</a:t>
-            </a:r>
-            <a:endParaRPr dirty="0">
-              <a:latin typeface="Montserrat" pitchFamily="2" charset="77"/>
+              <a:rPr lang="he-IL" b="1" i="1" dirty="0">
+                <a:latin typeface="Miriam" panose="020B0502050101010101" pitchFamily="34" charset="-79"/>
+                <a:cs typeface="Miriam" panose="020B0502050101010101" pitchFamily="34" charset="-79"/>
+              </a:rPr>
+              <a:t>תיאור המאגר</a:t>
+            </a:r>
+            <a:endParaRPr b="1" i="1" dirty="0">
+              <a:latin typeface="Miriam" panose="020B0502050101010101" pitchFamily="34" charset="-79"/>
+              <a:cs typeface="Miriam" panose="020B0502050101010101" pitchFamily="34" charset="-79"/>
             </a:endParaRPr>
           </a:p>
         </p:txBody>
       </p:sp>
       <p:sp>
         <p:nvSpPr>
-          <p:cNvPr id="154" name="Google Shape;154;p16"/>
+          <p:cNvPr id="5" name="Google Shape;142;p14">
+            <a:extLst>
+              <a:ext uri="{FF2B5EF4-FFF2-40B4-BE49-F238E27FC236}">
+                <a16:creationId xmlns:a16="http://schemas.microsoft.com/office/drawing/2014/main" id="{1B142DC3-6CD9-48A5-4760-C2963E451AF6}"/>
+              </a:ext>
+            </a:extLst>
+          </p:cNvPr>
           <p:cNvSpPr txBox="1">
             <a:spLocks noGrp="1"/>
           </p:cNvSpPr>
@@ -11833,8 +14309,8 @@
         </p:nvSpPr>
         <p:spPr>
           <a:xfrm>
-            <a:off x="1297500" y="1567550"/>
-            <a:ext cx="7038900" cy="2505047"/>
+            <a:off x="314893" y="1750077"/>
+            <a:ext cx="8465769" cy="3312429"/>
           </a:xfrm>
           <a:prstGeom prst="rect">
             <a:avLst/>
@@ -11842,156 +14318,355 @@
         </p:spPr>
         <p:txBody>
           <a:bodyPr spcFirstLastPara="1" wrap="square" lIns="91425" tIns="91425" rIns="91425" bIns="91425" anchor="t" anchorCtr="0">
-            <a:noAutofit/>
+            <a:normAutofit/>
           </a:bodyPr>
           <a:lstStyle/>
           <a:p>
-            <a:pPr marL="0" lvl="0" indent="0" algn="r" rtl="0">
-              <a:spcBef>
-                <a:spcPts val="0"/>
-              </a:spcBef>
-              <a:spcAft>
-                <a:spcPts val="0"/>
-              </a:spcAft>
-              <a:buNone/>
+            <a:pPr marL="171450" indent="-171450" algn="r" rtl="1">
+              <a:spcAft>
+                <a:spcPts val="1200"/>
+              </a:spcAft>
             </a:pPr>
             <a:r>
-              <a:rPr lang="he-IL" sz="1120" b="0" i="0" dirty="0">
-                <a:solidFill>
-                  <a:srgbClr val="D1D5DB"/>
-                </a:solidFill>
-                <a:effectLst/>
-                <a:latin typeface="Montserrat" pitchFamily="2" charset="77"/>
-                <a:ea typeface="Lato" panose="020F0502020204030203" pitchFamily="34" charset="0"/>
-                <a:cs typeface="Lato" panose="020F0502020204030203" pitchFamily="34" charset="0"/>
-              </a:rPr>
-              <a:t>פרויקט זה חילץ תכונות שונות ממערך הנתונים של אפליקציות אנדרואיד:</a:t>
-            </a:r>
-            <a:endParaRPr lang="en-US" sz="1120" dirty="0">
-              <a:solidFill>
-                <a:srgbClr val="D1D5DB"/>
-              </a:solidFill>
+              <a:rPr lang="en-US" sz="1120" b="1" u="sng" dirty="0">
+                <a:latin typeface="Montserrat" pitchFamily="2" charset="77"/>
+              </a:rPr>
+              <a:t>Activities</a:t>
+            </a:r>
+            <a:r>
+              <a:rPr lang="he-IL" sz="1120" b="1" u="sng" dirty="0">
+                <a:latin typeface="Montserrat" pitchFamily="2" charset="77"/>
+              </a:rPr>
+              <a:t>- </a:t>
+            </a:r>
+            <a:r>
+              <a:rPr lang="he-IL" sz="1120" b="1" dirty="0">
+                <a:latin typeface="Montserrat" pitchFamily="2" charset="77"/>
+              </a:rPr>
+              <a:t> </a:t>
+            </a:r>
+            <a:r>
+              <a:rPr lang="he-IL" sz="1120" dirty="0">
+                <a:latin typeface="Montserrat" pitchFamily="2" charset="77"/>
+              </a:rPr>
+              <a:t>אלו הם המסכים או רכיבי ממשק המשתמש המרכיבים אפליקציה עבור משתמשי הקצה. לדוג': </a:t>
+            </a:r>
+            <a:endParaRPr lang="en-US" sz="1120" u="sng" dirty="0">
               <a:latin typeface="Montserrat" pitchFamily="2" charset="77"/>
-              <a:ea typeface="Lato" panose="020F0502020204030203" pitchFamily="34" charset="0"/>
-              <a:cs typeface="Lato" panose="020F0502020204030203" pitchFamily="34" charset="0"/>
             </a:endParaRPr>
           </a:p>
           <a:p>
-            <a:pPr marL="0" lvl="0" indent="0" algn="r" rtl="0">
-              <a:spcBef>
-                <a:spcPts val="0"/>
-              </a:spcBef>
-              <a:spcAft>
-                <a:spcPts val="0"/>
-              </a:spcAft>
-              <a:buNone/>
+            <a:pPr marL="171450" indent="-171450" algn="r" rtl="1">
+              <a:spcAft>
+                <a:spcPts val="1200"/>
+              </a:spcAft>
             </a:pPr>
-            <a:endParaRPr lang="en-US" sz="1120" b="0" i="0" dirty="0">
-              <a:solidFill>
-                <a:srgbClr val="D1D5DB"/>
-              </a:solidFill>
-              <a:effectLst/>
+            <a:r>
+              <a:rPr lang="en-US" sz="1120" b="1" u="sng" dirty="0" err="1">
+                <a:latin typeface="Montserrat" pitchFamily="2" charset="77"/>
+              </a:rPr>
+              <a:t>s_and_r</a:t>
+            </a:r>
+            <a:r>
+              <a:rPr lang="he-IL" sz="1120" b="1" u="sng" dirty="0">
+                <a:latin typeface="Montserrat" pitchFamily="2" charset="77"/>
+              </a:rPr>
+              <a:t> </a:t>
+            </a:r>
+            <a:r>
+              <a:rPr lang="he-IL" sz="1120" u="sng" dirty="0">
+                <a:latin typeface="Montserrat" pitchFamily="2" charset="77"/>
+              </a:rPr>
+              <a:t> </a:t>
+            </a:r>
+            <a:r>
+              <a:rPr lang="he-IL" sz="1120" dirty="0">
+                <a:latin typeface="Montserrat" pitchFamily="2" charset="77"/>
+              </a:rPr>
+              <a:t> - מייצג לנו את </a:t>
+            </a:r>
+            <a:r>
+              <a:rPr lang="he-IL" sz="1120" dirty="0" err="1">
+                <a:latin typeface="Montserrat" pitchFamily="2" charset="77"/>
+              </a:rPr>
+              <a:t>הקלטים</a:t>
+            </a:r>
+            <a:r>
+              <a:rPr lang="he-IL" sz="1120" dirty="0">
+                <a:latin typeface="Montserrat" pitchFamily="2" charset="77"/>
+              </a:rPr>
+              <a:t> </a:t>
+            </a:r>
+            <a:r>
+              <a:rPr lang="he-IL" sz="1120" dirty="0" err="1">
+                <a:latin typeface="Montserrat" pitchFamily="2" charset="77"/>
+              </a:rPr>
+              <a:t>והשרותים</a:t>
+            </a:r>
+            <a:r>
+              <a:rPr lang="he-IL" sz="1120" dirty="0">
+                <a:latin typeface="Montserrat" pitchFamily="2" charset="77"/>
+              </a:rPr>
+              <a:t>- </a:t>
+            </a:r>
+            <a:r>
+              <a:rPr lang="he-IL" sz="1120" dirty="0" err="1">
+                <a:latin typeface="Montserrat" pitchFamily="2" charset="77"/>
+              </a:rPr>
+              <a:t>שרותים</a:t>
+            </a:r>
+            <a:r>
+              <a:rPr lang="he-IL" sz="1120" dirty="0">
+                <a:latin typeface="Montserrat" pitchFamily="2" charset="77"/>
+              </a:rPr>
+              <a:t> הם תהליכי רקע </a:t>
+            </a:r>
+            <a:r>
+              <a:rPr lang="he-IL" sz="1120" dirty="0" err="1">
+                <a:latin typeface="Montserrat" pitchFamily="2" charset="77"/>
+              </a:rPr>
+              <a:t>שהאפליקצייה</a:t>
+            </a:r>
+            <a:r>
+              <a:rPr lang="he-IL" sz="1120" dirty="0">
+                <a:latin typeface="Montserrat" pitchFamily="2" charset="77"/>
+              </a:rPr>
+              <a:t> יכולה להפעיל , וקלטים הם רכיבים שיכולים לקלוט שידורים מהמערכת או מאפליקציות אחרות. דוגמא לשירות: קביעת אירוע ביומן לפי שעה דרך </a:t>
+            </a:r>
+            <a:r>
+              <a:rPr lang="he-IL" sz="1120" dirty="0" err="1">
+                <a:latin typeface="Montserrat" pitchFamily="2" charset="77"/>
+              </a:rPr>
+              <a:t>הווצאפ</a:t>
+            </a:r>
+            <a:r>
+              <a:rPr lang="he-IL" sz="1120" dirty="0">
+                <a:latin typeface="Montserrat" pitchFamily="2" charset="77"/>
+              </a:rPr>
+              <a:t>, דוגמא לקלט: שיתוף קובץ </a:t>
+            </a:r>
+            <a:r>
+              <a:rPr lang="en-US" sz="1120" dirty="0">
+                <a:latin typeface="Montserrat" pitchFamily="2" charset="77"/>
+              </a:rPr>
+              <a:t>pdf </a:t>
+            </a:r>
+            <a:r>
+              <a:rPr lang="he-IL" sz="1120" dirty="0">
+                <a:latin typeface="Montserrat" pitchFamily="2" charset="77"/>
+              </a:rPr>
+              <a:t> בין שתי אפליקציות </a:t>
+            </a:r>
+            <a:r>
+              <a:rPr lang="he-IL" sz="1120" u="sng" dirty="0">
+                <a:latin typeface="Montserrat" pitchFamily="2" charset="77"/>
+              </a:rPr>
+              <a:t>שונות</a:t>
+            </a:r>
+            <a:r>
+              <a:rPr lang="he-IL" sz="1120" dirty="0">
+                <a:latin typeface="Montserrat" pitchFamily="2" charset="77"/>
+              </a:rPr>
+              <a:t>.</a:t>
+            </a:r>
+            <a:endParaRPr lang="en-US" sz="1120" b="1" u="sng" dirty="0">
               <a:latin typeface="Montserrat" pitchFamily="2" charset="77"/>
-              <a:ea typeface="Lato" panose="020F0502020204030203" pitchFamily="34" charset="0"/>
-              <a:cs typeface="Lato" panose="020F0502020204030203" pitchFamily="34" charset="0"/>
             </a:endParaRPr>
+          </a:p>
+          <a:p>
+            <a:pPr marL="171450" indent="-171450" algn="r" rtl="1">
+              <a:spcAft>
+                <a:spcPts val="1200"/>
+              </a:spcAft>
+            </a:pPr>
+            <a:r>
+              <a:rPr lang="en-US" sz="1120" b="1" u="sng" dirty="0" err="1">
+                <a:latin typeface="Montserrat" pitchFamily="2" charset="77"/>
+              </a:rPr>
+              <a:t>interesting_calls</a:t>
+            </a:r>
+            <a:r>
+              <a:rPr lang="he-IL" sz="1120" b="1" u="sng" dirty="0">
+                <a:latin typeface="Montserrat" pitchFamily="2" charset="77"/>
+              </a:rPr>
+              <a:t> </a:t>
+            </a:r>
+            <a:r>
+              <a:rPr lang="he-IL" sz="1120" dirty="0">
+                <a:latin typeface="Montserrat" pitchFamily="2" charset="77"/>
+              </a:rPr>
+              <a:t> - הכוונה הם לקריאות </a:t>
+            </a:r>
+            <a:r>
+              <a:rPr lang="en-US" sz="1120" dirty="0">
+                <a:latin typeface="Montserrat" pitchFamily="2" charset="77"/>
+              </a:rPr>
+              <a:t>API</a:t>
+            </a:r>
+            <a:r>
+              <a:rPr lang="he-IL" sz="1120" dirty="0">
+                <a:latin typeface="Montserrat" pitchFamily="2" charset="77"/>
+              </a:rPr>
+              <a:t> ספציפיות או פונקציות מערכת שנחשבות ראויות לציון או עלולות להיות חשודות מכל סיבה שהיא.</a:t>
+            </a:r>
+            <a:endParaRPr lang="en-US" sz="1120" b="1" u="sng" dirty="0">
+              <a:latin typeface="Montserrat" pitchFamily="2" charset="77"/>
+            </a:endParaRPr>
+          </a:p>
+          <a:p>
+            <a:pPr marL="171450" indent="-171450" algn="r" rtl="1">
+              <a:spcAft>
+                <a:spcPts val="1200"/>
+              </a:spcAft>
+            </a:pPr>
+            <a:r>
+              <a:rPr lang="en-US" sz="1120" b="1" u="sng" dirty="0" err="1">
+                <a:latin typeface="Montserrat" pitchFamily="2" charset="77"/>
+              </a:rPr>
+              <a:t>Urls</a:t>
+            </a:r>
+            <a:r>
+              <a:rPr lang="he-IL" sz="1120" b="1" u="sng" dirty="0">
+                <a:latin typeface="Montserrat" pitchFamily="2" charset="77"/>
+              </a:rPr>
+              <a:t> </a:t>
+            </a:r>
+            <a:r>
+              <a:rPr lang="he-IL" sz="1120" b="1" dirty="0">
+                <a:latin typeface="Montserrat" pitchFamily="2" charset="77"/>
+              </a:rPr>
+              <a:t>– </a:t>
+            </a:r>
+            <a:r>
+              <a:rPr lang="he-IL" sz="1120" dirty="0">
+                <a:latin typeface="Montserrat" pitchFamily="2" charset="77"/>
+              </a:rPr>
+              <a:t>כתובות האינטרנט </a:t>
+            </a:r>
+            <a:r>
+              <a:rPr lang="he-IL" sz="1120" dirty="0" err="1">
+                <a:latin typeface="Montserrat" pitchFamily="2" charset="77"/>
+              </a:rPr>
+              <a:t>שהאפליקצייה</a:t>
+            </a:r>
+            <a:r>
+              <a:rPr lang="he-IL" sz="1120" dirty="0">
+                <a:latin typeface="Montserrat" pitchFamily="2" charset="77"/>
+              </a:rPr>
+              <a:t> מתקשרת כדי לקבל/לעדכן/למחוק/ליצור (</a:t>
+            </a:r>
+            <a:r>
+              <a:rPr lang="en-US" sz="1120" dirty="0">
+                <a:latin typeface="Montserrat" pitchFamily="2" charset="77"/>
+              </a:rPr>
+              <a:t>insert ,update ,get ,delete</a:t>
+            </a:r>
+            <a:r>
+              <a:rPr lang="he-IL" sz="1120" dirty="0">
+                <a:latin typeface="Montserrat" pitchFamily="2" charset="77"/>
+              </a:rPr>
+              <a:t>) לדוג’: </a:t>
+            </a:r>
+            <a:r>
+              <a:rPr lang="en-US" sz="1120" i="1" dirty="0">
+                <a:latin typeface="Montserrat" pitchFamily="2" charset="77"/>
+              </a:rPr>
+              <a:t>endpoint-&gt;users/</a:t>
+            </a:r>
+            <a:r>
+              <a:rPr lang="en-US" sz="1120" i="1" dirty="0" err="1">
+                <a:latin typeface="Montserrat" pitchFamily="2" charset="77"/>
+              </a:rPr>
+              <a:t>getusersbyid</a:t>
+            </a:r>
+            <a:endParaRPr lang="en-US" sz="1120" b="1" u="sng" dirty="0">
+              <a:latin typeface="Montserrat" pitchFamily="2" charset="77"/>
+            </a:endParaRPr>
+          </a:p>
+          <a:p>
+            <a:pPr marL="171450" indent="-171450" algn="r" rtl="1">
+              <a:spcAft>
+                <a:spcPts val="1200"/>
+              </a:spcAft>
+            </a:pPr>
+            <a:r>
+              <a:rPr lang="en-US" sz="1120" b="1" dirty="0">
+                <a:latin typeface="Montserrat" pitchFamily="2" charset="77"/>
+              </a:rPr>
+              <a:t>    </a:t>
+            </a:r>
+            <a:r>
+              <a:rPr lang="en-US" sz="1120" dirty="0">
+                <a:latin typeface="Montserrat" pitchFamily="2" charset="77"/>
+              </a:rPr>
+              <a:t> </a:t>
+            </a:r>
+            <a:r>
+              <a:rPr lang="en-US" sz="1120" b="1" dirty="0">
+                <a:latin typeface="Montserrat" pitchFamily="2" charset="77"/>
+              </a:rPr>
+              <a:t>-</a:t>
+            </a:r>
+            <a:r>
+              <a:rPr lang="en-US" sz="1120" b="1" u="sng" dirty="0">
+                <a:latin typeface="Montserrat" pitchFamily="2" charset="77"/>
+              </a:rPr>
+              <a:t> providers</a:t>
+            </a:r>
+            <a:r>
+              <a:rPr lang="he-IL" sz="1120" b="1" dirty="0">
+                <a:latin typeface="Montserrat" pitchFamily="2" charset="77"/>
+              </a:rPr>
+              <a:t> </a:t>
+            </a:r>
+            <a:r>
+              <a:rPr lang="he-IL" sz="1120" dirty="0">
+                <a:latin typeface="Montserrat" pitchFamily="2" charset="77"/>
+              </a:rPr>
+              <a:t>אלו הם המסכים או רכיבי ממשק המשתמש המרכיבים אפליקציה עבור משתמשי הקצה.</a:t>
+            </a:r>
+          </a:p>
+          <a:p>
+            <a:pPr marL="171450" indent="-171450" algn="r" rtl="1">
+              <a:spcAft>
+                <a:spcPts val="1200"/>
+              </a:spcAft>
+            </a:pPr>
+            <a:endParaRPr lang="he-IL" sz="1120" dirty="0">
+              <a:latin typeface="Montserrat" pitchFamily="2" charset="77"/>
+            </a:endParaRPr>
+          </a:p>
+          <a:p>
+            <a:pPr marL="171450" indent="-171450" algn="r" rtl="1">
+              <a:spcAft>
+                <a:spcPts val="1200"/>
+              </a:spcAft>
+            </a:pPr>
+            <a:r>
+              <a:rPr lang="he-IL" sz="1120" dirty="0">
+                <a:latin typeface="Montserrat" pitchFamily="2" charset="77"/>
+              </a:rPr>
+              <a:t>בסה"כ כמות הפיצ'רים שחולצו כלל האפליקציות היא רשימה של 22,383 פיצ'רים </a:t>
+            </a:r>
+            <a:r>
+              <a:rPr lang="he-IL" sz="1120" dirty="0" err="1">
+                <a:latin typeface="Montserrat" pitchFamily="2" charset="77"/>
+              </a:rPr>
+              <a:t>יחודיים</a:t>
+            </a:r>
+            <a:r>
+              <a:rPr lang="he-IL" sz="1120" dirty="0">
+                <a:latin typeface="Montserrat" pitchFamily="2" charset="77"/>
+              </a:rPr>
+              <a:t>.</a:t>
+            </a:r>
           </a:p>
         </p:txBody>
       </p:sp>
-      <p:pic>
-        <p:nvPicPr>
-          <p:cNvPr id="2" name="Picture 1">
-            <a:extLst>
-              <a:ext uri="{FF2B5EF4-FFF2-40B4-BE49-F238E27FC236}">
-                <a16:creationId xmlns:a16="http://schemas.microsoft.com/office/drawing/2014/main" id="{EE342FFB-9276-01E8-1F8C-EB6AB02D5DF8}"/>
-              </a:ext>
-            </a:extLst>
-          </p:cNvPr>
-          <p:cNvPicPr>
-            <a:picLocks noChangeAspect="1"/>
-          </p:cNvPicPr>
-          <p:nvPr/>
-        </p:nvPicPr>
-        <p:blipFill>
-          <a:blip r:embed="rId3"/>
-          <a:stretch>
-            <a:fillRect/>
-          </a:stretch>
-        </p:blipFill>
-        <p:spPr>
-          <a:xfrm>
-            <a:off x="5999885" y="2094807"/>
-            <a:ext cx="3142146" cy="3048693"/>
-          </a:xfrm>
-          <a:prstGeom prst="rect">
-            <a:avLst/>
-          </a:prstGeom>
-        </p:spPr>
-      </p:pic>
-      <p:pic>
-        <p:nvPicPr>
-          <p:cNvPr id="3" name="Picture 2">
-            <a:extLst>
-              <a:ext uri="{FF2B5EF4-FFF2-40B4-BE49-F238E27FC236}">
-                <a16:creationId xmlns:a16="http://schemas.microsoft.com/office/drawing/2014/main" id="{0C33C6F9-C6C3-7B10-AA88-D03F768F3652}"/>
-              </a:ext>
-            </a:extLst>
-          </p:cNvPr>
-          <p:cNvPicPr>
-            <a:picLocks noChangeAspect="1"/>
-          </p:cNvPicPr>
-          <p:nvPr/>
-        </p:nvPicPr>
-        <p:blipFill>
-          <a:blip r:embed="rId4"/>
-          <a:stretch>
-            <a:fillRect/>
-          </a:stretch>
-        </p:blipFill>
-        <p:spPr>
-          <a:xfrm>
-            <a:off x="1571105" y="2094807"/>
-            <a:ext cx="4428780" cy="3048693"/>
-          </a:xfrm>
-          <a:prstGeom prst="rect">
-            <a:avLst/>
-          </a:prstGeom>
-        </p:spPr>
-      </p:pic>
-      <p:pic>
-        <p:nvPicPr>
-          <p:cNvPr id="4" name="Picture 3">
-            <a:extLst>
-              <a:ext uri="{FF2B5EF4-FFF2-40B4-BE49-F238E27FC236}">
-                <a16:creationId xmlns:a16="http://schemas.microsoft.com/office/drawing/2014/main" id="{5CCF20D6-CD3E-A0CB-C5F5-01896483DF31}"/>
-              </a:ext>
-            </a:extLst>
-          </p:cNvPr>
-          <p:cNvPicPr>
-            <a:picLocks noChangeAspect="1"/>
-          </p:cNvPicPr>
-          <p:nvPr/>
-        </p:nvPicPr>
-        <p:blipFill>
-          <a:blip r:embed="rId5"/>
-          <a:stretch>
-            <a:fillRect/>
-          </a:stretch>
-        </p:blipFill>
-        <p:spPr>
-          <a:xfrm>
-            <a:off x="37056" y="3109624"/>
-            <a:ext cx="1541087" cy="2033876"/>
-          </a:xfrm>
-          <a:prstGeom prst="rect">
-            <a:avLst/>
-          </a:prstGeom>
-        </p:spPr>
-      </p:pic>
     </p:spTree>
     <p:extLst>
       <p:ext uri="{BB962C8B-B14F-4D97-AF65-F5344CB8AC3E}">
-        <p14:creationId xmlns:p14="http://schemas.microsoft.com/office/powerpoint/2010/main" val="2373467096"/>
+        <p14:creationId xmlns:p14="http://schemas.microsoft.com/office/powerpoint/2010/main" val="465710397"/>
       </p:ext>
     </p:extLst>
   </p:cSld>
@@ -12001,12 +14676,12 @@
 </p:sld>
 </file>
 
-<file path=ppt/slides/slide6.xml><?xml version="1.0" encoding="utf-8"?>
+<file path=ppt/slides/slide5.xml><?xml version="1.0" encoding="utf-8"?>
 <p:sld xmlns:a="http://schemas.openxmlformats.org/drawingml/2006/main" xmlns:r="http://schemas.openxmlformats.org/officeDocument/2006/relationships" xmlns:p="http://schemas.openxmlformats.org/presentationml/2006/main">
   <p:cSld>
     <p:spTree>
       <p:nvGrpSpPr>
-        <p:cNvPr id="1" name="Shape 158"/>
+        <p:cNvPr id="1" name="Shape 140"/>
         <p:cNvGrpSpPr/>
         <p:nvPr/>
       </p:nvGrpSpPr>
@@ -12020,408 +14695,7 @@
       </p:grpSpPr>
       <p:sp>
         <p:nvSpPr>
-          <p:cNvPr id="159" name="Google Shape;159;p17"/>
-          <p:cNvSpPr txBox="1">
-            <a:spLocks noGrp="1"/>
-          </p:cNvSpPr>
-          <p:nvPr>
-            <p:ph type="title"/>
-          </p:nvPr>
-        </p:nvSpPr>
-        <p:spPr>
-          <a:xfrm>
-            <a:off x="1297500" y="91295"/>
-            <a:ext cx="7038900" cy="914100"/>
-          </a:xfrm>
-          <a:prstGeom prst="rect">
-            <a:avLst/>
-          </a:prstGeom>
-        </p:spPr>
-        <p:txBody>
-          <a:bodyPr spcFirstLastPara="1" wrap="square" lIns="91425" tIns="91425" rIns="91425" bIns="91425" anchor="t" anchorCtr="0">
-            <a:normAutofit/>
-          </a:bodyPr>
-          <a:lstStyle/>
-          <a:p>
-            <a:pPr marL="0" lvl="0" indent="0" algn="l" rtl="0">
-              <a:spcBef>
-                <a:spcPts val="0"/>
-              </a:spcBef>
-              <a:spcAft>
-                <a:spcPts val="0"/>
-              </a:spcAft>
-              <a:buNone/>
-            </a:pPr>
-            <a:r>
-              <a:rPr lang="iw" dirty="0">
-                <a:latin typeface="Montserrat" pitchFamily="2" charset="77"/>
-              </a:rPr>
-              <a:t>Stages to work on this project:</a:t>
-            </a:r>
-            <a:endParaRPr dirty="0">
-              <a:latin typeface="Montserrat" pitchFamily="2" charset="77"/>
-            </a:endParaRPr>
-          </a:p>
-          <a:p>
-            <a:pPr marL="0" lvl="0" indent="0" algn="l" rtl="0">
-              <a:spcBef>
-                <a:spcPts val="0"/>
-              </a:spcBef>
-              <a:spcAft>
-                <a:spcPts val="0"/>
-              </a:spcAft>
-              <a:buNone/>
-            </a:pPr>
-            <a:endParaRPr dirty="0">
-              <a:latin typeface="Montserrat" pitchFamily="2" charset="77"/>
-            </a:endParaRPr>
-          </a:p>
-          <a:p>
-            <a:pPr marL="0" lvl="0" indent="0" algn="l" rtl="0">
-              <a:spcBef>
-                <a:spcPts val="0"/>
-              </a:spcBef>
-              <a:spcAft>
-                <a:spcPts val="0"/>
-              </a:spcAft>
-              <a:buNone/>
-            </a:pPr>
-            <a:endParaRPr dirty="0">
-              <a:latin typeface="Montserrat" pitchFamily="2" charset="77"/>
-            </a:endParaRPr>
-          </a:p>
-        </p:txBody>
-      </p:sp>
-      <p:sp>
-        <p:nvSpPr>
-          <p:cNvPr id="160" name="Google Shape;160;p17"/>
-          <p:cNvSpPr txBox="1">
-            <a:spLocks noGrp="1"/>
-          </p:cNvSpPr>
-          <p:nvPr>
-            <p:ph type="body" idx="1"/>
-          </p:nvPr>
-        </p:nvSpPr>
-        <p:spPr>
-          <a:xfrm>
-            <a:off x="914400" y="698282"/>
-            <a:ext cx="8046720" cy="4073223"/>
-          </a:xfrm>
-          <a:prstGeom prst="rect">
-            <a:avLst/>
-          </a:prstGeom>
-        </p:spPr>
-        <p:txBody>
-          <a:bodyPr spcFirstLastPara="1" wrap="square" lIns="91425" tIns="91425" rIns="91425" bIns="91425" anchor="t" anchorCtr="0">
-            <a:noAutofit/>
-          </a:bodyPr>
-          <a:lstStyle/>
-          <a:p>
-            <a:pPr marL="183198" lvl="0" indent="0" algn="r" rtl="0">
-              <a:spcBef>
-                <a:spcPts val="0"/>
-              </a:spcBef>
-              <a:spcAft>
-                <a:spcPts val="0"/>
-              </a:spcAft>
-              <a:buSzPct val="100000"/>
-              <a:buNone/>
-            </a:pPr>
-            <a:r>
-              <a:rPr lang="he-IL" sz="1120" dirty="0">
-                <a:latin typeface="Montserrat" pitchFamily="2" charset="77"/>
-              </a:rPr>
-              <a:t>לפרויקט היו מספר שלבים:</a:t>
-            </a:r>
-          </a:p>
-          <a:p>
-            <a:pPr marL="183198" lvl="0" indent="0" algn="r" rtl="0">
-              <a:spcBef>
-                <a:spcPts val="0"/>
-              </a:spcBef>
-              <a:spcAft>
-                <a:spcPts val="0"/>
-              </a:spcAft>
-              <a:buSzPct val="100000"/>
-              <a:buNone/>
-            </a:pPr>
-            <a:r>
-              <a:rPr lang="he-IL" sz="1120" dirty="0">
-                <a:latin typeface="Montserrat" pitchFamily="2" charset="77"/>
-              </a:rPr>
-              <a:t>1. איסוף נתונים </a:t>
-            </a:r>
-          </a:p>
-          <a:p>
-            <a:pPr marL="183198" lvl="0" indent="0" algn="r" rtl="0">
-              <a:spcBef>
-                <a:spcPts val="0"/>
-              </a:spcBef>
-              <a:spcAft>
-                <a:spcPts val="0"/>
-              </a:spcAft>
-              <a:buSzPct val="100000"/>
-              <a:buNone/>
-            </a:pPr>
-            <a:r>
-              <a:rPr lang="he-IL" sz="1120" dirty="0">
-                <a:latin typeface="Montserrat" pitchFamily="2" charset="77"/>
-              </a:rPr>
-              <a:t>2. מיצוי תכונות </a:t>
-            </a:r>
-          </a:p>
-          <a:p>
-            <a:pPr marL="183198" lvl="0" indent="0" algn="r" rtl="0">
-              <a:spcBef>
-                <a:spcPts val="0"/>
-              </a:spcBef>
-              <a:spcAft>
-                <a:spcPts val="0"/>
-              </a:spcAft>
-              <a:buSzPct val="100000"/>
-              <a:buNone/>
-            </a:pPr>
-            <a:r>
-              <a:rPr lang="he-IL" sz="1120" dirty="0">
-                <a:latin typeface="Montserrat" pitchFamily="2" charset="77"/>
-              </a:rPr>
-              <a:t>3. עיבוד מקדים של נתונים הדרכת מודלים</a:t>
-            </a:r>
-          </a:p>
-          <a:p>
-            <a:pPr marL="183198" lvl="0" indent="0" algn="r" rtl="0">
-              <a:spcBef>
-                <a:spcPts val="0"/>
-              </a:spcBef>
-              <a:spcAft>
-                <a:spcPts val="0"/>
-              </a:spcAft>
-              <a:buSzPct val="100000"/>
-              <a:buNone/>
-            </a:pPr>
-            <a:r>
-              <a:rPr lang="he-IL" sz="1120" dirty="0">
-                <a:latin typeface="Montserrat" pitchFamily="2" charset="77"/>
-              </a:rPr>
-              <a:t>4. הערכה. </a:t>
-            </a:r>
-          </a:p>
-          <a:p>
-            <a:pPr marL="183198" lvl="0" indent="0" algn="r" rtl="0">
-              <a:spcBef>
-                <a:spcPts val="0"/>
-              </a:spcBef>
-              <a:spcAft>
-                <a:spcPts val="0"/>
-              </a:spcAft>
-              <a:buSzPct val="100000"/>
-              <a:buNone/>
-            </a:pPr>
-            <a:endParaRPr lang="he-IL" sz="1120" dirty="0">
-              <a:latin typeface="Montserrat" pitchFamily="2" charset="77"/>
-            </a:endParaRPr>
-          </a:p>
-          <a:p>
-            <a:pPr marL="183198" lvl="0" indent="0" algn="r" rtl="0">
-              <a:spcBef>
-                <a:spcPts val="0"/>
-              </a:spcBef>
-              <a:spcAft>
-                <a:spcPts val="0"/>
-              </a:spcAft>
-              <a:buSzPct val="100000"/>
-              <a:buNone/>
-            </a:pPr>
-            <a:r>
-              <a:rPr lang="he-IL" sz="1120" dirty="0">
-                <a:latin typeface="Montserrat" pitchFamily="2" charset="77"/>
-              </a:rPr>
-              <a:t>התכונות שימשו לאימון מודלים של למידת מכונה כגון :</a:t>
-            </a:r>
-          </a:p>
-          <a:p>
-            <a:pPr marL="183198" lvl="0" indent="0" algn="r" rtl="0">
-              <a:spcBef>
-                <a:spcPts val="0"/>
-              </a:spcBef>
-              <a:spcAft>
-                <a:spcPts val="0"/>
-              </a:spcAft>
-              <a:buSzPct val="100000"/>
-              <a:buNone/>
-            </a:pPr>
-            <a:r>
-              <a:rPr lang="en-US" sz="1120" dirty="0">
-                <a:latin typeface="Montserrat" pitchFamily="2" charset="77"/>
-              </a:rPr>
-              <a:t>SVM with a linear kernel</a:t>
-            </a:r>
-          </a:p>
-          <a:p>
-            <a:pPr marL="183198" lvl="0" indent="0" algn="r" rtl="0">
-              <a:spcBef>
-                <a:spcPts val="0"/>
-              </a:spcBef>
-              <a:spcAft>
-                <a:spcPts val="0"/>
-              </a:spcAft>
-              <a:buSzPct val="100000"/>
-              <a:buNone/>
-            </a:pPr>
-            <a:r>
-              <a:rPr lang="en-US" sz="1120" dirty="0">
-                <a:latin typeface="Montserrat" pitchFamily="2" charset="77"/>
-              </a:rPr>
-              <a:t>Logistic Regression</a:t>
-            </a:r>
-          </a:p>
-          <a:p>
-            <a:pPr marL="183198" lvl="0" indent="0" algn="r" rtl="0">
-              <a:spcBef>
-                <a:spcPts val="0"/>
-              </a:spcBef>
-              <a:spcAft>
-                <a:spcPts val="0"/>
-              </a:spcAft>
-              <a:buSzPct val="100000"/>
-              <a:buNone/>
-            </a:pPr>
-            <a:r>
-              <a:rPr lang="en-US" sz="1120" dirty="0" err="1">
-                <a:latin typeface="Montserrat" pitchFamily="2" charset="77"/>
-              </a:rPr>
-              <a:t>KNeighborsClassifier</a:t>
-            </a:r>
-            <a:endParaRPr lang="en-US" sz="1120" dirty="0">
-              <a:latin typeface="Montserrat" pitchFamily="2" charset="77"/>
-            </a:endParaRPr>
-          </a:p>
-          <a:p>
-            <a:pPr marL="183198" lvl="0" indent="0" algn="r" rtl="0">
-              <a:spcBef>
-                <a:spcPts val="0"/>
-              </a:spcBef>
-              <a:spcAft>
-                <a:spcPts val="0"/>
-              </a:spcAft>
-              <a:buSzPct val="100000"/>
-              <a:buNone/>
-            </a:pPr>
-            <a:r>
-              <a:rPr lang="en-US" sz="1120" dirty="0" err="1">
-                <a:latin typeface="Montserrat" pitchFamily="2" charset="77"/>
-              </a:rPr>
-              <a:t>DecisionTreeClassifier</a:t>
-            </a:r>
-            <a:endParaRPr lang="en-US" sz="1120" dirty="0">
-              <a:latin typeface="Montserrat" pitchFamily="2" charset="77"/>
-            </a:endParaRPr>
-          </a:p>
-          <a:p>
-            <a:pPr marL="183198" lvl="0" indent="0" algn="r" rtl="0">
-              <a:spcBef>
-                <a:spcPts val="0"/>
-              </a:spcBef>
-              <a:spcAft>
-                <a:spcPts val="0"/>
-              </a:spcAft>
-              <a:buSzPct val="100000"/>
-              <a:buNone/>
-            </a:pPr>
-            <a:r>
-              <a:rPr lang="en-US" sz="1120" dirty="0" err="1">
-                <a:latin typeface="Montserrat" pitchFamily="2" charset="77"/>
-              </a:rPr>
-              <a:t>GradientBoostingClassifier</a:t>
-            </a:r>
-            <a:endParaRPr lang="en-US" sz="1120" dirty="0">
-              <a:latin typeface="Montserrat" pitchFamily="2" charset="77"/>
-            </a:endParaRPr>
-          </a:p>
-          <a:p>
-            <a:pPr marL="183198" lvl="0" indent="0" algn="r" rtl="0">
-              <a:spcBef>
-                <a:spcPts val="0"/>
-              </a:spcBef>
-              <a:spcAft>
-                <a:spcPts val="0"/>
-              </a:spcAft>
-              <a:buSzPct val="100000"/>
-              <a:buNone/>
-            </a:pPr>
-            <a:endParaRPr lang="en-US" sz="1120" dirty="0">
-              <a:latin typeface="Montserrat" pitchFamily="2" charset="77"/>
-            </a:endParaRPr>
-          </a:p>
-          <a:p>
-            <a:pPr marL="183198" lvl="0" indent="0" algn="r" rtl="0">
-              <a:spcBef>
-                <a:spcPts val="0"/>
-              </a:spcBef>
-              <a:spcAft>
-                <a:spcPts val="0"/>
-              </a:spcAft>
-              <a:buSzPct val="100000"/>
-              <a:buNone/>
-            </a:pPr>
-            <a:r>
-              <a:rPr lang="he-IL" sz="1120" dirty="0">
-                <a:latin typeface="Montserrat" pitchFamily="2" charset="77"/>
-              </a:rPr>
-              <a:t>ביצועי המודלים הוערכו באמצעות מדדים כגון דיוק, דיוק וזכירה. </a:t>
-            </a:r>
-          </a:p>
-          <a:p>
-            <a:pPr marL="183198" lvl="0" indent="0" algn="r" rtl="0">
-              <a:spcBef>
-                <a:spcPts val="0"/>
-              </a:spcBef>
-              <a:spcAft>
-                <a:spcPts val="0"/>
-              </a:spcAft>
-              <a:buSzPct val="100000"/>
-              <a:buNone/>
-            </a:pPr>
-            <a:r>
-              <a:rPr lang="he-IL" sz="1120" dirty="0">
-                <a:latin typeface="Montserrat" pitchFamily="2" charset="77"/>
-              </a:rPr>
-              <a:t>נמצא כי הגישה המוצעת עולה על השיטות המסורתיות במונחים של דיוק, דיוק וזכירה, אך עדיין יש מקום לשיפור. כמו כן, כתבנו סקריפטים שונים ופונקציות עוזר לאורך כל הפרויקט כדי להבטיח ביצוע חלק.</a:t>
-            </a:r>
-            <a:endParaRPr lang="en-US" sz="1120" dirty="0">
-              <a:latin typeface="Montserrat" pitchFamily="2" charset="77"/>
-            </a:endParaRPr>
-          </a:p>
-        </p:txBody>
-      </p:sp>
-    </p:spTree>
-  </p:cSld>
-  <p:clrMapOvr>
-    <a:masterClrMapping/>
-  </p:clrMapOvr>
-</p:sld>
-</file>
-
-<file path=ppt/slides/slide7.xml><?xml version="1.0" encoding="utf-8"?>
-<p:sld xmlns:a="http://schemas.openxmlformats.org/drawingml/2006/main" xmlns:r="http://schemas.openxmlformats.org/officeDocument/2006/relationships" xmlns:p="http://schemas.openxmlformats.org/presentationml/2006/main">
-  <p:cSld>
-    <p:spTree>
-      <p:nvGrpSpPr>
-        <p:cNvPr id="1" name="Shape 170"/>
-        <p:cNvGrpSpPr/>
-        <p:nvPr/>
-      </p:nvGrpSpPr>
-      <p:grpSpPr>
-        <a:xfrm>
-          <a:off x="0" y="0"/>
-          <a:ext cx="0" cy="0"/>
-          <a:chOff x="0" y="0"/>
-          <a:chExt cx="0" cy="0"/>
-        </a:xfrm>
-      </p:grpSpPr>
-      <p:sp>
-        <p:nvSpPr>
-          <p:cNvPr id="171" name="Google Shape;171;p19"/>
+          <p:cNvPr id="141" name="Google Shape;141;p14"/>
           <p:cNvSpPr txBox="1">
             <a:spLocks noGrp="1"/>
           </p:cNvSpPr>
@@ -12444,7 +14718,7 @@
           </a:bodyPr>
           <a:lstStyle/>
           <a:p>
-            <a:pPr marL="0" lvl="0" indent="0" algn="l" rtl="0">
+            <a:pPr marL="0" lvl="0" indent="0" algn="ctr" rtl="0">
               <a:spcBef>
                 <a:spcPts val="0"/>
               </a:spcBef>
@@ -12454,48 +14728,22 @@
               <a:buNone/>
             </a:pPr>
             <a:r>
-              <a:rPr lang="iw" dirty="0">
-                <a:latin typeface="Montserrat" pitchFamily="2" charset="77"/>
-              </a:rPr>
-              <a:t>Information fragmentation</a:t>
-            </a:r>
-            <a:endParaRPr dirty="0">
-              <a:latin typeface="Montserrat" pitchFamily="2" charset="77"/>
-            </a:endParaRPr>
-          </a:p>
-          <a:p>
-            <a:pPr marL="0" lvl="0" indent="0" algn="l" rtl="0">
-              <a:spcBef>
-                <a:spcPts val="0"/>
-              </a:spcBef>
-              <a:spcAft>
-                <a:spcPts val="0"/>
-              </a:spcAft>
-              <a:buNone/>
-            </a:pPr>
-            <a:endParaRPr dirty="0">
-              <a:latin typeface="Montserrat" pitchFamily="2" charset="77"/>
-            </a:endParaRPr>
-          </a:p>
-          <a:p>
-            <a:pPr marL="0" lvl="0" indent="0" algn="l" rtl="0">
-              <a:spcBef>
-                <a:spcPts val="0"/>
-              </a:spcBef>
-              <a:spcAft>
-                <a:spcPts val="0"/>
-              </a:spcAft>
-              <a:buNone/>
-            </a:pPr>
-            <a:endParaRPr dirty="0">
-              <a:latin typeface="Montserrat" pitchFamily="2" charset="77"/>
+              <a:rPr lang="he-IL" b="1" i="1" dirty="0">
+                <a:latin typeface="Miriam" panose="020B0502050101010101" pitchFamily="34" charset="-79"/>
+                <a:cs typeface="Miriam" panose="020B0502050101010101" pitchFamily="34" charset="-79"/>
+              </a:rPr>
+              <a:t>תהליך השגת המידע וניתוח המאגר</a:t>
+            </a:r>
+            <a:endParaRPr b="1" i="1" dirty="0">
+              <a:latin typeface="Miriam" panose="020B0502050101010101" pitchFamily="34" charset="-79"/>
+              <a:cs typeface="Miriam" panose="020B0502050101010101" pitchFamily="34" charset="-79"/>
             </a:endParaRPr>
           </a:p>
         </p:txBody>
       </p:sp>
       <p:sp>
         <p:nvSpPr>
-          <p:cNvPr id="172" name="Google Shape;172;p19"/>
+          <p:cNvPr id="142" name="Google Shape;142;p14"/>
           <p:cNvSpPr txBox="1">
             <a:spLocks noGrp="1"/>
           </p:cNvSpPr>
@@ -12505,8 +14753,8 @@
         </p:nvSpPr>
         <p:spPr>
           <a:xfrm>
-            <a:off x="1297500" y="1567550"/>
-            <a:ext cx="7038900" cy="2911200"/>
+            <a:off x="314893" y="987068"/>
+            <a:ext cx="8465769" cy="3712100"/>
           </a:xfrm>
           <a:prstGeom prst="rect">
             <a:avLst/>
@@ -12514,133 +14762,456 @@
         </p:spPr>
         <p:txBody>
           <a:bodyPr spcFirstLastPara="1" wrap="square" lIns="91425" tIns="91425" rIns="91425" bIns="91425" anchor="t" anchorCtr="0">
-            <a:normAutofit/>
+            <a:normAutofit fontScale="92500"/>
           </a:bodyPr>
           <a:lstStyle/>
           <a:p>
-            <a:pPr marL="0" lvl="0" indent="0" algn="r" rtl="0">
-              <a:spcBef>
-                <a:spcPts val="0"/>
-              </a:spcBef>
-              <a:spcAft>
-                <a:spcPts val="0"/>
-              </a:spcAft>
-              <a:buNone/>
+            <a:pPr marL="171450" indent="-171450" algn="r" rtl="1">
+              <a:spcAft>
+                <a:spcPts val="1200"/>
+              </a:spcAft>
             </a:pPr>
             <a:r>
-              <a:rPr lang="he-IL" sz="1120" b="0" i="0" dirty="0">
-                <a:solidFill>
-                  <a:srgbClr val="D1D5DB"/>
-                </a:solidFill>
-                <a:effectLst/>
-                <a:latin typeface="Montserrat" pitchFamily="2" charset="77"/>
-                <a:ea typeface="Lato" panose="020F0502020204030203" pitchFamily="34" charset="0"/>
-                <a:cs typeface="Lato" panose="020F0502020204030203" pitchFamily="34" charset="0"/>
-              </a:rPr>
-              <a:t>לסיכום, פיצול מידע שימש בפרויקט זה כדי לפרק מערך נתונים גדול של יישומי אנדרואיד לנתחים קטנים יותר וניתנים לניהול. זה עזר לצוות לחלץ בקלות תכונות רלוונטיות, לבצע ניתוח מעמיק ולאחסן ולאחזר נתונים ביעילות.</a:t>
+              <a:rPr lang="he-IL" sz="1120" dirty="0">
+                <a:latin typeface="Montserrat" pitchFamily="2" charset="77"/>
+              </a:rPr>
+              <a:t>השלב הראשון היה להשיג מאגר מידע של אפליקציות זדוניות </a:t>
+            </a:r>
+            <a:r>
+              <a:rPr lang="he-IL" sz="1120" dirty="0" err="1">
+                <a:latin typeface="Montserrat" pitchFamily="2" charset="77"/>
+              </a:rPr>
+              <a:t>וידודיתיות</a:t>
+            </a:r>
+            <a:r>
+              <a:rPr lang="he-IL" sz="1120" dirty="0">
+                <a:latin typeface="Montserrat" pitchFamily="2" charset="77"/>
+              </a:rPr>
+              <a:t> מהאינטרנט. חיפשנו בגוגל, מאגרי מידע ופרויקטים קיימים באינטרנט ולבסוף עשינו מה שנקרא איחוד קבוצות זרות של כלל המידע שמצאנו ל-2 תיקיות, תיקייה אחת עבור אפליקציות זדוניות ותיקייה שניה עבור אפליקציות שפיריות.</a:t>
             </a:r>
           </a:p>
           <a:p>
-            <a:pPr marL="0" lvl="0" indent="0" algn="r" rtl="0">
-              <a:spcBef>
-                <a:spcPts val="0"/>
-              </a:spcBef>
-              <a:spcAft>
-                <a:spcPts val="0"/>
-              </a:spcAft>
-              <a:buNone/>
+            <a:pPr marL="171450" indent="-171450" algn="r" rtl="1">
+              <a:spcAft>
+                <a:spcPts val="1200"/>
+              </a:spcAft>
             </a:pPr>
             <a:r>
-              <a:rPr lang="he-IL" sz="1120" b="0" i="0" dirty="0">
-                <a:solidFill>
-                  <a:srgbClr val="D1D5DB"/>
-                </a:solidFill>
-                <a:effectLst/>
-                <a:latin typeface="Montserrat" pitchFamily="2" charset="77"/>
-                <a:ea typeface="Lato" panose="020F0502020204030203" pitchFamily="34" charset="0"/>
-                <a:cs typeface="Lato" panose="020F0502020204030203" pitchFamily="34" charset="0"/>
-              </a:rPr>
-              <a:t>זה מילא תפקיד מכריע בהפיכת הנתונים לשימושים לאימון מודל למידת המכונה.</a:t>
+              <a:rPr lang="he-IL" sz="1120" dirty="0">
+                <a:latin typeface="Montserrat" pitchFamily="2" charset="77"/>
+              </a:rPr>
+              <a:t>כתבנו סקריפט שרץ על 2 </a:t>
+            </a:r>
+            <a:r>
+              <a:rPr lang="he-IL" sz="1120" dirty="0" err="1">
+                <a:latin typeface="Montserrat" pitchFamily="2" charset="77"/>
+              </a:rPr>
+              <a:t>התקיות</a:t>
+            </a:r>
+            <a:r>
+              <a:rPr lang="he-IL" sz="1120" dirty="0">
+                <a:latin typeface="Montserrat" pitchFamily="2" charset="77"/>
+              </a:rPr>
+              <a:t> לעיל ומשנה את שמות הקבצים כך שהשם של הקובץ של </a:t>
+            </a:r>
+            <a:r>
+              <a:rPr lang="he-IL" sz="1120" dirty="0" err="1">
+                <a:latin typeface="Montserrat" pitchFamily="2" charset="77"/>
+              </a:rPr>
+              <a:t>אפליקצייה</a:t>
+            </a:r>
+            <a:r>
+              <a:rPr lang="he-IL" sz="1120" dirty="0">
+                <a:latin typeface="Montserrat" pitchFamily="2" charset="77"/>
+              </a:rPr>
+              <a:t> זדונית יכיל </a:t>
+            </a:r>
+            <a:r>
+              <a:rPr lang="en-US" sz="1120" dirty="0">
+                <a:latin typeface="Montserrat" pitchFamily="2" charset="77"/>
+              </a:rPr>
+              <a:t>“_M” </a:t>
+            </a:r>
+            <a:r>
+              <a:rPr lang="he-IL" sz="1120" dirty="0">
+                <a:latin typeface="Montserrat" pitchFamily="2" charset="77"/>
+              </a:rPr>
+              <a:t> ועבור </a:t>
+            </a:r>
+            <a:r>
+              <a:rPr lang="he-IL" sz="1120" dirty="0" err="1">
+                <a:latin typeface="Montserrat" pitchFamily="2" charset="77"/>
+              </a:rPr>
+              <a:t>אפליקצייה</a:t>
+            </a:r>
+            <a:r>
+              <a:rPr lang="he-IL" sz="1120" dirty="0">
+                <a:latin typeface="Montserrat" pitchFamily="2" charset="77"/>
+              </a:rPr>
+              <a:t> שפירית יתווסף "_</a:t>
+            </a:r>
+            <a:r>
+              <a:rPr lang="en-US" sz="1120" dirty="0">
+                <a:latin typeface="Montserrat" pitchFamily="2" charset="77"/>
+              </a:rPr>
+              <a:t>B</a:t>
+            </a:r>
+            <a:r>
+              <a:rPr lang="he-IL" sz="1120" dirty="0">
+                <a:latin typeface="Montserrat" pitchFamily="2" charset="77"/>
+              </a:rPr>
+              <a:t>" כך שבסופו של דבר יהיה ייצוג לכל </a:t>
+            </a:r>
+            <a:r>
+              <a:rPr lang="he-IL" sz="1120" dirty="0" err="1">
+                <a:latin typeface="Montserrat" pitchFamily="2" charset="77"/>
+              </a:rPr>
+              <a:t>אפליקצייה</a:t>
+            </a:r>
+            <a:r>
+              <a:rPr lang="he-IL" sz="1120" dirty="0">
+                <a:latin typeface="Montserrat" pitchFamily="2" charset="77"/>
+              </a:rPr>
+              <a:t> האם היא זדונית או לא.</a:t>
             </a:r>
           </a:p>
           <a:p>
-            <a:pPr marL="0" lvl="0" indent="0" algn="r" rtl="0">
-              <a:spcBef>
-                <a:spcPts val="0"/>
-              </a:spcBef>
-              <a:spcAft>
-                <a:spcPts val="0"/>
-              </a:spcAft>
-              <a:buNone/>
+            <a:pPr marL="171450" indent="-171450" algn="r" rtl="1">
+              <a:spcAft>
+                <a:spcPts val="1200"/>
+              </a:spcAft>
             </a:pPr>
-            <a:endParaRPr lang="he-IL" sz="1120" b="0" i="0" dirty="0">
-              <a:solidFill>
-                <a:srgbClr val="D1D5DB"/>
-              </a:solidFill>
-              <a:effectLst/>
+            <a:r>
+              <a:rPr lang="he-IL" sz="1120" dirty="0">
+                <a:latin typeface="Montserrat" pitchFamily="2" charset="77"/>
+              </a:rPr>
+              <a:t>בשלב השלישי העברנו את כל האפליקציות הקיימות </a:t>
+            </a:r>
+            <a:r>
+              <a:rPr lang="he-IL" sz="1120" dirty="0" err="1">
+                <a:latin typeface="Montserrat" pitchFamily="2" charset="77"/>
+              </a:rPr>
+              <a:t>לתקייה</a:t>
+            </a:r>
+            <a:r>
+              <a:rPr lang="he-IL" sz="1120" dirty="0">
+                <a:latin typeface="Montserrat" pitchFamily="2" charset="77"/>
+              </a:rPr>
+              <a:t> אחת שתכיל את כלל האפליקציות לאחר שינויי השמות.</a:t>
+            </a:r>
+          </a:p>
+          <a:p>
+            <a:pPr marL="171450" indent="-171450" algn="r" rtl="1">
+              <a:spcAft>
+                <a:spcPts val="1200"/>
+              </a:spcAft>
+            </a:pPr>
+            <a:r>
+              <a:rPr lang="he-IL" sz="1120" dirty="0">
+                <a:latin typeface="Montserrat" pitchFamily="2" charset="77"/>
+              </a:rPr>
+              <a:t>רצנו על כל הקבצים בתיקייה: </a:t>
+            </a:r>
+            <a:br>
+              <a:rPr lang="en-US" sz="1120" dirty="0">
+                <a:latin typeface="Montserrat" pitchFamily="2" charset="77"/>
+              </a:rPr>
+            </a:br>
+            <a:r>
+              <a:rPr lang="he-IL" sz="1120" dirty="0">
+                <a:latin typeface="Montserrat" pitchFamily="2" charset="77"/>
+              </a:rPr>
+              <a:t>עבור כל קובץ נבדוק האם השם שלו מכיל </a:t>
+            </a:r>
+            <a:r>
+              <a:rPr lang="he-IL" sz="1120" dirty="0" err="1">
+                <a:latin typeface="Montserrat" pitchFamily="2" charset="77"/>
+              </a:rPr>
+              <a:t>יצוג</a:t>
+            </a:r>
+            <a:r>
+              <a:rPr lang="he-IL" sz="1120" dirty="0">
+                <a:latin typeface="Montserrat" pitchFamily="2" charset="77"/>
+              </a:rPr>
+              <a:t> עבור זדוני או לא, ע"פ הבדיקה הזו נדע לתת </a:t>
+            </a:r>
+            <a:r>
+              <a:rPr lang="en-US" sz="1120" dirty="0">
+                <a:latin typeface="Montserrat" pitchFamily="2" charset="77"/>
+              </a:rPr>
+              <a:t>label</a:t>
+            </a:r>
+            <a:r>
+              <a:rPr lang="he-IL" sz="1120" dirty="0">
+                <a:latin typeface="Montserrat" pitchFamily="2" charset="77"/>
+              </a:rPr>
+              <a:t> לכל </a:t>
+            </a:r>
+            <a:r>
+              <a:rPr lang="he-IL" sz="1120" dirty="0" err="1">
+                <a:latin typeface="Montserrat" pitchFamily="2" charset="77"/>
+              </a:rPr>
+              <a:t>אפליקצייה</a:t>
+            </a:r>
+            <a:r>
+              <a:rPr lang="he-IL" sz="1120" dirty="0">
+                <a:latin typeface="Montserrat" pitchFamily="2" charset="77"/>
+              </a:rPr>
+              <a:t> ואת השדה הזה העברנו </a:t>
+            </a:r>
+            <a:r>
+              <a:rPr lang="he-IL" sz="1120" dirty="0" err="1">
+                <a:latin typeface="Montserrat" pitchFamily="2" charset="77"/>
+              </a:rPr>
+              <a:t>לפונקצייה</a:t>
+            </a:r>
+            <a:r>
+              <a:rPr lang="he-IL" sz="1120" dirty="0">
+                <a:latin typeface="Montserrat" pitchFamily="2" charset="77"/>
+              </a:rPr>
+              <a:t> שמבצעת חילוץ של הפיצ'רים עבור אותה </a:t>
+            </a:r>
+            <a:r>
+              <a:rPr lang="he-IL" sz="1120" dirty="0" err="1">
+                <a:latin typeface="Montserrat" pitchFamily="2" charset="77"/>
+              </a:rPr>
+              <a:t>אפליקצייה</a:t>
+            </a:r>
+            <a:r>
+              <a:rPr lang="he-IL" sz="1120" dirty="0">
+                <a:latin typeface="Montserrat" pitchFamily="2" charset="77"/>
+              </a:rPr>
+              <a:t> ושומרת את המידע בקובץ </a:t>
+            </a:r>
+            <a:r>
+              <a:rPr lang="en-US" sz="1120" dirty="0">
+                <a:latin typeface="Montserrat" pitchFamily="2" charset="77"/>
+              </a:rPr>
+              <a:t>.</a:t>
+            </a:r>
+            <a:r>
+              <a:rPr lang="en-US" sz="1120" dirty="0" err="1">
+                <a:latin typeface="Montserrat" pitchFamily="2" charset="77"/>
+              </a:rPr>
+              <a:t>json</a:t>
+            </a:r>
+            <a:endParaRPr lang="en-US" sz="1120" dirty="0">
               <a:latin typeface="Montserrat" pitchFamily="2" charset="77"/>
-              <a:ea typeface="Lato" panose="020F0502020204030203" pitchFamily="34" charset="0"/>
-              <a:cs typeface="Lato" panose="020F0502020204030203" pitchFamily="34" charset="0"/>
             </a:endParaRPr>
           </a:p>
           <a:p>
-            <a:pPr marL="0" lvl="0" indent="0" algn="r" rtl="0">
-              <a:spcBef>
-                <a:spcPts val="0"/>
-              </a:spcBef>
-              <a:spcAft>
-                <a:spcPts val="0"/>
-              </a:spcAft>
-              <a:buNone/>
+            <a:pPr marL="171450" indent="-171450" algn="r" rtl="1">
+              <a:spcAft>
+                <a:spcPts val="1200"/>
+              </a:spcAft>
             </a:pPr>
             <a:r>
-              <a:rPr lang="he-IL" sz="1120" b="0" i="0" dirty="0">
-                <a:solidFill>
-                  <a:srgbClr val="D1D5DB"/>
-                </a:solidFill>
-                <a:effectLst/>
-                <a:latin typeface="Montserrat" pitchFamily="2" charset="77"/>
-                <a:ea typeface="Lato" panose="020F0502020204030203" pitchFamily="34" charset="0"/>
-                <a:cs typeface="Lato" panose="020F0502020204030203" pitchFamily="34" charset="0"/>
-              </a:rPr>
-              <a:t>פיצול מידע היה מכריע בפרויקט זה מכיוון שהוא עזר לצוות לפרק את מערך הנתונים הגדול של 1817 יישומי אנדרואיד לנתחים קטנים יותר לניהול, ניתוח ואחסון טובים יותר. סקריפטים ופונקציות עוזר נכתבו כדי לסייע בחילוץ נתונים ועיבוד מקדים, המאפשרים ניתוח ממוקד של היבטים ספציפיים כגון קטגוריות וקריאות </a:t>
-            </a:r>
-            <a:r>
-              <a:rPr lang="en-US" sz="1120" b="0" i="0" dirty="0">
-                <a:solidFill>
-                  <a:srgbClr val="D1D5DB"/>
-                </a:solidFill>
-                <a:effectLst/>
-                <a:latin typeface="Montserrat" pitchFamily="2" charset="77"/>
-                <a:ea typeface="Lato" panose="020F0502020204030203" pitchFamily="34" charset="0"/>
-                <a:cs typeface="Lato" panose="020F0502020204030203" pitchFamily="34" charset="0"/>
-              </a:rPr>
-              <a:t>API. </a:t>
-            </a:r>
-            <a:r>
-              <a:rPr lang="he-IL" sz="1120" b="0" i="0" dirty="0">
-                <a:solidFill>
-                  <a:srgbClr val="D1D5DB"/>
-                </a:solidFill>
-                <a:effectLst/>
-                <a:latin typeface="Montserrat" pitchFamily="2" charset="77"/>
-                <a:ea typeface="Lato" panose="020F0502020204030203" pitchFamily="34" charset="0"/>
-                <a:cs typeface="Lato" panose="020F0502020204030203" pitchFamily="34" charset="0"/>
-              </a:rPr>
-              <a:t>זה עזר לזהות דפוסים ומגמות רלוונטיות לזיהוי תוכנות זדוניות, ושיפר את הביצועים של מודלים של למידה חישובית. באופן כללי, לפרגמנטציה היה תפקיד מפתח בעבודה יעילה עם הנתונים ובהשגת תוצאות מדויקות.</a:t>
+              <a:rPr lang="he-IL" sz="1120" dirty="0" err="1">
+                <a:latin typeface="Montserrat" pitchFamily="2" charset="77"/>
+              </a:rPr>
+              <a:t>הפונקצייה</a:t>
+            </a:r>
+            <a:r>
+              <a:rPr lang="he-IL" sz="1120" dirty="0">
+                <a:latin typeface="Montserrat" pitchFamily="2" charset="77"/>
+              </a:rPr>
+              <a:t> שמחלצת את המידע מבצעת </a:t>
+            </a:r>
+            <a:r>
+              <a:rPr lang="en-US" sz="1120" dirty="0">
+                <a:latin typeface="Montserrat" pitchFamily="2" charset="77"/>
+              </a:rPr>
+              <a:t>unzip</a:t>
+            </a:r>
+            <a:r>
+              <a:rPr lang="he-IL" sz="1120" dirty="0">
+                <a:latin typeface="Montserrat" pitchFamily="2" charset="77"/>
+              </a:rPr>
+              <a:t> עבור כל קובץ </a:t>
+            </a:r>
+            <a:r>
+              <a:rPr lang="en-US" sz="1120" dirty="0">
+                <a:latin typeface="Montserrat" pitchFamily="2" charset="77"/>
+              </a:rPr>
+              <a:t>APK</a:t>
+            </a:r>
+            <a:r>
+              <a:rPr lang="he-IL" sz="1120" dirty="0">
+                <a:latin typeface="Montserrat" pitchFamily="2" charset="77"/>
+              </a:rPr>
+              <a:t> ושומרת אותו </a:t>
+            </a:r>
+            <a:r>
+              <a:rPr lang="he-IL" sz="1120" dirty="0" err="1">
+                <a:latin typeface="Montserrat" pitchFamily="2" charset="77"/>
+              </a:rPr>
+              <a:t>בתקייה</a:t>
+            </a:r>
+            <a:r>
+              <a:rPr lang="he-IL" sz="1120" dirty="0">
+                <a:latin typeface="Montserrat" pitchFamily="2" charset="77"/>
+              </a:rPr>
+              <a:t> שנקראת </a:t>
+            </a:r>
+            <a:r>
+              <a:rPr lang="en-US" sz="1120" dirty="0">
+                <a:latin typeface="Montserrat" pitchFamily="2" charset="77"/>
+              </a:rPr>
+              <a:t>unpack</a:t>
+            </a:r>
+            <a:r>
+              <a:rPr lang="he-IL" sz="1120" dirty="0">
+                <a:latin typeface="Montserrat" pitchFamily="2" charset="77"/>
+              </a:rPr>
+              <a:t> .  </a:t>
+            </a:r>
+          </a:p>
+          <a:p>
+            <a:pPr marL="171450" indent="-171450" algn="r" rtl="1">
+              <a:spcAft>
+                <a:spcPts val="1200"/>
+              </a:spcAft>
+            </a:pPr>
+            <a:r>
+              <a:rPr lang="he-IL" sz="1120" dirty="0">
+                <a:latin typeface="Montserrat" pitchFamily="2" charset="77"/>
+              </a:rPr>
+              <a:t>בכדי לחלץ את פיצ'רים השתמשנו בכלי שנקרא </a:t>
+            </a:r>
+            <a:r>
+              <a:rPr lang="en-US" sz="1120" dirty="0">
+                <a:latin typeface="Montserrat" pitchFamily="2" charset="77"/>
+              </a:rPr>
+              <a:t>AAPT</a:t>
+            </a:r>
+            <a:r>
+              <a:rPr lang="he-IL" sz="1120" dirty="0">
+                <a:latin typeface="Montserrat" pitchFamily="2" charset="77"/>
+              </a:rPr>
+              <a:t>. הכלי הזה משתנה בין מערכות ההפעלה שמריצות את הקוד( קובץ אחר כל מערכת הפעלה) והוא חלק בלתי נפרד מהחבילה של ה</a:t>
+            </a:r>
+            <a:r>
+              <a:rPr lang="en-US" sz="1120" dirty="0">
+                <a:latin typeface="Montserrat" pitchFamily="2" charset="77"/>
+              </a:rPr>
+              <a:t>android </a:t>
+            </a:r>
+            <a:r>
+              <a:rPr lang="en-US" sz="1120" dirty="0" err="1">
+                <a:latin typeface="Montserrat" pitchFamily="2" charset="77"/>
+              </a:rPr>
+              <a:t>sdk</a:t>
+            </a:r>
+            <a:r>
+              <a:rPr lang="he-IL" sz="1120" dirty="0">
+                <a:latin typeface="Montserrat" pitchFamily="2" charset="77"/>
+              </a:rPr>
+              <a:t> (ערכת פיתוח תוכנה). השתמשנו בכלי הזה לחילוץ משאבים מקובץ </a:t>
+            </a:r>
+            <a:r>
+              <a:rPr lang="en-US" sz="1120" dirty="0">
+                <a:latin typeface="Montserrat" pitchFamily="2" charset="77"/>
+              </a:rPr>
+              <a:t>APK </a:t>
+            </a:r>
+            <a:r>
+              <a:rPr lang="he-IL" sz="1120" dirty="0">
+                <a:latin typeface="Montserrat" pitchFamily="2" charset="77"/>
+              </a:rPr>
+              <a:t> . </a:t>
+            </a:r>
+          </a:p>
+          <a:p>
+            <a:pPr marL="171450" indent="-171450" algn="r" rtl="1">
+              <a:spcAft>
+                <a:spcPts val="1200"/>
+              </a:spcAft>
+            </a:pPr>
+            <a:r>
+              <a:rPr lang="he-IL" sz="1120" dirty="0">
+                <a:latin typeface="Montserrat" pitchFamily="2" charset="77"/>
+              </a:rPr>
+              <a:t>עבור כל קטגוריה יצרנו </a:t>
+            </a:r>
+            <a:r>
+              <a:rPr lang="en-US" sz="1120" dirty="0">
+                <a:latin typeface="Montserrat" pitchFamily="2" charset="77"/>
+              </a:rPr>
+              <a:t>list </a:t>
+            </a:r>
+            <a:r>
+              <a:rPr lang="he-IL" sz="1120" dirty="0">
+                <a:latin typeface="Montserrat" pitchFamily="2" charset="77"/>
+              </a:rPr>
+              <a:t> שמכיל את כלל הפיצ'רים שהיו </a:t>
+            </a:r>
+            <a:r>
+              <a:rPr lang="he-IL" sz="1120" dirty="0" err="1">
+                <a:latin typeface="Montserrat" pitchFamily="2" charset="77"/>
+              </a:rPr>
+              <a:t>באפליקצייה</a:t>
+            </a:r>
+            <a:r>
+              <a:rPr lang="he-IL" sz="1120" dirty="0">
+                <a:latin typeface="Montserrat" pitchFamily="2" charset="77"/>
+              </a:rPr>
+              <a:t> לפי קטגוריות.</a:t>
+            </a:r>
+          </a:p>
+          <a:p>
+            <a:pPr marL="171450" indent="-171450" algn="r" rtl="1">
+              <a:spcAft>
+                <a:spcPts val="1200"/>
+              </a:spcAft>
+            </a:pPr>
+            <a:r>
+              <a:rPr lang="he-IL" sz="1120" dirty="0">
+                <a:latin typeface="Montserrat" pitchFamily="2" charset="77"/>
+              </a:rPr>
+              <a:t>ולבסוף יצרנו קובץ </a:t>
+            </a:r>
+            <a:r>
+              <a:rPr lang="en-US" sz="1120" dirty="0" err="1">
+                <a:latin typeface="Montserrat" pitchFamily="2" charset="77"/>
+              </a:rPr>
+              <a:t>json</a:t>
+            </a:r>
+            <a:r>
+              <a:rPr lang="en-US" sz="1120" dirty="0">
+                <a:latin typeface="Montserrat" pitchFamily="2" charset="77"/>
+              </a:rPr>
+              <a:t> </a:t>
+            </a:r>
+            <a:r>
+              <a:rPr lang="he-IL" sz="1120" dirty="0">
+                <a:latin typeface="Montserrat" pitchFamily="2" charset="77"/>
+              </a:rPr>
+              <a:t> אחד המכיל מערך ריק ואליו הכנסנו </a:t>
+            </a:r>
+            <a:r>
+              <a:rPr lang="he-IL" sz="1120" dirty="0" err="1">
+                <a:latin typeface="Montserrat" pitchFamily="2" charset="77"/>
+              </a:rPr>
+              <a:t>אוביקטים</a:t>
+            </a:r>
+            <a:r>
+              <a:rPr lang="he-IL" sz="1120" dirty="0">
+                <a:latin typeface="Montserrat" pitchFamily="2" charset="77"/>
+              </a:rPr>
+              <a:t> כאשר כל אובייקט מייצג את הפיצ'רים של האפליקציות.</a:t>
             </a:r>
             <a:endParaRPr lang="en-US" sz="1120" dirty="0">
-              <a:solidFill>
-                <a:srgbClr val="D1D5DB"/>
-              </a:solidFill>
               <a:latin typeface="Montserrat" pitchFamily="2" charset="77"/>
-              <a:ea typeface="Lato" panose="020F0502020204030203" pitchFamily="34" charset="0"/>
-              <a:cs typeface="Lato" panose="020F0502020204030203" pitchFamily="34" charset="0"/>
             </a:endParaRPr>
           </a:p>
         </p:txBody>
       </p:sp>
     </p:spTree>
+    <p:extLst>
+      <p:ext uri="{BB962C8B-B14F-4D97-AF65-F5344CB8AC3E}">
+        <p14:creationId xmlns:p14="http://schemas.microsoft.com/office/powerpoint/2010/main" val="1009774296"/>
+      </p:ext>
+    </p:extLst>
   </p:cSld>
   <p:clrMapOvr>
     <a:masterClrMapping/>
@@ -12648,12 +15219,12 @@
 </p:sld>
 </file>
 
-<file path=ppt/slides/slide8.xml><?xml version="1.0" encoding="utf-8"?>
+<file path=ppt/slides/slide6.xml><?xml version="1.0" encoding="utf-8"?>
 <p:sld xmlns:a="http://schemas.openxmlformats.org/drawingml/2006/main" xmlns:r="http://schemas.openxmlformats.org/officeDocument/2006/relationships" xmlns:p="http://schemas.openxmlformats.org/presentationml/2006/main">
   <p:cSld>
     <p:spTree>
       <p:nvGrpSpPr>
-        <p:cNvPr id="1" name="Shape 182"/>
+        <p:cNvPr id="1" name="Shape 140"/>
         <p:cNvGrpSpPr/>
         <p:nvPr/>
       </p:nvGrpSpPr>
@@ -12667,7 +15238,7 @@
       </p:grpSpPr>
       <p:sp>
         <p:nvSpPr>
-          <p:cNvPr id="183" name="Google Shape;183;p21"/>
+          <p:cNvPr id="141" name="Google Shape;141;p14"/>
           <p:cNvSpPr txBox="1">
             <a:spLocks noGrp="1"/>
           </p:cNvSpPr>
@@ -12690,7 +15261,7 @@
           </a:bodyPr>
           <a:lstStyle/>
           <a:p>
-            <a:pPr marL="0" lvl="0" indent="0" algn="l" rtl="0">
+            <a:pPr marL="0" lvl="0" indent="0" algn="ctr" rtl="0">
               <a:spcBef>
                 <a:spcPts val="0"/>
               </a:spcBef>
@@ -12700,48 +15271,22 @@
               <a:buNone/>
             </a:pPr>
             <a:r>
-              <a:rPr lang="iw">
-                <a:latin typeface="Montserrat" pitchFamily="2" charset="77"/>
-              </a:rPr>
-              <a:t>Algorithms</a:t>
-            </a:r>
-            <a:endParaRPr>
-              <a:latin typeface="Montserrat" pitchFamily="2" charset="77"/>
-            </a:endParaRPr>
-          </a:p>
-          <a:p>
-            <a:pPr marL="0" lvl="0" indent="0" algn="l" rtl="0">
-              <a:spcBef>
-                <a:spcPts val="0"/>
-              </a:spcBef>
-              <a:spcAft>
-                <a:spcPts val="0"/>
-              </a:spcAft>
-              <a:buNone/>
-            </a:pPr>
-            <a:endParaRPr>
-              <a:latin typeface="Montserrat" pitchFamily="2" charset="77"/>
-            </a:endParaRPr>
-          </a:p>
-          <a:p>
-            <a:pPr marL="0" lvl="0" indent="0" algn="l" rtl="0">
-              <a:spcBef>
-                <a:spcPts val="0"/>
-              </a:spcBef>
-              <a:spcAft>
-                <a:spcPts val="0"/>
-              </a:spcAft>
-              <a:buNone/>
-            </a:pPr>
-            <a:endParaRPr>
-              <a:latin typeface="Montserrat" pitchFamily="2" charset="77"/>
+              <a:rPr lang="he-IL" b="1" i="1" dirty="0">
+                <a:latin typeface="Miriam" panose="020B0502050101010101" pitchFamily="34" charset="-79"/>
+                <a:cs typeface="Miriam" panose="020B0502050101010101" pitchFamily="34" charset="-79"/>
+              </a:rPr>
+              <a:t>סיום העיבוד והכנתו ללמידה</a:t>
+            </a:r>
+            <a:endParaRPr b="1" i="1" dirty="0">
+              <a:latin typeface="Miriam" panose="020B0502050101010101" pitchFamily="34" charset="-79"/>
+              <a:cs typeface="Miriam" panose="020B0502050101010101" pitchFamily="34" charset="-79"/>
             </a:endParaRPr>
           </a:p>
         </p:txBody>
       </p:sp>
       <p:sp>
         <p:nvSpPr>
-          <p:cNvPr id="184" name="Google Shape;184;p21"/>
+          <p:cNvPr id="142" name="Google Shape;142;p14"/>
           <p:cNvSpPr txBox="1">
             <a:spLocks noGrp="1"/>
           </p:cNvSpPr>
@@ -12751,8 +15296,8 @@
         </p:nvSpPr>
         <p:spPr>
           <a:xfrm>
-            <a:off x="1297500" y="1567550"/>
-            <a:ext cx="7038900" cy="2911200"/>
+            <a:off x="314893" y="987068"/>
+            <a:ext cx="8465769" cy="3712100"/>
           </a:xfrm>
           <a:prstGeom prst="rect">
             <a:avLst/>
@@ -12764,116 +15309,147 @@
           </a:bodyPr>
           <a:lstStyle/>
           <a:p>
-            <a:pPr marL="0" lvl="0" indent="0" algn="r" rtl="0">
-              <a:spcBef>
-                <a:spcPts val="0"/>
-              </a:spcBef>
-              <a:spcAft>
-                <a:spcPts val="0"/>
-              </a:spcAft>
-              <a:buNone/>
+            <a:pPr marL="171450" indent="-171450" algn="r" rtl="1">
+              <a:spcAft>
+                <a:spcPts val="1200"/>
+              </a:spcAft>
             </a:pPr>
             <a:r>
-              <a:rPr lang="he-IL" sz="1120" dirty="0">
-                <a:latin typeface="Montserrat" pitchFamily="2" charset="77"/>
-              </a:rPr>
-              <a:t>בפרויקט זה, נעשה שימוש באלגוריתמים שונים של למידת מכונה כדי להכשיר מודלים לזיהוי תוכנות זדוניות באנדרואיד, כולל: </a:t>
-            </a:r>
-            <a:r>
-              <a:rPr lang="en-US" sz="1120" dirty="0">
-                <a:latin typeface="Montserrat" pitchFamily="2" charset="77"/>
-              </a:rPr>
-              <a:t>SVM, Logistic Regression, </a:t>
-            </a:r>
-            <a:r>
-              <a:rPr lang="en-US" sz="1120" dirty="0" err="1">
-                <a:latin typeface="Montserrat" pitchFamily="2" charset="77"/>
-              </a:rPr>
-              <a:t>KNeighborsClassifier</a:t>
-            </a:r>
-            <a:r>
-              <a:rPr lang="en-US" sz="1120" dirty="0">
-                <a:latin typeface="Montserrat" pitchFamily="2" charset="77"/>
-              </a:rPr>
-              <a:t>, </a:t>
-            </a:r>
-            <a:r>
-              <a:rPr lang="en-US" sz="1120" dirty="0" err="1">
-                <a:latin typeface="Montserrat" pitchFamily="2" charset="77"/>
-              </a:rPr>
-              <a:t>DecisionTreeClassifier</a:t>
-            </a:r>
-            <a:r>
-              <a:rPr lang="en-US" sz="1120" dirty="0">
-                <a:latin typeface="Montserrat" pitchFamily="2" charset="77"/>
-              </a:rPr>
-              <a:t> </a:t>
-            </a:r>
-            <a:r>
-              <a:rPr lang="he-IL" sz="1120" dirty="0">
-                <a:latin typeface="Montserrat" pitchFamily="2" charset="77"/>
-              </a:rPr>
-              <a:t>ו-,</a:t>
-            </a:r>
-            <a:r>
-              <a:rPr lang="en-US" sz="1120" dirty="0">
-                <a:latin typeface="Montserrat" pitchFamily="2" charset="77"/>
-              </a:rPr>
-              <a:t> </a:t>
-            </a:r>
-            <a:r>
-              <a:rPr lang="en-US" sz="1120" dirty="0" err="1">
-                <a:latin typeface="Montserrat" pitchFamily="2" charset="77"/>
-              </a:rPr>
-              <a:t>GradientBoostingClassifier</a:t>
-            </a:r>
-            <a:r>
-              <a:rPr lang="en-US" sz="1120" dirty="0">
-                <a:latin typeface="Montserrat" pitchFamily="2" charset="77"/>
-              </a:rPr>
-              <a:t>. </a:t>
-            </a:r>
-            <a:endParaRPr lang="he-IL" sz="1120" dirty="0">
-              <a:latin typeface="Montserrat" pitchFamily="2" charset="77"/>
-            </a:endParaRPr>
+              <a:rPr lang="he-IL" sz="1400" dirty="0">
+                <a:latin typeface="Montserrat" pitchFamily="2" charset="77"/>
+              </a:rPr>
+              <a:t>בשלב הראשון ייבאנו את כל המידע מקובץ ה</a:t>
+            </a:r>
+            <a:r>
+              <a:rPr lang="en-US" sz="1400" dirty="0" err="1">
+                <a:latin typeface="Montserrat" pitchFamily="2" charset="77"/>
+              </a:rPr>
+              <a:t>json</a:t>
+            </a:r>
+            <a:r>
+              <a:rPr lang="he-IL" sz="1400" dirty="0">
+                <a:latin typeface="Montserrat" pitchFamily="2" charset="77"/>
+              </a:rPr>
+              <a:t> וטענו אותו לאובייקט,  הכנסו את המידע  ל</a:t>
+            </a:r>
+            <a:r>
+              <a:rPr lang="en-US" sz="1400" dirty="0" err="1">
+                <a:latin typeface="Montserrat" pitchFamily="2" charset="77"/>
+              </a:rPr>
+              <a:t>DataFrame</a:t>
+            </a:r>
+            <a:r>
+              <a:rPr lang="he-IL" sz="1400" dirty="0">
+                <a:latin typeface="Montserrat" pitchFamily="2" charset="77"/>
+              </a:rPr>
+              <a:t> והשלמנו את הפיצ'רים החסרים בכל אובייקט( לפי ערך 0- אם הפיצ'ר היה קיים היה לו ערך 1) כדי שהפיצ'רים יהיו בפורמט אחיד כלפי כלל האפליקציות.</a:t>
+            </a:r>
           </a:p>
           <a:p>
-            <a:pPr marL="0" lvl="0" indent="0" algn="r" rtl="0">
-              <a:spcBef>
-                <a:spcPts val="0"/>
-              </a:spcBef>
-              <a:spcAft>
-                <a:spcPts val="0"/>
-              </a:spcAft>
-              <a:buNone/>
+            <a:pPr marL="171450" indent="-171450" algn="r" rtl="1">
+              <a:spcAft>
+                <a:spcPts val="1200"/>
+              </a:spcAft>
             </a:pPr>
             <a:r>
-              <a:rPr lang="he-IL" sz="1120" dirty="0">
-                <a:latin typeface="Montserrat" pitchFamily="2" charset="77"/>
-              </a:rPr>
-              <a:t>לכל אלגוריתם היו נקודות החוזק והחולשה שלו, יש צורך במחקר נוסף כדי לשפר את הדיוק והביצועים של השיטה המוצעת.</a:t>
-            </a:r>
-            <a:endParaRPr lang="en-US" sz="1120" dirty="0">
-              <a:latin typeface="Montserrat" pitchFamily="2" charset="77"/>
-            </a:endParaRPr>
+              <a:rPr lang="he-IL" sz="1400" dirty="0">
+                <a:latin typeface="Montserrat" pitchFamily="2" charset="77"/>
+              </a:rPr>
+              <a:t>בדקנו את האלגוריתמים לפי שלש חלוקות שונות של </a:t>
+            </a:r>
+            <a:r>
+              <a:rPr lang="en-US" sz="1400" dirty="0">
+                <a:latin typeface="Montserrat" pitchFamily="2" charset="77"/>
+              </a:rPr>
+              <a:t>train</a:t>
+            </a:r>
+            <a:r>
+              <a:rPr lang="he-IL" sz="1400" dirty="0">
+                <a:latin typeface="Montserrat" pitchFamily="2" charset="77"/>
+              </a:rPr>
+              <a:t> ו</a:t>
+            </a:r>
+            <a:r>
+              <a:rPr lang="en-US" sz="1400" dirty="0">
+                <a:latin typeface="Montserrat" pitchFamily="2" charset="77"/>
+              </a:rPr>
+              <a:t>test</a:t>
+            </a:r>
+            <a:r>
+              <a:rPr lang="he-IL" sz="1400" dirty="0">
+                <a:latin typeface="Montserrat" pitchFamily="2" charset="77"/>
+              </a:rPr>
+              <a:t> 90-10, 80-20, 70-30 </a:t>
+            </a:r>
           </a:p>
           <a:p>
-            <a:pPr marL="0" lvl="0" indent="0" algn="r" rtl="0">
-              <a:spcBef>
-                <a:spcPts val="0"/>
-              </a:spcBef>
-              <a:spcAft>
-                <a:spcPts val="0"/>
-              </a:spcAft>
-              <a:buNone/>
+            <a:pPr marL="171450" indent="-171450" algn="r" rtl="1">
+              <a:spcAft>
+                <a:spcPts val="1200"/>
+              </a:spcAft>
             </a:pPr>
-            <a:endParaRPr lang="en-US" sz="1120" dirty="0">
+            <a:r>
+              <a:rPr lang="he-IL" sz="1400" dirty="0">
+                <a:latin typeface="Montserrat" pitchFamily="2" charset="77"/>
+              </a:rPr>
+              <a:t>הרצנו את האלגוריתמים על מגוון ערכים שונה של הפרמטרים של כל אלגוריתם.</a:t>
+            </a:r>
+          </a:p>
+          <a:p>
+            <a:pPr marL="171450" indent="-171450" algn="r" rtl="1">
+              <a:spcAft>
+                <a:spcPts val="1200"/>
+              </a:spcAft>
+            </a:pPr>
+            <a:r>
+              <a:rPr lang="he-IL" sz="1400" dirty="0">
+                <a:latin typeface="Montserrat" pitchFamily="2" charset="77"/>
+              </a:rPr>
+              <a:t>לאחר הרצת כלל האלגוריתמים על כלל החלוקות והפרמטרים יצאנו את כלל התוצאות לקבצי</a:t>
+            </a:r>
+            <a:r>
+              <a:rPr lang="en-US" sz="1400" dirty="0" err="1">
+                <a:latin typeface="Montserrat" pitchFamily="2" charset="77"/>
+              </a:rPr>
+              <a:t>json</a:t>
+            </a:r>
+            <a:r>
+              <a:rPr lang="he-IL" sz="1400" dirty="0">
+                <a:latin typeface="Montserrat" pitchFamily="2" charset="77"/>
+              </a:rPr>
+              <a:t> חיצוניים כאשר כל שם קובץ מייצג את האלגוריתם ואת החלוקה שבה הרצנו את האלגוריתם. כלומר, כל קובץ יכיל את ההרצה של האלגוריתם על כלל הערכים </a:t>
+            </a:r>
+            <a:r>
+              <a:rPr lang="he-IL" sz="1400" dirty="0" err="1">
+                <a:latin typeface="Montserrat" pitchFamily="2" charset="77"/>
+              </a:rPr>
+              <a:t>הרנדומלים</a:t>
+            </a:r>
+            <a:r>
+              <a:rPr lang="he-IL" sz="1400" dirty="0">
+                <a:latin typeface="Montserrat" pitchFamily="2" charset="77"/>
+              </a:rPr>
+              <a:t> של הפרמטרים לפי הייחס של אימון וטסט. </a:t>
+            </a:r>
+          </a:p>
+          <a:p>
+            <a:pPr marL="171450" indent="-171450" algn="r" rtl="1">
+              <a:spcAft>
+                <a:spcPts val="1200"/>
+              </a:spcAft>
+            </a:pPr>
+            <a:endParaRPr lang="he-IL" sz="1400" dirty="0">
               <a:latin typeface="Montserrat" pitchFamily="2" charset="77"/>
             </a:endParaRPr>
           </a:p>
         </p:txBody>
       </p:sp>
     </p:spTree>
+    <p:extLst>
+      <p:ext uri="{BB962C8B-B14F-4D97-AF65-F5344CB8AC3E}">
+        <p14:creationId xmlns:p14="http://schemas.microsoft.com/office/powerpoint/2010/main" val="279252422"/>
+      </p:ext>
+    </p:extLst>
   </p:cSld>
   <p:clrMapOvr>
     <a:masterClrMapping/>
@@ -12881,12 +15457,12 @@
 </p:sld>
 </file>
 
-<file path=ppt/slides/slide9.xml><?xml version="1.0" encoding="utf-8"?>
+<file path=ppt/slides/slide7.xml><?xml version="1.0" encoding="utf-8"?>
 <p:sld xmlns:a="http://schemas.openxmlformats.org/drawingml/2006/main" xmlns:r="http://schemas.openxmlformats.org/officeDocument/2006/relationships" xmlns:p="http://schemas.openxmlformats.org/presentationml/2006/main">
   <p:cSld>
     <p:spTree>
       <p:nvGrpSpPr>
-        <p:cNvPr id="1" name="Shape 188"/>
+        <p:cNvPr id="1" name=""/>
         <p:cNvGrpSpPr/>
         <p:nvPr/>
       </p:nvGrpSpPr>
@@ -12900,7 +15476,70 @@
       </p:grpSpPr>
       <p:sp>
         <p:nvSpPr>
-          <p:cNvPr id="189" name="Google Shape;189;p22"/>
+          <p:cNvPr id="4" name="כותרת 3">
+            <a:extLst>
+              <a:ext uri="{FF2B5EF4-FFF2-40B4-BE49-F238E27FC236}">
+                <a16:creationId xmlns:a16="http://schemas.microsoft.com/office/drawing/2014/main" id="{519BF355-C0F5-D218-4E72-C147121838F0}"/>
+              </a:ext>
+            </a:extLst>
+          </p:cNvPr>
+          <p:cNvSpPr>
+            <a:spLocks noGrp="1"/>
+          </p:cNvSpPr>
+          <p:nvPr>
+            <p:ph type="ctrTitle"/>
+          </p:nvPr>
+        </p:nvSpPr>
+        <p:spPr/>
+        <p:txBody>
+          <a:bodyPr>
+            <a:normAutofit/>
+          </a:bodyPr>
+          <a:lstStyle/>
+          <a:p>
+            <a:pPr algn="ctr"/>
+            <a:r>
+              <a:rPr lang="he-IL" sz="6600" i="1" dirty="0">
+                <a:cs typeface="+mj-cs"/>
+              </a:rPr>
+              <a:t>אלגוריתמים</a:t>
+            </a:r>
+          </a:p>
+        </p:txBody>
+      </p:sp>
+    </p:spTree>
+    <p:extLst>
+      <p:ext uri="{BB962C8B-B14F-4D97-AF65-F5344CB8AC3E}">
+        <p14:creationId xmlns:p14="http://schemas.microsoft.com/office/powerpoint/2010/main" val="3252356674"/>
+      </p:ext>
+    </p:extLst>
+  </p:cSld>
+  <p:clrMapOvr>
+    <a:masterClrMapping/>
+  </p:clrMapOvr>
+</p:sld>
+</file>
+
+<file path=ppt/slides/slide8.xml><?xml version="1.0" encoding="utf-8"?>
+<p:sld xmlns:a="http://schemas.openxmlformats.org/drawingml/2006/main" xmlns:r="http://schemas.openxmlformats.org/officeDocument/2006/relationships" xmlns:p="http://schemas.openxmlformats.org/presentationml/2006/main">
+  <p:cSld>
+    <p:spTree>
+      <p:nvGrpSpPr>
+        <p:cNvPr id="1" name="Shape 140"/>
+        <p:cNvGrpSpPr/>
+        <p:nvPr/>
+      </p:nvGrpSpPr>
+      <p:grpSpPr>
+        <a:xfrm>
+          <a:off x="0" y="0"/>
+          <a:ext cx="0" cy="0"/>
+          <a:chOff x="0" y="0"/>
+          <a:chExt cx="0" cy="0"/>
+        </a:xfrm>
+      </p:grpSpPr>
+      <p:sp>
+        <p:nvSpPr>
+          <p:cNvPr id="141" name="Google Shape;141;p14"/>
           <p:cNvSpPr txBox="1">
             <a:spLocks noGrp="1"/>
           </p:cNvSpPr>
@@ -12923,7 +15562,7 @@
           </a:bodyPr>
           <a:lstStyle/>
           <a:p>
-            <a:pPr marL="0" lvl="0" indent="0" algn="l" rtl="0">
+            <a:pPr marL="0" lvl="0" indent="0" algn="ctr" rtl="0">
               <a:spcBef>
                 <a:spcPts val="0"/>
               </a:spcBef>
@@ -12933,48 +15572,19 @@
               <a:buNone/>
             </a:pPr>
             <a:r>
-              <a:rPr lang="iw">
-                <a:latin typeface="Montserrat" pitchFamily="2" charset="77"/>
-              </a:rPr>
-              <a:t>Algorithms</a:t>
-            </a:r>
-            <a:endParaRPr>
-              <a:latin typeface="Montserrat" pitchFamily="2" charset="77"/>
-            </a:endParaRPr>
-          </a:p>
-          <a:p>
-            <a:pPr marL="0" lvl="0" indent="0" algn="l" rtl="0">
-              <a:spcBef>
-                <a:spcPts val="0"/>
-              </a:spcBef>
-              <a:spcAft>
-                <a:spcPts val="0"/>
-              </a:spcAft>
-              <a:buNone/>
-            </a:pPr>
-            <a:endParaRPr>
-              <a:latin typeface="Montserrat" pitchFamily="2" charset="77"/>
-            </a:endParaRPr>
-          </a:p>
-          <a:p>
-            <a:pPr marL="0" lvl="0" indent="0" algn="l" rtl="0">
-              <a:spcBef>
-                <a:spcPts val="0"/>
-              </a:spcBef>
-              <a:spcAft>
-                <a:spcPts val="0"/>
-              </a:spcAft>
-              <a:buNone/>
-            </a:pPr>
-            <a:endParaRPr>
-              <a:latin typeface="Montserrat" pitchFamily="2" charset="77"/>
+              <a:rPr lang="en-US" dirty="0"/>
+              <a:t>Logistic Regression</a:t>
+            </a:r>
+            <a:endParaRPr i="1" u="sng" dirty="0">
+              <a:latin typeface="Miriam" panose="020B0502050101010101" pitchFamily="34" charset="-79"/>
+              <a:cs typeface="Miriam" panose="020B0502050101010101" pitchFamily="34" charset="-79"/>
             </a:endParaRPr>
           </a:p>
         </p:txBody>
       </p:sp>
       <p:sp>
         <p:nvSpPr>
-          <p:cNvPr id="190" name="Google Shape;190;p22"/>
+          <p:cNvPr id="142" name="Google Shape;142;p14"/>
           <p:cNvSpPr txBox="1">
             <a:spLocks noGrp="1"/>
           </p:cNvSpPr>
@@ -12984,8 +15594,8 @@
         </p:nvSpPr>
         <p:spPr>
           <a:xfrm>
-            <a:off x="1297500" y="1567550"/>
-            <a:ext cx="7038900" cy="2911200"/>
+            <a:off x="314893" y="987068"/>
+            <a:ext cx="8465769" cy="3712100"/>
           </a:xfrm>
           <a:prstGeom prst="rect">
             <a:avLst/>
@@ -12997,218 +15607,1334 @@
           </a:bodyPr>
           <a:lstStyle/>
           <a:p>
-            <a:pPr marL="0" marR="0" lvl="0" indent="0" algn="r" rtl="0">
-              <a:lnSpc>
-                <a:spcPct val="115000"/>
-              </a:lnSpc>
-              <a:spcBef>
-                <a:spcPts val="0"/>
-              </a:spcBef>
-              <a:spcAft>
-                <a:spcPts val="0"/>
-              </a:spcAft>
-              <a:buClr>
-                <a:schemeClr val="lt1"/>
-              </a:buClr>
-              <a:buSzPts val="1300"/>
-              <a:buFont typeface="Lato"/>
-              <a:buNone/>
+            <a:pPr marL="171450" indent="-171450" algn="r" rtl="1">
+              <a:spcAft>
+                <a:spcPts val="1200"/>
+              </a:spcAft>
             </a:pPr>
             <a:r>
-              <a:rPr lang="en-US" sz="1120" dirty="0" err="1">
-                <a:latin typeface="Montserrat" pitchFamily="2" charset="77"/>
-              </a:rPr>
-              <a:t>GradientBoostingClassifier</a:t>
-            </a:r>
-            <a:endParaRPr lang="en-US" sz="1120" dirty="0">
+              <a:rPr lang="he-IL" sz="1800" dirty="0">
+                <a:latin typeface="Montserrat" pitchFamily="2" charset="77"/>
+              </a:rPr>
+              <a:t>מכיוון שהמידע שלנו מורכב של  הרצנו את האלגוריתם עם </a:t>
+            </a:r>
+            <a:r>
+              <a:rPr lang="en-US" sz="1800" dirty="0">
+                <a:latin typeface="Montserrat" pitchFamily="2" charset="77"/>
+              </a:rPr>
+              <a:t>Ridge </a:t>
+            </a:r>
+            <a:r>
+              <a:rPr lang="en-US" sz="1800" dirty="0" err="1">
+                <a:latin typeface="Montserrat" pitchFamily="2" charset="77"/>
+              </a:rPr>
+              <a:t>Regulizer</a:t>
+            </a:r>
+            <a:r>
+              <a:rPr lang="en-US" sz="1800" dirty="0">
+                <a:latin typeface="Montserrat" pitchFamily="2" charset="77"/>
+              </a:rPr>
+              <a:t> </a:t>
+            </a:r>
+            <a:r>
+              <a:rPr lang="he-IL" sz="1800" dirty="0">
+                <a:latin typeface="Montserrat" pitchFamily="2" charset="77"/>
+              </a:rPr>
+              <a:t> שמנסה לאזן בין המזעור של ה-</a:t>
+            </a:r>
+            <a:r>
+              <a:rPr lang="en-US" sz="1800" dirty="0">
+                <a:latin typeface="Montserrat" pitchFamily="2" charset="77"/>
+              </a:rPr>
+              <a:t>loss</a:t>
+            </a:r>
+            <a:r>
+              <a:rPr lang="he-IL" sz="1800" dirty="0">
+                <a:latin typeface="Montserrat" pitchFamily="2" charset="77"/>
+              </a:rPr>
+              <a:t> של הסיכון </a:t>
+            </a:r>
+            <a:r>
+              <a:rPr lang="he-IL" sz="1800" dirty="0" err="1">
+                <a:latin typeface="Montserrat" pitchFamily="2" charset="77"/>
+              </a:rPr>
+              <a:t>האמפרי</a:t>
+            </a:r>
+            <a:r>
+              <a:rPr lang="he-IL" sz="1800" dirty="0">
+                <a:latin typeface="Montserrat" pitchFamily="2" charset="77"/>
+              </a:rPr>
+              <a:t> וגם של </a:t>
+            </a:r>
+            <a:r>
+              <a:rPr lang="he-IL" sz="1800" dirty="0" err="1">
+                <a:latin typeface="Montserrat" pitchFamily="2" charset="77"/>
+              </a:rPr>
+              <a:t>הוקטור</a:t>
+            </a:r>
+            <a:r>
+              <a:rPr lang="he-IL" sz="1800" dirty="0">
+                <a:latin typeface="Montserrat" pitchFamily="2" charset="77"/>
+              </a:rPr>
+              <a:t>.  בנוסף קבענו</a:t>
+            </a:r>
+            <a:r>
+              <a:rPr lang="en-US" sz="1800" dirty="0">
+                <a:latin typeface="Montserrat" pitchFamily="2" charset="77"/>
+              </a:rPr>
+              <a:t>learning rate =0.1 </a:t>
+            </a:r>
+            <a:r>
+              <a:rPr lang="he-IL" sz="1800" dirty="0">
+                <a:latin typeface="Montserrat" pitchFamily="2" charset="77"/>
+              </a:rPr>
+              <a:t> ומגוון ערכי</a:t>
+            </a:r>
+            <a:r>
+              <a:rPr lang="en-US" sz="1800" dirty="0" err="1">
+                <a:latin typeface="Montserrat" pitchFamily="2" charset="77"/>
+              </a:rPr>
+              <a:t>c_value</a:t>
+            </a:r>
+            <a:r>
+              <a:rPr lang="en-US" sz="1800" dirty="0">
+                <a:latin typeface="Montserrat" pitchFamily="2" charset="77"/>
+              </a:rPr>
+              <a:t> </a:t>
+            </a:r>
+            <a:r>
+              <a:rPr lang="he-IL" sz="1800" dirty="0">
+                <a:latin typeface="Montserrat" pitchFamily="2" charset="77"/>
+              </a:rPr>
+              <a:t> שונים שקטנים מ1 בשביל להגדיל את ההשפעה של </a:t>
+            </a:r>
+            <a:r>
+              <a:rPr lang="he-IL" sz="1800" dirty="0" err="1">
+                <a:latin typeface="Montserrat" pitchFamily="2" charset="77"/>
+              </a:rPr>
+              <a:t>הרגולייזר</a:t>
+            </a:r>
+            <a:r>
+              <a:rPr lang="he-IL" sz="1800" dirty="0">
+                <a:latin typeface="Montserrat" pitchFamily="2" charset="77"/>
+              </a:rPr>
+              <a:t>. פרמטר </a:t>
+            </a:r>
+            <a:r>
+              <a:rPr lang="en-US" sz="1800" dirty="0" err="1">
+                <a:latin typeface="Montserrat" pitchFamily="2" charset="77"/>
+              </a:rPr>
+              <a:t>c_value</a:t>
+            </a:r>
+            <a:r>
+              <a:rPr lang="he-IL" sz="1800" dirty="0">
+                <a:latin typeface="Montserrat" pitchFamily="2" charset="77"/>
+              </a:rPr>
+              <a:t> מקטין את ההשפעה של </a:t>
+            </a:r>
+            <a:r>
+              <a:rPr lang="he-IL" sz="1800" dirty="0" err="1">
+                <a:latin typeface="Montserrat" pitchFamily="2" charset="77"/>
+              </a:rPr>
+              <a:t>הרגולייזר</a:t>
+            </a:r>
+            <a:r>
+              <a:rPr lang="he-IL" sz="1800" dirty="0">
+                <a:latin typeface="Montserrat" pitchFamily="2" charset="77"/>
+              </a:rPr>
+              <a:t> ביחס הפוך לערך שלו.</a:t>
+            </a:r>
+          </a:p>
+          <a:p>
+            <a:pPr marL="171450" indent="-171450" algn="r" rtl="1">
+              <a:spcAft>
+                <a:spcPts val="1200"/>
+              </a:spcAft>
+            </a:pPr>
+            <a:r>
+              <a:rPr lang="he-IL" sz="1800" dirty="0">
+                <a:latin typeface="Montserrat" pitchFamily="2" charset="77"/>
+              </a:rPr>
+              <a:t>הפרמטרים שהביאו את התוצאות המקסימליות: </a:t>
+            </a:r>
+          </a:p>
+          <a:p>
+            <a:pPr marL="171450" indent="-171450" algn="r" rtl="1">
+              <a:spcAft>
+                <a:spcPts val="1200"/>
+              </a:spcAft>
+            </a:pPr>
+            <a:r>
+              <a:rPr lang="sv-SE" sz="1800" dirty="0">
+                <a:latin typeface="Montserrat" pitchFamily="2" charset="77"/>
+              </a:rPr>
+              <a:t>C</a:t>
+            </a:r>
+            <a:r>
+              <a:rPr lang="en-US" sz="1800" dirty="0">
+                <a:latin typeface="Montserrat" pitchFamily="2" charset="77"/>
+              </a:rPr>
+              <a:t>_value:</a:t>
+            </a:r>
+            <a:r>
+              <a:rPr lang="sv-SE" sz="1800" dirty="0">
+                <a:latin typeface="Montserrat" pitchFamily="2" charset="77"/>
+              </a:rPr>
+              <a:t> 0.7462138628,   </a:t>
+            </a:r>
+            <a:endParaRPr lang="he-IL" sz="1800" dirty="0">
               <a:latin typeface="Montserrat" pitchFamily="2" charset="77"/>
             </a:endParaRPr>
           </a:p>
           <a:p>
-            <a:pPr marL="0" marR="0" lvl="0" indent="0" algn="r" rtl="0">
-              <a:lnSpc>
-                <a:spcPct val="115000"/>
-              </a:lnSpc>
-              <a:spcBef>
-                <a:spcPts val="0"/>
-              </a:spcBef>
-              <a:spcAft>
-                <a:spcPts val="0"/>
-              </a:spcAft>
-              <a:buClr>
-                <a:schemeClr val="lt1"/>
-              </a:buClr>
-              <a:buSzPts val="1300"/>
-              <a:buFont typeface="Lato"/>
-              <a:buNone/>
+            <a:pPr marL="171450" indent="-171450" algn="r" rtl="1">
+              <a:spcAft>
+                <a:spcPts val="1200"/>
+              </a:spcAft>
             </a:pPr>
             <a:r>
-              <a:rPr lang="he-IL" sz="1120" dirty="0">
-                <a:latin typeface="Montserrat" pitchFamily="2" charset="77"/>
-              </a:rPr>
-              <a:t>להוסיף הסבר</a:t>
-            </a:r>
-            <a:endParaRPr lang="en-US" sz="1120" dirty="0">
+              <a:rPr lang="sv-SE" sz="1800" dirty="0">
+                <a:latin typeface="Montserrat" pitchFamily="2" charset="77"/>
+              </a:rPr>
+              <a:t>             epsilon: 0.001</a:t>
+            </a:r>
+            <a:endParaRPr lang="he-IL" sz="1800" dirty="0">
               <a:latin typeface="Montserrat" pitchFamily="2" charset="77"/>
             </a:endParaRPr>
           </a:p>
           <a:p>
-            <a:pPr marL="0" marR="0" lvl="0" indent="0" algn="r" rtl="0">
-              <a:lnSpc>
-                <a:spcPct val="115000"/>
-              </a:lnSpc>
-              <a:spcBef>
-                <a:spcPts val="0"/>
-              </a:spcBef>
-              <a:spcAft>
-                <a:spcPts val="0"/>
-              </a:spcAft>
-              <a:buClr>
-                <a:schemeClr val="lt1"/>
-              </a:buClr>
-              <a:buSzPts val="1300"/>
-              <a:buFont typeface="Lato"/>
-              <a:buNone/>
+            <a:pPr marL="171450" indent="-171450" algn="r" rtl="1">
+              <a:spcAft>
+                <a:spcPts val="1200"/>
+              </a:spcAft>
             </a:pPr>
             <a:r>
-              <a:rPr lang="en-US" sz="1120" dirty="0" err="1">
-                <a:latin typeface="Montserrat" pitchFamily="2" charset="77"/>
-              </a:rPr>
-              <a:t>KNeighborsClassifier</a:t>
-            </a:r>
-            <a:endParaRPr lang="en-US" sz="1120" dirty="0">
+              <a:rPr lang="sv-SE" sz="1800" dirty="0">
+                <a:latin typeface="Montserrat" pitchFamily="2" charset="77"/>
+              </a:rPr>
+              <a:t>               random_state_val: 1</a:t>
+            </a:r>
+            <a:endParaRPr lang="he-IL" sz="1800" dirty="0">
               <a:latin typeface="Montserrat" pitchFamily="2" charset="77"/>
             </a:endParaRPr>
           </a:p>
           <a:p>
-            <a:pPr marL="0" indent="0" algn="r">
-              <a:buNone/>
+            <a:pPr marL="171450" indent="-171450" algn="r" rtl="1">
+              <a:spcAft>
+                <a:spcPts val="1200"/>
+              </a:spcAft>
             </a:pPr>
-            <a:r>
-              <a:rPr lang="he-IL" sz="1120" dirty="0">
-                <a:latin typeface="Montserrat" pitchFamily="2" charset="77"/>
-              </a:rPr>
-              <a:t>להוסיף הסבר</a:t>
-            </a:r>
-            <a:endParaRPr lang="en-US" sz="1120" dirty="0">
-              <a:latin typeface="Montserrat" pitchFamily="2" charset="77"/>
-            </a:endParaRPr>
-          </a:p>
-          <a:p>
-            <a:pPr marL="0" marR="0" lvl="0" indent="0" algn="r" rtl="0">
-              <a:lnSpc>
-                <a:spcPct val="115000"/>
-              </a:lnSpc>
-              <a:spcBef>
-                <a:spcPts val="0"/>
-              </a:spcBef>
-              <a:spcAft>
-                <a:spcPts val="0"/>
-              </a:spcAft>
-              <a:buClr>
-                <a:schemeClr val="lt1"/>
-              </a:buClr>
-              <a:buSzPts val="1300"/>
-              <a:buFont typeface="Lato"/>
-              <a:buNone/>
-            </a:pPr>
-            <a:r>
-              <a:rPr lang="en-US" sz="1120" dirty="0" err="1">
-                <a:latin typeface="Montserrat" pitchFamily="2" charset="77"/>
-              </a:rPr>
-              <a:t>LinearSVC</a:t>
-            </a:r>
-            <a:endParaRPr lang="en-US" sz="1120" dirty="0">
-              <a:latin typeface="Montserrat" pitchFamily="2" charset="77"/>
-            </a:endParaRPr>
-          </a:p>
-          <a:p>
-            <a:pPr marL="0" indent="0" algn="r">
-              <a:buNone/>
-            </a:pPr>
-            <a:r>
-              <a:rPr lang="he-IL" sz="1120" dirty="0">
-                <a:latin typeface="Montserrat" pitchFamily="2" charset="77"/>
-              </a:rPr>
-              <a:t>להוסיף הסבר</a:t>
-            </a:r>
-            <a:endParaRPr lang="en-US" sz="1120" dirty="0">
-              <a:latin typeface="Montserrat" pitchFamily="2" charset="77"/>
-            </a:endParaRPr>
-          </a:p>
-          <a:p>
-            <a:pPr marL="0" marR="0" lvl="0" indent="0" algn="r" rtl="0">
-              <a:lnSpc>
-                <a:spcPct val="115000"/>
-              </a:lnSpc>
-              <a:spcBef>
-                <a:spcPts val="0"/>
-              </a:spcBef>
-              <a:spcAft>
-                <a:spcPts val="0"/>
-              </a:spcAft>
-              <a:buClr>
-                <a:schemeClr val="lt1"/>
-              </a:buClr>
-              <a:buSzPts val="1300"/>
-              <a:buFont typeface="Lato"/>
-              <a:buNone/>
-            </a:pPr>
-            <a:r>
-              <a:rPr lang="en-US" sz="1120" dirty="0" err="1">
-                <a:latin typeface="Montserrat" pitchFamily="2" charset="77"/>
-              </a:rPr>
-              <a:t>DecisionTreeClassifier</a:t>
-            </a:r>
-            <a:endParaRPr lang="en-US" sz="1120" dirty="0">
-              <a:latin typeface="Montserrat" pitchFamily="2" charset="77"/>
-            </a:endParaRPr>
-          </a:p>
-          <a:p>
-            <a:pPr marL="0" indent="0" algn="r">
-              <a:buNone/>
-            </a:pPr>
-            <a:r>
-              <a:rPr lang="he-IL" sz="1120" dirty="0">
-                <a:latin typeface="Montserrat" pitchFamily="2" charset="77"/>
-              </a:rPr>
-              <a:t>להוסיף הסבר</a:t>
-            </a:r>
-            <a:endParaRPr lang="en-US" sz="1120" dirty="0">
-              <a:latin typeface="Montserrat" pitchFamily="2" charset="77"/>
-            </a:endParaRPr>
-          </a:p>
-          <a:p>
-            <a:pPr marL="0" marR="0" lvl="0" indent="0" algn="r" rtl="0">
-              <a:lnSpc>
-                <a:spcPct val="115000"/>
-              </a:lnSpc>
-              <a:spcBef>
-                <a:spcPts val="0"/>
-              </a:spcBef>
-              <a:spcAft>
-                <a:spcPts val="0"/>
-              </a:spcAft>
-              <a:buClr>
-                <a:schemeClr val="lt1"/>
-              </a:buClr>
-              <a:buSzPts val="1300"/>
-              <a:buFont typeface="Lato"/>
-              <a:buNone/>
-            </a:pPr>
-            <a:r>
-              <a:rPr lang="en-US" sz="1120" dirty="0" err="1">
-                <a:latin typeface="Montserrat" pitchFamily="2" charset="77"/>
-              </a:rPr>
-              <a:t>LogisticRegression</a:t>
-            </a:r>
-            <a:endParaRPr lang="en-US" sz="1120" dirty="0">
+            <a:endParaRPr lang="he-IL" sz="1800" dirty="0">
               <a:latin typeface="Montserrat" pitchFamily="2" charset="77"/>
             </a:endParaRPr>
           </a:p>
         </p:txBody>
       </p:sp>
     </p:spTree>
+    <p:extLst>
+      <p:ext uri="{BB962C8B-B14F-4D97-AF65-F5344CB8AC3E}">
+        <p14:creationId xmlns:p14="http://schemas.microsoft.com/office/powerpoint/2010/main" val="1469305543"/>
+      </p:ext>
+    </p:extLst>
+  </p:cSld>
+  <p:clrMapOvr>
+    <a:masterClrMapping/>
+  </p:clrMapOvr>
+</p:sld>
+</file>
+
+<file path=ppt/slides/slide9.xml><?xml version="1.0" encoding="utf-8"?>
+<p:sld xmlns:a="http://schemas.openxmlformats.org/drawingml/2006/main" xmlns:r="http://schemas.openxmlformats.org/officeDocument/2006/relationships" xmlns:p="http://schemas.openxmlformats.org/presentationml/2006/main">
+  <p:cSld>
+    <p:spTree>
+      <p:nvGrpSpPr>
+        <p:cNvPr id="1" name="Shape 140"/>
+        <p:cNvGrpSpPr/>
+        <p:nvPr/>
+      </p:nvGrpSpPr>
+      <p:grpSpPr>
+        <a:xfrm>
+          <a:off x="0" y="0"/>
+          <a:ext cx="0" cy="0"/>
+          <a:chOff x="0" y="0"/>
+          <a:chExt cx="0" cy="0"/>
+        </a:xfrm>
+      </p:grpSpPr>
+      <p:sp>
+        <p:nvSpPr>
+          <p:cNvPr id="141" name="Google Shape;141;p14"/>
+          <p:cNvSpPr txBox="1">
+            <a:spLocks noGrp="1"/>
+          </p:cNvSpPr>
+          <p:nvPr>
+            <p:ph type="title"/>
+          </p:nvPr>
+        </p:nvSpPr>
+        <p:spPr>
+          <a:prstGeom prst="rect">
+            <a:avLst/>
+          </a:prstGeom>
+        </p:spPr>
+        <p:txBody>
+          <a:bodyPr spcFirstLastPara="1" wrap="square" lIns="91425" tIns="91425" rIns="91425" bIns="91425" anchor="t" anchorCtr="0">
+            <a:normAutofit/>
+          </a:bodyPr>
+          <a:lstStyle/>
+          <a:p>
+            <a:pPr marL="0" lvl="0" indent="0" algn="ctr" rtl="0">
+              <a:spcBef>
+                <a:spcPts val="0"/>
+              </a:spcBef>
+              <a:spcAft>
+                <a:spcPts val="0"/>
+              </a:spcAft>
+              <a:buNone/>
+            </a:pPr>
+            <a:r>
+              <a:rPr lang="en-US" dirty="0"/>
+              <a:t>Logistic Regression</a:t>
+            </a:r>
+            <a:endParaRPr i="1" u="sng" dirty="0">
+              <a:latin typeface="Miriam" panose="020B0502050101010101" pitchFamily="34" charset="-79"/>
+              <a:cs typeface="Miriam" panose="020B0502050101010101" pitchFamily="34" charset="-79"/>
+            </a:endParaRPr>
+          </a:p>
+        </p:txBody>
+      </p:sp>
+      <p:sp>
+        <p:nvSpPr>
+          <p:cNvPr id="9" name="מציין מיקום טקסט 8">
+            <a:extLst>
+              <a:ext uri="{FF2B5EF4-FFF2-40B4-BE49-F238E27FC236}">
+                <a16:creationId xmlns:a16="http://schemas.microsoft.com/office/drawing/2014/main" id="{20D1650B-058C-FD2C-2FF7-7D1A51C1FA5A}"/>
+              </a:ext>
+            </a:extLst>
+          </p:cNvPr>
+          <p:cNvSpPr>
+            <a:spLocks noGrp="1"/>
+          </p:cNvSpPr>
+          <p:nvPr>
+            <p:ph type="body" idx="1"/>
+          </p:nvPr>
+        </p:nvSpPr>
+        <p:spPr>
+          <a:xfrm>
+            <a:off x="1515503" y="1264769"/>
+            <a:ext cx="7038900" cy="521642"/>
+          </a:xfrm>
+        </p:spPr>
+        <p:txBody>
+          <a:bodyPr>
+            <a:normAutofit fontScale="85000" lnSpcReduction="20000"/>
+          </a:bodyPr>
+          <a:lstStyle/>
+          <a:p>
+            <a:pPr marL="146050" indent="0" algn="r" rtl="1">
+              <a:buNone/>
+            </a:pPr>
+            <a:r>
+              <a:rPr lang="he-IL" dirty="0"/>
+              <a:t>כל תמונה מייצגת תוצאות הרצה על </a:t>
+            </a:r>
+            <a:r>
+              <a:rPr lang="en-US" dirty="0"/>
+              <a:t>train </a:t>
+            </a:r>
+            <a:r>
+              <a:rPr lang="he-IL" dirty="0"/>
+              <a:t> ו-</a:t>
+            </a:r>
+            <a:r>
+              <a:rPr lang="en-US" dirty="0"/>
+              <a:t>test </a:t>
+            </a:r>
+            <a:r>
+              <a:rPr lang="he-IL" dirty="0"/>
+              <a:t> לפי </a:t>
+            </a:r>
+            <a:r>
+              <a:rPr lang="en-US" dirty="0"/>
+              <a:t> learning rate </a:t>
+            </a:r>
+            <a:r>
+              <a:rPr lang="he-IL" dirty="0"/>
+              <a:t>שונה. אפשר לראות שקיבלנו תוצאות יפות עבור אלגוריתם זה, וניתן לראות שלא קיים </a:t>
+            </a:r>
+            <a:r>
+              <a:rPr lang="en-US" dirty="0"/>
+              <a:t>overfitting </a:t>
+            </a:r>
+            <a:r>
+              <a:rPr lang="he-IL" dirty="0"/>
+              <a:t> מובהק.</a:t>
+            </a:r>
+          </a:p>
+        </p:txBody>
+      </p:sp>
+      <p:pic>
+        <p:nvPicPr>
+          <p:cNvPr id="4" name="תמונה 3" descr="תמונה שמכילה טקסט&#10;&#10;התיאור נוצר באופן אוטומטי">
+            <a:extLst>
+              <a:ext uri="{FF2B5EF4-FFF2-40B4-BE49-F238E27FC236}">
+                <a16:creationId xmlns:a16="http://schemas.microsoft.com/office/drawing/2014/main" id="{FCFD0D82-2D51-EA91-097B-12F9759C24A2}"/>
+              </a:ext>
+            </a:extLst>
+          </p:cNvPr>
+          <p:cNvPicPr>
+            <a:picLocks noChangeAspect="1"/>
+          </p:cNvPicPr>
+          <p:nvPr/>
+        </p:nvPicPr>
+        <p:blipFill>
+          <a:blip r:embed="rId3"/>
+          <a:stretch>
+            <a:fillRect/>
+          </a:stretch>
+        </p:blipFill>
+        <p:spPr>
+          <a:xfrm>
+            <a:off x="1" y="2355161"/>
+            <a:ext cx="2681056" cy="2788339"/>
+          </a:xfrm>
+          <a:prstGeom prst="rect">
+            <a:avLst/>
+          </a:prstGeom>
+        </p:spPr>
+      </p:pic>
+      <p:pic>
+        <p:nvPicPr>
+          <p:cNvPr id="6" name="תמונה 5" descr="תמונה שמכילה טקסט&#10;&#10;התיאור נוצר באופן אוטומטי">
+            <a:extLst>
+              <a:ext uri="{FF2B5EF4-FFF2-40B4-BE49-F238E27FC236}">
+                <a16:creationId xmlns:a16="http://schemas.microsoft.com/office/drawing/2014/main" id="{29BE0B47-4C41-4CD9-E3AD-C6BD18574D97}"/>
+              </a:ext>
+            </a:extLst>
+          </p:cNvPr>
+          <p:cNvPicPr>
+            <a:picLocks noChangeAspect="1"/>
+          </p:cNvPicPr>
+          <p:nvPr/>
+        </p:nvPicPr>
+        <p:blipFill>
+          <a:blip r:embed="rId4"/>
+          <a:stretch>
+            <a:fillRect/>
+          </a:stretch>
+        </p:blipFill>
+        <p:spPr>
+          <a:xfrm>
+            <a:off x="2794673" y="2355160"/>
+            <a:ext cx="2681056" cy="2788340"/>
+          </a:xfrm>
+          <a:prstGeom prst="rect">
+            <a:avLst/>
+          </a:prstGeom>
+        </p:spPr>
+      </p:pic>
+      <p:pic>
+        <p:nvPicPr>
+          <p:cNvPr id="8" name="תמונה 7" descr="תמונה שמכילה טקסט&#10;&#10;התיאור נוצר באופן אוטומטי">
+            <a:extLst>
+              <a:ext uri="{FF2B5EF4-FFF2-40B4-BE49-F238E27FC236}">
+                <a16:creationId xmlns:a16="http://schemas.microsoft.com/office/drawing/2014/main" id="{48465DDD-2A57-2676-7A64-B85485F1498F}"/>
+              </a:ext>
+            </a:extLst>
+          </p:cNvPr>
+          <p:cNvPicPr>
+            <a:picLocks noChangeAspect="1"/>
+          </p:cNvPicPr>
+          <p:nvPr/>
+        </p:nvPicPr>
+        <p:blipFill>
+          <a:blip r:embed="rId5"/>
+          <a:stretch>
+            <a:fillRect/>
+          </a:stretch>
+        </p:blipFill>
+        <p:spPr>
+          <a:xfrm>
+            <a:off x="5589345" y="2355159"/>
+            <a:ext cx="2873802" cy="2830729"/>
+          </a:xfrm>
+          <a:prstGeom prst="rect">
+            <a:avLst/>
+          </a:prstGeom>
+        </p:spPr>
+      </p:pic>
+      <p:sp>
+        <p:nvSpPr>
+          <p:cNvPr id="11" name="מציין מיקום טקסט 8">
+            <a:extLst>
+              <a:ext uri="{FF2B5EF4-FFF2-40B4-BE49-F238E27FC236}">
+                <a16:creationId xmlns:a16="http://schemas.microsoft.com/office/drawing/2014/main" id="{34808610-9953-283A-F182-5F877BA09034}"/>
+              </a:ext>
+            </a:extLst>
+          </p:cNvPr>
+          <p:cNvSpPr txBox="1">
+            <a:spLocks/>
+          </p:cNvSpPr>
+          <p:nvPr/>
+        </p:nvSpPr>
+        <p:spPr>
+          <a:xfrm>
+            <a:off x="6684219" y="1918048"/>
+            <a:ext cx="657441" cy="521642"/>
+          </a:xfrm>
+          <a:prstGeom prst="rect">
+            <a:avLst/>
+          </a:prstGeom>
+          <a:noFill/>
+          <a:ln>
+            <a:noFill/>
+          </a:ln>
+        </p:spPr>
+        <p:txBody>
+          <a:bodyPr spcFirstLastPara="1" wrap="square" lIns="91425" tIns="91425" rIns="91425" bIns="91425" anchor="t" anchorCtr="0">
+            <a:normAutofit/>
+          </a:bodyPr>
+          <a:lstStyle>
+            <a:defPPr marR="0" lvl="0" algn="l" rtl="0">
+              <a:lnSpc>
+                <a:spcPct val="100000"/>
+              </a:lnSpc>
+              <a:spcBef>
+                <a:spcPts val="0"/>
+              </a:spcBef>
+              <a:spcAft>
+                <a:spcPts val="0"/>
+              </a:spcAft>
+            </a:defPPr>
+            <a:lvl1pPr marL="457200" marR="0" lvl="0" indent="-311150" algn="l" rtl="0">
+              <a:lnSpc>
+                <a:spcPct val="115000"/>
+              </a:lnSpc>
+              <a:spcBef>
+                <a:spcPts val="0"/>
+              </a:spcBef>
+              <a:spcAft>
+                <a:spcPts val="0"/>
+              </a:spcAft>
+              <a:buClr>
+                <a:schemeClr val="lt1"/>
+              </a:buClr>
+              <a:buSzPts val="1300"/>
+              <a:buFont typeface="Lato"/>
+              <a:buChar char="●"/>
+              <a:defRPr sz="1300" b="0" i="0" u="none" strike="noStrike" cap="none">
+                <a:solidFill>
+                  <a:schemeClr val="lt1"/>
+                </a:solidFill>
+                <a:latin typeface="Lato"/>
+                <a:ea typeface="Lato"/>
+                <a:cs typeface="Lato"/>
+                <a:sym typeface="Lato"/>
+              </a:defRPr>
+            </a:lvl1pPr>
+            <a:lvl2pPr marL="914400" marR="0" lvl="1" indent="-298450" algn="l" rtl="0">
+              <a:lnSpc>
+                <a:spcPct val="115000"/>
+              </a:lnSpc>
+              <a:spcBef>
+                <a:spcPts val="0"/>
+              </a:spcBef>
+              <a:spcAft>
+                <a:spcPts val="0"/>
+              </a:spcAft>
+              <a:buClr>
+                <a:schemeClr val="lt1"/>
+              </a:buClr>
+              <a:buSzPts val="1100"/>
+              <a:buFont typeface="Lato"/>
+              <a:buChar char="○"/>
+              <a:defRPr sz="1100" b="0" i="0" u="none" strike="noStrike" cap="none">
+                <a:solidFill>
+                  <a:schemeClr val="lt1"/>
+                </a:solidFill>
+                <a:latin typeface="Lato"/>
+                <a:ea typeface="Lato"/>
+                <a:cs typeface="Lato"/>
+                <a:sym typeface="Lato"/>
+              </a:defRPr>
+            </a:lvl2pPr>
+            <a:lvl3pPr marL="1371600" marR="0" lvl="2" indent="-298450" algn="l" rtl="0">
+              <a:lnSpc>
+                <a:spcPct val="115000"/>
+              </a:lnSpc>
+              <a:spcBef>
+                <a:spcPts val="0"/>
+              </a:spcBef>
+              <a:spcAft>
+                <a:spcPts val="0"/>
+              </a:spcAft>
+              <a:buClr>
+                <a:schemeClr val="lt1"/>
+              </a:buClr>
+              <a:buSzPts val="1100"/>
+              <a:buFont typeface="Lato"/>
+              <a:buChar char="■"/>
+              <a:defRPr sz="1100" b="0" i="0" u="none" strike="noStrike" cap="none">
+                <a:solidFill>
+                  <a:schemeClr val="lt1"/>
+                </a:solidFill>
+                <a:latin typeface="Lato"/>
+                <a:ea typeface="Lato"/>
+                <a:cs typeface="Lato"/>
+                <a:sym typeface="Lato"/>
+              </a:defRPr>
+            </a:lvl3pPr>
+            <a:lvl4pPr marL="1828800" marR="0" lvl="3" indent="-298450" algn="l" rtl="0">
+              <a:lnSpc>
+                <a:spcPct val="115000"/>
+              </a:lnSpc>
+              <a:spcBef>
+                <a:spcPts val="0"/>
+              </a:spcBef>
+              <a:spcAft>
+                <a:spcPts val="0"/>
+              </a:spcAft>
+              <a:buClr>
+                <a:schemeClr val="lt1"/>
+              </a:buClr>
+              <a:buSzPts val="1100"/>
+              <a:buFont typeface="Lato"/>
+              <a:buChar char="●"/>
+              <a:defRPr sz="1100" b="0" i="0" u="none" strike="noStrike" cap="none">
+                <a:solidFill>
+                  <a:schemeClr val="lt1"/>
+                </a:solidFill>
+                <a:latin typeface="Lato"/>
+                <a:ea typeface="Lato"/>
+                <a:cs typeface="Lato"/>
+                <a:sym typeface="Lato"/>
+              </a:defRPr>
+            </a:lvl4pPr>
+            <a:lvl5pPr marL="2286000" marR="0" lvl="4" indent="-298450" algn="l" rtl="0">
+              <a:lnSpc>
+                <a:spcPct val="115000"/>
+              </a:lnSpc>
+              <a:spcBef>
+                <a:spcPts val="0"/>
+              </a:spcBef>
+              <a:spcAft>
+                <a:spcPts val="0"/>
+              </a:spcAft>
+              <a:buClr>
+                <a:schemeClr val="lt1"/>
+              </a:buClr>
+              <a:buSzPts val="1100"/>
+              <a:buFont typeface="Lato"/>
+              <a:buChar char="○"/>
+              <a:defRPr sz="1100" b="0" i="0" u="none" strike="noStrike" cap="none">
+                <a:solidFill>
+                  <a:schemeClr val="lt1"/>
+                </a:solidFill>
+                <a:latin typeface="Lato"/>
+                <a:ea typeface="Lato"/>
+                <a:cs typeface="Lato"/>
+                <a:sym typeface="Lato"/>
+              </a:defRPr>
+            </a:lvl5pPr>
+            <a:lvl6pPr marL="2743200" marR="0" lvl="5" indent="-298450" algn="l" rtl="0">
+              <a:lnSpc>
+                <a:spcPct val="115000"/>
+              </a:lnSpc>
+              <a:spcBef>
+                <a:spcPts val="0"/>
+              </a:spcBef>
+              <a:spcAft>
+                <a:spcPts val="0"/>
+              </a:spcAft>
+              <a:buClr>
+                <a:schemeClr val="lt1"/>
+              </a:buClr>
+              <a:buSzPts val="1100"/>
+              <a:buFont typeface="Lato"/>
+              <a:buChar char="■"/>
+              <a:defRPr sz="1100" b="0" i="0" u="none" strike="noStrike" cap="none">
+                <a:solidFill>
+                  <a:schemeClr val="lt1"/>
+                </a:solidFill>
+                <a:latin typeface="Lato"/>
+                <a:ea typeface="Lato"/>
+                <a:cs typeface="Lato"/>
+                <a:sym typeface="Lato"/>
+              </a:defRPr>
+            </a:lvl6pPr>
+            <a:lvl7pPr marL="3200400" marR="0" lvl="6" indent="-298450" algn="l" rtl="0">
+              <a:lnSpc>
+                <a:spcPct val="115000"/>
+              </a:lnSpc>
+              <a:spcBef>
+                <a:spcPts val="0"/>
+              </a:spcBef>
+              <a:spcAft>
+                <a:spcPts val="0"/>
+              </a:spcAft>
+              <a:buClr>
+                <a:schemeClr val="lt1"/>
+              </a:buClr>
+              <a:buSzPts val="1100"/>
+              <a:buFont typeface="Lato"/>
+              <a:buChar char="●"/>
+              <a:defRPr sz="1100" b="0" i="0" u="none" strike="noStrike" cap="none">
+                <a:solidFill>
+                  <a:schemeClr val="lt1"/>
+                </a:solidFill>
+                <a:latin typeface="Lato"/>
+                <a:ea typeface="Lato"/>
+                <a:cs typeface="Lato"/>
+                <a:sym typeface="Lato"/>
+              </a:defRPr>
+            </a:lvl7pPr>
+            <a:lvl8pPr marL="3657600" marR="0" lvl="7" indent="-298450" algn="l" rtl="0">
+              <a:lnSpc>
+                <a:spcPct val="115000"/>
+              </a:lnSpc>
+              <a:spcBef>
+                <a:spcPts val="0"/>
+              </a:spcBef>
+              <a:spcAft>
+                <a:spcPts val="0"/>
+              </a:spcAft>
+              <a:buClr>
+                <a:schemeClr val="lt1"/>
+              </a:buClr>
+              <a:buSzPts val="1100"/>
+              <a:buFont typeface="Lato"/>
+              <a:buChar char="○"/>
+              <a:defRPr sz="1100" b="0" i="0" u="none" strike="noStrike" cap="none">
+                <a:solidFill>
+                  <a:schemeClr val="lt1"/>
+                </a:solidFill>
+                <a:latin typeface="Lato"/>
+                <a:ea typeface="Lato"/>
+                <a:cs typeface="Lato"/>
+                <a:sym typeface="Lato"/>
+              </a:defRPr>
+            </a:lvl8pPr>
+            <a:lvl9pPr marL="4114800" marR="0" lvl="8" indent="-298450" algn="l" rtl="0">
+              <a:lnSpc>
+                <a:spcPct val="115000"/>
+              </a:lnSpc>
+              <a:spcBef>
+                <a:spcPts val="0"/>
+              </a:spcBef>
+              <a:spcAft>
+                <a:spcPts val="0"/>
+              </a:spcAft>
+              <a:buClr>
+                <a:schemeClr val="lt1"/>
+              </a:buClr>
+              <a:buSzPts val="1100"/>
+              <a:buFont typeface="Lato"/>
+              <a:buChar char="■"/>
+              <a:defRPr sz="1100" b="0" i="0" u="none" strike="noStrike" cap="none">
+                <a:solidFill>
+                  <a:schemeClr val="lt1"/>
+                </a:solidFill>
+                <a:latin typeface="Lato"/>
+                <a:ea typeface="Lato"/>
+                <a:cs typeface="Lato"/>
+                <a:sym typeface="Lato"/>
+              </a:defRPr>
+            </a:lvl9pPr>
+          </a:lstStyle>
+          <a:p>
+            <a:pPr marL="146050" indent="0" algn="r">
+              <a:buNone/>
+            </a:pPr>
+            <a:r>
+              <a:rPr lang="he-IL" dirty="0"/>
+              <a:t>0.3</a:t>
+            </a:r>
+          </a:p>
+        </p:txBody>
+      </p:sp>
+      <p:sp>
+        <p:nvSpPr>
+          <p:cNvPr id="12" name="מציין מיקום טקסט 8">
+            <a:extLst>
+              <a:ext uri="{FF2B5EF4-FFF2-40B4-BE49-F238E27FC236}">
+                <a16:creationId xmlns:a16="http://schemas.microsoft.com/office/drawing/2014/main" id="{84243F97-4A13-92E6-509B-2A47170C7CF7}"/>
+              </a:ext>
+            </a:extLst>
+          </p:cNvPr>
+          <p:cNvSpPr txBox="1">
+            <a:spLocks/>
+          </p:cNvSpPr>
+          <p:nvPr/>
+        </p:nvSpPr>
+        <p:spPr>
+          <a:xfrm>
+            <a:off x="4003163" y="1918048"/>
+            <a:ext cx="657441" cy="521642"/>
+          </a:xfrm>
+          <a:prstGeom prst="rect">
+            <a:avLst/>
+          </a:prstGeom>
+          <a:noFill/>
+          <a:ln>
+            <a:noFill/>
+          </a:ln>
+        </p:spPr>
+        <p:txBody>
+          <a:bodyPr spcFirstLastPara="1" wrap="square" lIns="91425" tIns="91425" rIns="91425" bIns="91425" anchor="t" anchorCtr="0">
+            <a:normAutofit/>
+          </a:bodyPr>
+          <a:lstStyle>
+            <a:defPPr marR="0" lvl="0" algn="l" rtl="0">
+              <a:lnSpc>
+                <a:spcPct val="100000"/>
+              </a:lnSpc>
+              <a:spcBef>
+                <a:spcPts val="0"/>
+              </a:spcBef>
+              <a:spcAft>
+                <a:spcPts val="0"/>
+              </a:spcAft>
+            </a:defPPr>
+            <a:lvl1pPr marL="457200" marR="0" lvl="0" indent="-311150" algn="l" rtl="0">
+              <a:lnSpc>
+                <a:spcPct val="115000"/>
+              </a:lnSpc>
+              <a:spcBef>
+                <a:spcPts val="0"/>
+              </a:spcBef>
+              <a:spcAft>
+                <a:spcPts val="0"/>
+              </a:spcAft>
+              <a:buClr>
+                <a:schemeClr val="lt1"/>
+              </a:buClr>
+              <a:buSzPts val="1300"/>
+              <a:buFont typeface="Lato"/>
+              <a:buChar char="●"/>
+              <a:defRPr sz="1300" b="0" i="0" u="none" strike="noStrike" cap="none">
+                <a:solidFill>
+                  <a:schemeClr val="lt1"/>
+                </a:solidFill>
+                <a:latin typeface="Lato"/>
+                <a:ea typeface="Lato"/>
+                <a:cs typeface="Lato"/>
+                <a:sym typeface="Lato"/>
+              </a:defRPr>
+            </a:lvl1pPr>
+            <a:lvl2pPr marL="914400" marR="0" lvl="1" indent="-298450" algn="l" rtl="0">
+              <a:lnSpc>
+                <a:spcPct val="115000"/>
+              </a:lnSpc>
+              <a:spcBef>
+                <a:spcPts val="0"/>
+              </a:spcBef>
+              <a:spcAft>
+                <a:spcPts val="0"/>
+              </a:spcAft>
+              <a:buClr>
+                <a:schemeClr val="lt1"/>
+              </a:buClr>
+              <a:buSzPts val="1100"/>
+              <a:buFont typeface="Lato"/>
+              <a:buChar char="○"/>
+              <a:defRPr sz="1100" b="0" i="0" u="none" strike="noStrike" cap="none">
+                <a:solidFill>
+                  <a:schemeClr val="lt1"/>
+                </a:solidFill>
+                <a:latin typeface="Lato"/>
+                <a:ea typeface="Lato"/>
+                <a:cs typeface="Lato"/>
+                <a:sym typeface="Lato"/>
+              </a:defRPr>
+            </a:lvl2pPr>
+            <a:lvl3pPr marL="1371600" marR="0" lvl="2" indent="-298450" algn="l" rtl="0">
+              <a:lnSpc>
+                <a:spcPct val="115000"/>
+              </a:lnSpc>
+              <a:spcBef>
+                <a:spcPts val="0"/>
+              </a:spcBef>
+              <a:spcAft>
+                <a:spcPts val="0"/>
+              </a:spcAft>
+              <a:buClr>
+                <a:schemeClr val="lt1"/>
+              </a:buClr>
+              <a:buSzPts val="1100"/>
+              <a:buFont typeface="Lato"/>
+              <a:buChar char="■"/>
+              <a:defRPr sz="1100" b="0" i="0" u="none" strike="noStrike" cap="none">
+                <a:solidFill>
+                  <a:schemeClr val="lt1"/>
+                </a:solidFill>
+                <a:latin typeface="Lato"/>
+                <a:ea typeface="Lato"/>
+                <a:cs typeface="Lato"/>
+                <a:sym typeface="Lato"/>
+              </a:defRPr>
+            </a:lvl3pPr>
+            <a:lvl4pPr marL="1828800" marR="0" lvl="3" indent="-298450" algn="l" rtl="0">
+              <a:lnSpc>
+                <a:spcPct val="115000"/>
+              </a:lnSpc>
+              <a:spcBef>
+                <a:spcPts val="0"/>
+              </a:spcBef>
+              <a:spcAft>
+                <a:spcPts val="0"/>
+              </a:spcAft>
+              <a:buClr>
+                <a:schemeClr val="lt1"/>
+              </a:buClr>
+              <a:buSzPts val="1100"/>
+              <a:buFont typeface="Lato"/>
+              <a:buChar char="●"/>
+              <a:defRPr sz="1100" b="0" i="0" u="none" strike="noStrike" cap="none">
+                <a:solidFill>
+                  <a:schemeClr val="lt1"/>
+                </a:solidFill>
+                <a:latin typeface="Lato"/>
+                <a:ea typeface="Lato"/>
+                <a:cs typeface="Lato"/>
+                <a:sym typeface="Lato"/>
+              </a:defRPr>
+            </a:lvl4pPr>
+            <a:lvl5pPr marL="2286000" marR="0" lvl="4" indent="-298450" algn="l" rtl="0">
+              <a:lnSpc>
+                <a:spcPct val="115000"/>
+              </a:lnSpc>
+              <a:spcBef>
+                <a:spcPts val="0"/>
+              </a:spcBef>
+              <a:spcAft>
+                <a:spcPts val="0"/>
+              </a:spcAft>
+              <a:buClr>
+                <a:schemeClr val="lt1"/>
+              </a:buClr>
+              <a:buSzPts val="1100"/>
+              <a:buFont typeface="Lato"/>
+              <a:buChar char="○"/>
+              <a:defRPr sz="1100" b="0" i="0" u="none" strike="noStrike" cap="none">
+                <a:solidFill>
+                  <a:schemeClr val="lt1"/>
+                </a:solidFill>
+                <a:latin typeface="Lato"/>
+                <a:ea typeface="Lato"/>
+                <a:cs typeface="Lato"/>
+                <a:sym typeface="Lato"/>
+              </a:defRPr>
+            </a:lvl5pPr>
+            <a:lvl6pPr marL="2743200" marR="0" lvl="5" indent="-298450" algn="l" rtl="0">
+              <a:lnSpc>
+                <a:spcPct val="115000"/>
+              </a:lnSpc>
+              <a:spcBef>
+                <a:spcPts val="0"/>
+              </a:spcBef>
+              <a:spcAft>
+                <a:spcPts val="0"/>
+              </a:spcAft>
+              <a:buClr>
+                <a:schemeClr val="lt1"/>
+              </a:buClr>
+              <a:buSzPts val="1100"/>
+              <a:buFont typeface="Lato"/>
+              <a:buChar char="■"/>
+              <a:defRPr sz="1100" b="0" i="0" u="none" strike="noStrike" cap="none">
+                <a:solidFill>
+                  <a:schemeClr val="lt1"/>
+                </a:solidFill>
+                <a:latin typeface="Lato"/>
+                <a:ea typeface="Lato"/>
+                <a:cs typeface="Lato"/>
+                <a:sym typeface="Lato"/>
+              </a:defRPr>
+            </a:lvl6pPr>
+            <a:lvl7pPr marL="3200400" marR="0" lvl="6" indent="-298450" algn="l" rtl="0">
+              <a:lnSpc>
+                <a:spcPct val="115000"/>
+              </a:lnSpc>
+              <a:spcBef>
+                <a:spcPts val="0"/>
+              </a:spcBef>
+              <a:spcAft>
+                <a:spcPts val="0"/>
+              </a:spcAft>
+              <a:buClr>
+                <a:schemeClr val="lt1"/>
+              </a:buClr>
+              <a:buSzPts val="1100"/>
+              <a:buFont typeface="Lato"/>
+              <a:buChar char="●"/>
+              <a:defRPr sz="1100" b="0" i="0" u="none" strike="noStrike" cap="none">
+                <a:solidFill>
+                  <a:schemeClr val="lt1"/>
+                </a:solidFill>
+                <a:latin typeface="Lato"/>
+                <a:ea typeface="Lato"/>
+                <a:cs typeface="Lato"/>
+                <a:sym typeface="Lato"/>
+              </a:defRPr>
+            </a:lvl7pPr>
+            <a:lvl8pPr marL="3657600" marR="0" lvl="7" indent="-298450" algn="l" rtl="0">
+              <a:lnSpc>
+                <a:spcPct val="115000"/>
+              </a:lnSpc>
+              <a:spcBef>
+                <a:spcPts val="0"/>
+              </a:spcBef>
+              <a:spcAft>
+                <a:spcPts val="0"/>
+              </a:spcAft>
+              <a:buClr>
+                <a:schemeClr val="lt1"/>
+              </a:buClr>
+              <a:buSzPts val="1100"/>
+              <a:buFont typeface="Lato"/>
+              <a:buChar char="○"/>
+              <a:defRPr sz="1100" b="0" i="0" u="none" strike="noStrike" cap="none">
+                <a:solidFill>
+                  <a:schemeClr val="lt1"/>
+                </a:solidFill>
+                <a:latin typeface="Lato"/>
+                <a:ea typeface="Lato"/>
+                <a:cs typeface="Lato"/>
+                <a:sym typeface="Lato"/>
+              </a:defRPr>
+            </a:lvl8pPr>
+            <a:lvl9pPr marL="4114800" marR="0" lvl="8" indent="-298450" algn="l" rtl="0">
+              <a:lnSpc>
+                <a:spcPct val="115000"/>
+              </a:lnSpc>
+              <a:spcBef>
+                <a:spcPts val="0"/>
+              </a:spcBef>
+              <a:spcAft>
+                <a:spcPts val="0"/>
+              </a:spcAft>
+              <a:buClr>
+                <a:schemeClr val="lt1"/>
+              </a:buClr>
+              <a:buSzPts val="1100"/>
+              <a:buFont typeface="Lato"/>
+              <a:buChar char="■"/>
+              <a:defRPr sz="1100" b="0" i="0" u="none" strike="noStrike" cap="none">
+                <a:solidFill>
+                  <a:schemeClr val="lt1"/>
+                </a:solidFill>
+                <a:latin typeface="Lato"/>
+                <a:ea typeface="Lato"/>
+                <a:cs typeface="Lato"/>
+                <a:sym typeface="Lato"/>
+              </a:defRPr>
+            </a:lvl9pPr>
+          </a:lstStyle>
+          <a:p>
+            <a:pPr marL="146050" indent="0" algn="r">
+              <a:buNone/>
+            </a:pPr>
+            <a:r>
+              <a:rPr lang="he-IL" dirty="0"/>
+              <a:t>0.2</a:t>
+            </a:r>
+          </a:p>
+        </p:txBody>
+      </p:sp>
+      <p:sp>
+        <p:nvSpPr>
+          <p:cNvPr id="13" name="מציין מיקום טקסט 8">
+            <a:extLst>
+              <a:ext uri="{FF2B5EF4-FFF2-40B4-BE49-F238E27FC236}">
+                <a16:creationId xmlns:a16="http://schemas.microsoft.com/office/drawing/2014/main" id="{53D4FE46-B543-4946-9FFA-FEB61A3F87BC}"/>
+              </a:ext>
+            </a:extLst>
+          </p:cNvPr>
+          <p:cNvSpPr txBox="1">
+            <a:spLocks/>
+          </p:cNvSpPr>
+          <p:nvPr/>
+        </p:nvSpPr>
+        <p:spPr>
+          <a:xfrm>
+            <a:off x="1134420" y="1918048"/>
+            <a:ext cx="657441" cy="521642"/>
+          </a:xfrm>
+          <a:prstGeom prst="rect">
+            <a:avLst/>
+          </a:prstGeom>
+          <a:noFill/>
+          <a:ln>
+            <a:noFill/>
+          </a:ln>
+        </p:spPr>
+        <p:txBody>
+          <a:bodyPr spcFirstLastPara="1" wrap="square" lIns="91425" tIns="91425" rIns="91425" bIns="91425" anchor="t" anchorCtr="0">
+            <a:normAutofit/>
+          </a:bodyPr>
+          <a:lstStyle>
+            <a:defPPr marR="0" lvl="0" algn="l" rtl="0">
+              <a:lnSpc>
+                <a:spcPct val="100000"/>
+              </a:lnSpc>
+              <a:spcBef>
+                <a:spcPts val="0"/>
+              </a:spcBef>
+              <a:spcAft>
+                <a:spcPts val="0"/>
+              </a:spcAft>
+            </a:defPPr>
+            <a:lvl1pPr marL="457200" marR="0" lvl="0" indent="-311150" algn="l" rtl="0">
+              <a:lnSpc>
+                <a:spcPct val="115000"/>
+              </a:lnSpc>
+              <a:spcBef>
+                <a:spcPts val="0"/>
+              </a:spcBef>
+              <a:spcAft>
+                <a:spcPts val="0"/>
+              </a:spcAft>
+              <a:buClr>
+                <a:schemeClr val="lt1"/>
+              </a:buClr>
+              <a:buSzPts val="1300"/>
+              <a:buFont typeface="Lato"/>
+              <a:buChar char="●"/>
+              <a:defRPr sz="1300" b="0" i="0" u="none" strike="noStrike" cap="none">
+                <a:solidFill>
+                  <a:schemeClr val="lt1"/>
+                </a:solidFill>
+                <a:latin typeface="Lato"/>
+                <a:ea typeface="Lato"/>
+                <a:cs typeface="Lato"/>
+                <a:sym typeface="Lato"/>
+              </a:defRPr>
+            </a:lvl1pPr>
+            <a:lvl2pPr marL="914400" marR="0" lvl="1" indent="-298450" algn="l" rtl="0">
+              <a:lnSpc>
+                <a:spcPct val="115000"/>
+              </a:lnSpc>
+              <a:spcBef>
+                <a:spcPts val="0"/>
+              </a:spcBef>
+              <a:spcAft>
+                <a:spcPts val="0"/>
+              </a:spcAft>
+              <a:buClr>
+                <a:schemeClr val="lt1"/>
+              </a:buClr>
+              <a:buSzPts val="1100"/>
+              <a:buFont typeface="Lato"/>
+              <a:buChar char="○"/>
+              <a:defRPr sz="1100" b="0" i="0" u="none" strike="noStrike" cap="none">
+                <a:solidFill>
+                  <a:schemeClr val="lt1"/>
+                </a:solidFill>
+                <a:latin typeface="Lato"/>
+                <a:ea typeface="Lato"/>
+                <a:cs typeface="Lato"/>
+                <a:sym typeface="Lato"/>
+              </a:defRPr>
+            </a:lvl2pPr>
+            <a:lvl3pPr marL="1371600" marR="0" lvl="2" indent="-298450" algn="l" rtl="0">
+              <a:lnSpc>
+                <a:spcPct val="115000"/>
+              </a:lnSpc>
+              <a:spcBef>
+                <a:spcPts val="0"/>
+              </a:spcBef>
+              <a:spcAft>
+                <a:spcPts val="0"/>
+              </a:spcAft>
+              <a:buClr>
+                <a:schemeClr val="lt1"/>
+              </a:buClr>
+              <a:buSzPts val="1100"/>
+              <a:buFont typeface="Lato"/>
+              <a:buChar char="■"/>
+              <a:defRPr sz="1100" b="0" i="0" u="none" strike="noStrike" cap="none">
+                <a:solidFill>
+                  <a:schemeClr val="lt1"/>
+                </a:solidFill>
+                <a:latin typeface="Lato"/>
+                <a:ea typeface="Lato"/>
+                <a:cs typeface="Lato"/>
+                <a:sym typeface="Lato"/>
+              </a:defRPr>
+            </a:lvl3pPr>
+            <a:lvl4pPr marL="1828800" marR="0" lvl="3" indent="-298450" algn="l" rtl="0">
+              <a:lnSpc>
+                <a:spcPct val="115000"/>
+              </a:lnSpc>
+              <a:spcBef>
+                <a:spcPts val="0"/>
+              </a:spcBef>
+              <a:spcAft>
+                <a:spcPts val="0"/>
+              </a:spcAft>
+              <a:buClr>
+                <a:schemeClr val="lt1"/>
+              </a:buClr>
+              <a:buSzPts val="1100"/>
+              <a:buFont typeface="Lato"/>
+              <a:buChar char="●"/>
+              <a:defRPr sz="1100" b="0" i="0" u="none" strike="noStrike" cap="none">
+                <a:solidFill>
+                  <a:schemeClr val="lt1"/>
+                </a:solidFill>
+                <a:latin typeface="Lato"/>
+                <a:ea typeface="Lato"/>
+                <a:cs typeface="Lato"/>
+                <a:sym typeface="Lato"/>
+              </a:defRPr>
+            </a:lvl4pPr>
+            <a:lvl5pPr marL="2286000" marR="0" lvl="4" indent="-298450" algn="l" rtl="0">
+              <a:lnSpc>
+                <a:spcPct val="115000"/>
+              </a:lnSpc>
+              <a:spcBef>
+                <a:spcPts val="0"/>
+              </a:spcBef>
+              <a:spcAft>
+                <a:spcPts val="0"/>
+              </a:spcAft>
+              <a:buClr>
+                <a:schemeClr val="lt1"/>
+              </a:buClr>
+              <a:buSzPts val="1100"/>
+              <a:buFont typeface="Lato"/>
+              <a:buChar char="○"/>
+              <a:defRPr sz="1100" b="0" i="0" u="none" strike="noStrike" cap="none">
+                <a:solidFill>
+                  <a:schemeClr val="lt1"/>
+                </a:solidFill>
+                <a:latin typeface="Lato"/>
+                <a:ea typeface="Lato"/>
+                <a:cs typeface="Lato"/>
+                <a:sym typeface="Lato"/>
+              </a:defRPr>
+            </a:lvl5pPr>
+            <a:lvl6pPr marL="2743200" marR="0" lvl="5" indent="-298450" algn="l" rtl="0">
+              <a:lnSpc>
+                <a:spcPct val="115000"/>
+              </a:lnSpc>
+              <a:spcBef>
+                <a:spcPts val="0"/>
+              </a:spcBef>
+              <a:spcAft>
+                <a:spcPts val="0"/>
+              </a:spcAft>
+              <a:buClr>
+                <a:schemeClr val="lt1"/>
+              </a:buClr>
+              <a:buSzPts val="1100"/>
+              <a:buFont typeface="Lato"/>
+              <a:buChar char="■"/>
+              <a:defRPr sz="1100" b="0" i="0" u="none" strike="noStrike" cap="none">
+                <a:solidFill>
+                  <a:schemeClr val="lt1"/>
+                </a:solidFill>
+                <a:latin typeface="Lato"/>
+                <a:ea typeface="Lato"/>
+                <a:cs typeface="Lato"/>
+                <a:sym typeface="Lato"/>
+              </a:defRPr>
+            </a:lvl6pPr>
+            <a:lvl7pPr marL="3200400" marR="0" lvl="6" indent="-298450" algn="l" rtl="0">
+              <a:lnSpc>
+                <a:spcPct val="115000"/>
+              </a:lnSpc>
+              <a:spcBef>
+                <a:spcPts val="0"/>
+              </a:spcBef>
+              <a:spcAft>
+                <a:spcPts val="0"/>
+              </a:spcAft>
+              <a:buClr>
+                <a:schemeClr val="lt1"/>
+              </a:buClr>
+              <a:buSzPts val="1100"/>
+              <a:buFont typeface="Lato"/>
+              <a:buChar char="●"/>
+              <a:defRPr sz="1100" b="0" i="0" u="none" strike="noStrike" cap="none">
+                <a:solidFill>
+                  <a:schemeClr val="lt1"/>
+                </a:solidFill>
+                <a:latin typeface="Lato"/>
+                <a:ea typeface="Lato"/>
+                <a:cs typeface="Lato"/>
+                <a:sym typeface="Lato"/>
+              </a:defRPr>
+            </a:lvl7pPr>
+            <a:lvl8pPr marL="3657600" marR="0" lvl="7" indent="-298450" algn="l" rtl="0">
+              <a:lnSpc>
+                <a:spcPct val="115000"/>
+              </a:lnSpc>
+              <a:spcBef>
+                <a:spcPts val="0"/>
+              </a:spcBef>
+              <a:spcAft>
+                <a:spcPts val="0"/>
+              </a:spcAft>
+              <a:buClr>
+                <a:schemeClr val="lt1"/>
+              </a:buClr>
+              <a:buSzPts val="1100"/>
+              <a:buFont typeface="Lato"/>
+              <a:buChar char="○"/>
+              <a:defRPr sz="1100" b="0" i="0" u="none" strike="noStrike" cap="none">
+                <a:solidFill>
+                  <a:schemeClr val="lt1"/>
+                </a:solidFill>
+                <a:latin typeface="Lato"/>
+                <a:ea typeface="Lato"/>
+                <a:cs typeface="Lato"/>
+                <a:sym typeface="Lato"/>
+              </a:defRPr>
+            </a:lvl8pPr>
+            <a:lvl9pPr marL="4114800" marR="0" lvl="8" indent="-298450" algn="l" rtl="0">
+              <a:lnSpc>
+                <a:spcPct val="115000"/>
+              </a:lnSpc>
+              <a:spcBef>
+                <a:spcPts val="0"/>
+              </a:spcBef>
+              <a:spcAft>
+                <a:spcPts val="0"/>
+              </a:spcAft>
+              <a:buClr>
+                <a:schemeClr val="lt1"/>
+              </a:buClr>
+              <a:buSzPts val="1100"/>
+              <a:buFont typeface="Lato"/>
+              <a:buChar char="■"/>
+              <a:defRPr sz="1100" b="0" i="0" u="none" strike="noStrike" cap="none">
+                <a:solidFill>
+                  <a:schemeClr val="lt1"/>
+                </a:solidFill>
+                <a:latin typeface="Lato"/>
+                <a:ea typeface="Lato"/>
+                <a:cs typeface="Lato"/>
+                <a:sym typeface="Lato"/>
+              </a:defRPr>
+            </a:lvl9pPr>
+          </a:lstStyle>
+          <a:p>
+            <a:pPr marL="146050" indent="0" algn="r">
+              <a:buFont typeface="Lato"/>
+              <a:buNone/>
+            </a:pPr>
+            <a:r>
+              <a:rPr lang="he-IL" dirty="0"/>
+              <a:t>0.1</a:t>
+            </a:r>
+          </a:p>
+        </p:txBody>
+      </p:sp>
+    </p:spTree>
+    <p:extLst>
+      <p:ext uri="{BB962C8B-B14F-4D97-AF65-F5344CB8AC3E}">
+        <p14:creationId xmlns:p14="http://schemas.microsoft.com/office/powerpoint/2010/main" val="2635863212"/>
+      </p:ext>
+    </p:extLst>
   </p:cSld>
   <p:clrMapOvr>
     <a:masterClrMapping/>
@@ -13776,47 +17502,4 @@
   <a:objectDefaults/>
   <a:extraClrSchemeLst/>
 </a:theme>
-</file>
-
-<file path=ppt/theme/themeOverride1.xml><?xml version="1.0" encoding="utf-8"?>
-<a:themeOverride xmlns:a="http://schemas.openxmlformats.org/drawingml/2006/main">
-  <a:clrScheme name="Focus">
-    <a:dk1>
-      <a:srgbClr val="1B212C"/>
-    </a:dk1>
-    <a:lt1>
-      <a:srgbClr val="FFFFFF"/>
-    </a:lt1>
-    <a:dk2>
-      <a:srgbClr val="D9D9D9"/>
-    </a:dk2>
-    <a:lt2>
-      <a:srgbClr val="82C7A5"/>
-    </a:lt2>
-    <a:accent1>
-      <a:srgbClr val="0145AC"/>
-    </a:accent1>
-    <a:accent2>
-      <a:srgbClr val="EECE1A"/>
-    </a:accent2>
-    <a:accent3>
-      <a:srgbClr val="4E5567"/>
-    </a:accent3>
-    <a:accent4>
-      <a:srgbClr val="F4D6AD"/>
-    </a:accent4>
-    <a:accent5>
-      <a:srgbClr val="7890CD"/>
-    </a:accent5>
-    <a:accent6>
-      <a:srgbClr val="F15E22"/>
-    </a:accent6>
-    <a:hlink>
-      <a:srgbClr val="7890CD"/>
-    </a:hlink>
-    <a:folHlink>
-      <a:srgbClr val="7890CD"/>
-    </a:folHlink>
-  </a:clrScheme>
-</a:themeOverride>
 </file>
--- a/Enhancing Mobile Security through Machine Learning_ A Study on Android Malware Detection.pptx
+++ b/Enhancing Mobile Security through Machine Learning_ A Study on Android Malware Detection.pptx
@@ -5,7 +5,7 @@
     <p:sldMasterId id="2147483659" r:id="rId1"/>
   </p:sldMasterIdLst>
   <p:notesMasterIdLst>
-    <p:notesMasterId r:id="rId16"/>
+    <p:notesMasterId r:id="rId18"/>
   </p:notesMasterIdLst>
   <p:sldIdLst>
     <p:sldId id="256" r:id="rId2"/>
@@ -20,29 +20,31 @@
     <p:sldId id="269" r:id="rId11"/>
     <p:sldId id="270" r:id="rId12"/>
     <p:sldId id="268" r:id="rId13"/>
-    <p:sldId id="265" r:id="rId14"/>
-    <p:sldId id="266" r:id="rId15"/>
+    <p:sldId id="271" r:id="rId14"/>
+    <p:sldId id="272" r:id="rId15"/>
+    <p:sldId id="273" r:id="rId16"/>
+    <p:sldId id="274" r:id="rId17"/>
   </p:sldIdLst>
   <p:sldSz cx="9144000" cy="5143500" type="screen16x9"/>
   <p:notesSz cx="6858000" cy="9144000"/>
   <p:embeddedFontLst>
     <p:embeddedFont>
       <p:font typeface="Lato" panose="020F0502020204030203" pitchFamily="34" charset="0"/>
-      <p:regular r:id="rId17"/>
-      <p:bold r:id="rId18"/>
-      <p:italic r:id="rId19"/>
-      <p:boldItalic r:id="rId20"/>
+      <p:regular r:id="rId19"/>
+      <p:bold r:id="rId20"/>
+      <p:italic r:id="rId21"/>
+      <p:boldItalic r:id="rId22"/>
     </p:embeddedFont>
     <p:embeddedFont>
       <p:font typeface="Miriam" panose="020B0502050101010101" pitchFamily="34" charset="-79"/>
-      <p:regular r:id="rId21"/>
+      <p:regular r:id="rId23"/>
     </p:embeddedFont>
     <p:embeddedFont>
       <p:font typeface="Montserrat" panose="00000500000000000000" pitchFamily="2" charset="0"/>
-      <p:regular r:id="rId22"/>
-      <p:bold r:id="rId23"/>
-      <p:italic r:id="rId24"/>
-      <p:boldItalic r:id="rId25"/>
+      <p:regular r:id="rId24"/>
+      <p:bold r:id="rId25"/>
+      <p:italic r:id="rId26"/>
+      <p:boldItalic r:id="rId27"/>
     </p:embeddedFont>
   </p:embeddedFontLst>
   <p:defaultTextStyle>
@@ -296,7 +298,7 @@
 <file path=ppt/revisionInfo.xml><?xml version="1.0" encoding="utf-8"?>
 <p1510:revInfo xmlns:a="http://schemas.openxmlformats.org/drawingml/2006/main" xmlns:r="http://schemas.openxmlformats.org/officeDocument/2006/relationships" xmlns:p1510="http://schemas.microsoft.com/office/powerpoint/2015/10/main">
   <p1510:revLst>
-    <p1510:client id="{66D94DF8-4FC0-4415-A6C2-F84A008B24A8}" v="41" dt="2023-02-16T20:16:40.067"/>
+    <p1510:client id="{66D94DF8-4FC0-4415-A6C2-F84A008B24A8}" v="49" dt="2023-02-16T22:22:08.450"/>
   </p1510:revLst>
 </p1510:revInfo>
 </file>
@@ -306,12 +308,27 @@
   <pc:docChgLst>
     <pc:chgData name="amit kubani" userId="8b53f3189c0b5b40" providerId="LiveId" clId="{66D94DF8-4FC0-4415-A6C2-F84A008B24A8}"/>
     <pc:docChg chg="undo redo custSel addSld delSld modSld sldOrd">
-      <pc:chgData name="amit kubani" userId="8b53f3189c0b5b40" providerId="LiveId" clId="{66D94DF8-4FC0-4415-A6C2-F84A008B24A8}" dt="2023-02-16T20:23:20.729" v="9720" actId="478"/>
+      <pc:chgData name="amit kubani" userId="8b53f3189c0b5b40" providerId="LiveId" clId="{66D94DF8-4FC0-4415-A6C2-F84A008B24A8}" dt="2023-02-16T22:32:53.790" v="13734" actId="20577"/>
       <pc:docMkLst>
         <pc:docMk/>
       </pc:docMkLst>
       <pc:sldChg chg="modSp mod">
-        <pc:chgData name="amit kubani" userId="8b53f3189c0b5b40" providerId="LiveId" clId="{66D94DF8-4FC0-4415-A6C2-F84A008B24A8}" dt="2023-02-16T15:20:59.648" v="2014" actId="313"/>
+        <pc:chgData name="amit kubani" userId="8b53f3189c0b5b40" providerId="LiveId" clId="{66D94DF8-4FC0-4415-A6C2-F84A008B24A8}" dt="2023-02-16T21:17:49.886" v="9731" actId="20577"/>
+        <pc:sldMkLst>
+          <pc:docMk/>
+          <pc:sldMk cId="0" sldId="256"/>
+        </pc:sldMkLst>
+        <pc:spChg chg="mod">
+          <ac:chgData name="amit kubani" userId="8b53f3189c0b5b40" providerId="LiveId" clId="{66D94DF8-4FC0-4415-A6C2-F84A008B24A8}" dt="2023-02-16T21:17:49.886" v="9731" actId="20577"/>
+          <ac:spMkLst>
+            <pc:docMk/>
+            <pc:sldMk cId="0" sldId="256"/>
+            <ac:spMk id="136" creationId="{00000000-0000-0000-0000-000000000000}"/>
+          </ac:spMkLst>
+        </pc:spChg>
+      </pc:sldChg>
+      <pc:sldChg chg="modSp mod">
+        <pc:chgData name="amit kubani" userId="8b53f3189c0b5b40" providerId="LiveId" clId="{66D94DF8-4FC0-4415-A6C2-F84A008B24A8}" dt="2023-02-16T22:22:50.124" v="13622" actId="5793"/>
         <pc:sldMkLst>
           <pc:docMk/>
           <pc:sldMk cId="0" sldId="257"/>
@@ -325,7 +342,7 @@
           </ac:spMkLst>
         </pc:spChg>
         <pc:spChg chg="mod">
-          <ac:chgData name="amit kubani" userId="8b53f3189c0b5b40" providerId="LiveId" clId="{66D94DF8-4FC0-4415-A6C2-F84A008B24A8}" dt="2023-02-16T15:20:59.648" v="2014" actId="313"/>
+          <ac:chgData name="amit kubani" userId="8b53f3189c0b5b40" providerId="LiveId" clId="{66D94DF8-4FC0-4415-A6C2-F84A008B24A8}" dt="2023-02-16T22:22:50.124" v="13622" actId="5793"/>
           <ac:spMkLst>
             <pc:docMk/>
             <pc:sldMk cId="0" sldId="257"/>
@@ -341,7 +358,7 @@
         </pc:sldMkLst>
       </pc:sldChg>
       <pc:sldChg chg="modSp add mod">
-        <pc:chgData name="amit kubani" userId="8b53f3189c0b5b40" providerId="LiveId" clId="{66D94DF8-4FC0-4415-A6C2-F84A008B24A8}" dt="2023-02-16T15:51:45.085" v="2834" actId="14100"/>
+        <pc:chgData name="amit kubani" userId="8b53f3189c0b5b40" providerId="LiveId" clId="{66D94DF8-4FC0-4415-A6C2-F84A008B24A8}" dt="2023-02-16T22:23:10.051" v="13623" actId="20577"/>
         <pc:sldMkLst>
           <pc:docMk/>
           <pc:sldMk cId="3338700465" sldId="258"/>
@@ -355,7 +372,7 @@
           </ac:spMkLst>
         </pc:spChg>
         <pc:spChg chg="mod">
-          <ac:chgData name="amit kubani" userId="8b53f3189c0b5b40" providerId="LiveId" clId="{66D94DF8-4FC0-4415-A6C2-F84A008B24A8}" dt="2023-02-16T15:51:45.085" v="2834" actId="14100"/>
+          <ac:chgData name="amit kubani" userId="8b53f3189c0b5b40" providerId="LiveId" clId="{66D94DF8-4FC0-4415-A6C2-F84A008B24A8}" dt="2023-02-16T22:23:10.051" v="13623" actId="20577"/>
           <ac:spMkLst>
             <pc:docMk/>
             <pc:sldMk cId="3338700465" sldId="258"/>
@@ -371,7 +388,7 @@
         </pc:sldMkLst>
       </pc:sldChg>
       <pc:sldChg chg="addSp delSp modSp add mod">
-        <pc:chgData name="amit kubani" userId="8b53f3189c0b5b40" providerId="LiveId" clId="{66D94DF8-4FC0-4415-A6C2-F84A008B24A8}" dt="2023-02-16T15:52:46.088" v="2934" actId="20577"/>
+        <pc:chgData name="amit kubani" userId="8b53f3189c0b5b40" providerId="LiveId" clId="{66D94DF8-4FC0-4415-A6C2-F84A008B24A8}" dt="2023-02-16T22:23:57.188" v="13628" actId="313"/>
         <pc:sldMkLst>
           <pc:docMk/>
           <pc:sldMk cId="465710397" sldId="259"/>
@@ -393,7 +410,7 @@
           </ac:spMkLst>
         </pc:spChg>
         <pc:spChg chg="add mod">
-          <ac:chgData name="amit kubani" userId="8b53f3189c0b5b40" providerId="LiveId" clId="{66D94DF8-4FC0-4415-A6C2-F84A008B24A8}" dt="2023-02-16T15:52:46.088" v="2934" actId="20577"/>
+          <ac:chgData name="amit kubani" userId="8b53f3189c0b5b40" providerId="LiveId" clId="{66D94DF8-4FC0-4415-A6C2-F84A008B24A8}" dt="2023-02-16T22:23:57.188" v="13628" actId="313"/>
           <ac:spMkLst>
             <pc:docMk/>
             <pc:sldMk cId="465710397" sldId="259"/>
@@ -425,7 +442,7 @@
         </pc:sldMkLst>
       </pc:sldChg>
       <pc:sldChg chg="modSp add mod">
-        <pc:chgData name="amit kubani" userId="8b53f3189c0b5b40" providerId="LiveId" clId="{66D94DF8-4FC0-4415-A6C2-F84A008B24A8}" dt="2023-02-16T18:46:51.643" v="6573" actId="20577"/>
+        <pc:chgData name="amit kubani" userId="8b53f3189c0b5b40" providerId="LiveId" clId="{66D94DF8-4FC0-4415-A6C2-F84A008B24A8}" dt="2023-02-16T22:25:57.622" v="13660" actId="20577"/>
         <pc:sldMkLst>
           <pc:docMk/>
           <pc:sldMk cId="279252422" sldId="260"/>
@@ -439,7 +456,7 @@
           </ac:spMkLst>
         </pc:spChg>
         <pc:spChg chg="mod">
-          <ac:chgData name="amit kubani" userId="8b53f3189c0b5b40" providerId="LiveId" clId="{66D94DF8-4FC0-4415-A6C2-F84A008B24A8}" dt="2023-02-16T18:46:51.643" v="6573" actId="20577"/>
+          <ac:chgData name="amit kubani" userId="8b53f3189c0b5b40" providerId="LiveId" clId="{66D94DF8-4FC0-4415-A6C2-F84A008B24A8}" dt="2023-02-16T22:25:57.622" v="13660" actId="20577"/>
           <ac:spMkLst>
             <pc:docMk/>
             <pc:sldMk cId="279252422" sldId="260"/>
@@ -470,12 +487,20 @@
           </ac:spMkLst>
         </pc:spChg>
       </pc:sldChg>
-      <pc:sldChg chg="add ord">
-        <pc:chgData name="amit kubani" userId="8b53f3189c0b5b40" providerId="LiveId" clId="{66D94DF8-4FC0-4415-A6C2-F84A008B24A8}" dt="2023-02-16T18:20:28.641" v="5344"/>
+      <pc:sldChg chg="modSp add mod ord">
+        <pc:chgData name="amit kubani" userId="8b53f3189c0b5b40" providerId="LiveId" clId="{66D94DF8-4FC0-4415-A6C2-F84A008B24A8}" dt="2023-02-16T22:25:18.786" v="13649" actId="313"/>
         <pc:sldMkLst>
           <pc:docMk/>
           <pc:sldMk cId="1009774296" sldId="261"/>
         </pc:sldMkLst>
+        <pc:spChg chg="mod">
+          <ac:chgData name="amit kubani" userId="8b53f3189c0b5b40" providerId="LiveId" clId="{66D94DF8-4FC0-4415-A6C2-F84A008B24A8}" dt="2023-02-16T22:25:18.786" v="13649" actId="313"/>
+          <ac:spMkLst>
+            <pc:docMk/>
+            <pc:sldMk cId="1009774296" sldId="261"/>
+            <ac:spMk id="142" creationId="{00000000-0000-0000-0000-000000000000}"/>
+          </ac:spMkLst>
+        </pc:spChg>
       </pc:sldChg>
       <pc:sldChg chg="addSp delSp modSp add del mod modClrScheme chgLayout">
         <pc:chgData name="amit kubani" userId="8b53f3189c0b5b40" providerId="LiveId" clId="{66D94DF8-4FC0-4415-A6C2-F84A008B24A8}" dt="2023-02-16T18:11:39.604" v="5332" actId="47"/>
@@ -783,7 +808,7 @@
         </pc:sldMkLst>
       </pc:sldChg>
       <pc:sldChg chg="addSp delSp modSp add mod">
-        <pc:chgData name="amit kubani" userId="8b53f3189c0b5b40" providerId="LiveId" clId="{66D94DF8-4FC0-4415-A6C2-F84A008B24A8}" dt="2023-02-16T19:19:51.625" v="7482" actId="20577"/>
+        <pc:chgData name="amit kubani" userId="8b53f3189c0b5b40" providerId="LiveId" clId="{66D94DF8-4FC0-4415-A6C2-F84A008B24A8}" dt="2023-02-16T22:28:14.050" v="13685" actId="20577"/>
         <pc:sldMkLst>
           <pc:docMk/>
           <pc:sldMk cId="1469305543" sldId="264"/>
@@ -805,7 +830,7 @@
           </ac:spMkLst>
         </pc:spChg>
         <pc:spChg chg="mod">
-          <ac:chgData name="amit kubani" userId="8b53f3189c0b5b40" providerId="LiveId" clId="{66D94DF8-4FC0-4415-A6C2-F84A008B24A8}" dt="2023-02-16T19:19:51.625" v="7482" actId="20577"/>
+          <ac:chgData name="amit kubani" userId="8b53f3189c0b5b40" providerId="LiveId" clId="{66D94DF8-4FC0-4415-A6C2-F84A008B24A8}" dt="2023-02-16T22:28:14.050" v="13685" actId="20577"/>
           <ac:spMkLst>
             <pc:docMk/>
             <pc:sldMk cId="1469305543" sldId="264"/>
@@ -827,8 +852,8 @@
           <pc:sldMk cId="0" sldId="265"/>
         </pc:sldMkLst>
       </pc:sldChg>
-      <pc:sldChg chg="delSp modSp add mod">
-        <pc:chgData name="amit kubani" userId="8b53f3189c0b5b40" providerId="LiveId" clId="{66D94DF8-4FC0-4415-A6C2-F84A008B24A8}" dt="2023-02-16T20:23:20.729" v="9720" actId="478"/>
+      <pc:sldChg chg="delSp modSp add del mod">
+        <pc:chgData name="amit kubani" userId="8b53f3189c0b5b40" providerId="LiveId" clId="{66D94DF8-4FC0-4415-A6C2-F84A008B24A8}" dt="2023-02-16T21:17:31.172" v="9724" actId="47"/>
         <pc:sldMkLst>
           <pc:docMk/>
           <pc:sldMk cId="920333169" sldId="265"/>
@@ -871,8 +896,8 @@
           <pc:sldMk cId="1526326483" sldId="266"/>
         </pc:sldMkLst>
       </pc:sldChg>
-      <pc:sldChg chg="modSp add mod">
-        <pc:chgData name="amit kubani" userId="8b53f3189c0b5b40" providerId="LiveId" clId="{66D94DF8-4FC0-4415-A6C2-F84A008B24A8}" dt="2023-02-16T18:51:57.561" v="6638" actId="20577"/>
+      <pc:sldChg chg="modSp add del mod">
+        <pc:chgData name="amit kubani" userId="8b53f3189c0b5b40" providerId="LiveId" clId="{66D94DF8-4FC0-4415-A6C2-F84A008B24A8}" dt="2023-02-16T21:16:51.135" v="9723" actId="47"/>
         <pc:sldMkLst>
           <pc:docMk/>
           <pc:sldMk cId="3017655696" sldId="266"/>
@@ -917,7 +942,7 @@
         </pc:spChg>
       </pc:sldChg>
       <pc:sldChg chg="addSp delSp modSp add mod ord chgLayout">
-        <pc:chgData name="amit kubani" userId="8b53f3189c0b5b40" providerId="LiveId" clId="{66D94DF8-4FC0-4415-A6C2-F84A008B24A8}" dt="2023-02-16T19:36:04.235" v="8072" actId="20577"/>
+        <pc:chgData name="amit kubani" userId="8b53f3189c0b5b40" providerId="LiveId" clId="{66D94DF8-4FC0-4415-A6C2-F84A008B24A8}" dt="2023-02-16T22:28:49.534" v="13706" actId="27636"/>
         <pc:sldMkLst>
           <pc:docMk/>
           <pc:sldMk cId="2635863212" sldId="267"/>
@@ -931,7 +956,7 @@
           </ac:spMkLst>
         </pc:spChg>
         <pc:spChg chg="add del mod ord">
-          <ac:chgData name="amit kubani" userId="8b53f3189c0b5b40" providerId="LiveId" clId="{66D94DF8-4FC0-4415-A6C2-F84A008B24A8}" dt="2023-02-16T19:36:04.235" v="8072" actId="20577"/>
+          <ac:chgData name="amit kubani" userId="8b53f3189c0b5b40" providerId="LiveId" clId="{66D94DF8-4FC0-4415-A6C2-F84A008B24A8}" dt="2023-02-16T22:28:49.534" v="13706" actId="27636"/>
           <ac:spMkLst>
             <pc:docMk/>
             <pc:sldMk cId="2635863212" sldId="267"/>
@@ -1019,13 +1044,13 @@
         </pc:sldMkLst>
       </pc:sldChg>
       <pc:sldChg chg="addSp delSp modSp new mod ord modClrScheme chgLayout">
-        <pc:chgData name="amit kubani" userId="8b53f3189c0b5b40" providerId="LiveId" clId="{66D94DF8-4FC0-4415-A6C2-F84A008B24A8}" dt="2023-02-16T20:23:04.457" v="9711" actId="20577"/>
+        <pc:chgData name="amit kubani" userId="8b53f3189c0b5b40" providerId="LiveId" clId="{66D94DF8-4FC0-4415-A6C2-F84A008B24A8}" dt="2023-02-16T22:12:14.128" v="13299" actId="1076"/>
         <pc:sldMkLst>
           <pc:docMk/>
           <pc:sldMk cId="1602383501" sldId="268"/>
         </pc:sldMkLst>
         <pc:spChg chg="add del mod ord">
-          <ac:chgData name="amit kubani" userId="8b53f3189c0b5b40" providerId="LiveId" clId="{66D94DF8-4FC0-4415-A6C2-F84A008B24A8}" dt="2023-02-16T20:15:47.565" v="9291" actId="20577"/>
+          <ac:chgData name="amit kubani" userId="8b53f3189c0b5b40" providerId="LiveId" clId="{66D94DF8-4FC0-4415-A6C2-F84A008B24A8}" dt="2023-02-16T22:12:14.128" v="13299" actId="1076"/>
           <ac:spMkLst>
             <pc:docMk/>
             <pc:sldMk cId="1602383501" sldId="268"/>
@@ -1057,7 +1082,7 @@
           </ac:spMkLst>
         </pc:spChg>
         <pc:spChg chg="add mod">
-          <ac:chgData name="amit kubani" userId="8b53f3189c0b5b40" providerId="LiveId" clId="{66D94DF8-4FC0-4415-A6C2-F84A008B24A8}" dt="2023-02-16T20:23:04.457" v="9711" actId="20577"/>
+          <ac:chgData name="amit kubani" userId="8b53f3189c0b5b40" providerId="LiveId" clId="{66D94DF8-4FC0-4415-A6C2-F84A008B24A8}" dt="2023-02-16T22:12:10.567" v="13298" actId="403"/>
           <ac:spMkLst>
             <pc:docMk/>
             <pc:sldMk cId="1602383501" sldId="268"/>
@@ -1114,13 +1139,13 @@
         </pc:picChg>
       </pc:sldChg>
       <pc:sldChg chg="addSp delSp modSp add mod">
-        <pc:chgData name="amit kubani" userId="8b53f3189c0b5b40" providerId="LiveId" clId="{66D94DF8-4FC0-4415-A6C2-F84A008B24A8}" dt="2023-02-16T19:58:21.496" v="8629" actId="20577"/>
+        <pc:chgData name="amit kubani" userId="8b53f3189c0b5b40" providerId="LiveId" clId="{66D94DF8-4FC0-4415-A6C2-F84A008B24A8}" dt="2023-02-16T22:29:16.594" v="13711" actId="313"/>
         <pc:sldMkLst>
           <pc:docMk/>
           <pc:sldMk cId="561043004" sldId="269"/>
         </pc:sldMkLst>
         <pc:spChg chg="mod">
-          <ac:chgData name="amit kubani" userId="8b53f3189c0b5b40" providerId="LiveId" clId="{66D94DF8-4FC0-4415-A6C2-F84A008B24A8}" dt="2023-02-16T19:58:21.496" v="8629" actId="20577"/>
+          <ac:chgData name="amit kubani" userId="8b53f3189c0b5b40" providerId="LiveId" clId="{66D94DF8-4FC0-4415-A6C2-F84A008B24A8}" dt="2023-02-16T22:29:16.594" v="13711" actId="313"/>
           <ac:spMkLst>
             <pc:docMk/>
             <pc:sldMk cId="561043004" sldId="269"/>
@@ -1128,7 +1153,7 @@
           </ac:spMkLst>
         </pc:spChg>
         <pc:spChg chg="mod">
-          <ac:chgData name="amit kubani" userId="8b53f3189c0b5b40" providerId="LiveId" clId="{66D94DF8-4FC0-4415-A6C2-F84A008B24A8}" dt="2023-02-16T19:36:38.746" v="8074"/>
+          <ac:chgData name="amit kubani" userId="8b53f3189c0b5b40" providerId="LiveId" clId="{66D94DF8-4FC0-4415-A6C2-F84A008B24A8}" dt="2023-02-16T22:11:22.364" v="13283" actId="1076"/>
           <ac:spMkLst>
             <pc:docMk/>
             <pc:sldMk cId="561043004" sldId="269"/>
@@ -1215,12 +1240,28 @@
           <pc:sldMk cId="2373467096" sldId="269"/>
         </pc:sldMkLst>
       </pc:sldChg>
-      <pc:sldChg chg="add ord">
-        <pc:chgData name="amit kubani" userId="8b53f3189c0b5b40" providerId="LiveId" clId="{66D94DF8-4FC0-4415-A6C2-F84A008B24A8}" dt="2023-02-16T20:16:00.101" v="9296"/>
+      <pc:sldChg chg="modSp add mod ord">
+        <pc:chgData name="amit kubani" userId="8b53f3189c0b5b40" providerId="LiveId" clId="{66D94DF8-4FC0-4415-A6C2-F84A008B24A8}" dt="2023-02-16T22:11:56.782" v="13295" actId="27636"/>
         <pc:sldMkLst>
           <pc:docMk/>
           <pc:sldMk cId="3916790034" sldId="270"/>
         </pc:sldMkLst>
+        <pc:spChg chg="mod">
+          <ac:chgData name="amit kubani" userId="8b53f3189c0b5b40" providerId="LiveId" clId="{66D94DF8-4FC0-4415-A6C2-F84A008B24A8}" dt="2023-02-16T22:11:56.782" v="13295" actId="27636"/>
+          <ac:spMkLst>
+            <pc:docMk/>
+            <pc:sldMk cId="3916790034" sldId="270"/>
+            <ac:spMk id="13" creationId="{845C5D16-B0EE-4466-2C4B-C441B0D07890}"/>
+          </ac:spMkLst>
+        </pc:spChg>
+        <pc:picChg chg="mod">
+          <ac:chgData name="amit kubani" userId="8b53f3189c0b5b40" providerId="LiveId" clId="{66D94DF8-4FC0-4415-A6C2-F84A008B24A8}" dt="2023-02-16T22:06:03.071" v="13219" actId="1035"/>
+          <ac:picMkLst>
+            <pc:docMk/>
+            <pc:sldMk cId="3916790034" sldId="270"/>
+            <ac:picMk id="7" creationId="{5DD90022-BBAE-20AE-5BA7-9CEAC7399302}"/>
+          </ac:picMkLst>
+        </pc:picChg>
       </pc:sldChg>
       <pc:sldChg chg="modSp new del mod">
         <pc:chgData name="amit kubani" userId="8b53f3189c0b5b40" providerId="LiveId" clId="{66D94DF8-4FC0-4415-A6C2-F84A008B24A8}" dt="2023-02-16T14:31:00.809" v="1334" actId="47"/>
@@ -1242,6 +1283,97 @@
             <pc:docMk/>
             <pc:sldMk cId="3942889943" sldId="270"/>
             <ac:spMk id="3" creationId="{71685617-FF9D-31A7-A98C-F6FCA3FB45D7}"/>
+          </ac:spMkLst>
+        </pc:spChg>
+      </pc:sldChg>
+      <pc:sldChg chg="addSp modSp new mod modClrScheme chgLayout">
+        <pc:chgData name="amit kubani" userId="8b53f3189c0b5b40" providerId="LiveId" clId="{66D94DF8-4FC0-4415-A6C2-F84A008B24A8}" dt="2023-02-16T22:32:53.790" v="13734" actId="20577"/>
+        <pc:sldMkLst>
+          <pc:docMk/>
+          <pc:sldMk cId="11988764" sldId="271"/>
+        </pc:sldMkLst>
+        <pc:spChg chg="mod ord">
+          <ac:chgData name="amit kubani" userId="8b53f3189c0b5b40" providerId="LiveId" clId="{66D94DF8-4FC0-4415-A6C2-F84A008B24A8}" dt="2023-02-16T21:19:41.876" v="9760" actId="700"/>
+          <ac:spMkLst>
+            <pc:docMk/>
+            <pc:sldMk cId="11988764" sldId="271"/>
+            <ac:spMk id="2" creationId="{F25BEF12-5942-62F0-58FB-E2F6E539097D}"/>
+          </ac:spMkLst>
+        </pc:spChg>
+        <pc:spChg chg="add mod ord">
+          <ac:chgData name="amit kubani" userId="8b53f3189c0b5b40" providerId="LiveId" clId="{66D94DF8-4FC0-4415-A6C2-F84A008B24A8}" dt="2023-02-16T22:32:53.790" v="13734" actId="20577"/>
+          <ac:spMkLst>
+            <pc:docMk/>
+            <pc:sldMk cId="11988764" sldId="271"/>
+            <ac:spMk id="3" creationId="{74C98D58-AC5A-2F36-79C8-53C20F4A08F6}"/>
+          </ac:spMkLst>
+        </pc:spChg>
+      </pc:sldChg>
+      <pc:sldChg chg="new del">
+        <pc:chgData name="amit kubani" userId="8b53f3189c0b5b40" providerId="LiveId" clId="{66D94DF8-4FC0-4415-A6C2-F84A008B24A8}" dt="2023-02-16T21:16:48.832" v="9722" actId="47"/>
+        <pc:sldMkLst>
+          <pc:docMk/>
+          <pc:sldMk cId="951144411" sldId="271"/>
+        </pc:sldMkLst>
+      </pc:sldChg>
+      <pc:sldChg chg="modSp add mod">
+        <pc:chgData name="amit kubani" userId="8b53f3189c0b5b40" providerId="LiveId" clId="{66D94DF8-4FC0-4415-A6C2-F84A008B24A8}" dt="2023-02-16T22:30:11.853" v="13728" actId="313"/>
+        <pc:sldMkLst>
+          <pc:docMk/>
+          <pc:sldMk cId="1669033742" sldId="272"/>
+        </pc:sldMkLst>
+        <pc:spChg chg="mod">
+          <ac:chgData name="amit kubani" userId="8b53f3189c0b5b40" providerId="LiveId" clId="{66D94DF8-4FC0-4415-A6C2-F84A008B24A8}" dt="2023-02-16T22:30:11.853" v="13728" actId="313"/>
+          <ac:spMkLst>
+            <pc:docMk/>
+            <pc:sldMk cId="1669033742" sldId="272"/>
+            <ac:spMk id="3" creationId="{74C98D58-AC5A-2F36-79C8-53C20F4A08F6}"/>
+          </ac:spMkLst>
+        </pc:spChg>
+      </pc:sldChg>
+      <pc:sldChg chg="modSp add mod">
+        <pc:chgData name="amit kubani" userId="8b53f3189c0b5b40" providerId="LiveId" clId="{66D94DF8-4FC0-4415-A6C2-F84A008B24A8}" dt="2023-02-16T22:30:23.510" v="13731" actId="313"/>
+        <pc:sldMkLst>
+          <pc:docMk/>
+          <pc:sldMk cId="1766826864" sldId="273"/>
+        </pc:sldMkLst>
+        <pc:spChg chg="mod">
+          <ac:chgData name="amit kubani" userId="8b53f3189c0b5b40" providerId="LiveId" clId="{66D94DF8-4FC0-4415-A6C2-F84A008B24A8}" dt="2023-02-16T21:50:51.748" v="12124" actId="20577"/>
+          <ac:spMkLst>
+            <pc:docMk/>
+            <pc:sldMk cId="1766826864" sldId="273"/>
+            <ac:spMk id="2" creationId="{F25BEF12-5942-62F0-58FB-E2F6E539097D}"/>
+          </ac:spMkLst>
+        </pc:spChg>
+        <pc:spChg chg="mod">
+          <ac:chgData name="amit kubani" userId="8b53f3189c0b5b40" providerId="LiveId" clId="{66D94DF8-4FC0-4415-A6C2-F84A008B24A8}" dt="2023-02-16T22:30:23.510" v="13731" actId="313"/>
+          <ac:spMkLst>
+            <pc:docMk/>
+            <pc:sldMk cId="1766826864" sldId="273"/>
+            <ac:spMk id="3" creationId="{74C98D58-AC5A-2F36-79C8-53C20F4A08F6}"/>
+          </ac:spMkLst>
+        </pc:spChg>
+      </pc:sldChg>
+      <pc:sldChg chg="modSp add mod">
+        <pc:chgData name="amit kubani" userId="8b53f3189c0b5b40" providerId="LiveId" clId="{66D94DF8-4FC0-4415-A6C2-F84A008B24A8}" dt="2023-02-16T22:22:03.064" v="13615" actId="20577"/>
+        <pc:sldMkLst>
+          <pc:docMk/>
+          <pc:sldMk cId="1016726235" sldId="274"/>
+        </pc:sldMkLst>
+        <pc:spChg chg="mod">
+          <ac:chgData name="amit kubani" userId="8b53f3189c0b5b40" providerId="LiveId" clId="{66D94DF8-4FC0-4415-A6C2-F84A008B24A8}" dt="2023-02-16T22:13:16.931" v="13311" actId="20577"/>
+          <ac:spMkLst>
+            <pc:docMk/>
+            <pc:sldMk cId="1016726235" sldId="274"/>
+            <ac:spMk id="2" creationId="{F25BEF12-5942-62F0-58FB-E2F6E539097D}"/>
+          </ac:spMkLst>
+        </pc:spChg>
+        <pc:spChg chg="mod">
+          <ac:chgData name="amit kubani" userId="8b53f3189c0b5b40" providerId="LiveId" clId="{66D94DF8-4FC0-4415-A6C2-F84A008B24A8}" dt="2023-02-16T22:22:03.064" v="13615" actId="20577"/>
+          <ac:spMkLst>
+            <pc:docMk/>
+            <pc:sldMk cId="1016726235" sldId="274"/>
+            <ac:spMk id="3" creationId="{74C98D58-AC5A-2F36-79C8-53C20F4A08F6}"/>
           </ac:spMkLst>
         </pc:spChg>
       </pc:sldChg>
@@ -1796,244 +1928,6 @@
         </p:txBody>
       </p:sp>
     </p:spTree>
-  </p:cSld>
-  <p:clrMapOvr>
-    <a:masterClrMapping/>
-  </p:clrMapOvr>
-</p:notes>
-</file>
-
-<file path=ppt/notesSlides/notesSlide10.xml><?xml version="1.0" encoding="utf-8"?>
-<p:notes xmlns:a="http://schemas.openxmlformats.org/drawingml/2006/main" xmlns:r="http://schemas.openxmlformats.org/officeDocument/2006/relationships" xmlns:p="http://schemas.openxmlformats.org/presentationml/2006/main" showMasterSp="0" showMasterPhAnim="0">
-  <p:cSld>
-    <p:spTree>
-      <p:nvGrpSpPr>
-        <p:cNvPr id="1" name="Shape 137"/>
-        <p:cNvGrpSpPr/>
-        <p:nvPr/>
-      </p:nvGrpSpPr>
-      <p:grpSpPr>
-        <a:xfrm>
-          <a:off x="0" y="0"/>
-          <a:ext cx="0" cy="0"/>
-          <a:chOff x="0" y="0"/>
-          <a:chExt cx="0" cy="0"/>
-        </a:xfrm>
-      </p:grpSpPr>
-      <p:sp>
-        <p:nvSpPr>
-          <p:cNvPr id="138" name="Google Shape;138;g1d83d28a3d8_0_1087:notes"/>
-          <p:cNvSpPr>
-            <a:spLocks noGrp="1" noRot="1" noChangeAspect="1"/>
-          </p:cNvSpPr>
-          <p:nvPr>
-            <p:ph type="sldImg" idx="2"/>
-          </p:nvPr>
-        </p:nvSpPr>
-        <p:spPr>
-          <a:xfrm>
-            <a:off x="381000" y="685800"/>
-            <a:ext cx="6096000" cy="3429000"/>
-          </a:xfrm>
-          <a:custGeom>
-            <a:avLst/>
-            <a:gdLst/>
-            <a:ahLst/>
-            <a:cxnLst/>
-            <a:rect l="l" t="t" r="r" b="b"/>
-            <a:pathLst>
-              <a:path w="120000" h="120000" extrusionOk="0">
-                <a:moveTo>
-                  <a:pt x="0" y="0"/>
-                </a:moveTo>
-                <a:lnTo>
-                  <a:pt x="120000" y="0"/>
-                </a:lnTo>
-                <a:lnTo>
-                  <a:pt x="120000" y="120000"/>
-                </a:lnTo>
-                <a:lnTo>
-                  <a:pt x="0" y="120000"/>
-                </a:lnTo>
-                <a:close/>
-              </a:path>
-            </a:pathLst>
-          </a:custGeom>
-        </p:spPr>
-      </p:sp>
-      <p:sp>
-        <p:nvSpPr>
-          <p:cNvPr id="139" name="Google Shape;139;g1d83d28a3d8_0_1087:notes"/>
-          <p:cNvSpPr txBox="1">
-            <a:spLocks noGrp="1"/>
-          </p:cNvSpPr>
-          <p:nvPr>
-            <p:ph type="body" idx="1"/>
-          </p:nvPr>
-        </p:nvSpPr>
-        <p:spPr>
-          <a:xfrm>
-            <a:off x="685800" y="4343400"/>
-            <a:ext cx="5486400" cy="4114800"/>
-          </a:xfrm>
-          <a:prstGeom prst="rect">
-            <a:avLst/>
-          </a:prstGeom>
-        </p:spPr>
-        <p:txBody>
-          <a:bodyPr spcFirstLastPara="1" wrap="square" lIns="91425" tIns="91425" rIns="91425" bIns="91425" anchor="t" anchorCtr="0">
-            <a:noAutofit/>
-          </a:bodyPr>
-          <a:lstStyle/>
-          <a:p>
-            <a:pPr marL="0" marR="0" lvl="0" indent="0" algn="r" rtl="1">
-              <a:lnSpc>
-                <a:spcPct val="100000"/>
-              </a:lnSpc>
-              <a:spcBef>
-                <a:spcPts val="0"/>
-              </a:spcBef>
-              <a:spcAft>
-                <a:spcPts val="0"/>
-              </a:spcAft>
-              <a:buClr>
-                <a:srgbClr val="000000"/>
-              </a:buClr>
-              <a:buSzPts val="1100"/>
-              <a:buFont typeface="Arial"/>
-              <a:buNone/>
-            </a:pPr>
-            <a:endParaRPr dirty="0">
-              <a:cs typeface="+mn-cs"/>
-            </a:endParaRPr>
-          </a:p>
-        </p:txBody>
-      </p:sp>
-    </p:spTree>
-    <p:extLst>
-      <p:ext uri="{BB962C8B-B14F-4D97-AF65-F5344CB8AC3E}">
-        <p14:creationId xmlns:p14="http://schemas.microsoft.com/office/powerpoint/2010/main" val="400283997"/>
-      </p:ext>
-    </p:extLst>
-  </p:cSld>
-  <p:clrMapOvr>
-    <a:masterClrMapping/>
-  </p:clrMapOvr>
-</p:notes>
-</file>
-
-<file path=ppt/notesSlides/notesSlide11.xml><?xml version="1.0" encoding="utf-8"?>
-<p:notes xmlns:a="http://schemas.openxmlformats.org/drawingml/2006/main" xmlns:r="http://schemas.openxmlformats.org/officeDocument/2006/relationships" xmlns:p="http://schemas.openxmlformats.org/presentationml/2006/main" showMasterSp="0" showMasterPhAnim="0">
-  <p:cSld>
-    <p:spTree>
-      <p:nvGrpSpPr>
-        <p:cNvPr id="1" name="Shape 137"/>
-        <p:cNvGrpSpPr/>
-        <p:nvPr/>
-      </p:nvGrpSpPr>
-      <p:grpSpPr>
-        <a:xfrm>
-          <a:off x="0" y="0"/>
-          <a:ext cx="0" cy="0"/>
-          <a:chOff x="0" y="0"/>
-          <a:chExt cx="0" cy="0"/>
-        </a:xfrm>
-      </p:grpSpPr>
-      <p:sp>
-        <p:nvSpPr>
-          <p:cNvPr id="138" name="Google Shape;138;g1d83d28a3d8_0_1087:notes"/>
-          <p:cNvSpPr>
-            <a:spLocks noGrp="1" noRot="1" noChangeAspect="1"/>
-          </p:cNvSpPr>
-          <p:nvPr>
-            <p:ph type="sldImg" idx="2"/>
-          </p:nvPr>
-        </p:nvSpPr>
-        <p:spPr>
-          <a:xfrm>
-            <a:off x="381000" y="685800"/>
-            <a:ext cx="6096000" cy="3429000"/>
-          </a:xfrm>
-          <a:custGeom>
-            <a:avLst/>
-            <a:gdLst/>
-            <a:ahLst/>
-            <a:cxnLst/>
-            <a:rect l="l" t="t" r="r" b="b"/>
-            <a:pathLst>
-              <a:path w="120000" h="120000" extrusionOk="0">
-                <a:moveTo>
-                  <a:pt x="0" y="0"/>
-                </a:moveTo>
-                <a:lnTo>
-                  <a:pt x="120000" y="0"/>
-                </a:lnTo>
-                <a:lnTo>
-                  <a:pt x="120000" y="120000"/>
-                </a:lnTo>
-                <a:lnTo>
-                  <a:pt x="0" y="120000"/>
-                </a:lnTo>
-                <a:close/>
-              </a:path>
-            </a:pathLst>
-          </a:custGeom>
-        </p:spPr>
-      </p:sp>
-      <p:sp>
-        <p:nvSpPr>
-          <p:cNvPr id="139" name="Google Shape;139;g1d83d28a3d8_0_1087:notes"/>
-          <p:cNvSpPr txBox="1">
-            <a:spLocks noGrp="1"/>
-          </p:cNvSpPr>
-          <p:nvPr>
-            <p:ph type="body" idx="1"/>
-          </p:nvPr>
-        </p:nvSpPr>
-        <p:spPr>
-          <a:xfrm>
-            <a:off x="685800" y="4343400"/>
-            <a:ext cx="5486400" cy="4114800"/>
-          </a:xfrm>
-          <a:prstGeom prst="rect">
-            <a:avLst/>
-          </a:prstGeom>
-        </p:spPr>
-        <p:txBody>
-          <a:bodyPr spcFirstLastPara="1" wrap="square" lIns="91425" tIns="91425" rIns="91425" bIns="91425" anchor="t" anchorCtr="0">
-            <a:noAutofit/>
-          </a:bodyPr>
-          <a:lstStyle/>
-          <a:p>
-            <a:pPr marL="0" marR="0" lvl="0" indent="0" algn="r" rtl="1">
-              <a:lnSpc>
-                <a:spcPct val="100000"/>
-              </a:lnSpc>
-              <a:spcBef>
-                <a:spcPts val="0"/>
-              </a:spcBef>
-              <a:spcAft>
-                <a:spcPts val="0"/>
-              </a:spcAft>
-              <a:buClr>
-                <a:srgbClr val="000000"/>
-              </a:buClr>
-              <a:buSzPts val="1100"/>
-              <a:buFont typeface="Arial"/>
-              <a:buNone/>
-            </a:pPr>
-            <a:endParaRPr dirty="0">
-              <a:cs typeface="+mn-cs"/>
-            </a:endParaRPr>
-          </a:p>
-        </p:txBody>
-      </p:sp>
-    </p:spTree>
-    <p:extLst>
-      <p:ext uri="{BB962C8B-B14F-4D97-AF65-F5344CB8AC3E}">
-        <p14:creationId xmlns:p14="http://schemas.microsoft.com/office/powerpoint/2010/main" val="1886777300"/>
-      </p:ext>
-    </p:extLst>
   </p:cSld>
   <p:clrMapOvr>
     <a:masterClrMapping/>
@@ -11258,10 +11152,28 @@
               <a:buNone/>
             </a:pPr>
             <a:r>
+              <a:rPr lang="en-US" sz="1120" dirty="0">
+                <a:latin typeface="Montserrat" pitchFamily="2" charset="77"/>
+              </a:rPr>
+              <a:t>A</a:t>
+            </a:r>
+            <a:r>
               <a:rPr lang="iw" sz="1120" dirty="0">
                 <a:latin typeface="Montserrat" pitchFamily="2" charset="77"/>
               </a:rPr>
-              <a:t>amit koobani 204804488</a:t>
+              <a:t>mit </a:t>
+            </a:r>
+            <a:r>
+              <a:rPr lang="en-US" sz="1120" dirty="0">
+                <a:latin typeface="Montserrat" pitchFamily="2" charset="77"/>
+              </a:rPr>
+              <a:t>Ku</a:t>
+            </a:r>
+            <a:r>
+              <a:rPr lang="iw" sz="1120" dirty="0">
+                <a:latin typeface="Montserrat" pitchFamily="2" charset="77"/>
+              </a:rPr>
+              <a:t>bani 204804488</a:t>
             </a:r>
             <a:endParaRPr sz="1120" dirty="0">
               <a:latin typeface="Montserrat" pitchFamily="2" charset="77"/>
@@ -11341,6 +11253,10 @@
           </p:nvPr>
         </p:nvSpPr>
         <p:spPr>
+          <a:xfrm>
+            <a:off x="1324082" y="181099"/>
+            <a:ext cx="7038900" cy="914100"/>
+          </a:xfrm>
           <a:prstGeom prst="rect">
             <a:avLst/>
           </a:prstGeom>
@@ -11389,13 +11305,13 @@
         </p:nvSpPr>
         <p:spPr>
           <a:xfrm>
-            <a:off x="1515503" y="1264768"/>
-            <a:ext cx="7038900" cy="727533"/>
+            <a:off x="1063256" y="786810"/>
+            <a:ext cx="7491147" cy="1205492"/>
           </a:xfrm>
         </p:spPr>
         <p:txBody>
           <a:bodyPr>
-            <a:normAutofit fontScale="77500" lnSpcReduction="20000"/>
+            <a:normAutofit/>
           </a:bodyPr>
           <a:lstStyle/>
           <a:p>
@@ -11403,90 +11319,70 @@
               <a:buNone/>
             </a:pPr>
             <a:r>
-              <a:rPr lang="he-IL" dirty="0"/>
+              <a:rPr lang="he-IL" sz="1400" dirty="0"/>
               <a:t>אפשר לראות שהאלגוריתם השיג תוצאות פחות טובות מה</a:t>
             </a:r>
             <a:r>
-              <a:rPr lang="en-US" dirty="0"/>
+              <a:rPr lang="en-US" sz="1400" dirty="0"/>
               <a:t>logistic regression </a:t>
             </a:r>
             <a:r>
-              <a:rPr lang="he-IL" dirty="0"/>
+              <a:rPr lang="he-IL" sz="1400" dirty="0"/>
               <a:t> . בדקנו על מגוון ערכים של הפרמטר </a:t>
             </a:r>
             <a:r>
-              <a:rPr lang="en-US" dirty="0"/>
+              <a:rPr lang="en-US" sz="1400" dirty="0"/>
               <a:t>k</a:t>
             </a:r>
             <a:r>
-              <a:rPr lang="he-IL" dirty="0"/>
+              <a:rPr lang="he-IL" sz="1400" dirty="0"/>
               <a:t> וראינו שאלו התוצאות הטובות ביותר לפי פרמטר </a:t>
             </a:r>
             <a:r>
-              <a:rPr lang="en-US" dirty="0"/>
+              <a:rPr lang="en-US" sz="1400" dirty="0"/>
               <a:t>.k</a:t>
             </a:r>
             <a:r>
-              <a:rPr lang="he-IL" dirty="0"/>
+              <a:rPr lang="he-IL" sz="1400" dirty="0"/>
               <a:t> ניתן לראות בנוסף שקיבלנו</a:t>
             </a:r>
             <a:r>
-              <a:rPr lang="en-US" dirty="0" err="1"/>
-              <a:t>precition</a:t>
-            </a:r>
-            <a:r>
-              <a:rPr lang="en-US" dirty="0"/>
-              <a:t> </a:t>
-            </a:r>
-            <a:r>
-              <a:rPr lang="he-IL" dirty="0"/>
+              <a:rPr lang="en-US" sz="1400" dirty="0"/>
+              <a:t>precision </a:t>
+            </a:r>
+            <a:r>
+              <a:rPr lang="he-IL" sz="1400" dirty="0"/>
               <a:t> גבוה לעומת </a:t>
             </a:r>
             <a:r>
-              <a:rPr lang="en-US" dirty="0"/>
+              <a:rPr lang="en-US" sz="1400" dirty="0"/>
               <a:t>recall</a:t>
             </a:r>
             <a:r>
-              <a:rPr lang="he-IL" dirty="0"/>
-              <a:t> נמוך מה שמעיד שהאלגוריתם לא טועה כאשר הוא מסווג </a:t>
-            </a:r>
-            <a:r>
-              <a:rPr lang="he-IL" dirty="0" err="1"/>
-              <a:t>אפליקצייה</a:t>
-            </a:r>
-            <a:r>
-              <a:rPr lang="he-IL" dirty="0"/>
-              <a:t> כ </a:t>
-            </a:r>
-            <a:r>
-              <a:rPr lang="en-US" dirty="0"/>
+              <a:rPr lang="he-IL" sz="1400" dirty="0"/>
+              <a:t> נמוך מה שמעיד שהאלגוריתם לא טועה כאשר הוא מסווג אפליקציה כ </a:t>
+            </a:r>
+            <a:r>
+              <a:rPr lang="en-US" sz="1400" dirty="0"/>
               <a:t>malicious</a:t>
             </a:r>
             <a:r>
-              <a:rPr lang="he-IL" dirty="0"/>
-              <a:t> אבל מפספס כמות </a:t>
-            </a:r>
-            <a:r>
-              <a:rPr lang="he-IL" dirty="0" err="1"/>
-              <a:t>נכבדת</a:t>
-            </a:r>
-            <a:r>
-              <a:rPr lang="he-IL" dirty="0"/>
-              <a:t> של אפליקציות </a:t>
-            </a:r>
-            <a:r>
-              <a:rPr lang="en-US" dirty="0"/>
+              <a:rPr lang="he-IL" sz="1400" dirty="0"/>
+              <a:t> אבל מפספס כמות נכבדה של אפליקציות </a:t>
+            </a:r>
+            <a:r>
+              <a:rPr lang="en-US" sz="1400" dirty="0"/>
               <a:t>malicious</a:t>
             </a:r>
             <a:r>
-              <a:rPr lang="he-IL" dirty="0"/>
+              <a:rPr lang="he-IL" sz="1400" dirty="0"/>
               <a:t> ומתייג אותם כ</a:t>
             </a:r>
             <a:r>
-              <a:rPr lang="en-US" dirty="0"/>
+              <a:rPr lang="en-US" sz="1400" dirty="0"/>
               <a:t>benign</a:t>
             </a:r>
-            <a:endParaRPr lang="he-IL" dirty="0"/>
+            <a:endParaRPr lang="he-IL" sz="1400" dirty="0"/>
           </a:p>
         </p:txBody>
       </p:sp>
@@ -12564,7 +12460,7 @@
         </p:blipFill>
         <p:spPr>
           <a:xfrm>
-            <a:off x="3179207" y="2571750"/>
+            <a:off x="3179207" y="2565694"/>
             <a:ext cx="3118648" cy="2571751"/>
           </a:xfrm>
           <a:prstGeom prst="rect">
@@ -12618,8 +12514,8 @@
         </p:nvSpPr>
         <p:spPr>
           <a:xfrm>
-            <a:off x="1159230" y="1307850"/>
-            <a:ext cx="7038900" cy="914100"/>
+            <a:off x="1159229" y="1307849"/>
+            <a:ext cx="7346817" cy="1111057"/>
           </a:xfrm>
           <a:prstGeom prst="rect">
             <a:avLst/>
@@ -12883,36 +12779,48 @@
           <a:p>
             <a:pPr algn="r" rtl="1"/>
             <a:r>
-              <a:rPr lang="he-IL" sz="1400" dirty="0">
+              <a:rPr lang="he-IL" sz="1600" dirty="0">
+                <a:latin typeface="Lato" panose="020F0502020204030203" pitchFamily="34" charset="0"/>
+                <a:ea typeface="Lato" panose="020F0502020204030203" pitchFamily="34" charset="0"/>
                 <a:cs typeface="+mj-cs"/>
               </a:rPr>
               <a:t>השתמשנו במדד </a:t>
             </a:r>
             <a:r>
-              <a:rPr lang="he-IL" sz="1400" dirty="0" err="1">
+              <a:rPr lang="he-IL" sz="1600" dirty="0" err="1">
+                <a:latin typeface="Lato" panose="020F0502020204030203" pitchFamily="34" charset="0"/>
+                <a:ea typeface="Lato" panose="020F0502020204030203" pitchFamily="34" charset="0"/>
                 <a:cs typeface="+mj-cs"/>
               </a:rPr>
               <a:t>ג'יני</a:t>
             </a:r>
             <a:r>
-              <a:rPr lang="he-IL" sz="1400" dirty="0">
+              <a:rPr lang="he-IL" sz="1600" dirty="0">
+                <a:latin typeface="Lato" panose="020F0502020204030203" pitchFamily="34" charset="0"/>
+                <a:ea typeface="Lato" panose="020F0502020204030203" pitchFamily="34" charset="0"/>
                 <a:cs typeface="+mj-cs"/>
               </a:rPr>
               <a:t> למציאת פיצול אופטימלי בצמתי העץ במקום במדד האנטרופיה שנלמד בכיתה. כמו כן עומק העץ המקסימלי שנותן את התוצאות הטובות ביותר לרשום מטה. ניתן לראות שהאלגוריתם נותן תוצאות דומות כמו </a:t>
             </a:r>
             <a:r>
-              <a:rPr lang="en-US" sz="1400" dirty="0">
+              <a:rPr lang="en-US" sz="1600" dirty="0">
+                <a:latin typeface="Lato" panose="020F0502020204030203" pitchFamily="34" charset="0"/>
+                <a:ea typeface="Lato" panose="020F0502020204030203" pitchFamily="34" charset="0"/>
+                <a:cs typeface="Lato" panose="020F0502020204030203" pitchFamily="34" charset="0"/>
+              </a:rPr>
+              <a:t>logistic regression </a:t>
+            </a:r>
+            <a:r>
+              <a:rPr lang="he-IL" sz="1600" dirty="0">
+                <a:latin typeface="Lato" panose="020F0502020204030203" pitchFamily="34" charset="0"/>
+                <a:ea typeface="Lato" panose="020F0502020204030203" pitchFamily="34" charset="0"/>
                 <a:cs typeface="+mj-cs"/>
               </a:rPr>
-              <a:t>logistic regression </a:t>
-            </a:r>
-            <a:r>
-              <a:rPr lang="he-IL" sz="1400" dirty="0">
-                <a:cs typeface="+mj-cs"/>
-              </a:rPr>
               <a:t> מבחינת המדדים הסטטיסטים.</a:t>
             </a:r>
-            <a:endParaRPr lang="he-IL" sz="1600" dirty="0">
+            <a:endParaRPr lang="he-IL" sz="1800" dirty="0">
+              <a:latin typeface="Lato" panose="020F0502020204030203" pitchFamily="34" charset="0"/>
+              <a:ea typeface="Lato" panose="020F0502020204030203" pitchFamily="34" charset="0"/>
               <a:cs typeface="+mj-cs"/>
             </a:endParaRPr>
           </a:p>
@@ -12964,7 +12872,12 @@
             <p:ph type="title"/>
           </p:nvPr>
         </p:nvSpPr>
-        <p:spPr/>
+        <p:spPr>
+          <a:xfrm>
+            <a:off x="1281551" y="138568"/>
+            <a:ext cx="7038900" cy="914100"/>
+          </a:xfrm>
+        </p:spPr>
         <p:txBody>
           <a:bodyPr/>
           <a:lstStyle/>
@@ -12999,8 +12912,8 @@
         </p:nvSpPr>
         <p:spPr>
           <a:xfrm>
-            <a:off x="1159230" y="1307850"/>
-            <a:ext cx="7038900" cy="914100"/>
+            <a:off x="1159229" y="723014"/>
+            <a:ext cx="7729589" cy="1498936"/>
           </a:xfrm>
           <a:prstGeom prst="rect">
             <a:avLst/>
@@ -13012,7 +12925,7 @@
         </p:spPr>
         <p:txBody>
           <a:bodyPr spcFirstLastPara="1" wrap="square" lIns="91425" tIns="91425" rIns="91425" bIns="91425" anchor="t" anchorCtr="0">
-            <a:normAutofit fontScale="92500" lnSpcReduction="10000"/>
+            <a:normAutofit/>
           </a:bodyPr>
           <a:lstStyle>
             <a:defPPr marR="0" lvl="0" algn="l" rtl="0">
@@ -13267,18 +13180,24 @@
               <a:buChar char="•"/>
             </a:pPr>
             <a:r>
-              <a:rPr lang="he-IL" sz="1400" dirty="0">
+              <a:rPr lang="he-IL" sz="1600" dirty="0">
+                <a:latin typeface="Lato" panose="020F0502020204030203" pitchFamily="34" charset="0"/>
+                <a:ea typeface="Lato" panose="020F0502020204030203" pitchFamily="34" charset="0"/>
                 <a:cs typeface="+mj-cs"/>
               </a:rPr>
               <a:t>למדנו שהאלגוריתם הזה עובד היטב עם נתונים לא מבניים כמו טקסט, תמונות </a:t>
             </a:r>
             <a:r>
-              <a:rPr lang="he-IL" sz="1400" dirty="0" err="1">
+              <a:rPr lang="he-IL" sz="1600" dirty="0" err="1">
+                <a:latin typeface="Lato" panose="020F0502020204030203" pitchFamily="34" charset="0"/>
+                <a:ea typeface="Lato" panose="020F0502020204030203" pitchFamily="34" charset="0"/>
                 <a:cs typeface="+mj-cs"/>
               </a:rPr>
               <a:t>וכו</a:t>
             </a:r>
-            <a:endParaRPr lang="he-IL" sz="1400" dirty="0">
+            <a:endParaRPr lang="he-IL" sz="1600" dirty="0">
+              <a:latin typeface="Lato" panose="020F0502020204030203" pitchFamily="34" charset="0"/>
+              <a:ea typeface="Lato" panose="020F0502020204030203" pitchFamily="34" charset="0"/>
               <a:cs typeface="+mj-cs"/>
             </a:endParaRPr>
           </a:p>
@@ -13288,55 +13207,73 @@
               <a:buChar char="•"/>
             </a:pPr>
             <a:r>
-              <a:rPr lang="he-IL" sz="1400" dirty="0">
+              <a:rPr lang="he-IL" sz="1600" dirty="0">
+                <a:latin typeface="Lato" panose="020F0502020204030203" pitchFamily="34" charset="0"/>
+                <a:ea typeface="Lato" panose="020F0502020204030203" pitchFamily="34" charset="0"/>
                 <a:cs typeface="+mj-cs"/>
               </a:rPr>
               <a:t>לאחר חיפוש באינטרנט החלטנו להשתמש ב</a:t>
             </a:r>
             <a:r>
-              <a:rPr lang="en-US" sz="1400" dirty="0">
+              <a:rPr lang="en-US" sz="1600" dirty="0">
+                <a:latin typeface="Lato" panose="020F0502020204030203" pitchFamily="34" charset="0"/>
+                <a:ea typeface="Lato" panose="020F0502020204030203" pitchFamily="34" charset="0"/>
+                <a:cs typeface="Lato" panose="020F0502020204030203" pitchFamily="34" charset="0"/>
+              </a:rPr>
+              <a:t> </a:t>
+            </a:r>
+            <a:r>
+              <a:rPr lang="he-IL" sz="1600" dirty="0">
+                <a:latin typeface="Lato" panose="020F0502020204030203" pitchFamily="34" charset="0"/>
+                <a:ea typeface="Lato" panose="020F0502020204030203" pitchFamily="34" charset="0"/>
                 <a:cs typeface="+mj-cs"/>
               </a:rPr>
               <a:t> </a:t>
             </a:r>
             <a:r>
-              <a:rPr lang="he-IL" sz="1400" dirty="0">
+              <a:rPr lang="en-US" sz="1600" dirty="0">
+                <a:latin typeface="Lato" panose="020F0502020204030203" pitchFamily="34" charset="0"/>
+                <a:ea typeface="Lato" panose="020F0502020204030203" pitchFamily="34" charset="0"/>
+                <a:cs typeface="Lato" panose="020F0502020204030203" pitchFamily="34" charset="0"/>
+              </a:rPr>
+              <a:t>Linear SVC </a:t>
+            </a:r>
+            <a:r>
+              <a:rPr lang="he-IL" sz="1600" dirty="0">
+                <a:latin typeface="Lato" panose="020F0502020204030203" pitchFamily="34" charset="0"/>
+                <a:ea typeface="Lato" panose="020F0502020204030203" pitchFamily="34" charset="0"/>
                 <a:cs typeface="+mj-cs"/>
               </a:rPr>
-              <a:t> </a:t>
-            </a:r>
-            <a:r>
-              <a:rPr lang="en-US" sz="1400" dirty="0">
+              <a:t> כאשר ה</a:t>
+            </a:r>
+            <a:r>
+              <a:rPr lang="en-US" sz="1600" dirty="0">
+                <a:latin typeface="Lato" panose="020F0502020204030203" pitchFamily="34" charset="0"/>
+                <a:ea typeface="Lato" panose="020F0502020204030203" pitchFamily="34" charset="0"/>
+                <a:cs typeface="Lato" panose="020F0502020204030203" pitchFamily="34" charset="0"/>
+              </a:rPr>
+              <a:t>kernel</a:t>
+            </a:r>
+            <a:r>
+              <a:rPr lang="he-IL" sz="1600" dirty="0">
+                <a:latin typeface="Lato" panose="020F0502020204030203" pitchFamily="34" charset="0"/>
+                <a:ea typeface="Lato" panose="020F0502020204030203" pitchFamily="34" charset="0"/>
                 <a:cs typeface="+mj-cs"/>
               </a:rPr>
-              <a:t>Linear SVC </a:t>
-            </a:r>
-            <a:r>
-              <a:rPr lang="he-IL" sz="1400" dirty="0">
+              <a:t> שלו ליניארי מכיוון שהוא מתאים לכמות גדולה של </a:t>
+            </a:r>
+            <a:r>
+              <a:rPr lang="he-IL" sz="1600" dirty="0" err="1">
+                <a:latin typeface="Lato" panose="020F0502020204030203" pitchFamily="34" charset="0"/>
+                <a:ea typeface="Lato" panose="020F0502020204030203" pitchFamily="34" charset="0"/>
                 <a:cs typeface="+mj-cs"/>
               </a:rPr>
-              <a:t> כאשר ה</a:t>
-            </a:r>
-            <a:r>
-              <a:rPr lang="en-US" sz="1400" dirty="0">
-                <a:cs typeface="+mj-cs"/>
-              </a:rPr>
-              <a:t>kernel</a:t>
-            </a:r>
-            <a:r>
-              <a:rPr lang="he-IL" sz="1400" dirty="0">
-                <a:cs typeface="+mj-cs"/>
-              </a:rPr>
-              <a:t> שלו ליניארי מכיוון שהוא מתאים לכמות גדולה של </a:t>
-            </a:r>
-            <a:r>
-              <a:rPr lang="he-IL" sz="1400" dirty="0" err="1">
-                <a:cs typeface="+mj-cs"/>
-              </a:rPr>
               <a:t>מימדים</a:t>
             </a:r>
             <a:r>
-              <a:rPr lang="he-IL" sz="1400" dirty="0">
+              <a:rPr lang="he-IL" sz="1600" dirty="0">
+                <a:latin typeface="Lato" panose="020F0502020204030203" pitchFamily="34" charset="0"/>
+                <a:ea typeface="Lato" panose="020F0502020204030203" pitchFamily="34" charset="0"/>
                 <a:cs typeface="+mj-cs"/>
               </a:rPr>
               <a:t>.</a:t>
@@ -13348,31 +13285,41 @@
               <a:buChar char="•"/>
             </a:pPr>
             <a:r>
-              <a:rPr lang="he-IL" sz="1400" dirty="0">
+              <a:rPr lang="he-IL" sz="1600" dirty="0">
+                <a:latin typeface="Lato" panose="020F0502020204030203" pitchFamily="34" charset="0"/>
+                <a:ea typeface="Lato" panose="020F0502020204030203" pitchFamily="34" charset="0"/>
                 <a:cs typeface="+mj-cs"/>
               </a:rPr>
               <a:t>קראנו בנוסף שהסיכוי ל</a:t>
             </a:r>
             <a:r>
-              <a:rPr lang="en-US" sz="1400" dirty="0">
+              <a:rPr lang="en-US" sz="1600" dirty="0">
+                <a:latin typeface="Lato" panose="020F0502020204030203" pitchFamily="34" charset="0"/>
+                <a:ea typeface="Lato" panose="020F0502020204030203" pitchFamily="34" charset="0"/>
+                <a:cs typeface="Lato" panose="020F0502020204030203" pitchFamily="34" charset="0"/>
+              </a:rPr>
+              <a:t>overfitting</a:t>
+            </a:r>
+            <a:r>
+              <a:rPr lang="he-IL" sz="1600" dirty="0">
+                <a:latin typeface="Lato" panose="020F0502020204030203" pitchFamily="34" charset="0"/>
+                <a:ea typeface="Lato" panose="020F0502020204030203" pitchFamily="34" charset="0"/>
                 <a:cs typeface="+mj-cs"/>
               </a:rPr>
-              <a:t>overfitting</a:t>
-            </a:r>
-            <a:r>
-              <a:rPr lang="he-IL" sz="1400" dirty="0">
-                <a:cs typeface="+mj-cs"/>
-              </a:rPr>
               <a:t> קטן ביחס ל</a:t>
             </a:r>
             <a:r>
-              <a:rPr lang="en-US" sz="1400" dirty="0">
-                <a:cs typeface="+mj-cs"/>
+              <a:rPr lang="en-US" sz="1600" dirty="0">
+                <a:latin typeface="Lato" panose="020F0502020204030203" pitchFamily="34" charset="0"/>
+                <a:ea typeface="Lato" panose="020F0502020204030203" pitchFamily="34" charset="0"/>
+                <a:cs typeface="Lato" panose="020F0502020204030203" pitchFamily="34" charset="0"/>
               </a:rPr>
               <a:t>LR</a:t>
             </a:r>
             <a:r>
-              <a:rPr lang="he-IL" sz="1400" dirty="0">
+              <a:rPr lang="he-IL" sz="1600" dirty="0">
+                <a:latin typeface="Lato" panose="020F0502020204030203" pitchFamily="34" charset="0"/>
+                <a:ea typeface="Lato" panose="020F0502020204030203" pitchFamily="34" charset="0"/>
                 <a:cs typeface="+mj-cs"/>
               </a:rPr>
               <a:t>. אבל לפי התוצאות שלנו הדבר לא משתקף.</a:t>
@@ -13383,7 +13330,7 @@
               <a:buFont typeface="Arial" panose="020B0604020202020204" pitchFamily="34" charset="0"/>
               <a:buChar char="•"/>
             </a:pPr>
-            <a:endParaRPr lang="he-IL" sz="1400" dirty="0">
+            <a:endParaRPr lang="he-IL" sz="1600" dirty="0">
               <a:cs typeface="+mj-cs"/>
             </a:endParaRPr>
           </a:p>
@@ -13497,7 +13444,7 @@
   <p:cSld>
     <p:spTree>
       <p:nvGrpSpPr>
-        <p:cNvPr id="1" name="Shape 140"/>
+        <p:cNvPr id="1" name=""/>
         <p:cNvGrpSpPr/>
         <p:nvPr/>
       </p:nvGrpSpPr>
@@ -13509,10 +13456,214 @@
           <a:chExt cx="0" cy="0"/>
         </a:xfrm>
       </p:grpSpPr>
+      <p:sp>
+        <p:nvSpPr>
+          <p:cNvPr id="2" name="כותרת 1">
+            <a:extLst>
+              <a:ext uri="{FF2B5EF4-FFF2-40B4-BE49-F238E27FC236}">
+                <a16:creationId xmlns:a16="http://schemas.microsoft.com/office/drawing/2014/main" id="{F25BEF12-5942-62F0-58FB-E2F6E539097D}"/>
+              </a:ext>
+            </a:extLst>
+          </p:cNvPr>
+          <p:cNvSpPr>
+            <a:spLocks noGrp="1"/>
+          </p:cNvSpPr>
+          <p:nvPr>
+            <p:ph type="title"/>
+          </p:nvPr>
+        </p:nvSpPr>
+        <p:spPr/>
+        <p:txBody>
+          <a:bodyPr>
+            <a:normAutofit/>
+          </a:bodyPr>
+          <a:lstStyle/>
+          <a:p>
+            <a:pPr algn="ctr" rtl="1"/>
+            <a:r>
+              <a:rPr lang="he-IL" sz="3600" dirty="0">
+                <a:cs typeface="+mj-cs"/>
+              </a:rPr>
+              <a:t>אתגרים </a:t>
+            </a:r>
+          </a:p>
+        </p:txBody>
+      </p:sp>
+      <p:sp>
+        <p:nvSpPr>
+          <p:cNvPr id="3" name="מציין מיקום טקסט 2">
+            <a:extLst>
+              <a:ext uri="{FF2B5EF4-FFF2-40B4-BE49-F238E27FC236}">
+                <a16:creationId xmlns:a16="http://schemas.microsoft.com/office/drawing/2014/main" id="{74C98D58-AC5A-2F36-79C8-53C20F4A08F6}"/>
+              </a:ext>
+            </a:extLst>
+          </p:cNvPr>
+          <p:cNvSpPr>
+            <a:spLocks noGrp="1"/>
+          </p:cNvSpPr>
+          <p:nvPr>
+            <p:ph type="body" idx="1"/>
+          </p:nvPr>
+        </p:nvSpPr>
+        <p:spPr>
+          <a:xfrm>
+            <a:off x="1297500" y="1185530"/>
+            <a:ext cx="7038900" cy="3293220"/>
+          </a:xfrm>
+        </p:spPr>
+        <p:txBody>
+          <a:bodyPr>
+            <a:normAutofit lnSpcReduction="10000"/>
+          </a:bodyPr>
+          <a:lstStyle/>
+          <a:p>
+            <a:pPr algn="r" rtl="1"/>
+            <a:r>
+              <a:rPr lang="he-IL" sz="1400" dirty="0"/>
+              <a:t>כפי שניתן לראות, הפרויקט דרש מחקר לקבלת ה</a:t>
+            </a:r>
+            <a:r>
+              <a:rPr lang="en-US" sz="1400" dirty="0"/>
+              <a:t>data</a:t>
+            </a:r>
+            <a:r>
+              <a:rPr lang="he-IL" sz="1400" dirty="0"/>
+              <a:t> (קבצי </a:t>
+            </a:r>
+            <a:r>
+              <a:rPr lang="en-US" sz="1400" dirty="0"/>
+              <a:t>APK</a:t>
+            </a:r>
+            <a:r>
+              <a:rPr lang="he-IL" sz="1400" dirty="0"/>
+              <a:t>) והצריך בניה של מגוון מודלים שונים להשלמת רכיבי הפרויקט. האתגרים שעמדו בפנינו הם:</a:t>
+            </a:r>
+          </a:p>
+          <a:p>
+            <a:pPr algn="r" rtl="1"/>
+            <a:endParaRPr lang="he-IL" sz="1400" dirty="0"/>
+          </a:p>
+          <a:p>
+            <a:pPr marL="488950" indent="-342900" algn="r" rtl="1">
+              <a:buFont typeface="+mj-lt"/>
+              <a:buAutoNum type="arabicPeriod"/>
+            </a:pPr>
+            <a:r>
+              <a:rPr lang="he-IL" sz="1400" dirty="0"/>
+              <a:t>אפיון מלא של הפרויקט, בניית סדר תהליכים, למידת </a:t>
+            </a:r>
+            <a:r>
+              <a:rPr lang="he-IL" sz="1400" dirty="0" err="1"/>
+              <a:t>קונפיגורציות</a:t>
+            </a:r>
+            <a:r>
+              <a:rPr lang="he-IL" sz="1400" dirty="0"/>
+              <a:t> מתאימות לצורך ביצוע הפרויקט וחיבור של המודלים השונים.</a:t>
+            </a:r>
+          </a:p>
+          <a:p>
+            <a:pPr marL="488950" indent="-342900" algn="r" rtl="1">
+              <a:buFont typeface="+mj-lt"/>
+              <a:buAutoNum type="arabicPeriod"/>
+            </a:pPr>
+            <a:r>
+              <a:rPr lang="he-IL" sz="1400" dirty="0"/>
+              <a:t>למידת ספריות למידת מכונה של </a:t>
+            </a:r>
+            <a:r>
+              <a:rPr lang="en-US" sz="1400" dirty="0"/>
+              <a:t>Python</a:t>
+            </a:r>
+            <a:r>
+              <a:rPr lang="he-IL" sz="1400" dirty="0"/>
+              <a:t> , נעזרנו באינטרנט ובמדריכים שונים המסבירים כיצד להשתמש בספריית</a:t>
+            </a:r>
+            <a:r>
+              <a:rPr lang="en-US" sz="1400" dirty="0"/>
+              <a:t>Scikit-learn </a:t>
+            </a:r>
+          </a:p>
+          <a:p>
+            <a:pPr marL="488950" indent="-342900" algn="r" rtl="1">
+              <a:buFont typeface="+mj-lt"/>
+              <a:buAutoNum type="arabicPeriod"/>
+            </a:pPr>
+            <a:endParaRPr lang="he-IL" sz="1400" dirty="0"/>
+          </a:p>
+          <a:p>
+            <a:pPr marL="488950" indent="-342900" algn="r" rtl="1">
+              <a:buFont typeface="+mj-lt"/>
+              <a:buAutoNum type="arabicPeriod"/>
+            </a:pPr>
+            <a:r>
+              <a:rPr lang="he-IL" sz="1400" dirty="0"/>
+              <a:t>המידע שלקחנו לא הגיע מאתר ייעודי ל</a:t>
+            </a:r>
+            <a:r>
+              <a:rPr lang="en-US" sz="1400" dirty="0"/>
+              <a:t> data</a:t>
+            </a:r>
+            <a:r>
+              <a:rPr lang="he-IL" sz="1400" dirty="0"/>
+              <a:t> כגון</a:t>
+            </a:r>
+            <a:r>
+              <a:rPr lang="en-US" sz="1400" dirty="0"/>
+              <a:t> Kaggle :</a:t>
+            </a:r>
+            <a:r>
+              <a:rPr lang="he-IL" sz="1400" dirty="0"/>
+              <a:t>ולא הגיע בפורמט טבלאי שהיה נוח לעבודה עם אלגוריתמי הלמידה.</a:t>
+            </a:r>
+          </a:p>
+          <a:p>
+            <a:pPr marL="488950" indent="-342900" algn="r" rtl="1">
+              <a:buFont typeface="+mj-lt"/>
+              <a:buAutoNum type="arabicPeriod"/>
+            </a:pPr>
+            <a:r>
+              <a:rPr lang="he-IL" sz="1400" dirty="0"/>
+              <a:t>בנוסף, ה</a:t>
+            </a:r>
+            <a:r>
+              <a:rPr lang="en-US" sz="1400" dirty="0"/>
+              <a:t> data</a:t>
+            </a:r>
+            <a:r>
+              <a:rPr lang="he-IL" sz="1400" dirty="0"/>
+              <a:t> שנאספה לא הגיעה עם תיוג ולכן נאלצנו להוסיף אותו בכוחות עצמנו למודל חילוץ הפיצ'רים חילוץ הפיצ'רים מהאפליקציות – הפיצ'רים לא היו בפורמט של </a:t>
+            </a:r>
+            <a:r>
+              <a:rPr lang="en-US" sz="1400" dirty="0"/>
+              <a:t>KEY</a:t>
+            </a:r>
+            <a:r>
+              <a:rPr lang="he-IL" sz="1400" dirty="0"/>
+              <a:t> ו-</a:t>
+            </a:r>
+            <a:r>
+              <a:rPr lang="en-US" sz="1400" dirty="0"/>
+              <a:t>VALUE</a:t>
+            </a:r>
+            <a:r>
+              <a:rPr lang="he-IL" sz="1400" dirty="0"/>
+              <a:t> והיינו צריכים לחלץ את המידע מקבצים דחוסים(</a:t>
+            </a:r>
+            <a:r>
+              <a:rPr lang="en-US" sz="1400" dirty="0"/>
+              <a:t>APK</a:t>
+            </a:r>
+            <a:r>
+              <a:rPr lang="he-IL" sz="1400" dirty="0"/>
+              <a:t>)</a:t>
+            </a:r>
+          </a:p>
+        </p:txBody>
+      </p:sp>
     </p:spTree>
     <p:extLst>
       <p:ext uri="{BB962C8B-B14F-4D97-AF65-F5344CB8AC3E}">
-        <p14:creationId xmlns:p14="http://schemas.microsoft.com/office/powerpoint/2010/main" val="920333169"/>
+        <p14:creationId xmlns:p14="http://schemas.microsoft.com/office/powerpoint/2010/main" val="11988764"/>
       </p:ext>
     </p:extLst>
   </p:cSld>
@@ -13527,7 +13678,7 @@
   <p:cSld>
     <p:spTree>
       <p:nvGrpSpPr>
-        <p:cNvPr id="1" name="Shape 140"/>
+        <p:cNvPr id="1" name=""/>
         <p:cNvGrpSpPr/>
         <p:nvPr/>
       </p:nvGrpSpPr>
@@ -13541,53 +13692,47 @@
       </p:grpSpPr>
       <p:sp>
         <p:nvSpPr>
-          <p:cNvPr id="141" name="Google Shape;141;p14"/>
-          <p:cNvSpPr txBox="1">
+          <p:cNvPr id="2" name="כותרת 1">
+            <a:extLst>
+              <a:ext uri="{FF2B5EF4-FFF2-40B4-BE49-F238E27FC236}">
+                <a16:creationId xmlns:a16="http://schemas.microsoft.com/office/drawing/2014/main" id="{F25BEF12-5942-62F0-58FB-E2F6E539097D}"/>
+              </a:ext>
+            </a:extLst>
+          </p:cNvPr>
+          <p:cNvSpPr>
             <a:spLocks noGrp="1"/>
           </p:cNvSpPr>
           <p:nvPr>
             <p:ph type="title"/>
           </p:nvPr>
         </p:nvSpPr>
-        <p:spPr>
-          <a:xfrm>
-            <a:off x="1297500" y="393750"/>
-            <a:ext cx="7038900" cy="914100"/>
-          </a:xfrm>
-          <a:prstGeom prst="rect">
-            <a:avLst/>
-          </a:prstGeom>
-        </p:spPr>
+        <p:spPr/>
         <p:txBody>
-          <a:bodyPr spcFirstLastPara="1" wrap="square" lIns="91425" tIns="91425" rIns="91425" bIns="91425" anchor="t" anchorCtr="0">
+          <a:bodyPr>
             <a:normAutofit/>
           </a:bodyPr>
           <a:lstStyle/>
           <a:p>
-            <a:pPr marL="0" lvl="0" indent="0" algn="ctr" rtl="0">
-              <a:spcBef>
-                <a:spcPts val="0"/>
-              </a:spcBef>
-              <a:spcAft>
-                <a:spcPts val="0"/>
-              </a:spcAft>
-              <a:buNone/>
-            </a:pPr>
-            <a:r>
-              <a:rPr lang="en-US" dirty="0"/>
-              <a:t>Gradient Boosting Classifier</a:t>
-            </a:r>
-            <a:endParaRPr i="1" u="sng" dirty="0">
-              <a:latin typeface="Miriam" panose="020B0502050101010101" pitchFamily="34" charset="-79"/>
-              <a:cs typeface="Miriam" panose="020B0502050101010101" pitchFamily="34" charset="-79"/>
-            </a:endParaRPr>
+            <a:pPr algn="ctr" rtl="1"/>
+            <a:r>
+              <a:rPr lang="he-IL" sz="3600" dirty="0">
+                <a:cs typeface="+mj-cs"/>
+              </a:rPr>
+              <a:t>אתגרים </a:t>
+            </a:r>
           </a:p>
         </p:txBody>
       </p:sp>
       <p:sp>
         <p:nvSpPr>
-          <p:cNvPr id="142" name="Google Shape;142;p14"/>
-          <p:cNvSpPr txBox="1">
+          <p:cNvPr id="3" name="מציין מיקום טקסט 2">
+            <a:extLst>
+              <a:ext uri="{FF2B5EF4-FFF2-40B4-BE49-F238E27FC236}">
+                <a16:creationId xmlns:a16="http://schemas.microsoft.com/office/drawing/2014/main" id="{74C98D58-AC5A-2F36-79C8-53C20F4A08F6}"/>
+              </a:ext>
+            </a:extLst>
+          </p:cNvPr>
+          <p:cNvSpPr>
             <a:spLocks noGrp="1"/>
           </p:cNvSpPr>
           <p:nvPr>
@@ -13596,34 +13741,350 @@
         </p:nvSpPr>
         <p:spPr>
           <a:xfrm>
-            <a:off x="314893" y="987068"/>
-            <a:ext cx="8465769" cy="3712100"/>
+            <a:off x="1297500" y="1567549"/>
+            <a:ext cx="7038900" cy="3058951"/>
           </a:xfrm>
-          <a:prstGeom prst="rect">
-            <a:avLst/>
-          </a:prstGeom>
         </p:spPr>
         <p:txBody>
-          <a:bodyPr spcFirstLastPara="1" wrap="square" lIns="91425" tIns="91425" rIns="91425" bIns="91425" anchor="t" anchorCtr="0">
+          <a:bodyPr>
             <a:normAutofit/>
           </a:bodyPr>
           <a:lstStyle/>
           <a:p>
-            <a:pPr marL="171450" indent="-171450" algn="r" rtl="1">
-              <a:spcAft>
-                <a:spcPts val="1200"/>
-              </a:spcAft>
+            <a:pPr marL="488950" indent="-342900" algn="r" rtl="1">
+              <a:buFont typeface="+mj-lt"/>
+              <a:buAutoNum type="arabicPeriod"/>
             </a:pPr>
-            <a:endParaRPr lang="he-IL" sz="1400" dirty="0">
-              <a:latin typeface="Montserrat" pitchFamily="2" charset="77"/>
-            </a:endParaRPr>
+            <a:r>
+              <a:rPr lang="he-IL" sz="1600" dirty="0"/>
+              <a:t>אובייקט הפיצ'רים עבור כל אפליקציה היה צריך להיות בפורמט אחיד עבור כלל האפליקציות מבחינת השדות שהיו בכל אובייקט(מילוי שדות חסרים בערך 0) .</a:t>
+            </a:r>
+          </a:p>
+          <a:p>
+            <a:pPr marL="488950" indent="-342900" algn="r" rtl="1">
+              <a:buFont typeface="+mj-lt"/>
+              <a:buAutoNum type="arabicPeriod"/>
+            </a:pPr>
+            <a:endParaRPr lang="he-IL" sz="1600" dirty="0"/>
+          </a:p>
+          <a:p>
+            <a:pPr marL="488950" indent="-342900" algn="r" rtl="1">
+              <a:buFont typeface="+mj-lt"/>
+              <a:buAutoNum type="arabicPeriod"/>
+            </a:pPr>
+            <a:r>
+              <a:rPr lang="he-IL" sz="1600" dirty="0"/>
+              <a:t>היו 22,383 פיצ'רים ולכן הזמן ריצה של האלגוריתמים הצריך מכונה חזקה והמון זמן עיבוד של המידע</a:t>
+            </a:r>
+            <a:br>
+              <a:rPr lang="en-US" sz="1600" dirty="0"/>
+            </a:br>
+            <a:r>
+              <a:rPr lang="he-IL" sz="1600" dirty="0"/>
+              <a:t>בעקבות גודל כמות הפיצ'רים השונים התחלנו לעשות מחקר מעמיק על הפיצ'רים, דבר זה גרע מאיתנו לסיים את המחקר לחלוטין ולסנן פיצ'רים שאינן רלוונטיים עבור המודלים.</a:t>
+            </a:r>
+          </a:p>
+          <a:p>
+            <a:pPr marL="146050" indent="0" algn="r" rtl="1">
+              <a:buNone/>
+            </a:pPr>
+            <a:endParaRPr lang="he-IL" sz="1600" dirty="0"/>
           </a:p>
         </p:txBody>
       </p:sp>
     </p:spTree>
     <p:extLst>
       <p:ext uri="{BB962C8B-B14F-4D97-AF65-F5344CB8AC3E}">
-        <p14:creationId xmlns:p14="http://schemas.microsoft.com/office/powerpoint/2010/main" val="3017655696"/>
+        <p14:creationId xmlns:p14="http://schemas.microsoft.com/office/powerpoint/2010/main" val="1669033742"/>
+      </p:ext>
+    </p:extLst>
+  </p:cSld>
+  <p:clrMapOvr>
+    <a:masterClrMapping/>
+  </p:clrMapOvr>
+</p:sld>
+</file>
+
+<file path=ppt/slides/slide15.xml><?xml version="1.0" encoding="utf-8"?>
+<p:sld xmlns:a="http://schemas.openxmlformats.org/drawingml/2006/main" xmlns:r="http://schemas.openxmlformats.org/officeDocument/2006/relationships" xmlns:p="http://schemas.openxmlformats.org/presentationml/2006/main">
+  <p:cSld>
+    <p:spTree>
+      <p:nvGrpSpPr>
+        <p:cNvPr id="1" name=""/>
+        <p:cNvGrpSpPr/>
+        <p:nvPr/>
+      </p:nvGrpSpPr>
+      <p:grpSpPr>
+        <a:xfrm>
+          <a:off x="0" y="0"/>
+          <a:ext cx="0" cy="0"/>
+          <a:chOff x="0" y="0"/>
+          <a:chExt cx="0" cy="0"/>
+        </a:xfrm>
+      </p:grpSpPr>
+      <p:sp>
+        <p:nvSpPr>
+          <p:cNvPr id="2" name="כותרת 1">
+            <a:extLst>
+              <a:ext uri="{FF2B5EF4-FFF2-40B4-BE49-F238E27FC236}">
+                <a16:creationId xmlns:a16="http://schemas.microsoft.com/office/drawing/2014/main" id="{F25BEF12-5942-62F0-58FB-E2F6E539097D}"/>
+              </a:ext>
+            </a:extLst>
+          </p:cNvPr>
+          <p:cNvSpPr>
+            <a:spLocks noGrp="1"/>
+          </p:cNvSpPr>
+          <p:nvPr>
+            <p:ph type="title"/>
+          </p:nvPr>
+        </p:nvSpPr>
+        <p:spPr/>
+        <p:txBody>
+          <a:bodyPr>
+            <a:normAutofit/>
+          </a:bodyPr>
+          <a:lstStyle/>
+          <a:p>
+            <a:pPr algn="ctr" rtl="1"/>
+            <a:r>
+              <a:rPr lang="he-IL" sz="3600" dirty="0">
+                <a:cs typeface="+mj-cs"/>
+              </a:rPr>
+              <a:t>משימות עתידיות </a:t>
+            </a:r>
+          </a:p>
+        </p:txBody>
+      </p:sp>
+      <p:sp>
+        <p:nvSpPr>
+          <p:cNvPr id="3" name="מציין מיקום טקסט 2">
+            <a:extLst>
+              <a:ext uri="{FF2B5EF4-FFF2-40B4-BE49-F238E27FC236}">
+                <a16:creationId xmlns:a16="http://schemas.microsoft.com/office/drawing/2014/main" id="{74C98D58-AC5A-2F36-79C8-53C20F4A08F6}"/>
+              </a:ext>
+            </a:extLst>
+          </p:cNvPr>
+          <p:cNvSpPr>
+            <a:spLocks noGrp="1"/>
+          </p:cNvSpPr>
+          <p:nvPr>
+            <p:ph type="body" idx="1"/>
+          </p:nvPr>
+        </p:nvSpPr>
+        <p:spPr>
+          <a:xfrm>
+            <a:off x="1297500" y="1567549"/>
+            <a:ext cx="7038900" cy="3058951"/>
+          </a:xfrm>
+        </p:spPr>
+        <p:txBody>
+          <a:bodyPr>
+            <a:normAutofit/>
+          </a:bodyPr>
+          <a:lstStyle/>
+          <a:p>
+            <a:pPr marL="146050" indent="0" algn="r" rtl="1">
+              <a:buNone/>
+            </a:pPr>
+            <a:endParaRPr lang="he-IL" sz="1400" dirty="0"/>
+          </a:p>
+          <a:p>
+            <a:pPr algn="r" rtl="1"/>
+            <a:r>
+              <a:rPr lang="he-IL" sz="1400" dirty="0"/>
+              <a:t>סינון המידע וצמצום כמות הפיצ'רים כך שהפיצ'רים שיופיעו יהיו פיצ'רים שייצגו בצורה הטובה ביותר את התכונות של כל אפליקציה ויהיו רלוונטיות לאלגוריתמי הלמידה. דבר זה יוביל לצמצום את זמני הריצה ואיכות הלמידה של האלגוריתמים. </a:t>
+            </a:r>
+          </a:p>
+          <a:p>
+            <a:pPr algn="r" rtl="1"/>
+            <a:r>
+              <a:rPr lang="he-IL" sz="1400" dirty="0"/>
+              <a:t>הוספת אלגוריתמי למידה נוספים, כדי לבצע למידה מעמיקה על המידע וביצוע השוואות בין האלגוריתמים.</a:t>
+            </a:r>
+          </a:p>
+          <a:p>
+            <a:pPr algn="r" rtl="1"/>
+            <a:r>
+              <a:rPr lang="he-IL" sz="1400" dirty="0"/>
+              <a:t>התחלנו לבצע ניתוח סטטיסטי לטובת הבנה של הפיצ'רים, לכל פיצ'ר השוונו את האחוזים שהפיצ'ר קיים ב-</a:t>
+            </a:r>
+            <a:r>
+              <a:rPr lang="en-US" sz="1400" dirty="0"/>
+              <a:t>data</a:t>
+            </a:r>
+            <a:r>
+              <a:rPr lang="he-IL" sz="1400" dirty="0"/>
+              <a:t> לפי סוג התיוג. התוצאות שראינו העידו על כך שקיימים פיצ'רים שפחות רלוונטיים לתיוג האפליקציה. כמובן שניתן לבצע מחקר מעמיק יותר.</a:t>
+            </a:r>
+          </a:p>
+        </p:txBody>
+      </p:sp>
+    </p:spTree>
+    <p:extLst>
+      <p:ext uri="{BB962C8B-B14F-4D97-AF65-F5344CB8AC3E}">
+        <p14:creationId xmlns:p14="http://schemas.microsoft.com/office/powerpoint/2010/main" val="1766826864"/>
+      </p:ext>
+    </p:extLst>
+  </p:cSld>
+  <p:clrMapOvr>
+    <a:masterClrMapping/>
+  </p:clrMapOvr>
+</p:sld>
+</file>
+
+<file path=ppt/slides/slide16.xml><?xml version="1.0" encoding="utf-8"?>
+<p:sld xmlns:a="http://schemas.openxmlformats.org/drawingml/2006/main" xmlns:r="http://schemas.openxmlformats.org/officeDocument/2006/relationships" xmlns:p="http://schemas.openxmlformats.org/presentationml/2006/main">
+  <p:cSld>
+    <p:spTree>
+      <p:nvGrpSpPr>
+        <p:cNvPr id="1" name=""/>
+        <p:cNvGrpSpPr/>
+        <p:nvPr/>
+      </p:nvGrpSpPr>
+      <p:grpSpPr>
+        <a:xfrm>
+          <a:off x="0" y="0"/>
+          <a:ext cx="0" cy="0"/>
+          <a:chOff x="0" y="0"/>
+          <a:chExt cx="0" cy="0"/>
+        </a:xfrm>
+      </p:grpSpPr>
+      <p:sp>
+        <p:nvSpPr>
+          <p:cNvPr id="2" name="כותרת 1">
+            <a:extLst>
+              <a:ext uri="{FF2B5EF4-FFF2-40B4-BE49-F238E27FC236}">
+                <a16:creationId xmlns:a16="http://schemas.microsoft.com/office/drawing/2014/main" id="{F25BEF12-5942-62F0-58FB-E2F6E539097D}"/>
+              </a:ext>
+            </a:extLst>
+          </p:cNvPr>
+          <p:cNvSpPr>
+            <a:spLocks noGrp="1"/>
+          </p:cNvSpPr>
+          <p:nvPr>
+            <p:ph type="title"/>
+          </p:nvPr>
+        </p:nvSpPr>
+        <p:spPr/>
+        <p:txBody>
+          <a:bodyPr>
+            <a:normAutofit/>
+          </a:bodyPr>
+          <a:lstStyle/>
+          <a:p>
+            <a:pPr algn="ctr" rtl="1"/>
+            <a:r>
+              <a:rPr lang="he-IL" sz="3600" dirty="0">
+                <a:cs typeface="+mj-cs"/>
+              </a:rPr>
+              <a:t>קישורים</a:t>
+            </a:r>
+          </a:p>
+        </p:txBody>
+      </p:sp>
+      <p:sp>
+        <p:nvSpPr>
+          <p:cNvPr id="3" name="מציין מיקום טקסט 2">
+            <a:extLst>
+              <a:ext uri="{FF2B5EF4-FFF2-40B4-BE49-F238E27FC236}">
+                <a16:creationId xmlns:a16="http://schemas.microsoft.com/office/drawing/2014/main" id="{74C98D58-AC5A-2F36-79C8-53C20F4A08F6}"/>
+              </a:ext>
+            </a:extLst>
+          </p:cNvPr>
+          <p:cNvSpPr>
+            <a:spLocks noGrp="1"/>
+          </p:cNvSpPr>
+          <p:nvPr>
+            <p:ph type="body" idx="1"/>
+          </p:nvPr>
+        </p:nvSpPr>
+        <p:spPr>
+          <a:xfrm>
+            <a:off x="1297500" y="1567549"/>
+            <a:ext cx="7038900" cy="3058951"/>
+          </a:xfrm>
+        </p:spPr>
+        <p:txBody>
+          <a:bodyPr>
+            <a:normAutofit/>
+          </a:bodyPr>
+          <a:lstStyle/>
+          <a:p>
+            <a:pPr algn="r" rtl="1"/>
+            <a:r>
+              <a:rPr lang="he-IL" sz="1400" dirty="0"/>
+              <a:t>קישור לפרויקט: </a:t>
+            </a:r>
+            <a:r>
+              <a:rPr lang="en-US" sz="1400" dirty="0">
+                <a:hlinkClick r:id="rId2"/>
+              </a:rPr>
+              <a:t>https://github.com/motidahari/Mobile-Security-ML-Android-Malware-Detection-Machine-learning-course</a:t>
+            </a:r>
+            <a:endParaRPr lang="he-IL" sz="1400" dirty="0"/>
+          </a:p>
+          <a:p>
+            <a:pPr algn="r" rtl="1"/>
+            <a:r>
+              <a:rPr lang="he-IL" sz="1400" dirty="0"/>
+              <a:t>קישור לקובץ הפיצ'רים של המודלים: </a:t>
+            </a:r>
+            <a:r>
+              <a:rPr lang="he-IL" sz="1400" dirty="0">
+                <a:hlinkClick r:id="rId3"/>
+              </a:rPr>
+              <a:t>קישור</a:t>
+            </a:r>
+            <a:endParaRPr lang="he-IL" sz="1400" dirty="0"/>
+          </a:p>
+          <a:p>
+            <a:pPr algn="r" rtl="1"/>
+            <a:r>
+              <a:rPr lang="he-IL" sz="1400" dirty="0"/>
+              <a:t>קישור לתוצאות הסיווג של האלגוריתמים: </a:t>
+            </a:r>
+            <a:r>
+              <a:rPr lang="he-IL" sz="1400" dirty="0">
+                <a:hlinkClick r:id="rId4"/>
+              </a:rPr>
+              <a:t>קישור</a:t>
+            </a:r>
+            <a:endParaRPr lang="he-IL" sz="1400" dirty="0"/>
+          </a:p>
+          <a:p>
+            <a:pPr algn="r" rtl="1"/>
+            <a:r>
+              <a:rPr lang="he-IL" sz="1400" dirty="0"/>
+              <a:t>קישור לרשימה של קטגוריות ופיצ'רים עבור כל קטגוריה: </a:t>
+            </a:r>
+            <a:r>
+              <a:rPr lang="he-IL" sz="1400" dirty="0">
+                <a:hlinkClick r:id="rId2"/>
+              </a:rPr>
+              <a:t>קישור</a:t>
+            </a:r>
+            <a:endParaRPr lang="he-IL" sz="1400" dirty="0"/>
+          </a:p>
+          <a:p>
+            <a:pPr algn="r" rtl="1"/>
+            <a:r>
+              <a:rPr lang="he-IL" sz="1400" dirty="0"/>
+              <a:t>קישור לניתוח סטטיסטי של הפיצ'רים: </a:t>
+            </a:r>
+            <a:r>
+              <a:rPr lang="he-IL" sz="1400" dirty="0">
+                <a:hlinkClick r:id="rId5"/>
+              </a:rPr>
+              <a:t>קישור</a:t>
+            </a:r>
+            <a:endParaRPr lang="he-IL" sz="1400" dirty="0"/>
+          </a:p>
+        </p:txBody>
+      </p:sp>
+    </p:spTree>
+    <p:extLst>
+      <p:ext uri="{BB962C8B-B14F-4D97-AF65-F5344CB8AC3E}">
+        <p14:creationId xmlns:p14="http://schemas.microsoft.com/office/powerpoint/2010/main" val="1016726235"/>
       </p:ext>
     </p:extLst>
   </p:cSld>
@@ -13730,19 +14191,19 @@
             </a:pPr>
             <a:r>
               <a:rPr lang="he-IL" sz="1120" dirty="0">
-                <a:latin typeface="Montserrat" pitchFamily="2" charset="77"/>
+                <a:latin typeface="Lat\"/>
               </a:rPr>
               <a:t>הפרויקט שלנו נועד לסווג אפליקציות אנדרואיד(</a:t>
             </a:r>
             <a:r>
               <a:rPr lang="en-US" sz="1120" dirty="0">
-                <a:latin typeface="Montserrat" pitchFamily="2" charset="77"/>
+                <a:latin typeface="Lat\"/>
               </a:rPr>
               <a:t>APK</a:t>
             </a:r>
             <a:r>
               <a:rPr lang="he-IL" sz="1120" dirty="0">
-                <a:latin typeface="Montserrat" pitchFamily="2" charset="77"/>
+                <a:latin typeface="Lat\"/>
               </a:rPr>
               <a:t>) כזדוניות או שפריות. השתמשנו במערך נתונים של 4591 אפליקציות והרצנו עליו מודלים שונים של למידת מכונה. </a:t>
             </a:r>
@@ -13755,43 +14216,43 @@
             </a:pPr>
             <a:r>
               <a:rPr lang="he-IL" sz="1120" dirty="0">
-                <a:latin typeface="Montserrat" pitchFamily="2" charset="77"/>
+                <a:latin typeface="Lat\"/>
               </a:rPr>
               <a:t>בעיה זו תופסת תאוצה ותוספת נפח רחב בעולמות אבטחת המידע מכיוון שרוב חברות הטכנולוגיה מביאות פתרונות </a:t>
             </a:r>
             <a:r>
               <a:rPr lang="he-IL" sz="1120" dirty="0" err="1">
-                <a:latin typeface="Montserrat" pitchFamily="2" charset="77"/>
+                <a:latin typeface="Lat\"/>
               </a:rPr>
               <a:t>וישומים</a:t>
             </a:r>
             <a:r>
               <a:rPr lang="he-IL" sz="1120" dirty="0">
-                <a:latin typeface="Montserrat" pitchFamily="2" charset="77"/>
+                <a:latin typeface="Lat\"/>
               </a:rPr>
               <a:t> טכנולוגים למשתמשי קצה באמצעות אפליקציות ייעודיות למובייל ואתרים </a:t>
             </a:r>
             <a:r>
               <a:rPr lang="he-IL" sz="1120" dirty="0" err="1">
-                <a:latin typeface="Montserrat" pitchFamily="2" charset="77"/>
+                <a:latin typeface="Lat\"/>
               </a:rPr>
               <a:t>רספונסיבים</a:t>
             </a:r>
             <a:r>
               <a:rPr lang="he-IL" sz="1120" dirty="0">
-                <a:latin typeface="Montserrat" pitchFamily="2" charset="77"/>
+                <a:latin typeface="Lat\"/>
               </a:rPr>
               <a:t> ל</a:t>
             </a:r>
             <a:r>
               <a:rPr lang="en-US" sz="1120" dirty="0">
-                <a:latin typeface="Montserrat" pitchFamily="2" charset="77"/>
+                <a:latin typeface="Lat\"/>
               </a:rPr>
               <a:t>WEB-</a:t>
             </a:r>
             <a:r>
               <a:rPr lang="he-IL" sz="1120" dirty="0">
-                <a:latin typeface="Montserrat" pitchFamily="2" charset="77"/>
+                <a:latin typeface="Lat\"/>
               </a:rPr>
               <a:t>.</a:t>
             </a:r>
@@ -13804,7 +14265,7 @@
             </a:pPr>
             <a:r>
               <a:rPr lang="he-IL" sz="1120" dirty="0">
-                <a:latin typeface="Montserrat" pitchFamily="2" charset="77"/>
+                <a:latin typeface="Lat\"/>
               </a:rPr>
               <a:t> המאגר מכיל בסה"כ 4591 אפליקציות, מתוכם 1652 מסווגות כידידותיות 2939 זדוניות. </a:t>
             </a:r>
@@ -13817,45 +14278,9 @@
             </a:pPr>
             <a:r>
               <a:rPr lang="he-IL" sz="1120" dirty="0">
-                <a:latin typeface="Montserrat" pitchFamily="2" charset="77"/>
-              </a:rPr>
-              <a:t> לכל </a:t>
-            </a:r>
-            <a:r>
-              <a:rPr lang="he-IL" sz="1120" dirty="0" err="1">
-                <a:latin typeface="Montserrat" pitchFamily="2" charset="77"/>
-              </a:rPr>
-              <a:t>אפליקצייה</a:t>
-            </a:r>
-            <a:r>
-              <a:rPr lang="he-IL" sz="1120" dirty="0">
-                <a:latin typeface="Montserrat" pitchFamily="2" charset="77"/>
-              </a:rPr>
-              <a:t> מכילה 22,383 רשומות של פיצ'רים </a:t>
-            </a:r>
-            <a:r>
-              <a:rPr lang="he-IL" sz="1120" dirty="0" err="1">
-                <a:latin typeface="Montserrat" pitchFamily="2" charset="77"/>
-              </a:rPr>
-              <a:t>בינארים</a:t>
-            </a:r>
-            <a:r>
-              <a:rPr lang="he-IL" sz="1120" dirty="0">
-                <a:latin typeface="Montserrat" pitchFamily="2" charset="77"/>
-              </a:rPr>
-              <a:t> כאשר 1 מייצג </a:t>
-            </a:r>
-            <a:r>
-              <a:rPr lang="he-IL" sz="1120" dirty="0" err="1">
-                <a:latin typeface="Montserrat" pitchFamily="2" charset="77"/>
-              </a:rPr>
-              <a:t>שהאפליקצייה</a:t>
-            </a:r>
-            <a:r>
-              <a:rPr lang="he-IL" sz="1120" dirty="0">
-                <a:latin typeface="Montserrat" pitchFamily="2" charset="77"/>
-              </a:rPr>
-              <a:t> מכילה את הפיצ'ר הנתון, אחרת 0.</a:t>
+                <a:latin typeface="Lat\"/>
+              </a:rPr>
+              <a:t> לכל אפליקציה מכילה 22,383 רשומות של פיצ'רים בינאריים כאשר 1 מייצג שהאפליקציה מכילה את הפיצ'ר הנתון, אחרת 0.</a:t>
             </a:r>
           </a:p>
           <a:p>
@@ -13866,19 +14291,20 @@
             </a:pPr>
             <a:r>
               <a:rPr lang="he-IL" sz="1120" dirty="0">
-                <a:latin typeface="Montserrat" pitchFamily="2" charset="77"/>
+                <a:latin typeface="Lat\"/>
               </a:rPr>
               <a:t>במהלך בניית הפרויקט התמודדנו עם שלל בעיות בכדי לדעת את האפליקציות כזדוניות או ידידותיות שיפורטו בהמשך.</a:t>
             </a:r>
           </a:p>
           <a:p>
-            <a:pPr marL="171450" indent="-171450" algn="r" rtl="1">
+            <a:pPr marL="0" indent="0" algn="r" rtl="1">
               <a:spcAft>
                 <a:spcPts val="1200"/>
               </a:spcAft>
+              <a:buNone/>
             </a:pPr>
             <a:endParaRPr lang="he-IL" sz="1120" dirty="0">
-              <a:latin typeface="Montserrat" pitchFamily="2" charset="77"/>
+              <a:latin typeface="Lat\"/>
             </a:endParaRPr>
           </a:p>
         </p:txBody>
@@ -14147,7 +14573,7 @@
               <a:rPr lang="he-IL" sz="1120" dirty="0">
                 <a:latin typeface="Montserrat" pitchFamily="2" charset="77"/>
               </a:rPr>
-              <a:t>שונים (ממשקי תכנות יישומים) המסופקים על ידי מערכת ההפעלה אנדרואיד. דוגמאות להרשאות </a:t>
+              <a:t> שונים (ממשקי תכנות יישומים) המסופקים על ידי מערכת ההפעלה אנדרואיד. דוגמאות להרשאות </a:t>
             </a:r>
             <a:r>
               <a:rPr lang="en-US" sz="1120" dirty="0">
@@ -14395,43 +14821,7 @@
               <a:rPr lang="he-IL" sz="1120" dirty="0">
                 <a:latin typeface="Montserrat" pitchFamily="2" charset="77"/>
               </a:rPr>
-              <a:t> </a:t>
-            </a:r>
-            <a:r>
-              <a:rPr lang="he-IL" sz="1120" dirty="0" err="1">
-                <a:latin typeface="Montserrat" pitchFamily="2" charset="77"/>
-              </a:rPr>
-              <a:t>והשרותים</a:t>
-            </a:r>
-            <a:r>
-              <a:rPr lang="he-IL" sz="1120" dirty="0">
-                <a:latin typeface="Montserrat" pitchFamily="2" charset="77"/>
-              </a:rPr>
-              <a:t>- </a:t>
-            </a:r>
-            <a:r>
-              <a:rPr lang="he-IL" sz="1120" dirty="0" err="1">
-                <a:latin typeface="Montserrat" pitchFamily="2" charset="77"/>
-              </a:rPr>
-              <a:t>שרותים</a:t>
-            </a:r>
-            <a:r>
-              <a:rPr lang="he-IL" sz="1120" dirty="0">
-                <a:latin typeface="Montserrat" pitchFamily="2" charset="77"/>
-              </a:rPr>
-              <a:t> הם תהליכי רקע </a:t>
-            </a:r>
-            <a:r>
-              <a:rPr lang="he-IL" sz="1120" dirty="0" err="1">
-                <a:latin typeface="Montserrat" pitchFamily="2" charset="77"/>
-              </a:rPr>
-              <a:t>שהאפליקצייה</a:t>
-            </a:r>
-            <a:r>
-              <a:rPr lang="he-IL" sz="1120" dirty="0">
-                <a:latin typeface="Montserrat" pitchFamily="2" charset="77"/>
-              </a:rPr>
-              <a:t> יכולה להפעיל , וקלטים הם רכיבים שיכולים לקלוט שידורים מהמערכת או מאפליקציות אחרות. דוגמא לשירות: קביעת אירוע ביומן לפי שעה דרך </a:t>
+              <a:t> והשירותים- שירותים הם תהליכי רקע שהאפליקציה יכולה להפעיל , וקלטים הם רכיבים שיכולים לקלוט שידורים מהמערכת או מאפליקציות אחרות. דוגמא לשירות: קביעת אירוע ביומן לפי שעה דרך </a:t>
             </a:r>
             <a:r>
               <a:rPr lang="he-IL" sz="1120" dirty="0" err="1">
@@ -14541,19 +14931,7 @@
               <a:rPr lang="he-IL" sz="1120" dirty="0">
                 <a:latin typeface="Montserrat" pitchFamily="2" charset="77"/>
               </a:rPr>
-              <a:t>כתובות האינטרנט </a:t>
-            </a:r>
-            <a:r>
-              <a:rPr lang="he-IL" sz="1120" dirty="0" err="1">
-                <a:latin typeface="Montserrat" pitchFamily="2" charset="77"/>
-              </a:rPr>
-              <a:t>שהאפליקצייה</a:t>
-            </a:r>
-            <a:r>
-              <a:rPr lang="he-IL" sz="1120" dirty="0">
-                <a:latin typeface="Montserrat" pitchFamily="2" charset="77"/>
-              </a:rPr>
-              <a:t> מתקשרת כדי לקבל/לעדכן/למחוק/ליצור (</a:t>
+              <a:t>כתובות האינטרנט שהאפליקציה מתקשרת כדי לקבל/לעדכן/למחוק/ליצור (</a:t>
             </a:r>
             <a:r>
               <a:rPr lang="en-US" sz="1120" dirty="0">
@@ -14646,19 +15024,7 @@
               <a:rPr lang="he-IL" sz="1120" dirty="0">
                 <a:latin typeface="Montserrat" pitchFamily="2" charset="77"/>
               </a:rPr>
-              <a:t>בסה"כ כמות הפיצ'רים שחולצו כלל האפליקציות היא רשימה של 22,383 פיצ'רים </a:t>
-            </a:r>
-            <a:r>
-              <a:rPr lang="he-IL" sz="1120" dirty="0" err="1">
-                <a:latin typeface="Montserrat" pitchFamily="2" charset="77"/>
-              </a:rPr>
-              <a:t>יחודיים</a:t>
-            </a:r>
-            <a:r>
-              <a:rPr lang="he-IL" sz="1120" dirty="0">
-                <a:latin typeface="Montserrat" pitchFamily="2" charset="77"/>
-              </a:rPr>
-              <a:t>.</a:t>
+              <a:t>בסה"כ כמות הפיצ'רים שחולצו כלל האפליקציות היא רשימה של 22,383 פיצ'רים ייחודיים.</a:t>
             </a:r>
           </a:p>
         </p:txBody>
@@ -14775,19 +15141,7 @@
               <a:rPr lang="he-IL" sz="1120" dirty="0">
                 <a:latin typeface="Montserrat" pitchFamily="2" charset="77"/>
               </a:rPr>
-              <a:t>השלב הראשון היה להשיג מאגר מידע של אפליקציות זדוניות </a:t>
-            </a:r>
-            <a:r>
-              <a:rPr lang="he-IL" sz="1120" dirty="0" err="1">
-                <a:latin typeface="Montserrat" pitchFamily="2" charset="77"/>
-              </a:rPr>
-              <a:t>וידודיתיות</a:t>
-            </a:r>
-            <a:r>
-              <a:rPr lang="he-IL" sz="1120" dirty="0">
-                <a:latin typeface="Montserrat" pitchFamily="2" charset="77"/>
-              </a:rPr>
-              <a:t> מהאינטרנט. חיפשנו בגוגל, מאגרי מידע ופרויקטים קיימים באינטרנט ולבסוף עשינו מה שנקרא איחוד קבוצות זרות של כלל המידע שמצאנו ל-2 תיקיות, תיקייה אחת עבור אפליקציות זדוניות ותיקייה שניה עבור אפליקציות שפיריות.</a:t>
+              <a:t>השלב הראשון היה להשיג מאגר מידע של אפליקציות זדוניות וידידותיות מהאינטרנט. חיפשנו בגוגל, מאגרי מידע ופרויקטים קיימים באינטרנט ולבסוף עשינו איחוד של כלל המידע שמצאנו ל-2 תיקיות, תיקייה אחת עבור אפליקציות זדוניות ותיקייה שניה עבור אפליקציות שפיריות.</a:t>
             </a:r>
           </a:p>
           <a:p>
@@ -14800,79 +15154,31 @@
               <a:rPr lang="he-IL" sz="1120" dirty="0">
                 <a:latin typeface="Montserrat" pitchFamily="2" charset="77"/>
               </a:rPr>
-              <a:t>כתבנו סקריפט שרץ על 2 </a:t>
-            </a:r>
-            <a:r>
-              <a:rPr lang="he-IL" sz="1120" dirty="0" err="1">
+              <a:t>כתבנו סקריפט שרץ על 2 התיקיות לעיל ומשנה את שמות הקבצים כך שהשם של הקובץ של אפליקציה זדונית יכיל </a:t>
+            </a:r>
+            <a:r>
+              <a:rPr lang="en-US" sz="1120" dirty="0">
                 <a:latin typeface="Montserrat" pitchFamily="2" charset="77"/>
               </a:rPr>
-              <a:t>התקיות</a:t>
+              <a:t>“_M” </a:t>
             </a:r>
             <a:r>
               <a:rPr lang="he-IL" sz="1120" dirty="0">
                 <a:latin typeface="Montserrat" pitchFamily="2" charset="77"/>
               </a:rPr>
-              <a:t> לעיל ומשנה את שמות הקבצים כך שהשם של הקובץ של </a:t>
-            </a:r>
-            <a:r>
-              <a:rPr lang="he-IL" sz="1120" dirty="0" err="1">
+              <a:t> ועבור אפליקציה שפירית יתווסף "_</a:t>
+            </a:r>
+            <a:r>
+              <a:rPr lang="en-US" sz="1120" dirty="0">
                 <a:latin typeface="Montserrat" pitchFamily="2" charset="77"/>
               </a:rPr>
-              <a:t>אפליקצייה</a:t>
+              <a:t>B</a:t>
             </a:r>
             <a:r>
               <a:rPr lang="he-IL" sz="1120" dirty="0">
                 <a:latin typeface="Montserrat" pitchFamily="2" charset="77"/>
               </a:rPr>
-              <a:t> זדונית יכיל </a:t>
-            </a:r>
-            <a:r>
-              <a:rPr lang="en-US" sz="1120" dirty="0">
-                <a:latin typeface="Montserrat" pitchFamily="2" charset="77"/>
-              </a:rPr>
-              <a:t>“_M” </a:t>
-            </a:r>
-            <a:r>
-              <a:rPr lang="he-IL" sz="1120" dirty="0">
-                <a:latin typeface="Montserrat" pitchFamily="2" charset="77"/>
-              </a:rPr>
-              <a:t> ועבור </a:t>
-            </a:r>
-            <a:r>
-              <a:rPr lang="he-IL" sz="1120" dirty="0" err="1">
-                <a:latin typeface="Montserrat" pitchFamily="2" charset="77"/>
-              </a:rPr>
-              <a:t>אפליקצייה</a:t>
-            </a:r>
-            <a:r>
-              <a:rPr lang="he-IL" sz="1120" dirty="0">
-                <a:latin typeface="Montserrat" pitchFamily="2" charset="77"/>
-              </a:rPr>
-              <a:t> שפירית יתווסף "_</a:t>
-            </a:r>
-            <a:r>
-              <a:rPr lang="en-US" sz="1120" dirty="0">
-                <a:latin typeface="Montserrat" pitchFamily="2" charset="77"/>
-              </a:rPr>
-              <a:t>B</a:t>
-            </a:r>
-            <a:r>
-              <a:rPr lang="he-IL" sz="1120" dirty="0">
-                <a:latin typeface="Montserrat" pitchFamily="2" charset="77"/>
-              </a:rPr>
-              <a:t>" כך שבסופו של דבר יהיה ייצוג לכל </a:t>
-            </a:r>
-            <a:r>
-              <a:rPr lang="he-IL" sz="1120" dirty="0" err="1">
-                <a:latin typeface="Montserrat" pitchFamily="2" charset="77"/>
-              </a:rPr>
-              <a:t>אפליקצייה</a:t>
-            </a:r>
-            <a:r>
-              <a:rPr lang="he-IL" sz="1120" dirty="0">
-                <a:latin typeface="Montserrat" pitchFamily="2" charset="77"/>
-              </a:rPr>
-              <a:t> האם היא זדונית או לא.</a:t>
+              <a:t>" כך שבסופו של דבר יהיה ייצוג לכל אפליקציה האם היא זדונית או לא.</a:t>
             </a:r>
           </a:p>
           <a:p>
@@ -14885,19 +15191,7 @@
               <a:rPr lang="he-IL" sz="1120" dirty="0">
                 <a:latin typeface="Montserrat" pitchFamily="2" charset="77"/>
               </a:rPr>
-              <a:t>בשלב השלישי העברנו את כל האפליקציות הקיימות </a:t>
-            </a:r>
-            <a:r>
-              <a:rPr lang="he-IL" sz="1120" dirty="0" err="1">
-                <a:latin typeface="Montserrat" pitchFamily="2" charset="77"/>
-              </a:rPr>
-              <a:t>לתקייה</a:t>
-            </a:r>
-            <a:r>
-              <a:rPr lang="he-IL" sz="1120" dirty="0">
-                <a:latin typeface="Montserrat" pitchFamily="2" charset="77"/>
-              </a:rPr>
-              <a:t> אחת שתכיל את כלל האפליקציות לאחר שינויי השמות.</a:t>
+              <a:t>בשלב השלישי העברנו את כל האפליקציות הקיימות לתיקייה אחת שתכיל את כלל האפליקציות לאחר שינויי השמות.</a:t>
             </a:r>
           </a:p>
           <a:p>
@@ -14921,67 +15215,19 @@
               <a:rPr lang="he-IL" sz="1120" dirty="0">
                 <a:latin typeface="Montserrat" pitchFamily="2" charset="77"/>
               </a:rPr>
-              <a:t>עבור כל קובץ נבדוק האם השם שלו מכיל </a:t>
-            </a:r>
-            <a:r>
-              <a:rPr lang="he-IL" sz="1120" dirty="0" err="1">
+              <a:t>עבור כל קובץ נבדוק האם השם שלו מכיל ייצוג עבור זדוני או לא, ע"פ הבדיקה הזו נדע לתת </a:t>
+            </a:r>
+            <a:r>
+              <a:rPr lang="en-US" sz="1120" dirty="0">
                 <a:latin typeface="Montserrat" pitchFamily="2" charset="77"/>
               </a:rPr>
-              <a:t>יצוג</a:t>
+              <a:t>label</a:t>
             </a:r>
             <a:r>
               <a:rPr lang="he-IL" sz="1120" dirty="0">
                 <a:latin typeface="Montserrat" pitchFamily="2" charset="77"/>
               </a:rPr>
-              <a:t> עבור זדוני או לא, ע"פ הבדיקה הזו נדע לתת </a:t>
-            </a:r>
-            <a:r>
-              <a:rPr lang="en-US" sz="1120" dirty="0">
-                <a:latin typeface="Montserrat" pitchFamily="2" charset="77"/>
-              </a:rPr>
-              <a:t>label</a:t>
-            </a:r>
-            <a:r>
-              <a:rPr lang="he-IL" sz="1120" dirty="0">
-                <a:latin typeface="Montserrat" pitchFamily="2" charset="77"/>
-              </a:rPr>
-              <a:t> לכל </a:t>
-            </a:r>
-            <a:r>
-              <a:rPr lang="he-IL" sz="1120" dirty="0" err="1">
-                <a:latin typeface="Montserrat" pitchFamily="2" charset="77"/>
-              </a:rPr>
-              <a:t>אפליקצייה</a:t>
-            </a:r>
-            <a:r>
-              <a:rPr lang="he-IL" sz="1120" dirty="0">
-                <a:latin typeface="Montserrat" pitchFamily="2" charset="77"/>
-              </a:rPr>
-              <a:t> ואת השדה הזה העברנו </a:t>
-            </a:r>
-            <a:r>
-              <a:rPr lang="he-IL" sz="1120" dirty="0" err="1">
-                <a:latin typeface="Montserrat" pitchFamily="2" charset="77"/>
-              </a:rPr>
-              <a:t>לפונקצייה</a:t>
-            </a:r>
-            <a:r>
-              <a:rPr lang="he-IL" sz="1120" dirty="0">
-                <a:latin typeface="Montserrat" pitchFamily="2" charset="77"/>
-              </a:rPr>
-              <a:t> שמבצעת חילוץ של הפיצ'רים עבור אותה </a:t>
-            </a:r>
-            <a:r>
-              <a:rPr lang="he-IL" sz="1120" dirty="0" err="1">
-                <a:latin typeface="Montserrat" pitchFamily="2" charset="77"/>
-              </a:rPr>
-              <a:t>אפליקצייה</a:t>
-            </a:r>
-            <a:r>
-              <a:rPr lang="he-IL" sz="1120" dirty="0">
-                <a:latin typeface="Montserrat" pitchFamily="2" charset="77"/>
-              </a:rPr>
-              <a:t> ושומרת את המידע בקובץ </a:t>
+              <a:t> לכל אפליקציה ואת השדה הזה העברנו לפונקציה שמבצעת חילוץ של הפיצ'רים עבור אותה אפליקציה ושומרת את המידע בקובץ </a:t>
             </a:r>
             <a:r>
               <a:rPr lang="en-US" sz="1120" dirty="0">
@@ -15006,16 +15252,10 @@
               </a:spcAft>
             </a:pPr>
             <a:r>
-              <a:rPr lang="he-IL" sz="1120" dirty="0" err="1">
-                <a:latin typeface="Montserrat" pitchFamily="2" charset="77"/>
-              </a:rPr>
-              <a:t>הפונקצייה</a:t>
-            </a:r>
-            <a:r>
               <a:rPr lang="he-IL" sz="1120" dirty="0">
                 <a:latin typeface="Montserrat" pitchFamily="2" charset="77"/>
               </a:rPr>
-              <a:t> שמחלצת את המידע מבצעת </a:t>
+              <a:t>הפונקציה שמחלצת את המידע מבצעת </a:t>
             </a:r>
             <a:r>
               <a:rPr lang="en-US" sz="1120" dirty="0">
@@ -15039,19 +15279,7 @@
               <a:rPr lang="he-IL" sz="1120" dirty="0">
                 <a:latin typeface="Montserrat" pitchFamily="2" charset="77"/>
               </a:rPr>
-              <a:t> ושומרת אותו </a:t>
-            </a:r>
-            <a:r>
-              <a:rPr lang="he-IL" sz="1120" dirty="0" err="1">
-                <a:latin typeface="Montserrat" pitchFamily="2" charset="77"/>
-              </a:rPr>
-              <a:t>בתקייה</a:t>
-            </a:r>
-            <a:r>
-              <a:rPr lang="he-IL" sz="1120" dirty="0">
-                <a:latin typeface="Montserrat" pitchFamily="2" charset="77"/>
-              </a:rPr>
-              <a:t> שנקראת </a:t>
+              <a:t> ושומרת אותו בתיקייה שנקראת </a:t>
             </a:r>
             <a:r>
               <a:rPr lang="en-US" sz="1120" dirty="0">
@@ -15143,19 +15371,7 @@
               <a:rPr lang="he-IL" sz="1120" dirty="0">
                 <a:latin typeface="Montserrat" pitchFamily="2" charset="77"/>
               </a:rPr>
-              <a:t> שמכיל את כלל הפיצ'רים שהיו </a:t>
-            </a:r>
-            <a:r>
-              <a:rPr lang="he-IL" sz="1120" dirty="0" err="1">
-                <a:latin typeface="Montserrat" pitchFamily="2" charset="77"/>
-              </a:rPr>
-              <a:t>באפליקצייה</a:t>
-            </a:r>
-            <a:r>
-              <a:rPr lang="he-IL" sz="1120" dirty="0">
-                <a:latin typeface="Montserrat" pitchFamily="2" charset="77"/>
-              </a:rPr>
-              <a:t> לפי קטגוריות.</a:t>
+              <a:t> שמכיל את כלל הפיצ'רים שהיו באפליקציה לפי קטגוריות.</a:t>
             </a:r>
           </a:p>
           <a:p>
@@ -15186,19 +15402,7 @@
               <a:rPr lang="he-IL" sz="1120" dirty="0">
                 <a:latin typeface="Montserrat" pitchFamily="2" charset="77"/>
               </a:rPr>
-              <a:t> אחד המכיל מערך ריק ואליו הכנסנו </a:t>
-            </a:r>
-            <a:r>
-              <a:rPr lang="he-IL" sz="1120" dirty="0" err="1">
-                <a:latin typeface="Montserrat" pitchFamily="2" charset="77"/>
-              </a:rPr>
-              <a:t>אוביקטים</a:t>
-            </a:r>
-            <a:r>
-              <a:rPr lang="he-IL" sz="1120" dirty="0">
-                <a:latin typeface="Montserrat" pitchFamily="2" charset="77"/>
-              </a:rPr>
-              <a:t> כאשר כל אובייקט מייצג את הפיצ'רים של האפליקציות.</a:t>
+              <a:t> אחד המכיל מערך ריק ואליו הכנסנו אובייקטים כאשר כל אובייקט מייצג את הפיצ'רים של האפליקציות.</a:t>
             </a:r>
             <a:endParaRPr lang="en-US" sz="1120" dirty="0">
               <a:latin typeface="Montserrat" pitchFamily="2" charset="77"/>
@@ -15403,33 +15607,25 @@
             </a:pPr>
             <a:r>
               <a:rPr lang="he-IL" sz="1400" dirty="0">
-                <a:latin typeface="Montserrat" pitchFamily="2" charset="77"/>
+                <a:latin typeface="Lato" panose="020F0502020204030203" pitchFamily="34" charset="0"/>
+                <a:ea typeface="Lato" panose="020F0502020204030203" pitchFamily="34" charset="0"/>
               </a:rPr>
               <a:t>לאחר הרצת כלל האלגוריתמים על כלל החלוקות והפרמטרים יצאנו את כלל התוצאות לקבצי</a:t>
             </a:r>
             <a:r>
               <a:rPr lang="en-US" sz="1400" dirty="0" err="1">
-                <a:latin typeface="Montserrat" pitchFamily="2" charset="77"/>
+                <a:latin typeface="Lato" panose="020F0502020204030203" pitchFamily="34" charset="0"/>
+                <a:ea typeface="Lato" panose="020F0502020204030203" pitchFamily="34" charset="0"/>
+                <a:cs typeface="Lato" panose="020F0502020204030203" pitchFamily="34" charset="0"/>
               </a:rPr>
               <a:t>json</a:t>
             </a:r>
             <a:r>
               <a:rPr lang="he-IL" sz="1400" dirty="0">
-                <a:latin typeface="Montserrat" pitchFamily="2" charset="77"/>
-              </a:rPr>
-              <a:t> חיצוניים כאשר כל שם קובץ מייצג את האלגוריתם ואת החלוקה שבה הרצנו את האלגוריתם. כלומר, כל קובץ יכיל את ההרצה של האלגוריתם על כלל הערכים </a:t>
-            </a:r>
-            <a:r>
-              <a:rPr lang="he-IL" sz="1400" dirty="0" err="1">
-                <a:latin typeface="Montserrat" pitchFamily="2" charset="77"/>
-              </a:rPr>
-              <a:t>הרנדומלים</a:t>
-            </a:r>
-            <a:r>
-              <a:rPr lang="he-IL" sz="1400" dirty="0">
-                <a:latin typeface="Montserrat" pitchFamily="2" charset="77"/>
-              </a:rPr>
-              <a:t> של הפרמטרים לפי הייחס של אימון וטסט. </a:t>
+                <a:latin typeface="Lato" panose="020F0502020204030203" pitchFamily="34" charset="0"/>
+                <a:ea typeface="Lato" panose="020F0502020204030203" pitchFamily="34" charset="0"/>
+              </a:rPr>
+              <a:t> חיצוניים כאשר כל שם קובץ מייצג את האלגוריתם ואת החלוקה שבה הרצנו את האלגוריתם. כלומר, כל קובץ יכיל את ההרצה של האלגוריתם על כלל הערכים הרנדומליים של הפרמטרים לפי ייחס האימון והטסט. </a:t>
             </a:r>
           </a:p>
           <a:p>
@@ -15603,7 +15799,7 @@
         </p:spPr>
         <p:txBody>
           <a:bodyPr spcFirstLastPara="1" wrap="square" lIns="91425" tIns="91425" rIns="91425" bIns="91425" anchor="t" anchorCtr="0">
-            <a:normAutofit/>
+            <a:normAutofit lnSpcReduction="10000"/>
           </a:bodyPr>
           <a:lstStyle/>
           <a:p>
@@ -15622,13 +15818,43 @@
               <a:rPr lang="en-US" sz="1800" dirty="0">
                 <a:latin typeface="Montserrat" pitchFamily="2" charset="77"/>
               </a:rPr>
-              <a:t>Ridge </a:t>
+              <a:t>Ridge Regularization </a:t>
+            </a:r>
+            <a:r>
+              <a:rPr lang="he-IL" sz="1800" dirty="0">
+                <a:latin typeface="Montserrat" pitchFamily="2" charset="77"/>
+              </a:rPr>
+              <a:t> שמנסה לאזן בין המזעור של ה-</a:t>
+            </a:r>
+            <a:r>
+              <a:rPr lang="en-US" sz="1800" dirty="0">
+                <a:latin typeface="Montserrat" pitchFamily="2" charset="77"/>
+              </a:rPr>
+              <a:t>loss</a:t>
+            </a:r>
+            <a:r>
+              <a:rPr lang="he-IL" sz="1800" dirty="0">
+                <a:latin typeface="Montserrat" pitchFamily="2" charset="77"/>
+              </a:rPr>
+              <a:t> של הסיכון האמפירי וגם של הווקטור.  בנוסף קבענו</a:t>
+            </a:r>
+            <a:r>
+              <a:rPr lang="en-US" sz="1800" dirty="0">
+                <a:latin typeface="Montserrat" pitchFamily="2" charset="77"/>
+              </a:rPr>
+              <a:t>learning rate =0.1 </a:t>
+            </a:r>
+            <a:r>
+              <a:rPr lang="he-IL" sz="1800" dirty="0">
+                <a:latin typeface="Montserrat" pitchFamily="2" charset="77"/>
+              </a:rPr>
+              <a:t> ומגוון ערכי</a:t>
             </a:r>
             <a:r>
               <a:rPr lang="en-US" sz="1800" dirty="0" err="1">
                 <a:latin typeface="Montserrat" pitchFamily="2" charset="77"/>
               </a:rPr>
-              <a:t>Regulizer</a:t>
+              <a:t>c_value</a:t>
             </a:r>
             <a:r>
               <a:rPr lang="en-US" sz="1800" dirty="0">
@@ -15640,103 +15866,37 @@
               <a:rPr lang="he-IL" sz="1800" dirty="0">
                 <a:latin typeface="Montserrat" pitchFamily="2" charset="77"/>
               </a:rPr>
-              <a:t> שמנסה לאזן בין המזעור של ה-</a:t>
-            </a:r>
-            <a:r>
-              <a:rPr lang="en-US" sz="1800" dirty="0">
+              <a:t> שונים שקטנים מ1 בשביל להגדיל את ההשפעה של </a:t>
+            </a:r>
+            <a:r>
+              <a:rPr lang="en-US" sz="1800" dirty="0" err="1">
                 <a:latin typeface="Montserrat" pitchFamily="2" charset="77"/>
               </a:rPr>
-              <a:t>loss</a:t>
+              <a:t>Regularizer</a:t>
             </a:r>
             <a:r>
               <a:rPr lang="he-IL" sz="1800" dirty="0">
                 <a:latin typeface="Montserrat" pitchFamily="2" charset="77"/>
               </a:rPr>
-              <a:t> של הסיכון </a:t>
-            </a:r>
-            <a:r>
-              <a:rPr lang="he-IL" sz="1800" dirty="0" err="1">
+              <a:t>. פרמטר </a:t>
+            </a:r>
+            <a:r>
+              <a:rPr lang="en-US" sz="1800" dirty="0" err="1">
                 <a:latin typeface="Montserrat" pitchFamily="2" charset="77"/>
               </a:rPr>
-              <a:t>האמפרי</a:t>
+              <a:t>c_value</a:t>
             </a:r>
             <a:r>
               <a:rPr lang="he-IL" sz="1800" dirty="0">
                 <a:latin typeface="Montserrat" pitchFamily="2" charset="77"/>
               </a:rPr>
-              <a:t> וגם של </a:t>
-            </a:r>
-            <a:r>
-              <a:rPr lang="he-IL" sz="1800" dirty="0" err="1">
-                <a:latin typeface="Montserrat" pitchFamily="2" charset="77"/>
-              </a:rPr>
-              <a:t>הוקטור</a:t>
-            </a:r>
-            <a:r>
-              <a:rPr lang="he-IL" sz="1800" dirty="0">
-                <a:latin typeface="Montserrat" pitchFamily="2" charset="77"/>
-              </a:rPr>
-              <a:t>.  בנוסף קבענו</a:t>
-            </a:r>
-            <a:r>
-              <a:rPr lang="en-US" sz="1800" dirty="0">
-                <a:latin typeface="Montserrat" pitchFamily="2" charset="77"/>
-              </a:rPr>
-              <a:t>learning rate =0.1 </a:t>
-            </a:r>
-            <a:r>
-              <a:rPr lang="he-IL" sz="1800" dirty="0">
-                <a:latin typeface="Montserrat" pitchFamily="2" charset="77"/>
-              </a:rPr>
-              <a:t> ומגוון ערכי</a:t>
+              <a:t> מקטין את ההשפעה של </a:t>
             </a:r>
             <a:r>
               <a:rPr lang="en-US" sz="1800" dirty="0" err="1">
                 <a:latin typeface="Montserrat" pitchFamily="2" charset="77"/>
               </a:rPr>
-              <a:t>c_value</a:t>
-            </a:r>
-            <a:r>
-              <a:rPr lang="en-US" sz="1800" dirty="0">
-                <a:latin typeface="Montserrat" pitchFamily="2" charset="77"/>
-              </a:rPr>
-              <a:t> </a:t>
-            </a:r>
-            <a:r>
-              <a:rPr lang="he-IL" sz="1800" dirty="0">
-                <a:latin typeface="Montserrat" pitchFamily="2" charset="77"/>
-              </a:rPr>
-              <a:t> שונים שקטנים מ1 בשביל להגדיל את ההשפעה של </a:t>
-            </a:r>
-            <a:r>
-              <a:rPr lang="he-IL" sz="1800" dirty="0" err="1">
-                <a:latin typeface="Montserrat" pitchFamily="2" charset="77"/>
-              </a:rPr>
-              <a:t>הרגולייזר</a:t>
-            </a:r>
-            <a:r>
-              <a:rPr lang="he-IL" sz="1800" dirty="0">
-                <a:latin typeface="Montserrat" pitchFamily="2" charset="77"/>
-              </a:rPr>
-              <a:t>. פרמטר </a:t>
-            </a:r>
-            <a:r>
-              <a:rPr lang="en-US" sz="1800" dirty="0" err="1">
-                <a:latin typeface="Montserrat" pitchFamily="2" charset="77"/>
-              </a:rPr>
-              <a:t>c_value</a:t>
-            </a:r>
-            <a:r>
-              <a:rPr lang="he-IL" sz="1800" dirty="0">
-                <a:latin typeface="Montserrat" pitchFamily="2" charset="77"/>
-              </a:rPr>
-              <a:t> מקטין את ההשפעה של </a:t>
-            </a:r>
-            <a:r>
-              <a:rPr lang="he-IL" sz="1800" dirty="0" err="1">
-                <a:latin typeface="Montserrat" pitchFamily="2" charset="77"/>
-              </a:rPr>
-              <a:t>הרגולייזר</a:t>
+              <a:t>Regularizer</a:t>
             </a:r>
             <a:r>
               <a:rPr lang="he-IL" sz="1800" dirty="0">
@@ -15919,13 +16079,13 @@
         </p:nvSpPr>
         <p:spPr>
           <a:xfrm>
-            <a:off x="1515503" y="1264769"/>
-            <a:ext cx="7038900" cy="521642"/>
+            <a:off x="1515503" y="1047750"/>
+            <a:ext cx="7038900" cy="995363"/>
           </a:xfrm>
         </p:spPr>
         <p:txBody>
           <a:bodyPr>
-            <a:normAutofit fontScale="85000" lnSpcReduction="20000"/>
+            <a:normAutofit lnSpcReduction="10000"/>
           </a:bodyPr>
           <a:lstStyle/>
           <a:p>
@@ -15933,39 +16093,39 @@
               <a:buNone/>
             </a:pPr>
             <a:r>
-              <a:rPr lang="he-IL" dirty="0"/>
+              <a:rPr lang="he-IL" sz="1600" dirty="0"/>
               <a:t>כל תמונה מייצגת תוצאות הרצה על </a:t>
             </a:r>
             <a:r>
-              <a:rPr lang="en-US" dirty="0"/>
+              <a:rPr lang="en-US" sz="1600" dirty="0"/>
               <a:t>train </a:t>
             </a:r>
             <a:r>
-              <a:rPr lang="he-IL" dirty="0"/>
+              <a:rPr lang="he-IL" sz="1600" dirty="0"/>
               <a:t> ו-</a:t>
             </a:r>
             <a:r>
-              <a:rPr lang="en-US" dirty="0"/>
+              <a:rPr lang="en-US" sz="1600" dirty="0"/>
               <a:t>test </a:t>
             </a:r>
             <a:r>
-              <a:rPr lang="he-IL" dirty="0"/>
+              <a:rPr lang="he-IL" sz="1600" dirty="0"/>
               <a:t> לפי </a:t>
             </a:r>
             <a:r>
-              <a:rPr lang="en-US" dirty="0"/>
+              <a:rPr lang="en-US" sz="1600" dirty="0"/>
               <a:t> learning rate </a:t>
             </a:r>
             <a:r>
-              <a:rPr lang="he-IL" dirty="0"/>
+              <a:rPr lang="he-IL" sz="1600" dirty="0"/>
               <a:t>שונה. אפשר לראות שקיבלנו תוצאות יפות עבור אלגוריתם זה, וניתן לראות שלא קיים </a:t>
             </a:r>
             <a:r>
-              <a:rPr lang="en-US" dirty="0"/>
+              <a:rPr lang="en-US" sz="1600" dirty="0"/>
               <a:t>overfitting </a:t>
             </a:r>
             <a:r>
-              <a:rPr lang="he-IL" dirty="0"/>
+              <a:rPr lang="he-IL" sz="1600" dirty="0"/>
               <a:t> מובהק.</a:t>
             </a:r>
           </a:p>

--- a/Enhancing Mobile Security through Machine Learning_ A Study on Android Malware Detection.pptx
+++ b/Enhancing Mobile Security through Machine Learning_ A Study on Android Malware Detection.pptx
@@ -40,7 +40,7 @@
       <p:regular r:id="rId23"/>
     </p:embeddedFont>
     <p:embeddedFont>
-      <p:font typeface="Montserrat" panose="00000500000000000000" pitchFamily="2" charset="0"/>
+      <p:font typeface="Montserrat" pitchFamily="2" charset="77"/>
       <p:regular r:id="rId24"/>
       <p:bold r:id="rId25"/>
       <p:italic r:id="rId26"/>
@@ -293,1093 +293,6 @@
     </p:ext>
   </p:extLst>
 </p:presentation>
-</file>
-
-<file path=ppt/revisionInfo.xml><?xml version="1.0" encoding="utf-8"?>
-<p1510:revInfo xmlns:a="http://schemas.openxmlformats.org/drawingml/2006/main" xmlns:r="http://schemas.openxmlformats.org/officeDocument/2006/relationships" xmlns:p1510="http://schemas.microsoft.com/office/powerpoint/2015/10/main">
-  <p1510:revLst>
-    <p1510:client id="{66D94DF8-4FC0-4415-A6C2-F84A008B24A8}" v="49" dt="2023-02-16T22:22:08.450"/>
-  </p1510:revLst>
-</p1510:revInfo>
-</file>
-
-<file path=ppt/changesInfos/changesInfo1.xml><?xml version="1.0" encoding="utf-8"?>
-<pc:chgInfo xmlns:a="http://schemas.openxmlformats.org/drawingml/2006/main" xmlns:r="http://schemas.openxmlformats.org/officeDocument/2006/relationships" xmlns:ac="http://schemas.microsoft.com/office/drawing/2013/main/command" xmlns:pc="http://schemas.microsoft.com/office/powerpoint/2013/main/command">
-  <pc:docChgLst>
-    <pc:chgData name="amit kubani" userId="8b53f3189c0b5b40" providerId="LiveId" clId="{66D94DF8-4FC0-4415-A6C2-F84A008B24A8}"/>
-    <pc:docChg chg="undo redo custSel addSld delSld modSld sldOrd">
-      <pc:chgData name="amit kubani" userId="8b53f3189c0b5b40" providerId="LiveId" clId="{66D94DF8-4FC0-4415-A6C2-F84A008B24A8}" dt="2023-02-16T22:32:53.790" v="13734" actId="20577"/>
-      <pc:docMkLst>
-        <pc:docMk/>
-      </pc:docMkLst>
-      <pc:sldChg chg="modSp mod">
-        <pc:chgData name="amit kubani" userId="8b53f3189c0b5b40" providerId="LiveId" clId="{66D94DF8-4FC0-4415-A6C2-F84A008B24A8}" dt="2023-02-16T21:17:49.886" v="9731" actId="20577"/>
-        <pc:sldMkLst>
-          <pc:docMk/>
-          <pc:sldMk cId="0" sldId="256"/>
-        </pc:sldMkLst>
-        <pc:spChg chg="mod">
-          <ac:chgData name="amit kubani" userId="8b53f3189c0b5b40" providerId="LiveId" clId="{66D94DF8-4FC0-4415-A6C2-F84A008B24A8}" dt="2023-02-16T21:17:49.886" v="9731" actId="20577"/>
-          <ac:spMkLst>
-            <pc:docMk/>
-            <pc:sldMk cId="0" sldId="256"/>
-            <ac:spMk id="136" creationId="{00000000-0000-0000-0000-000000000000}"/>
-          </ac:spMkLst>
-        </pc:spChg>
-      </pc:sldChg>
-      <pc:sldChg chg="modSp mod">
-        <pc:chgData name="amit kubani" userId="8b53f3189c0b5b40" providerId="LiveId" clId="{66D94DF8-4FC0-4415-A6C2-F84A008B24A8}" dt="2023-02-16T22:22:50.124" v="13622" actId="5793"/>
-        <pc:sldMkLst>
-          <pc:docMk/>
-          <pc:sldMk cId="0" sldId="257"/>
-        </pc:sldMkLst>
-        <pc:spChg chg="mod">
-          <ac:chgData name="amit kubani" userId="8b53f3189c0b5b40" providerId="LiveId" clId="{66D94DF8-4FC0-4415-A6C2-F84A008B24A8}" dt="2023-02-16T14:21:16.124" v="991" actId="2711"/>
-          <ac:spMkLst>
-            <pc:docMk/>
-            <pc:sldMk cId="0" sldId="257"/>
-            <ac:spMk id="141" creationId="{00000000-0000-0000-0000-000000000000}"/>
-          </ac:spMkLst>
-        </pc:spChg>
-        <pc:spChg chg="mod">
-          <ac:chgData name="amit kubani" userId="8b53f3189c0b5b40" providerId="LiveId" clId="{66D94DF8-4FC0-4415-A6C2-F84A008B24A8}" dt="2023-02-16T22:22:50.124" v="13622" actId="5793"/>
-          <ac:spMkLst>
-            <pc:docMk/>
-            <pc:sldMk cId="0" sldId="257"/>
-            <ac:spMk id="142" creationId="{00000000-0000-0000-0000-000000000000}"/>
-          </ac:spMkLst>
-        </pc:spChg>
-      </pc:sldChg>
-      <pc:sldChg chg="del">
-        <pc:chgData name="amit kubani" userId="8b53f3189c0b5b40" providerId="LiveId" clId="{66D94DF8-4FC0-4415-A6C2-F84A008B24A8}" dt="2023-02-16T14:31:00.809" v="1334" actId="47"/>
-        <pc:sldMkLst>
-          <pc:docMk/>
-          <pc:sldMk cId="0" sldId="258"/>
-        </pc:sldMkLst>
-      </pc:sldChg>
-      <pc:sldChg chg="modSp add mod">
-        <pc:chgData name="amit kubani" userId="8b53f3189c0b5b40" providerId="LiveId" clId="{66D94DF8-4FC0-4415-A6C2-F84A008B24A8}" dt="2023-02-16T22:23:10.051" v="13623" actId="20577"/>
-        <pc:sldMkLst>
-          <pc:docMk/>
-          <pc:sldMk cId="3338700465" sldId="258"/>
-        </pc:sldMkLst>
-        <pc:spChg chg="mod">
-          <ac:chgData name="amit kubani" userId="8b53f3189c0b5b40" providerId="LiveId" clId="{66D94DF8-4FC0-4415-A6C2-F84A008B24A8}" dt="2023-02-16T14:31:18.483" v="1354" actId="20577"/>
-          <ac:spMkLst>
-            <pc:docMk/>
-            <pc:sldMk cId="3338700465" sldId="258"/>
-            <ac:spMk id="141" creationId="{00000000-0000-0000-0000-000000000000}"/>
-          </ac:spMkLst>
-        </pc:spChg>
-        <pc:spChg chg="mod">
-          <ac:chgData name="amit kubani" userId="8b53f3189c0b5b40" providerId="LiveId" clId="{66D94DF8-4FC0-4415-A6C2-F84A008B24A8}" dt="2023-02-16T22:23:10.051" v="13623" actId="20577"/>
-          <ac:spMkLst>
-            <pc:docMk/>
-            <pc:sldMk cId="3338700465" sldId="258"/>
-            <ac:spMk id="142" creationId="{00000000-0000-0000-0000-000000000000}"/>
-          </ac:spMkLst>
-        </pc:spChg>
-      </pc:sldChg>
-      <pc:sldChg chg="del">
-        <pc:chgData name="amit kubani" userId="8b53f3189c0b5b40" providerId="LiveId" clId="{66D94DF8-4FC0-4415-A6C2-F84A008B24A8}" dt="2023-02-16T14:31:00.809" v="1334" actId="47"/>
-        <pc:sldMkLst>
-          <pc:docMk/>
-          <pc:sldMk cId="0" sldId="259"/>
-        </pc:sldMkLst>
-      </pc:sldChg>
-      <pc:sldChg chg="addSp delSp modSp add mod">
-        <pc:chgData name="amit kubani" userId="8b53f3189c0b5b40" providerId="LiveId" clId="{66D94DF8-4FC0-4415-A6C2-F84A008B24A8}" dt="2023-02-16T22:23:57.188" v="13628" actId="313"/>
-        <pc:sldMkLst>
-          <pc:docMk/>
-          <pc:sldMk cId="465710397" sldId="259"/>
-        </pc:sldMkLst>
-        <pc:spChg chg="add del mod">
-          <ac:chgData name="amit kubani" userId="8b53f3189c0b5b40" providerId="LiveId" clId="{66D94DF8-4FC0-4415-A6C2-F84A008B24A8}" dt="2023-02-16T15:50:47.139" v="2814"/>
-          <ac:spMkLst>
-            <pc:docMk/>
-            <pc:sldMk cId="465710397" sldId="259"/>
-            <ac:spMk id="2" creationId="{3F79B81C-08B5-CF05-F73C-8C4A86FD1DBF}"/>
-          </ac:spMkLst>
-        </pc:spChg>
-        <pc:spChg chg="add del mod">
-          <ac:chgData name="amit kubani" userId="8b53f3189c0b5b40" providerId="LiveId" clId="{66D94DF8-4FC0-4415-A6C2-F84A008B24A8}" dt="2023-02-16T15:51:01.042" v="2816" actId="478"/>
-          <ac:spMkLst>
-            <pc:docMk/>
-            <pc:sldMk cId="465710397" sldId="259"/>
-            <ac:spMk id="4" creationId="{32FCF3F8-89BC-76D9-CD77-72BBCBC0A3A7}"/>
-          </ac:spMkLst>
-        </pc:spChg>
-        <pc:spChg chg="add mod">
-          <ac:chgData name="amit kubani" userId="8b53f3189c0b5b40" providerId="LiveId" clId="{66D94DF8-4FC0-4415-A6C2-F84A008B24A8}" dt="2023-02-16T22:23:57.188" v="13628" actId="313"/>
-          <ac:spMkLst>
-            <pc:docMk/>
-            <pc:sldMk cId="465710397" sldId="259"/>
-            <ac:spMk id="5" creationId="{1B142DC3-6CD9-48A5-4760-C2963E451AF6}"/>
-          </ac:spMkLst>
-        </pc:spChg>
-        <pc:spChg chg="mod">
-          <ac:chgData name="amit kubani" userId="8b53f3189c0b5b40" providerId="LiveId" clId="{66D94DF8-4FC0-4415-A6C2-F84A008B24A8}" dt="2023-02-16T15:51:21.036" v="2830" actId="20577"/>
-          <ac:spMkLst>
-            <pc:docMk/>
-            <pc:sldMk cId="465710397" sldId="259"/>
-            <ac:spMk id="141" creationId="{00000000-0000-0000-0000-000000000000}"/>
-          </ac:spMkLst>
-        </pc:spChg>
-        <pc:spChg chg="del">
-          <ac:chgData name="amit kubani" userId="8b53f3189c0b5b40" providerId="LiveId" clId="{66D94DF8-4FC0-4415-A6C2-F84A008B24A8}" dt="2023-02-16T15:50:57.717" v="2815" actId="478"/>
-          <ac:spMkLst>
-            <pc:docMk/>
-            <pc:sldMk cId="465710397" sldId="259"/>
-            <ac:spMk id="142" creationId="{00000000-0000-0000-0000-000000000000}"/>
-          </ac:spMkLst>
-        </pc:spChg>
-      </pc:sldChg>
-      <pc:sldChg chg="del">
-        <pc:chgData name="amit kubani" userId="8b53f3189c0b5b40" providerId="LiveId" clId="{66D94DF8-4FC0-4415-A6C2-F84A008B24A8}" dt="2023-02-16T14:31:00.809" v="1334" actId="47"/>
-        <pc:sldMkLst>
-          <pc:docMk/>
-          <pc:sldMk cId="0" sldId="260"/>
-        </pc:sldMkLst>
-      </pc:sldChg>
-      <pc:sldChg chg="modSp add mod">
-        <pc:chgData name="amit kubani" userId="8b53f3189c0b5b40" providerId="LiveId" clId="{66D94DF8-4FC0-4415-A6C2-F84A008B24A8}" dt="2023-02-16T22:25:57.622" v="13660" actId="20577"/>
-        <pc:sldMkLst>
-          <pc:docMk/>
-          <pc:sldMk cId="279252422" sldId="260"/>
-        </pc:sldMkLst>
-        <pc:spChg chg="mod">
-          <ac:chgData name="amit kubani" userId="8b53f3189c0b5b40" providerId="LiveId" clId="{66D94DF8-4FC0-4415-A6C2-F84A008B24A8}" dt="2023-02-16T18:21:12.075" v="5380" actId="20577"/>
-          <ac:spMkLst>
-            <pc:docMk/>
-            <pc:sldMk cId="279252422" sldId="260"/>
-            <ac:spMk id="141" creationId="{00000000-0000-0000-0000-000000000000}"/>
-          </ac:spMkLst>
-        </pc:spChg>
-        <pc:spChg chg="mod">
-          <ac:chgData name="amit kubani" userId="8b53f3189c0b5b40" providerId="LiveId" clId="{66D94DF8-4FC0-4415-A6C2-F84A008B24A8}" dt="2023-02-16T22:25:57.622" v="13660" actId="20577"/>
-          <ac:spMkLst>
-            <pc:docMk/>
-            <pc:sldMk cId="279252422" sldId="260"/>
-            <ac:spMk id="142" creationId="{00000000-0000-0000-0000-000000000000}"/>
-          </ac:spMkLst>
-        </pc:spChg>
-      </pc:sldChg>
-      <pc:sldChg chg="modSp add del mod">
-        <pc:chgData name="amit kubani" userId="8b53f3189c0b5b40" providerId="LiveId" clId="{66D94DF8-4FC0-4415-A6C2-F84A008B24A8}" dt="2023-02-16T18:19:40.341" v="5338" actId="2696"/>
-        <pc:sldMkLst>
-          <pc:docMk/>
-          <pc:sldMk cId="238261933" sldId="261"/>
-        </pc:sldMkLst>
-        <pc:spChg chg="mod">
-          <ac:chgData name="amit kubani" userId="8b53f3189c0b5b40" providerId="LiveId" clId="{66D94DF8-4FC0-4415-A6C2-F84A008B24A8}" dt="2023-02-16T18:11:55.566" v="5336" actId="20577"/>
-          <ac:spMkLst>
-            <pc:docMk/>
-            <pc:sldMk cId="238261933" sldId="261"/>
-            <ac:spMk id="141" creationId="{00000000-0000-0000-0000-000000000000}"/>
-          </ac:spMkLst>
-        </pc:spChg>
-        <pc:spChg chg="mod">
-          <ac:chgData name="amit kubani" userId="8b53f3189c0b5b40" providerId="LiveId" clId="{66D94DF8-4FC0-4415-A6C2-F84A008B24A8}" dt="2023-02-16T18:12:04.180" v="5337" actId="14100"/>
-          <ac:spMkLst>
-            <pc:docMk/>
-            <pc:sldMk cId="238261933" sldId="261"/>
-            <ac:spMk id="142" creationId="{00000000-0000-0000-0000-000000000000}"/>
-          </ac:spMkLst>
-        </pc:spChg>
-      </pc:sldChg>
-      <pc:sldChg chg="modSp add mod ord">
-        <pc:chgData name="amit kubani" userId="8b53f3189c0b5b40" providerId="LiveId" clId="{66D94DF8-4FC0-4415-A6C2-F84A008B24A8}" dt="2023-02-16T22:25:18.786" v="13649" actId="313"/>
-        <pc:sldMkLst>
-          <pc:docMk/>
-          <pc:sldMk cId="1009774296" sldId="261"/>
-        </pc:sldMkLst>
-        <pc:spChg chg="mod">
-          <ac:chgData name="amit kubani" userId="8b53f3189c0b5b40" providerId="LiveId" clId="{66D94DF8-4FC0-4415-A6C2-F84A008B24A8}" dt="2023-02-16T22:25:18.786" v="13649" actId="313"/>
-          <ac:spMkLst>
-            <pc:docMk/>
-            <pc:sldMk cId="1009774296" sldId="261"/>
-            <ac:spMk id="142" creationId="{00000000-0000-0000-0000-000000000000}"/>
-          </ac:spMkLst>
-        </pc:spChg>
-      </pc:sldChg>
-      <pc:sldChg chg="addSp delSp modSp add del mod modClrScheme chgLayout">
-        <pc:chgData name="amit kubani" userId="8b53f3189c0b5b40" providerId="LiveId" clId="{66D94DF8-4FC0-4415-A6C2-F84A008B24A8}" dt="2023-02-16T18:11:39.604" v="5332" actId="47"/>
-        <pc:sldMkLst>
-          <pc:docMk/>
-          <pc:sldMk cId="2573995109" sldId="261"/>
-        </pc:sldMkLst>
-        <pc:spChg chg="add del mod">
-          <ac:chgData name="amit kubani" userId="8b53f3189c0b5b40" providerId="LiveId" clId="{66D94DF8-4FC0-4415-A6C2-F84A008B24A8}" dt="2023-02-16T16:47:02.623" v="5164" actId="478"/>
-          <ac:spMkLst>
-            <pc:docMk/>
-            <pc:sldMk cId="2573995109" sldId="261"/>
-            <ac:spMk id="3" creationId="{248E1604-69A9-EE00-8531-69BD9CACA743}"/>
-          </ac:spMkLst>
-        </pc:spChg>
-        <pc:spChg chg="add del mod">
-          <ac:chgData name="amit kubani" userId="8b53f3189c0b5b40" providerId="LiveId" clId="{66D94DF8-4FC0-4415-A6C2-F84A008B24A8}" dt="2023-02-16T16:47:08.584" v="5166" actId="478"/>
-          <ac:spMkLst>
-            <pc:docMk/>
-            <pc:sldMk cId="2573995109" sldId="261"/>
-            <ac:spMk id="5" creationId="{C35EB5DB-8523-A440-F959-BF058EE70BD6}"/>
-          </ac:spMkLst>
-        </pc:spChg>
-        <pc:spChg chg="add del mod">
-          <ac:chgData name="amit kubani" userId="8b53f3189c0b5b40" providerId="LiveId" clId="{66D94DF8-4FC0-4415-A6C2-F84A008B24A8}" dt="2023-02-16T16:47:27.119" v="5173" actId="26606"/>
-          <ac:spMkLst>
-            <pc:docMk/>
-            <pc:sldMk cId="2573995109" sldId="261"/>
-            <ac:spMk id="6" creationId="{4EAEEAB3-719A-25FE-4540-807F614FB310}"/>
-          </ac:spMkLst>
-        </pc:spChg>
-        <pc:spChg chg="add del mod">
-          <ac:chgData name="amit kubani" userId="8b53f3189c0b5b40" providerId="LiveId" clId="{66D94DF8-4FC0-4415-A6C2-F84A008B24A8}" dt="2023-02-16T16:47:25.509" v="5169" actId="26606"/>
-          <ac:spMkLst>
-            <pc:docMk/>
-            <pc:sldMk cId="2573995109" sldId="261"/>
-            <ac:spMk id="11" creationId="{D454D95B-DF5B-1DA0-9E73-C132DD6760B2}"/>
-          </ac:spMkLst>
-        </pc:spChg>
-        <pc:spChg chg="add del mod">
-          <ac:chgData name="amit kubani" userId="8b53f3189c0b5b40" providerId="LiveId" clId="{66D94DF8-4FC0-4415-A6C2-F84A008B24A8}" dt="2023-02-16T16:47:25.509" v="5169" actId="26606"/>
-          <ac:spMkLst>
-            <pc:docMk/>
-            <pc:sldMk cId="2573995109" sldId="261"/>
-            <ac:spMk id="13" creationId="{F16E1530-B021-7654-7B3A-958B6811D2AA}"/>
-          </ac:spMkLst>
-        </pc:spChg>
-        <pc:spChg chg="add del mod">
-          <ac:chgData name="amit kubani" userId="8b53f3189c0b5b40" providerId="LiveId" clId="{66D94DF8-4FC0-4415-A6C2-F84A008B24A8}" dt="2023-02-16T16:47:27.112" v="5172" actId="26606"/>
-          <ac:spMkLst>
-            <pc:docMk/>
-            <pc:sldMk cId="2573995109" sldId="261"/>
-            <ac:spMk id="15" creationId="{BD847CAB-5A22-34AE-8E59-3DAD65293A1C}"/>
-          </ac:spMkLst>
-        </pc:spChg>
-        <pc:spChg chg="add del mod">
-          <ac:chgData name="amit kubani" userId="8b53f3189c0b5b40" providerId="LiveId" clId="{66D94DF8-4FC0-4415-A6C2-F84A008B24A8}" dt="2023-02-16T16:47:27.112" v="5172" actId="26606"/>
-          <ac:spMkLst>
-            <pc:docMk/>
-            <pc:sldMk cId="2573995109" sldId="261"/>
-            <ac:spMk id="16" creationId="{0B0103FE-B3BB-530B-40C0-A805CE64F34A}"/>
-          </ac:spMkLst>
-        </pc:spChg>
-        <pc:spChg chg="add mod">
-          <ac:chgData name="amit kubani" userId="8b53f3189c0b5b40" providerId="LiveId" clId="{66D94DF8-4FC0-4415-A6C2-F84A008B24A8}" dt="2023-02-16T16:48:17.001" v="5219" actId="403"/>
-          <ac:spMkLst>
-            <pc:docMk/>
-            <pc:sldMk cId="2573995109" sldId="261"/>
-            <ac:spMk id="18" creationId="{D454D95B-DF5B-1DA0-9E73-C132DD6760B2}"/>
-          </ac:spMkLst>
-        </pc:spChg>
-        <pc:spChg chg="add del mod">
-          <ac:chgData name="amit kubani" userId="8b53f3189c0b5b40" providerId="LiveId" clId="{66D94DF8-4FC0-4415-A6C2-F84A008B24A8}" dt="2023-02-16T16:48:06.988" v="5212" actId="478"/>
-          <ac:spMkLst>
-            <pc:docMk/>
-            <pc:sldMk cId="2573995109" sldId="261"/>
-            <ac:spMk id="19" creationId="{F16E1530-B021-7654-7B3A-958B6811D2AA}"/>
-          </ac:spMkLst>
-        </pc:spChg>
-        <pc:spChg chg="del mod">
-          <ac:chgData name="amit kubani" userId="8b53f3189c0b5b40" providerId="LiveId" clId="{66D94DF8-4FC0-4415-A6C2-F84A008B24A8}" dt="2023-02-16T16:47:06.752" v="5165" actId="478"/>
-          <ac:spMkLst>
-            <pc:docMk/>
-            <pc:sldMk cId="2573995109" sldId="261"/>
-            <ac:spMk id="141" creationId="{00000000-0000-0000-0000-000000000000}"/>
-          </ac:spMkLst>
-        </pc:spChg>
-        <pc:spChg chg="del mod">
-          <ac:chgData name="amit kubani" userId="8b53f3189c0b5b40" providerId="LiveId" clId="{66D94DF8-4FC0-4415-A6C2-F84A008B24A8}" dt="2023-02-16T16:47:00.405" v="5163" actId="478"/>
-          <ac:spMkLst>
-            <pc:docMk/>
-            <pc:sldMk cId="2573995109" sldId="261"/>
-            <ac:spMk id="142" creationId="{00000000-0000-0000-0000-000000000000}"/>
-          </ac:spMkLst>
-        </pc:spChg>
-      </pc:sldChg>
-      <pc:sldChg chg="del">
-        <pc:chgData name="amit kubani" userId="8b53f3189c0b5b40" providerId="LiveId" clId="{66D94DF8-4FC0-4415-A6C2-F84A008B24A8}" dt="2023-02-16T14:31:00.809" v="1334" actId="47"/>
-        <pc:sldMkLst>
-          <pc:docMk/>
-          <pc:sldMk cId="0" sldId="262"/>
-        </pc:sldMkLst>
-      </pc:sldChg>
-      <pc:sldChg chg="addSp delSp modSp add del mod modClrScheme chgLayout">
-        <pc:chgData name="amit kubani" userId="8b53f3189c0b5b40" providerId="LiveId" clId="{66D94DF8-4FC0-4415-A6C2-F84A008B24A8}" dt="2023-02-16T18:11:39.604" v="5332" actId="47"/>
-        <pc:sldMkLst>
-          <pc:docMk/>
-          <pc:sldMk cId="1565956111" sldId="262"/>
-        </pc:sldMkLst>
-        <pc:spChg chg="add del mod">
-          <ac:chgData name="amit kubani" userId="8b53f3189c0b5b40" providerId="LiveId" clId="{66D94DF8-4FC0-4415-A6C2-F84A008B24A8}" dt="2023-02-16T16:48:31.313" v="5220"/>
-          <ac:spMkLst>
-            <pc:docMk/>
-            <pc:sldMk cId="1565956111" sldId="262"/>
-            <ac:spMk id="2" creationId="{142352C4-0ED2-9BB2-6CDF-BD4CDE10A609}"/>
-          </ac:spMkLst>
-        </pc:spChg>
-        <pc:spChg chg="add del mod">
-          <ac:chgData name="amit kubani" userId="8b53f3189c0b5b40" providerId="LiveId" clId="{66D94DF8-4FC0-4415-A6C2-F84A008B24A8}" dt="2023-02-16T16:48:31.313" v="5220"/>
-          <ac:spMkLst>
-            <pc:docMk/>
-            <pc:sldMk cId="1565956111" sldId="262"/>
-            <ac:spMk id="3" creationId="{BB504BF6-1332-CC4F-97D4-B71B67E5C86E}"/>
-          </ac:spMkLst>
-        </pc:spChg>
-        <pc:spChg chg="add del mod">
-          <ac:chgData name="amit kubani" userId="8b53f3189c0b5b40" providerId="LiveId" clId="{66D94DF8-4FC0-4415-A6C2-F84A008B24A8}" dt="2023-02-16T16:48:35.584" v="5221"/>
-          <ac:spMkLst>
-            <pc:docMk/>
-            <pc:sldMk cId="1565956111" sldId="262"/>
-            <ac:spMk id="4" creationId="{7D8B00B0-ABCD-7E85-FB3D-F540406F7EF7}"/>
-          </ac:spMkLst>
-        </pc:spChg>
-        <pc:spChg chg="add del mod">
-          <ac:chgData name="amit kubani" userId="8b53f3189c0b5b40" providerId="LiveId" clId="{66D94DF8-4FC0-4415-A6C2-F84A008B24A8}" dt="2023-02-16T16:48:35.584" v="5221"/>
-          <ac:spMkLst>
-            <pc:docMk/>
-            <pc:sldMk cId="1565956111" sldId="262"/>
-            <ac:spMk id="5" creationId="{BEBC6CA8-AA36-121B-AFB5-878E269BD49A}"/>
-          </ac:spMkLst>
-        </pc:spChg>
-        <pc:spChg chg="add del mod">
-          <ac:chgData name="amit kubani" userId="8b53f3189c0b5b40" providerId="LiveId" clId="{66D94DF8-4FC0-4415-A6C2-F84A008B24A8}" dt="2023-02-16T16:48:46.825" v="5225" actId="478"/>
-          <ac:spMkLst>
-            <pc:docMk/>
-            <pc:sldMk cId="1565956111" sldId="262"/>
-            <ac:spMk id="7" creationId="{5AE9D264-FB03-42BF-93E0-D56D6C2FC05B}"/>
-          </ac:spMkLst>
-        </pc:spChg>
-        <pc:spChg chg="add del mod">
-          <ac:chgData name="amit kubani" userId="8b53f3189c0b5b40" providerId="LiveId" clId="{66D94DF8-4FC0-4415-A6C2-F84A008B24A8}" dt="2023-02-16T16:48:44.539" v="5224" actId="478"/>
-          <ac:spMkLst>
-            <pc:docMk/>
-            <pc:sldMk cId="1565956111" sldId="262"/>
-            <ac:spMk id="9" creationId="{05380BF5-7F6C-D8DA-794F-DD6B10BE9827}"/>
-          </ac:spMkLst>
-        </pc:spChg>
-        <pc:spChg chg="add del mod">
-          <ac:chgData name="amit kubani" userId="8b53f3189c0b5b40" providerId="LiveId" clId="{66D94DF8-4FC0-4415-A6C2-F84A008B24A8}" dt="2023-02-16T16:49:02.165" v="5227" actId="26606"/>
-          <ac:spMkLst>
-            <pc:docMk/>
-            <pc:sldMk cId="1565956111" sldId="262"/>
-            <ac:spMk id="10" creationId="{543A6B92-855B-3E03-517F-6EA6E5ACA3E4}"/>
-          </ac:spMkLst>
-        </pc:spChg>
-        <pc:spChg chg="add del mod">
-          <ac:chgData name="amit kubani" userId="8b53f3189c0b5b40" providerId="LiveId" clId="{66D94DF8-4FC0-4415-A6C2-F84A008B24A8}" dt="2023-02-16T16:49:02.165" v="5227" actId="26606"/>
-          <ac:spMkLst>
-            <pc:docMk/>
-            <pc:sldMk cId="1565956111" sldId="262"/>
-            <ac:spMk id="11" creationId="{6D81C75C-78DB-9C8C-8F0C-890F3FF594BB}"/>
-          </ac:spMkLst>
-        </pc:spChg>
-        <pc:spChg chg="add mod ord">
-          <ac:chgData name="amit kubani" userId="8b53f3189c0b5b40" providerId="LiveId" clId="{66D94DF8-4FC0-4415-A6C2-F84A008B24A8}" dt="2023-02-16T16:49:20.808" v="5228" actId="700"/>
-          <ac:spMkLst>
-            <pc:docMk/>
-            <pc:sldMk cId="1565956111" sldId="262"/>
-            <ac:spMk id="12" creationId="{4E216141-C84A-147C-4AC1-E6307E48FE08}"/>
-          </ac:spMkLst>
-        </pc:spChg>
-        <pc:spChg chg="add mod ord">
-          <ac:chgData name="amit kubani" userId="8b53f3189c0b5b40" providerId="LiveId" clId="{66D94DF8-4FC0-4415-A6C2-F84A008B24A8}" dt="2023-02-16T16:49:20.808" v="5228" actId="700"/>
-          <ac:spMkLst>
-            <pc:docMk/>
-            <pc:sldMk cId="1565956111" sldId="262"/>
-            <ac:spMk id="13" creationId="{B98D87CA-F2D0-25D5-E4B0-23ECEB46D9FF}"/>
-          </ac:spMkLst>
-        </pc:spChg>
-        <pc:spChg chg="add del mod ord">
-          <ac:chgData name="amit kubani" userId="8b53f3189c0b5b40" providerId="LiveId" clId="{66D94DF8-4FC0-4415-A6C2-F84A008B24A8}" dt="2023-02-16T16:49:20.808" v="5228" actId="700"/>
-          <ac:spMkLst>
-            <pc:docMk/>
-            <pc:sldMk cId="1565956111" sldId="262"/>
-            <ac:spMk id="16" creationId="{BA7CB180-AE05-AF2E-B1AC-158ED43E6305}"/>
-          </ac:spMkLst>
-        </pc:spChg>
-        <pc:spChg chg="add del mod ord">
-          <ac:chgData name="amit kubani" userId="8b53f3189c0b5b40" providerId="LiveId" clId="{66D94DF8-4FC0-4415-A6C2-F84A008B24A8}" dt="2023-02-16T16:49:20.808" v="5228" actId="700"/>
-          <ac:spMkLst>
-            <pc:docMk/>
-            <pc:sldMk cId="1565956111" sldId="262"/>
-            <ac:spMk id="18" creationId="{7A889ADC-39CE-1C99-3849-40D8B65C440B}"/>
-          </ac:spMkLst>
-        </pc:spChg>
-        <pc:spChg chg="del mod">
-          <ac:chgData name="amit kubani" userId="8b53f3189c0b5b40" providerId="LiveId" clId="{66D94DF8-4FC0-4415-A6C2-F84A008B24A8}" dt="2023-02-16T16:48:42.612" v="5223" actId="478"/>
-          <ac:spMkLst>
-            <pc:docMk/>
-            <pc:sldMk cId="1565956111" sldId="262"/>
-            <ac:spMk id="141" creationId="{00000000-0000-0000-0000-000000000000}"/>
-          </ac:spMkLst>
-        </pc:spChg>
-        <pc:spChg chg="del mod">
-          <ac:chgData name="amit kubani" userId="8b53f3189c0b5b40" providerId="LiveId" clId="{66D94DF8-4FC0-4415-A6C2-F84A008B24A8}" dt="2023-02-16T16:48:38.675" v="5222" actId="478"/>
-          <ac:spMkLst>
-            <pc:docMk/>
-            <pc:sldMk cId="1565956111" sldId="262"/>
-            <ac:spMk id="142" creationId="{00000000-0000-0000-0000-000000000000}"/>
-          </ac:spMkLst>
-        </pc:spChg>
-      </pc:sldChg>
-      <pc:sldChg chg="addSp delSp modSp new mod modClrScheme chgLayout">
-        <pc:chgData name="amit kubani" userId="8b53f3189c0b5b40" providerId="LiveId" clId="{66D94DF8-4FC0-4415-A6C2-F84A008B24A8}" dt="2023-02-16T18:47:48.301" v="6610" actId="403"/>
-        <pc:sldMkLst>
-          <pc:docMk/>
-          <pc:sldMk cId="3252356674" sldId="262"/>
-        </pc:sldMkLst>
-        <pc:spChg chg="del mod ord">
-          <ac:chgData name="amit kubani" userId="8b53f3189c0b5b40" providerId="LiveId" clId="{66D94DF8-4FC0-4415-A6C2-F84A008B24A8}" dt="2023-02-16T18:47:07.332" v="6575" actId="700"/>
-          <ac:spMkLst>
-            <pc:docMk/>
-            <pc:sldMk cId="3252356674" sldId="262"/>
-            <ac:spMk id="2" creationId="{BEBBCB0E-A3A7-3F1F-14C4-DFB721A1A317}"/>
-          </ac:spMkLst>
-        </pc:spChg>
-        <pc:spChg chg="del mod ord">
-          <ac:chgData name="amit kubani" userId="8b53f3189c0b5b40" providerId="LiveId" clId="{66D94DF8-4FC0-4415-A6C2-F84A008B24A8}" dt="2023-02-16T18:47:07.332" v="6575" actId="700"/>
-          <ac:spMkLst>
-            <pc:docMk/>
-            <pc:sldMk cId="3252356674" sldId="262"/>
-            <ac:spMk id="3" creationId="{26E3A2E4-94D6-4DD5-33C8-1B52866C38F2}"/>
-          </ac:spMkLst>
-        </pc:spChg>
-        <pc:spChg chg="add mod ord">
-          <ac:chgData name="amit kubani" userId="8b53f3189c0b5b40" providerId="LiveId" clId="{66D94DF8-4FC0-4415-A6C2-F84A008B24A8}" dt="2023-02-16T18:47:48.301" v="6610" actId="403"/>
-          <ac:spMkLst>
-            <pc:docMk/>
-            <pc:sldMk cId="3252356674" sldId="262"/>
-            <ac:spMk id="4" creationId="{519BF355-C0F5-D218-4E72-C147121838F0}"/>
-          </ac:spMkLst>
-        </pc:spChg>
-        <pc:spChg chg="add del mod ord">
-          <ac:chgData name="amit kubani" userId="8b53f3189c0b5b40" providerId="LiveId" clId="{66D94DF8-4FC0-4415-A6C2-F84A008B24A8}" dt="2023-02-16T18:47:43.456" v="6605" actId="478"/>
-          <ac:spMkLst>
-            <pc:docMk/>
-            <pc:sldMk cId="3252356674" sldId="262"/>
-            <ac:spMk id="5" creationId="{1D47C4E7-75FB-BA0B-E0B2-3E2B4E8AC008}"/>
-          </ac:spMkLst>
-        </pc:spChg>
-      </pc:sldChg>
-      <pc:sldChg chg="add del">
-        <pc:chgData name="amit kubani" userId="8b53f3189c0b5b40" providerId="LiveId" clId="{66D94DF8-4FC0-4415-A6C2-F84A008B24A8}" dt="2023-02-16T18:11:39.604" v="5332" actId="47"/>
-        <pc:sldMkLst>
-          <pc:docMk/>
-          <pc:sldMk cId="693784820" sldId="263"/>
-        </pc:sldMkLst>
-      </pc:sldChg>
-      <pc:sldChg chg="addSp delSp modSp add del mod ord">
-        <pc:chgData name="amit kubani" userId="8b53f3189c0b5b40" providerId="LiveId" clId="{66D94DF8-4FC0-4415-A6C2-F84A008B24A8}" dt="2023-02-16T20:15:31.760" v="9286" actId="2696"/>
-        <pc:sldMkLst>
-          <pc:docMk/>
-          <pc:sldMk cId="1314823769" sldId="263"/>
-        </pc:sldMkLst>
-        <pc:spChg chg="add del mod">
-          <ac:chgData name="amit kubani" userId="8b53f3189c0b5b40" providerId="LiveId" clId="{66D94DF8-4FC0-4415-A6C2-F84A008B24A8}" dt="2023-02-16T19:58:44.799" v="8631" actId="478"/>
-          <ac:spMkLst>
-            <pc:docMk/>
-            <pc:sldMk cId="1314823769" sldId="263"/>
-            <ac:spMk id="3" creationId="{D861DE6A-4CCF-52BD-F8C5-AC1F3AD6BCE9}"/>
-          </ac:spMkLst>
-        </pc:spChg>
-        <pc:spChg chg="del mod">
-          <ac:chgData name="amit kubani" userId="8b53f3189c0b5b40" providerId="LiveId" clId="{66D94DF8-4FC0-4415-A6C2-F84A008B24A8}" dt="2023-02-16T19:58:42.794" v="8630" actId="478"/>
-          <ac:spMkLst>
-            <pc:docMk/>
-            <pc:sldMk cId="1314823769" sldId="263"/>
-            <ac:spMk id="141" creationId="{00000000-0000-0000-0000-000000000000}"/>
-          </ac:spMkLst>
-        </pc:spChg>
-        <pc:spChg chg="del mod">
-          <ac:chgData name="amit kubani" userId="8b53f3189c0b5b40" providerId="LiveId" clId="{66D94DF8-4FC0-4415-A6C2-F84A008B24A8}" dt="2023-02-16T19:58:47.999" v="8632" actId="478"/>
-          <ac:spMkLst>
-            <pc:docMk/>
-            <pc:sldMk cId="1314823769" sldId="263"/>
-            <ac:spMk id="142" creationId="{00000000-0000-0000-0000-000000000000}"/>
-          </ac:spMkLst>
-        </pc:spChg>
-      </pc:sldChg>
-      <pc:sldChg chg="del">
-        <pc:chgData name="amit kubani" userId="8b53f3189c0b5b40" providerId="LiveId" clId="{66D94DF8-4FC0-4415-A6C2-F84A008B24A8}" dt="2023-02-16T14:31:00.809" v="1334" actId="47"/>
-        <pc:sldMkLst>
-          <pc:docMk/>
-          <pc:sldMk cId="0" sldId="264"/>
-        </pc:sldMkLst>
-      </pc:sldChg>
-      <pc:sldChg chg="addSp delSp modSp add mod">
-        <pc:chgData name="amit kubani" userId="8b53f3189c0b5b40" providerId="LiveId" clId="{66D94DF8-4FC0-4415-A6C2-F84A008B24A8}" dt="2023-02-16T22:28:14.050" v="13685" actId="20577"/>
-        <pc:sldMkLst>
-          <pc:docMk/>
-          <pc:sldMk cId="1469305543" sldId="264"/>
-        </pc:sldMkLst>
-        <pc:spChg chg="add del">
-          <ac:chgData name="amit kubani" userId="8b53f3189c0b5b40" providerId="LiveId" clId="{66D94DF8-4FC0-4415-A6C2-F84A008B24A8}" dt="2023-02-16T19:18:33.484" v="7458" actId="478"/>
-          <ac:spMkLst>
-            <pc:docMk/>
-            <pc:sldMk cId="1469305543" sldId="264"/>
-            <ac:spMk id="3" creationId="{64E19154-AC57-3463-F76E-D4B55AD665A7}"/>
-          </ac:spMkLst>
-        </pc:spChg>
-        <pc:spChg chg="mod">
-          <ac:chgData name="amit kubani" userId="8b53f3189c0b5b40" providerId="LiveId" clId="{66D94DF8-4FC0-4415-A6C2-F84A008B24A8}" dt="2023-02-16T18:49:38.315" v="6629" actId="20577"/>
-          <ac:spMkLst>
-            <pc:docMk/>
-            <pc:sldMk cId="1469305543" sldId="264"/>
-            <ac:spMk id="141" creationId="{00000000-0000-0000-0000-000000000000}"/>
-          </ac:spMkLst>
-        </pc:spChg>
-        <pc:spChg chg="mod">
-          <ac:chgData name="amit kubani" userId="8b53f3189c0b5b40" providerId="LiveId" clId="{66D94DF8-4FC0-4415-A6C2-F84A008B24A8}" dt="2023-02-16T22:28:14.050" v="13685" actId="20577"/>
-          <ac:spMkLst>
-            <pc:docMk/>
-            <pc:sldMk cId="1469305543" sldId="264"/>
-            <ac:spMk id="142" creationId="{00000000-0000-0000-0000-000000000000}"/>
-          </ac:spMkLst>
-        </pc:spChg>
-      </pc:sldChg>
-      <pc:sldChg chg="add del">
-        <pc:chgData name="amit kubani" userId="8b53f3189c0b5b40" providerId="LiveId" clId="{66D94DF8-4FC0-4415-A6C2-F84A008B24A8}" dt="2023-02-16T18:11:39.604" v="5332" actId="47"/>
-        <pc:sldMkLst>
-          <pc:docMk/>
-          <pc:sldMk cId="3067135782" sldId="264"/>
-        </pc:sldMkLst>
-      </pc:sldChg>
-      <pc:sldChg chg="del">
-        <pc:chgData name="amit kubani" userId="8b53f3189c0b5b40" providerId="LiveId" clId="{66D94DF8-4FC0-4415-A6C2-F84A008B24A8}" dt="2023-02-16T14:31:00.809" v="1334" actId="47"/>
-        <pc:sldMkLst>
-          <pc:docMk/>
-          <pc:sldMk cId="0" sldId="265"/>
-        </pc:sldMkLst>
-      </pc:sldChg>
-      <pc:sldChg chg="delSp modSp add del mod">
-        <pc:chgData name="amit kubani" userId="8b53f3189c0b5b40" providerId="LiveId" clId="{66D94DF8-4FC0-4415-A6C2-F84A008B24A8}" dt="2023-02-16T21:17:31.172" v="9724" actId="47"/>
-        <pc:sldMkLst>
-          <pc:docMk/>
-          <pc:sldMk cId="920333169" sldId="265"/>
-        </pc:sldMkLst>
-        <pc:spChg chg="del mod">
-          <ac:chgData name="amit kubani" userId="8b53f3189c0b5b40" providerId="LiveId" clId="{66D94DF8-4FC0-4415-A6C2-F84A008B24A8}" dt="2023-02-16T20:23:17.665" v="9719" actId="478"/>
-          <ac:spMkLst>
-            <pc:docMk/>
-            <pc:sldMk cId="920333169" sldId="265"/>
-            <ac:spMk id="141" creationId="{00000000-0000-0000-0000-000000000000}"/>
-          </ac:spMkLst>
-        </pc:spChg>
-        <pc:spChg chg="del">
-          <ac:chgData name="amit kubani" userId="8b53f3189c0b5b40" providerId="LiveId" clId="{66D94DF8-4FC0-4415-A6C2-F84A008B24A8}" dt="2023-02-16T20:23:20.729" v="9720" actId="478"/>
-          <ac:spMkLst>
-            <pc:docMk/>
-            <pc:sldMk cId="920333169" sldId="265"/>
-            <ac:spMk id="142" creationId="{00000000-0000-0000-0000-000000000000}"/>
-          </ac:spMkLst>
-        </pc:spChg>
-      </pc:sldChg>
-      <pc:sldChg chg="add del">
-        <pc:chgData name="amit kubani" userId="8b53f3189c0b5b40" providerId="LiveId" clId="{66D94DF8-4FC0-4415-A6C2-F84A008B24A8}" dt="2023-02-16T18:11:39.604" v="5332" actId="47"/>
-        <pc:sldMkLst>
-          <pc:docMk/>
-          <pc:sldMk cId="1590685558" sldId="265"/>
-        </pc:sldMkLst>
-      </pc:sldChg>
-      <pc:sldChg chg="del">
-        <pc:chgData name="amit kubani" userId="8b53f3189c0b5b40" providerId="LiveId" clId="{66D94DF8-4FC0-4415-A6C2-F84A008B24A8}" dt="2023-02-16T14:31:00.809" v="1334" actId="47"/>
-        <pc:sldMkLst>
-          <pc:docMk/>
-          <pc:sldMk cId="0" sldId="266"/>
-        </pc:sldMkLst>
-      </pc:sldChg>
-      <pc:sldChg chg="add del">
-        <pc:chgData name="amit kubani" userId="8b53f3189c0b5b40" providerId="LiveId" clId="{66D94DF8-4FC0-4415-A6C2-F84A008B24A8}" dt="2023-02-16T18:11:39.604" v="5332" actId="47"/>
-        <pc:sldMkLst>
-          <pc:docMk/>
-          <pc:sldMk cId="1526326483" sldId="266"/>
-        </pc:sldMkLst>
-      </pc:sldChg>
-      <pc:sldChg chg="modSp add del mod">
-        <pc:chgData name="amit kubani" userId="8b53f3189c0b5b40" providerId="LiveId" clId="{66D94DF8-4FC0-4415-A6C2-F84A008B24A8}" dt="2023-02-16T21:16:51.135" v="9723" actId="47"/>
-        <pc:sldMkLst>
-          <pc:docMk/>
-          <pc:sldMk cId="3017655696" sldId="266"/>
-        </pc:sldMkLst>
-        <pc:spChg chg="mod">
-          <ac:chgData name="amit kubani" userId="8b53f3189c0b5b40" providerId="LiveId" clId="{66D94DF8-4FC0-4415-A6C2-F84A008B24A8}" dt="2023-02-16T18:51:57.561" v="6638" actId="20577"/>
-          <ac:spMkLst>
-            <pc:docMk/>
-            <pc:sldMk cId="3017655696" sldId="266"/>
-            <ac:spMk id="141" creationId="{00000000-0000-0000-0000-000000000000}"/>
-          </ac:spMkLst>
-        </pc:spChg>
-      </pc:sldChg>
-      <pc:sldChg chg="del">
-        <pc:chgData name="amit kubani" userId="8b53f3189c0b5b40" providerId="LiveId" clId="{66D94DF8-4FC0-4415-A6C2-F84A008B24A8}" dt="2023-02-16T14:31:00.809" v="1334" actId="47"/>
-        <pc:sldMkLst>
-          <pc:docMk/>
-          <pc:sldMk cId="0" sldId="267"/>
-        </pc:sldMkLst>
-      </pc:sldChg>
-      <pc:sldChg chg="modSp new del mod ord">
-        <pc:chgData name="amit kubani" userId="8b53f3189c0b5b40" providerId="LiveId" clId="{66D94DF8-4FC0-4415-A6C2-F84A008B24A8}" dt="2023-02-16T18:11:39.604" v="5332" actId="47"/>
-        <pc:sldMkLst>
-          <pc:docMk/>
-          <pc:sldMk cId="1798183538" sldId="267"/>
-        </pc:sldMkLst>
-        <pc:spChg chg="mod">
-          <ac:chgData name="amit kubani" userId="8b53f3189c0b5b40" providerId="LiveId" clId="{66D94DF8-4FC0-4415-A6C2-F84A008B24A8}" dt="2023-02-16T18:11:13.153" v="5329" actId="20577"/>
-          <ac:spMkLst>
-            <pc:docMk/>
-            <pc:sldMk cId="1798183538" sldId="267"/>
-            <ac:spMk id="2" creationId="{8CB7DEF2-7657-B3FB-8AE9-65D245EBA902}"/>
-          </ac:spMkLst>
-        </pc:spChg>
-        <pc:spChg chg="mod">
-          <ac:chgData name="amit kubani" userId="8b53f3189c0b5b40" providerId="LiveId" clId="{66D94DF8-4FC0-4415-A6C2-F84A008B24A8}" dt="2023-02-16T18:10:22.133" v="5316" actId="121"/>
-          <ac:spMkLst>
-            <pc:docMk/>
-            <pc:sldMk cId="1798183538" sldId="267"/>
-            <ac:spMk id="3" creationId="{BE6DEEC3-4CA6-0506-B2B6-1C108827EFC1}"/>
-          </ac:spMkLst>
-        </pc:spChg>
-      </pc:sldChg>
-      <pc:sldChg chg="addSp delSp modSp add mod ord chgLayout">
-        <pc:chgData name="amit kubani" userId="8b53f3189c0b5b40" providerId="LiveId" clId="{66D94DF8-4FC0-4415-A6C2-F84A008B24A8}" dt="2023-02-16T22:28:49.534" v="13706" actId="27636"/>
-        <pc:sldMkLst>
-          <pc:docMk/>
-          <pc:sldMk cId="2635863212" sldId="267"/>
-        </pc:sldMkLst>
-        <pc:spChg chg="del mod">
-          <ac:chgData name="amit kubani" userId="8b53f3189c0b5b40" providerId="LiveId" clId="{66D94DF8-4FC0-4415-A6C2-F84A008B24A8}" dt="2023-02-16T19:17:58.296" v="7409" actId="478"/>
-          <ac:spMkLst>
-            <pc:docMk/>
-            <pc:sldMk cId="2635863212" sldId="267"/>
-            <ac:spMk id="3" creationId="{64E19154-AC57-3463-F76E-D4B55AD665A7}"/>
-          </ac:spMkLst>
-        </pc:spChg>
-        <pc:spChg chg="add del mod ord">
-          <ac:chgData name="amit kubani" userId="8b53f3189c0b5b40" providerId="LiveId" clId="{66D94DF8-4FC0-4415-A6C2-F84A008B24A8}" dt="2023-02-16T22:28:49.534" v="13706" actId="27636"/>
-          <ac:spMkLst>
-            <pc:docMk/>
-            <pc:sldMk cId="2635863212" sldId="267"/>
-            <ac:spMk id="9" creationId="{20D1650B-058C-FD2C-2FF7-7D1A51C1FA5A}"/>
-          </ac:spMkLst>
-        </pc:spChg>
-        <pc:spChg chg="add del mod">
-          <ac:chgData name="amit kubani" userId="8b53f3189c0b5b40" providerId="LiveId" clId="{66D94DF8-4FC0-4415-A6C2-F84A008B24A8}" dt="2023-02-16T19:31:05.032" v="7837" actId="21"/>
-          <ac:spMkLst>
-            <pc:docMk/>
-            <pc:sldMk cId="2635863212" sldId="267"/>
-            <ac:spMk id="10" creationId="{19D2C438-183A-B9D8-5C2F-13AAEBF37218}"/>
-          </ac:spMkLst>
-        </pc:spChg>
-        <pc:spChg chg="add mod">
-          <ac:chgData name="amit kubani" userId="8b53f3189c0b5b40" providerId="LiveId" clId="{66D94DF8-4FC0-4415-A6C2-F84A008B24A8}" dt="2023-02-16T19:31:51.828" v="7867" actId="20577"/>
-          <ac:spMkLst>
-            <pc:docMk/>
-            <pc:sldMk cId="2635863212" sldId="267"/>
-            <ac:spMk id="11" creationId="{34808610-9953-283A-F182-5F877BA09034}"/>
-          </ac:spMkLst>
-        </pc:spChg>
-        <pc:spChg chg="add mod">
-          <ac:chgData name="amit kubani" userId="8b53f3189c0b5b40" providerId="LiveId" clId="{66D94DF8-4FC0-4415-A6C2-F84A008B24A8}" dt="2023-02-16T19:31:46.429" v="7860" actId="20577"/>
-          <ac:spMkLst>
-            <pc:docMk/>
-            <pc:sldMk cId="2635863212" sldId="267"/>
-            <ac:spMk id="12" creationId="{84243F97-4A13-92E6-509B-2A47170C7CF7}"/>
-          </ac:spMkLst>
-        </pc:spChg>
-        <pc:spChg chg="add mod">
-          <ac:chgData name="amit kubani" userId="8b53f3189c0b5b40" providerId="LiveId" clId="{66D94DF8-4FC0-4415-A6C2-F84A008B24A8}" dt="2023-02-16T19:31:39.863" v="7853" actId="20577"/>
-          <ac:spMkLst>
-            <pc:docMk/>
-            <pc:sldMk cId="2635863212" sldId="267"/>
-            <ac:spMk id="13" creationId="{53D4FE46-B543-4946-9FFA-FEB61A3F87BC}"/>
-          </ac:spMkLst>
-        </pc:spChg>
-        <pc:spChg chg="mod ord">
-          <ac:chgData name="amit kubani" userId="8b53f3189c0b5b40" providerId="LiveId" clId="{66D94DF8-4FC0-4415-A6C2-F84A008B24A8}" dt="2023-02-16T19:34:15.927" v="7959" actId="782"/>
-          <ac:spMkLst>
-            <pc:docMk/>
-            <pc:sldMk cId="2635863212" sldId="267"/>
-            <ac:spMk id="141" creationId="{00000000-0000-0000-0000-000000000000}"/>
-          </ac:spMkLst>
-        </pc:spChg>
-        <pc:spChg chg="del mod">
-          <ac:chgData name="amit kubani" userId="8b53f3189c0b5b40" providerId="LiveId" clId="{66D94DF8-4FC0-4415-A6C2-F84A008B24A8}" dt="2023-02-16T19:20:01.876" v="7483" actId="478"/>
-          <ac:spMkLst>
-            <pc:docMk/>
-            <pc:sldMk cId="2635863212" sldId="267"/>
-            <ac:spMk id="142" creationId="{00000000-0000-0000-0000-000000000000}"/>
-          </ac:spMkLst>
-        </pc:spChg>
-        <pc:picChg chg="add mod">
-          <ac:chgData name="amit kubani" userId="8b53f3189c0b5b40" providerId="LiveId" clId="{66D94DF8-4FC0-4415-A6C2-F84A008B24A8}" dt="2023-02-16T19:22:07.440" v="7491" actId="14100"/>
-          <ac:picMkLst>
-            <pc:docMk/>
-            <pc:sldMk cId="2635863212" sldId="267"/>
-            <ac:picMk id="4" creationId="{FCFD0D82-2D51-EA91-097B-12F9759C24A2}"/>
-          </ac:picMkLst>
-        </pc:picChg>
-        <pc:picChg chg="add mod">
-          <ac:chgData name="amit kubani" userId="8b53f3189c0b5b40" providerId="LiveId" clId="{66D94DF8-4FC0-4415-A6C2-F84A008B24A8}" dt="2023-02-16T19:23:27.756" v="7504" actId="1076"/>
-          <ac:picMkLst>
-            <pc:docMk/>
-            <pc:sldMk cId="2635863212" sldId="267"/>
-            <ac:picMk id="6" creationId="{29BE0B47-4C41-4CD9-E3AD-C6BD18574D97}"/>
-          </ac:picMkLst>
-        </pc:picChg>
-        <pc:picChg chg="add mod">
-          <ac:chgData name="amit kubani" userId="8b53f3189c0b5b40" providerId="LiveId" clId="{66D94DF8-4FC0-4415-A6C2-F84A008B24A8}" dt="2023-02-16T19:23:32.648" v="7506" actId="14100"/>
-          <ac:picMkLst>
-            <pc:docMk/>
-            <pc:sldMk cId="2635863212" sldId="267"/>
-            <ac:picMk id="8" creationId="{48465DDD-2A57-2676-7A64-B85485F1498F}"/>
-          </ac:picMkLst>
-        </pc:picChg>
-      </pc:sldChg>
-      <pc:sldChg chg="del">
-        <pc:chgData name="amit kubani" userId="8b53f3189c0b5b40" providerId="LiveId" clId="{66D94DF8-4FC0-4415-A6C2-F84A008B24A8}" dt="2023-02-16T14:31:00.809" v="1334" actId="47"/>
-        <pc:sldMkLst>
-          <pc:docMk/>
-          <pc:sldMk cId="0" sldId="268"/>
-        </pc:sldMkLst>
-      </pc:sldChg>
-      <pc:sldChg chg="addSp delSp modSp new mod ord modClrScheme chgLayout">
-        <pc:chgData name="amit kubani" userId="8b53f3189c0b5b40" providerId="LiveId" clId="{66D94DF8-4FC0-4415-A6C2-F84A008B24A8}" dt="2023-02-16T22:12:14.128" v="13299" actId="1076"/>
-        <pc:sldMkLst>
-          <pc:docMk/>
-          <pc:sldMk cId="1602383501" sldId="268"/>
-        </pc:sldMkLst>
-        <pc:spChg chg="add del mod ord">
-          <ac:chgData name="amit kubani" userId="8b53f3189c0b5b40" providerId="LiveId" clId="{66D94DF8-4FC0-4415-A6C2-F84A008B24A8}" dt="2023-02-16T22:12:14.128" v="13299" actId="1076"/>
-          <ac:spMkLst>
-            <pc:docMk/>
-            <pc:sldMk cId="1602383501" sldId="268"/>
-            <ac:spMk id="2" creationId="{060245D6-1BF2-651A-138C-D972E946449A}"/>
-          </ac:spMkLst>
-        </pc:spChg>
-        <pc:spChg chg="del">
-          <ac:chgData name="amit kubani" userId="8b53f3189c0b5b40" providerId="LiveId" clId="{66D94DF8-4FC0-4415-A6C2-F84A008B24A8}" dt="2023-02-16T19:59:50.597" v="8645" actId="478"/>
-          <ac:spMkLst>
-            <pc:docMk/>
-            <pc:sldMk cId="1602383501" sldId="268"/>
-            <ac:spMk id="3" creationId="{971720F2-087A-7DA9-62E4-11122BB1D0AB}"/>
-          </ac:spMkLst>
-        </pc:spChg>
-        <pc:spChg chg="add del mod">
-          <ac:chgData name="amit kubani" userId="8b53f3189c0b5b40" providerId="LiveId" clId="{66D94DF8-4FC0-4415-A6C2-F84A008B24A8}" dt="2023-02-16T20:11:47.397" v="8995" actId="478"/>
-          <ac:spMkLst>
-            <pc:docMk/>
-            <pc:sldMk cId="1602383501" sldId="268"/>
-            <ac:spMk id="10" creationId="{45505A8D-58FA-B699-2B89-A9C7357A7BCB}"/>
-          </ac:spMkLst>
-        </pc:spChg>
-        <pc:spChg chg="add del mod">
-          <ac:chgData name="amit kubani" userId="8b53f3189c0b5b40" providerId="LiveId" clId="{66D94DF8-4FC0-4415-A6C2-F84A008B24A8}" dt="2023-02-16T20:11:42.301" v="8994" actId="478"/>
-          <ac:spMkLst>
-            <pc:docMk/>
-            <pc:sldMk cId="1602383501" sldId="268"/>
-            <ac:spMk id="12" creationId="{5E07B8B7-C250-4228-485C-2ED47C855223}"/>
-          </ac:spMkLst>
-        </pc:spChg>
-        <pc:spChg chg="add mod">
-          <ac:chgData name="amit kubani" userId="8b53f3189c0b5b40" providerId="LiveId" clId="{66D94DF8-4FC0-4415-A6C2-F84A008B24A8}" dt="2023-02-16T22:12:10.567" v="13298" actId="403"/>
-          <ac:spMkLst>
-            <pc:docMk/>
-            <pc:sldMk cId="1602383501" sldId="268"/>
-            <ac:spMk id="13" creationId="{845C5D16-B0EE-4466-2C4B-C441B0D07890}"/>
-          </ac:spMkLst>
-        </pc:spChg>
-        <pc:picChg chg="add del mod">
-          <ac:chgData name="amit kubani" userId="8b53f3189c0b5b40" providerId="LiveId" clId="{66D94DF8-4FC0-4415-A6C2-F84A008B24A8}" dt="2023-02-16T20:15:48.939" v="9292" actId="478"/>
-          <ac:picMkLst>
-            <pc:docMk/>
-            <pc:sldMk cId="1602383501" sldId="268"/>
-            <ac:picMk id="5" creationId="{5FE7DE98-33F0-C34C-5839-65EA2A6DE200}"/>
-          </ac:picMkLst>
-        </pc:picChg>
-        <pc:picChg chg="add del mod">
-          <ac:chgData name="amit kubani" userId="8b53f3189c0b5b40" providerId="LiveId" clId="{66D94DF8-4FC0-4415-A6C2-F84A008B24A8}" dt="2023-02-16T20:15:50.315" v="9293" actId="478"/>
-          <ac:picMkLst>
-            <pc:docMk/>
-            <pc:sldMk cId="1602383501" sldId="268"/>
-            <ac:picMk id="7" creationId="{5DD90022-BBAE-20AE-5BA7-9CEAC7399302}"/>
-          </ac:picMkLst>
-        </pc:picChg>
-        <pc:picChg chg="add del mod">
-          <ac:chgData name="amit kubani" userId="8b53f3189c0b5b40" providerId="LiveId" clId="{66D94DF8-4FC0-4415-A6C2-F84A008B24A8}" dt="2023-02-16T20:15:51.945" v="9294" actId="478"/>
-          <ac:picMkLst>
-            <pc:docMk/>
-            <pc:sldMk cId="1602383501" sldId="268"/>
-            <ac:picMk id="9" creationId="{7A7188DE-7840-B371-1E0D-BEBD863020B1}"/>
-          </ac:picMkLst>
-        </pc:picChg>
-        <pc:picChg chg="add mod">
-          <ac:chgData name="amit kubani" userId="8b53f3189c0b5b40" providerId="LiveId" clId="{66D94DF8-4FC0-4415-A6C2-F84A008B24A8}" dt="2023-02-16T20:17:19.641" v="9315" actId="1076"/>
-          <ac:picMkLst>
-            <pc:docMk/>
-            <pc:sldMk cId="1602383501" sldId="268"/>
-            <ac:picMk id="15" creationId="{9A2227CE-57CA-6383-1935-BF5199B31946}"/>
-          </ac:picMkLst>
-        </pc:picChg>
-        <pc:picChg chg="add mod">
-          <ac:chgData name="amit kubani" userId="8b53f3189c0b5b40" providerId="LiveId" clId="{66D94DF8-4FC0-4415-A6C2-F84A008B24A8}" dt="2023-02-16T20:17:15.217" v="9314" actId="1076"/>
-          <ac:picMkLst>
-            <pc:docMk/>
-            <pc:sldMk cId="1602383501" sldId="268"/>
-            <ac:picMk id="17" creationId="{78BEA9DE-E9D7-320F-BF09-7BE3B6E03674}"/>
-          </ac:picMkLst>
-        </pc:picChg>
-        <pc:picChg chg="add mod">
-          <ac:chgData name="amit kubani" userId="8b53f3189c0b5b40" providerId="LiveId" clId="{66D94DF8-4FC0-4415-A6C2-F84A008B24A8}" dt="2023-02-16T20:16:55.576" v="9309" actId="14100"/>
-          <ac:picMkLst>
-            <pc:docMk/>
-            <pc:sldMk cId="1602383501" sldId="268"/>
-            <ac:picMk id="19" creationId="{1F206A64-6832-145F-A814-BBD16C87D0EB}"/>
-          </ac:picMkLst>
-        </pc:picChg>
-      </pc:sldChg>
-      <pc:sldChg chg="addSp delSp modSp add mod">
-        <pc:chgData name="amit kubani" userId="8b53f3189c0b5b40" providerId="LiveId" clId="{66D94DF8-4FC0-4415-A6C2-F84A008B24A8}" dt="2023-02-16T22:29:16.594" v="13711" actId="313"/>
-        <pc:sldMkLst>
-          <pc:docMk/>
-          <pc:sldMk cId="561043004" sldId="269"/>
-        </pc:sldMkLst>
-        <pc:spChg chg="mod">
-          <ac:chgData name="amit kubani" userId="8b53f3189c0b5b40" providerId="LiveId" clId="{66D94DF8-4FC0-4415-A6C2-F84A008B24A8}" dt="2023-02-16T22:29:16.594" v="13711" actId="313"/>
-          <ac:spMkLst>
-            <pc:docMk/>
-            <pc:sldMk cId="561043004" sldId="269"/>
-            <ac:spMk id="9" creationId="{20D1650B-058C-FD2C-2FF7-7D1A51C1FA5A}"/>
-          </ac:spMkLst>
-        </pc:spChg>
-        <pc:spChg chg="mod">
-          <ac:chgData name="amit kubani" userId="8b53f3189c0b5b40" providerId="LiveId" clId="{66D94DF8-4FC0-4415-A6C2-F84A008B24A8}" dt="2023-02-16T22:11:22.364" v="13283" actId="1076"/>
-          <ac:spMkLst>
-            <pc:docMk/>
-            <pc:sldMk cId="561043004" sldId="269"/>
-            <ac:spMk id="141" creationId="{00000000-0000-0000-0000-000000000000}"/>
-          </ac:spMkLst>
-        </pc:spChg>
-        <pc:picChg chg="add del mod">
-          <ac:chgData name="amit kubani" userId="8b53f3189c0b5b40" providerId="LiveId" clId="{66D94DF8-4FC0-4415-A6C2-F84A008B24A8}" dt="2023-02-16T19:44:08.549" v="8212" actId="478"/>
-          <ac:picMkLst>
-            <pc:docMk/>
-            <pc:sldMk cId="561043004" sldId="269"/>
-            <ac:picMk id="3" creationId="{C214CC26-406C-8BC4-18AA-7A31AC54853F}"/>
-          </ac:picMkLst>
-        </pc:picChg>
-        <pc:picChg chg="del mod">
-          <ac:chgData name="amit kubani" userId="8b53f3189c0b5b40" providerId="LiveId" clId="{66D94DF8-4FC0-4415-A6C2-F84A008B24A8}" dt="2023-02-16T19:36:46.236" v="8077" actId="478"/>
-          <ac:picMkLst>
-            <pc:docMk/>
-            <pc:sldMk cId="561043004" sldId="269"/>
-            <ac:picMk id="4" creationId="{FCFD0D82-2D51-EA91-097B-12F9759C24A2}"/>
-          </ac:picMkLst>
-        </pc:picChg>
-        <pc:picChg chg="del">
-          <ac:chgData name="amit kubani" userId="8b53f3189c0b5b40" providerId="LiveId" clId="{66D94DF8-4FC0-4415-A6C2-F84A008B24A8}" dt="2023-02-16T19:36:44.647" v="8075" actId="478"/>
-          <ac:picMkLst>
-            <pc:docMk/>
-            <pc:sldMk cId="561043004" sldId="269"/>
-            <ac:picMk id="6" creationId="{29BE0B47-4C41-4CD9-E3AD-C6BD18574D97}"/>
-          </ac:picMkLst>
-        </pc:picChg>
-        <pc:picChg chg="add del mod">
-          <ac:chgData name="amit kubani" userId="8b53f3189c0b5b40" providerId="LiveId" clId="{66D94DF8-4FC0-4415-A6C2-F84A008B24A8}" dt="2023-02-16T19:44:10.222" v="8213" actId="478"/>
-          <ac:picMkLst>
-            <pc:docMk/>
-            <pc:sldMk cId="561043004" sldId="269"/>
-            <ac:picMk id="7" creationId="{F866B03F-3847-29AB-086B-92F64FED7DB3}"/>
-          </ac:picMkLst>
-        </pc:picChg>
-        <pc:picChg chg="del">
-          <ac:chgData name="amit kubani" userId="8b53f3189c0b5b40" providerId="LiveId" clId="{66D94DF8-4FC0-4415-A6C2-F84A008B24A8}" dt="2023-02-16T19:36:47.969" v="8078" actId="478"/>
-          <ac:picMkLst>
-            <pc:docMk/>
-            <pc:sldMk cId="561043004" sldId="269"/>
-            <ac:picMk id="8" creationId="{48465DDD-2A57-2676-7A64-B85485F1498F}"/>
-          </ac:picMkLst>
-        </pc:picChg>
-        <pc:picChg chg="add del mod">
-          <ac:chgData name="amit kubani" userId="8b53f3189c0b5b40" providerId="LiveId" clId="{66D94DF8-4FC0-4415-A6C2-F84A008B24A8}" dt="2023-02-16T19:44:11.812" v="8214" actId="478"/>
-          <ac:picMkLst>
-            <pc:docMk/>
-            <pc:sldMk cId="561043004" sldId="269"/>
-            <ac:picMk id="14" creationId="{F1676E0B-41DD-10D2-3325-492CB85635F5}"/>
-          </ac:picMkLst>
-        </pc:picChg>
-        <pc:picChg chg="add mod">
-          <ac:chgData name="amit kubani" userId="8b53f3189c0b5b40" providerId="LiveId" clId="{66D94DF8-4FC0-4415-A6C2-F84A008B24A8}" dt="2023-02-16T19:52:46.890" v="8230" actId="14100"/>
-          <ac:picMkLst>
-            <pc:docMk/>
-            <pc:sldMk cId="561043004" sldId="269"/>
-            <ac:picMk id="16" creationId="{E4044320-8D8B-2D30-B9B3-43B0D70C7E88}"/>
-          </ac:picMkLst>
-        </pc:picChg>
-        <pc:picChg chg="add mod">
-          <ac:chgData name="amit kubani" userId="8b53f3189c0b5b40" providerId="LiveId" clId="{66D94DF8-4FC0-4415-A6C2-F84A008B24A8}" dt="2023-02-16T19:53:38.813" v="8240" actId="14100"/>
-          <ac:picMkLst>
-            <pc:docMk/>
-            <pc:sldMk cId="561043004" sldId="269"/>
-            <ac:picMk id="18" creationId="{84D22465-ADAB-0B8A-6079-3EA73620755D}"/>
-          </ac:picMkLst>
-        </pc:picChg>
-        <pc:picChg chg="add mod">
-          <ac:chgData name="amit kubani" userId="8b53f3189c0b5b40" providerId="LiveId" clId="{66D94DF8-4FC0-4415-A6C2-F84A008B24A8}" dt="2023-02-16T19:53:44.803" v="8241" actId="14100"/>
-          <ac:picMkLst>
-            <pc:docMk/>
-            <pc:sldMk cId="561043004" sldId="269"/>
-            <ac:picMk id="20" creationId="{A8991582-B1A3-0477-EF90-A2E391CF93A1}"/>
-          </ac:picMkLst>
-        </pc:picChg>
-      </pc:sldChg>
-      <pc:sldChg chg="del">
-        <pc:chgData name="amit kubani" userId="8b53f3189c0b5b40" providerId="LiveId" clId="{66D94DF8-4FC0-4415-A6C2-F84A008B24A8}" dt="2023-02-16T14:31:00.809" v="1334" actId="47"/>
-        <pc:sldMkLst>
-          <pc:docMk/>
-          <pc:sldMk cId="2373467096" sldId="269"/>
-        </pc:sldMkLst>
-      </pc:sldChg>
-      <pc:sldChg chg="modSp add mod ord">
-        <pc:chgData name="amit kubani" userId="8b53f3189c0b5b40" providerId="LiveId" clId="{66D94DF8-4FC0-4415-A6C2-F84A008B24A8}" dt="2023-02-16T22:11:56.782" v="13295" actId="27636"/>
-        <pc:sldMkLst>
-          <pc:docMk/>
-          <pc:sldMk cId="3916790034" sldId="270"/>
-        </pc:sldMkLst>
-        <pc:spChg chg="mod">
-          <ac:chgData name="amit kubani" userId="8b53f3189c0b5b40" providerId="LiveId" clId="{66D94DF8-4FC0-4415-A6C2-F84A008B24A8}" dt="2023-02-16T22:11:56.782" v="13295" actId="27636"/>
-          <ac:spMkLst>
-            <pc:docMk/>
-            <pc:sldMk cId="3916790034" sldId="270"/>
-            <ac:spMk id="13" creationId="{845C5D16-B0EE-4466-2C4B-C441B0D07890}"/>
-          </ac:spMkLst>
-        </pc:spChg>
-        <pc:picChg chg="mod">
-          <ac:chgData name="amit kubani" userId="8b53f3189c0b5b40" providerId="LiveId" clId="{66D94DF8-4FC0-4415-A6C2-F84A008B24A8}" dt="2023-02-16T22:06:03.071" v="13219" actId="1035"/>
-          <ac:picMkLst>
-            <pc:docMk/>
-            <pc:sldMk cId="3916790034" sldId="270"/>
-            <ac:picMk id="7" creationId="{5DD90022-BBAE-20AE-5BA7-9CEAC7399302}"/>
-          </ac:picMkLst>
-        </pc:picChg>
-      </pc:sldChg>
-      <pc:sldChg chg="modSp new del mod">
-        <pc:chgData name="amit kubani" userId="8b53f3189c0b5b40" providerId="LiveId" clId="{66D94DF8-4FC0-4415-A6C2-F84A008B24A8}" dt="2023-02-16T14:31:00.809" v="1334" actId="47"/>
-        <pc:sldMkLst>
-          <pc:docMk/>
-          <pc:sldMk cId="3942889943" sldId="270"/>
-        </pc:sldMkLst>
-        <pc:spChg chg="mod">
-          <ac:chgData name="amit kubani" userId="8b53f3189c0b5b40" providerId="LiveId" clId="{66D94DF8-4FC0-4415-A6C2-F84A008B24A8}" dt="2023-02-16T14:26:38.212" v="1136" actId="20577"/>
-          <ac:spMkLst>
-            <pc:docMk/>
-            <pc:sldMk cId="3942889943" sldId="270"/>
-            <ac:spMk id="2" creationId="{15CC9C44-DDF7-34FA-966A-6291BEC4B4D2}"/>
-          </ac:spMkLst>
-        </pc:spChg>
-        <pc:spChg chg="mod">
-          <ac:chgData name="amit kubani" userId="8b53f3189c0b5b40" providerId="LiveId" clId="{66D94DF8-4FC0-4415-A6C2-F84A008B24A8}" dt="2023-02-16T14:30:39.600" v="1333" actId="20577"/>
-          <ac:spMkLst>
-            <pc:docMk/>
-            <pc:sldMk cId="3942889943" sldId="270"/>
-            <ac:spMk id="3" creationId="{71685617-FF9D-31A7-A98C-F6FCA3FB45D7}"/>
-          </ac:spMkLst>
-        </pc:spChg>
-      </pc:sldChg>
-      <pc:sldChg chg="addSp modSp new mod modClrScheme chgLayout">
-        <pc:chgData name="amit kubani" userId="8b53f3189c0b5b40" providerId="LiveId" clId="{66D94DF8-4FC0-4415-A6C2-F84A008B24A8}" dt="2023-02-16T22:32:53.790" v="13734" actId="20577"/>
-        <pc:sldMkLst>
-          <pc:docMk/>
-          <pc:sldMk cId="11988764" sldId="271"/>
-        </pc:sldMkLst>
-        <pc:spChg chg="mod ord">
-          <ac:chgData name="amit kubani" userId="8b53f3189c0b5b40" providerId="LiveId" clId="{66D94DF8-4FC0-4415-A6C2-F84A008B24A8}" dt="2023-02-16T21:19:41.876" v="9760" actId="700"/>
-          <ac:spMkLst>
-            <pc:docMk/>
-            <pc:sldMk cId="11988764" sldId="271"/>
-            <ac:spMk id="2" creationId="{F25BEF12-5942-62F0-58FB-E2F6E539097D}"/>
-          </ac:spMkLst>
-        </pc:spChg>
-        <pc:spChg chg="add mod ord">
-          <ac:chgData name="amit kubani" userId="8b53f3189c0b5b40" providerId="LiveId" clId="{66D94DF8-4FC0-4415-A6C2-F84A008B24A8}" dt="2023-02-16T22:32:53.790" v="13734" actId="20577"/>
-          <ac:spMkLst>
-            <pc:docMk/>
-            <pc:sldMk cId="11988764" sldId="271"/>
-            <ac:spMk id="3" creationId="{74C98D58-AC5A-2F36-79C8-53C20F4A08F6}"/>
-          </ac:spMkLst>
-        </pc:spChg>
-      </pc:sldChg>
-      <pc:sldChg chg="new del">
-        <pc:chgData name="amit kubani" userId="8b53f3189c0b5b40" providerId="LiveId" clId="{66D94DF8-4FC0-4415-A6C2-F84A008B24A8}" dt="2023-02-16T21:16:48.832" v="9722" actId="47"/>
-        <pc:sldMkLst>
-          <pc:docMk/>
-          <pc:sldMk cId="951144411" sldId="271"/>
-        </pc:sldMkLst>
-      </pc:sldChg>
-      <pc:sldChg chg="modSp add mod">
-        <pc:chgData name="amit kubani" userId="8b53f3189c0b5b40" providerId="LiveId" clId="{66D94DF8-4FC0-4415-A6C2-F84A008B24A8}" dt="2023-02-16T22:30:11.853" v="13728" actId="313"/>
-        <pc:sldMkLst>
-          <pc:docMk/>
-          <pc:sldMk cId="1669033742" sldId="272"/>
-        </pc:sldMkLst>
-        <pc:spChg chg="mod">
-          <ac:chgData name="amit kubani" userId="8b53f3189c0b5b40" providerId="LiveId" clId="{66D94DF8-4FC0-4415-A6C2-F84A008B24A8}" dt="2023-02-16T22:30:11.853" v="13728" actId="313"/>
-          <ac:spMkLst>
-            <pc:docMk/>
-            <pc:sldMk cId="1669033742" sldId="272"/>
-            <ac:spMk id="3" creationId="{74C98D58-AC5A-2F36-79C8-53C20F4A08F6}"/>
-          </ac:spMkLst>
-        </pc:spChg>
-      </pc:sldChg>
-      <pc:sldChg chg="modSp add mod">
-        <pc:chgData name="amit kubani" userId="8b53f3189c0b5b40" providerId="LiveId" clId="{66D94DF8-4FC0-4415-A6C2-F84A008B24A8}" dt="2023-02-16T22:30:23.510" v="13731" actId="313"/>
-        <pc:sldMkLst>
-          <pc:docMk/>
-          <pc:sldMk cId="1766826864" sldId="273"/>
-        </pc:sldMkLst>
-        <pc:spChg chg="mod">
-          <ac:chgData name="amit kubani" userId="8b53f3189c0b5b40" providerId="LiveId" clId="{66D94DF8-4FC0-4415-A6C2-F84A008B24A8}" dt="2023-02-16T21:50:51.748" v="12124" actId="20577"/>
-          <ac:spMkLst>
-            <pc:docMk/>
-            <pc:sldMk cId="1766826864" sldId="273"/>
-            <ac:spMk id="2" creationId="{F25BEF12-5942-62F0-58FB-E2F6E539097D}"/>
-          </ac:spMkLst>
-        </pc:spChg>
-        <pc:spChg chg="mod">
-          <ac:chgData name="amit kubani" userId="8b53f3189c0b5b40" providerId="LiveId" clId="{66D94DF8-4FC0-4415-A6C2-F84A008B24A8}" dt="2023-02-16T22:30:23.510" v="13731" actId="313"/>
-          <ac:spMkLst>
-            <pc:docMk/>
-            <pc:sldMk cId="1766826864" sldId="273"/>
-            <ac:spMk id="3" creationId="{74C98D58-AC5A-2F36-79C8-53C20F4A08F6}"/>
-          </ac:spMkLst>
-        </pc:spChg>
-      </pc:sldChg>
-      <pc:sldChg chg="modSp add mod">
-        <pc:chgData name="amit kubani" userId="8b53f3189c0b5b40" providerId="LiveId" clId="{66D94DF8-4FC0-4415-A6C2-F84A008B24A8}" dt="2023-02-16T22:22:03.064" v="13615" actId="20577"/>
-        <pc:sldMkLst>
-          <pc:docMk/>
-          <pc:sldMk cId="1016726235" sldId="274"/>
-        </pc:sldMkLst>
-        <pc:spChg chg="mod">
-          <ac:chgData name="amit kubani" userId="8b53f3189c0b5b40" providerId="LiveId" clId="{66D94DF8-4FC0-4415-A6C2-F84A008B24A8}" dt="2023-02-16T22:13:16.931" v="13311" actId="20577"/>
-          <ac:spMkLst>
-            <pc:docMk/>
-            <pc:sldMk cId="1016726235" sldId="274"/>
-            <ac:spMk id="2" creationId="{F25BEF12-5942-62F0-58FB-E2F6E539097D}"/>
-          </ac:spMkLst>
-        </pc:spChg>
-        <pc:spChg chg="mod">
-          <ac:chgData name="amit kubani" userId="8b53f3189c0b5b40" providerId="LiveId" clId="{66D94DF8-4FC0-4415-A6C2-F84A008B24A8}" dt="2023-02-16T22:22:03.064" v="13615" actId="20577"/>
-          <ac:spMkLst>
-            <pc:docMk/>
-            <pc:sldMk cId="1016726235" sldId="274"/>
-            <ac:spMk id="3" creationId="{74C98D58-AC5A-2F36-79C8-53C20F4A08F6}"/>
-          </ac:spMkLst>
-        </pc:spChg>
-      </pc:sldChg>
-    </pc:docChg>
-  </pc:docChgLst>
-</pc:chgInfo>
 </file>
 
 <file path=ppt/notesMasters/notesMaster1.xml><?xml version="1.0" encoding="utf-8"?>
@@ -11305,13 +10218,13 @@
         </p:nvSpPr>
         <p:spPr>
           <a:xfrm>
-            <a:off x="1063256" y="786810"/>
-            <a:ext cx="7491147" cy="1205492"/>
+            <a:off x="1063256" y="975946"/>
+            <a:ext cx="7491147" cy="1016356"/>
           </a:xfrm>
         </p:spPr>
         <p:txBody>
           <a:bodyPr>
-            <a:normAutofit/>
+            <a:normAutofit fontScale="92500" lnSpcReduction="10000"/>
           </a:bodyPr>
           <a:lstStyle/>
           <a:p>
@@ -12500,10 +11413,10 @@
       </p:pic>
       <p:sp>
         <p:nvSpPr>
-          <p:cNvPr id="13" name="כותרת 1">
+          <p:cNvPr id="3" name="מציין מיקום טקסט 8">
             <a:extLst>
               <a:ext uri="{FF2B5EF4-FFF2-40B4-BE49-F238E27FC236}">
-                <a16:creationId xmlns:a16="http://schemas.microsoft.com/office/drawing/2014/main" id="{845C5D16-B0EE-4466-2C4B-C441B0D07890}"/>
+                <a16:creationId xmlns:a16="http://schemas.microsoft.com/office/drawing/2014/main" id="{54CF3819-B642-1240-DA8B-D7CE591000A3}"/>
               </a:ext>
             </a:extLst>
           </p:cNvPr>
@@ -12514,19 +11427,15 @@
         </p:nvSpPr>
         <p:spPr>
           <a:xfrm>
-            <a:off x="1159229" y="1307849"/>
-            <a:ext cx="7346817" cy="1111057"/>
+            <a:off x="1063256" y="1521368"/>
+            <a:ext cx="7491147" cy="914100"/>
           </a:xfrm>
           <a:prstGeom prst="rect">
             <a:avLst/>
           </a:prstGeom>
-          <a:noFill/>
-          <a:ln>
-            <a:noFill/>
-          </a:ln>
         </p:spPr>
         <p:txBody>
-          <a:bodyPr spcFirstLastPara="1" wrap="square" lIns="91425" tIns="91425" rIns="91425" bIns="91425" anchor="t" anchorCtr="0">
+          <a:bodyPr>
             <a:normAutofit/>
           </a:bodyPr>
           <a:lstStyle>
@@ -12552,19 +11461,17 @@
                 <a:spcPts val="0"/>
               </a:spcAft>
               <a:buClr>
-                <a:schemeClr val="lt1"/>
+                <a:srgbClr val="000000"/>
               </a:buClr>
-              <a:buSzPts val="2400"/>
-              <a:buFont typeface="Montserrat"/>
-              <a:buNone/>
-              <a:defRPr sz="2400" b="0" i="0" u="none" strike="noStrike" cap="none">
+              <a:buFont typeface="Arial"/>
+              <a:defRPr sz="1400" b="0" i="0" u="none" strike="noStrike" cap="none">
                 <a:solidFill>
-                  <a:schemeClr val="lt1"/>
+                  <a:srgbClr val="000000"/>
                 </a:solidFill>
-                <a:latin typeface="Montserrat"/>
-                <a:ea typeface="Montserrat"/>
-                <a:cs typeface="Montserrat"/>
-                <a:sym typeface="Montserrat"/>
+                <a:latin typeface="Arial"/>
+                <a:ea typeface="Arial"/>
+                <a:cs typeface="Arial"/>
+                <a:sym typeface="Arial"/>
               </a:defRPr>
             </a:lvl1pPr>
             <a:lvl2pPr marR="0" lvl="1" algn="l" rtl="0">
@@ -12578,19 +11485,17 @@
                 <a:spcPts val="0"/>
               </a:spcAft>
               <a:buClr>
-                <a:schemeClr val="lt1"/>
+                <a:srgbClr val="000000"/>
               </a:buClr>
-              <a:buSzPts val="2400"/>
-              <a:buFont typeface="Montserrat"/>
-              <a:buNone/>
-              <a:defRPr sz="2400" b="0" i="0" u="none" strike="noStrike" cap="none">
+              <a:buFont typeface="Arial"/>
+              <a:defRPr sz="1400" b="0" i="0" u="none" strike="noStrike" cap="none">
                 <a:solidFill>
-                  <a:schemeClr val="lt1"/>
+                  <a:srgbClr val="000000"/>
                 </a:solidFill>
-                <a:latin typeface="Montserrat"/>
-                <a:ea typeface="Montserrat"/>
-                <a:cs typeface="Montserrat"/>
-                <a:sym typeface="Montserrat"/>
+                <a:latin typeface="Arial"/>
+                <a:ea typeface="Arial"/>
+                <a:cs typeface="Arial"/>
+                <a:sym typeface="Arial"/>
               </a:defRPr>
             </a:lvl2pPr>
             <a:lvl3pPr marR="0" lvl="2" algn="l" rtl="0">
@@ -12604,19 +11509,17 @@
                 <a:spcPts val="0"/>
               </a:spcAft>
               <a:buClr>
-                <a:schemeClr val="lt1"/>
+                <a:srgbClr val="000000"/>
               </a:buClr>
-              <a:buSzPts val="2400"/>
-              <a:buFont typeface="Montserrat"/>
-              <a:buNone/>
-              <a:defRPr sz="2400" b="0" i="0" u="none" strike="noStrike" cap="none">
+              <a:buFont typeface="Arial"/>
+              <a:defRPr sz="1400" b="0" i="0" u="none" strike="noStrike" cap="none">
                 <a:solidFill>
-                  <a:schemeClr val="lt1"/>
+                  <a:srgbClr val="000000"/>
                 </a:solidFill>
-                <a:latin typeface="Montserrat"/>
-                <a:ea typeface="Montserrat"/>
-                <a:cs typeface="Montserrat"/>
-                <a:sym typeface="Montserrat"/>
+                <a:latin typeface="Arial"/>
+                <a:ea typeface="Arial"/>
+                <a:cs typeface="Arial"/>
+                <a:sym typeface="Arial"/>
               </a:defRPr>
             </a:lvl3pPr>
             <a:lvl4pPr marR="0" lvl="3" algn="l" rtl="0">
@@ -12630,19 +11533,17 @@
                 <a:spcPts val="0"/>
               </a:spcAft>
               <a:buClr>
-                <a:schemeClr val="lt1"/>
+                <a:srgbClr val="000000"/>
               </a:buClr>
-              <a:buSzPts val="2400"/>
-              <a:buFont typeface="Montserrat"/>
-              <a:buNone/>
-              <a:defRPr sz="2400" b="0" i="0" u="none" strike="noStrike" cap="none">
+              <a:buFont typeface="Arial"/>
+              <a:defRPr sz="1400" b="0" i="0" u="none" strike="noStrike" cap="none">
                 <a:solidFill>
-                  <a:schemeClr val="lt1"/>
+                  <a:srgbClr val="000000"/>
                 </a:solidFill>
-                <a:latin typeface="Montserrat"/>
-                <a:ea typeface="Montserrat"/>
-                <a:cs typeface="Montserrat"/>
-                <a:sym typeface="Montserrat"/>
+                <a:latin typeface="Arial"/>
+                <a:ea typeface="Arial"/>
+                <a:cs typeface="Arial"/>
+                <a:sym typeface="Arial"/>
               </a:defRPr>
             </a:lvl4pPr>
             <a:lvl5pPr marR="0" lvl="4" algn="l" rtl="0">
@@ -12656,19 +11557,17 @@
                 <a:spcPts val="0"/>
               </a:spcAft>
               <a:buClr>
-                <a:schemeClr val="lt1"/>
+                <a:srgbClr val="000000"/>
               </a:buClr>
-              <a:buSzPts val="2400"/>
-              <a:buFont typeface="Montserrat"/>
-              <a:buNone/>
-              <a:defRPr sz="2400" b="0" i="0" u="none" strike="noStrike" cap="none">
+              <a:buFont typeface="Arial"/>
+              <a:defRPr sz="1400" b="0" i="0" u="none" strike="noStrike" cap="none">
                 <a:solidFill>
-                  <a:schemeClr val="lt1"/>
+                  <a:srgbClr val="000000"/>
                 </a:solidFill>
-                <a:latin typeface="Montserrat"/>
-                <a:ea typeface="Montserrat"/>
-                <a:cs typeface="Montserrat"/>
-                <a:sym typeface="Montserrat"/>
+                <a:latin typeface="Arial"/>
+                <a:ea typeface="Arial"/>
+                <a:cs typeface="Arial"/>
+                <a:sym typeface="Arial"/>
               </a:defRPr>
             </a:lvl5pPr>
             <a:lvl6pPr marR="0" lvl="5" algn="l" rtl="0">
@@ -12682,19 +11581,17 @@
                 <a:spcPts val="0"/>
               </a:spcAft>
               <a:buClr>
-                <a:schemeClr val="lt1"/>
+                <a:srgbClr val="000000"/>
               </a:buClr>
-              <a:buSzPts val="2400"/>
-              <a:buFont typeface="Montserrat"/>
-              <a:buNone/>
-              <a:defRPr sz="2400" b="0" i="0" u="none" strike="noStrike" cap="none">
+              <a:buFont typeface="Arial"/>
+              <a:defRPr sz="1400" b="0" i="0" u="none" strike="noStrike" cap="none">
                 <a:solidFill>
-                  <a:schemeClr val="lt1"/>
+                  <a:srgbClr val="000000"/>
                 </a:solidFill>
-                <a:latin typeface="Montserrat"/>
-                <a:ea typeface="Montserrat"/>
-                <a:cs typeface="Montserrat"/>
-                <a:sym typeface="Montserrat"/>
+                <a:latin typeface="Arial"/>
+                <a:ea typeface="Arial"/>
+                <a:cs typeface="Arial"/>
+                <a:sym typeface="Arial"/>
               </a:defRPr>
             </a:lvl6pPr>
             <a:lvl7pPr marR="0" lvl="6" algn="l" rtl="0">
@@ -12708,19 +11605,17 @@
                 <a:spcPts val="0"/>
               </a:spcAft>
               <a:buClr>
-                <a:schemeClr val="lt1"/>
+                <a:srgbClr val="000000"/>
               </a:buClr>
-              <a:buSzPts val="2400"/>
-              <a:buFont typeface="Montserrat"/>
-              <a:buNone/>
-              <a:defRPr sz="2400" b="0" i="0" u="none" strike="noStrike" cap="none">
+              <a:buFont typeface="Arial"/>
+              <a:defRPr sz="1400" b="0" i="0" u="none" strike="noStrike" cap="none">
                 <a:solidFill>
-                  <a:schemeClr val="lt1"/>
+                  <a:srgbClr val="000000"/>
                 </a:solidFill>
-                <a:latin typeface="Montserrat"/>
-                <a:ea typeface="Montserrat"/>
-                <a:cs typeface="Montserrat"/>
-                <a:sym typeface="Montserrat"/>
+                <a:latin typeface="Arial"/>
+                <a:ea typeface="Arial"/>
+                <a:cs typeface="Arial"/>
+                <a:sym typeface="Arial"/>
               </a:defRPr>
             </a:lvl7pPr>
             <a:lvl8pPr marR="0" lvl="7" algn="l" rtl="0">
@@ -12734,19 +11629,17 @@
                 <a:spcPts val="0"/>
               </a:spcAft>
               <a:buClr>
-                <a:schemeClr val="lt1"/>
+                <a:srgbClr val="000000"/>
               </a:buClr>
-              <a:buSzPts val="2400"/>
-              <a:buFont typeface="Montserrat"/>
-              <a:buNone/>
-              <a:defRPr sz="2400" b="0" i="0" u="none" strike="noStrike" cap="none">
+              <a:buFont typeface="Arial"/>
+              <a:defRPr sz="1400" b="0" i="0" u="none" strike="noStrike" cap="none">
                 <a:solidFill>
-                  <a:schemeClr val="lt1"/>
+                  <a:srgbClr val="000000"/>
                 </a:solidFill>
-                <a:latin typeface="Montserrat"/>
-                <a:ea typeface="Montserrat"/>
-                <a:cs typeface="Montserrat"/>
-                <a:sym typeface="Montserrat"/>
+                <a:latin typeface="Arial"/>
+                <a:ea typeface="Arial"/>
+                <a:cs typeface="Arial"/>
+                <a:sym typeface="Arial"/>
               </a:defRPr>
             </a:lvl8pPr>
             <a:lvl9pPr marR="0" lvl="8" algn="l" rtl="0">
@@ -12760,69 +11653,62 @@
                 <a:spcPts val="0"/>
               </a:spcAft>
               <a:buClr>
-                <a:schemeClr val="lt1"/>
+                <a:srgbClr val="000000"/>
               </a:buClr>
-              <a:buSzPts val="2400"/>
-              <a:buFont typeface="Montserrat"/>
-              <a:buNone/>
-              <a:defRPr sz="2400" b="0" i="0" u="none" strike="noStrike" cap="none">
+              <a:buFont typeface="Arial"/>
+              <a:defRPr sz="1400" b="0" i="0" u="none" strike="noStrike" cap="none">
                 <a:solidFill>
-                  <a:schemeClr val="lt1"/>
+                  <a:srgbClr val="000000"/>
                 </a:solidFill>
-                <a:latin typeface="Montserrat"/>
-                <a:ea typeface="Montserrat"/>
-                <a:cs typeface="Montserrat"/>
-                <a:sym typeface="Montserrat"/>
+                <a:latin typeface="Arial"/>
+                <a:ea typeface="Arial"/>
+                <a:cs typeface="Arial"/>
+                <a:sym typeface="Arial"/>
               </a:defRPr>
             </a:lvl9pPr>
           </a:lstStyle>
           <a:p>
-            <a:pPr algn="r" rtl="1"/>
-            <a:r>
-              <a:rPr lang="he-IL" sz="1600" dirty="0">
-                <a:latin typeface="Lato" panose="020F0502020204030203" pitchFamily="34" charset="0"/>
-                <a:ea typeface="Lato" panose="020F0502020204030203" pitchFamily="34" charset="0"/>
-                <a:cs typeface="+mj-cs"/>
+            <a:pPr marL="146050" algn="r" rtl="1"/>
+            <a:r>
+              <a:rPr lang="he-IL" dirty="0">
+                <a:solidFill>
+                  <a:schemeClr val="bg1"/>
+                </a:solidFill>
               </a:rPr>
               <a:t>השתמשנו במדד </a:t>
             </a:r>
             <a:r>
-              <a:rPr lang="he-IL" sz="1600" dirty="0" err="1">
-                <a:latin typeface="Lato" panose="020F0502020204030203" pitchFamily="34" charset="0"/>
-                <a:ea typeface="Lato" panose="020F0502020204030203" pitchFamily="34" charset="0"/>
-                <a:cs typeface="+mj-cs"/>
+              <a:rPr lang="he-IL" dirty="0" err="1">
+                <a:solidFill>
+                  <a:schemeClr val="bg1"/>
+                </a:solidFill>
               </a:rPr>
               <a:t>ג'יני</a:t>
             </a:r>
             <a:r>
-              <a:rPr lang="he-IL" sz="1600" dirty="0">
-                <a:latin typeface="Lato" panose="020F0502020204030203" pitchFamily="34" charset="0"/>
-                <a:ea typeface="Lato" panose="020F0502020204030203" pitchFamily="34" charset="0"/>
-                <a:cs typeface="+mj-cs"/>
-              </a:rPr>
-              <a:t> למציאת פיצול אופטימלי בצמתי העץ במקום במדד האנטרופיה שנלמד בכיתה. כמו כן עומק העץ המקסימלי שנותן את התוצאות הטובות ביותר לרשום מטה. ניתן לראות שהאלגוריתם נותן תוצאות דומות כמו </a:t>
-            </a:r>
-            <a:r>
-              <a:rPr lang="en-US" sz="1600" dirty="0">
-                <a:latin typeface="Lato" panose="020F0502020204030203" pitchFamily="34" charset="0"/>
-                <a:ea typeface="Lato" panose="020F0502020204030203" pitchFamily="34" charset="0"/>
-                <a:cs typeface="Lato" panose="020F0502020204030203" pitchFamily="34" charset="0"/>
-              </a:rPr>
-              <a:t>logistic regression </a:t>
-            </a:r>
-            <a:r>
-              <a:rPr lang="he-IL" sz="1600" dirty="0">
-                <a:latin typeface="Lato" panose="020F0502020204030203" pitchFamily="34" charset="0"/>
-                <a:ea typeface="Lato" panose="020F0502020204030203" pitchFamily="34" charset="0"/>
-                <a:cs typeface="+mj-cs"/>
-              </a:rPr>
-              <a:t> מבחינת המדדים הסטטיסטים.</a:t>
-            </a:r>
-            <a:endParaRPr lang="he-IL" sz="1800" dirty="0">
-              <a:latin typeface="Lato" panose="020F0502020204030203" pitchFamily="34" charset="0"/>
-              <a:ea typeface="Lato" panose="020F0502020204030203" pitchFamily="34" charset="0"/>
-              <a:cs typeface="+mj-cs"/>
-            </a:endParaRPr>
+              <a:rPr lang="he-IL" dirty="0">
+                <a:solidFill>
+                  <a:schemeClr val="bg1"/>
+                </a:solidFill>
+              </a:rPr>
+              <a:t> למציאת פיצול אופטימלי בצמתי העץ במקום במדד האנטרופיה שנלמד בכיתה. כמו כן עומק העץ המקסימלי שנותן את התוצאות הטובות ביותר. ניתן לראות שהאלגוריתם נותן תוצאות דומות כמו </a:t>
+            </a:r>
+            <a:r>
+              <a:rPr lang="en-US" dirty="0">
+                <a:solidFill>
+                  <a:schemeClr val="bg1"/>
+                </a:solidFill>
+              </a:rPr>
+              <a:t>logistic regression  </a:t>
+            </a:r>
+            <a:r>
+              <a:rPr lang="he-IL" dirty="0">
+                <a:solidFill>
+                  <a:schemeClr val="bg1"/>
+                </a:solidFill>
+              </a:rPr>
+              <a:t>מבחינת המדדים הסטטיסטים.</a:t>
+            </a:r>
           </a:p>
         </p:txBody>
       </p:sp>
@@ -12912,8 +11798,8 @@
         </p:nvSpPr>
         <p:spPr>
           <a:xfrm>
-            <a:off x="1159229" y="723014"/>
-            <a:ext cx="7729589" cy="1498936"/>
+            <a:off x="1159229" y="967154"/>
+            <a:ext cx="7729589" cy="1254796"/>
           </a:xfrm>
           <a:prstGeom prst="rect">
             <a:avLst/>
@@ -14059,7 +12945,7 @@
             </a:r>
             <a:r>
               <a:rPr lang="he-IL" sz="1400" dirty="0">
-                <a:hlinkClick r:id="rId2"/>
+                <a:hlinkClick r:id="rId5"/>
               </a:rPr>
               <a:t>קישור</a:t>
             </a:r>
@@ -14073,7 +12959,7 @@
             </a:r>
             <a:r>
               <a:rPr lang="he-IL" sz="1400" dirty="0">
-                <a:hlinkClick r:id="rId5"/>
+                <a:hlinkClick r:id="rId6"/>
               </a:rPr>
               <a:t>קישור</a:t>
             </a:r>
@@ -14171,8 +13057,8 @@
         </p:nvSpPr>
         <p:spPr>
           <a:xfrm>
-            <a:off x="314893" y="1567550"/>
-            <a:ext cx="8465769" cy="2911200"/>
+            <a:off x="314893" y="2004646"/>
+            <a:ext cx="8465769" cy="2474104"/>
           </a:xfrm>
           <a:prstGeom prst="rect">
             <a:avLst/>
@@ -14394,8 +13280,8 @@
         </p:nvSpPr>
         <p:spPr>
           <a:xfrm>
-            <a:off x="314893" y="1441240"/>
-            <a:ext cx="8465769" cy="3621266"/>
+            <a:off x="314893" y="2022230"/>
+            <a:ext cx="8465769" cy="3040275"/>
           </a:xfrm>
           <a:prstGeom prst="rect">
             <a:avLst/>
@@ -14735,8 +13621,8 @@
         </p:nvSpPr>
         <p:spPr>
           <a:xfrm>
-            <a:off x="314893" y="1750077"/>
-            <a:ext cx="8465769" cy="3312429"/>
+            <a:off x="314893" y="1872762"/>
+            <a:ext cx="8465769" cy="3189744"/>
           </a:xfrm>
           <a:prstGeom prst="rect">
             <a:avLst/>
@@ -15119,8 +14005,8 @@
         </p:nvSpPr>
         <p:spPr>
           <a:xfrm>
-            <a:off x="314893" y="987068"/>
-            <a:ext cx="8465769" cy="3712100"/>
+            <a:off x="314893" y="1307850"/>
+            <a:ext cx="8465769" cy="3835650"/>
           </a:xfrm>
           <a:prstGeom prst="rect">
             <a:avLst/>
@@ -15128,7 +14014,7 @@
         </p:spPr>
         <p:txBody>
           <a:bodyPr spcFirstLastPara="1" wrap="square" lIns="91425" tIns="91425" rIns="91425" bIns="91425" anchor="t" anchorCtr="0">
-            <a:normAutofit fontScale="92500"/>
+            <a:normAutofit lnSpcReduction="10000"/>
           </a:bodyPr>
           <a:lstStyle/>
           <a:p>
@@ -15500,8 +14386,8 @@
         </p:nvSpPr>
         <p:spPr>
           <a:xfrm>
-            <a:off x="314893" y="987068"/>
-            <a:ext cx="8465769" cy="3712100"/>
+            <a:off x="314893" y="1617784"/>
+            <a:ext cx="8465769" cy="3081383"/>
           </a:xfrm>
           <a:prstGeom prst="rect">
             <a:avLst/>
@@ -15790,8 +14676,8 @@
         </p:nvSpPr>
         <p:spPr>
           <a:xfrm>
-            <a:off x="314893" y="987068"/>
-            <a:ext cx="8465769" cy="3712100"/>
+            <a:off x="314893" y="1749668"/>
+            <a:ext cx="8465769" cy="2949499"/>
           </a:xfrm>
           <a:prstGeom prst="rect">
             <a:avLst/>
@@ -15799,7 +14685,7 @@
         </p:spPr>
         <p:txBody>
           <a:bodyPr spcFirstLastPara="1" wrap="square" lIns="91425" tIns="91425" rIns="91425" bIns="91425" anchor="t" anchorCtr="0">
-            <a:normAutofit lnSpcReduction="10000"/>
+            <a:normAutofit/>
           </a:bodyPr>
           <a:lstStyle/>
           <a:p>
@@ -15809,97 +14695,109 @@
               </a:spcAft>
             </a:pPr>
             <a:r>
-              <a:rPr lang="he-IL" sz="1800" dirty="0">
+              <a:rPr lang="he-IL" sz="1400" dirty="0">
                 <a:latin typeface="Montserrat" pitchFamily="2" charset="77"/>
               </a:rPr>
-              <a:t>מכיוון שהמידע שלנו מורכב של  הרצנו את האלגוריתם עם </a:t>
-            </a:r>
-            <a:r>
-              <a:rPr lang="en-US" sz="1800" dirty="0">
+              <a:t>מכיוון שהמידע שלנו מורכב מפיצ׳רים </a:t>
+            </a:r>
+            <a:r>
+              <a:rPr lang="he-IL" sz="1400" dirty="0" err="1">
                 <a:latin typeface="Montserrat" pitchFamily="2" charset="77"/>
               </a:rPr>
+              <a:t>במימד</a:t>
+            </a:r>
+            <a:r>
+              <a:rPr lang="he-IL" sz="1400" dirty="0">
+                <a:latin typeface="Montserrat" pitchFamily="2" charset="77"/>
+              </a:rPr>
+              <a:t> גבוה מה שיכול לגרום ללמידה להיות מסובכת, הרצנו את האלגוריתם עם </a:t>
+            </a:r>
+            <a:r>
+              <a:rPr lang="en-US" sz="1400" dirty="0">
+                <a:latin typeface="Montserrat" pitchFamily="2" charset="77"/>
+              </a:rPr>
               <a:t>Ridge Regularization </a:t>
             </a:r>
             <a:r>
-              <a:rPr lang="he-IL" sz="1800" dirty="0">
+              <a:rPr lang="he-IL" sz="1400" dirty="0">
                 <a:latin typeface="Montserrat" pitchFamily="2" charset="77"/>
               </a:rPr>
               <a:t> שמנסה לאזן בין המזעור של ה-</a:t>
             </a:r>
             <a:r>
-              <a:rPr lang="en-US" sz="1800" dirty="0">
+              <a:rPr lang="en-US" sz="1400" dirty="0">
                 <a:latin typeface="Montserrat" pitchFamily="2" charset="77"/>
               </a:rPr>
               <a:t>loss</a:t>
             </a:r>
             <a:r>
-              <a:rPr lang="he-IL" sz="1800" dirty="0">
+              <a:rPr lang="he-IL" sz="1400" dirty="0">
                 <a:latin typeface="Montserrat" pitchFamily="2" charset="77"/>
               </a:rPr>
               <a:t> של הסיכון האמפירי וגם של הווקטור.  בנוסף קבענו</a:t>
             </a:r>
             <a:r>
-              <a:rPr lang="en-US" sz="1800" dirty="0">
+              <a:rPr lang="en-US" sz="1400" dirty="0">
                 <a:latin typeface="Montserrat" pitchFamily="2" charset="77"/>
               </a:rPr>
               <a:t>learning rate =0.1 </a:t>
             </a:r>
             <a:r>
-              <a:rPr lang="he-IL" sz="1800" dirty="0">
+              <a:rPr lang="he-IL" sz="1400" dirty="0">
                 <a:latin typeface="Montserrat" pitchFamily="2" charset="77"/>
               </a:rPr>
               <a:t> ומגוון ערכי</a:t>
             </a:r>
             <a:r>
-              <a:rPr lang="en-US" sz="1800" dirty="0" err="1">
+              <a:rPr lang="en-US" sz="1400" dirty="0" err="1">
                 <a:latin typeface="Montserrat" pitchFamily="2" charset="77"/>
               </a:rPr>
               <a:t>c_value</a:t>
             </a:r>
             <a:r>
-              <a:rPr lang="en-US" sz="1800" dirty="0">
+              <a:rPr lang="en-US" sz="1400" dirty="0">
                 <a:latin typeface="Montserrat" pitchFamily="2" charset="77"/>
               </a:rPr>
               <a:t> </a:t>
             </a:r>
             <a:r>
-              <a:rPr lang="he-IL" sz="1800" dirty="0">
+              <a:rPr lang="he-IL" sz="1400" dirty="0">
                 <a:latin typeface="Montserrat" pitchFamily="2" charset="77"/>
               </a:rPr>
               <a:t> שונים שקטנים מ1 בשביל להגדיל את ההשפעה של </a:t>
             </a:r>
             <a:r>
-              <a:rPr lang="en-US" sz="1800" dirty="0" err="1">
+              <a:rPr lang="en-US" sz="1400" dirty="0" err="1">
                 <a:latin typeface="Montserrat" pitchFamily="2" charset="77"/>
               </a:rPr>
               <a:t>Regularizer</a:t>
             </a:r>
             <a:r>
-              <a:rPr lang="he-IL" sz="1800" dirty="0">
+              <a:rPr lang="he-IL" sz="1400" dirty="0">
                 <a:latin typeface="Montserrat" pitchFamily="2" charset="77"/>
               </a:rPr>
               <a:t>. פרמטר </a:t>
             </a:r>
             <a:r>
-              <a:rPr lang="en-US" sz="1800" dirty="0" err="1">
+              <a:rPr lang="en-US" sz="1400" dirty="0" err="1">
                 <a:latin typeface="Montserrat" pitchFamily="2" charset="77"/>
               </a:rPr>
               <a:t>c_value</a:t>
             </a:r>
             <a:r>
-              <a:rPr lang="he-IL" sz="1800" dirty="0">
+              <a:rPr lang="he-IL" sz="1400" dirty="0">
                 <a:latin typeface="Montserrat" pitchFamily="2" charset="77"/>
               </a:rPr>
               <a:t> מקטין את ההשפעה של </a:t>
             </a:r>
             <a:r>
-              <a:rPr lang="en-US" sz="1800" dirty="0" err="1">
+              <a:rPr lang="en-US" sz="1400" dirty="0" err="1">
                 <a:latin typeface="Montserrat" pitchFamily="2" charset="77"/>
               </a:rPr>
               <a:t>Regularizer</a:t>
             </a:r>
             <a:r>
-              <a:rPr lang="he-IL" sz="1800" dirty="0">
+              <a:rPr lang="he-IL" sz="1400" dirty="0">
                 <a:latin typeface="Montserrat" pitchFamily="2" charset="77"/>
               </a:rPr>
               <a:t> ביחס הפוך לערך שלו.</a:t>
@@ -15912,7 +14810,7 @@
               </a:spcAft>
             </a:pPr>
             <a:r>
-              <a:rPr lang="he-IL" sz="1800" dirty="0">
+              <a:rPr lang="he-IL" sz="1400" dirty="0">
                 <a:latin typeface="Montserrat" pitchFamily="2" charset="77"/>
               </a:rPr>
               <a:t>הפרמטרים שהביאו את התוצאות המקסימליות: </a:t>
@@ -15925,24 +14823,24 @@
               </a:spcAft>
             </a:pPr>
             <a:r>
-              <a:rPr lang="sv-SE" sz="1800" dirty="0">
+              <a:rPr lang="sv-SE" sz="1400" dirty="0">
                 <a:latin typeface="Montserrat" pitchFamily="2" charset="77"/>
               </a:rPr>
               <a:t>C</a:t>
             </a:r>
             <a:r>
-              <a:rPr lang="en-US" sz="1800" dirty="0">
+              <a:rPr lang="en-US" sz="1400" dirty="0">
                 <a:latin typeface="Montserrat" pitchFamily="2" charset="77"/>
               </a:rPr>
               <a:t>_value:</a:t>
             </a:r>
             <a:r>
-              <a:rPr lang="sv-SE" sz="1800" dirty="0">
+              <a:rPr lang="sv-SE" sz="1400" dirty="0">
                 <a:latin typeface="Montserrat" pitchFamily="2" charset="77"/>
               </a:rPr>
               <a:t> 0.7462138628,   </a:t>
             </a:r>
-            <a:endParaRPr lang="he-IL" sz="1800" dirty="0">
+            <a:endParaRPr lang="he-IL" sz="1400" dirty="0">
               <a:latin typeface="Montserrat" pitchFamily="2" charset="77"/>
             </a:endParaRPr>
           </a:p>
@@ -15953,12 +14851,12 @@
               </a:spcAft>
             </a:pPr>
             <a:r>
-              <a:rPr lang="sv-SE" sz="1800" dirty="0">
+              <a:rPr lang="sv-SE" sz="1400" dirty="0">
                 <a:latin typeface="Montserrat" pitchFamily="2" charset="77"/>
               </a:rPr>
               <a:t>             epsilon: 0.001</a:t>
             </a:r>
-            <a:endParaRPr lang="he-IL" sz="1800" dirty="0">
+            <a:endParaRPr lang="he-IL" sz="1400" dirty="0">
               <a:latin typeface="Montserrat" pitchFamily="2" charset="77"/>
             </a:endParaRPr>
           </a:p>
@@ -15969,12 +14867,12 @@
               </a:spcAft>
             </a:pPr>
             <a:r>
-              <a:rPr lang="sv-SE" sz="1800" dirty="0">
+              <a:rPr lang="sv-SE" sz="1400" dirty="0">
                 <a:latin typeface="Montserrat" pitchFamily="2" charset="77"/>
               </a:rPr>
               <a:t>               random_state_val: 1</a:t>
             </a:r>
-            <a:endParaRPr lang="he-IL" sz="1800" dirty="0">
+            <a:endParaRPr lang="he-IL" sz="1400" dirty="0">
               <a:latin typeface="Montserrat" pitchFamily="2" charset="77"/>
             </a:endParaRPr>
           </a:p>
@@ -15984,7 +14882,7 @@
                 <a:spcPts val="1200"/>
               </a:spcAft>
             </a:pPr>
-            <a:endParaRPr lang="he-IL" sz="1800" dirty="0">
+            <a:endParaRPr lang="he-IL" sz="1400" dirty="0">
               <a:latin typeface="Montserrat" pitchFamily="2" charset="77"/>
             </a:endParaRPr>
           </a:p>

--- a/Enhancing Mobile Security through Machine Learning_ A Study on Android Malware Detection.pptx
+++ b/Enhancing Mobile Security through Machine Learning_ A Study on Android Malware Detection.pptx
@@ -10233,7 +10233,7 @@
             </a:pPr>
             <a:r>
               <a:rPr lang="he-IL" sz="1400" dirty="0"/>
-              <a:t>אפשר לראות שהאלגוריתם השיג תוצאות פחות טובות מה</a:t>
+              <a:t>ניתן לראות שהאלגוריתם השיג תוצאות פחות טובות מה</a:t>
             </a:r>
             <a:r>
               <a:rPr lang="en-US" sz="1400" dirty="0"/>
@@ -10257,7 +10257,7 @@
             </a:r>
             <a:r>
               <a:rPr lang="he-IL" sz="1400" dirty="0"/>
-              <a:t> ניתן לראות בנוסף שקיבלנו</a:t>
+              <a:t> בנוסף ניתן לראות שקיבלנו</a:t>
             </a:r>
             <a:r>
               <a:rPr lang="en-US" sz="1400" dirty="0"/>
@@ -10295,7 +10295,10 @@
               <a:rPr lang="en-US" sz="1400" dirty="0"/>
               <a:t>benign</a:t>
             </a:r>
-            <a:endParaRPr lang="he-IL" sz="1400" dirty="0"/>
+            <a:r>
+              <a:rPr lang="he-IL" sz="1400" dirty="0"/>
+              <a:t>.</a:t>
+            </a:r>
           </a:p>
         </p:txBody>
       </p:sp>
@@ -11691,23 +11694,53 @@
                   <a:schemeClr val="bg1"/>
                 </a:solidFill>
               </a:rPr>
-              <a:t> למציאת פיצול אופטימלי בצמתי העץ במקום במדד האנטרופיה שנלמד בכיתה. כמו כן עומק העץ המקסימלי שנותן את התוצאות הטובות ביותר. ניתן לראות שהאלגוריתם נותן תוצאות דומות כמו </a:t>
-            </a:r>
-            <a:r>
+              <a:t> למציאת פיצול אופטימלי בצמתי העץ במקום במדד האנטרופיה שנלמד בכיתה. </a:t>
+            </a:r>
+            <a:br>
               <a:rPr lang="en-US" dirty="0">
                 <a:solidFill>
                   <a:schemeClr val="bg1"/>
                 </a:solidFill>
               </a:rPr>
-              <a:t>logistic regression  </a:t>
-            </a:r>
+            </a:br>
             <a:r>
               <a:rPr lang="he-IL" dirty="0">
                 <a:solidFill>
                   <a:schemeClr val="bg1"/>
                 </a:solidFill>
               </a:rPr>
-              <a:t>מבחינת המדדים הסטטיסטים.</a:t>
+              <a:t>כמו כן עומק העץ המקסימלי שנותן את התוצאות הטובות ביותר. </a:t>
+            </a:r>
+            <a:br>
+              <a:rPr lang="en-US" dirty="0">
+                <a:solidFill>
+                  <a:schemeClr val="bg1"/>
+                </a:solidFill>
+              </a:rPr>
+            </a:br>
+            <a:r>
+              <a:rPr lang="he-IL" dirty="0">
+                <a:solidFill>
+                  <a:schemeClr val="bg1"/>
+                </a:solidFill>
+              </a:rPr>
+              <a:t>ניתן לראות שהאלגוריתם נותן תוצאות דומות כמו </a:t>
+            </a:r>
+            <a:r>
+              <a:rPr lang="en-US" dirty="0">
+                <a:solidFill>
+                  <a:schemeClr val="bg1"/>
+                </a:solidFill>
+              </a:rPr>
+              <a:t>logistic regression</a:t>
+            </a:r>
+            <a:r>
+              <a:rPr lang="he-IL" dirty="0">
+                <a:solidFill>
+                  <a:schemeClr val="bg1"/>
+                </a:solidFill>
+              </a:rPr>
+              <a:t> מבחינת המדדים הסטטיסטים.</a:t>
             </a:r>
           </a:p>
         </p:txBody>
@@ -12071,7 +12104,7 @@
                 <a:ea typeface="Lato" panose="020F0502020204030203" pitchFamily="34" charset="0"/>
                 <a:cs typeface="+mj-cs"/>
               </a:rPr>
-              <a:t>למדנו שהאלגוריתם הזה עובד היטב עם נתונים לא מבניים כמו טקסט, תמונות </a:t>
+              <a:t>למדנו שאלגוריתם זה עובד היטב עם נתונים לא מבניים כמו טקסט, תמונות </a:t>
             </a:r>
             <a:r>
               <a:rPr lang="he-IL" sz="1600" dirty="0" err="1">
@@ -12098,23 +12131,7 @@
                 <a:ea typeface="Lato" panose="020F0502020204030203" pitchFamily="34" charset="0"/>
                 <a:cs typeface="+mj-cs"/>
               </a:rPr>
-              <a:t>לאחר חיפוש באינטרנט החלטנו להשתמש ב</a:t>
-            </a:r>
-            <a:r>
-              <a:rPr lang="en-US" sz="1600" dirty="0">
-                <a:latin typeface="Lato" panose="020F0502020204030203" pitchFamily="34" charset="0"/>
-                <a:ea typeface="Lato" panose="020F0502020204030203" pitchFamily="34" charset="0"/>
-                <a:cs typeface="Lato" panose="020F0502020204030203" pitchFamily="34" charset="0"/>
-              </a:rPr>
-              <a:t> </a:t>
-            </a:r>
-            <a:r>
-              <a:rPr lang="he-IL" sz="1600" dirty="0">
-                <a:latin typeface="Lato" panose="020F0502020204030203" pitchFamily="34" charset="0"/>
-                <a:ea typeface="Lato" panose="020F0502020204030203" pitchFamily="34" charset="0"/>
-                <a:cs typeface="+mj-cs"/>
-              </a:rPr>
-              <a:t> </a:t>
+              <a:t>לאחר חיפוש באינטרנט החלטנו להשתמש ב </a:t>
             </a:r>
             <a:r>
               <a:rPr lang="en-US" sz="1600" dirty="0">
@@ -12176,7 +12193,7 @@
                 <a:ea typeface="Lato" panose="020F0502020204030203" pitchFamily="34" charset="0"/>
                 <a:cs typeface="+mj-cs"/>
               </a:rPr>
-              <a:t>קראנו בנוסף שהסיכוי ל</a:t>
+              <a:t>קראנו בנוסף שהסיכוי ל-</a:t>
             </a:r>
             <a:r>
               <a:rPr lang="en-US" sz="1600" dirty="0">
@@ -12399,7 +12416,7 @@
         </p:spPr>
         <p:txBody>
           <a:bodyPr>
-            <a:normAutofit lnSpcReduction="10000"/>
+            <a:normAutofit/>
           </a:bodyPr>
           <a:lstStyle/>
           <a:p>
@@ -12462,18 +12479,12 @@
             </a:r>
             <a:r>
               <a:rPr lang="he-IL" sz="1400" dirty="0"/>
-              <a:t> , נעזרנו באינטרנט ובמדריכים שונים המסבירים כיצד להשתמש בספריית</a:t>
+              <a:t>, נעזרנו באינטרנט ובמדריכים שונים המסבירים כיצד להשתמש בספריית</a:t>
             </a:r>
             <a:r>
               <a:rPr lang="en-US" sz="1400" dirty="0"/>
               <a:t>Scikit-learn </a:t>
             </a:r>
-          </a:p>
-          <a:p>
-            <a:pPr marL="488950" indent="-342900" algn="r" rtl="1">
-              <a:buFont typeface="+mj-lt"/>
-              <a:buAutoNum type="arabicPeriod"/>
-            </a:pPr>
             <a:endParaRPr lang="he-IL" sz="1400" dirty="0"/>
           </a:p>
           <a:p>
@@ -12513,7 +12524,7 @@
             </a:r>
             <a:r>
               <a:rPr lang="en-US" sz="1400" dirty="0"/>
-              <a:t> data</a:t>
+              <a:t>data</a:t>
             </a:r>
             <a:r>
               <a:rPr lang="he-IL" sz="1400" dirty="0"/>
@@ -12541,7 +12552,7 @@
             </a:r>
             <a:r>
               <a:rPr lang="he-IL" sz="1400" dirty="0"/>
-              <a:t>)</a:t>
+              <a:t>).</a:t>
             </a:r>
           </a:p>
         </p:txBody>
@@ -12643,7 +12654,7 @@
             </a:pPr>
             <a:r>
               <a:rPr lang="he-IL" sz="1600" dirty="0"/>
-              <a:t>אובייקט הפיצ'רים עבור כל אפליקציה היה צריך להיות בפורמט אחיד עבור כלל האפליקציות מבחינת השדות שהיו בכל אובייקט(מילוי שדות חסרים בערך 0) .</a:t>
+              <a:t>אובייקט הפיצ'רים עבור כל אפליקציה היה צריך להיות בפורמט אחיד עבור כלל האפליקציות מבחינת השדות שהיו בכל אובייקט(מילוי שדות חסרים בערך 0).</a:t>
             </a:r>
           </a:p>
           <a:p>
@@ -12660,7 +12671,7 @@
             </a:pPr>
             <a:r>
               <a:rPr lang="he-IL" sz="1600" dirty="0"/>
-              <a:t>היו 22,383 פיצ'רים ולכן הזמן ריצה של האלגוריתמים הצריך מכונה חזקה והמון זמן עיבוד של המידע</a:t>
+              <a:t>היו 22,383 פיצ'רים ולכן הזמן ריצה של האלגוריתמים הצריך מכונה חזקה והמון זמן עיבוד של המידע.</a:t>
             </a:r>
             <a:br>
               <a:rPr lang="en-US" sz="1600" dirty="0"/>
@@ -12778,7 +12789,14 @@
             <a:pPr algn="r" rtl="1"/>
             <a:r>
               <a:rPr lang="he-IL" sz="1400" dirty="0"/>
-              <a:t>סינון המידע וצמצום כמות הפיצ'רים כך שהפיצ'רים שיופיעו יהיו פיצ'רים שייצגו בצורה הטובה ביותר את התכונות של כל אפליקציה ויהיו רלוונטיות לאלגוריתמי הלמידה. דבר זה יוביל לצמצום את זמני הריצה ואיכות הלמידה של האלגוריתמים. </a:t>
+              <a:t>סינון המידע וצמצום כמות הפיצ'רים כך שהפיצ'רים שיופיעו יהיו פיצ'רים שייצגו בצורה הטובה ביותר את התכונות של כל אפליקציה ויהיו רלוונטיות לאלגוריתמי הלמידה. </a:t>
+            </a:r>
+            <a:br>
+              <a:rPr lang="en-US" sz="1400" dirty="0"/>
+            </a:br>
+            <a:r>
+              <a:rPr lang="he-IL" sz="1400" dirty="0"/>
+              <a:t>דבר זה יוביל לצמצום את זמני הריצה ואיכות הלמידה של האלגוריתמים. </a:t>
             </a:r>
           </a:p>
           <a:p>
@@ -12800,7 +12818,7 @@
             </a:r>
             <a:r>
               <a:rPr lang="he-IL" sz="1400" dirty="0"/>
-              <a:t> לפי סוג התיוג. התוצאות שראינו העידו על כך שקיימים פיצ'רים שפחות רלוונטיים לתיוג האפליקציה. כמובן שניתן לבצע מחקר מעמיק יותר.</a:t>
+              <a:t> לפי סוג התיוג. התוצאות שראינו העידו על כך שקיימים פיצ'רים שפחות רלוונטיים לתיוג האפליקציה, כמובן שניתן לבצע מחקר מעמיק יותר.</a:t>
             </a:r>
           </a:p>
         </p:txBody>
@@ -13091,7 +13109,18 @@
               <a:rPr lang="he-IL" sz="1120" dirty="0">
                 <a:latin typeface="Lat\"/>
               </a:rPr>
-              <a:t>) כזדוניות או שפריות. השתמשנו במערך נתונים של 4591 אפליקציות והרצנו עליו מודלים שונים של למידת מכונה. </a:t>
+              <a:t>) כזדוניות או שפריות. </a:t>
+            </a:r>
+            <a:br>
+              <a:rPr lang="en-US" sz="1120" dirty="0">
+                <a:latin typeface="Lat\"/>
+              </a:rPr>
+            </a:br>
+            <a:r>
+              <a:rPr lang="he-IL" sz="1120" dirty="0">
+                <a:latin typeface="Lat\"/>
+              </a:rPr>
+              <a:t>השתמשנו במערך נתונים של 4591 אפליקציות והרצנו עליו מודלים שונים של למידת מכונה. </a:t>
             </a:r>
           </a:p>
           <a:p>
@@ -13104,19 +13133,7 @@
               <a:rPr lang="he-IL" sz="1120" dirty="0">
                 <a:latin typeface="Lat\"/>
               </a:rPr>
-              <a:t>בעיה זו תופסת תאוצה ותוספת נפח רחב בעולמות אבטחת המידע מכיוון שרוב חברות הטכנולוגיה מביאות פתרונות </a:t>
-            </a:r>
-            <a:r>
-              <a:rPr lang="he-IL" sz="1120" dirty="0" err="1">
-                <a:latin typeface="Lat\"/>
-              </a:rPr>
-              <a:t>וישומים</a:t>
-            </a:r>
-            <a:r>
-              <a:rPr lang="he-IL" sz="1120" dirty="0">
-                <a:latin typeface="Lat\"/>
-              </a:rPr>
-              <a:t> טכנולוגים למשתמשי קצה באמצעות אפליקציות ייעודיות למובייל ואתרים </a:t>
+              <a:t>בעיה זו תופסת תאוצה ותוספת נפח רחב בעולמות אבטחת המידע מכיוון שרוב חברות הטכנולוגיה מביאות פתרונות ויישומים טכנולוגים למשתמשי קצה באמצעות אפליקציות ייעודיות למובייל ואתרים </a:t>
             </a:r>
             <a:r>
               <a:rPr lang="he-IL" sz="1120" dirty="0" err="1">
@@ -13166,7 +13183,7 @@
               <a:rPr lang="he-IL" sz="1120" dirty="0">
                 <a:latin typeface="Lat\"/>
               </a:rPr>
-              <a:t> לכל אפליקציה מכילה 22,383 רשומות של פיצ'רים בינאריים כאשר 1 מייצג שהאפליקציה מכילה את הפיצ'ר הנתון, אחרת 0.</a:t>
+              <a:t> כל אפליקציה מכילה 22,383 רשומות של פיצ'רים בינאריים כאשר 1 מייצג שהאפליקציה מכילה את הפיצ'ר הנתון, אחרת 0.</a:t>
             </a:r>
           </a:p>
           <a:p>
@@ -13289,7 +13306,7 @@
         </p:spPr>
         <p:txBody>
           <a:bodyPr spcFirstLastPara="1" wrap="square" lIns="91425" tIns="91425" rIns="91425" bIns="91425" anchor="t" anchorCtr="0">
-            <a:normAutofit/>
+            <a:normAutofit lnSpcReduction="10000"/>
           </a:bodyPr>
           <a:lstStyle/>
           <a:p>
@@ -13302,7 +13319,18 @@
               <a:rPr lang="he-IL" sz="1120" dirty="0">
                 <a:latin typeface="Montserrat" pitchFamily="2" charset="77"/>
               </a:rPr>
-              <a:t>הרשומות של הפיצ'רים מחולקות ל10 קטגוריות שונות.  כל קטגוריה מכילה פיצ'רים בינאריים שמתארים תכונות שקיימות באפליקציה. הקטגוריות הן:</a:t>
+              <a:t>הרשומות של הפיצ'רים מחולקות ל10 קטגוריות שונות.  </a:t>
+            </a:r>
+            <a:br>
+              <a:rPr lang="en-US" sz="1120" dirty="0">
+                <a:latin typeface="Montserrat" pitchFamily="2" charset="77"/>
+              </a:rPr>
+            </a:br>
+            <a:r>
+              <a:rPr lang="he-IL" sz="1120" dirty="0">
+                <a:latin typeface="Montserrat" pitchFamily="2" charset="77"/>
+              </a:rPr>
+              <a:t>כל קטגוריה מכילה פיצ'רים בינאריים שמתארים תכונות שקיימות באפליקציה. הקטגוריות הן:</a:t>
             </a:r>
           </a:p>
           <a:p>
@@ -13621,8 +13649,8 @@
         </p:nvSpPr>
         <p:spPr>
           <a:xfrm>
-            <a:off x="314893" y="1872762"/>
-            <a:ext cx="8465769" cy="3189744"/>
+            <a:off x="314893" y="1455821"/>
+            <a:ext cx="8465769" cy="3606685"/>
           </a:xfrm>
           <a:prstGeom prst="rect">
             <a:avLst/>
@@ -13652,16 +13680,10 @@
               <a:t>- </a:t>
             </a:r>
             <a:r>
-              <a:rPr lang="he-IL" sz="1120" b="1" dirty="0">
-                <a:latin typeface="Montserrat" pitchFamily="2" charset="77"/>
-              </a:rPr>
-              <a:t> </a:t>
-            </a:r>
-            <a:r>
               <a:rPr lang="he-IL" sz="1120" dirty="0">
                 <a:latin typeface="Montserrat" pitchFamily="2" charset="77"/>
               </a:rPr>
-              <a:t>אלו הם המסכים או רכיבי ממשק המשתמש המרכיבים אפליקציה עבור משתמשי הקצה. לדוג': </a:t>
+              <a:t>הם המסכים או רכיבי ממשק המשתמש המרכיבים אפליקציה עבור משתמשי הקצה. לדוג': </a:t>
             </a:r>
             <a:endParaRPr lang="en-US" sz="1120" u="sng" dirty="0">
               <a:latin typeface="Montserrat" pitchFamily="2" charset="77"/>
@@ -13686,12 +13708,6 @@
               <a:t> </a:t>
             </a:r>
             <a:r>
-              <a:rPr lang="he-IL" sz="1120" u="sng" dirty="0">
-                <a:latin typeface="Montserrat" pitchFamily="2" charset="77"/>
-              </a:rPr>
-              <a:t> </a:t>
-            </a:r>
-            <a:r>
               <a:rPr lang="he-IL" sz="1120" dirty="0">
                 <a:latin typeface="Montserrat" pitchFamily="2" charset="77"/>
               </a:rPr>
@@ -13707,7 +13723,40 @@
               <a:rPr lang="he-IL" sz="1120" dirty="0">
                 <a:latin typeface="Montserrat" pitchFamily="2" charset="77"/>
               </a:rPr>
-              <a:t> והשירותים- שירותים הם תהליכי רקע שהאפליקציה יכולה להפעיל , וקלטים הם רכיבים שיכולים לקלוט שידורים מהמערכת או מאפליקציות אחרות. דוגמא לשירות: קביעת אירוע ביומן לפי שעה דרך </a:t>
+              <a:t> והשירותים.</a:t>
+            </a:r>
+            <a:br>
+              <a:rPr lang="en-US" sz="1120" dirty="0">
+                <a:latin typeface="Montserrat" pitchFamily="2" charset="77"/>
+              </a:rPr>
+            </a:br>
+            <a:r>
+              <a:rPr lang="he-IL" sz="1120" dirty="0">
+                <a:latin typeface="Montserrat" pitchFamily="2" charset="77"/>
+              </a:rPr>
+              <a:t>שירותים הם תהליכי רקע שהאפליקציה יכולה להפעיל. </a:t>
+            </a:r>
+            <a:br>
+              <a:rPr lang="en-US" sz="1120" dirty="0">
+                <a:latin typeface="Montserrat" pitchFamily="2" charset="77"/>
+              </a:rPr>
+            </a:br>
+            <a:r>
+              <a:rPr lang="he-IL" sz="1120" dirty="0">
+                <a:latin typeface="Montserrat" pitchFamily="2" charset="77"/>
+              </a:rPr>
+              <a:t>קלטים הם רכיבים שיכולים לקלוט שידורים מהמערכת או מאפליקציות אחרות. </a:t>
+            </a:r>
+            <a:br>
+              <a:rPr lang="en-US" sz="1120" dirty="0">
+                <a:latin typeface="Montserrat" pitchFamily="2" charset="77"/>
+              </a:rPr>
+            </a:br>
+            <a:r>
+              <a:rPr lang="he-IL" sz="1120" dirty="0">
+                <a:latin typeface="Montserrat" pitchFamily="2" charset="77"/>
+              </a:rPr>
+              <a:t>דוגמא לשירות: קביעת אירוע ביומן לפי שעה דרך </a:t>
             </a:r>
             <a:r>
               <a:rPr lang="he-IL" sz="1120" dirty="0" err="1">
@@ -13829,7 +13878,18 @@
               <a:rPr lang="he-IL" sz="1120" dirty="0">
                 <a:latin typeface="Montserrat" pitchFamily="2" charset="77"/>
               </a:rPr>
-              <a:t>) לדוג’: </a:t>
+              <a:t>) </a:t>
+            </a:r>
+            <a:br>
+              <a:rPr lang="en-US" sz="1120" dirty="0">
+                <a:latin typeface="Montserrat" pitchFamily="2" charset="77"/>
+              </a:rPr>
+            </a:br>
+            <a:r>
+              <a:rPr lang="he-IL" sz="1120" dirty="0">
+                <a:latin typeface="Montserrat" pitchFamily="2" charset="77"/>
+              </a:rPr>
+              <a:t>לדוג’: </a:t>
             </a:r>
             <a:r>
               <a:rPr lang="en-US" sz="1120" i="1" dirty="0">
@@ -13857,18 +13917,6 @@
               <a:rPr lang="en-US" sz="1120" b="1" dirty="0">
                 <a:latin typeface="Montserrat" pitchFamily="2" charset="77"/>
               </a:rPr>
-              <a:t>    </a:t>
-            </a:r>
-            <a:r>
-              <a:rPr lang="en-US" sz="1120" dirty="0">
-                <a:latin typeface="Montserrat" pitchFamily="2" charset="77"/>
-              </a:rPr>
-              <a:t> </a:t>
-            </a:r>
-            <a:r>
-              <a:rPr lang="en-US" sz="1120" b="1" dirty="0">
-                <a:latin typeface="Montserrat" pitchFamily="2" charset="77"/>
-              </a:rPr>
               <a:t>-</a:t>
             </a:r>
             <a:r>
@@ -13889,16 +13937,6 @@
               </a:rPr>
               <a:t>אלו הם המסכים או רכיבי ממשק המשתמש המרכיבים אפליקציה עבור משתמשי הקצה.</a:t>
             </a:r>
-          </a:p>
-          <a:p>
-            <a:pPr marL="171450" indent="-171450" algn="r" rtl="1">
-              <a:spcAft>
-                <a:spcPts val="1200"/>
-              </a:spcAft>
-            </a:pPr>
-            <a:endParaRPr lang="he-IL" sz="1120" dirty="0">
-              <a:latin typeface="Montserrat" pitchFamily="2" charset="77"/>
-            </a:endParaRPr>
           </a:p>
           <a:p>
             <a:pPr marL="171450" indent="-171450" algn="r" rtl="1">
@@ -14005,8 +14043,8 @@
         </p:nvSpPr>
         <p:spPr>
           <a:xfrm>
-            <a:off x="314893" y="1307850"/>
-            <a:ext cx="8465769" cy="3835650"/>
+            <a:off x="314893" y="1215189"/>
+            <a:ext cx="8465769" cy="3928311"/>
           </a:xfrm>
           <a:prstGeom prst="rect">
             <a:avLst/>
@@ -14027,7 +14065,7 @@
               <a:rPr lang="he-IL" sz="1120" dirty="0">
                 <a:latin typeface="Montserrat" pitchFamily="2" charset="77"/>
               </a:rPr>
-              <a:t>השלב הראשון היה להשיג מאגר מידע של אפליקציות זדוניות וידידותיות מהאינטרנט. חיפשנו בגוגל, מאגרי מידע ופרויקטים קיימים באינטרנט ולבסוף עשינו איחוד של כלל המידע שמצאנו ל-2 תיקיות, תיקייה אחת עבור אפליקציות זדוניות ותיקייה שניה עבור אפליקציות שפיריות.</a:t>
+              <a:t>השגת מאגר מידע של אפליקציות זדוניות וידידותיות מהאינטרנט. חיפשנו בגוגל, מאגרי מידע ופרויקטים קיימים באינטרנט ולבסוף עשינו איחוד של כלל המידע שמצאנו ל-2 תיקיות: תיקייה אחת עבור אפליקציות זדוניות ותיקייה שניה עבור אפליקציות שפיריות.</a:t>
             </a:r>
           </a:p>
           <a:p>
@@ -14040,7 +14078,7 @@
               <a:rPr lang="he-IL" sz="1120" dirty="0">
                 <a:latin typeface="Montserrat" pitchFamily="2" charset="77"/>
               </a:rPr>
-              <a:t>כתבנו סקריפט שרץ על 2 התיקיות לעיל ומשנה את שמות הקבצים כך שהשם של הקובץ של אפליקציה זדונית יכיל </a:t>
+              <a:t>כתיבת סקריפט שרץ על התיקיות הללו ומשנה את שמות הקבצים כך ששם הקובץ של אפליקציה זדונית יכיל </a:t>
             </a:r>
             <a:r>
               <a:rPr lang="en-US" sz="1120" dirty="0">
@@ -14052,7 +14090,7 @@
               <a:rPr lang="he-IL" sz="1120" dirty="0">
                 <a:latin typeface="Montserrat" pitchFamily="2" charset="77"/>
               </a:rPr>
-              <a:t> ועבור אפליקציה שפירית יתווסף "_</a:t>
+              <a:t> ועבור אפליקציה שפירית יכיל "_</a:t>
             </a:r>
             <a:r>
               <a:rPr lang="en-US" sz="1120" dirty="0">
@@ -14077,7 +14115,7 @@
               <a:rPr lang="he-IL" sz="1120" dirty="0">
                 <a:latin typeface="Montserrat" pitchFamily="2" charset="77"/>
               </a:rPr>
-              <a:t>בשלב השלישי העברנו את כל האפליקציות הקיימות לתיקייה אחת שתכיל את כלל האפליקציות לאחר שינויי השמות.</a:t>
+              <a:t>העברת כל האפליקציות הקיימות לתיקייה אחת שתכיל את כלל האפליקציות לאחר שינויי השמות.</a:t>
             </a:r>
           </a:p>
           <a:p>
@@ -14090,7 +14128,7 @@
               <a:rPr lang="he-IL" sz="1120" dirty="0">
                 <a:latin typeface="Montserrat" pitchFamily="2" charset="77"/>
               </a:rPr>
-              <a:t>רצנו על כל הקבצים בתיקייה: </a:t>
+              <a:t>ריצה על כל הקבצים בתיקייה: </a:t>
             </a:r>
             <a:br>
               <a:rPr lang="en-US" sz="1120" dirty="0">
@@ -14101,7 +14139,7 @@
               <a:rPr lang="he-IL" sz="1120" dirty="0">
                 <a:latin typeface="Montserrat" pitchFamily="2" charset="77"/>
               </a:rPr>
-              <a:t>עבור כל קובץ נבדוק האם השם שלו מכיל ייצוג עבור זדוני או לא, ע"פ הבדיקה הזו נדע לתת </a:t>
+              <a:t>עבור כל קובץ בדקנו האם השם שלו מכיל ייצוג עבור זדוני או לא, ע"פ הבדיקה הזו ידענו לתת </a:t>
             </a:r>
             <a:r>
               <a:rPr lang="en-US" sz="1120" dirty="0">
@@ -14445,7 +14483,7 @@
               <a:rPr lang="he-IL" sz="1400" dirty="0">
                 <a:latin typeface="Montserrat" pitchFamily="2" charset="77"/>
               </a:rPr>
-              <a:t>בדקנו את האלגוריתמים לפי שלש חלוקות שונות של </a:t>
+              <a:t>בדקנו את האלגוריתמים לפי שלוש חלוקות שונות של </a:t>
             </a:r>
             <a:r>
               <a:rPr lang="en-US" sz="1400" dirty="0">
@@ -14496,7 +14534,7 @@
                 <a:latin typeface="Lato" panose="020F0502020204030203" pitchFamily="34" charset="0"/>
                 <a:ea typeface="Lato" panose="020F0502020204030203" pitchFamily="34" charset="0"/>
               </a:rPr>
-              <a:t>לאחר הרצת כלל האלגוריתמים על כלל החלוקות והפרמטרים יצאנו את כלל התוצאות לקבצי</a:t>
+              <a:t>לאחר הרצת כלל האלגוריתמים על כלל החלוקות והפרמטרים ייצאנו את כלל התוצאות לקבצי </a:t>
             </a:r>
             <a:r>
               <a:rPr lang="en-US" sz="1400" dirty="0" err="1">
@@ -14511,7 +14549,20 @@
                 <a:latin typeface="Lato" panose="020F0502020204030203" pitchFamily="34" charset="0"/>
                 <a:ea typeface="Lato" panose="020F0502020204030203" pitchFamily="34" charset="0"/>
               </a:rPr>
-              <a:t> חיצוניים כאשר כל שם קובץ מייצג את האלגוריתם ואת החלוקה שבה הרצנו את האלגוריתם. כלומר, כל קובץ יכיל את ההרצה של האלגוריתם על כלל הערכים הרנדומליים של הפרמטרים לפי ייחס האימון והטסט. </a:t>
+              <a:t> חיצוניים כאשר כל שם קובץ מייצג את שם האלגוריתם ואת החלוקה שהביאה את התוצאות הללו. </a:t>
+            </a:r>
+            <a:br>
+              <a:rPr lang="en-US" sz="1400" dirty="0">
+                <a:latin typeface="Lato" panose="020F0502020204030203" pitchFamily="34" charset="0"/>
+                <a:ea typeface="Lato" panose="020F0502020204030203" pitchFamily="34" charset="0"/>
+              </a:rPr>
+            </a:br>
+            <a:r>
+              <a:rPr lang="he-IL" sz="1400" dirty="0">
+                <a:latin typeface="Lato" panose="020F0502020204030203" pitchFamily="34" charset="0"/>
+                <a:ea typeface="Lato" panose="020F0502020204030203" pitchFamily="34" charset="0"/>
+              </a:rPr>
+              <a:t>כלומר, כל קובץ יכיל את ההרצה של האלגוריתם על כלל הערכים הרנדומליים של הפרמטרים לפי ייחס האימון והטסט. </a:t>
             </a:r>
           </a:p>
           <a:p>
@@ -14734,7 +14785,18 @@
               <a:rPr lang="he-IL" sz="1400" dirty="0">
                 <a:latin typeface="Montserrat" pitchFamily="2" charset="77"/>
               </a:rPr>
-              <a:t> של הסיכון האמפירי וגם של הווקטור.  בנוסף קבענו</a:t>
+              <a:t> של הסיכון האמפירי וגם של הווקטור.  </a:t>
+            </a:r>
+            <a:br>
+              <a:rPr lang="en-US" sz="1400" dirty="0">
+                <a:latin typeface="Montserrat" pitchFamily="2" charset="77"/>
+              </a:rPr>
+            </a:br>
+            <a:r>
+              <a:rPr lang="he-IL" sz="1400" dirty="0">
+                <a:latin typeface="Montserrat" pitchFamily="2" charset="77"/>
+              </a:rPr>
+              <a:t>בנוסף, קבענו</a:t>
             </a:r>
             <a:r>
               <a:rPr lang="en-US" sz="1400" dirty="0">
@@ -15016,7 +15078,14 @@
             </a:r>
             <a:r>
               <a:rPr lang="he-IL" sz="1600" dirty="0"/>
-              <a:t>שונה. אפשר לראות שקיבלנו תוצאות יפות עבור אלגוריתם זה, וניתן לראות שלא קיים </a:t>
+              <a:t>שונה. </a:t>
+            </a:r>
+            <a:br>
+              <a:rPr lang="en-US" sz="1600" dirty="0"/>
+            </a:br>
+            <a:r>
+              <a:rPr lang="he-IL" sz="1600" dirty="0"/>
+              <a:t>אפשר לראות שקיבלנו תוצאות יפות עבור אלגוריתם זה, וניתן לראות שלא קיים </a:t>
             </a:r>
             <a:r>
               <a:rPr lang="en-US" sz="1600" dirty="0"/>
